--- a/study/8_Tree, Graph.pptx
+++ b/study/8_Tree, Graph.pptx
@@ -15,21 +15,24 @@
     <p:sldId id="424" r:id="rId9"/>
     <p:sldId id="419" r:id="rId10"/>
     <p:sldId id="427" r:id="rId11"/>
-    <p:sldId id="425" r:id="rId12"/>
-    <p:sldId id="426" r:id="rId13"/>
-    <p:sldId id="430" r:id="rId14"/>
-    <p:sldId id="429" r:id="rId15"/>
-    <p:sldId id="282" r:id="rId16"/>
-    <p:sldId id="363" r:id="rId17"/>
-    <p:sldId id="428" r:id="rId18"/>
-    <p:sldId id="401" r:id="rId19"/>
-    <p:sldId id="277" r:id="rId20"/>
-    <p:sldId id="278" r:id="rId21"/>
-    <p:sldId id="367" r:id="rId22"/>
-    <p:sldId id="417" r:id="rId23"/>
-    <p:sldId id="431" r:id="rId24"/>
-    <p:sldId id="432" r:id="rId25"/>
-    <p:sldId id="298" r:id="rId26"/>
+    <p:sldId id="433" r:id="rId12"/>
+    <p:sldId id="425" r:id="rId13"/>
+    <p:sldId id="426" r:id="rId14"/>
+    <p:sldId id="434" r:id="rId15"/>
+    <p:sldId id="430" r:id="rId16"/>
+    <p:sldId id="429" r:id="rId17"/>
+    <p:sldId id="282" r:id="rId18"/>
+    <p:sldId id="363" r:id="rId19"/>
+    <p:sldId id="435" r:id="rId20"/>
+    <p:sldId id="428" r:id="rId21"/>
+    <p:sldId id="401" r:id="rId22"/>
+    <p:sldId id="277" r:id="rId23"/>
+    <p:sldId id="278" r:id="rId24"/>
+    <p:sldId id="367" r:id="rId25"/>
+    <p:sldId id="417" r:id="rId26"/>
+    <p:sldId id="431" r:id="rId27"/>
+    <p:sldId id="432" r:id="rId28"/>
+    <p:sldId id="298" r:id="rId29"/>
   </p:sldIdLst>
   <p:sldSz cx="12192000" cy="6858000"/>
   <p:notesSz cx="6858000" cy="9144000"/>
@@ -283,7 +286,7 @@
           <a:p>
             <a:fld id="{33C37291-AA83-40C0-9297-8F7F3693F6CC}" type="datetimeFigureOut">
               <a:rPr lang="ko-KR" altLang="en-US" smtClean="0"/>
-              <a:t>2022-10-03</a:t>
+              <a:t>2022-10-04</a:t>
             </a:fld>
             <a:endParaRPr lang="ko-KR" altLang="en-US"/>
           </a:p>
@@ -481,7 +484,7 @@
           <a:p>
             <a:fld id="{33C37291-AA83-40C0-9297-8F7F3693F6CC}" type="datetimeFigureOut">
               <a:rPr lang="ko-KR" altLang="en-US" smtClean="0"/>
-              <a:t>2022-10-03</a:t>
+              <a:t>2022-10-04</a:t>
             </a:fld>
             <a:endParaRPr lang="ko-KR" altLang="en-US"/>
           </a:p>
@@ -689,7 +692,7 @@
           <a:p>
             <a:fld id="{33C37291-AA83-40C0-9297-8F7F3693F6CC}" type="datetimeFigureOut">
               <a:rPr lang="ko-KR" altLang="en-US" smtClean="0"/>
-              <a:t>2022-10-03</a:t>
+              <a:t>2022-10-04</a:t>
             </a:fld>
             <a:endParaRPr lang="ko-KR" altLang="en-US"/>
           </a:p>
@@ -887,7 +890,7 @@
           <a:p>
             <a:fld id="{33C37291-AA83-40C0-9297-8F7F3693F6CC}" type="datetimeFigureOut">
               <a:rPr lang="ko-KR" altLang="en-US" smtClean="0"/>
-              <a:t>2022-10-03</a:t>
+              <a:t>2022-10-04</a:t>
             </a:fld>
             <a:endParaRPr lang="ko-KR" altLang="en-US"/>
           </a:p>
@@ -1162,7 +1165,7 @@
           <a:p>
             <a:fld id="{33C37291-AA83-40C0-9297-8F7F3693F6CC}" type="datetimeFigureOut">
               <a:rPr lang="ko-KR" altLang="en-US" smtClean="0"/>
-              <a:t>2022-10-03</a:t>
+              <a:t>2022-10-04</a:t>
             </a:fld>
             <a:endParaRPr lang="ko-KR" altLang="en-US"/>
           </a:p>
@@ -1427,7 +1430,7 @@
           <a:p>
             <a:fld id="{33C37291-AA83-40C0-9297-8F7F3693F6CC}" type="datetimeFigureOut">
               <a:rPr lang="ko-KR" altLang="en-US" smtClean="0"/>
-              <a:t>2022-10-03</a:t>
+              <a:t>2022-10-04</a:t>
             </a:fld>
             <a:endParaRPr lang="ko-KR" altLang="en-US"/>
           </a:p>
@@ -1839,7 +1842,7 @@
           <a:p>
             <a:fld id="{33C37291-AA83-40C0-9297-8F7F3693F6CC}" type="datetimeFigureOut">
               <a:rPr lang="ko-KR" altLang="en-US" smtClean="0"/>
-              <a:t>2022-10-03</a:t>
+              <a:t>2022-10-04</a:t>
             </a:fld>
             <a:endParaRPr lang="ko-KR" altLang="en-US"/>
           </a:p>
@@ -1980,7 +1983,7 @@
           <a:p>
             <a:fld id="{33C37291-AA83-40C0-9297-8F7F3693F6CC}" type="datetimeFigureOut">
               <a:rPr lang="ko-KR" altLang="en-US" smtClean="0"/>
-              <a:t>2022-10-03</a:t>
+              <a:t>2022-10-04</a:t>
             </a:fld>
             <a:endParaRPr lang="ko-KR" altLang="en-US"/>
           </a:p>
@@ -2093,7 +2096,7 @@
           <a:p>
             <a:fld id="{33C37291-AA83-40C0-9297-8F7F3693F6CC}" type="datetimeFigureOut">
               <a:rPr lang="ko-KR" altLang="en-US" smtClean="0"/>
-              <a:t>2022-10-03</a:t>
+              <a:t>2022-10-04</a:t>
             </a:fld>
             <a:endParaRPr lang="ko-KR" altLang="en-US"/>
           </a:p>
@@ -2404,7 +2407,7 @@
           <a:p>
             <a:fld id="{33C37291-AA83-40C0-9297-8F7F3693F6CC}" type="datetimeFigureOut">
               <a:rPr lang="ko-KR" altLang="en-US" smtClean="0"/>
-              <a:t>2022-10-03</a:t>
+              <a:t>2022-10-04</a:t>
             </a:fld>
             <a:endParaRPr lang="ko-KR" altLang="en-US"/>
           </a:p>
@@ -2692,7 +2695,7 @@
           <a:p>
             <a:fld id="{33C37291-AA83-40C0-9297-8F7F3693F6CC}" type="datetimeFigureOut">
               <a:rPr lang="ko-KR" altLang="en-US" smtClean="0"/>
-              <a:t>2022-10-03</a:t>
+              <a:t>2022-10-04</a:t>
             </a:fld>
             <a:endParaRPr lang="ko-KR" altLang="en-US"/>
           </a:p>
@@ -2933,7 +2936,7 @@
           <a:p>
             <a:fld id="{33C37291-AA83-40C0-9297-8F7F3693F6CC}" type="datetimeFigureOut">
               <a:rPr lang="ko-KR" altLang="en-US" smtClean="0"/>
-              <a:t>2022-10-03</a:t>
+              <a:t>2022-10-04</a:t>
             </a:fld>
             <a:endParaRPr lang="ko-KR" altLang="en-US"/>
           </a:p>
@@ -3646,6 +3649,386 @@
           </a:p>
         </p:txBody>
       </p:sp>
+      <p:sp>
+        <p:nvSpPr>
+          <p:cNvPr id="2" name="TextBox 1">
+            <a:extLst>
+              <a:ext uri="{FF2B5EF4-FFF2-40B4-BE49-F238E27FC236}">
+                <a16:creationId xmlns:a16="http://schemas.microsoft.com/office/drawing/2014/main" id="{C86137A0-5B5B-F6C5-65B4-DBF2887622BC}"/>
+              </a:ext>
+            </a:extLst>
+          </p:cNvPr>
+          <p:cNvSpPr txBox="1"/>
+          <p:nvPr/>
+        </p:nvSpPr>
+        <p:spPr>
+          <a:xfrm>
+            <a:off x="942387" y="1721362"/>
+            <a:ext cx="10237694" cy="369332"/>
+          </a:xfrm>
+          <a:prstGeom prst="rect">
+            <a:avLst/>
+          </a:prstGeom>
+          <a:noFill/>
+        </p:spPr>
+        <p:txBody>
+          <a:bodyPr wrap="square" rtlCol="0">
+            <a:spAutoFit/>
+          </a:bodyPr>
+          <a:lstStyle/>
+          <a:p>
+            <a:r>
+              <a:rPr lang="ko-KR" altLang="en-US" dirty="0">
+                <a:latin typeface="나눔스퀘어 Light" panose="020B0600000101010101" pitchFamily="50" charset="-127"/>
+                <a:ea typeface="나눔스퀘어 Light" panose="020B0600000101010101" pitchFamily="50" charset="-127"/>
+              </a:rPr>
+              <a:t>그래프</a:t>
+            </a:r>
+            <a:r>
+              <a:rPr lang="en-US" altLang="ko-KR" dirty="0">
+                <a:latin typeface="나눔스퀘어 Light" panose="020B0600000101010101" pitchFamily="50" charset="-127"/>
+                <a:ea typeface="나눔스퀘어 Light" panose="020B0600000101010101" pitchFamily="50" charset="-127"/>
+              </a:rPr>
+              <a:t>(Graph) : </a:t>
+            </a:r>
+            <a:r>
+              <a:rPr lang="ko-KR" altLang="en-US" dirty="0">
+                <a:latin typeface="나눔스퀘어 Light" panose="020B0600000101010101" pitchFamily="50" charset="-127"/>
+                <a:ea typeface="나눔스퀘어 Light" panose="020B0600000101010101" pitchFamily="50" charset="-127"/>
+              </a:rPr>
+              <a:t>정점간 관계를 간선으로 연결한 자료구조</a:t>
+            </a:r>
+          </a:p>
+        </p:txBody>
+      </p:sp>
+      <p:sp>
+        <p:nvSpPr>
+          <p:cNvPr id="4" name="TextBox 3">
+            <a:extLst>
+              <a:ext uri="{FF2B5EF4-FFF2-40B4-BE49-F238E27FC236}">
+                <a16:creationId xmlns:a16="http://schemas.microsoft.com/office/drawing/2014/main" id="{3769A1F2-5C3F-B077-535E-8FF727058687}"/>
+              </a:ext>
+            </a:extLst>
+          </p:cNvPr>
+          <p:cNvSpPr txBox="1"/>
+          <p:nvPr/>
+        </p:nvSpPr>
+        <p:spPr>
+          <a:xfrm>
+            <a:off x="942387" y="2090694"/>
+            <a:ext cx="10237694" cy="369332"/>
+          </a:xfrm>
+          <a:prstGeom prst="rect">
+            <a:avLst/>
+          </a:prstGeom>
+          <a:noFill/>
+        </p:spPr>
+        <p:txBody>
+          <a:bodyPr wrap="square" rtlCol="0">
+            <a:spAutoFit/>
+          </a:bodyPr>
+          <a:lstStyle/>
+          <a:p>
+            <a:r>
+              <a:rPr lang="ko-KR" altLang="en-US" dirty="0">
+                <a:latin typeface="나눔스퀘어 Light" panose="020B0600000101010101" pitchFamily="50" charset="-127"/>
+                <a:ea typeface="나눔스퀘어 Light" panose="020B0600000101010101" pitchFamily="50" charset="-127"/>
+              </a:rPr>
+              <a:t>트리</a:t>
+            </a:r>
+            <a:r>
+              <a:rPr lang="en-US" altLang="ko-KR" dirty="0">
+                <a:latin typeface="나눔스퀘어 Light" panose="020B0600000101010101" pitchFamily="50" charset="-127"/>
+                <a:ea typeface="나눔스퀘어 Light" panose="020B0600000101010101" pitchFamily="50" charset="-127"/>
+              </a:rPr>
+              <a:t>(Tree) : </a:t>
+            </a:r>
+            <a:r>
+              <a:rPr lang="ko-KR" altLang="en-US" dirty="0">
+                <a:latin typeface="나눔스퀘어 Light" panose="020B0600000101010101" pitchFamily="50" charset="-127"/>
+                <a:ea typeface="나눔스퀘어 Light" panose="020B0600000101010101" pitchFamily="50" charset="-127"/>
+              </a:rPr>
+              <a:t>사이클이 없는 연결 </a:t>
+            </a:r>
+            <a:r>
+              <a:rPr lang="ko-KR" altLang="en-US" dirty="0">
+                <a:solidFill>
+                  <a:srgbClr val="FF0000"/>
+                </a:solidFill>
+                <a:latin typeface="나눔스퀘어 Bold" panose="020B0600000101010101" pitchFamily="50" charset="-127"/>
+                <a:ea typeface="나눔스퀘어 Bold" panose="020B0600000101010101" pitchFamily="50" charset="-127"/>
+              </a:rPr>
+              <a:t>그래프</a:t>
+            </a:r>
+          </a:p>
+        </p:txBody>
+      </p:sp>
+      <p:sp>
+        <p:nvSpPr>
+          <p:cNvPr id="8" name="TextBox 7">
+            <a:extLst>
+              <a:ext uri="{FF2B5EF4-FFF2-40B4-BE49-F238E27FC236}">
+                <a16:creationId xmlns:a16="http://schemas.microsoft.com/office/drawing/2014/main" id="{AAB963E1-9030-12E0-C6EC-D9C7FA95BAE0}"/>
+              </a:ext>
+            </a:extLst>
+          </p:cNvPr>
+          <p:cNvSpPr txBox="1"/>
+          <p:nvPr/>
+        </p:nvSpPr>
+        <p:spPr>
+          <a:xfrm>
+            <a:off x="942387" y="2829358"/>
+            <a:ext cx="10237694" cy="369332"/>
+          </a:xfrm>
+          <a:prstGeom prst="rect">
+            <a:avLst/>
+          </a:prstGeom>
+          <a:noFill/>
+        </p:spPr>
+        <p:txBody>
+          <a:bodyPr wrap="square" rtlCol="0">
+            <a:spAutoFit/>
+          </a:bodyPr>
+          <a:lstStyle/>
+          <a:p>
+            <a:r>
+              <a:rPr lang="ko-KR" altLang="en-US" dirty="0">
+                <a:latin typeface="나눔스퀘어 Light" panose="020B0600000101010101" pitchFamily="50" charset="-127"/>
+                <a:ea typeface="나눔스퀘어 Light" panose="020B0600000101010101" pitchFamily="50" charset="-127"/>
+              </a:rPr>
+              <a:t>즉</a:t>
+            </a:r>
+            <a:r>
+              <a:rPr lang="en-US" altLang="ko-KR" dirty="0">
+                <a:latin typeface="나눔스퀘어 Light" panose="020B0600000101010101" pitchFamily="50" charset="-127"/>
+                <a:ea typeface="나눔스퀘어 Light" panose="020B0600000101010101" pitchFamily="50" charset="-127"/>
+              </a:rPr>
+              <a:t>, </a:t>
+            </a:r>
+            <a:r>
+              <a:rPr lang="ko-KR" altLang="en-US" dirty="0">
+                <a:latin typeface="나눔스퀘어 Light" panose="020B0600000101010101" pitchFamily="50" charset="-127"/>
+                <a:ea typeface="나눔스퀘어 Light" panose="020B0600000101010101" pitchFamily="50" charset="-127"/>
+              </a:rPr>
+              <a:t>트리는 그래프의 한 종류입니다</a:t>
+            </a:r>
+            <a:r>
+              <a:rPr lang="en-US" altLang="ko-KR" dirty="0">
+                <a:latin typeface="나눔스퀘어 Light" panose="020B0600000101010101" pitchFamily="50" charset="-127"/>
+                <a:ea typeface="나눔스퀘어 Light" panose="020B0600000101010101" pitchFamily="50" charset="-127"/>
+              </a:rPr>
+              <a:t>.	(</a:t>
+            </a:r>
+            <a:r>
+              <a:rPr lang="ko-KR" altLang="en-US" dirty="0">
+                <a:latin typeface="나눔스퀘어 Light" panose="020B0600000101010101" pitchFamily="50" charset="-127"/>
+                <a:ea typeface="나눔스퀘어 Light" panose="020B0600000101010101" pitchFamily="50" charset="-127"/>
+              </a:rPr>
+              <a:t>트리 ⊂ 그래프</a:t>
+            </a:r>
+            <a:r>
+              <a:rPr lang="en-US" altLang="ko-KR" dirty="0">
+                <a:latin typeface="나눔스퀘어 Light" panose="020B0600000101010101" pitchFamily="50" charset="-127"/>
+                <a:ea typeface="나눔스퀘어 Light" panose="020B0600000101010101" pitchFamily="50" charset="-127"/>
+              </a:rPr>
+              <a:t>)</a:t>
+            </a:r>
+            <a:endParaRPr lang="ko-KR" altLang="en-US" dirty="0">
+              <a:latin typeface="나눔스퀘어 Light" panose="020B0600000101010101" pitchFamily="50" charset="-127"/>
+              <a:ea typeface="나눔스퀘어 Light" panose="020B0600000101010101" pitchFamily="50" charset="-127"/>
+            </a:endParaRPr>
+          </a:p>
+        </p:txBody>
+      </p:sp>
+      <p:sp>
+        <p:nvSpPr>
+          <p:cNvPr id="9" name="타원 8">
+            <a:extLst>
+              <a:ext uri="{FF2B5EF4-FFF2-40B4-BE49-F238E27FC236}">
+                <a16:creationId xmlns:a16="http://schemas.microsoft.com/office/drawing/2014/main" id="{D4DD6033-2414-5509-29B3-5EBDDB2DB6F3}"/>
+              </a:ext>
+            </a:extLst>
+          </p:cNvPr>
+          <p:cNvSpPr/>
+          <p:nvPr/>
+        </p:nvSpPr>
+        <p:spPr>
+          <a:xfrm>
+            <a:off x="1234911" y="3429000"/>
+            <a:ext cx="3337089" cy="2934093"/>
+          </a:xfrm>
+          <a:prstGeom prst="ellipse">
+            <a:avLst/>
+          </a:prstGeom>
+          <a:solidFill>
+            <a:schemeClr val="accent5">
+              <a:lumMod val="75000"/>
+            </a:schemeClr>
+          </a:solidFill>
+        </p:spPr>
+        <p:style>
+          <a:lnRef idx="2">
+            <a:schemeClr val="accent1">
+              <a:shade val="50000"/>
+            </a:schemeClr>
+          </a:lnRef>
+          <a:fillRef idx="1">
+            <a:schemeClr val="accent1"/>
+          </a:fillRef>
+          <a:effectRef idx="0">
+            <a:schemeClr val="accent1"/>
+          </a:effectRef>
+          <a:fontRef idx="minor">
+            <a:schemeClr val="lt1"/>
+          </a:fontRef>
+        </p:style>
+        <p:txBody>
+          <a:bodyPr rtlCol="0" anchor="ctr"/>
+          <a:lstStyle/>
+          <a:p>
+            <a:pPr algn="ctr"/>
+            <a:endParaRPr lang="ko-KR" altLang="en-US"/>
+          </a:p>
+        </p:txBody>
+      </p:sp>
+      <p:sp>
+        <p:nvSpPr>
+          <p:cNvPr id="10" name="타원 9">
+            <a:extLst>
+              <a:ext uri="{FF2B5EF4-FFF2-40B4-BE49-F238E27FC236}">
+                <a16:creationId xmlns:a16="http://schemas.microsoft.com/office/drawing/2014/main" id="{E88DABBC-394F-1B39-9C83-8C8E651D4DFC}"/>
+              </a:ext>
+            </a:extLst>
+          </p:cNvPr>
+          <p:cNvSpPr/>
+          <p:nvPr/>
+        </p:nvSpPr>
+        <p:spPr>
+          <a:xfrm>
+            <a:off x="1913643" y="4364611"/>
+            <a:ext cx="1989056" cy="1605884"/>
+          </a:xfrm>
+          <a:prstGeom prst="ellipse">
+            <a:avLst/>
+          </a:prstGeom>
+          <a:solidFill>
+            <a:schemeClr val="accent2">
+              <a:lumMod val="60000"/>
+              <a:lumOff val="40000"/>
+            </a:schemeClr>
+          </a:solidFill>
+        </p:spPr>
+        <p:style>
+          <a:lnRef idx="2">
+            <a:schemeClr val="accent1">
+              <a:shade val="50000"/>
+            </a:schemeClr>
+          </a:lnRef>
+          <a:fillRef idx="1">
+            <a:schemeClr val="accent1"/>
+          </a:fillRef>
+          <a:effectRef idx="0">
+            <a:schemeClr val="accent1"/>
+          </a:effectRef>
+          <a:fontRef idx="minor">
+            <a:schemeClr val="lt1"/>
+          </a:fontRef>
+        </p:style>
+        <p:txBody>
+          <a:bodyPr rtlCol="0" anchor="ctr"/>
+          <a:lstStyle/>
+          <a:p>
+            <a:pPr algn="ctr"/>
+            <a:endParaRPr lang="ko-KR" altLang="en-US"/>
+          </a:p>
+        </p:txBody>
+      </p:sp>
+      <p:sp>
+        <p:nvSpPr>
+          <p:cNvPr id="11" name="TextBox 10">
+            <a:extLst>
+              <a:ext uri="{FF2B5EF4-FFF2-40B4-BE49-F238E27FC236}">
+                <a16:creationId xmlns:a16="http://schemas.microsoft.com/office/drawing/2014/main" id="{CAF02A17-9788-22F3-C6FF-E281EECD338B}"/>
+              </a:ext>
+            </a:extLst>
+          </p:cNvPr>
+          <p:cNvSpPr txBox="1"/>
+          <p:nvPr/>
+        </p:nvSpPr>
+        <p:spPr>
+          <a:xfrm>
+            <a:off x="2116170" y="3764969"/>
+            <a:ext cx="1574570" cy="369332"/>
+          </a:xfrm>
+          <a:prstGeom prst="rect">
+            <a:avLst/>
+          </a:prstGeom>
+          <a:noFill/>
+        </p:spPr>
+        <p:txBody>
+          <a:bodyPr wrap="square" rtlCol="0">
+            <a:spAutoFit/>
+          </a:bodyPr>
+          <a:lstStyle/>
+          <a:p>
+            <a:pPr algn="ctr"/>
+            <a:r>
+              <a:rPr lang="en-US" altLang="ko-KR" dirty="0">
+                <a:latin typeface="나눔스퀘어 Bold" panose="020B0600000101010101" pitchFamily="50" charset="-127"/>
+                <a:ea typeface="나눔스퀘어 Bold" panose="020B0600000101010101" pitchFamily="50" charset="-127"/>
+              </a:rPr>
+              <a:t>Graph</a:t>
+            </a:r>
+            <a:endParaRPr lang="ko-KR" altLang="en-US" dirty="0">
+              <a:latin typeface="나눔스퀘어 Bold" panose="020B0600000101010101" pitchFamily="50" charset="-127"/>
+              <a:ea typeface="나눔스퀘어 Bold" panose="020B0600000101010101" pitchFamily="50" charset="-127"/>
+            </a:endParaRPr>
+          </a:p>
+        </p:txBody>
+      </p:sp>
+      <p:sp>
+        <p:nvSpPr>
+          <p:cNvPr id="12" name="TextBox 11">
+            <a:extLst>
+              <a:ext uri="{FF2B5EF4-FFF2-40B4-BE49-F238E27FC236}">
+                <a16:creationId xmlns:a16="http://schemas.microsoft.com/office/drawing/2014/main" id="{C616628A-A31C-07FC-AD8A-37D53788C029}"/>
+              </a:ext>
+            </a:extLst>
+          </p:cNvPr>
+          <p:cNvSpPr txBox="1"/>
+          <p:nvPr/>
+        </p:nvSpPr>
+        <p:spPr>
+          <a:xfrm>
+            <a:off x="2116170" y="4711380"/>
+            <a:ext cx="1574570" cy="369332"/>
+          </a:xfrm>
+          <a:prstGeom prst="rect">
+            <a:avLst/>
+          </a:prstGeom>
+          <a:noFill/>
+        </p:spPr>
+        <p:txBody>
+          <a:bodyPr wrap="square" rtlCol="0">
+            <a:spAutoFit/>
+          </a:bodyPr>
+          <a:lstStyle/>
+          <a:p>
+            <a:pPr algn="ctr"/>
+            <a:r>
+              <a:rPr lang="en-US" altLang="ko-KR" dirty="0">
+                <a:latin typeface="나눔스퀘어 Bold" panose="020B0600000101010101" pitchFamily="50" charset="-127"/>
+                <a:ea typeface="나눔스퀘어 Bold" panose="020B0600000101010101" pitchFamily="50" charset="-127"/>
+              </a:rPr>
+              <a:t>Tree</a:t>
+            </a:r>
+            <a:endParaRPr lang="ko-KR" altLang="en-US" dirty="0">
+              <a:latin typeface="나눔스퀘어 Bold" panose="020B0600000101010101" pitchFamily="50" charset="-127"/>
+              <a:ea typeface="나눔스퀘어 Bold" panose="020B0600000101010101" pitchFamily="50" charset="-127"/>
+            </a:endParaRPr>
+          </a:p>
+        </p:txBody>
+      </p:sp>
     </p:spTree>
     <p:extLst>
       <p:ext uri="{BB962C8B-B14F-4D97-AF65-F5344CB8AC3E}">
@@ -3735,7 +4118,7 @@
         <p:spPr>
           <a:xfrm>
             <a:off x="331694" y="177505"/>
-            <a:ext cx="2832891" cy="523220"/>
+            <a:ext cx="2462725" cy="523220"/>
           </a:xfrm>
           <a:prstGeom prst="rect">
             <a:avLst/>
@@ -3753,7 +4136,7 @@
                 <a:latin typeface="나눔스퀘어 Bold" panose="020B0600000101010101" pitchFamily="50" charset="-127"/>
                 <a:ea typeface="나눔스퀘어 Bold" panose="020B0600000101010101" pitchFamily="50" charset="-127"/>
               </a:rPr>
-              <a:t>Graph Traversal</a:t>
+              <a:t>Graph Theory</a:t>
             </a:r>
             <a:endParaRPr lang="ko-KR" altLang="en-US" sz="2800" dirty="0">
               <a:latin typeface="나눔스퀘어 Bold" panose="020B0600000101010101" pitchFamily="50" charset="-127"/>
@@ -3764,10 +4147,459 @@
       </p:sp>
       <p:sp>
         <p:nvSpPr>
-          <p:cNvPr id="3" name="TextBox 2">
-            <a:extLst>
-              <a:ext uri="{FF2B5EF4-FFF2-40B4-BE49-F238E27FC236}">
-                <a16:creationId xmlns:a16="http://schemas.microsoft.com/office/drawing/2014/main" id="{D54471A0-9E82-57E4-CB63-5D6EE4E26A1A}"/>
+          <p:cNvPr id="7" name="타원 6">
+            <a:extLst>
+              <a:ext uri="{FF2B5EF4-FFF2-40B4-BE49-F238E27FC236}">
+                <a16:creationId xmlns:a16="http://schemas.microsoft.com/office/drawing/2014/main" id="{0D3FB8A8-7F09-9D3C-D057-8A09936CEF7E}"/>
+              </a:ext>
+            </a:extLst>
+          </p:cNvPr>
+          <p:cNvSpPr/>
+          <p:nvPr/>
+        </p:nvSpPr>
+        <p:spPr>
+          <a:xfrm>
+            <a:off x="1058228" y="1805795"/>
+            <a:ext cx="369332" cy="369332"/>
+          </a:xfrm>
+          <a:prstGeom prst="ellipse">
+            <a:avLst/>
+          </a:prstGeom>
+          <a:noFill/>
+          <a:ln w="19050">
+            <a:solidFill>
+              <a:schemeClr val="tx1"/>
+            </a:solidFill>
+          </a:ln>
+        </p:spPr>
+        <p:style>
+          <a:lnRef idx="2">
+            <a:schemeClr val="accent1">
+              <a:shade val="50000"/>
+            </a:schemeClr>
+          </a:lnRef>
+          <a:fillRef idx="1">
+            <a:schemeClr val="accent1"/>
+          </a:fillRef>
+          <a:effectRef idx="0">
+            <a:schemeClr val="accent1"/>
+          </a:effectRef>
+          <a:fontRef idx="minor">
+            <a:schemeClr val="lt1"/>
+          </a:fontRef>
+        </p:style>
+        <p:txBody>
+          <a:bodyPr rtlCol="0" anchor="ctr"/>
+          <a:lstStyle/>
+          <a:p>
+            <a:pPr algn="ctr"/>
+            <a:r>
+              <a:rPr lang="en-US" altLang="ko-KR" sz="1600" dirty="0">
+                <a:solidFill>
+                  <a:schemeClr val="tx1"/>
+                </a:solidFill>
+                <a:latin typeface="나눔스퀘어 Bold" panose="020B0600000101010101" pitchFamily="50" charset="-127"/>
+                <a:ea typeface="나눔스퀘어 Bold" panose="020B0600000101010101" pitchFamily="50" charset="-127"/>
+              </a:rPr>
+              <a:t>4</a:t>
+            </a:r>
+            <a:endParaRPr lang="ko-KR" altLang="en-US" sz="1600" dirty="0">
+              <a:solidFill>
+                <a:schemeClr val="tx1"/>
+              </a:solidFill>
+              <a:latin typeface="나눔스퀘어 Bold" panose="020B0600000101010101" pitchFamily="50" charset="-127"/>
+              <a:ea typeface="나눔스퀘어 Bold" panose="020B0600000101010101" pitchFamily="50" charset="-127"/>
+            </a:endParaRPr>
+          </a:p>
+        </p:txBody>
+      </p:sp>
+      <p:sp>
+        <p:nvSpPr>
+          <p:cNvPr id="13" name="타원 12">
+            <a:extLst>
+              <a:ext uri="{FF2B5EF4-FFF2-40B4-BE49-F238E27FC236}">
+                <a16:creationId xmlns:a16="http://schemas.microsoft.com/office/drawing/2014/main" id="{E152F7D4-C4E9-DD16-0A0B-443A5595541F}"/>
+              </a:ext>
+            </a:extLst>
+          </p:cNvPr>
+          <p:cNvSpPr/>
+          <p:nvPr/>
+        </p:nvSpPr>
+        <p:spPr>
+          <a:xfrm>
+            <a:off x="2415989" y="2129314"/>
+            <a:ext cx="369332" cy="369332"/>
+          </a:xfrm>
+          <a:prstGeom prst="ellipse">
+            <a:avLst/>
+          </a:prstGeom>
+          <a:noFill/>
+          <a:ln w="19050">
+            <a:solidFill>
+              <a:schemeClr val="tx1"/>
+            </a:solidFill>
+          </a:ln>
+        </p:spPr>
+        <p:style>
+          <a:lnRef idx="2">
+            <a:schemeClr val="accent1">
+              <a:shade val="50000"/>
+            </a:schemeClr>
+          </a:lnRef>
+          <a:fillRef idx="1">
+            <a:schemeClr val="accent1"/>
+          </a:fillRef>
+          <a:effectRef idx="0">
+            <a:schemeClr val="accent1"/>
+          </a:effectRef>
+          <a:fontRef idx="minor">
+            <a:schemeClr val="lt1"/>
+          </a:fontRef>
+        </p:style>
+        <p:txBody>
+          <a:bodyPr rtlCol="0" anchor="ctr"/>
+          <a:lstStyle/>
+          <a:p>
+            <a:pPr algn="ctr"/>
+            <a:r>
+              <a:rPr lang="en-US" altLang="ko-KR" sz="1600" dirty="0">
+                <a:solidFill>
+                  <a:schemeClr val="tx1"/>
+                </a:solidFill>
+                <a:latin typeface="나눔스퀘어 Bold" panose="020B0600000101010101" pitchFamily="50" charset="-127"/>
+                <a:ea typeface="나눔스퀘어 Bold" panose="020B0600000101010101" pitchFamily="50" charset="-127"/>
+              </a:rPr>
+              <a:t>2</a:t>
+            </a:r>
+            <a:endParaRPr lang="ko-KR" altLang="en-US" sz="1600" dirty="0">
+              <a:solidFill>
+                <a:schemeClr val="tx1"/>
+              </a:solidFill>
+              <a:latin typeface="나눔스퀘어 Bold" panose="020B0600000101010101" pitchFamily="50" charset="-127"/>
+              <a:ea typeface="나눔스퀘어 Bold" panose="020B0600000101010101" pitchFamily="50" charset="-127"/>
+            </a:endParaRPr>
+          </a:p>
+        </p:txBody>
+      </p:sp>
+      <p:sp>
+        <p:nvSpPr>
+          <p:cNvPr id="14" name="타원 13">
+            <a:extLst>
+              <a:ext uri="{FF2B5EF4-FFF2-40B4-BE49-F238E27FC236}">
+                <a16:creationId xmlns:a16="http://schemas.microsoft.com/office/drawing/2014/main" id="{A175E49E-B570-5919-8B7D-085EDDC01660}"/>
+              </a:ext>
+            </a:extLst>
+          </p:cNvPr>
+          <p:cNvSpPr/>
+          <p:nvPr/>
+        </p:nvSpPr>
+        <p:spPr>
+          <a:xfrm>
+            <a:off x="1571281" y="2857835"/>
+            <a:ext cx="369332" cy="369332"/>
+          </a:xfrm>
+          <a:prstGeom prst="ellipse">
+            <a:avLst/>
+          </a:prstGeom>
+          <a:noFill/>
+          <a:ln w="19050">
+            <a:solidFill>
+              <a:schemeClr val="tx1"/>
+            </a:solidFill>
+          </a:ln>
+        </p:spPr>
+        <p:style>
+          <a:lnRef idx="2">
+            <a:schemeClr val="accent1">
+              <a:shade val="50000"/>
+            </a:schemeClr>
+          </a:lnRef>
+          <a:fillRef idx="1">
+            <a:schemeClr val="accent1"/>
+          </a:fillRef>
+          <a:effectRef idx="0">
+            <a:schemeClr val="accent1"/>
+          </a:effectRef>
+          <a:fontRef idx="minor">
+            <a:schemeClr val="lt1"/>
+          </a:fontRef>
+        </p:style>
+        <p:txBody>
+          <a:bodyPr rtlCol="0" anchor="ctr"/>
+          <a:lstStyle/>
+          <a:p>
+            <a:pPr algn="ctr"/>
+            <a:r>
+              <a:rPr lang="en-US" altLang="ko-KR" sz="1600" dirty="0">
+                <a:solidFill>
+                  <a:schemeClr val="tx1"/>
+                </a:solidFill>
+                <a:latin typeface="나눔스퀘어 Bold" panose="020B0600000101010101" pitchFamily="50" charset="-127"/>
+                <a:ea typeface="나눔스퀘어 Bold" panose="020B0600000101010101" pitchFamily="50" charset="-127"/>
+              </a:rPr>
+              <a:t>3</a:t>
+            </a:r>
+            <a:endParaRPr lang="ko-KR" altLang="en-US" sz="1600" dirty="0">
+              <a:solidFill>
+                <a:schemeClr val="tx1"/>
+              </a:solidFill>
+              <a:latin typeface="나눔스퀘어 Bold" panose="020B0600000101010101" pitchFamily="50" charset="-127"/>
+              <a:ea typeface="나눔스퀘어 Bold" panose="020B0600000101010101" pitchFamily="50" charset="-127"/>
+            </a:endParaRPr>
+          </a:p>
+        </p:txBody>
+      </p:sp>
+      <p:sp>
+        <p:nvSpPr>
+          <p:cNvPr id="15" name="타원 14">
+            <a:extLst>
+              <a:ext uri="{FF2B5EF4-FFF2-40B4-BE49-F238E27FC236}">
+                <a16:creationId xmlns:a16="http://schemas.microsoft.com/office/drawing/2014/main" id="{01D681C0-22E0-213E-E64B-2561EDF24E76}"/>
+              </a:ext>
+            </a:extLst>
+          </p:cNvPr>
+          <p:cNvSpPr/>
+          <p:nvPr/>
+        </p:nvSpPr>
+        <p:spPr>
+          <a:xfrm>
+            <a:off x="3870358" y="2129314"/>
+            <a:ext cx="369332" cy="369332"/>
+          </a:xfrm>
+          <a:prstGeom prst="ellipse">
+            <a:avLst/>
+          </a:prstGeom>
+          <a:noFill/>
+          <a:ln w="19050">
+            <a:solidFill>
+              <a:schemeClr val="tx1"/>
+            </a:solidFill>
+          </a:ln>
+        </p:spPr>
+        <p:style>
+          <a:lnRef idx="2">
+            <a:schemeClr val="accent1">
+              <a:shade val="50000"/>
+            </a:schemeClr>
+          </a:lnRef>
+          <a:fillRef idx="1">
+            <a:schemeClr val="accent1"/>
+          </a:fillRef>
+          <a:effectRef idx="0">
+            <a:schemeClr val="accent1"/>
+          </a:effectRef>
+          <a:fontRef idx="minor">
+            <a:schemeClr val="lt1"/>
+          </a:fontRef>
+        </p:style>
+        <p:txBody>
+          <a:bodyPr rtlCol="0" anchor="ctr"/>
+          <a:lstStyle/>
+          <a:p>
+            <a:pPr algn="ctr"/>
+            <a:r>
+              <a:rPr lang="en-US" altLang="ko-KR" sz="1600" dirty="0">
+                <a:solidFill>
+                  <a:schemeClr val="tx1"/>
+                </a:solidFill>
+                <a:latin typeface="나눔스퀘어 Bold" panose="020B0600000101010101" pitchFamily="50" charset="-127"/>
+                <a:ea typeface="나눔스퀘어 Bold" panose="020B0600000101010101" pitchFamily="50" charset="-127"/>
+              </a:rPr>
+              <a:t>1</a:t>
+            </a:r>
+            <a:endParaRPr lang="ko-KR" altLang="en-US" sz="1600" dirty="0">
+              <a:solidFill>
+                <a:schemeClr val="tx1"/>
+              </a:solidFill>
+              <a:latin typeface="나눔스퀘어 Bold" panose="020B0600000101010101" pitchFamily="50" charset="-127"/>
+              <a:ea typeface="나눔스퀘어 Bold" panose="020B0600000101010101" pitchFamily="50" charset="-127"/>
+            </a:endParaRPr>
+          </a:p>
+        </p:txBody>
+      </p:sp>
+      <p:cxnSp>
+        <p:nvCxnSpPr>
+          <p:cNvPr id="16" name="직선 연결선 15">
+            <a:extLst>
+              <a:ext uri="{FF2B5EF4-FFF2-40B4-BE49-F238E27FC236}">
+                <a16:creationId xmlns:a16="http://schemas.microsoft.com/office/drawing/2014/main" id="{52DFA645-D9B7-4E24-898C-DE043194C20A}"/>
+              </a:ext>
+            </a:extLst>
+          </p:cNvPr>
+          <p:cNvCxnSpPr>
+            <a:stCxn id="7" idx="6"/>
+            <a:endCxn id="13" idx="1"/>
+          </p:cNvCxnSpPr>
+          <p:nvPr/>
+        </p:nvCxnSpPr>
+        <p:spPr>
+          <a:xfrm>
+            <a:off x="1427560" y="1990461"/>
+            <a:ext cx="1042516" cy="192940"/>
+          </a:xfrm>
+          <a:prstGeom prst="line">
+            <a:avLst/>
+          </a:prstGeom>
+          <a:ln w="12700">
+            <a:solidFill>
+              <a:schemeClr val="tx1"/>
+            </a:solidFill>
+          </a:ln>
+        </p:spPr>
+        <p:style>
+          <a:lnRef idx="1">
+            <a:schemeClr val="accent1"/>
+          </a:lnRef>
+          <a:fillRef idx="0">
+            <a:schemeClr val="accent1"/>
+          </a:fillRef>
+          <a:effectRef idx="0">
+            <a:schemeClr val="accent1"/>
+          </a:effectRef>
+          <a:fontRef idx="minor">
+            <a:schemeClr val="tx1"/>
+          </a:fontRef>
+        </p:style>
+      </p:cxnSp>
+      <p:cxnSp>
+        <p:nvCxnSpPr>
+          <p:cNvPr id="17" name="직선 연결선 16">
+            <a:extLst>
+              <a:ext uri="{FF2B5EF4-FFF2-40B4-BE49-F238E27FC236}">
+                <a16:creationId xmlns:a16="http://schemas.microsoft.com/office/drawing/2014/main" id="{AAA66DD2-D7A7-3F07-9A49-4112427C7DBB}"/>
+              </a:ext>
+            </a:extLst>
+          </p:cNvPr>
+          <p:cNvCxnSpPr>
+            <a:cxnSpLocks/>
+            <a:endCxn id="14" idx="1"/>
+          </p:cNvCxnSpPr>
+          <p:nvPr/>
+        </p:nvCxnSpPr>
+        <p:spPr>
+          <a:xfrm>
+            <a:off x="1242894" y="2165306"/>
+            <a:ext cx="382474" cy="746616"/>
+          </a:xfrm>
+          <a:prstGeom prst="line">
+            <a:avLst/>
+          </a:prstGeom>
+          <a:ln w="12700">
+            <a:solidFill>
+              <a:schemeClr val="tx1"/>
+            </a:solidFill>
+          </a:ln>
+        </p:spPr>
+        <p:style>
+          <a:lnRef idx="1">
+            <a:schemeClr val="accent1"/>
+          </a:lnRef>
+          <a:fillRef idx="0">
+            <a:schemeClr val="accent1"/>
+          </a:fillRef>
+          <a:effectRef idx="0">
+            <a:schemeClr val="accent1"/>
+          </a:effectRef>
+          <a:fontRef idx="minor">
+            <a:schemeClr val="tx1"/>
+          </a:fontRef>
+        </p:style>
+      </p:cxnSp>
+      <p:cxnSp>
+        <p:nvCxnSpPr>
+          <p:cNvPr id="18" name="직선 연결선 17">
+            <a:extLst>
+              <a:ext uri="{FF2B5EF4-FFF2-40B4-BE49-F238E27FC236}">
+                <a16:creationId xmlns:a16="http://schemas.microsoft.com/office/drawing/2014/main" id="{014C166E-9260-3CD0-FB4E-438E94A8EC1B}"/>
+              </a:ext>
+            </a:extLst>
+          </p:cNvPr>
+          <p:cNvCxnSpPr>
+            <a:cxnSpLocks/>
+            <a:endCxn id="15" idx="2"/>
+          </p:cNvCxnSpPr>
+          <p:nvPr/>
+        </p:nvCxnSpPr>
+        <p:spPr>
+          <a:xfrm>
+            <a:off x="2785321" y="2285625"/>
+            <a:ext cx="1085037" cy="28355"/>
+          </a:xfrm>
+          <a:prstGeom prst="line">
+            <a:avLst/>
+          </a:prstGeom>
+          <a:ln w="12700">
+            <a:solidFill>
+              <a:schemeClr val="tx1"/>
+            </a:solidFill>
+          </a:ln>
+        </p:spPr>
+        <p:style>
+          <a:lnRef idx="1">
+            <a:schemeClr val="accent1"/>
+          </a:lnRef>
+          <a:fillRef idx="0">
+            <a:schemeClr val="accent1"/>
+          </a:fillRef>
+          <a:effectRef idx="0">
+            <a:schemeClr val="accent1"/>
+          </a:effectRef>
+          <a:fontRef idx="minor">
+            <a:schemeClr val="tx1"/>
+          </a:fontRef>
+        </p:style>
+      </p:cxnSp>
+      <p:cxnSp>
+        <p:nvCxnSpPr>
+          <p:cNvPr id="19" name="직선 연결선 18">
+            <a:extLst>
+              <a:ext uri="{FF2B5EF4-FFF2-40B4-BE49-F238E27FC236}">
+                <a16:creationId xmlns:a16="http://schemas.microsoft.com/office/drawing/2014/main" id="{0B27481C-FE68-9F72-B8F1-F33418E31E72}"/>
+              </a:ext>
+            </a:extLst>
+          </p:cNvPr>
+          <p:cNvCxnSpPr>
+            <a:cxnSpLocks/>
+            <a:stCxn id="14" idx="7"/>
+            <a:endCxn id="13" idx="3"/>
+          </p:cNvCxnSpPr>
+          <p:nvPr/>
+        </p:nvCxnSpPr>
+        <p:spPr>
+          <a:xfrm flipV="1">
+            <a:off x="1886526" y="2444559"/>
+            <a:ext cx="583550" cy="467363"/>
+          </a:xfrm>
+          <a:prstGeom prst="line">
+            <a:avLst/>
+          </a:prstGeom>
+          <a:ln w="12700">
+            <a:solidFill>
+              <a:schemeClr val="tx1"/>
+            </a:solidFill>
+          </a:ln>
+        </p:spPr>
+        <p:style>
+          <a:lnRef idx="1">
+            <a:schemeClr val="accent1"/>
+          </a:lnRef>
+          <a:fillRef idx="0">
+            <a:schemeClr val="accent1"/>
+          </a:fillRef>
+          <a:effectRef idx="0">
+            <a:schemeClr val="accent1"/>
+          </a:effectRef>
+          <a:fontRef idx="minor">
+            <a:schemeClr val="tx1"/>
+          </a:fontRef>
+        </p:style>
+      </p:cxnSp>
+      <p:sp>
+        <p:nvSpPr>
+          <p:cNvPr id="21" name="TextBox 20">
+            <a:extLst>
+              <a:ext uri="{FF2B5EF4-FFF2-40B4-BE49-F238E27FC236}">
+                <a16:creationId xmlns:a16="http://schemas.microsoft.com/office/drawing/2014/main" id="{5FF54E53-94FB-B95C-9CCB-8A5F39914E74}"/>
               </a:ext>
             </a:extLst>
           </p:cNvPr>
@@ -3776,8 +4608,8 @@
         </p:nvSpPr>
         <p:spPr>
           <a:xfrm>
-            <a:off x="942387" y="1352030"/>
-            <a:ext cx="8542272" cy="369332"/>
+            <a:off x="942387" y="1354791"/>
+            <a:ext cx="10237694" cy="369332"/>
           </a:xfrm>
           <a:prstGeom prst="rect">
             <a:avLst/>
@@ -3791,11 +4623,738 @@
           <a:lstStyle/>
           <a:p>
             <a:r>
-              <a:rPr lang="en-US" altLang="ko-KR" dirty="0">
+              <a:rPr lang="ko-KR" altLang="en-US" dirty="0">
+                <a:latin typeface="나눔스퀘어 Light" panose="020B0600000101010101" pitchFamily="50" charset="-127"/>
+                <a:ea typeface="나눔스퀘어 Light" panose="020B0600000101010101" pitchFamily="50" charset="-127"/>
+              </a:rPr>
+              <a:t>사이클이 있어서 트리가 아님</a:t>
+            </a:r>
+          </a:p>
+        </p:txBody>
+      </p:sp>
+      <p:sp>
+        <p:nvSpPr>
+          <p:cNvPr id="22" name="타원 21">
+            <a:extLst>
+              <a:ext uri="{FF2B5EF4-FFF2-40B4-BE49-F238E27FC236}">
+                <a16:creationId xmlns:a16="http://schemas.microsoft.com/office/drawing/2014/main" id="{2877BCCF-0A4C-0729-98E5-D5004BF9DBE6}"/>
+              </a:ext>
+            </a:extLst>
+          </p:cNvPr>
+          <p:cNvSpPr/>
+          <p:nvPr/>
+        </p:nvSpPr>
+        <p:spPr>
+          <a:xfrm>
+            <a:off x="2457303" y="3905413"/>
+            <a:ext cx="369332" cy="369332"/>
+          </a:xfrm>
+          <a:prstGeom prst="ellipse">
+            <a:avLst/>
+          </a:prstGeom>
+          <a:noFill/>
+          <a:ln w="19050">
+            <a:solidFill>
+              <a:schemeClr val="tx1"/>
+            </a:solidFill>
+          </a:ln>
+        </p:spPr>
+        <p:style>
+          <a:lnRef idx="2">
+            <a:schemeClr val="accent1">
+              <a:shade val="50000"/>
+            </a:schemeClr>
+          </a:lnRef>
+          <a:fillRef idx="1">
+            <a:schemeClr val="accent1"/>
+          </a:fillRef>
+          <a:effectRef idx="0">
+            <a:schemeClr val="accent1"/>
+          </a:effectRef>
+          <a:fontRef idx="minor">
+            <a:schemeClr val="lt1"/>
+          </a:fontRef>
+        </p:style>
+        <p:txBody>
+          <a:bodyPr rtlCol="0" anchor="ctr"/>
+          <a:lstStyle/>
+          <a:p>
+            <a:pPr algn="ctr"/>
+            <a:r>
+              <a:rPr lang="en-US" altLang="ko-KR" sz="1600" dirty="0">
+                <a:solidFill>
+                  <a:schemeClr val="tx1"/>
+                </a:solidFill>
                 <a:latin typeface="나눔스퀘어 Bold" panose="020B0600000101010101" pitchFamily="50" charset="-127"/>
                 <a:ea typeface="나눔스퀘어 Bold" panose="020B0600000101010101" pitchFamily="50" charset="-127"/>
               </a:rPr>
-              <a:t>DFS : Depth First Search</a:t>
+              <a:t>1</a:t>
+            </a:r>
+            <a:endParaRPr lang="ko-KR" altLang="en-US" sz="1600" dirty="0">
+              <a:solidFill>
+                <a:schemeClr val="tx1"/>
+              </a:solidFill>
+              <a:latin typeface="나눔스퀘어 Bold" panose="020B0600000101010101" pitchFamily="50" charset="-127"/>
+              <a:ea typeface="나눔스퀘어 Bold" panose="020B0600000101010101" pitchFamily="50" charset="-127"/>
+            </a:endParaRPr>
+          </a:p>
+        </p:txBody>
+      </p:sp>
+      <p:sp>
+        <p:nvSpPr>
+          <p:cNvPr id="23" name="타원 22">
+            <a:extLst>
+              <a:ext uri="{FF2B5EF4-FFF2-40B4-BE49-F238E27FC236}">
+                <a16:creationId xmlns:a16="http://schemas.microsoft.com/office/drawing/2014/main" id="{7FF42BF5-FFCA-EE64-9965-A8C224B9F054}"/>
+              </a:ext>
+            </a:extLst>
+          </p:cNvPr>
+          <p:cNvSpPr/>
+          <p:nvPr/>
+        </p:nvSpPr>
+        <p:spPr>
+          <a:xfrm>
+            <a:off x="1058228" y="4947586"/>
+            <a:ext cx="369332" cy="369332"/>
+          </a:xfrm>
+          <a:prstGeom prst="ellipse">
+            <a:avLst/>
+          </a:prstGeom>
+          <a:noFill/>
+          <a:ln w="19050">
+            <a:solidFill>
+              <a:schemeClr val="tx1"/>
+            </a:solidFill>
+          </a:ln>
+        </p:spPr>
+        <p:style>
+          <a:lnRef idx="2">
+            <a:schemeClr val="accent1">
+              <a:shade val="50000"/>
+            </a:schemeClr>
+          </a:lnRef>
+          <a:fillRef idx="1">
+            <a:schemeClr val="accent1"/>
+          </a:fillRef>
+          <a:effectRef idx="0">
+            <a:schemeClr val="accent1"/>
+          </a:effectRef>
+          <a:fontRef idx="minor">
+            <a:schemeClr val="lt1"/>
+          </a:fontRef>
+        </p:style>
+        <p:txBody>
+          <a:bodyPr rtlCol="0" anchor="ctr"/>
+          <a:lstStyle/>
+          <a:p>
+            <a:pPr algn="ctr"/>
+            <a:r>
+              <a:rPr lang="en-US" altLang="ko-KR" sz="1600" dirty="0">
+                <a:solidFill>
+                  <a:schemeClr val="tx1"/>
+                </a:solidFill>
+                <a:latin typeface="나눔스퀘어 Bold" panose="020B0600000101010101" pitchFamily="50" charset="-127"/>
+                <a:ea typeface="나눔스퀘어 Bold" panose="020B0600000101010101" pitchFamily="50" charset="-127"/>
+              </a:rPr>
+              <a:t>2</a:t>
+            </a:r>
+            <a:endParaRPr lang="ko-KR" altLang="en-US" sz="1600" dirty="0">
+              <a:solidFill>
+                <a:schemeClr val="tx1"/>
+              </a:solidFill>
+              <a:latin typeface="나눔스퀘어 Bold" panose="020B0600000101010101" pitchFamily="50" charset="-127"/>
+              <a:ea typeface="나눔스퀘어 Bold" panose="020B0600000101010101" pitchFamily="50" charset="-127"/>
+            </a:endParaRPr>
+          </a:p>
+        </p:txBody>
+      </p:sp>
+      <p:sp>
+        <p:nvSpPr>
+          <p:cNvPr id="24" name="타원 23">
+            <a:extLst>
+              <a:ext uri="{FF2B5EF4-FFF2-40B4-BE49-F238E27FC236}">
+                <a16:creationId xmlns:a16="http://schemas.microsoft.com/office/drawing/2014/main" id="{5B255738-E38B-E61C-8B4A-0D84106C2800}"/>
+              </a:ext>
+            </a:extLst>
+          </p:cNvPr>
+          <p:cNvSpPr/>
+          <p:nvPr/>
+        </p:nvSpPr>
+        <p:spPr>
+          <a:xfrm>
+            <a:off x="1860760" y="4947586"/>
+            <a:ext cx="369332" cy="369332"/>
+          </a:xfrm>
+          <a:prstGeom prst="ellipse">
+            <a:avLst/>
+          </a:prstGeom>
+          <a:noFill/>
+          <a:ln w="19050">
+            <a:solidFill>
+              <a:schemeClr val="tx1"/>
+            </a:solidFill>
+          </a:ln>
+        </p:spPr>
+        <p:style>
+          <a:lnRef idx="2">
+            <a:schemeClr val="accent1">
+              <a:shade val="50000"/>
+            </a:schemeClr>
+          </a:lnRef>
+          <a:fillRef idx="1">
+            <a:schemeClr val="accent1"/>
+          </a:fillRef>
+          <a:effectRef idx="0">
+            <a:schemeClr val="accent1"/>
+          </a:effectRef>
+          <a:fontRef idx="minor">
+            <a:schemeClr val="lt1"/>
+          </a:fontRef>
+        </p:style>
+        <p:txBody>
+          <a:bodyPr rtlCol="0" anchor="ctr"/>
+          <a:lstStyle/>
+          <a:p>
+            <a:pPr algn="ctr"/>
+            <a:r>
+              <a:rPr lang="en-US" altLang="ko-KR" sz="1600" dirty="0">
+                <a:solidFill>
+                  <a:schemeClr val="tx1"/>
+                </a:solidFill>
+                <a:latin typeface="나눔스퀘어 Bold" panose="020B0600000101010101" pitchFamily="50" charset="-127"/>
+                <a:ea typeface="나눔스퀘어 Bold" panose="020B0600000101010101" pitchFamily="50" charset="-127"/>
+              </a:rPr>
+              <a:t>3</a:t>
+            </a:r>
+            <a:endParaRPr lang="ko-KR" altLang="en-US" sz="1600" dirty="0">
+              <a:solidFill>
+                <a:schemeClr val="tx1"/>
+              </a:solidFill>
+              <a:latin typeface="나눔스퀘어 Bold" panose="020B0600000101010101" pitchFamily="50" charset="-127"/>
+              <a:ea typeface="나눔스퀘어 Bold" panose="020B0600000101010101" pitchFamily="50" charset="-127"/>
+            </a:endParaRPr>
+          </a:p>
+        </p:txBody>
+      </p:sp>
+      <p:cxnSp>
+        <p:nvCxnSpPr>
+          <p:cNvPr id="25" name="직선 연결선 24">
+            <a:extLst>
+              <a:ext uri="{FF2B5EF4-FFF2-40B4-BE49-F238E27FC236}">
+                <a16:creationId xmlns:a16="http://schemas.microsoft.com/office/drawing/2014/main" id="{14E55D68-B7EB-919F-112D-12E8342D1DEE}"/>
+              </a:ext>
+            </a:extLst>
+          </p:cNvPr>
+          <p:cNvCxnSpPr>
+            <a:cxnSpLocks/>
+            <a:stCxn id="23" idx="7"/>
+            <a:endCxn id="22" idx="2"/>
+          </p:cNvCxnSpPr>
+          <p:nvPr/>
+        </p:nvCxnSpPr>
+        <p:spPr>
+          <a:xfrm flipV="1">
+            <a:off x="1373473" y="4090079"/>
+            <a:ext cx="1083830" cy="911594"/>
+          </a:xfrm>
+          <a:prstGeom prst="line">
+            <a:avLst/>
+          </a:prstGeom>
+          <a:ln w="12700">
+            <a:solidFill>
+              <a:schemeClr val="tx1"/>
+            </a:solidFill>
+          </a:ln>
+        </p:spPr>
+        <p:style>
+          <a:lnRef idx="1">
+            <a:schemeClr val="accent1"/>
+          </a:lnRef>
+          <a:fillRef idx="0">
+            <a:schemeClr val="accent1"/>
+          </a:fillRef>
+          <a:effectRef idx="0">
+            <a:schemeClr val="accent1"/>
+          </a:effectRef>
+          <a:fontRef idx="minor">
+            <a:schemeClr val="tx1"/>
+          </a:fontRef>
+        </p:style>
+      </p:cxnSp>
+      <p:cxnSp>
+        <p:nvCxnSpPr>
+          <p:cNvPr id="26" name="직선 연결선 25">
+            <a:extLst>
+              <a:ext uri="{FF2B5EF4-FFF2-40B4-BE49-F238E27FC236}">
+                <a16:creationId xmlns:a16="http://schemas.microsoft.com/office/drawing/2014/main" id="{E9B85E5C-77B2-B969-82A5-F7642FB93D1D}"/>
+              </a:ext>
+            </a:extLst>
+          </p:cNvPr>
+          <p:cNvCxnSpPr>
+            <a:cxnSpLocks/>
+            <a:stCxn id="24" idx="0"/>
+            <a:endCxn id="22" idx="3"/>
+          </p:cNvCxnSpPr>
+          <p:nvPr/>
+        </p:nvCxnSpPr>
+        <p:spPr>
+          <a:xfrm flipV="1">
+            <a:off x="2045426" y="4220658"/>
+            <a:ext cx="465964" cy="726928"/>
+          </a:xfrm>
+          <a:prstGeom prst="line">
+            <a:avLst/>
+          </a:prstGeom>
+          <a:ln w="12700">
+            <a:solidFill>
+              <a:schemeClr val="tx1"/>
+            </a:solidFill>
+          </a:ln>
+        </p:spPr>
+        <p:style>
+          <a:lnRef idx="1">
+            <a:schemeClr val="accent1"/>
+          </a:lnRef>
+          <a:fillRef idx="0">
+            <a:schemeClr val="accent1"/>
+          </a:fillRef>
+          <a:effectRef idx="0">
+            <a:schemeClr val="accent1"/>
+          </a:effectRef>
+          <a:fontRef idx="minor">
+            <a:schemeClr val="tx1"/>
+          </a:fontRef>
+        </p:style>
+      </p:cxnSp>
+      <p:sp>
+        <p:nvSpPr>
+          <p:cNvPr id="27" name="타원 26">
+            <a:extLst>
+              <a:ext uri="{FF2B5EF4-FFF2-40B4-BE49-F238E27FC236}">
+                <a16:creationId xmlns:a16="http://schemas.microsoft.com/office/drawing/2014/main" id="{4E127E73-97D1-7EEB-FB61-1D4D81D26DCF}"/>
+              </a:ext>
+            </a:extLst>
+          </p:cNvPr>
+          <p:cNvSpPr/>
+          <p:nvPr/>
+        </p:nvSpPr>
+        <p:spPr>
+          <a:xfrm>
+            <a:off x="4565161" y="3905413"/>
+            <a:ext cx="369332" cy="369332"/>
+          </a:xfrm>
+          <a:prstGeom prst="ellipse">
+            <a:avLst/>
+          </a:prstGeom>
+          <a:noFill/>
+          <a:ln w="19050">
+            <a:solidFill>
+              <a:schemeClr val="tx1"/>
+            </a:solidFill>
+          </a:ln>
+        </p:spPr>
+        <p:style>
+          <a:lnRef idx="2">
+            <a:schemeClr val="accent1">
+              <a:shade val="50000"/>
+            </a:schemeClr>
+          </a:lnRef>
+          <a:fillRef idx="1">
+            <a:schemeClr val="accent1"/>
+          </a:fillRef>
+          <a:effectRef idx="0">
+            <a:schemeClr val="accent1"/>
+          </a:effectRef>
+          <a:fontRef idx="minor">
+            <a:schemeClr val="lt1"/>
+          </a:fontRef>
+        </p:style>
+        <p:txBody>
+          <a:bodyPr rtlCol="0" anchor="ctr"/>
+          <a:lstStyle/>
+          <a:p>
+            <a:pPr algn="ctr"/>
+            <a:r>
+              <a:rPr lang="en-US" altLang="ko-KR" sz="1600" dirty="0">
+                <a:solidFill>
+                  <a:schemeClr val="tx1"/>
+                </a:solidFill>
+                <a:latin typeface="나눔스퀘어 Bold" panose="020B0600000101010101" pitchFamily="50" charset="-127"/>
+                <a:ea typeface="나눔스퀘어 Bold" panose="020B0600000101010101" pitchFamily="50" charset="-127"/>
+              </a:rPr>
+              <a:t>4</a:t>
+            </a:r>
+            <a:endParaRPr lang="ko-KR" altLang="en-US" sz="1600" dirty="0">
+              <a:solidFill>
+                <a:schemeClr val="tx1"/>
+              </a:solidFill>
+              <a:latin typeface="나눔스퀘어 Bold" panose="020B0600000101010101" pitchFamily="50" charset="-127"/>
+              <a:ea typeface="나눔스퀘어 Bold" panose="020B0600000101010101" pitchFamily="50" charset="-127"/>
+            </a:endParaRPr>
+          </a:p>
+        </p:txBody>
+      </p:sp>
+      <p:sp>
+        <p:nvSpPr>
+          <p:cNvPr id="28" name="타원 27">
+            <a:extLst>
+              <a:ext uri="{FF2B5EF4-FFF2-40B4-BE49-F238E27FC236}">
+                <a16:creationId xmlns:a16="http://schemas.microsoft.com/office/drawing/2014/main" id="{72A89043-A0E3-EE12-9831-0E3332FA2F79}"/>
+              </a:ext>
+            </a:extLst>
+          </p:cNvPr>
+          <p:cNvSpPr/>
+          <p:nvPr/>
+        </p:nvSpPr>
+        <p:spPr>
+          <a:xfrm>
+            <a:off x="3166086" y="4947586"/>
+            <a:ext cx="369332" cy="369332"/>
+          </a:xfrm>
+          <a:prstGeom prst="ellipse">
+            <a:avLst/>
+          </a:prstGeom>
+          <a:noFill/>
+          <a:ln w="19050">
+            <a:solidFill>
+              <a:schemeClr val="tx1"/>
+            </a:solidFill>
+          </a:ln>
+        </p:spPr>
+        <p:style>
+          <a:lnRef idx="2">
+            <a:schemeClr val="accent1">
+              <a:shade val="50000"/>
+            </a:schemeClr>
+          </a:lnRef>
+          <a:fillRef idx="1">
+            <a:schemeClr val="accent1"/>
+          </a:fillRef>
+          <a:effectRef idx="0">
+            <a:schemeClr val="accent1"/>
+          </a:effectRef>
+          <a:fontRef idx="minor">
+            <a:schemeClr val="lt1"/>
+          </a:fontRef>
+        </p:style>
+        <p:txBody>
+          <a:bodyPr rtlCol="0" anchor="ctr"/>
+          <a:lstStyle/>
+          <a:p>
+            <a:pPr algn="ctr"/>
+            <a:r>
+              <a:rPr lang="en-US" altLang="ko-KR" sz="1600" dirty="0">
+                <a:solidFill>
+                  <a:schemeClr val="tx1"/>
+                </a:solidFill>
+                <a:latin typeface="나눔스퀘어 Bold" panose="020B0600000101010101" pitchFamily="50" charset="-127"/>
+                <a:ea typeface="나눔스퀘어 Bold" panose="020B0600000101010101" pitchFamily="50" charset="-127"/>
+              </a:rPr>
+              <a:t>5</a:t>
+            </a:r>
+            <a:endParaRPr lang="ko-KR" altLang="en-US" sz="1600" dirty="0">
+              <a:solidFill>
+                <a:schemeClr val="tx1"/>
+              </a:solidFill>
+              <a:latin typeface="나눔스퀘어 Bold" panose="020B0600000101010101" pitchFamily="50" charset="-127"/>
+              <a:ea typeface="나눔스퀘어 Bold" panose="020B0600000101010101" pitchFamily="50" charset="-127"/>
+            </a:endParaRPr>
+          </a:p>
+        </p:txBody>
+      </p:sp>
+      <p:sp>
+        <p:nvSpPr>
+          <p:cNvPr id="29" name="타원 28">
+            <a:extLst>
+              <a:ext uri="{FF2B5EF4-FFF2-40B4-BE49-F238E27FC236}">
+                <a16:creationId xmlns:a16="http://schemas.microsoft.com/office/drawing/2014/main" id="{99B642E7-DCA7-B369-3CE7-9B3630964617}"/>
+              </a:ext>
+            </a:extLst>
+          </p:cNvPr>
+          <p:cNvSpPr/>
+          <p:nvPr/>
+        </p:nvSpPr>
+        <p:spPr>
+          <a:xfrm>
+            <a:off x="3968618" y="4947586"/>
+            <a:ext cx="369332" cy="369332"/>
+          </a:xfrm>
+          <a:prstGeom prst="ellipse">
+            <a:avLst/>
+          </a:prstGeom>
+          <a:noFill/>
+          <a:ln w="19050">
+            <a:solidFill>
+              <a:schemeClr val="tx1"/>
+            </a:solidFill>
+          </a:ln>
+        </p:spPr>
+        <p:style>
+          <a:lnRef idx="2">
+            <a:schemeClr val="accent1">
+              <a:shade val="50000"/>
+            </a:schemeClr>
+          </a:lnRef>
+          <a:fillRef idx="1">
+            <a:schemeClr val="accent1"/>
+          </a:fillRef>
+          <a:effectRef idx="0">
+            <a:schemeClr val="accent1"/>
+          </a:effectRef>
+          <a:fontRef idx="minor">
+            <a:schemeClr val="lt1"/>
+          </a:fontRef>
+        </p:style>
+        <p:txBody>
+          <a:bodyPr rtlCol="0" anchor="ctr"/>
+          <a:lstStyle/>
+          <a:p>
+            <a:pPr algn="ctr"/>
+            <a:r>
+              <a:rPr lang="en-US" altLang="ko-KR" sz="1600" dirty="0">
+                <a:solidFill>
+                  <a:schemeClr val="tx1"/>
+                </a:solidFill>
+                <a:latin typeface="나눔스퀘어 Bold" panose="020B0600000101010101" pitchFamily="50" charset="-127"/>
+                <a:ea typeface="나눔스퀘어 Bold" panose="020B0600000101010101" pitchFamily="50" charset="-127"/>
+              </a:rPr>
+              <a:t>6</a:t>
+            </a:r>
+            <a:endParaRPr lang="ko-KR" altLang="en-US" sz="1600" dirty="0">
+              <a:solidFill>
+                <a:schemeClr val="tx1"/>
+              </a:solidFill>
+              <a:latin typeface="나눔스퀘어 Bold" panose="020B0600000101010101" pitchFamily="50" charset="-127"/>
+              <a:ea typeface="나눔스퀘어 Bold" panose="020B0600000101010101" pitchFamily="50" charset="-127"/>
+            </a:endParaRPr>
+          </a:p>
+        </p:txBody>
+      </p:sp>
+      <p:cxnSp>
+        <p:nvCxnSpPr>
+          <p:cNvPr id="30" name="직선 연결선 29">
+            <a:extLst>
+              <a:ext uri="{FF2B5EF4-FFF2-40B4-BE49-F238E27FC236}">
+                <a16:creationId xmlns:a16="http://schemas.microsoft.com/office/drawing/2014/main" id="{8241805A-ED46-6D11-E241-FBF388F3015B}"/>
+              </a:ext>
+            </a:extLst>
+          </p:cNvPr>
+          <p:cNvCxnSpPr>
+            <a:cxnSpLocks/>
+            <a:stCxn id="28" idx="7"/>
+            <a:endCxn id="27" idx="2"/>
+          </p:cNvCxnSpPr>
+          <p:nvPr/>
+        </p:nvCxnSpPr>
+        <p:spPr>
+          <a:xfrm flipV="1">
+            <a:off x="3481331" y="4090079"/>
+            <a:ext cx="1083830" cy="911594"/>
+          </a:xfrm>
+          <a:prstGeom prst="line">
+            <a:avLst/>
+          </a:prstGeom>
+          <a:ln w="12700">
+            <a:solidFill>
+              <a:schemeClr val="tx1"/>
+            </a:solidFill>
+          </a:ln>
+        </p:spPr>
+        <p:style>
+          <a:lnRef idx="1">
+            <a:schemeClr val="accent1"/>
+          </a:lnRef>
+          <a:fillRef idx="0">
+            <a:schemeClr val="accent1"/>
+          </a:fillRef>
+          <a:effectRef idx="0">
+            <a:schemeClr val="accent1"/>
+          </a:effectRef>
+          <a:fontRef idx="minor">
+            <a:schemeClr val="tx1"/>
+          </a:fontRef>
+        </p:style>
+      </p:cxnSp>
+      <p:cxnSp>
+        <p:nvCxnSpPr>
+          <p:cNvPr id="31" name="직선 연결선 30">
+            <a:extLst>
+              <a:ext uri="{FF2B5EF4-FFF2-40B4-BE49-F238E27FC236}">
+                <a16:creationId xmlns:a16="http://schemas.microsoft.com/office/drawing/2014/main" id="{0026CC8E-2FB3-B4DC-71A7-3FC56929055F}"/>
+              </a:ext>
+            </a:extLst>
+          </p:cNvPr>
+          <p:cNvCxnSpPr>
+            <a:cxnSpLocks/>
+            <a:stCxn id="29" idx="0"/>
+            <a:endCxn id="27" idx="3"/>
+          </p:cNvCxnSpPr>
+          <p:nvPr/>
+        </p:nvCxnSpPr>
+        <p:spPr>
+          <a:xfrm flipV="1">
+            <a:off x="4153284" y="4220658"/>
+            <a:ext cx="465964" cy="726928"/>
+          </a:xfrm>
+          <a:prstGeom prst="line">
+            <a:avLst/>
+          </a:prstGeom>
+          <a:ln w="12700">
+            <a:solidFill>
+              <a:schemeClr val="tx1"/>
+            </a:solidFill>
+          </a:ln>
+        </p:spPr>
+        <p:style>
+          <a:lnRef idx="1">
+            <a:schemeClr val="accent1"/>
+          </a:lnRef>
+          <a:fillRef idx="0">
+            <a:schemeClr val="accent1"/>
+          </a:fillRef>
+          <a:effectRef idx="0">
+            <a:schemeClr val="accent1"/>
+          </a:effectRef>
+          <a:fontRef idx="minor">
+            <a:schemeClr val="tx1"/>
+          </a:fontRef>
+        </p:style>
+      </p:cxnSp>
+      <p:sp>
+        <p:nvSpPr>
+          <p:cNvPr id="32" name="TextBox 31">
+            <a:extLst>
+              <a:ext uri="{FF2B5EF4-FFF2-40B4-BE49-F238E27FC236}">
+                <a16:creationId xmlns:a16="http://schemas.microsoft.com/office/drawing/2014/main" id="{E4C07DA3-5B3A-7AA6-8FE0-FAF68DA1A8E0}"/>
+              </a:ext>
+            </a:extLst>
+          </p:cNvPr>
+          <p:cNvSpPr txBox="1"/>
+          <p:nvPr/>
+        </p:nvSpPr>
+        <p:spPr>
+          <a:xfrm>
+            <a:off x="942387" y="3452875"/>
+            <a:ext cx="10237694" cy="369332"/>
+          </a:xfrm>
+          <a:prstGeom prst="rect">
+            <a:avLst/>
+          </a:prstGeom>
+          <a:noFill/>
+        </p:spPr>
+        <p:txBody>
+          <a:bodyPr wrap="square" rtlCol="0">
+            <a:spAutoFit/>
+          </a:bodyPr>
+          <a:lstStyle/>
+          <a:p>
+            <a:r>
+              <a:rPr lang="ko-KR" altLang="en-US" dirty="0">
+                <a:latin typeface="나눔스퀘어 Light" panose="020B0600000101010101" pitchFamily="50" charset="-127"/>
+                <a:ea typeface="나눔스퀘어 Light" panose="020B0600000101010101" pitchFamily="50" charset="-127"/>
+              </a:rPr>
+              <a:t>연결 그래프가 아님</a:t>
+            </a:r>
+          </a:p>
+        </p:txBody>
+      </p:sp>
+      <p:sp>
+        <p:nvSpPr>
+          <p:cNvPr id="33" name="TextBox 32">
+            <a:extLst>
+              <a:ext uri="{FF2B5EF4-FFF2-40B4-BE49-F238E27FC236}">
+                <a16:creationId xmlns:a16="http://schemas.microsoft.com/office/drawing/2014/main" id="{6B4F8435-A6E3-CA6E-DE3D-5FF99A4C85F1}"/>
+              </a:ext>
+            </a:extLst>
+          </p:cNvPr>
+          <p:cNvSpPr txBox="1"/>
+          <p:nvPr/>
+        </p:nvSpPr>
+        <p:spPr>
+          <a:xfrm>
+            <a:off x="942387" y="5632771"/>
+            <a:ext cx="10237694" cy="369332"/>
+          </a:xfrm>
+          <a:prstGeom prst="rect">
+            <a:avLst/>
+          </a:prstGeom>
+          <a:noFill/>
+        </p:spPr>
+        <p:txBody>
+          <a:bodyPr wrap="square" rtlCol="0">
+            <a:spAutoFit/>
+          </a:bodyPr>
+          <a:lstStyle/>
+          <a:p>
+            <a:r>
+              <a:rPr lang="ko-KR" altLang="en-US" dirty="0">
+                <a:latin typeface="나눔스퀘어 Light" panose="020B0600000101010101" pitchFamily="50" charset="-127"/>
+                <a:ea typeface="나눔스퀘어 Light" panose="020B0600000101010101" pitchFamily="50" charset="-127"/>
+              </a:rPr>
+              <a:t>트리가 되려면</a:t>
+            </a:r>
+            <a:r>
+              <a:rPr lang="en-US" altLang="ko-KR" dirty="0">
+                <a:latin typeface="나눔스퀘어 Light" panose="020B0600000101010101" pitchFamily="50" charset="-127"/>
+                <a:ea typeface="나눔스퀘어 Light" panose="020B0600000101010101" pitchFamily="50" charset="-127"/>
+              </a:rPr>
+              <a:t>(</a:t>
+            </a:r>
+            <a:r>
+              <a:rPr lang="ko-KR" altLang="en-US" dirty="0">
+                <a:latin typeface="나눔스퀘어 Light" panose="020B0600000101010101" pitchFamily="50" charset="-127"/>
+                <a:ea typeface="나눔스퀘어 Light" panose="020B0600000101010101" pitchFamily="50" charset="-127"/>
+              </a:rPr>
+              <a:t>사이클 없이 모든 노드</a:t>
+            </a:r>
+            <a:r>
+              <a:rPr lang="en-US" altLang="ko-KR" dirty="0">
+                <a:latin typeface="나눔스퀘어 Light" panose="020B0600000101010101" pitchFamily="50" charset="-127"/>
+                <a:ea typeface="나눔스퀘어 Light" panose="020B0600000101010101" pitchFamily="50" charset="-127"/>
+              </a:rPr>
+              <a:t>(N</a:t>
+            </a:r>
+            <a:r>
+              <a:rPr lang="ko-KR" altLang="en-US" dirty="0">
+                <a:latin typeface="나눔스퀘어 Light" panose="020B0600000101010101" pitchFamily="50" charset="-127"/>
+                <a:ea typeface="나눔스퀘어 Light" panose="020B0600000101010101" pitchFamily="50" charset="-127"/>
+              </a:rPr>
+              <a:t>개</a:t>
+            </a:r>
+            <a:r>
+              <a:rPr lang="en-US" altLang="ko-KR" dirty="0">
+                <a:latin typeface="나눔스퀘어 Light" panose="020B0600000101010101" pitchFamily="50" charset="-127"/>
+                <a:ea typeface="나눔스퀘어 Light" panose="020B0600000101010101" pitchFamily="50" charset="-127"/>
+              </a:rPr>
+              <a:t>)</a:t>
+            </a:r>
+            <a:r>
+              <a:rPr lang="ko-KR" altLang="en-US" dirty="0">
+                <a:latin typeface="나눔스퀘어 Light" panose="020B0600000101010101" pitchFamily="50" charset="-127"/>
+                <a:ea typeface="나눔스퀘어 Light" panose="020B0600000101010101" pitchFamily="50" charset="-127"/>
+              </a:rPr>
+              <a:t>가 연결되어 있으려면</a:t>
+            </a:r>
+            <a:r>
+              <a:rPr lang="en-US" altLang="ko-KR" dirty="0">
+                <a:latin typeface="나눔스퀘어 Light" panose="020B0600000101010101" pitchFamily="50" charset="-127"/>
+                <a:ea typeface="나눔스퀘어 Light" panose="020B0600000101010101" pitchFamily="50" charset="-127"/>
+              </a:rPr>
+              <a:t>), </a:t>
+            </a:r>
+            <a:r>
+              <a:rPr lang="ko-KR" altLang="en-US" dirty="0">
+                <a:latin typeface="나눔스퀘어 Light" panose="020B0600000101010101" pitchFamily="50" charset="-127"/>
+                <a:ea typeface="나눔스퀘어 Light" panose="020B0600000101010101" pitchFamily="50" charset="-127"/>
+              </a:rPr>
+              <a:t>몇 개의 간선이 필요할까요</a:t>
+            </a:r>
+            <a:r>
+              <a:rPr lang="en-US" altLang="ko-KR" dirty="0">
+                <a:latin typeface="나눔스퀘어 Light" panose="020B0600000101010101" pitchFamily="50" charset="-127"/>
+                <a:ea typeface="나눔스퀘어 Light" panose="020B0600000101010101" pitchFamily="50" charset="-127"/>
+              </a:rPr>
+              <a:t>?</a:t>
             </a:r>
             <a:endParaRPr lang="ko-KR" altLang="en-US" dirty="0">
               <a:latin typeface="나눔스퀘어 Light" panose="020B0600000101010101" pitchFamily="50" charset="-127"/>
@@ -3804,59 +5363,10 @@
           </a:p>
         </p:txBody>
       </p:sp>
-      <p:sp>
-        <p:nvSpPr>
-          <p:cNvPr id="2" name="TextBox 1">
-            <a:extLst>
-              <a:ext uri="{FF2B5EF4-FFF2-40B4-BE49-F238E27FC236}">
-                <a16:creationId xmlns:a16="http://schemas.microsoft.com/office/drawing/2014/main" id="{FE9A4EC7-6E73-DDFB-8856-A7CC9ABF49EC}"/>
-              </a:ext>
-            </a:extLst>
-          </p:cNvPr>
-          <p:cNvSpPr txBox="1"/>
-          <p:nvPr/>
-        </p:nvSpPr>
-        <p:spPr>
-          <a:xfrm>
-            <a:off x="793615" y="6040929"/>
-            <a:ext cx="5118847" cy="369332"/>
-          </a:xfrm>
-          <a:prstGeom prst="rect">
-            <a:avLst/>
-          </a:prstGeom>
-          <a:noFill/>
-        </p:spPr>
-        <p:txBody>
-          <a:bodyPr wrap="square" rtlCol="0">
-            <a:spAutoFit/>
-          </a:bodyPr>
-          <a:lstStyle/>
-          <a:p>
-            <a:r>
-              <a:rPr lang="ko-KR" altLang="en-US" dirty="0">
-                <a:latin typeface="나눔스퀘어 Light" panose="020B0600000101010101" pitchFamily="50" charset="-127"/>
-                <a:ea typeface="나눔스퀘어 Light" panose="020B0600000101010101" pitchFamily="50" charset="-127"/>
-              </a:rPr>
-              <a:t>시간 복잡도 얘기</a:t>
-            </a:r>
-            <a:r>
-              <a:rPr lang="en-US" altLang="ko-KR" dirty="0">
-                <a:latin typeface="나눔스퀘어 Light" panose="020B0600000101010101" pitchFamily="50" charset="-127"/>
-                <a:ea typeface="나눔스퀘어 Light" panose="020B0600000101010101" pitchFamily="50" charset="-127"/>
-              </a:rPr>
-              <a:t>?</a:t>
-            </a:r>
-            <a:endParaRPr lang="ko-KR" altLang="en-US" dirty="0">
-              <a:latin typeface="나눔스퀘어 Light" panose="020B0600000101010101" pitchFamily="50" charset="-127"/>
-              <a:ea typeface="나눔스퀘어 Light" panose="020B0600000101010101" pitchFamily="50" charset="-127"/>
-            </a:endParaRPr>
-          </a:p>
-        </p:txBody>
-      </p:sp>
     </p:spTree>
     <p:extLst>
       <p:ext uri="{BB962C8B-B14F-4D97-AF65-F5344CB8AC3E}">
-        <p14:creationId xmlns:p14="http://schemas.microsoft.com/office/powerpoint/2010/main" val="4100228002"/>
+        <p14:creationId xmlns:p14="http://schemas.microsoft.com/office/powerpoint/2010/main" val="2069121991"/>
       </p:ext>
     </p:extLst>
   </p:cSld>
@@ -4002,7 +5512,7 @@
                 <a:latin typeface="나눔스퀘어 Bold" panose="020B0600000101010101" pitchFamily="50" charset="-127"/>
                 <a:ea typeface="나눔스퀘어 Bold" panose="020B0600000101010101" pitchFamily="50" charset="-127"/>
               </a:rPr>
-              <a:t>BFS : Breadth First Search</a:t>
+              <a:t>DFS : Depth First Search</a:t>
             </a:r>
             <a:endParaRPr lang="ko-KR" altLang="en-US" dirty="0">
               <a:latin typeface="나눔스퀘어 Light" panose="020B0600000101010101" pitchFamily="50" charset="-127"/>
@@ -4011,10 +5521,1378 @@
           </a:p>
         </p:txBody>
       </p:sp>
+      <p:sp>
+        <p:nvSpPr>
+          <p:cNvPr id="4" name="타원 3">
+            <a:extLst>
+              <a:ext uri="{FF2B5EF4-FFF2-40B4-BE49-F238E27FC236}">
+                <a16:creationId xmlns:a16="http://schemas.microsoft.com/office/drawing/2014/main" id="{0438DFD0-155A-48FC-E15A-9C62CDF352AF}"/>
+              </a:ext>
+            </a:extLst>
+          </p:cNvPr>
+          <p:cNvSpPr/>
+          <p:nvPr/>
+        </p:nvSpPr>
+        <p:spPr>
+          <a:xfrm>
+            <a:off x="1563473" y="1900063"/>
+            <a:ext cx="369332" cy="369332"/>
+          </a:xfrm>
+          <a:prstGeom prst="ellipse">
+            <a:avLst/>
+          </a:prstGeom>
+          <a:noFill/>
+          <a:ln w="19050">
+            <a:solidFill>
+              <a:schemeClr val="tx1"/>
+            </a:solidFill>
+          </a:ln>
+        </p:spPr>
+        <p:style>
+          <a:lnRef idx="2">
+            <a:schemeClr val="accent1">
+              <a:shade val="50000"/>
+            </a:schemeClr>
+          </a:lnRef>
+          <a:fillRef idx="1">
+            <a:schemeClr val="accent1"/>
+          </a:fillRef>
+          <a:effectRef idx="0">
+            <a:schemeClr val="accent1"/>
+          </a:effectRef>
+          <a:fontRef idx="minor">
+            <a:schemeClr val="lt1"/>
+          </a:fontRef>
+        </p:style>
+        <p:txBody>
+          <a:bodyPr rtlCol="0" anchor="ctr"/>
+          <a:lstStyle/>
+          <a:p>
+            <a:pPr algn="ctr"/>
+            <a:r>
+              <a:rPr lang="en-US" altLang="ko-KR" sz="1600" dirty="0">
+                <a:solidFill>
+                  <a:schemeClr val="tx1"/>
+                </a:solidFill>
+                <a:latin typeface="나눔스퀘어 Bold" panose="020B0600000101010101" pitchFamily="50" charset="-127"/>
+                <a:ea typeface="나눔스퀘어 Bold" panose="020B0600000101010101" pitchFamily="50" charset="-127"/>
+              </a:rPr>
+              <a:t>A</a:t>
+            </a:r>
+            <a:endParaRPr lang="ko-KR" altLang="en-US" sz="1600" dirty="0">
+              <a:solidFill>
+                <a:schemeClr val="tx1"/>
+              </a:solidFill>
+              <a:latin typeface="나눔스퀘어 Bold" panose="020B0600000101010101" pitchFamily="50" charset="-127"/>
+              <a:ea typeface="나눔스퀘어 Bold" panose="020B0600000101010101" pitchFamily="50" charset="-127"/>
+            </a:endParaRPr>
+          </a:p>
+        </p:txBody>
+      </p:sp>
+      <p:sp>
+        <p:nvSpPr>
+          <p:cNvPr id="7" name="타원 6">
+            <a:extLst>
+              <a:ext uri="{FF2B5EF4-FFF2-40B4-BE49-F238E27FC236}">
+                <a16:creationId xmlns:a16="http://schemas.microsoft.com/office/drawing/2014/main" id="{21816978-0749-52A1-659E-E290BB380521}"/>
+              </a:ext>
+            </a:extLst>
+          </p:cNvPr>
+          <p:cNvSpPr/>
+          <p:nvPr/>
+        </p:nvSpPr>
+        <p:spPr>
+          <a:xfrm>
+            <a:off x="1092132" y="2910219"/>
+            <a:ext cx="369332" cy="369332"/>
+          </a:xfrm>
+          <a:prstGeom prst="ellipse">
+            <a:avLst/>
+          </a:prstGeom>
+          <a:noFill/>
+          <a:ln w="19050">
+            <a:solidFill>
+              <a:schemeClr val="tx1"/>
+            </a:solidFill>
+          </a:ln>
+        </p:spPr>
+        <p:style>
+          <a:lnRef idx="2">
+            <a:schemeClr val="accent1">
+              <a:shade val="50000"/>
+            </a:schemeClr>
+          </a:lnRef>
+          <a:fillRef idx="1">
+            <a:schemeClr val="accent1"/>
+          </a:fillRef>
+          <a:effectRef idx="0">
+            <a:schemeClr val="accent1"/>
+          </a:effectRef>
+          <a:fontRef idx="minor">
+            <a:schemeClr val="lt1"/>
+          </a:fontRef>
+        </p:style>
+        <p:txBody>
+          <a:bodyPr rtlCol="0" anchor="ctr"/>
+          <a:lstStyle/>
+          <a:p>
+            <a:pPr algn="ctr"/>
+            <a:r>
+              <a:rPr lang="en-US" altLang="ko-KR" sz="1600" dirty="0">
+                <a:solidFill>
+                  <a:schemeClr val="tx1"/>
+                </a:solidFill>
+                <a:latin typeface="나눔스퀘어 Bold" panose="020B0600000101010101" pitchFamily="50" charset="-127"/>
+                <a:ea typeface="나눔스퀘어 Bold" panose="020B0600000101010101" pitchFamily="50" charset="-127"/>
+              </a:rPr>
+              <a:t>B</a:t>
+            </a:r>
+            <a:endParaRPr lang="ko-KR" altLang="en-US" sz="1600" dirty="0">
+              <a:solidFill>
+                <a:schemeClr val="tx1"/>
+              </a:solidFill>
+              <a:latin typeface="나눔스퀘어 Bold" panose="020B0600000101010101" pitchFamily="50" charset="-127"/>
+              <a:ea typeface="나눔스퀘어 Bold" panose="020B0600000101010101" pitchFamily="50" charset="-127"/>
+            </a:endParaRPr>
+          </a:p>
+        </p:txBody>
+      </p:sp>
+      <p:sp>
+        <p:nvSpPr>
+          <p:cNvPr id="8" name="타원 7">
+            <a:extLst>
+              <a:ext uri="{FF2B5EF4-FFF2-40B4-BE49-F238E27FC236}">
+                <a16:creationId xmlns:a16="http://schemas.microsoft.com/office/drawing/2014/main" id="{08A79275-E019-B62F-8DF0-6572AC185512}"/>
+              </a:ext>
+            </a:extLst>
+          </p:cNvPr>
+          <p:cNvSpPr/>
+          <p:nvPr/>
+        </p:nvSpPr>
+        <p:spPr>
+          <a:xfrm>
+            <a:off x="1932805" y="2910219"/>
+            <a:ext cx="369332" cy="369332"/>
+          </a:xfrm>
+          <a:prstGeom prst="ellipse">
+            <a:avLst/>
+          </a:prstGeom>
+          <a:noFill/>
+          <a:ln w="19050">
+            <a:solidFill>
+              <a:schemeClr val="tx1"/>
+            </a:solidFill>
+          </a:ln>
+        </p:spPr>
+        <p:style>
+          <a:lnRef idx="2">
+            <a:schemeClr val="accent1">
+              <a:shade val="50000"/>
+            </a:schemeClr>
+          </a:lnRef>
+          <a:fillRef idx="1">
+            <a:schemeClr val="accent1"/>
+          </a:fillRef>
+          <a:effectRef idx="0">
+            <a:schemeClr val="accent1"/>
+          </a:effectRef>
+          <a:fontRef idx="minor">
+            <a:schemeClr val="lt1"/>
+          </a:fontRef>
+        </p:style>
+        <p:txBody>
+          <a:bodyPr rtlCol="0" anchor="ctr"/>
+          <a:lstStyle/>
+          <a:p>
+            <a:pPr algn="ctr"/>
+            <a:r>
+              <a:rPr lang="en-US" altLang="ko-KR" sz="1600" dirty="0">
+                <a:solidFill>
+                  <a:schemeClr val="tx1"/>
+                </a:solidFill>
+                <a:latin typeface="나눔스퀘어 Bold" panose="020B0600000101010101" pitchFamily="50" charset="-127"/>
+                <a:ea typeface="나눔스퀘어 Bold" panose="020B0600000101010101" pitchFamily="50" charset="-127"/>
+              </a:rPr>
+              <a:t>C</a:t>
+            </a:r>
+            <a:endParaRPr lang="ko-KR" altLang="en-US" sz="1600" dirty="0">
+              <a:solidFill>
+                <a:schemeClr val="tx1"/>
+              </a:solidFill>
+              <a:latin typeface="나눔스퀘어 Bold" panose="020B0600000101010101" pitchFamily="50" charset="-127"/>
+              <a:ea typeface="나눔스퀘어 Bold" panose="020B0600000101010101" pitchFamily="50" charset="-127"/>
+            </a:endParaRPr>
+          </a:p>
+        </p:txBody>
+      </p:sp>
+      <p:sp>
+        <p:nvSpPr>
+          <p:cNvPr id="9" name="타원 8">
+            <a:extLst>
+              <a:ext uri="{FF2B5EF4-FFF2-40B4-BE49-F238E27FC236}">
+                <a16:creationId xmlns:a16="http://schemas.microsoft.com/office/drawing/2014/main" id="{8884C1D8-3D8D-0BF8-910A-637730A6D9ED}"/>
+              </a:ext>
+            </a:extLst>
+          </p:cNvPr>
+          <p:cNvSpPr/>
+          <p:nvPr/>
+        </p:nvSpPr>
+        <p:spPr>
+          <a:xfrm>
+            <a:off x="722800" y="3920375"/>
+            <a:ext cx="369332" cy="369332"/>
+          </a:xfrm>
+          <a:prstGeom prst="ellipse">
+            <a:avLst/>
+          </a:prstGeom>
+          <a:noFill/>
+          <a:ln w="19050">
+            <a:solidFill>
+              <a:schemeClr val="tx1"/>
+            </a:solidFill>
+          </a:ln>
+        </p:spPr>
+        <p:style>
+          <a:lnRef idx="2">
+            <a:schemeClr val="accent1">
+              <a:shade val="50000"/>
+            </a:schemeClr>
+          </a:lnRef>
+          <a:fillRef idx="1">
+            <a:schemeClr val="accent1"/>
+          </a:fillRef>
+          <a:effectRef idx="0">
+            <a:schemeClr val="accent1"/>
+          </a:effectRef>
+          <a:fontRef idx="minor">
+            <a:schemeClr val="lt1"/>
+          </a:fontRef>
+        </p:style>
+        <p:txBody>
+          <a:bodyPr rtlCol="0" anchor="ctr"/>
+          <a:lstStyle/>
+          <a:p>
+            <a:pPr algn="ctr"/>
+            <a:r>
+              <a:rPr lang="en-US" altLang="ko-KR" sz="1600" dirty="0">
+                <a:solidFill>
+                  <a:schemeClr val="tx1"/>
+                </a:solidFill>
+                <a:latin typeface="나눔스퀘어 Bold" panose="020B0600000101010101" pitchFamily="50" charset="-127"/>
+                <a:ea typeface="나눔스퀘어 Bold" panose="020B0600000101010101" pitchFamily="50" charset="-127"/>
+              </a:rPr>
+              <a:t>E</a:t>
+            </a:r>
+            <a:endParaRPr lang="ko-KR" altLang="en-US" sz="1600" dirty="0">
+              <a:solidFill>
+                <a:schemeClr val="tx1"/>
+              </a:solidFill>
+              <a:latin typeface="나눔스퀘어 Bold" panose="020B0600000101010101" pitchFamily="50" charset="-127"/>
+              <a:ea typeface="나눔스퀘어 Bold" panose="020B0600000101010101" pitchFamily="50" charset="-127"/>
+            </a:endParaRPr>
+          </a:p>
+        </p:txBody>
+      </p:sp>
+      <p:sp>
+        <p:nvSpPr>
+          <p:cNvPr id="10" name="타원 9">
+            <a:extLst>
+              <a:ext uri="{FF2B5EF4-FFF2-40B4-BE49-F238E27FC236}">
+                <a16:creationId xmlns:a16="http://schemas.microsoft.com/office/drawing/2014/main" id="{7232477E-FD41-B666-3817-85A23451B991}"/>
+              </a:ext>
+            </a:extLst>
+          </p:cNvPr>
+          <p:cNvSpPr/>
+          <p:nvPr/>
+        </p:nvSpPr>
+        <p:spPr>
+          <a:xfrm>
+            <a:off x="1563473" y="3920375"/>
+            <a:ext cx="369332" cy="369332"/>
+          </a:xfrm>
+          <a:prstGeom prst="ellipse">
+            <a:avLst/>
+          </a:prstGeom>
+          <a:noFill/>
+          <a:ln w="19050">
+            <a:solidFill>
+              <a:schemeClr val="tx1"/>
+            </a:solidFill>
+          </a:ln>
+        </p:spPr>
+        <p:style>
+          <a:lnRef idx="2">
+            <a:schemeClr val="accent1">
+              <a:shade val="50000"/>
+            </a:schemeClr>
+          </a:lnRef>
+          <a:fillRef idx="1">
+            <a:schemeClr val="accent1"/>
+          </a:fillRef>
+          <a:effectRef idx="0">
+            <a:schemeClr val="accent1"/>
+          </a:effectRef>
+          <a:fontRef idx="minor">
+            <a:schemeClr val="lt1"/>
+          </a:fontRef>
+        </p:style>
+        <p:txBody>
+          <a:bodyPr rtlCol="0" anchor="ctr"/>
+          <a:lstStyle/>
+          <a:p>
+            <a:pPr algn="ctr"/>
+            <a:r>
+              <a:rPr lang="en-US" altLang="ko-KR" sz="1600" dirty="0">
+                <a:solidFill>
+                  <a:schemeClr val="tx1"/>
+                </a:solidFill>
+                <a:latin typeface="나눔스퀘어 Bold" panose="020B0600000101010101" pitchFamily="50" charset="-127"/>
+                <a:ea typeface="나눔스퀘어 Bold" panose="020B0600000101010101" pitchFamily="50" charset="-127"/>
+              </a:rPr>
+              <a:t>F</a:t>
+            </a:r>
+            <a:endParaRPr lang="ko-KR" altLang="en-US" sz="1600" dirty="0">
+              <a:solidFill>
+                <a:schemeClr val="tx1"/>
+              </a:solidFill>
+              <a:latin typeface="나눔스퀘어 Bold" panose="020B0600000101010101" pitchFamily="50" charset="-127"/>
+              <a:ea typeface="나눔스퀘어 Bold" panose="020B0600000101010101" pitchFamily="50" charset="-127"/>
+            </a:endParaRPr>
+          </a:p>
+        </p:txBody>
+      </p:sp>
+      <p:sp>
+        <p:nvSpPr>
+          <p:cNvPr id="11" name="타원 10">
+            <a:extLst>
+              <a:ext uri="{FF2B5EF4-FFF2-40B4-BE49-F238E27FC236}">
+                <a16:creationId xmlns:a16="http://schemas.microsoft.com/office/drawing/2014/main" id="{C2072267-3573-6825-2B0F-40F63130B5A2}"/>
+              </a:ext>
+            </a:extLst>
+          </p:cNvPr>
+          <p:cNvSpPr/>
+          <p:nvPr/>
+        </p:nvSpPr>
+        <p:spPr>
+          <a:xfrm>
+            <a:off x="2773478" y="2910219"/>
+            <a:ext cx="369332" cy="369332"/>
+          </a:xfrm>
+          <a:prstGeom prst="ellipse">
+            <a:avLst/>
+          </a:prstGeom>
+          <a:noFill/>
+          <a:ln w="19050">
+            <a:solidFill>
+              <a:schemeClr val="tx1"/>
+            </a:solidFill>
+          </a:ln>
+        </p:spPr>
+        <p:style>
+          <a:lnRef idx="2">
+            <a:schemeClr val="accent1">
+              <a:shade val="50000"/>
+            </a:schemeClr>
+          </a:lnRef>
+          <a:fillRef idx="1">
+            <a:schemeClr val="accent1"/>
+          </a:fillRef>
+          <a:effectRef idx="0">
+            <a:schemeClr val="accent1"/>
+          </a:effectRef>
+          <a:fontRef idx="minor">
+            <a:schemeClr val="lt1"/>
+          </a:fontRef>
+        </p:style>
+        <p:txBody>
+          <a:bodyPr rtlCol="0" anchor="ctr"/>
+          <a:lstStyle/>
+          <a:p>
+            <a:pPr algn="ctr"/>
+            <a:r>
+              <a:rPr lang="en-US" altLang="ko-KR" sz="1600" dirty="0">
+                <a:solidFill>
+                  <a:schemeClr val="tx1"/>
+                </a:solidFill>
+                <a:latin typeface="나눔스퀘어 Bold" panose="020B0600000101010101" pitchFamily="50" charset="-127"/>
+                <a:ea typeface="나눔스퀘어 Bold" panose="020B0600000101010101" pitchFamily="50" charset="-127"/>
+              </a:rPr>
+              <a:t>D</a:t>
+            </a:r>
+            <a:endParaRPr lang="ko-KR" altLang="en-US" sz="1600" dirty="0">
+              <a:solidFill>
+                <a:schemeClr val="tx1"/>
+              </a:solidFill>
+              <a:latin typeface="나눔스퀘어 Bold" panose="020B0600000101010101" pitchFamily="50" charset="-127"/>
+              <a:ea typeface="나눔스퀘어 Bold" panose="020B0600000101010101" pitchFamily="50" charset="-127"/>
+            </a:endParaRPr>
+          </a:p>
+        </p:txBody>
+      </p:sp>
+      <p:sp>
+        <p:nvSpPr>
+          <p:cNvPr id="12" name="타원 11">
+            <a:extLst>
+              <a:ext uri="{FF2B5EF4-FFF2-40B4-BE49-F238E27FC236}">
+                <a16:creationId xmlns:a16="http://schemas.microsoft.com/office/drawing/2014/main" id="{DFB7AF4C-27D8-1EA0-24D0-24E7567222DF}"/>
+              </a:ext>
+            </a:extLst>
+          </p:cNvPr>
+          <p:cNvSpPr/>
+          <p:nvPr/>
+        </p:nvSpPr>
+        <p:spPr>
+          <a:xfrm>
+            <a:off x="2404146" y="3920375"/>
+            <a:ext cx="369332" cy="369332"/>
+          </a:xfrm>
+          <a:prstGeom prst="ellipse">
+            <a:avLst/>
+          </a:prstGeom>
+          <a:noFill/>
+          <a:ln w="19050">
+            <a:solidFill>
+              <a:schemeClr val="tx1"/>
+            </a:solidFill>
+          </a:ln>
+        </p:spPr>
+        <p:style>
+          <a:lnRef idx="2">
+            <a:schemeClr val="accent1">
+              <a:shade val="50000"/>
+            </a:schemeClr>
+          </a:lnRef>
+          <a:fillRef idx="1">
+            <a:schemeClr val="accent1"/>
+          </a:fillRef>
+          <a:effectRef idx="0">
+            <a:schemeClr val="accent1"/>
+          </a:effectRef>
+          <a:fontRef idx="minor">
+            <a:schemeClr val="lt1"/>
+          </a:fontRef>
+        </p:style>
+        <p:txBody>
+          <a:bodyPr rtlCol="0" anchor="ctr"/>
+          <a:lstStyle/>
+          <a:p>
+            <a:pPr algn="ctr"/>
+            <a:r>
+              <a:rPr lang="en-US" altLang="ko-KR" sz="1600" dirty="0">
+                <a:solidFill>
+                  <a:schemeClr val="tx1"/>
+                </a:solidFill>
+                <a:latin typeface="나눔스퀘어 Bold" panose="020B0600000101010101" pitchFamily="50" charset="-127"/>
+                <a:ea typeface="나눔스퀘어 Bold" panose="020B0600000101010101" pitchFamily="50" charset="-127"/>
+              </a:rPr>
+              <a:t>G</a:t>
+            </a:r>
+            <a:endParaRPr lang="ko-KR" altLang="en-US" sz="1600" dirty="0">
+              <a:solidFill>
+                <a:schemeClr val="tx1"/>
+              </a:solidFill>
+              <a:latin typeface="나눔스퀘어 Bold" panose="020B0600000101010101" pitchFamily="50" charset="-127"/>
+              <a:ea typeface="나눔스퀘어 Bold" panose="020B0600000101010101" pitchFamily="50" charset="-127"/>
+            </a:endParaRPr>
+          </a:p>
+        </p:txBody>
+      </p:sp>
+      <p:sp>
+        <p:nvSpPr>
+          <p:cNvPr id="13" name="타원 12">
+            <a:extLst>
+              <a:ext uri="{FF2B5EF4-FFF2-40B4-BE49-F238E27FC236}">
+                <a16:creationId xmlns:a16="http://schemas.microsoft.com/office/drawing/2014/main" id="{C1D30A9A-0760-503F-9DA0-FA7F093A74A2}"/>
+              </a:ext>
+            </a:extLst>
+          </p:cNvPr>
+          <p:cNvSpPr/>
+          <p:nvPr/>
+        </p:nvSpPr>
+        <p:spPr>
+          <a:xfrm>
+            <a:off x="3244819" y="3920375"/>
+            <a:ext cx="369332" cy="369332"/>
+          </a:xfrm>
+          <a:prstGeom prst="ellipse">
+            <a:avLst/>
+          </a:prstGeom>
+          <a:noFill/>
+          <a:ln w="19050">
+            <a:solidFill>
+              <a:schemeClr val="tx1"/>
+            </a:solidFill>
+          </a:ln>
+        </p:spPr>
+        <p:style>
+          <a:lnRef idx="2">
+            <a:schemeClr val="accent1">
+              <a:shade val="50000"/>
+            </a:schemeClr>
+          </a:lnRef>
+          <a:fillRef idx="1">
+            <a:schemeClr val="accent1"/>
+          </a:fillRef>
+          <a:effectRef idx="0">
+            <a:schemeClr val="accent1"/>
+          </a:effectRef>
+          <a:fontRef idx="minor">
+            <a:schemeClr val="lt1"/>
+          </a:fontRef>
+        </p:style>
+        <p:txBody>
+          <a:bodyPr rtlCol="0" anchor="ctr"/>
+          <a:lstStyle/>
+          <a:p>
+            <a:pPr algn="ctr"/>
+            <a:r>
+              <a:rPr lang="en-US" altLang="ko-KR" sz="1600" dirty="0">
+                <a:solidFill>
+                  <a:schemeClr val="tx1"/>
+                </a:solidFill>
+                <a:latin typeface="나눔스퀘어 Bold" panose="020B0600000101010101" pitchFamily="50" charset="-127"/>
+                <a:ea typeface="나눔스퀘어 Bold" panose="020B0600000101010101" pitchFamily="50" charset="-127"/>
+              </a:rPr>
+              <a:t>H</a:t>
+            </a:r>
+            <a:endParaRPr lang="ko-KR" altLang="en-US" sz="1600" dirty="0">
+              <a:solidFill>
+                <a:schemeClr val="tx1"/>
+              </a:solidFill>
+              <a:latin typeface="나눔스퀘어 Bold" panose="020B0600000101010101" pitchFamily="50" charset="-127"/>
+              <a:ea typeface="나눔스퀘어 Bold" panose="020B0600000101010101" pitchFamily="50" charset="-127"/>
+            </a:endParaRPr>
+          </a:p>
+        </p:txBody>
+      </p:sp>
+      <p:sp>
+        <p:nvSpPr>
+          <p:cNvPr id="16" name="타원 15">
+            <a:extLst>
+              <a:ext uri="{FF2B5EF4-FFF2-40B4-BE49-F238E27FC236}">
+                <a16:creationId xmlns:a16="http://schemas.microsoft.com/office/drawing/2014/main" id="{E97590FB-AEC0-C8FD-467C-DC4AC2D7EE7A}"/>
+              </a:ext>
+            </a:extLst>
+          </p:cNvPr>
+          <p:cNvSpPr/>
+          <p:nvPr/>
+        </p:nvSpPr>
+        <p:spPr>
+          <a:xfrm>
+            <a:off x="1092132" y="4932932"/>
+            <a:ext cx="369332" cy="369332"/>
+          </a:xfrm>
+          <a:prstGeom prst="ellipse">
+            <a:avLst/>
+          </a:prstGeom>
+          <a:noFill/>
+          <a:ln w="19050">
+            <a:solidFill>
+              <a:schemeClr val="tx1"/>
+            </a:solidFill>
+          </a:ln>
+        </p:spPr>
+        <p:style>
+          <a:lnRef idx="2">
+            <a:schemeClr val="accent1">
+              <a:shade val="50000"/>
+            </a:schemeClr>
+          </a:lnRef>
+          <a:fillRef idx="1">
+            <a:schemeClr val="accent1"/>
+          </a:fillRef>
+          <a:effectRef idx="0">
+            <a:schemeClr val="accent1"/>
+          </a:effectRef>
+          <a:fontRef idx="minor">
+            <a:schemeClr val="lt1"/>
+          </a:fontRef>
+        </p:style>
+        <p:txBody>
+          <a:bodyPr rtlCol="0" anchor="ctr"/>
+          <a:lstStyle/>
+          <a:p>
+            <a:pPr algn="ctr"/>
+            <a:r>
+              <a:rPr lang="en-US" altLang="ko-KR" sz="1600" dirty="0">
+                <a:solidFill>
+                  <a:schemeClr val="tx1"/>
+                </a:solidFill>
+                <a:latin typeface="나눔스퀘어 Bold" panose="020B0600000101010101" pitchFamily="50" charset="-127"/>
+                <a:ea typeface="나눔스퀘어 Bold" panose="020B0600000101010101" pitchFamily="50" charset="-127"/>
+              </a:rPr>
+              <a:t>I</a:t>
+            </a:r>
+            <a:endParaRPr lang="ko-KR" altLang="en-US" sz="1600" dirty="0">
+              <a:solidFill>
+                <a:schemeClr val="tx1"/>
+              </a:solidFill>
+              <a:latin typeface="나눔스퀘어 Bold" panose="020B0600000101010101" pitchFamily="50" charset="-127"/>
+              <a:ea typeface="나눔스퀘어 Bold" panose="020B0600000101010101" pitchFamily="50" charset="-127"/>
+            </a:endParaRPr>
+          </a:p>
+        </p:txBody>
+      </p:sp>
+      <p:sp>
+        <p:nvSpPr>
+          <p:cNvPr id="17" name="타원 16">
+            <a:extLst>
+              <a:ext uri="{FF2B5EF4-FFF2-40B4-BE49-F238E27FC236}">
+                <a16:creationId xmlns:a16="http://schemas.microsoft.com/office/drawing/2014/main" id="{8B861D6C-7F66-797A-D11C-75EE48E1F39B}"/>
+              </a:ext>
+            </a:extLst>
+          </p:cNvPr>
+          <p:cNvSpPr/>
+          <p:nvPr/>
+        </p:nvSpPr>
+        <p:spPr>
+          <a:xfrm>
+            <a:off x="1932805" y="4932932"/>
+            <a:ext cx="369332" cy="369332"/>
+          </a:xfrm>
+          <a:prstGeom prst="ellipse">
+            <a:avLst/>
+          </a:prstGeom>
+          <a:noFill/>
+          <a:ln w="19050">
+            <a:solidFill>
+              <a:schemeClr val="tx1"/>
+            </a:solidFill>
+          </a:ln>
+        </p:spPr>
+        <p:style>
+          <a:lnRef idx="2">
+            <a:schemeClr val="accent1">
+              <a:shade val="50000"/>
+            </a:schemeClr>
+          </a:lnRef>
+          <a:fillRef idx="1">
+            <a:schemeClr val="accent1"/>
+          </a:fillRef>
+          <a:effectRef idx="0">
+            <a:schemeClr val="accent1"/>
+          </a:effectRef>
+          <a:fontRef idx="minor">
+            <a:schemeClr val="lt1"/>
+          </a:fontRef>
+        </p:style>
+        <p:txBody>
+          <a:bodyPr rtlCol="0" anchor="ctr"/>
+          <a:lstStyle/>
+          <a:p>
+            <a:pPr algn="ctr"/>
+            <a:r>
+              <a:rPr lang="en-US" altLang="ko-KR" sz="1600" dirty="0">
+                <a:solidFill>
+                  <a:schemeClr val="tx1"/>
+                </a:solidFill>
+                <a:latin typeface="나눔스퀘어 Bold" panose="020B0600000101010101" pitchFamily="50" charset="-127"/>
+                <a:ea typeface="나눔스퀘어 Bold" panose="020B0600000101010101" pitchFamily="50" charset="-127"/>
+              </a:rPr>
+              <a:t>J</a:t>
+            </a:r>
+            <a:endParaRPr lang="ko-KR" altLang="en-US" sz="1600" dirty="0">
+              <a:solidFill>
+                <a:schemeClr val="tx1"/>
+              </a:solidFill>
+              <a:latin typeface="나눔스퀘어 Bold" panose="020B0600000101010101" pitchFamily="50" charset="-127"/>
+              <a:ea typeface="나눔스퀘어 Bold" panose="020B0600000101010101" pitchFamily="50" charset="-127"/>
+            </a:endParaRPr>
+          </a:p>
+        </p:txBody>
+      </p:sp>
+      <p:cxnSp>
+        <p:nvCxnSpPr>
+          <p:cNvPr id="18" name="직선 연결선 17">
+            <a:extLst>
+              <a:ext uri="{FF2B5EF4-FFF2-40B4-BE49-F238E27FC236}">
+                <a16:creationId xmlns:a16="http://schemas.microsoft.com/office/drawing/2014/main" id="{D351CD4A-70FB-09C3-ECDE-1FC628653052}"/>
+              </a:ext>
+            </a:extLst>
+          </p:cNvPr>
+          <p:cNvCxnSpPr>
+            <a:cxnSpLocks/>
+            <a:stCxn id="7" idx="0"/>
+            <a:endCxn id="4" idx="3"/>
+          </p:cNvCxnSpPr>
+          <p:nvPr/>
+        </p:nvCxnSpPr>
+        <p:spPr>
+          <a:xfrm flipV="1">
+            <a:off x="1276798" y="2215308"/>
+            <a:ext cx="340762" cy="694911"/>
+          </a:xfrm>
+          <a:prstGeom prst="line">
+            <a:avLst/>
+          </a:prstGeom>
+          <a:ln w="19050">
+            <a:solidFill>
+              <a:schemeClr val="tx1"/>
+            </a:solidFill>
+          </a:ln>
+        </p:spPr>
+        <p:style>
+          <a:lnRef idx="1">
+            <a:schemeClr val="accent1"/>
+          </a:lnRef>
+          <a:fillRef idx="0">
+            <a:schemeClr val="accent1"/>
+          </a:fillRef>
+          <a:effectRef idx="0">
+            <a:schemeClr val="accent1"/>
+          </a:effectRef>
+          <a:fontRef idx="minor">
+            <a:schemeClr val="tx1"/>
+          </a:fontRef>
+        </p:style>
+      </p:cxnSp>
+      <p:cxnSp>
+        <p:nvCxnSpPr>
+          <p:cNvPr id="21" name="직선 연결선 20">
+            <a:extLst>
+              <a:ext uri="{FF2B5EF4-FFF2-40B4-BE49-F238E27FC236}">
+                <a16:creationId xmlns:a16="http://schemas.microsoft.com/office/drawing/2014/main" id="{E8746DB5-0B32-2EB4-978F-B5DB78C4C0B7}"/>
+              </a:ext>
+            </a:extLst>
+          </p:cNvPr>
+          <p:cNvCxnSpPr>
+            <a:cxnSpLocks/>
+            <a:stCxn id="8" idx="0"/>
+            <a:endCxn id="4" idx="5"/>
+          </p:cNvCxnSpPr>
+          <p:nvPr/>
+        </p:nvCxnSpPr>
+        <p:spPr>
+          <a:xfrm flipH="1" flipV="1">
+            <a:off x="1878718" y="2215308"/>
+            <a:ext cx="238753" cy="694911"/>
+          </a:xfrm>
+          <a:prstGeom prst="line">
+            <a:avLst/>
+          </a:prstGeom>
+          <a:ln w="19050">
+            <a:solidFill>
+              <a:schemeClr val="tx1"/>
+            </a:solidFill>
+          </a:ln>
+        </p:spPr>
+        <p:style>
+          <a:lnRef idx="1">
+            <a:schemeClr val="accent1"/>
+          </a:lnRef>
+          <a:fillRef idx="0">
+            <a:schemeClr val="accent1"/>
+          </a:fillRef>
+          <a:effectRef idx="0">
+            <a:schemeClr val="accent1"/>
+          </a:effectRef>
+          <a:fontRef idx="minor">
+            <a:schemeClr val="tx1"/>
+          </a:fontRef>
+        </p:style>
+      </p:cxnSp>
+      <p:cxnSp>
+        <p:nvCxnSpPr>
+          <p:cNvPr id="24" name="직선 연결선 23">
+            <a:extLst>
+              <a:ext uri="{FF2B5EF4-FFF2-40B4-BE49-F238E27FC236}">
+                <a16:creationId xmlns:a16="http://schemas.microsoft.com/office/drawing/2014/main" id="{AA5916BB-124D-6B51-579C-D9B158707536}"/>
+              </a:ext>
+            </a:extLst>
+          </p:cNvPr>
+          <p:cNvCxnSpPr>
+            <a:cxnSpLocks/>
+            <a:stCxn id="7" idx="6"/>
+            <a:endCxn id="8" idx="2"/>
+          </p:cNvCxnSpPr>
+          <p:nvPr/>
+        </p:nvCxnSpPr>
+        <p:spPr>
+          <a:xfrm>
+            <a:off x="1461464" y="3094885"/>
+            <a:ext cx="471341" cy="0"/>
+          </a:xfrm>
+          <a:prstGeom prst="line">
+            <a:avLst/>
+          </a:prstGeom>
+          <a:ln w="19050">
+            <a:solidFill>
+              <a:schemeClr val="tx1"/>
+            </a:solidFill>
+          </a:ln>
+        </p:spPr>
+        <p:style>
+          <a:lnRef idx="1">
+            <a:schemeClr val="accent1"/>
+          </a:lnRef>
+          <a:fillRef idx="0">
+            <a:schemeClr val="accent1"/>
+          </a:fillRef>
+          <a:effectRef idx="0">
+            <a:schemeClr val="accent1"/>
+          </a:effectRef>
+          <a:fontRef idx="minor">
+            <a:schemeClr val="tx1"/>
+          </a:fontRef>
+        </p:style>
+      </p:cxnSp>
+      <p:cxnSp>
+        <p:nvCxnSpPr>
+          <p:cNvPr id="27" name="직선 연결선 26">
+            <a:extLst>
+              <a:ext uri="{FF2B5EF4-FFF2-40B4-BE49-F238E27FC236}">
+                <a16:creationId xmlns:a16="http://schemas.microsoft.com/office/drawing/2014/main" id="{EDE919BF-A57F-615F-ECDB-D742AB36E541}"/>
+              </a:ext>
+            </a:extLst>
+          </p:cNvPr>
+          <p:cNvCxnSpPr>
+            <a:cxnSpLocks/>
+            <a:stCxn id="9" idx="0"/>
+            <a:endCxn id="7" idx="3"/>
+          </p:cNvCxnSpPr>
+          <p:nvPr/>
+        </p:nvCxnSpPr>
+        <p:spPr>
+          <a:xfrm flipV="1">
+            <a:off x="907466" y="3225464"/>
+            <a:ext cx="238753" cy="694911"/>
+          </a:xfrm>
+          <a:prstGeom prst="line">
+            <a:avLst/>
+          </a:prstGeom>
+          <a:ln w="19050">
+            <a:solidFill>
+              <a:schemeClr val="tx1"/>
+            </a:solidFill>
+          </a:ln>
+        </p:spPr>
+        <p:style>
+          <a:lnRef idx="1">
+            <a:schemeClr val="accent1"/>
+          </a:lnRef>
+          <a:fillRef idx="0">
+            <a:schemeClr val="accent1"/>
+          </a:fillRef>
+          <a:effectRef idx="0">
+            <a:schemeClr val="accent1"/>
+          </a:effectRef>
+          <a:fontRef idx="minor">
+            <a:schemeClr val="tx1"/>
+          </a:fontRef>
+        </p:style>
+      </p:cxnSp>
+      <p:cxnSp>
+        <p:nvCxnSpPr>
+          <p:cNvPr id="30" name="직선 연결선 29">
+            <a:extLst>
+              <a:ext uri="{FF2B5EF4-FFF2-40B4-BE49-F238E27FC236}">
+                <a16:creationId xmlns:a16="http://schemas.microsoft.com/office/drawing/2014/main" id="{10446B93-18DC-4E05-C365-08B73C0A06E8}"/>
+              </a:ext>
+            </a:extLst>
+          </p:cNvPr>
+          <p:cNvCxnSpPr>
+            <a:cxnSpLocks/>
+            <a:stCxn id="10" idx="1"/>
+            <a:endCxn id="7" idx="5"/>
+          </p:cNvCxnSpPr>
+          <p:nvPr/>
+        </p:nvCxnSpPr>
+        <p:spPr>
+          <a:xfrm flipH="1" flipV="1">
+            <a:off x="1407377" y="3225464"/>
+            <a:ext cx="210183" cy="748998"/>
+          </a:xfrm>
+          <a:prstGeom prst="line">
+            <a:avLst/>
+          </a:prstGeom>
+          <a:ln w="19050">
+            <a:solidFill>
+              <a:schemeClr val="tx1"/>
+            </a:solidFill>
+          </a:ln>
+        </p:spPr>
+        <p:style>
+          <a:lnRef idx="1">
+            <a:schemeClr val="accent1"/>
+          </a:lnRef>
+          <a:fillRef idx="0">
+            <a:schemeClr val="accent1"/>
+          </a:fillRef>
+          <a:effectRef idx="0">
+            <a:schemeClr val="accent1"/>
+          </a:effectRef>
+          <a:fontRef idx="minor">
+            <a:schemeClr val="tx1"/>
+          </a:fontRef>
+        </p:style>
+      </p:cxnSp>
+      <p:cxnSp>
+        <p:nvCxnSpPr>
+          <p:cNvPr id="33" name="직선 연결선 32">
+            <a:extLst>
+              <a:ext uri="{FF2B5EF4-FFF2-40B4-BE49-F238E27FC236}">
+                <a16:creationId xmlns:a16="http://schemas.microsoft.com/office/drawing/2014/main" id="{CC46C0AB-D0CD-1CFC-A857-76466716308A}"/>
+              </a:ext>
+            </a:extLst>
+          </p:cNvPr>
+          <p:cNvCxnSpPr>
+            <a:cxnSpLocks/>
+            <a:stCxn id="17" idx="7"/>
+            <a:endCxn id="12" idx="4"/>
+          </p:cNvCxnSpPr>
+          <p:nvPr/>
+        </p:nvCxnSpPr>
+        <p:spPr>
+          <a:xfrm flipV="1">
+            <a:off x="2248050" y="4289707"/>
+            <a:ext cx="340762" cy="697312"/>
+          </a:xfrm>
+          <a:prstGeom prst="line">
+            <a:avLst/>
+          </a:prstGeom>
+          <a:ln w="19050">
+            <a:solidFill>
+              <a:schemeClr val="tx1"/>
+            </a:solidFill>
+          </a:ln>
+        </p:spPr>
+        <p:style>
+          <a:lnRef idx="1">
+            <a:schemeClr val="accent1"/>
+          </a:lnRef>
+          <a:fillRef idx="0">
+            <a:schemeClr val="accent1"/>
+          </a:fillRef>
+          <a:effectRef idx="0">
+            <a:schemeClr val="accent1"/>
+          </a:effectRef>
+          <a:fontRef idx="minor">
+            <a:schemeClr val="tx1"/>
+          </a:fontRef>
+        </p:style>
+      </p:cxnSp>
+      <p:cxnSp>
+        <p:nvCxnSpPr>
+          <p:cNvPr id="37" name="직선 연결선 36">
+            <a:extLst>
+              <a:ext uri="{FF2B5EF4-FFF2-40B4-BE49-F238E27FC236}">
+                <a16:creationId xmlns:a16="http://schemas.microsoft.com/office/drawing/2014/main" id="{33C0408F-70FF-0CA2-4155-B5D0A66AFD72}"/>
+              </a:ext>
+            </a:extLst>
+          </p:cNvPr>
+          <p:cNvCxnSpPr>
+            <a:cxnSpLocks/>
+            <a:stCxn id="10" idx="6"/>
+            <a:endCxn id="12" idx="2"/>
+          </p:cNvCxnSpPr>
+          <p:nvPr/>
+        </p:nvCxnSpPr>
+        <p:spPr>
+          <a:xfrm>
+            <a:off x="1932805" y="4105041"/>
+            <a:ext cx="471341" cy="0"/>
+          </a:xfrm>
+          <a:prstGeom prst="line">
+            <a:avLst/>
+          </a:prstGeom>
+          <a:ln w="19050">
+            <a:solidFill>
+              <a:schemeClr val="tx1"/>
+            </a:solidFill>
+          </a:ln>
+        </p:spPr>
+        <p:style>
+          <a:lnRef idx="1">
+            <a:schemeClr val="accent1"/>
+          </a:lnRef>
+          <a:fillRef idx="0">
+            <a:schemeClr val="accent1"/>
+          </a:fillRef>
+          <a:effectRef idx="0">
+            <a:schemeClr val="accent1"/>
+          </a:effectRef>
+          <a:fontRef idx="minor">
+            <a:schemeClr val="tx1"/>
+          </a:fontRef>
+        </p:style>
+      </p:cxnSp>
+      <p:cxnSp>
+        <p:nvCxnSpPr>
+          <p:cNvPr id="40" name="직선 연결선 39">
+            <a:extLst>
+              <a:ext uri="{FF2B5EF4-FFF2-40B4-BE49-F238E27FC236}">
+                <a16:creationId xmlns:a16="http://schemas.microsoft.com/office/drawing/2014/main" id="{5DD1A5B3-E1D7-0071-8D23-B58D83C4C901}"/>
+              </a:ext>
+            </a:extLst>
+          </p:cNvPr>
+          <p:cNvCxnSpPr>
+            <a:cxnSpLocks/>
+            <a:stCxn id="8" idx="5"/>
+            <a:endCxn id="12" idx="1"/>
+          </p:cNvCxnSpPr>
+          <p:nvPr/>
+        </p:nvCxnSpPr>
+        <p:spPr>
+          <a:xfrm>
+            <a:off x="2248050" y="3225464"/>
+            <a:ext cx="210183" cy="748998"/>
+          </a:xfrm>
+          <a:prstGeom prst="line">
+            <a:avLst/>
+          </a:prstGeom>
+          <a:ln w="19050">
+            <a:solidFill>
+              <a:schemeClr val="tx1"/>
+            </a:solidFill>
+          </a:ln>
+        </p:spPr>
+        <p:style>
+          <a:lnRef idx="1">
+            <a:schemeClr val="accent1"/>
+          </a:lnRef>
+          <a:fillRef idx="0">
+            <a:schemeClr val="accent1"/>
+          </a:fillRef>
+          <a:effectRef idx="0">
+            <a:schemeClr val="accent1"/>
+          </a:effectRef>
+          <a:fontRef idx="minor">
+            <a:schemeClr val="tx1"/>
+          </a:fontRef>
+        </p:style>
+      </p:cxnSp>
+      <p:cxnSp>
+        <p:nvCxnSpPr>
+          <p:cNvPr id="43" name="직선 연결선 42">
+            <a:extLst>
+              <a:ext uri="{FF2B5EF4-FFF2-40B4-BE49-F238E27FC236}">
+                <a16:creationId xmlns:a16="http://schemas.microsoft.com/office/drawing/2014/main" id="{B913D491-69AE-D5F4-7E87-F0FE4E9078A9}"/>
+              </a:ext>
+            </a:extLst>
+          </p:cNvPr>
+          <p:cNvCxnSpPr>
+            <a:cxnSpLocks/>
+            <a:stCxn id="12" idx="6"/>
+            <a:endCxn id="13" idx="2"/>
+          </p:cNvCxnSpPr>
+          <p:nvPr/>
+        </p:nvCxnSpPr>
+        <p:spPr>
+          <a:xfrm>
+            <a:off x="2773478" y="4105041"/>
+            <a:ext cx="471341" cy="0"/>
+          </a:xfrm>
+          <a:prstGeom prst="line">
+            <a:avLst/>
+          </a:prstGeom>
+          <a:ln w="19050">
+            <a:solidFill>
+              <a:schemeClr val="tx1"/>
+            </a:solidFill>
+          </a:ln>
+        </p:spPr>
+        <p:style>
+          <a:lnRef idx="1">
+            <a:schemeClr val="accent1"/>
+          </a:lnRef>
+          <a:fillRef idx="0">
+            <a:schemeClr val="accent1"/>
+          </a:fillRef>
+          <a:effectRef idx="0">
+            <a:schemeClr val="accent1"/>
+          </a:effectRef>
+          <a:fontRef idx="minor">
+            <a:schemeClr val="tx1"/>
+          </a:fontRef>
+        </p:style>
+      </p:cxnSp>
+      <p:cxnSp>
+        <p:nvCxnSpPr>
+          <p:cNvPr id="48" name="직선 연결선 47">
+            <a:extLst>
+              <a:ext uri="{FF2B5EF4-FFF2-40B4-BE49-F238E27FC236}">
+                <a16:creationId xmlns:a16="http://schemas.microsoft.com/office/drawing/2014/main" id="{F1924B4C-1DE7-53B8-0C6F-1E45463169C2}"/>
+              </a:ext>
+            </a:extLst>
+          </p:cNvPr>
+          <p:cNvCxnSpPr>
+            <a:cxnSpLocks/>
+            <a:stCxn id="11" idx="5"/>
+            <a:endCxn id="13" idx="0"/>
+          </p:cNvCxnSpPr>
+          <p:nvPr/>
+        </p:nvCxnSpPr>
+        <p:spPr>
+          <a:xfrm>
+            <a:off x="3088723" y="3225464"/>
+            <a:ext cx="340762" cy="694911"/>
+          </a:xfrm>
+          <a:prstGeom prst="line">
+            <a:avLst/>
+          </a:prstGeom>
+          <a:ln w="19050">
+            <a:solidFill>
+              <a:schemeClr val="tx1"/>
+            </a:solidFill>
+          </a:ln>
+        </p:spPr>
+        <p:style>
+          <a:lnRef idx="1">
+            <a:schemeClr val="accent1"/>
+          </a:lnRef>
+          <a:fillRef idx="0">
+            <a:schemeClr val="accent1"/>
+          </a:fillRef>
+          <a:effectRef idx="0">
+            <a:schemeClr val="accent1"/>
+          </a:effectRef>
+          <a:fontRef idx="minor">
+            <a:schemeClr val="tx1"/>
+          </a:fontRef>
+        </p:style>
+      </p:cxnSp>
+      <p:sp>
+        <p:nvSpPr>
+          <p:cNvPr id="53" name="TextBox 52">
+            <a:extLst>
+              <a:ext uri="{FF2B5EF4-FFF2-40B4-BE49-F238E27FC236}">
+                <a16:creationId xmlns:a16="http://schemas.microsoft.com/office/drawing/2014/main" id="{5A50A62C-0FA1-5F9A-82B2-151D0F6E05BD}"/>
+              </a:ext>
+            </a:extLst>
+          </p:cNvPr>
+          <p:cNvSpPr txBox="1"/>
+          <p:nvPr/>
+        </p:nvSpPr>
+        <p:spPr>
+          <a:xfrm>
+            <a:off x="793615" y="5699061"/>
+            <a:ext cx="5118847" cy="369332"/>
+          </a:xfrm>
+          <a:prstGeom prst="rect">
+            <a:avLst/>
+          </a:prstGeom>
+          <a:noFill/>
+        </p:spPr>
+        <p:txBody>
+          <a:bodyPr wrap="square" rtlCol="0">
+            <a:spAutoFit/>
+          </a:bodyPr>
+          <a:lstStyle/>
+          <a:p>
+            <a:r>
+              <a:rPr lang="ko-KR" altLang="en-US" dirty="0">
+                <a:latin typeface="나눔스퀘어 Light" panose="020B0600000101010101" pitchFamily="50" charset="-127"/>
+                <a:ea typeface="나눔스퀘어 Light" panose="020B0600000101010101" pitchFamily="50" charset="-127"/>
+              </a:rPr>
+              <a:t>시간 복잡도가 어떻게 될까요</a:t>
+            </a:r>
+            <a:r>
+              <a:rPr lang="en-US" altLang="ko-KR" dirty="0">
+                <a:latin typeface="나눔스퀘어 Light" panose="020B0600000101010101" pitchFamily="50" charset="-127"/>
+                <a:ea typeface="나눔스퀘어 Light" panose="020B0600000101010101" pitchFamily="50" charset="-127"/>
+              </a:rPr>
+              <a:t>?</a:t>
+            </a:r>
+            <a:endParaRPr lang="ko-KR" altLang="en-US" dirty="0">
+              <a:latin typeface="나눔스퀘어 Light" panose="020B0600000101010101" pitchFamily="50" charset="-127"/>
+              <a:ea typeface="나눔스퀘어 Light" panose="020B0600000101010101" pitchFamily="50" charset="-127"/>
+            </a:endParaRPr>
+          </a:p>
+        </p:txBody>
+      </p:sp>
+      <p:cxnSp>
+        <p:nvCxnSpPr>
+          <p:cNvPr id="54" name="직선 연결선 53">
+            <a:extLst>
+              <a:ext uri="{FF2B5EF4-FFF2-40B4-BE49-F238E27FC236}">
+                <a16:creationId xmlns:a16="http://schemas.microsoft.com/office/drawing/2014/main" id="{A12CD1AA-F69A-7153-D418-800E6C9D9CFC}"/>
+              </a:ext>
+            </a:extLst>
+          </p:cNvPr>
+          <p:cNvCxnSpPr>
+            <a:cxnSpLocks/>
+            <a:stCxn id="16" idx="7"/>
+            <a:endCxn id="10" idx="4"/>
+          </p:cNvCxnSpPr>
+          <p:nvPr/>
+        </p:nvCxnSpPr>
+        <p:spPr>
+          <a:xfrm flipV="1">
+            <a:off x="1407377" y="4289707"/>
+            <a:ext cx="340762" cy="697312"/>
+          </a:xfrm>
+          <a:prstGeom prst="line">
+            <a:avLst/>
+          </a:prstGeom>
+          <a:ln w="19050">
+            <a:solidFill>
+              <a:schemeClr val="tx1"/>
+            </a:solidFill>
+          </a:ln>
+        </p:spPr>
+        <p:style>
+          <a:lnRef idx="1">
+            <a:schemeClr val="accent1"/>
+          </a:lnRef>
+          <a:fillRef idx="0">
+            <a:schemeClr val="accent1"/>
+          </a:fillRef>
+          <a:effectRef idx="0">
+            <a:schemeClr val="accent1"/>
+          </a:effectRef>
+          <a:fontRef idx="minor">
+            <a:schemeClr val="tx1"/>
+          </a:fontRef>
+        </p:style>
+      </p:cxnSp>
+      <p:sp>
+        <p:nvSpPr>
+          <p:cNvPr id="57" name="TextBox 56">
+            <a:extLst>
+              <a:ext uri="{FF2B5EF4-FFF2-40B4-BE49-F238E27FC236}">
+                <a16:creationId xmlns:a16="http://schemas.microsoft.com/office/drawing/2014/main" id="{003F6520-368F-3CAB-040C-7EB61F5A7D99}"/>
+              </a:ext>
+            </a:extLst>
+          </p:cNvPr>
+          <p:cNvSpPr txBox="1"/>
+          <p:nvPr/>
+        </p:nvSpPr>
+        <p:spPr>
+          <a:xfrm>
+            <a:off x="4243826" y="1871819"/>
+            <a:ext cx="6671376" cy="369332"/>
+          </a:xfrm>
+          <a:prstGeom prst="rect">
+            <a:avLst/>
+          </a:prstGeom>
+          <a:noFill/>
+        </p:spPr>
+        <p:txBody>
+          <a:bodyPr wrap="square" rtlCol="0">
+            <a:spAutoFit/>
+          </a:bodyPr>
+          <a:lstStyle/>
+          <a:p>
+            <a:r>
+              <a:rPr lang="ko-KR" altLang="en-US" dirty="0">
+                <a:latin typeface="나눔스퀘어 Light" panose="020B0600000101010101" pitchFamily="50" charset="-127"/>
+                <a:ea typeface="나눔스퀘어 Light" panose="020B0600000101010101" pitchFamily="50" charset="-127"/>
+              </a:rPr>
+              <a:t>깊이 우선 탐색은 말 그대로 깊은 곳을 먼저 내려가보는 탐색방법</a:t>
+            </a:r>
+          </a:p>
+        </p:txBody>
+      </p:sp>
+      <p:sp>
+        <p:nvSpPr>
+          <p:cNvPr id="58" name="TextBox 57">
+            <a:extLst>
+              <a:ext uri="{FF2B5EF4-FFF2-40B4-BE49-F238E27FC236}">
+                <a16:creationId xmlns:a16="http://schemas.microsoft.com/office/drawing/2014/main" id="{0A573739-CC4D-C466-E725-62558A1DC88D}"/>
+              </a:ext>
+            </a:extLst>
+          </p:cNvPr>
+          <p:cNvSpPr txBox="1"/>
+          <p:nvPr/>
+        </p:nvSpPr>
+        <p:spPr>
+          <a:xfrm>
+            <a:off x="4243826" y="2266870"/>
+            <a:ext cx="6671376" cy="369332"/>
+          </a:xfrm>
+          <a:prstGeom prst="rect">
+            <a:avLst/>
+          </a:prstGeom>
+          <a:noFill/>
+        </p:spPr>
+        <p:txBody>
+          <a:bodyPr wrap="square" rtlCol="0">
+            <a:spAutoFit/>
+          </a:bodyPr>
+          <a:lstStyle/>
+          <a:p>
+            <a:r>
+              <a:rPr lang="ko-KR" altLang="en-US" dirty="0">
+                <a:latin typeface="나눔스퀘어 Light" panose="020B0600000101010101" pitchFamily="50" charset="-127"/>
+                <a:ea typeface="나눔스퀘어 Light" panose="020B0600000101010101" pitchFamily="50" charset="-127"/>
+              </a:rPr>
+              <a:t>탐색을 위해 </a:t>
+            </a:r>
+            <a:r>
+              <a:rPr lang="en-US" altLang="ko-KR" dirty="0">
+                <a:latin typeface="나눔스퀘어 Light" panose="020B0600000101010101" pitchFamily="50" charset="-127"/>
+                <a:ea typeface="나눔스퀘어 Light" panose="020B0600000101010101" pitchFamily="50" charset="-127"/>
+              </a:rPr>
+              <a:t>(</a:t>
+            </a:r>
+            <a:r>
+              <a:rPr lang="ko-KR" altLang="en-US" dirty="0">
+                <a:latin typeface="나눔스퀘어 Light" panose="020B0600000101010101" pitchFamily="50" charset="-127"/>
+                <a:ea typeface="나눔스퀘어 Light" panose="020B0600000101010101" pitchFamily="50" charset="-127"/>
+              </a:rPr>
+              <a:t>재귀</a:t>
+            </a:r>
+            <a:r>
+              <a:rPr lang="en-US" altLang="ko-KR" dirty="0">
+                <a:latin typeface="나눔스퀘어 Light" panose="020B0600000101010101" pitchFamily="50" charset="-127"/>
+                <a:ea typeface="나눔스퀘어 Light" panose="020B0600000101010101" pitchFamily="50" charset="-127"/>
+              </a:rPr>
+              <a:t>)</a:t>
+            </a:r>
+            <a:r>
+              <a:rPr lang="ko-KR" altLang="en-US" dirty="0">
+                <a:solidFill>
+                  <a:srgbClr val="FF0000"/>
+                </a:solidFill>
+                <a:latin typeface="나눔스퀘어 Bold" panose="020B0600000101010101" pitchFamily="50" charset="-127"/>
+                <a:ea typeface="나눔스퀘어 Bold" panose="020B0600000101010101" pitchFamily="50" charset="-127"/>
+              </a:rPr>
+              <a:t>스택</a:t>
+            </a:r>
+            <a:r>
+              <a:rPr lang="ko-KR" altLang="en-US" dirty="0">
+                <a:latin typeface="나눔스퀘어 Light" panose="020B0600000101010101" pitchFamily="50" charset="-127"/>
+                <a:ea typeface="나눔스퀘어 Light" panose="020B0600000101010101" pitchFamily="50" charset="-127"/>
+              </a:rPr>
+              <a:t> 자료구조를 이용</a:t>
+            </a:r>
+          </a:p>
+        </p:txBody>
+      </p:sp>
+      <p:pic>
+        <p:nvPicPr>
+          <p:cNvPr id="60" name="그림 59">
+            <a:extLst>
+              <a:ext uri="{FF2B5EF4-FFF2-40B4-BE49-F238E27FC236}">
+                <a16:creationId xmlns:a16="http://schemas.microsoft.com/office/drawing/2014/main" id="{6F2E7848-6D6E-D109-FFF8-7087313167FB}"/>
+              </a:ext>
+            </a:extLst>
+          </p:cNvPr>
+          <p:cNvPicPr>
+            <a:picLocks noChangeAspect="1"/>
+          </p:cNvPicPr>
+          <p:nvPr/>
+        </p:nvPicPr>
+        <p:blipFill>
+          <a:blip r:embed="rId2"/>
+          <a:stretch>
+            <a:fillRect/>
+          </a:stretch>
+        </p:blipFill>
+        <p:spPr>
+          <a:xfrm>
+            <a:off x="4226828" y="2636202"/>
+            <a:ext cx="4709782" cy="4115756"/>
+          </a:xfrm>
+          <a:prstGeom prst="rect">
+            <a:avLst/>
+          </a:prstGeom>
+        </p:spPr>
+      </p:pic>
     </p:spTree>
     <p:extLst>
       <p:ext uri="{BB962C8B-B14F-4D97-AF65-F5344CB8AC3E}">
-        <p14:creationId xmlns:p14="http://schemas.microsoft.com/office/powerpoint/2010/main" val="1581764847"/>
+        <p14:creationId xmlns:p14="http://schemas.microsoft.com/office/powerpoint/2010/main" val="4100228002"/>
       </p:ext>
     </p:extLst>
   </p:cSld>
@@ -4100,7 +6978,7 @@
         <p:spPr>
           <a:xfrm>
             <a:off x="331694" y="177505"/>
-            <a:ext cx="788999" cy="523220"/>
+            <a:ext cx="2832891" cy="523220"/>
           </a:xfrm>
           <a:prstGeom prst="rect">
             <a:avLst/>
@@ -4118,7 +6996,7 @@
                 <a:latin typeface="나눔스퀘어 Bold" panose="020B0600000101010101" pitchFamily="50" charset="-127"/>
                 <a:ea typeface="나눔스퀘어 Bold" panose="020B0600000101010101" pitchFamily="50" charset="-127"/>
               </a:rPr>
-              <a:t>TMI</a:t>
+              <a:t>Graph Traversal</a:t>
             </a:r>
             <a:endParaRPr lang="ko-KR" altLang="en-US" sz="2800" dirty="0">
               <a:latin typeface="나눔스퀘어 Bold" panose="020B0600000101010101" pitchFamily="50" charset="-127"/>
@@ -4129,10 +7007,10 @@
       </p:sp>
       <p:sp>
         <p:nvSpPr>
-          <p:cNvPr id="2" name="TextBox 1">
-            <a:extLst>
-              <a:ext uri="{FF2B5EF4-FFF2-40B4-BE49-F238E27FC236}">
-                <a16:creationId xmlns:a16="http://schemas.microsoft.com/office/drawing/2014/main" id="{D0EB123A-1DDE-A7D7-E9C4-C9AD89CDC14E}"/>
+          <p:cNvPr id="3" name="TextBox 2">
+            <a:extLst>
+              <a:ext uri="{FF2B5EF4-FFF2-40B4-BE49-F238E27FC236}">
+                <a16:creationId xmlns:a16="http://schemas.microsoft.com/office/drawing/2014/main" id="{D54471A0-9E82-57E4-CB63-5D6EE4E26A1A}"/>
               </a:ext>
             </a:extLst>
           </p:cNvPr>
@@ -4141,8 +7019,8 @@
         </p:nvSpPr>
         <p:spPr>
           <a:xfrm>
-            <a:off x="942387" y="1190024"/>
-            <a:ext cx="10237694" cy="369332"/>
+            <a:off x="942387" y="1352030"/>
+            <a:ext cx="8542272" cy="369332"/>
           </a:xfrm>
           <a:prstGeom prst="rect">
             <a:avLst/>
@@ -4156,60 +7034,11 @@
           <a:lstStyle/>
           <a:p>
             <a:r>
-              <a:rPr lang="ko-KR" altLang="en-US" dirty="0">
-                <a:latin typeface="나눔스퀘어 Light" panose="020B0600000101010101" pitchFamily="50" charset="-127"/>
-                <a:ea typeface="나눔스퀘어 Light" panose="020B0600000101010101" pitchFamily="50" charset="-127"/>
-              </a:rPr>
-              <a:t>트리와 그래프</a:t>
-            </a:r>
-            <a:r>
               <a:rPr lang="en-US" altLang="ko-KR" dirty="0">
-                <a:latin typeface="나눔스퀘어 Light" panose="020B0600000101010101" pitchFamily="50" charset="-127"/>
-                <a:ea typeface="나눔스퀘어 Light" panose="020B0600000101010101" pitchFamily="50" charset="-127"/>
-              </a:rPr>
-              <a:t>(</a:t>
-            </a:r>
-            <a:r>
-              <a:rPr lang="ko-KR" altLang="en-US" dirty="0">
-                <a:latin typeface="나눔스퀘어 Light" panose="020B0600000101010101" pitchFamily="50" charset="-127"/>
-                <a:ea typeface="나눔스퀘어 Light" panose="020B0600000101010101" pitchFamily="50" charset="-127"/>
-              </a:rPr>
-              <a:t>특히 그래프</a:t>
-            </a:r>
-            <a:r>
-              <a:rPr lang="en-US" altLang="ko-KR" dirty="0">
-                <a:latin typeface="나눔스퀘어 Light" panose="020B0600000101010101" pitchFamily="50" charset="-127"/>
-                <a:ea typeface="나눔스퀘어 Light" panose="020B0600000101010101" pitchFamily="50" charset="-127"/>
-              </a:rPr>
-              <a:t>)</a:t>
-            </a:r>
-            <a:r>
-              <a:rPr lang="ko-KR" altLang="en-US" dirty="0">
-                <a:latin typeface="나눔스퀘어 Light" panose="020B0600000101010101" pitchFamily="50" charset="-127"/>
-                <a:ea typeface="나눔스퀘어 Light" panose="020B0600000101010101" pitchFamily="50" charset="-127"/>
-              </a:rPr>
-              <a:t>는 알고리즘 </a:t>
-            </a:r>
-            <a:r>
-              <a:rPr lang="en-US" altLang="ko-KR" dirty="0">
-                <a:latin typeface="나눔스퀘어 Light" panose="020B0600000101010101" pitchFamily="50" charset="-127"/>
-                <a:ea typeface="나눔스퀘어 Light" panose="020B0600000101010101" pitchFamily="50" charset="-127"/>
-              </a:rPr>
-              <a:t>PS </a:t>
-            </a:r>
-            <a:r>
-              <a:rPr lang="ko-KR" altLang="en-US" dirty="0">
-                <a:latin typeface="나눔스퀘어 Light" panose="020B0600000101010101" pitchFamily="50" charset="-127"/>
-                <a:ea typeface="나눔스퀘어 Light" panose="020B0600000101010101" pitchFamily="50" charset="-127"/>
-              </a:rPr>
-              <a:t>에서도 그렇고</a:t>
-            </a:r>
-            <a:r>
-              <a:rPr lang="en-US" altLang="ko-KR" dirty="0">
-                <a:latin typeface="나눔스퀘어 Light" panose="020B0600000101010101" pitchFamily="50" charset="-127"/>
-                <a:ea typeface="나눔스퀘어 Light" panose="020B0600000101010101" pitchFamily="50" charset="-127"/>
-              </a:rPr>
-              <a:t>,</a:t>
+                <a:latin typeface="나눔스퀘어 Bold" panose="020B0600000101010101" pitchFamily="50" charset="-127"/>
+                <a:ea typeface="나눔스퀘어 Bold" panose="020B0600000101010101" pitchFamily="50" charset="-127"/>
+              </a:rPr>
+              <a:t>BFS : Breadth First Search</a:t>
             </a:r>
             <a:endParaRPr lang="ko-KR" altLang="en-US" dirty="0">
               <a:latin typeface="나눔스퀘어 Light" panose="020B0600000101010101" pitchFamily="50" charset="-127"/>
@@ -4220,107 +7049,28 @@
       </p:sp>
       <p:sp>
         <p:nvSpPr>
-          <p:cNvPr id="4" name="TextBox 3">
-            <a:extLst>
-              <a:ext uri="{FF2B5EF4-FFF2-40B4-BE49-F238E27FC236}">
-                <a16:creationId xmlns:a16="http://schemas.microsoft.com/office/drawing/2014/main" id="{1CFB4347-8E20-D40F-8FA1-63CE6D44BF78}"/>
-              </a:ext>
-            </a:extLst>
-          </p:cNvPr>
-          <p:cNvSpPr txBox="1"/>
-          <p:nvPr/>
-        </p:nvSpPr>
-        <p:spPr>
-          <a:xfrm>
-            <a:off x="942387" y="1559356"/>
-            <a:ext cx="10237694" cy="369332"/>
-          </a:xfrm>
-          <a:prstGeom prst="rect">
+          <p:cNvPr id="2" name="타원 1">
+            <a:extLst>
+              <a:ext uri="{FF2B5EF4-FFF2-40B4-BE49-F238E27FC236}">
+                <a16:creationId xmlns:a16="http://schemas.microsoft.com/office/drawing/2014/main" id="{73F1B6DA-15CB-5A6E-7A99-5F836AC01D70}"/>
+              </a:ext>
+            </a:extLst>
+          </p:cNvPr>
+          <p:cNvSpPr/>
+          <p:nvPr/>
+        </p:nvSpPr>
+        <p:spPr>
+          <a:xfrm>
+            <a:off x="1563473" y="1900063"/>
+            <a:ext cx="369332" cy="369332"/>
+          </a:xfrm>
+          <a:prstGeom prst="ellipse">
             <a:avLst/>
           </a:prstGeom>
           <a:noFill/>
-        </p:spPr>
-        <p:txBody>
-          <a:bodyPr wrap="square" rtlCol="0">
-            <a:spAutoFit/>
-          </a:bodyPr>
-          <a:lstStyle/>
-          <a:p>
-            <a:r>
-              <a:rPr lang="ko-KR" altLang="en-US" dirty="0">
-                <a:latin typeface="나눔스퀘어 Light" panose="020B0600000101010101" pitchFamily="50" charset="-127"/>
-                <a:ea typeface="나눔스퀘어 Light" panose="020B0600000101010101" pitchFamily="50" charset="-127"/>
-              </a:rPr>
-              <a:t>코딩 테스트에서도 빠질 수가 없는 매우 자주 출제되는 문제 유형 입니다</a:t>
-            </a:r>
-            <a:r>
-              <a:rPr lang="en-US" altLang="ko-KR" dirty="0">
-                <a:latin typeface="나눔스퀘어 Light" panose="020B0600000101010101" pitchFamily="50" charset="-127"/>
-                <a:ea typeface="나눔스퀘어 Light" panose="020B0600000101010101" pitchFamily="50" charset="-127"/>
-              </a:rPr>
-              <a:t>.</a:t>
-            </a:r>
-            <a:endParaRPr lang="ko-KR" altLang="en-US" dirty="0">
-              <a:latin typeface="나눔스퀘어 Light" panose="020B0600000101010101" pitchFamily="50" charset="-127"/>
-              <a:ea typeface="나눔스퀘어 Light" panose="020B0600000101010101" pitchFamily="50" charset="-127"/>
-            </a:endParaRPr>
-          </a:p>
-        </p:txBody>
-      </p:sp>
-      <p:pic>
-        <p:nvPicPr>
-          <p:cNvPr id="8" name="그림 7">
-            <a:extLst>
-              <a:ext uri="{FF2B5EF4-FFF2-40B4-BE49-F238E27FC236}">
-                <a16:creationId xmlns:a16="http://schemas.microsoft.com/office/drawing/2014/main" id="{2B9AD5DD-3651-B5D2-F475-95EFCC7A0FF7}"/>
-              </a:ext>
-            </a:extLst>
-          </p:cNvPr>
-          <p:cNvPicPr>
-            <a:picLocks noChangeAspect="1"/>
-          </p:cNvPicPr>
-          <p:nvPr/>
-        </p:nvPicPr>
-        <p:blipFill>
-          <a:blip r:embed="rId2"/>
-          <a:stretch>
-            <a:fillRect/>
-          </a:stretch>
-        </p:blipFill>
-        <p:spPr>
-          <a:xfrm>
-            <a:off x="1011918" y="2953926"/>
-            <a:ext cx="10168163" cy="2483428"/>
-          </a:xfrm>
-          <a:prstGeom prst="rect">
-            <a:avLst/>
-          </a:prstGeom>
-        </p:spPr>
-      </p:pic>
-      <p:sp>
-        <p:nvSpPr>
-          <p:cNvPr id="9" name="직사각형 8">
-            <a:extLst>
-              <a:ext uri="{FF2B5EF4-FFF2-40B4-BE49-F238E27FC236}">
-                <a16:creationId xmlns:a16="http://schemas.microsoft.com/office/drawing/2014/main" id="{CE909C10-522E-0A16-3DD4-8680580E27F7}"/>
-              </a:ext>
-            </a:extLst>
-          </p:cNvPr>
-          <p:cNvSpPr/>
-          <p:nvPr/>
-        </p:nvSpPr>
-        <p:spPr>
-          <a:xfrm>
-            <a:off x="1103884" y="4738255"/>
-            <a:ext cx="9804261" cy="304800"/>
-          </a:xfrm>
-          <a:prstGeom prst="rect">
-            <a:avLst/>
-          </a:prstGeom>
-          <a:noFill/>
-          <a:ln w="28575">
+          <a:ln w="19050">
             <a:solidFill>
-              <a:srgbClr val="FF0000"/>
+              <a:schemeClr val="tx1"/>
             </a:solidFill>
           </a:ln>
         </p:spPr>
@@ -4345,16 +7095,1094 @@
           <a:lstStyle/>
           <a:p>
             <a:pPr algn="ctr"/>
-            <a:endParaRPr lang="ko-KR" altLang="en-US"/>
-          </a:p>
-        </p:txBody>
-      </p:sp>
-      <p:sp>
-        <p:nvSpPr>
-          <p:cNvPr id="10" name="TextBox 9">
-            <a:extLst>
-              <a:ext uri="{FF2B5EF4-FFF2-40B4-BE49-F238E27FC236}">
-                <a16:creationId xmlns:a16="http://schemas.microsoft.com/office/drawing/2014/main" id="{38E5F3DC-50E5-D85D-C1F4-25CB1529C52F}"/>
+            <a:r>
+              <a:rPr lang="en-US" altLang="ko-KR" sz="1600" dirty="0">
+                <a:solidFill>
+                  <a:schemeClr val="tx1"/>
+                </a:solidFill>
+                <a:latin typeface="나눔스퀘어 Bold" panose="020B0600000101010101" pitchFamily="50" charset="-127"/>
+                <a:ea typeface="나눔스퀘어 Bold" panose="020B0600000101010101" pitchFamily="50" charset="-127"/>
+              </a:rPr>
+              <a:t>A</a:t>
+            </a:r>
+            <a:endParaRPr lang="ko-KR" altLang="en-US" sz="1600" dirty="0">
+              <a:solidFill>
+                <a:schemeClr val="tx1"/>
+              </a:solidFill>
+              <a:latin typeface="나눔스퀘어 Bold" panose="020B0600000101010101" pitchFamily="50" charset="-127"/>
+              <a:ea typeface="나눔스퀘어 Bold" panose="020B0600000101010101" pitchFamily="50" charset="-127"/>
+            </a:endParaRPr>
+          </a:p>
+        </p:txBody>
+      </p:sp>
+      <p:sp>
+        <p:nvSpPr>
+          <p:cNvPr id="4" name="타원 3">
+            <a:extLst>
+              <a:ext uri="{FF2B5EF4-FFF2-40B4-BE49-F238E27FC236}">
+                <a16:creationId xmlns:a16="http://schemas.microsoft.com/office/drawing/2014/main" id="{28840215-A7D6-C2CD-9123-43D85EF605E4}"/>
+              </a:ext>
+            </a:extLst>
+          </p:cNvPr>
+          <p:cNvSpPr/>
+          <p:nvPr/>
+        </p:nvSpPr>
+        <p:spPr>
+          <a:xfrm>
+            <a:off x="1092132" y="2910219"/>
+            <a:ext cx="369332" cy="369332"/>
+          </a:xfrm>
+          <a:prstGeom prst="ellipse">
+            <a:avLst/>
+          </a:prstGeom>
+          <a:noFill/>
+          <a:ln w="19050">
+            <a:solidFill>
+              <a:schemeClr val="tx1"/>
+            </a:solidFill>
+          </a:ln>
+        </p:spPr>
+        <p:style>
+          <a:lnRef idx="2">
+            <a:schemeClr val="accent1">
+              <a:shade val="50000"/>
+            </a:schemeClr>
+          </a:lnRef>
+          <a:fillRef idx="1">
+            <a:schemeClr val="accent1"/>
+          </a:fillRef>
+          <a:effectRef idx="0">
+            <a:schemeClr val="accent1"/>
+          </a:effectRef>
+          <a:fontRef idx="minor">
+            <a:schemeClr val="lt1"/>
+          </a:fontRef>
+        </p:style>
+        <p:txBody>
+          <a:bodyPr rtlCol="0" anchor="ctr"/>
+          <a:lstStyle/>
+          <a:p>
+            <a:pPr algn="ctr"/>
+            <a:r>
+              <a:rPr lang="en-US" altLang="ko-KR" sz="1600" dirty="0">
+                <a:solidFill>
+                  <a:schemeClr val="tx1"/>
+                </a:solidFill>
+                <a:latin typeface="나눔스퀘어 Bold" panose="020B0600000101010101" pitchFamily="50" charset="-127"/>
+                <a:ea typeface="나눔스퀘어 Bold" panose="020B0600000101010101" pitchFamily="50" charset="-127"/>
+              </a:rPr>
+              <a:t>B</a:t>
+            </a:r>
+            <a:endParaRPr lang="ko-KR" altLang="en-US" sz="1600" dirty="0">
+              <a:solidFill>
+                <a:schemeClr val="tx1"/>
+              </a:solidFill>
+              <a:latin typeface="나눔스퀘어 Bold" panose="020B0600000101010101" pitchFamily="50" charset="-127"/>
+              <a:ea typeface="나눔스퀘어 Bold" panose="020B0600000101010101" pitchFamily="50" charset="-127"/>
+            </a:endParaRPr>
+          </a:p>
+        </p:txBody>
+      </p:sp>
+      <p:sp>
+        <p:nvSpPr>
+          <p:cNvPr id="7" name="타원 6">
+            <a:extLst>
+              <a:ext uri="{FF2B5EF4-FFF2-40B4-BE49-F238E27FC236}">
+                <a16:creationId xmlns:a16="http://schemas.microsoft.com/office/drawing/2014/main" id="{A0FF29F3-6D5E-D52C-C311-13501BF7B3BD}"/>
+              </a:ext>
+            </a:extLst>
+          </p:cNvPr>
+          <p:cNvSpPr/>
+          <p:nvPr/>
+        </p:nvSpPr>
+        <p:spPr>
+          <a:xfrm>
+            <a:off x="1932805" y="2910219"/>
+            <a:ext cx="369332" cy="369332"/>
+          </a:xfrm>
+          <a:prstGeom prst="ellipse">
+            <a:avLst/>
+          </a:prstGeom>
+          <a:noFill/>
+          <a:ln w="19050">
+            <a:solidFill>
+              <a:schemeClr val="tx1"/>
+            </a:solidFill>
+          </a:ln>
+        </p:spPr>
+        <p:style>
+          <a:lnRef idx="2">
+            <a:schemeClr val="accent1">
+              <a:shade val="50000"/>
+            </a:schemeClr>
+          </a:lnRef>
+          <a:fillRef idx="1">
+            <a:schemeClr val="accent1"/>
+          </a:fillRef>
+          <a:effectRef idx="0">
+            <a:schemeClr val="accent1"/>
+          </a:effectRef>
+          <a:fontRef idx="minor">
+            <a:schemeClr val="lt1"/>
+          </a:fontRef>
+        </p:style>
+        <p:txBody>
+          <a:bodyPr rtlCol="0" anchor="ctr"/>
+          <a:lstStyle/>
+          <a:p>
+            <a:pPr algn="ctr"/>
+            <a:r>
+              <a:rPr lang="en-US" altLang="ko-KR" sz="1600" dirty="0">
+                <a:solidFill>
+                  <a:schemeClr val="tx1"/>
+                </a:solidFill>
+                <a:latin typeface="나눔스퀘어 Bold" panose="020B0600000101010101" pitchFamily="50" charset="-127"/>
+                <a:ea typeface="나눔스퀘어 Bold" panose="020B0600000101010101" pitchFamily="50" charset="-127"/>
+              </a:rPr>
+              <a:t>C</a:t>
+            </a:r>
+            <a:endParaRPr lang="ko-KR" altLang="en-US" sz="1600" dirty="0">
+              <a:solidFill>
+                <a:schemeClr val="tx1"/>
+              </a:solidFill>
+              <a:latin typeface="나눔스퀘어 Bold" panose="020B0600000101010101" pitchFamily="50" charset="-127"/>
+              <a:ea typeface="나눔스퀘어 Bold" panose="020B0600000101010101" pitchFamily="50" charset="-127"/>
+            </a:endParaRPr>
+          </a:p>
+        </p:txBody>
+      </p:sp>
+      <p:sp>
+        <p:nvSpPr>
+          <p:cNvPr id="8" name="타원 7">
+            <a:extLst>
+              <a:ext uri="{FF2B5EF4-FFF2-40B4-BE49-F238E27FC236}">
+                <a16:creationId xmlns:a16="http://schemas.microsoft.com/office/drawing/2014/main" id="{2F149966-DA1F-1119-64F1-F93111DFD0C0}"/>
+              </a:ext>
+            </a:extLst>
+          </p:cNvPr>
+          <p:cNvSpPr/>
+          <p:nvPr/>
+        </p:nvSpPr>
+        <p:spPr>
+          <a:xfrm>
+            <a:off x="722800" y="3920375"/>
+            <a:ext cx="369332" cy="369332"/>
+          </a:xfrm>
+          <a:prstGeom prst="ellipse">
+            <a:avLst/>
+          </a:prstGeom>
+          <a:noFill/>
+          <a:ln w="19050">
+            <a:solidFill>
+              <a:schemeClr val="tx1"/>
+            </a:solidFill>
+          </a:ln>
+        </p:spPr>
+        <p:style>
+          <a:lnRef idx="2">
+            <a:schemeClr val="accent1">
+              <a:shade val="50000"/>
+            </a:schemeClr>
+          </a:lnRef>
+          <a:fillRef idx="1">
+            <a:schemeClr val="accent1"/>
+          </a:fillRef>
+          <a:effectRef idx="0">
+            <a:schemeClr val="accent1"/>
+          </a:effectRef>
+          <a:fontRef idx="minor">
+            <a:schemeClr val="lt1"/>
+          </a:fontRef>
+        </p:style>
+        <p:txBody>
+          <a:bodyPr rtlCol="0" anchor="ctr"/>
+          <a:lstStyle/>
+          <a:p>
+            <a:pPr algn="ctr"/>
+            <a:r>
+              <a:rPr lang="en-US" altLang="ko-KR" sz="1600" dirty="0">
+                <a:solidFill>
+                  <a:schemeClr val="tx1"/>
+                </a:solidFill>
+                <a:latin typeface="나눔스퀘어 Bold" panose="020B0600000101010101" pitchFamily="50" charset="-127"/>
+                <a:ea typeface="나눔스퀘어 Bold" panose="020B0600000101010101" pitchFamily="50" charset="-127"/>
+              </a:rPr>
+              <a:t>E</a:t>
+            </a:r>
+            <a:endParaRPr lang="ko-KR" altLang="en-US" sz="1600" dirty="0">
+              <a:solidFill>
+                <a:schemeClr val="tx1"/>
+              </a:solidFill>
+              <a:latin typeface="나눔스퀘어 Bold" panose="020B0600000101010101" pitchFamily="50" charset="-127"/>
+              <a:ea typeface="나눔스퀘어 Bold" panose="020B0600000101010101" pitchFamily="50" charset="-127"/>
+            </a:endParaRPr>
+          </a:p>
+        </p:txBody>
+      </p:sp>
+      <p:sp>
+        <p:nvSpPr>
+          <p:cNvPr id="9" name="타원 8">
+            <a:extLst>
+              <a:ext uri="{FF2B5EF4-FFF2-40B4-BE49-F238E27FC236}">
+                <a16:creationId xmlns:a16="http://schemas.microsoft.com/office/drawing/2014/main" id="{7BF21BE8-376D-7D57-68FC-EE3371887707}"/>
+              </a:ext>
+            </a:extLst>
+          </p:cNvPr>
+          <p:cNvSpPr/>
+          <p:nvPr/>
+        </p:nvSpPr>
+        <p:spPr>
+          <a:xfrm>
+            <a:off x="1563473" y="3920375"/>
+            <a:ext cx="369332" cy="369332"/>
+          </a:xfrm>
+          <a:prstGeom prst="ellipse">
+            <a:avLst/>
+          </a:prstGeom>
+          <a:noFill/>
+          <a:ln w="19050">
+            <a:solidFill>
+              <a:schemeClr val="tx1"/>
+            </a:solidFill>
+          </a:ln>
+        </p:spPr>
+        <p:style>
+          <a:lnRef idx="2">
+            <a:schemeClr val="accent1">
+              <a:shade val="50000"/>
+            </a:schemeClr>
+          </a:lnRef>
+          <a:fillRef idx="1">
+            <a:schemeClr val="accent1"/>
+          </a:fillRef>
+          <a:effectRef idx="0">
+            <a:schemeClr val="accent1"/>
+          </a:effectRef>
+          <a:fontRef idx="minor">
+            <a:schemeClr val="lt1"/>
+          </a:fontRef>
+        </p:style>
+        <p:txBody>
+          <a:bodyPr rtlCol="0" anchor="ctr"/>
+          <a:lstStyle/>
+          <a:p>
+            <a:pPr algn="ctr"/>
+            <a:r>
+              <a:rPr lang="en-US" altLang="ko-KR" sz="1600" dirty="0">
+                <a:solidFill>
+                  <a:schemeClr val="tx1"/>
+                </a:solidFill>
+                <a:latin typeface="나눔스퀘어 Bold" panose="020B0600000101010101" pitchFamily="50" charset="-127"/>
+                <a:ea typeface="나눔스퀘어 Bold" panose="020B0600000101010101" pitchFamily="50" charset="-127"/>
+              </a:rPr>
+              <a:t>F</a:t>
+            </a:r>
+            <a:endParaRPr lang="ko-KR" altLang="en-US" sz="1600" dirty="0">
+              <a:solidFill>
+                <a:schemeClr val="tx1"/>
+              </a:solidFill>
+              <a:latin typeface="나눔스퀘어 Bold" panose="020B0600000101010101" pitchFamily="50" charset="-127"/>
+              <a:ea typeface="나눔스퀘어 Bold" panose="020B0600000101010101" pitchFamily="50" charset="-127"/>
+            </a:endParaRPr>
+          </a:p>
+        </p:txBody>
+      </p:sp>
+      <p:sp>
+        <p:nvSpPr>
+          <p:cNvPr id="10" name="타원 9">
+            <a:extLst>
+              <a:ext uri="{FF2B5EF4-FFF2-40B4-BE49-F238E27FC236}">
+                <a16:creationId xmlns:a16="http://schemas.microsoft.com/office/drawing/2014/main" id="{7B8DA8CF-E78C-B2A4-02C5-949556ECC6CD}"/>
+              </a:ext>
+            </a:extLst>
+          </p:cNvPr>
+          <p:cNvSpPr/>
+          <p:nvPr/>
+        </p:nvSpPr>
+        <p:spPr>
+          <a:xfrm>
+            <a:off x="2773478" y="2910219"/>
+            <a:ext cx="369332" cy="369332"/>
+          </a:xfrm>
+          <a:prstGeom prst="ellipse">
+            <a:avLst/>
+          </a:prstGeom>
+          <a:noFill/>
+          <a:ln w="19050">
+            <a:solidFill>
+              <a:schemeClr val="tx1"/>
+            </a:solidFill>
+          </a:ln>
+        </p:spPr>
+        <p:style>
+          <a:lnRef idx="2">
+            <a:schemeClr val="accent1">
+              <a:shade val="50000"/>
+            </a:schemeClr>
+          </a:lnRef>
+          <a:fillRef idx="1">
+            <a:schemeClr val="accent1"/>
+          </a:fillRef>
+          <a:effectRef idx="0">
+            <a:schemeClr val="accent1"/>
+          </a:effectRef>
+          <a:fontRef idx="minor">
+            <a:schemeClr val="lt1"/>
+          </a:fontRef>
+        </p:style>
+        <p:txBody>
+          <a:bodyPr rtlCol="0" anchor="ctr"/>
+          <a:lstStyle/>
+          <a:p>
+            <a:pPr algn="ctr"/>
+            <a:r>
+              <a:rPr lang="en-US" altLang="ko-KR" sz="1600" dirty="0">
+                <a:solidFill>
+                  <a:schemeClr val="tx1"/>
+                </a:solidFill>
+                <a:latin typeface="나눔스퀘어 Bold" panose="020B0600000101010101" pitchFamily="50" charset="-127"/>
+                <a:ea typeface="나눔스퀘어 Bold" panose="020B0600000101010101" pitchFamily="50" charset="-127"/>
+              </a:rPr>
+              <a:t>D</a:t>
+            </a:r>
+            <a:endParaRPr lang="ko-KR" altLang="en-US" sz="1600" dirty="0">
+              <a:solidFill>
+                <a:schemeClr val="tx1"/>
+              </a:solidFill>
+              <a:latin typeface="나눔스퀘어 Bold" panose="020B0600000101010101" pitchFamily="50" charset="-127"/>
+              <a:ea typeface="나눔스퀘어 Bold" panose="020B0600000101010101" pitchFamily="50" charset="-127"/>
+            </a:endParaRPr>
+          </a:p>
+        </p:txBody>
+      </p:sp>
+      <p:sp>
+        <p:nvSpPr>
+          <p:cNvPr id="11" name="타원 10">
+            <a:extLst>
+              <a:ext uri="{FF2B5EF4-FFF2-40B4-BE49-F238E27FC236}">
+                <a16:creationId xmlns:a16="http://schemas.microsoft.com/office/drawing/2014/main" id="{7B608D4F-88A9-882E-80C5-E018EF8A14B7}"/>
+              </a:ext>
+            </a:extLst>
+          </p:cNvPr>
+          <p:cNvSpPr/>
+          <p:nvPr/>
+        </p:nvSpPr>
+        <p:spPr>
+          <a:xfrm>
+            <a:off x="2404146" y="3920375"/>
+            <a:ext cx="369332" cy="369332"/>
+          </a:xfrm>
+          <a:prstGeom prst="ellipse">
+            <a:avLst/>
+          </a:prstGeom>
+          <a:noFill/>
+          <a:ln w="19050">
+            <a:solidFill>
+              <a:schemeClr val="tx1"/>
+            </a:solidFill>
+          </a:ln>
+        </p:spPr>
+        <p:style>
+          <a:lnRef idx="2">
+            <a:schemeClr val="accent1">
+              <a:shade val="50000"/>
+            </a:schemeClr>
+          </a:lnRef>
+          <a:fillRef idx="1">
+            <a:schemeClr val="accent1"/>
+          </a:fillRef>
+          <a:effectRef idx="0">
+            <a:schemeClr val="accent1"/>
+          </a:effectRef>
+          <a:fontRef idx="minor">
+            <a:schemeClr val="lt1"/>
+          </a:fontRef>
+        </p:style>
+        <p:txBody>
+          <a:bodyPr rtlCol="0" anchor="ctr"/>
+          <a:lstStyle/>
+          <a:p>
+            <a:pPr algn="ctr"/>
+            <a:r>
+              <a:rPr lang="en-US" altLang="ko-KR" sz="1600" dirty="0">
+                <a:solidFill>
+                  <a:schemeClr val="tx1"/>
+                </a:solidFill>
+                <a:latin typeface="나눔스퀘어 Bold" panose="020B0600000101010101" pitchFamily="50" charset="-127"/>
+                <a:ea typeface="나눔스퀘어 Bold" panose="020B0600000101010101" pitchFamily="50" charset="-127"/>
+              </a:rPr>
+              <a:t>G</a:t>
+            </a:r>
+            <a:endParaRPr lang="ko-KR" altLang="en-US" sz="1600" dirty="0">
+              <a:solidFill>
+                <a:schemeClr val="tx1"/>
+              </a:solidFill>
+              <a:latin typeface="나눔스퀘어 Bold" panose="020B0600000101010101" pitchFamily="50" charset="-127"/>
+              <a:ea typeface="나눔스퀘어 Bold" panose="020B0600000101010101" pitchFamily="50" charset="-127"/>
+            </a:endParaRPr>
+          </a:p>
+        </p:txBody>
+      </p:sp>
+      <p:sp>
+        <p:nvSpPr>
+          <p:cNvPr id="12" name="타원 11">
+            <a:extLst>
+              <a:ext uri="{FF2B5EF4-FFF2-40B4-BE49-F238E27FC236}">
+                <a16:creationId xmlns:a16="http://schemas.microsoft.com/office/drawing/2014/main" id="{03DC813E-83BD-8D4C-441E-88747D5563DF}"/>
+              </a:ext>
+            </a:extLst>
+          </p:cNvPr>
+          <p:cNvSpPr/>
+          <p:nvPr/>
+        </p:nvSpPr>
+        <p:spPr>
+          <a:xfrm>
+            <a:off x="3244819" y="3920375"/>
+            <a:ext cx="369332" cy="369332"/>
+          </a:xfrm>
+          <a:prstGeom prst="ellipse">
+            <a:avLst/>
+          </a:prstGeom>
+          <a:noFill/>
+          <a:ln w="19050">
+            <a:solidFill>
+              <a:schemeClr val="tx1"/>
+            </a:solidFill>
+          </a:ln>
+        </p:spPr>
+        <p:style>
+          <a:lnRef idx="2">
+            <a:schemeClr val="accent1">
+              <a:shade val="50000"/>
+            </a:schemeClr>
+          </a:lnRef>
+          <a:fillRef idx="1">
+            <a:schemeClr val="accent1"/>
+          </a:fillRef>
+          <a:effectRef idx="0">
+            <a:schemeClr val="accent1"/>
+          </a:effectRef>
+          <a:fontRef idx="minor">
+            <a:schemeClr val="lt1"/>
+          </a:fontRef>
+        </p:style>
+        <p:txBody>
+          <a:bodyPr rtlCol="0" anchor="ctr"/>
+          <a:lstStyle/>
+          <a:p>
+            <a:pPr algn="ctr"/>
+            <a:r>
+              <a:rPr lang="en-US" altLang="ko-KR" sz="1600" dirty="0">
+                <a:solidFill>
+                  <a:schemeClr val="tx1"/>
+                </a:solidFill>
+                <a:latin typeface="나눔스퀘어 Bold" panose="020B0600000101010101" pitchFamily="50" charset="-127"/>
+                <a:ea typeface="나눔스퀘어 Bold" panose="020B0600000101010101" pitchFamily="50" charset="-127"/>
+              </a:rPr>
+              <a:t>H</a:t>
+            </a:r>
+            <a:endParaRPr lang="ko-KR" altLang="en-US" sz="1600" dirty="0">
+              <a:solidFill>
+                <a:schemeClr val="tx1"/>
+              </a:solidFill>
+              <a:latin typeface="나눔스퀘어 Bold" panose="020B0600000101010101" pitchFamily="50" charset="-127"/>
+              <a:ea typeface="나눔스퀘어 Bold" panose="020B0600000101010101" pitchFamily="50" charset="-127"/>
+            </a:endParaRPr>
+          </a:p>
+        </p:txBody>
+      </p:sp>
+      <p:sp>
+        <p:nvSpPr>
+          <p:cNvPr id="13" name="타원 12">
+            <a:extLst>
+              <a:ext uri="{FF2B5EF4-FFF2-40B4-BE49-F238E27FC236}">
+                <a16:creationId xmlns:a16="http://schemas.microsoft.com/office/drawing/2014/main" id="{366D4DD1-875B-C067-8960-5CA537CD59E3}"/>
+              </a:ext>
+            </a:extLst>
+          </p:cNvPr>
+          <p:cNvSpPr/>
+          <p:nvPr/>
+        </p:nvSpPr>
+        <p:spPr>
+          <a:xfrm>
+            <a:off x="1092132" y="4932932"/>
+            <a:ext cx="369332" cy="369332"/>
+          </a:xfrm>
+          <a:prstGeom prst="ellipse">
+            <a:avLst/>
+          </a:prstGeom>
+          <a:noFill/>
+          <a:ln w="19050">
+            <a:solidFill>
+              <a:schemeClr val="tx1"/>
+            </a:solidFill>
+          </a:ln>
+        </p:spPr>
+        <p:style>
+          <a:lnRef idx="2">
+            <a:schemeClr val="accent1">
+              <a:shade val="50000"/>
+            </a:schemeClr>
+          </a:lnRef>
+          <a:fillRef idx="1">
+            <a:schemeClr val="accent1"/>
+          </a:fillRef>
+          <a:effectRef idx="0">
+            <a:schemeClr val="accent1"/>
+          </a:effectRef>
+          <a:fontRef idx="minor">
+            <a:schemeClr val="lt1"/>
+          </a:fontRef>
+        </p:style>
+        <p:txBody>
+          <a:bodyPr rtlCol="0" anchor="ctr"/>
+          <a:lstStyle/>
+          <a:p>
+            <a:pPr algn="ctr"/>
+            <a:r>
+              <a:rPr lang="en-US" altLang="ko-KR" sz="1600" dirty="0">
+                <a:solidFill>
+                  <a:schemeClr val="tx1"/>
+                </a:solidFill>
+                <a:latin typeface="나눔스퀘어 Bold" panose="020B0600000101010101" pitchFamily="50" charset="-127"/>
+                <a:ea typeface="나눔스퀘어 Bold" panose="020B0600000101010101" pitchFamily="50" charset="-127"/>
+              </a:rPr>
+              <a:t>I</a:t>
+            </a:r>
+            <a:endParaRPr lang="ko-KR" altLang="en-US" sz="1600" dirty="0">
+              <a:solidFill>
+                <a:schemeClr val="tx1"/>
+              </a:solidFill>
+              <a:latin typeface="나눔스퀘어 Bold" panose="020B0600000101010101" pitchFamily="50" charset="-127"/>
+              <a:ea typeface="나눔스퀘어 Bold" panose="020B0600000101010101" pitchFamily="50" charset="-127"/>
+            </a:endParaRPr>
+          </a:p>
+        </p:txBody>
+      </p:sp>
+      <p:sp>
+        <p:nvSpPr>
+          <p:cNvPr id="14" name="타원 13">
+            <a:extLst>
+              <a:ext uri="{FF2B5EF4-FFF2-40B4-BE49-F238E27FC236}">
+                <a16:creationId xmlns:a16="http://schemas.microsoft.com/office/drawing/2014/main" id="{F357753F-AFA1-7F61-61E9-D13367C36C43}"/>
+              </a:ext>
+            </a:extLst>
+          </p:cNvPr>
+          <p:cNvSpPr/>
+          <p:nvPr/>
+        </p:nvSpPr>
+        <p:spPr>
+          <a:xfrm>
+            <a:off x="1932805" y="4932932"/>
+            <a:ext cx="369332" cy="369332"/>
+          </a:xfrm>
+          <a:prstGeom prst="ellipse">
+            <a:avLst/>
+          </a:prstGeom>
+          <a:noFill/>
+          <a:ln w="19050">
+            <a:solidFill>
+              <a:schemeClr val="tx1"/>
+            </a:solidFill>
+          </a:ln>
+        </p:spPr>
+        <p:style>
+          <a:lnRef idx="2">
+            <a:schemeClr val="accent1">
+              <a:shade val="50000"/>
+            </a:schemeClr>
+          </a:lnRef>
+          <a:fillRef idx="1">
+            <a:schemeClr val="accent1"/>
+          </a:fillRef>
+          <a:effectRef idx="0">
+            <a:schemeClr val="accent1"/>
+          </a:effectRef>
+          <a:fontRef idx="minor">
+            <a:schemeClr val="lt1"/>
+          </a:fontRef>
+        </p:style>
+        <p:txBody>
+          <a:bodyPr rtlCol="0" anchor="ctr"/>
+          <a:lstStyle/>
+          <a:p>
+            <a:pPr algn="ctr"/>
+            <a:r>
+              <a:rPr lang="en-US" altLang="ko-KR" sz="1600" dirty="0">
+                <a:solidFill>
+                  <a:schemeClr val="tx1"/>
+                </a:solidFill>
+                <a:latin typeface="나눔스퀘어 Bold" panose="020B0600000101010101" pitchFamily="50" charset="-127"/>
+                <a:ea typeface="나눔스퀘어 Bold" panose="020B0600000101010101" pitchFamily="50" charset="-127"/>
+              </a:rPr>
+              <a:t>J</a:t>
+            </a:r>
+            <a:endParaRPr lang="ko-KR" altLang="en-US" sz="1600" dirty="0">
+              <a:solidFill>
+                <a:schemeClr val="tx1"/>
+              </a:solidFill>
+              <a:latin typeface="나눔스퀘어 Bold" panose="020B0600000101010101" pitchFamily="50" charset="-127"/>
+              <a:ea typeface="나눔스퀘어 Bold" panose="020B0600000101010101" pitchFamily="50" charset="-127"/>
+            </a:endParaRPr>
+          </a:p>
+        </p:txBody>
+      </p:sp>
+      <p:cxnSp>
+        <p:nvCxnSpPr>
+          <p:cNvPr id="15" name="직선 연결선 14">
+            <a:extLst>
+              <a:ext uri="{FF2B5EF4-FFF2-40B4-BE49-F238E27FC236}">
+                <a16:creationId xmlns:a16="http://schemas.microsoft.com/office/drawing/2014/main" id="{4BFC3623-2E84-4254-C321-4D1096F89A93}"/>
+              </a:ext>
+            </a:extLst>
+          </p:cNvPr>
+          <p:cNvCxnSpPr>
+            <a:cxnSpLocks/>
+            <a:stCxn id="4" idx="0"/>
+            <a:endCxn id="2" idx="3"/>
+          </p:cNvCxnSpPr>
+          <p:nvPr/>
+        </p:nvCxnSpPr>
+        <p:spPr>
+          <a:xfrm flipV="1">
+            <a:off x="1276798" y="2215308"/>
+            <a:ext cx="340762" cy="694911"/>
+          </a:xfrm>
+          <a:prstGeom prst="line">
+            <a:avLst/>
+          </a:prstGeom>
+          <a:ln w="19050">
+            <a:solidFill>
+              <a:schemeClr val="tx1"/>
+            </a:solidFill>
+          </a:ln>
+        </p:spPr>
+        <p:style>
+          <a:lnRef idx="1">
+            <a:schemeClr val="accent1"/>
+          </a:lnRef>
+          <a:fillRef idx="0">
+            <a:schemeClr val="accent1"/>
+          </a:fillRef>
+          <a:effectRef idx="0">
+            <a:schemeClr val="accent1"/>
+          </a:effectRef>
+          <a:fontRef idx="minor">
+            <a:schemeClr val="tx1"/>
+          </a:fontRef>
+        </p:style>
+      </p:cxnSp>
+      <p:cxnSp>
+        <p:nvCxnSpPr>
+          <p:cNvPr id="16" name="직선 연결선 15">
+            <a:extLst>
+              <a:ext uri="{FF2B5EF4-FFF2-40B4-BE49-F238E27FC236}">
+                <a16:creationId xmlns:a16="http://schemas.microsoft.com/office/drawing/2014/main" id="{69891832-DC37-3975-05F6-F56858A6D2E4}"/>
+              </a:ext>
+            </a:extLst>
+          </p:cNvPr>
+          <p:cNvCxnSpPr>
+            <a:cxnSpLocks/>
+            <a:stCxn id="7" idx="0"/>
+            <a:endCxn id="2" idx="5"/>
+          </p:cNvCxnSpPr>
+          <p:nvPr/>
+        </p:nvCxnSpPr>
+        <p:spPr>
+          <a:xfrm flipH="1" flipV="1">
+            <a:off x="1878718" y="2215308"/>
+            <a:ext cx="238753" cy="694911"/>
+          </a:xfrm>
+          <a:prstGeom prst="line">
+            <a:avLst/>
+          </a:prstGeom>
+          <a:ln w="19050">
+            <a:solidFill>
+              <a:schemeClr val="tx1"/>
+            </a:solidFill>
+          </a:ln>
+        </p:spPr>
+        <p:style>
+          <a:lnRef idx="1">
+            <a:schemeClr val="accent1"/>
+          </a:lnRef>
+          <a:fillRef idx="0">
+            <a:schemeClr val="accent1"/>
+          </a:fillRef>
+          <a:effectRef idx="0">
+            <a:schemeClr val="accent1"/>
+          </a:effectRef>
+          <a:fontRef idx="minor">
+            <a:schemeClr val="tx1"/>
+          </a:fontRef>
+        </p:style>
+      </p:cxnSp>
+      <p:cxnSp>
+        <p:nvCxnSpPr>
+          <p:cNvPr id="17" name="직선 연결선 16">
+            <a:extLst>
+              <a:ext uri="{FF2B5EF4-FFF2-40B4-BE49-F238E27FC236}">
+                <a16:creationId xmlns:a16="http://schemas.microsoft.com/office/drawing/2014/main" id="{268F46D0-25B4-5353-F181-6F9220FEE7EE}"/>
+              </a:ext>
+            </a:extLst>
+          </p:cNvPr>
+          <p:cNvCxnSpPr>
+            <a:cxnSpLocks/>
+            <a:stCxn id="4" idx="6"/>
+            <a:endCxn id="7" idx="2"/>
+          </p:cNvCxnSpPr>
+          <p:nvPr/>
+        </p:nvCxnSpPr>
+        <p:spPr>
+          <a:xfrm>
+            <a:off x="1461464" y="3094885"/>
+            <a:ext cx="471341" cy="0"/>
+          </a:xfrm>
+          <a:prstGeom prst="line">
+            <a:avLst/>
+          </a:prstGeom>
+          <a:ln w="19050">
+            <a:solidFill>
+              <a:schemeClr val="tx1"/>
+            </a:solidFill>
+          </a:ln>
+        </p:spPr>
+        <p:style>
+          <a:lnRef idx="1">
+            <a:schemeClr val="accent1"/>
+          </a:lnRef>
+          <a:fillRef idx="0">
+            <a:schemeClr val="accent1"/>
+          </a:fillRef>
+          <a:effectRef idx="0">
+            <a:schemeClr val="accent1"/>
+          </a:effectRef>
+          <a:fontRef idx="minor">
+            <a:schemeClr val="tx1"/>
+          </a:fontRef>
+        </p:style>
+      </p:cxnSp>
+      <p:cxnSp>
+        <p:nvCxnSpPr>
+          <p:cNvPr id="18" name="직선 연결선 17">
+            <a:extLst>
+              <a:ext uri="{FF2B5EF4-FFF2-40B4-BE49-F238E27FC236}">
+                <a16:creationId xmlns:a16="http://schemas.microsoft.com/office/drawing/2014/main" id="{7E29720B-8304-4825-F687-B90FCE4D8CEA}"/>
+              </a:ext>
+            </a:extLst>
+          </p:cNvPr>
+          <p:cNvCxnSpPr>
+            <a:cxnSpLocks/>
+            <a:stCxn id="8" idx="0"/>
+            <a:endCxn id="4" idx="3"/>
+          </p:cNvCxnSpPr>
+          <p:nvPr/>
+        </p:nvCxnSpPr>
+        <p:spPr>
+          <a:xfrm flipV="1">
+            <a:off x="907466" y="3225464"/>
+            <a:ext cx="238753" cy="694911"/>
+          </a:xfrm>
+          <a:prstGeom prst="line">
+            <a:avLst/>
+          </a:prstGeom>
+          <a:ln w="19050">
+            <a:solidFill>
+              <a:schemeClr val="tx1"/>
+            </a:solidFill>
+          </a:ln>
+        </p:spPr>
+        <p:style>
+          <a:lnRef idx="1">
+            <a:schemeClr val="accent1"/>
+          </a:lnRef>
+          <a:fillRef idx="0">
+            <a:schemeClr val="accent1"/>
+          </a:fillRef>
+          <a:effectRef idx="0">
+            <a:schemeClr val="accent1"/>
+          </a:effectRef>
+          <a:fontRef idx="minor">
+            <a:schemeClr val="tx1"/>
+          </a:fontRef>
+        </p:style>
+      </p:cxnSp>
+      <p:cxnSp>
+        <p:nvCxnSpPr>
+          <p:cNvPr id="19" name="직선 연결선 18">
+            <a:extLst>
+              <a:ext uri="{FF2B5EF4-FFF2-40B4-BE49-F238E27FC236}">
+                <a16:creationId xmlns:a16="http://schemas.microsoft.com/office/drawing/2014/main" id="{C1AC65D4-CD74-705B-5CFC-D7DB2620688A}"/>
+              </a:ext>
+            </a:extLst>
+          </p:cNvPr>
+          <p:cNvCxnSpPr>
+            <a:cxnSpLocks/>
+            <a:stCxn id="9" idx="1"/>
+            <a:endCxn id="4" idx="5"/>
+          </p:cNvCxnSpPr>
+          <p:nvPr/>
+        </p:nvCxnSpPr>
+        <p:spPr>
+          <a:xfrm flipH="1" flipV="1">
+            <a:off x="1407377" y="3225464"/>
+            <a:ext cx="210183" cy="748998"/>
+          </a:xfrm>
+          <a:prstGeom prst="line">
+            <a:avLst/>
+          </a:prstGeom>
+          <a:ln w="19050">
+            <a:solidFill>
+              <a:schemeClr val="tx1"/>
+            </a:solidFill>
+          </a:ln>
+        </p:spPr>
+        <p:style>
+          <a:lnRef idx="1">
+            <a:schemeClr val="accent1"/>
+          </a:lnRef>
+          <a:fillRef idx="0">
+            <a:schemeClr val="accent1"/>
+          </a:fillRef>
+          <a:effectRef idx="0">
+            <a:schemeClr val="accent1"/>
+          </a:effectRef>
+          <a:fontRef idx="minor">
+            <a:schemeClr val="tx1"/>
+          </a:fontRef>
+        </p:style>
+      </p:cxnSp>
+      <p:cxnSp>
+        <p:nvCxnSpPr>
+          <p:cNvPr id="20" name="직선 연결선 19">
+            <a:extLst>
+              <a:ext uri="{FF2B5EF4-FFF2-40B4-BE49-F238E27FC236}">
+                <a16:creationId xmlns:a16="http://schemas.microsoft.com/office/drawing/2014/main" id="{964E67B4-1EAD-5424-64C7-6BB625591E04}"/>
+              </a:ext>
+            </a:extLst>
+          </p:cNvPr>
+          <p:cNvCxnSpPr>
+            <a:cxnSpLocks/>
+            <a:stCxn id="14" idx="7"/>
+            <a:endCxn id="11" idx="4"/>
+          </p:cNvCxnSpPr>
+          <p:nvPr/>
+        </p:nvCxnSpPr>
+        <p:spPr>
+          <a:xfrm flipV="1">
+            <a:off x="2248050" y="4289707"/>
+            <a:ext cx="340762" cy="697312"/>
+          </a:xfrm>
+          <a:prstGeom prst="line">
+            <a:avLst/>
+          </a:prstGeom>
+          <a:ln w="19050">
+            <a:solidFill>
+              <a:schemeClr val="tx1"/>
+            </a:solidFill>
+          </a:ln>
+        </p:spPr>
+        <p:style>
+          <a:lnRef idx="1">
+            <a:schemeClr val="accent1"/>
+          </a:lnRef>
+          <a:fillRef idx="0">
+            <a:schemeClr val="accent1"/>
+          </a:fillRef>
+          <a:effectRef idx="0">
+            <a:schemeClr val="accent1"/>
+          </a:effectRef>
+          <a:fontRef idx="minor">
+            <a:schemeClr val="tx1"/>
+          </a:fontRef>
+        </p:style>
+      </p:cxnSp>
+      <p:cxnSp>
+        <p:nvCxnSpPr>
+          <p:cNvPr id="21" name="직선 연결선 20">
+            <a:extLst>
+              <a:ext uri="{FF2B5EF4-FFF2-40B4-BE49-F238E27FC236}">
+                <a16:creationId xmlns:a16="http://schemas.microsoft.com/office/drawing/2014/main" id="{1830750A-AFAE-D750-EC52-BAA33E3E52E0}"/>
+              </a:ext>
+            </a:extLst>
+          </p:cNvPr>
+          <p:cNvCxnSpPr>
+            <a:cxnSpLocks/>
+            <a:stCxn id="9" idx="6"/>
+            <a:endCxn id="11" idx="2"/>
+          </p:cNvCxnSpPr>
+          <p:nvPr/>
+        </p:nvCxnSpPr>
+        <p:spPr>
+          <a:xfrm>
+            <a:off x="1932805" y="4105041"/>
+            <a:ext cx="471341" cy="0"/>
+          </a:xfrm>
+          <a:prstGeom prst="line">
+            <a:avLst/>
+          </a:prstGeom>
+          <a:ln w="19050">
+            <a:solidFill>
+              <a:schemeClr val="tx1"/>
+            </a:solidFill>
+          </a:ln>
+        </p:spPr>
+        <p:style>
+          <a:lnRef idx="1">
+            <a:schemeClr val="accent1"/>
+          </a:lnRef>
+          <a:fillRef idx="0">
+            <a:schemeClr val="accent1"/>
+          </a:fillRef>
+          <a:effectRef idx="0">
+            <a:schemeClr val="accent1"/>
+          </a:effectRef>
+          <a:fontRef idx="minor">
+            <a:schemeClr val="tx1"/>
+          </a:fontRef>
+        </p:style>
+      </p:cxnSp>
+      <p:cxnSp>
+        <p:nvCxnSpPr>
+          <p:cNvPr id="22" name="직선 연결선 21">
+            <a:extLst>
+              <a:ext uri="{FF2B5EF4-FFF2-40B4-BE49-F238E27FC236}">
+                <a16:creationId xmlns:a16="http://schemas.microsoft.com/office/drawing/2014/main" id="{7FBC8EF7-B2B0-3A58-E825-0CE8B1C42C5E}"/>
+              </a:ext>
+            </a:extLst>
+          </p:cNvPr>
+          <p:cNvCxnSpPr>
+            <a:cxnSpLocks/>
+            <a:stCxn id="7" idx="5"/>
+            <a:endCxn id="11" idx="1"/>
+          </p:cNvCxnSpPr>
+          <p:nvPr/>
+        </p:nvCxnSpPr>
+        <p:spPr>
+          <a:xfrm>
+            <a:off x="2248050" y="3225464"/>
+            <a:ext cx="210183" cy="748998"/>
+          </a:xfrm>
+          <a:prstGeom prst="line">
+            <a:avLst/>
+          </a:prstGeom>
+          <a:ln w="19050">
+            <a:solidFill>
+              <a:schemeClr val="tx1"/>
+            </a:solidFill>
+          </a:ln>
+        </p:spPr>
+        <p:style>
+          <a:lnRef idx="1">
+            <a:schemeClr val="accent1"/>
+          </a:lnRef>
+          <a:fillRef idx="0">
+            <a:schemeClr val="accent1"/>
+          </a:fillRef>
+          <a:effectRef idx="0">
+            <a:schemeClr val="accent1"/>
+          </a:effectRef>
+          <a:fontRef idx="minor">
+            <a:schemeClr val="tx1"/>
+          </a:fontRef>
+        </p:style>
+      </p:cxnSp>
+      <p:cxnSp>
+        <p:nvCxnSpPr>
+          <p:cNvPr id="23" name="직선 연결선 22">
+            <a:extLst>
+              <a:ext uri="{FF2B5EF4-FFF2-40B4-BE49-F238E27FC236}">
+                <a16:creationId xmlns:a16="http://schemas.microsoft.com/office/drawing/2014/main" id="{DFE6F617-EDFF-7F00-F480-0DE107D4C5CD}"/>
+              </a:ext>
+            </a:extLst>
+          </p:cNvPr>
+          <p:cNvCxnSpPr>
+            <a:cxnSpLocks/>
+            <a:stCxn id="11" idx="6"/>
+            <a:endCxn id="12" idx="2"/>
+          </p:cNvCxnSpPr>
+          <p:nvPr/>
+        </p:nvCxnSpPr>
+        <p:spPr>
+          <a:xfrm>
+            <a:off x="2773478" y="4105041"/>
+            <a:ext cx="471341" cy="0"/>
+          </a:xfrm>
+          <a:prstGeom prst="line">
+            <a:avLst/>
+          </a:prstGeom>
+          <a:ln w="19050">
+            <a:solidFill>
+              <a:schemeClr val="tx1"/>
+            </a:solidFill>
+          </a:ln>
+        </p:spPr>
+        <p:style>
+          <a:lnRef idx="1">
+            <a:schemeClr val="accent1"/>
+          </a:lnRef>
+          <a:fillRef idx="0">
+            <a:schemeClr val="accent1"/>
+          </a:fillRef>
+          <a:effectRef idx="0">
+            <a:schemeClr val="accent1"/>
+          </a:effectRef>
+          <a:fontRef idx="minor">
+            <a:schemeClr val="tx1"/>
+          </a:fontRef>
+        </p:style>
+      </p:cxnSp>
+      <p:cxnSp>
+        <p:nvCxnSpPr>
+          <p:cNvPr id="24" name="직선 연결선 23">
+            <a:extLst>
+              <a:ext uri="{FF2B5EF4-FFF2-40B4-BE49-F238E27FC236}">
+                <a16:creationId xmlns:a16="http://schemas.microsoft.com/office/drawing/2014/main" id="{3375318D-7E3E-6D53-30B0-EF412E9E3F9A}"/>
+              </a:ext>
+            </a:extLst>
+          </p:cNvPr>
+          <p:cNvCxnSpPr>
+            <a:cxnSpLocks/>
+            <a:stCxn id="10" idx="5"/>
+            <a:endCxn id="12" idx="0"/>
+          </p:cNvCxnSpPr>
+          <p:nvPr/>
+        </p:nvCxnSpPr>
+        <p:spPr>
+          <a:xfrm>
+            <a:off x="3088723" y="3225464"/>
+            <a:ext cx="340762" cy="694911"/>
+          </a:xfrm>
+          <a:prstGeom prst="line">
+            <a:avLst/>
+          </a:prstGeom>
+          <a:ln w="19050">
+            <a:solidFill>
+              <a:schemeClr val="tx1"/>
+            </a:solidFill>
+          </a:ln>
+        </p:spPr>
+        <p:style>
+          <a:lnRef idx="1">
+            <a:schemeClr val="accent1"/>
+          </a:lnRef>
+          <a:fillRef idx="0">
+            <a:schemeClr val="accent1"/>
+          </a:fillRef>
+          <a:effectRef idx="0">
+            <a:schemeClr val="accent1"/>
+          </a:effectRef>
+          <a:fontRef idx="minor">
+            <a:schemeClr val="tx1"/>
+          </a:fontRef>
+        </p:style>
+      </p:cxnSp>
+      <p:sp>
+        <p:nvSpPr>
+          <p:cNvPr id="25" name="TextBox 24">
+            <a:extLst>
+              <a:ext uri="{FF2B5EF4-FFF2-40B4-BE49-F238E27FC236}">
+                <a16:creationId xmlns:a16="http://schemas.microsoft.com/office/drawing/2014/main" id="{4A9F759A-9BBA-4563-B77D-0BB6E450D33B}"/>
               </a:ext>
             </a:extLst>
           </p:cNvPr>
@@ -4363,8 +8191,8 @@
         </p:nvSpPr>
         <p:spPr>
           <a:xfrm>
-            <a:off x="942387" y="5667976"/>
-            <a:ext cx="10237694" cy="369332"/>
+            <a:off x="793615" y="5699061"/>
+            <a:ext cx="5118847" cy="369332"/>
           </a:xfrm>
           <a:prstGeom prst="rect">
             <a:avLst/>
@@ -4382,108 +8210,14 @@
                 <a:latin typeface="나눔스퀘어 Light" panose="020B0600000101010101" pitchFamily="50" charset="-127"/>
                 <a:ea typeface="나눔스퀘어 Light" panose="020B0600000101010101" pitchFamily="50" charset="-127"/>
               </a:rPr>
-              <a:t>▲ 백준 가장 많은 문제 유형 </a:t>
+              <a:t>시간 복잡도가 어떻게 될까요</a:t>
             </a:r>
             <a:r>
               <a:rPr lang="en-US" altLang="ko-KR" dirty="0">
                 <a:latin typeface="나눔스퀘어 Light" panose="020B0600000101010101" pitchFamily="50" charset="-127"/>
                 <a:ea typeface="나눔스퀘어 Light" panose="020B0600000101010101" pitchFamily="50" charset="-127"/>
               </a:rPr>
-              <a:t>Top 5 </a:t>
-            </a:r>
-            <a:r>
-              <a:rPr lang="ko-KR" altLang="en-US" dirty="0">
-                <a:latin typeface="나눔스퀘어 Light" panose="020B0600000101010101" pitchFamily="50" charset="-127"/>
-                <a:ea typeface="나눔스퀘어 Light" panose="020B0600000101010101" pitchFamily="50" charset="-127"/>
-              </a:rPr>
-              <a:t>안에 듦</a:t>
-            </a:r>
-          </a:p>
-        </p:txBody>
-      </p:sp>
-      <p:sp>
-        <p:nvSpPr>
-          <p:cNvPr id="11" name="TextBox 10">
-            <a:extLst>
-              <a:ext uri="{FF2B5EF4-FFF2-40B4-BE49-F238E27FC236}">
-                <a16:creationId xmlns:a16="http://schemas.microsoft.com/office/drawing/2014/main" id="{16646496-CC42-4CB0-A74E-57643995DB18}"/>
-              </a:ext>
-            </a:extLst>
-          </p:cNvPr>
-          <p:cNvSpPr txBox="1"/>
-          <p:nvPr/>
-        </p:nvSpPr>
-        <p:spPr>
-          <a:xfrm>
-            <a:off x="942387" y="2256641"/>
-            <a:ext cx="10237694" cy="369332"/>
-          </a:xfrm>
-          <a:prstGeom prst="rect">
-            <a:avLst/>
-          </a:prstGeom>
-          <a:noFill/>
-        </p:spPr>
-        <p:txBody>
-          <a:bodyPr wrap="square" rtlCol="0">
-            <a:spAutoFit/>
-          </a:bodyPr>
-          <a:lstStyle/>
-          <a:p>
-            <a:r>
-              <a:rPr lang="ko-KR" altLang="en-US" dirty="0">
-                <a:latin typeface="나눔스퀘어 Light" panose="020B0600000101010101" pitchFamily="50" charset="-127"/>
-                <a:ea typeface="나눔스퀘어 Light" panose="020B0600000101010101" pitchFamily="50" charset="-127"/>
-              </a:rPr>
-              <a:t>최다 빈출 유형인 만큼</a:t>
-            </a:r>
-            <a:r>
-              <a:rPr lang="en-US" altLang="ko-KR" dirty="0">
-                <a:latin typeface="나눔스퀘어 Light" panose="020B0600000101010101" pitchFamily="50" charset="-127"/>
-                <a:ea typeface="나눔스퀘어 Light" panose="020B0600000101010101" pitchFamily="50" charset="-127"/>
-              </a:rPr>
-              <a:t> </a:t>
-            </a:r>
-            <a:r>
-              <a:rPr lang="ko-KR" altLang="en-US" dirty="0">
-                <a:latin typeface="나눔스퀘어 Light" panose="020B0600000101010101" pitchFamily="50" charset="-127"/>
-                <a:ea typeface="나눔스퀘어 Light" panose="020B0600000101010101" pitchFamily="50" charset="-127"/>
-              </a:rPr>
-              <a:t>중요하니</a:t>
-            </a:r>
-            <a:r>
-              <a:rPr lang="en-US" altLang="ko-KR" dirty="0">
-                <a:latin typeface="나눔스퀘어 Light" panose="020B0600000101010101" pitchFamily="50" charset="-127"/>
-                <a:ea typeface="나눔스퀘어 Light" panose="020B0600000101010101" pitchFamily="50" charset="-127"/>
-              </a:rPr>
-              <a:t>, </a:t>
-            </a:r>
-            <a:r>
-              <a:rPr lang="ko-KR" altLang="en-US" dirty="0">
-                <a:latin typeface="나눔스퀘어 Light" panose="020B0600000101010101" pitchFamily="50" charset="-127"/>
-                <a:ea typeface="나눔스퀘어 Light" panose="020B0600000101010101" pitchFamily="50" charset="-127"/>
-              </a:rPr>
-              <a:t>이를 대비하신다면 확실하게 </a:t>
-            </a:r>
-            <a:r>
-              <a:rPr lang="ko-KR" altLang="en-US" dirty="0" err="1">
-                <a:latin typeface="나눔스퀘어 Light" panose="020B0600000101010101" pitchFamily="50" charset="-127"/>
-                <a:ea typeface="나눔스퀘어 Light" panose="020B0600000101010101" pitchFamily="50" charset="-127"/>
-              </a:rPr>
-              <a:t>준비하시는게</a:t>
-            </a:r>
-            <a:r>
-              <a:rPr lang="ko-KR" altLang="en-US" dirty="0">
-                <a:latin typeface="나눔스퀘어 Light" panose="020B0600000101010101" pitchFamily="50" charset="-127"/>
-                <a:ea typeface="나눔스퀘어 Light" panose="020B0600000101010101" pitchFamily="50" charset="-127"/>
-              </a:rPr>
-              <a:t> 좋습니다</a:t>
-            </a:r>
-            <a:r>
-              <a:rPr lang="en-US" altLang="ko-KR" dirty="0">
-                <a:latin typeface="나눔스퀘어 Light" panose="020B0600000101010101" pitchFamily="50" charset="-127"/>
-                <a:ea typeface="나눔스퀘어 Light" panose="020B0600000101010101" pitchFamily="50" charset="-127"/>
-              </a:rPr>
-              <a:t>.</a:t>
+              <a:t>?</a:t>
             </a:r>
             <a:endParaRPr lang="ko-KR" altLang="en-US" dirty="0">
               <a:latin typeface="나눔스퀘어 Light" panose="020B0600000101010101" pitchFamily="50" charset="-127"/>
@@ -4492,10 +8226,148 @@
           </a:p>
         </p:txBody>
       </p:sp>
+      <p:cxnSp>
+        <p:nvCxnSpPr>
+          <p:cNvPr id="26" name="직선 연결선 25">
+            <a:extLst>
+              <a:ext uri="{FF2B5EF4-FFF2-40B4-BE49-F238E27FC236}">
+                <a16:creationId xmlns:a16="http://schemas.microsoft.com/office/drawing/2014/main" id="{6CBF9D0D-DA5D-9C10-879E-35F02D9E7218}"/>
+              </a:ext>
+            </a:extLst>
+          </p:cNvPr>
+          <p:cNvCxnSpPr>
+            <a:cxnSpLocks/>
+            <a:stCxn id="13" idx="7"/>
+            <a:endCxn id="9" idx="4"/>
+          </p:cNvCxnSpPr>
+          <p:nvPr/>
+        </p:nvCxnSpPr>
+        <p:spPr>
+          <a:xfrm flipV="1">
+            <a:off x="1407377" y="4289707"/>
+            <a:ext cx="340762" cy="697312"/>
+          </a:xfrm>
+          <a:prstGeom prst="line">
+            <a:avLst/>
+          </a:prstGeom>
+          <a:ln w="19050">
+            <a:solidFill>
+              <a:schemeClr val="tx1"/>
+            </a:solidFill>
+          </a:ln>
+        </p:spPr>
+        <p:style>
+          <a:lnRef idx="1">
+            <a:schemeClr val="accent1"/>
+          </a:lnRef>
+          <a:fillRef idx="0">
+            <a:schemeClr val="accent1"/>
+          </a:fillRef>
+          <a:effectRef idx="0">
+            <a:schemeClr val="accent1"/>
+          </a:effectRef>
+          <a:fontRef idx="minor">
+            <a:schemeClr val="tx1"/>
+          </a:fontRef>
+        </p:style>
+      </p:cxnSp>
+      <p:sp>
+        <p:nvSpPr>
+          <p:cNvPr id="27" name="TextBox 26">
+            <a:extLst>
+              <a:ext uri="{FF2B5EF4-FFF2-40B4-BE49-F238E27FC236}">
+                <a16:creationId xmlns:a16="http://schemas.microsoft.com/office/drawing/2014/main" id="{937DA60C-8115-6950-C273-2D3600C9153E}"/>
+              </a:ext>
+            </a:extLst>
+          </p:cNvPr>
+          <p:cNvSpPr txBox="1"/>
+          <p:nvPr/>
+        </p:nvSpPr>
+        <p:spPr>
+          <a:xfrm>
+            <a:off x="4243826" y="1871819"/>
+            <a:ext cx="6671376" cy="369332"/>
+          </a:xfrm>
+          <a:prstGeom prst="rect">
+            <a:avLst/>
+          </a:prstGeom>
+          <a:noFill/>
+        </p:spPr>
+        <p:txBody>
+          <a:bodyPr wrap="square" rtlCol="0">
+            <a:spAutoFit/>
+          </a:bodyPr>
+          <a:lstStyle/>
+          <a:p>
+            <a:r>
+              <a:rPr lang="ko-KR" altLang="en-US" dirty="0">
+                <a:latin typeface="나눔스퀘어 Light" panose="020B0600000101010101" pitchFamily="50" charset="-127"/>
+                <a:ea typeface="나눔스퀘어 Light" panose="020B0600000101010101" pitchFamily="50" charset="-127"/>
+              </a:rPr>
+              <a:t>너비 우선 탐색은 말 그대로 너비를 먼저 탐색하는 방법</a:t>
+            </a:r>
+          </a:p>
+        </p:txBody>
+      </p:sp>
+      <p:sp>
+        <p:nvSpPr>
+          <p:cNvPr id="28" name="TextBox 27">
+            <a:extLst>
+              <a:ext uri="{FF2B5EF4-FFF2-40B4-BE49-F238E27FC236}">
+                <a16:creationId xmlns:a16="http://schemas.microsoft.com/office/drawing/2014/main" id="{0A6263D4-166C-01BA-190F-9535D45ADD42}"/>
+              </a:ext>
+            </a:extLst>
+          </p:cNvPr>
+          <p:cNvSpPr txBox="1"/>
+          <p:nvPr/>
+        </p:nvSpPr>
+        <p:spPr>
+          <a:xfrm>
+            <a:off x="4243826" y="2266870"/>
+            <a:ext cx="6671376" cy="369332"/>
+          </a:xfrm>
+          <a:prstGeom prst="rect">
+            <a:avLst/>
+          </a:prstGeom>
+          <a:noFill/>
+        </p:spPr>
+        <p:txBody>
+          <a:bodyPr wrap="square" rtlCol="0">
+            <a:spAutoFit/>
+          </a:bodyPr>
+          <a:lstStyle/>
+          <a:p>
+            <a:r>
+              <a:rPr lang="ko-KR" altLang="en-US" dirty="0">
+                <a:latin typeface="나눔스퀘어 Light" panose="020B0600000101010101" pitchFamily="50" charset="-127"/>
+                <a:ea typeface="나눔스퀘어 Light" panose="020B0600000101010101" pitchFamily="50" charset="-127"/>
+              </a:rPr>
+              <a:t>탐색을 위해 </a:t>
+            </a:r>
+            <a:r>
+              <a:rPr lang="ko-KR" altLang="en-US" dirty="0">
+                <a:solidFill>
+                  <a:srgbClr val="FF0000"/>
+                </a:solidFill>
+                <a:latin typeface="나눔스퀘어 Bold" panose="020B0600000101010101" pitchFamily="50" charset="-127"/>
+                <a:ea typeface="나눔스퀘어 Bold" panose="020B0600000101010101" pitchFamily="50" charset="-127"/>
+              </a:rPr>
+              <a:t>큐</a:t>
+            </a:r>
+            <a:r>
+              <a:rPr lang="ko-KR" altLang="en-US" dirty="0">
+                <a:latin typeface="나눔스퀘어 Light" panose="020B0600000101010101" pitchFamily="50" charset="-127"/>
+                <a:ea typeface="나눔스퀘어 Light" panose="020B0600000101010101" pitchFamily="50" charset="-127"/>
+              </a:rPr>
+              <a:t> 자료구조를 이용</a:t>
+            </a:r>
+          </a:p>
+        </p:txBody>
+      </p:sp>
     </p:spTree>
     <p:extLst>
       <p:ext uri="{BB962C8B-B14F-4D97-AF65-F5344CB8AC3E}">
-        <p14:creationId xmlns:p14="http://schemas.microsoft.com/office/powerpoint/2010/main" val="2515636093"/>
+        <p14:creationId xmlns:p14="http://schemas.microsoft.com/office/powerpoint/2010/main" val="1581764847"/>
       </p:ext>
     </p:extLst>
   </p:cSld>
@@ -4581,7 +8453,7 @@
         <p:spPr>
           <a:xfrm>
             <a:off x="331694" y="177505"/>
-            <a:ext cx="788999" cy="523220"/>
+            <a:ext cx="2832891" cy="523220"/>
           </a:xfrm>
           <a:prstGeom prst="rect">
             <a:avLst/>
@@ -4599,7 +8471,7 @@
                 <a:latin typeface="나눔스퀘어 Bold" panose="020B0600000101010101" pitchFamily="50" charset="-127"/>
                 <a:ea typeface="나눔스퀘어 Bold" panose="020B0600000101010101" pitchFamily="50" charset="-127"/>
               </a:rPr>
-              <a:t>TMI</a:t>
+              <a:t>Graph Traversal</a:t>
             </a:r>
             <a:endParaRPr lang="ko-KR" altLang="en-US" sz="2800" dirty="0">
               <a:latin typeface="나눔스퀘어 Bold" panose="020B0600000101010101" pitchFamily="50" charset="-127"/>
@@ -4610,10 +8482,10 @@
       </p:sp>
       <p:pic>
         <p:nvPicPr>
-          <p:cNvPr id="17" name="그림 16">
-            <a:extLst>
-              <a:ext uri="{FF2B5EF4-FFF2-40B4-BE49-F238E27FC236}">
-                <a16:creationId xmlns:a16="http://schemas.microsoft.com/office/drawing/2014/main" id="{7F32B82D-2AFF-B3C1-79BC-121B795E0099}"/>
+          <p:cNvPr id="31" name="그림 30">
+            <a:extLst>
+              <a:ext uri="{FF2B5EF4-FFF2-40B4-BE49-F238E27FC236}">
+                <a16:creationId xmlns:a16="http://schemas.microsoft.com/office/drawing/2014/main" id="{A50D72F5-E4C4-3C6A-1523-32C24D2C57FF}"/>
               </a:ext>
             </a:extLst>
           </p:cNvPr>
@@ -4630,56 +8502,18 @@
         </p:blipFill>
         <p:spPr>
           <a:xfrm>
-            <a:off x="726193" y="999190"/>
-            <a:ext cx="8688012" cy="5001323"/>
+            <a:off x="331694" y="976654"/>
+            <a:ext cx="7633955" cy="5882075"/>
           </a:xfrm>
           <a:prstGeom prst="rect">
             <a:avLst/>
           </a:prstGeom>
         </p:spPr>
       </p:pic>
-      <p:sp>
-        <p:nvSpPr>
-          <p:cNvPr id="18" name="TextBox 17">
-            <a:extLst>
-              <a:ext uri="{FF2B5EF4-FFF2-40B4-BE49-F238E27FC236}">
-                <a16:creationId xmlns:a16="http://schemas.microsoft.com/office/drawing/2014/main" id="{7CE0C905-171C-32D6-AE8A-A595335E8944}"/>
-              </a:ext>
-            </a:extLst>
-          </p:cNvPr>
-          <p:cNvSpPr txBox="1"/>
-          <p:nvPr/>
-        </p:nvSpPr>
-        <p:spPr>
-          <a:xfrm>
-            <a:off x="942387" y="6112197"/>
-            <a:ext cx="10237694" cy="369332"/>
-          </a:xfrm>
-          <a:prstGeom prst="rect">
-            <a:avLst/>
-          </a:prstGeom>
-          <a:noFill/>
-        </p:spPr>
-        <p:txBody>
-          <a:bodyPr wrap="square" rtlCol="0">
-            <a:spAutoFit/>
-          </a:bodyPr>
-          <a:lstStyle/>
-          <a:p>
-            <a:r>
-              <a:rPr lang="ko-KR" altLang="en-US" dirty="0">
-                <a:latin typeface="나눔스퀘어 Light" panose="020B0600000101010101" pitchFamily="50" charset="-127"/>
-                <a:ea typeface="나눔스퀘어 Light" panose="020B0600000101010101" pitchFamily="50" charset="-127"/>
-              </a:rPr>
-              <a:t>▲ 코딩 테스트 최다 빈출 유형</a:t>
-            </a:r>
-          </a:p>
-        </p:txBody>
-      </p:sp>
     </p:spTree>
     <p:extLst>
       <p:ext uri="{BB962C8B-B14F-4D97-AF65-F5344CB8AC3E}">
-        <p14:creationId xmlns:p14="http://schemas.microsoft.com/office/powerpoint/2010/main" val="632406188"/>
+        <p14:creationId xmlns:p14="http://schemas.microsoft.com/office/powerpoint/2010/main" val="2773669062"/>
       </p:ext>
     </p:extLst>
   </p:cSld>
@@ -4752,10 +8586,10 @@
       </p:cxnSp>
       <p:sp>
         <p:nvSpPr>
-          <p:cNvPr id="4" name="TextBox 3">
-            <a:extLst>
-              <a:ext uri="{FF2B5EF4-FFF2-40B4-BE49-F238E27FC236}">
-                <a16:creationId xmlns:a16="http://schemas.microsoft.com/office/drawing/2014/main" id="{346A4227-C27D-50F4-7699-BBE332703F0D}"/>
+          <p:cNvPr id="6" name="TextBox 5">
+            <a:extLst>
+              <a:ext uri="{FF2B5EF4-FFF2-40B4-BE49-F238E27FC236}">
+                <a16:creationId xmlns:a16="http://schemas.microsoft.com/office/drawing/2014/main" id="{908ED9B9-09D3-CFA8-625A-6F9BB9B6BD23}"/>
               </a:ext>
             </a:extLst>
           </p:cNvPr>
@@ -4765,7 +8599,7 @@
         <p:spPr>
           <a:xfrm>
             <a:off x="331694" y="177505"/>
-            <a:ext cx="3621697" cy="523220"/>
+            <a:ext cx="788999" cy="523220"/>
           </a:xfrm>
           <a:prstGeom prst="rect">
             <a:avLst/>
@@ -4783,38 +8617,161 @@
                 <a:latin typeface="나눔스퀘어 Bold" panose="020B0600000101010101" pitchFamily="50" charset="-127"/>
                 <a:ea typeface="나눔스퀘어 Bold" panose="020B0600000101010101" pitchFamily="50" charset="-127"/>
               </a:rPr>
-              <a:t>Tree</a:t>
-            </a:r>
-            <a:r>
-              <a:rPr lang="ko-KR" altLang="en-US" sz="2800" dirty="0">
-                <a:latin typeface="나눔스퀘어 Bold" panose="020B0600000101010101" pitchFamily="50" charset="-127"/>
-                <a:ea typeface="나눔스퀘어 Bold" panose="020B0600000101010101" pitchFamily="50" charset="-127"/>
-              </a:rPr>
-              <a:t> </a:t>
-            </a:r>
-            <a:r>
-              <a:rPr lang="en-US" altLang="ko-KR" sz="2800" dirty="0">
-                <a:latin typeface="나눔스퀘어 Bold" panose="020B0600000101010101" pitchFamily="50" charset="-127"/>
-                <a:ea typeface="나눔스퀘어 Bold" panose="020B0600000101010101" pitchFamily="50" charset="-127"/>
-              </a:rPr>
-              <a:t>– 1991 </a:t>
-            </a:r>
-            <a:r>
-              <a:rPr lang="ko-KR" altLang="en-US" sz="2800" dirty="0">
-                <a:latin typeface="나눔스퀘어 Bold" panose="020B0600000101010101" pitchFamily="50" charset="-127"/>
-                <a:ea typeface="나눔스퀘어 Bold" panose="020B0600000101010101" pitchFamily="50" charset="-127"/>
-              </a:rPr>
-              <a:t>트리 순회</a:t>
-            </a:r>
+              <a:t>TMI</a:t>
+            </a:r>
+            <a:endParaRPr lang="ko-KR" altLang="en-US" sz="2800" dirty="0">
+              <a:latin typeface="나눔스퀘어 Bold" panose="020B0600000101010101" pitchFamily="50" charset="-127"/>
+              <a:ea typeface="나눔스퀘어 Bold" panose="020B0600000101010101" pitchFamily="50" charset="-127"/>
+            </a:endParaRPr>
+          </a:p>
+        </p:txBody>
+      </p:sp>
+      <p:sp>
+        <p:nvSpPr>
+          <p:cNvPr id="2" name="TextBox 1">
+            <a:extLst>
+              <a:ext uri="{FF2B5EF4-FFF2-40B4-BE49-F238E27FC236}">
+                <a16:creationId xmlns:a16="http://schemas.microsoft.com/office/drawing/2014/main" id="{D0EB123A-1DDE-A7D7-E9C4-C9AD89CDC14E}"/>
+              </a:ext>
+            </a:extLst>
+          </p:cNvPr>
+          <p:cNvSpPr txBox="1"/>
+          <p:nvPr/>
+        </p:nvSpPr>
+        <p:spPr>
+          <a:xfrm>
+            <a:off x="942387" y="1190024"/>
+            <a:ext cx="10237694" cy="369332"/>
+          </a:xfrm>
+          <a:prstGeom prst="rect">
+            <a:avLst/>
+          </a:prstGeom>
+          <a:noFill/>
+        </p:spPr>
+        <p:txBody>
+          <a:bodyPr wrap="square" rtlCol="0">
+            <a:spAutoFit/>
+          </a:bodyPr>
+          <a:lstStyle/>
+          <a:p>
+            <a:r>
+              <a:rPr lang="ko-KR" altLang="en-US" dirty="0">
+                <a:latin typeface="나눔스퀘어 Light" panose="020B0600000101010101" pitchFamily="50" charset="-127"/>
+                <a:ea typeface="나눔스퀘어 Light" panose="020B0600000101010101" pitchFamily="50" charset="-127"/>
+              </a:rPr>
+              <a:t>트리와 그래프</a:t>
+            </a:r>
+            <a:r>
+              <a:rPr lang="en-US" altLang="ko-KR" dirty="0">
+                <a:latin typeface="나눔스퀘어 Light" panose="020B0600000101010101" pitchFamily="50" charset="-127"/>
+                <a:ea typeface="나눔스퀘어 Light" panose="020B0600000101010101" pitchFamily="50" charset="-127"/>
+              </a:rPr>
+              <a:t>(</a:t>
+            </a:r>
+            <a:r>
+              <a:rPr lang="ko-KR" altLang="en-US" dirty="0">
+                <a:latin typeface="나눔스퀘어 Light" panose="020B0600000101010101" pitchFamily="50" charset="-127"/>
+                <a:ea typeface="나눔스퀘어 Light" panose="020B0600000101010101" pitchFamily="50" charset="-127"/>
+              </a:rPr>
+              <a:t>특히 그래프</a:t>
+            </a:r>
+            <a:r>
+              <a:rPr lang="en-US" altLang="ko-KR" dirty="0">
+                <a:latin typeface="나눔스퀘어 Light" panose="020B0600000101010101" pitchFamily="50" charset="-127"/>
+                <a:ea typeface="나눔스퀘어 Light" panose="020B0600000101010101" pitchFamily="50" charset="-127"/>
+              </a:rPr>
+              <a:t>)</a:t>
+            </a:r>
+            <a:r>
+              <a:rPr lang="ko-KR" altLang="en-US" dirty="0">
+                <a:latin typeface="나눔스퀘어 Light" panose="020B0600000101010101" pitchFamily="50" charset="-127"/>
+                <a:ea typeface="나눔스퀘어 Light" panose="020B0600000101010101" pitchFamily="50" charset="-127"/>
+              </a:rPr>
+              <a:t>는 알고리즘 </a:t>
+            </a:r>
+            <a:r>
+              <a:rPr lang="en-US" altLang="ko-KR" dirty="0">
+                <a:latin typeface="나눔스퀘어 Light" panose="020B0600000101010101" pitchFamily="50" charset="-127"/>
+                <a:ea typeface="나눔스퀘어 Light" panose="020B0600000101010101" pitchFamily="50" charset="-127"/>
+              </a:rPr>
+              <a:t>PS </a:t>
+            </a:r>
+            <a:r>
+              <a:rPr lang="ko-KR" altLang="en-US" dirty="0">
+                <a:latin typeface="나눔스퀘어 Light" panose="020B0600000101010101" pitchFamily="50" charset="-127"/>
+                <a:ea typeface="나눔스퀘어 Light" panose="020B0600000101010101" pitchFamily="50" charset="-127"/>
+              </a:rPr>
+              <a:t>에서도 그렇고</a:t>
+            </a:r>
+            <a:r>
+              <a:rPr lang="en-US" altLang="ko-KR" dirty="0">
+                <a:latin typeface="나눔스퀘어 Light" panose="020B0600000101010101" pitchFamily="50" charset="-127"/>
+                <a:ea typeface="나눔스퀘어 Light" panose="020B0600000101010101" pitchFamily="50" charset="-127"/>
+              </a:rPr>
+              <a:t>,</a:t>
+            </a:r>
+            <a:endParaRPr lang="ko-KR" altLang="en-US" dirty="0">
+              <a:latin typeface="나눔스퀘어 Light" panose="020B0600000101010101" pitchFamily="50" charset="-127"/>
+              <a:ea typeface="나눔스퀘어 Light" panose="020B0600000101010101" pitchFamily="50" charset="-127"/>
+            </a:endParaRPr>
+          </a:p>
+        </p:txBody>
+      </p:sp>
+      <p:sp>
+        <p:nvSpPr>
+          <p:cNvPr id="4" name="TextBox 3">
+            <a:extLst>
+              <a:ext uri="{FF2B5EF4-FFF2-40B4-BE49-F238E27FC236}">
+                <a16:creationId xmlns:a16="http://schemas.microsoft.com/office/drawing/2014/main" id="{1CFB4347-8E20-D40F-8FA1-63CE6D44BF78}"/>
+              </a:ext>
+            </a:extLst>
+          </p:cNvPr>
+          <p:cNvSpPr txBox="1"/>
+          <p:nvPr/>
+        </p:nvSpPr>
+        <p:spPr>
+          <a:xfrm>
+            <a:off x="942387" y="1559356"/>
+            <a:ext cx="10237694" cy="369332"/>
+          </a:xfrm>
+          <a:prstGeom prst="rect">
+            <a:avLst/>
+          </a:prstGeom>
+          <a:noFill/>
+        </p:spPr>
+        <p:txBody>
+          <a:bodyPr wrap="square" rtlCol="0">
+            <a:spAutoFit/>
+          </a:bodyPr>
+          <a:lstStyle/>
+          <a:p>
+            <a:r>
+              <a:rPr lang="ko-KR" altLang="en-US" dirty="0">
+                <a:latin typeface="나눔스퀘어 Light" panose="020B0600000101010101" pitchFamily="50" charset="-127"/>
+                <a:ea typeface="나눔스퀘어 Light" panose="020B0600000101010101" pitchFamily="50" charset="-127"/>
+              </a:rPr>
+              <a:t>코딩 테스트에서도 빠질 수가 없는 매우 자주 출제되는 문제 유형 입니다</a:t>
+            </a:r>
+            <a:r>
+              <a:rPr lang="en-US" altLang="ko-KR" dirty="0">
+                <a:latin typeface="나눔스퀘어 Light" panose="020B0600000101010101" pitchFamily="50" charset="-127"/>
+                <a:ea typeface="나눔스퀘어 Light" panose="020B0600000101010101" pitchFamily="50" charset="-127"/>
+              </a:rPr>
+              <a:t>.</a:t>
+            </a:r>
+            <a:endParaRPr lang="ko-KR" altLang="en-US" dirty="0">
+              <a:latin typeface="나눔스퀘어 Light" panose="020B0600000101010101" pitchFamily="50" charset="-127"/>
+              <a:ea typeface="나눔스퀘어 Light" panose="020B0600000101010101" pitchFamily="50" charset="-127"/>
+            </a:endParaRPr>
           </a:p>
         </p:txBody>
       </p:sp>
       <p:pic>
         <p:nvPicPr>
-          <p:cNvPr id="2" name="그림 1">
-            <a:extLst>
-              <a:ext uri="{FF2B5EF4-FFF2-40B4-BE49-F238E27FC236}">
-                <a16:creationId xmlns:a16="http://schemas.microsoft.com/office/drawing/2014/main" id="{F9F90B83-A127-A078-7B59-D156D7C5C773}"/>
+          <p:cNvPr id="8" name="그림 7">
+            <a:extLst>
+              <a:ext uri="{FF2B5EF4-FFF2-40B4-BE49-F238E27FC236}">
+                <a16:creationId xmlns:a16="http://schemas.microsoft.com/office/drawing/2014/main" id="{2B9AD5DD-3651-B5D2-F475-95EFCC7A0FF7}"/>
               </a:ext>
             </a:extLst>
           </p:cNvPr>
@@ -4831,18 +8788,213 @@
         </p:blipFill>
         <p:spPr>
           <a:xfrm>
-            <a:off x="331694" y="1061707"/>
-            <a:ext cx="10259857" cy="4734586"/>
+            <a:off x="1011918" y="2953926"/>
+            <a:ext cx="10168163" cy="2483428"/>
           </a:xfrm>
           <a:prstGeom prst="rect">
             <a:avLst/>
           </a:prstGeom>
         </p:spPr>
       </p:pic>
+      <p:sp>
+        <p:nvSpPr>
+          <p:cNvPr id="9" name="직사각형 8">
+            <a:extLst>
+              <a:ext uri="{FF2B5EF4-FFF2-40B4-BE49-F238E27FC236}">
+                <a16:creationId xmlns:a16="http://schemas.microsoft.com/office/drawing/2014/main" id="{CE909C10-522E-0A16-3DD4-8680580E27F7}"/>
+              </a:ext>
+            </a:extLst>
+          </p:cNvPr>
+          <p:cNvSpPr/>
+          <p:nvPr/>
+        </p:nvSpPr>
+        <p:spPr>
+          <a:xfrm>
+            <a:off x="1103884" y="4738255"/>
+            <a:ext cx="9804261" cy="304800"/>
+          </a:xfrm>
+          <a:prstGeom prst="rect">
+            <a:avLst/>
+          </a:prstGeom>
+          <a:noFill/>
+          <a:ln w="28575">
+            <a:solidFill>
+              <a:srgbClr val="FF0000"/>
+            </a:solidFill>
+          </a:ln>
+        </p:spPr>
+        <p:style>
+          <a:lnRef idx="2">
+            <a:schemeClr val="accent1">
+              <a:shade val="50000"/>
+            </a:schemeClr>
+          </a:lnRef>
+          <a:fillRef idx="1">
+            <a:schemeClr val="accent1"/>
+          </a:fillRef>
+          <a:effectRef idx="0">
+            <a:schemeClr val="accent1"/>
+          </a:effectRef>
+          <a:fontRef idx="minor">
+            <a:schemeClr val="lt1"/>
+          </a:fontRef>
+        </p:style>
+        <p:txBody>
+          <a:bodyPr rtlCol="0" anchor="ctr"/>
+          <a:lstStyle/>
+          <a:p>
+            <a:pPr algn="ctr"/>
+            <a:endParaRPr lang="ko-KR" altLang="en-US"/>
+          </a:p>
+        </p:txBody>
+      </p:sp>
+      <p:sp>
+        <p:nvSpPr>
+          <p:cNvPr id="10" name="TextBox 9">
+            <a:extLst>
+              <a:ext uri="{FF2B5EF4-FFF2-40B4-BE49-F238E27FC236}">
+                <a16:creationId xmlns:a16="http://schemas.microsoft.com/office/drawing/2014/main" id="{38E5F3DC-50E5-D85D-C1F4-25CB1529C52F}"/>
+              </a:ext>
+            </a:extLst>
+          </p:cNvPr>
+          <p:cNvSpPr txBox="1"/>
+          <p:nvPr/>
+        </p:nvSpPr>
+        <p:spPr>
+          <a:xfrm>
+            <a:off x="942387" y="5667976"/>
+            <a:ext cx="10237694" cy="369332"/>
+          </a:xfrm>
+          <a:prstGeom prst="rect">
+            <a:avLst/>
+          </a:prstGeom>
+          <a:noFill/>
+        </p:spPr>
+        <p:txBody>
+          <a:bodyPr wrap="square" rtlCol="0">
+            <a:spAutoFit/>
+          </a:bodyPr>
+          <a:lstStyle/>
+          <a:p>
+            <a:r>
+              <a:rPr lang="ko-KR" altLang="en-US" dirty="0">
+                <a:latin typeface="나눔스퀘어 Light" panose="020B0600000101010101" pitchFamily="50" charset="-127"/>
+                <a:ea typeface="나눔스퀘어 Light" panose="020B0600000101010101" pitchFamily="50" charset="-127"/>
+              </a:rPr>
+              <a:t>▲ 백준 가장 많은 문제 유형 </a:t>
+            </a:r>
+            <a:r>
+              <a:rPr lang="en-US" altLang="ko-KR" dirty="0">
+                <a:latin typeface="나눔스퀘어 Light" panose="020B0600000101010101" pitchFamily="50" charset="-127"/>
+                <a:ea typeface="나눔스퀘어 Light" panose="020B0600000101010101" pitchFamily="50" charset="-127"/>
+              </a:rPr>
+              <a:t>Top 5 </a:t>
+            </a:r>
+            <a:r>
+              <a:rPr lang="ko-KR" altLang="en-US" dirty="0">
+                <a:latin typeface="나눔스퀘어 Light" panose="020B0600000101010101" pitchFamily="50" charset="-127"/>
+                <a:ea typeface="나눔스퀘어 Light" panose="020B0600000101010101" pitchFamily="50" charset="-127"/>
+              </a:rPr>
+              <a:t>안에 듦</a:t>
+            </a:r>
+          </a:p>
+        </p:txBody>
+      </p:sp>
+      <p:sp>
+        <p:nvSpPr>
+          <p:cNvPr id="11" name="TextBox 10">
+            <a:extLst>
+              <a:ext uri="{FF2B5EF4-FFF2-40B4-BE49-F238E27FC236}">
+                <a16:creationId xmlns:a16="http://schemas.microsoft.com/office/drawing/2014/main" id="{16646496-CC42-4CB0-A74E-57643995DB18}"/>
+              </a:ext>
+            </a:extLst>
+          </p:cNvPr>
+          <p:cNvSpPr txBox="1"/>
+          <p:nvPr/>
+        </p:nvSpPr>
+        <p:spPr>
+          <a:xfrm>
+            <a:off x="942387" y="2256641"/>
+            <a:ext cx="10237694" cy="369332"/>
+          </a:xfrm>
+          <a:prstGeom prst="rect">
+            <a:avLst/>
+          </a:prstGeom>
+          <a:noFill/>
+        </p:spPr>
+        <p:txBody>
+          <a:bodyPr wrap="square" rtlCol="0">
+            <a:spAutoFit/>
+          </a:bodyPr>
+          <a:lstStyle/>
+          <a:p>
+            <a:r>
+              <a:rPr lang="ko-KR" altLang="en-US" dirty="0">
+                <a:latin typeface="나눔스퀘어 Light" panose="020B0600000101010101" pitchFamily="50" charset="-127"/>
+                <a:ea typeface="나눔스퀘어 Light" panose="020B0600000101010101" pitchFamily="50" charset="-127"/>
+              </a:rPr>
+              <a:t>최다 빈출 유형인 만큼</a:t>
+            </a:r>
+            <a:r>
+              <a:rPr lang="en-US" altLang="ko-KR" dirty="0">
+                <a:latin typeface="나눔스퀘어 Light" panose="020B0600000101010101" pitchFamily="50" charset="-127"/>
+                <a:ea typeface="나눔스퀘어 Light" panose="020B0600000101010101" pitchFamily="50" charset="-127"/>
+              </a:rPr>
+              <a:t> </a:t>
+            </a:r>
+            <a:r>
+              <a:rPr lang="ko-KR" altLang="en-US" dirty="0">
+                <a:latin typeface="나눔스퀘어 Light" panose="020B0600000101010101" pitchFamily="50" charset="-127"/>
+                <a:ea typeface="나눔스퀘어 Light" panose="020B0600000101010101" pitchFamily="50" charset="-127"/>
+              </a:rPr>
+              <a:t>중요하니</a:t>
+            </a:r>
+            <a:r>
+              <a:rPr lang="en-US" altLang="ko-KR" dirty="0">
+                <a:latin typeface="나눔스퀘어 Light" panose="020B0600000101010101" pitchFamily="50" charset="-127"/>
+                <a:ea typeface="나눔스퀘어 Light" panose="020B0600000101010101" pitchFamily="50" charset="-127"/>
+              </a:rPr>
+              <a:t>, </a:t>
+            </a:r>
+            <a:r>
+              <a:rPr lang="ko-KR" altLang="en-US" dirty="0">
+                <a:latin typeface="나눔스퀘어 Light" panose="020B0600000101010101" pitchFamily="50" charset="-127"/>
+                <a:ea typeface="나눔스퀘어 Light" panose="020B0600000101010101" pitchFamily="50" charset="-127"/>
+              </a:rPr>
+              <a:t>이를 대비하신다면 확실하게 </a:t>
+            </a:r>
+            <a:r>
+              <a:rPr lang="ko-KR" altLang="en-US" dirty="0" err="1">
+                <a:latin typeface="나눔스퀘어 Light" panose="020B0600000101010101" pitchFamily="50" charset="-127"/>
+                <a:ea typeface="나눔스퀘어 Light" panose="020B0600000101010101" pitchFamily="50" charset="-127"/>
+              </a:rPr>
+              <a:t>준비하시는게</a:t>
+            </a:r>
+            <a:r>
+              <a:rPr lang="ko-KR" altLang="en-US" dirty="0">
+                <a:latin typeface="나눔스퀘어 Light" panose="020B0600000101010101" pitchFamily="50" charset="-127"/>
+                <a:ea typeface="나눔스퀘어 Light" panose="020B0600000101010101" pitchFamily="50" charset="-127"/>
+              </a:rPr>
+              <a:t> 좋습니다</a:t>
+            </a:r>
+            <a:r>
+              <a:rPr lang="en-US" altLang="ko-KR" dirty="0">
+                <a:latin typeface="나눔스퀘어 Light" panose="020B0600000101010101" pitchFamily="50" charset="-127"/>
+                <a:ea typeface="나눔스퀘어 Light" panose="020B0600000101010101" pitchFamily="50" charset="-127"/>
+              </a:rPr>
+              <a:t>.</a:t>
+            </a:r>
+            <a:endParaRPr lang="ko-KR" altLang="en-US" dirty="0">
+              <a:latin typeface="나눔스퀘어 Light" panose="020B0600000101010101" pitchFamily="50" charset="-127"/>
+              <a:ea typeface="나눔스퀘어 Light" panose="020B0600000101010101" pitchFamily="50" charset="-127"/>
+            </a:endParaRPr>
+          </a:p>
+        </p:txBody>
+      </p:sp>
     </p:spTree>
     <p:extLst>
       <p:ext uri="{BB962C8B-B14F-4D97-AF65-F5344CB8AC3E}">
-        <p14:creationId xmlns:p14="http://schemas.microsoft.com/office/powerpoint/2010/main" val="1360498889"/>
+        <p14:creationId xmlns:p14="http://schemas.microsoft.com/office/powerpoint/2010/main" val="2515636093"/>
       </p:ext>
     </p:extLst>
   </p:cSld>
@@ -4915,10 +9067,10 @@
       </p:cxnSp>
       <p:sp>
         <p:nvSpPr>
-          <p:cNvPr id="7" name="TextBox 6">
-            <a:extLst>
-              <a:ext uri="{FF2B5EF4-FFF2-40B4-BE49-F238E27FC236}">
-                <a16:creationId xmlns:a16="http://schemas.microsoft.com/office/drawing/2014/main" id="{5B474655-BD78-E334-950C-B8C17B96E7D6}"/>
+          <p:cNvPr id="6" name="TextBox 5">
+            <a:extLst>
+              <a:ext uri="{FF2B5EF4-FFF2-40B4-BE49-F238E27FC236}">
+                <a16:creationId xmlns:a16="http://schemas.microsoft.com/office/drawing/2014/main" id="{908ED9B9-09D3-CFA8-625A-6F9BB9B6BD23}"/>
               </a:ext>
             </a:extLst>
           </p:cNvPr>
@@ -4927,7 +9079,79 @@
         </p:nvSpPr>
         <p:spPr>
           <a:xfrm>
-            <a:off x="942387" y="1190024"/>
+            <a:off x="331694" y="177505"/>
+            <a:ext cx="788999" cy="523220"/>
+          </a:xfrm>
+          <a:prstGeom prst="rect">
+            <a:avLst/>
+          </a:prstGeom>
+          <a:noFill/>
+        </p:spPr>
+        <p:txBody>
+          <a:bodyPr wrap="none" rtlCol="0">
+            <a:spAutoFit/>
+          </a:bodyPr>
+          <a:lstStyle/>
+          <a:p>
+            <a:r>
+              <a:rPr lang="en-US" altLang="ko-KR" sz="2800" dirty="0">
+                <a:latin typeface="나눔스퀘어 Bold" panose="020B0600000101010101" pitchFamily="50" charset="-127"/>
+                <a:ea typeface="나눔스퀘어 Bold" panose="020B0600000101010101" pitchFamily="50" charset="-127"/>
+              </a:rPr>
+              <a:t>TMI</a:t>
+            </a:r>
+            <a:endParaRPr lang="ko-KR" altLang="en-US" sz="2800" dirty="0">
+              <a:latin typeface="나눔스퀘어 Bold" panose="020B0600000101010101" pitchFamily="50" charset="-127"/>
+              <a:ea typeface="나눔스퀘어 Bold" panose="020B0600000101010101" pitchFamily="50" charset="-127"/>
+            </a:endParaRPr>
+          </a:p>
+        </p:txBody>
+      </p:sp>
+      <p:pic>
+        <p:nvPicPr>
+          <p:cNvPr id="17" name="그림 16">
+            <a:extLst>
+              <a:ext uri="{FF2B5EF4-FFF2-40B4-BE49-F238E27FC236}">
+                <a16:creationId xmlns:a16="http://schemas.microsoft.com/office/drawing/2014/main" id="{7F32B82D-2AFF-B3C1-79BC-121B795E0099}"/>
+              </a:ext>
+            </a:extLst>
+          </p:cNvPr>
+          <p:cNvPicPr>
+            <a:picLocks noChangeAspect="1"/>
+          </p:cNvPicPr>
+          <p:nvPr/>
+        </p:nvPicPr>
+        <p:blipFill>
+          <a:blip r:embed="rId2"/>
+          <a:stretch>
+            <a:fillRect/>
+          </a:stretch>
+        </p:blipFill>
+        <p:spPr>
+          <a:xfrm>
+            <a:off x="726193" y="999190"/>
+            <a:ext cx="8688012" cy="5001323"/>
+          </a:xfrm>
+          <a:prstGeom prst="rect">
+            <a:avLst/>
+          </a:prstGeom>
+        </p:spPr>
+      </p:pic>
+      <p:sp>
+        <p:nvSpPr>
+          <p:cNvPr id="18" name="TextBox 17">
+            <a:extLst>
+              <a:ext uri="{FF2B5EF4-FFF2-40B4-BE49-F238E27FC236}">
+                <a16:creationId xmlns:a16="http://schemas.microsoft.com/office/drawing/2014/main" id="{7CE0C905-171C-32D6-AE8A-A595335E8944}"/>
+              </a:ext>
+            </a:extLst>
+          </p:cNvPr>
+          <p:cNvSpPr txBox="1"/>
+          <p:nvPr/>
+        </p:nvSpPr>
+        <p:spPr>
+          <a:xfrm>
+            <a:off x="942387" y="6112197"/>
             <a:ext cx="10237694" cy="369332"/>
           </a:xfrm>
           <a:prstGeom prst="rect">
@@ -4946,105 +9170,7 @@
                 <a:latin typeface="나눔스퀘어 Light" panose="020B0600000101010101" pitchFamily="50" charset="-127"/>
                 <a:ea typeface="나눔스퀘어 Light" panose="020B0600000101010101" pitchFamily="50" charset="-127"/>
               </a:rPr>
-              <a:t>스택을 직접 구현해보는 과제를 내드렸었는데</a:t>
-            </a:r>
-            <a:r>
-              <a:rPr lang="en-US" altLang="ko-KR" dirty="0">
-                <a:latin typeface="나눔스퀘어 Light" panose="020B0600000101010101" pitchFamily="50" charset="-127"/>
-                <a:ea typeface="나눔스퀘어 Light" panose="020B0600000101010101" pitchFamily="50" charset="-127"/>
-              </a:rPr>
-              <a:t>, </a:t>
-            </a:r>
-            <a:r>
-              <a:rPr lang="ko-KR" altLang="en-US" dirty="0">
-                <a:latin typeface="나눔스퀘어 Light" panose="020B0600000101010101" pitchFamily="50" charset="-127"/>
-                <a:ea typeface="나눔스퀘어 Light" panose="020B0600000101010101" pitchFamily="50" charset="-127"/>
-              </a:rPr>
-              <a:t>그 스택이 올바르게 </a:t>
-            </a:r>
-            <a:r>
-              <a:rPr lang="ko-KR" altLang="en-US" dirty="0" err="1">
-                <a:latin typeface="나눔스퀘어 Light" panose="020B0600000101010101" pitchFamily="50" charset="-127"/>
-                <a:ea typeface="나눔스퀘어 Light" panose="020B0600000101010101" pitchFamily="50" charset="-127"/>
-              </a:rPr>
-              <a:t>구현됬는지</a:t>
-            </a:r>
-            <a:r>
-              <a:rPr lang="ko-KR" altLang="en-US" dirty="0">
-                <a:latin typeface="나눔스퀘어 Light" panose="020B0600000101010101" pitchFamily="50" charset="-127"/>
-                <a:ea typeface="나눔스퀘어 Light" panose="020B0600000101010101" pitchFamily="50" charset="-127"/>
-              </a:rPr>
-              <a:t> 채점할 수 있는 문제입니다</a:t>
-            </a:r>
-            <a:r>
-              <a:rPr lang="en-US" altLang="ko-KR" dirty="0">
-                <a:latin typeface="나눔스퀘어 Light" panose="020B0600000101010101" pitchFamily="50" charset="-127"/>
-                <a:ea typeface="나눔스퀘어 Light" panose="020B0600000101010101" pitchFamily="50" charset="-127"/>
-              </a:rPr>
-              <a:t>.</a:t>
-            </a:r>
-            <a:endParaRPr lang="ko-KR" altLang="en-US" dirty="0">
-              <a:latin typeface="나눔스퀘어 Light" panose="020B0600000101010101" pitchFamily="50" charset="-127"/>
-              <a:ea typeface="나눔스퀘어 Light" panose="020B0600000101010101" pitchFamily="50" charset="-127"/>
-            </a:endParaRPr>
-          </a:p>
-        </p:txBody>
-      </p:sp>
-      <p:sp>
-        <p:nvSpPr>
-          <p:cNvPr id="2" name="TextBox 1">
-            <a:extLst>
-              <a:ext uri="{FF2B5EF4-FFF2-40B4-BE49-F238E27FC236}">
-                <a16:creationId xmlns:a16="http://schemas.microsoft.com/office/drawing/2014/main" id="{25257D0D-4D82-43C3-E0F3-2BB7175C16E3}"/>
-              </a:ext>
-            </a:extLst>
-          </p:cNvPr>
-          <p:cNvSpPr txBox="1"/>
-          <p:nvPr/>
-        </p:nvSpPr>
-        <p:spPr>
-          <a:xfrm>
-            <a:off x="331694" y="177505"/>
-            <a:ext cx="3621697" cy="523220"/>
-          </a:xfrm>
-          <a:prstGeom prst="rect">
-            <a:avLst/>
-          </a:prstGeom>
-          <a:noFill/>
-        </p:spPr>
-        <p:txBody>
-          <a:bodyPr wrap="none" rtlCol="0">
-            <a:spAutoFit/>
-          </a:bodyPr>
-          <a:lstStyle/>
-          <a:p>
-            <a:r>
-              <a:rPr lang="en-US" altLang="ko-KR" sz="2800" dirty="0">
-                <a:latin typeface="나눔스퀘어 Bold" panose="020B0600000101010101" pitchFamily="50" charset="-127"/>
-                <a:ea typeface="나눔스퀘어 Bold" panose="020B0600000101010101" pitchFamily="50" charset="-127"/>
-              </a:rPr>
-              <a:t>Tree</a:t>
-            </a:r>
-            <a:r>
-              <a:rPr lang="ko-KR" altLang="en-US" sz="2800" dirty="0">
-                <a:latin typeface="나눔스퀘어 Bold" panose="020B0600000101010101" pitchFamily="50" charset="-127"/>
-                <a:ea typeface="나눔스퀘어 Bold" panose="020B0600000101010101" pitchFamily="50" charset="-127"/>
-              </a:rPr>
-              <a:t> </a:t>
-            </a:r>
-            <a:r>
-              <a:rPr lang="en-US" altLang="ko-KR" sz="2800" dirty="0">
-                <a:latin typeface="나눔스퀘어 Bold" panose="020B0600000101010101" pitchFamily="50" charset="-127"/>
-                <a:ea typeface="나눔스퀘어 Bold" panose="020B0600000101010101" pitchFamily="50" charset="-127"/>
-              </a:rPr>
-              <a:t>– 1991 </a:t>
-            </a:r>
-            <a:r>
-              <a:rPr lang="ko-KR" altLang="en-US" sz="2800" dirty="0">
-                <a:latin typeface="나눔스퀘어 Bold" panose="020B0600000101010101" pitchFamily="50" charset="-127"/>
-                <a:ea typeface="나눔스퀘어 Bold" panose="020B0600000101010101" pitchFamily="50" charset="-127"/>
-              </a:rPr>
-              <a:t>트리 순회</a:t>
+              <a:t>▲ 코딩 테스트 최다 빈출 유형</a:t>
             </a:r>
           </a:p>
         </p:txBody>
@@ -5052,7 +9178,7 @@
     </p:spTree>
     <p:extLst>
       <p:ext uri="{BB962C8B-B14F-4D97-AF65-F5344CB8AC3E}">
-        <p14:creationId xmlns:p14="http://schemas.microsoft.com/office/powerpoint/2010/main" val="3876913043"/>
+        <p14:creationId xmlns:p14="http://schemas.microsoft.com/office/powerpoint/2010/main" val="632406188"/>
       </p:ext>
     </p:extLst>
   </p:cSld>
@@ -5138,7 +9264,7 @@
         <p:spPr>
           <a:xfrm>
             <a:off x="331694" y="177505"/>
-            <a:ext cx="4912114" cy="523220"/>
+            <a:ext cx="3621697" cy="523220"/>
           </a:xfrm>
           <a:prstGeom prst="rect">
             <a:avLst/>
@@ -5170,24 +9296,24 @@
                 <a:latin typeface="나눔스퀘어 Bold" panose="020B0600000101010101" pitchFamily="50" charset="-127"/>
                 <a:ea typeface="나눔스퀘어 Bold" panose="020B0600000101010101" pitchFamily="50" charset="-127"/>
               </a:rPr>
-              <a:t>– 11725 </a:t>
+              <a:t>– 1991 </a:t>
             </a:r>
             <a:r>
               <a:rPr lang="ko-KR" altLang="en-US" sz="2800" dirty="0">
                 <a:latin typeface="나눔스퀘어 Bold" panose="020B0600000101010101" pitchFamily="50" charset="-127"/>
                 <a:ea typeface="나눔스퀘어 Bold" panose="020B0600000101010101" pitchFamily="50" charset="-127"/>
               </a:rPr>
-              <a:t>트리의 부모 찾기</a:t>
+              <a:t>트리 순회</a:t>
             </a:r>
           </a:p>
         </p:txBody>
       </p:sp>
       <p:pic>
         <p:nvPicPr>
-          <p:cNvPr id="6" name="그림 5">
-            <a:extLst>
-              <a:ext uri="{FF2B5EF4-FFF2-40B4-BE49-F238E27FC236}">
-                <a16:creationId xmlns:a16="http://schemas.microsoft.com/office/drawing/2014/main" id="{D2C52889-E063-DA44-4633-356A09FD45EB}"/>
+          <p:cNvPr id="2" name="그림 1">
+            <a:extLst>
+              <a:ext uri="{FF2B5EF4-FFF2-40B4-BE49-F238E27FC236}">
+                <a16:creationId xmlns:a16="http://schemas.microsoft.com/office/drawing/2014/main" id="{F9F90B83-A127-A078-7B59-D156D7C5C773}"/>
               </a:ext>
             </a:extLst>
           </p:cNvPr>
@@ -5204,8 +9330,8 @@
         </p:blipFill>
         <p:spPr>
           <a:xfrm>
-            <a:off x="331694" y="966727"/>
-            <a:ext cx="7830643" cy="5649113"/>
+            <a:off x="331694" y="1061707"/>
+            <a:ext cx="10259857" cy="4734586"/>
           </a:xfrm>
           <a:prstGeom prst="rect">
             <a:avLst/>
@@ -5215,7 +9341,7 @@
     </p:spTree>
     <p:extLst>
       <p:ext uri="{BB962C8B-B14F-4D97-AF65-F5344CB8AC3E}">
-        <p14:creationId xmlns:p14="http://schemas.microsoft.com/office/powerpoint/2010/main" val="1453913227"/>
+        <p14:creationId xmlns:p14="http://schemas.microsoft.com/office/powerpoint/2010/main" val="1360498889"/>
       </p:ext>
     </p:extLst>
   </p:cSld>
@@ -5288,10 +9414,10 @@
       </p:cxnSp>
       <p:sp>
         <p:nvSpPr>
-          <p:cNvPr id="3" name="TextBox 2">
-            <a:extLst>
-              <a:ext uri="{FF2B5EF4-FFF2-40B4-BE49-F238E27FC236}">
-                <a16:creationId xmlns:a16="http://schemas.microsoft.com/office/drawing/2014/main" id="{DED99750-0EE1-C88D-2F22-1EE36DBD23B3}"/>
+          <p:cNvPr id="7" name="TextBox 6">
+            <a:extLst>
+              <a:ext uri="{FF2B5EF4-FFF2-40B4-BE49-F238E27FC236}">
+                <a16:creationId xmlns:a16="http://schemas.microsoft.com/office/drawing/2014/main" id="{5B474655-BD78-E334-950C-B8C17B96E7D6}"/>
               </a:ext>
             </a:extLst>
           </p:cNvPr>
@@ -5319,7 +9445,21 @@
                 <a:latin typeface="나눔스퀘어 Light" panose="020B0600000101010101" pitchFamily="50" charset="-127"/>
                 <a:ea typeface="나눔스퀘어 Light" panose="020B0600000101010101" pitchFamily="50" charset="-127"/>
               </a:rPr>
-              <a:t>우선 후위 표기식의 원리를 알아야 합니다</a:t>
+              <a:t>앞의 페이지에서 보았듯이</a:t>
+            </a:r>
+            <a:r>
+              <a:rPr lang="en-US" altLang="ko-KR" dirty="0">
+                <a:latin typeface="나눔스퀘어 Light" panose="020B0600000101010101" pitchFamily="50" charset="-127"/>
+                <a:ea typeface="나눔스퀘어 Light" panose="020B0600000101010101" pitchFamily="50" charset="-127"/>
+              </a:rPr>
+              <a:t>, </a:t>
+            </a:r>
+            <a:r>
+              <a:rPr lang="ko-KR" altLang="en-US" dirty="0">
+                <a:latin typeface="나눔스퀘어 Light" panose="020B0600000101010101" pitchFamily="50" charset="-127"/>
+                <a:ea typeface="나눔스퀘어 Light" panose="020B0600000101010101" pitchFamily="50" charset="-127"/>
+              </a:rPr>
+              <a:t>트리 순회는 재귀적으로 구현할 수 있습니다</a:t>
             </a:r>
             <a:r>
               <a:rPr lang="en-US" altLang="ko-KR" dirty="0">
@@ -5337,10 +9477,69 @@
       </p:sp>
       <p:sp>
         <p:nvSpPr>
-          <p:cNvPr id="6" name="TextBox 5">
-            <a:extLst>
-              <a:ext uri="{FF2B5EF4-FFF2-40B4-BE49-F238E27FC236}">
-                <a16:creationId xmlns:a16="http://schemas.microsoft.com/office/drawing/2014/main" id="{1ABB7C3D-1A1B-469B-817C-E2D8EDC86C60}"/>
+          <p:cNvPr id="2" name="TextBox 1">
+            <a:extLst>
+              <a:ext uri="{FF2B5EF4-FFF2-40B4-BE49-F238E27FC236}">
+                <a16:creationId xmlns:a16="http://schemas.microsoft.com/office/drawing/2014/main" id="{25257D0D-4D82-43C3-E0F3-2BB7175C16E3}"/>
+              </a:ext>
+            </a:extLst>
+          </p:cNvPr>
+          <p:cNvSpPr txBox="1"/>
+          <p:nvPr/>
+        </p:nvSpPr>
+        <p:spPr>
+          <a:xfrm>
+            <a:off x="331694" y="177505"/>
+            <a:ext cx="3621697" cy="523220"/>
+          </a:xfrm>
+          <a:prstGeom prst="rect">
+            <a:avLst/>
+          </a:prstGeom>
+          <a:noFill/>
+        </p:spPr>
+        <p:txBody>
+          <a:bodyPr wrap="none" rtlCol="0">
+            <a:spAutoFit/>
+          </a:bodyPr>
+          <a:lstStyle/>
+          <a:p>
+            <a:r>
+              <a:rPr lang="en-US" altLang="ko-KR" sz="2800" dirty="0">
+                <a:latin typeface="나눔스퀘어 Bold" panose="020B0600000101010101" pitchFamily="50" charset="-127"/>
+                <a:ea typeface="나눔스퀘어 Bold" panose="020B0600000101010101" pitchFamily="50" charset="-127"/>
+              </a:rPr>
+              <a:t>Tree</a:t>
+            </a:r>
+            <a:r>
+              <a:rPr lang="ko-KR" altLang="en-US" sz="2800" dirty="0">
+                <a:latin typeface="나눔스퀘어 Bold" panose="020B0600000101010101" pitchFamily="50" charset="-127"/>
+                <a:ea typeface="나눔스퀘어 Bold" panose="020B0600000101010101" pitchFamily="50" charset="-127"/>
+              </a:rPr>
+              <a:t> </a:t>
+            </a:r>
+            <a:r>
+              <a:rPr lang="en-US" altLang="ko-KR" sz="2800" dirty="0">
+                <a:latin typeface="나눔스퀘어 Bold" panose="020B0600000101010101" pitchFamily="50" charset="-127"/>
+                <a:ea typeface="나눔스퀘어 Bold" panose="020B0600000101010101" pitchFamily="50" charset="-127"/>
+              </a:rPr>
+              <a:t>– 1991 </a:t>
+            </a:r>
+            <a:r>
+              <a:rPr lang="ko-KR" altLang="en-US" sz="2800" dirty="0">
+                <a:latin typeface="나눔스퀘어 Bold" panose="020B0600000101010101" pitchFamily="50" charset="-127"/>
+                <a:ea typeface="나눔스퀘어 Bold" panose="020B0600000101010101" pitchFamily="50" charset="-127"/>
+              </a:rPr>
+              <a:t>트리 순회</a:t>
+            </a:r>
+          </a:p>
+        </p:txBody>
+      </p:sp>
+      <p:sp>
+        <p:nvSpPr>
+          <p:cNvPr id="3" name="TextBox 2">
+            <a:extLst>
+              <a:ext uri="{FF2B5EF4-FFF2-40B4-BE49-F238E27FC236}">
+                <a16:creationId xmlns:a16="http://schemas.microsoft.com/office/drawing/2014/main" id="{092F1116-411F-E603-FF42-8C480BF7EFC7}"/>
               </a:ext>
             </a:extLst>
           </p:cNvPr>
@@ -5368,7 +9567,21 @@
                 <a:latin typeface="나눔스퀘어 Light" panose="020B0600000101010101" pitchFamily="50" charset="-127"/>
                 <a:ea typeface="나눔스퀘어 Light" panose="020B0600000101010101" pitchFamily="50" charset="-127"/>
               </a:rPr>
-              <a:t>후위 표기식이란</a:t>
+              <a:t>루트를 몇 번째에 </a:t>
+            </a:r>
+            <a:r>
+              <a:rPr lang="ko-KR" altLang="en-US" dirty="0" err="1">
+                <a:latin typeface="나눔스퀘어 Light" panose="020B0600000101010101" pitchFamily="50" charset="-127"/>
+                <a:ea typeface="나눔스퀘어 Light" panose="020B0600000101010101" pitchFamily="50" charset="-127"/>
+              </a:rPr>
+              <a:t>방문하느냐에</a:t>
+            </a:r>
+            <a:r>
+              <a:rPr lang="ko-KR" altLang="en-US" dirty="0">
+                <a:latin typeface="나눔스퀘어 Light" panose="020B0600000101010101" pitchFamily="50" charset="-127"/>
+                <a:ea typeface="나눔스퀘어 Light" panose="020B0600000101010101" pitchFamily="50" charset="-127"/>
+              </a:rPr>
+              <a:t> 따라</a:t>
             </a:r>
             <a:r>
               <a:rPr lang="en-US" altLang="ko-KR" dirty="0">
@@ -5382,10 +9595,38 @@
                 <a:latin typeface="나눔스퀘어 Light" panose="020B0600000101010101" pitchFamily="50" charset="-127"/>
                 <a:ea typeface="나눔스퀘어 Light" panose="020B0600000101010101" pitchFamily="50" charset="-127"/>
               </a:rPr>
-              <a:t>말 그대로 연산자가 피연산자의 뒤에 있는 수식을 의미합니다</a:t>
-            </a:r>
-            <a:r>
-              <a:rPr lang="en-US" altLang="ko-KR">
+              <a:t>전위 </a:t>
+            </a:r>
+            <a:r>
+              <a:rPr lang="en-US" altLang="ko-KR" dirty="0">
+                <a:latin typeface="나눔스퀘어 Light" panose="020B0600000101010101" pitchFamily="50" charset="-127"/>
+                <a:ea typeface="나눔스퀘어 Light" panose="020B0600000101010101" pitchFamily="50" charset="-127"/>
+              </a:rPr>
+              <a:t>/ </a:t>
+            </a:r>
+            <a:r>
+              <a:rPr lang="ko-KR" altLang="en-US" dirty="0">
+                <a:latin typeface="나눔스퀘어 Light" panose="020B0600000101010101" pitchFamily="50" charset="-127"/>
+                <a:ea typeface="나눔스퀘어 Light" panose="020B0600000101010101" pitchFamily="50" charset="-127"/>
+              </a:rPr>
+              <a:t>중위 </a:t>
+            </a:r>
+            <a:r>
+              <a:rPr lang="en-US" altLang="ko-KR" dirty="0">
+                <a:latin typeface="나눔스퀘어 Light" panose="020B0600000101010101" pitchFamily="50" charset="-127"/>
+                <a:ea typeface="나눔스퀘어 Light" panose="020B0600000101010101" pitchFamily="50" charset="-127"/>
+              </a:rPr>
+              <a:t>/ </a:t>
+            </a:r>
+            <a:r>
+              <a:rPr lang="ko-KR" altLang="en-US" dirty="0">
+                <a:latin typeface="나눔스퀘어 Light" panose="020B0600000101010101" pitchFamily="50" charset="-127"/>
+                <a:ea typeface="나눔스퀘어 Light" panose="020B0600000101010101" pitchFamily="50" charset="-127"/>
+              </a:rPr>
+              <a:t>후위 순회로 나뉩니다</a:t>
+            </a:r>
+            <a:r>
+              <a:rPr lang="en-US" altLang="ko-KR" dirty="0">
                 <a:latin typeface="나눔스퀘어 Light" panose="020B0600000101010101" pitchFamily="50" charset="-127"/>
                 <a:ea typeface="나눔스퀘어 Light" panose="020B0600000101010101" pitchFamily="50" charset="-127"/>
               </a:rPr>
@@ -5398,457 +9639,100 @@
           </a:p>
         </p:txBody>
       </p:sp>
-      <p:sp>
-        <p:nvSpPr>
-          <p:cNvPr id="4" name="TextBox 3">
-            <a:extLst>
-              <a:ext uri="{FF2B5EF4-FFF2-40B4-BE49-F238E27FC236}">
-                <a16:creationId xmlns:a16="http://schemas.microsoft.com/office/drawing/2014/main" id="{77C91571-4639-DE6D-2E91-64CE8911ABF4}"/>
-              </a:ext>
-            </a:extLst>
-          </p:cNvPr>
-          <p:cNvSpPr txBox="1"/>
-          <p:nvPr/>
-        </p:nvSpPr>
-        <p:spPr>
-          <a:xfrm>
-            <a:off x="942387" y="2298020"/>
-            <a:ext cx="10237694" cy="369332"/>
+      <p:pic>
+        <p:nvPicPr>
+          <p:cNvPr id="4" name="그림 3">
+            <a:extLst>
+              <a:ext uri="{FF2B5EF4-FFF2-40B4-BE49-F238E27FC236}">
+                <a16:creationId xmlns:a16="http://schemas.microsoft.com/office/drawing/2014/main" id="{12FE262E-A3C8-26DC-86B6-CBD05F651DE4}"/>
+              </a:ext>
+            </a:extLst>
+          </p:cNvPr>
+          <p:cNvPicPr>
+            <a:picLocks noChangeAspect="1"/>
+          </p:cNvPicPr>
+          <p:nvPr/>
+        </p:nvPicPr>
+        <p:blipFill>
+          <a:blip r:embed="rId2"/>
+          <a:stretch>
+            <a:fillRect/>
+          </a:stretch>
+        </p:blipFill>
+        <p:spPr>
+          <a:xfrm>
+            <a:off x="942387" y="2191387"/>
+            <a:ext cx="4459347" cy="2171381"/>
           </a:xfrm>
           <a:prstGeom prst="rect">
             <a:avLst/>
           </a:prstGeom>
-          <a:noFill/>
-        </p:spPr>
-        <p:txBody>
-          <a:bodyPr wrap="square" rtlCol="0">
-            <a:spAutoFit/>
-          </a:bodyPr>
-          <a:lstStyle/>
-          <a:p>
-            <a:r>
-              <a:rPr lang="ko-KR" altLang="en-US" dirty="0">
-                <a:latin typeface="나눔스퀘어 Light" panose="020B0600000101010101" pitchFamily="50" charset="-127"/>
-                <a:ea typeface="나눔스퀘어 Light" panose="020B0600000101010101" pitchFamily="50" charset="-127"/>
-              </a:rPr>
-              <a:t>중위 표기식</a:t>
-            </a:r>
-            <a:r>
-              <a:rPr lang="en-US" altLang="ko-KR" dirty="0">
-                <a:latin typeface="나눔스퀘어 Light" panose="020B0600000101010101" pitchFamily="50" charset="-127"/>
-                <a:ea typeface="나눔스퀘어 Light" panose="020B0600000101010101" pitchFamily="50" charset="-127"/>
-              </a:rPr>
-              <a:t>(Infix Expression) : 3 + 5 × 2</a:t>
-            </a:r>
-            <a:endParaRPr lang="ko-KR" altLang="en-US" dirty="0">
-              <a:latin typeface="나눔스퀘어 Light" panose="020B0600000101010101" pitchFamily="50" charset="-127"/>
-              <a:ea typeface="나눔스퀘어 Light" panose="020B0600000101010101" pitchFamily="50" charset="-127"/>
-            </a:endParaRPr>
-          </a:p>
-        </p:txBody>
-      </p:sp>
-      <p:sp>
-        <p:nvSpPr>
-          <p:cNvPr id="7" name="TextBox 6">
-            <a:extLst>
-              <a:ext uri="{FF2B5EF4-FFF2-40B4-BE49-F238E27FC236}">
-                <a16:creationId xmlns:a16="http://schemas.microsoft.com/office/drawing/2014/main" id="{4D4A6D87-56C1-CCC6-94E3-AC8B7D8C26DC}"/>
-              </a:ext>
-            </a:extLst>
-          </p:cNvPr>
-          <p:cNvSpPr txBox="1"/>
-          <p:nvPr/>
-        </p:nvSpPr>
-        <p:spPr>
-          <a:xfrm>
-            <a:off x="942387" y="2667352"/>
-            <a:ext cx="10237694" cy="369332"/>
+        </p:spPr>
+      </p:pic>
+      <p:pic>
+        <p:nvPicPr>
+          <p:cNvPr id="6" name="그림 5">
+            <a:extLst>
+              <a:ext uri="{FF2B5EF4-FFF2-40B4-BE49-F238E27FC236}">
+                <a16:creationId xmlns:a16="http://schemas.microsoft.com/office/drawing/2014/main" id="{7659A512-1528-8904-C2B0-15057AFB5C19}"/>
+              </a:ext>
+            </a:extLst>
+          </p:cNvPr>
+          <p:cNvPicPr>
+            <a:picLocks noChangeAspect="1"/>
+          </p:cNvPicPr>
+          <p:nvPr/>
+        </p:nvPicPr>
+        <p:blipFill>
+          <a:blip r:embed="rId3"/>
+          <a:stretch>
+            <a:fillRect/>
+          </a:stretch>
+        </p:blipFill>
+        <p:spPr>
+          <a:xfrm>
+            <a:off x="6095999" y="2191386"/>
+            <a:ext cx="4568949" cy="2171381"/>
           </a:xfrm>
           <a:prstGeom prst="rect">
             <a:avLst/>
           </a:prstGeom>
-          <a:noFill/>
-        </p:spPr>
-        <p:txBody>
-          <a:bodyPr wrap="square" rtlCol="0">
-            <a:spAutoFit/>
-          </a:bodyPr>
-          <a:lstStyle/>
-          <a:p>
-            <a:r>
-              <a:rPr lang="ko-KR" altLang="en-US" dirty="0">
-                <a:latin typeface="나눔스퀘어 Light" panose="020B0600000101010101" pitchFamily="50" charset="-127"/>
-                <a:ea typeface="나눔스퀘어 Light" panose="020B0600000101010101" pitchFamily="50" charset="-127"/>
-              </a:rPr>
-              <a:t>전위 표기식</a:t>
-            </a:r>
-            <a:r>
-              <a:rPr lang="en-US" altLang="ko-KR" dirty="0">
-                <a:latin typeface="나눔스퀘어 Light" panose="020B0600000101010101" pitchFamily="50" charset="-127"/>
-                <a:ea typeface="나눔스퀘어 Light" panose="020B0600000101010101" pitchFamily="50" charset="-127"/>
-              </a:rPr>
-              <a:t>(Prefix Expression) : + 3 × 5 2</a:t>
-            </a:r>
-            <a:endParaRPr lang="ko-KR" altLang="en-US" dirty="0">
-              <a:latin typeface="나눔스퀘어 Light" panose="020B0600000101010101" pitchFamily="50" charset="-127"/>
-              <a:ea typeface="나눔스퀘어 Light" panose="020B0600000101010101" pitchFamily="50" charset="-127"/>
-            </a:endParaRPr>
-          </a:p>
-        </p:txBody>
-      </p:sp>
-      <p:sp>
-        <p:nvSpPr>
-          <p:cNvPr id="8" name="TextBox 7">
-            <a:extLst>
-              <a:ext uri="{FF2B5EF4-FFF2-40B4-BE49-F238E27FC236}">
-                <a16:creationId xmlns:a16="http://schemas.microsoft.com/office/drawing/2014/main" id="{9CE4BE3B-0498-D7BD-4517-8AA724CA2E49}"/>
-              </a:ext>
-            </a:extLst>
-          </p:cNvPr>
-          <p:cNvSpPr txBox="1"/>
-          <p:nvPr/>
-        </p:nvSpPr>
-        <p:spPr>
-          <a:xfrm>
-            <a:off x="942387" y="3036684"/>
-            <a:ext cx="10237694" cy="369332"/>
+        </p:spPr>
+      </p:pic>
+      <p:pic>
+        <p:nvPicPr>
+          <p:cNvPr id="8" name="그림 7">
+            <a:extLst>
+              <a:ext uri="{FF2B5EF4-FFF2-40B4-BE49-F238E27FC236}">
+                <a16:creationId xmlns:a16="http://schemas.microsoft.com/office/drawing/2014/main" id="{7682D5EC-5C31-6078-F0AC-D293C8D1D0F0}"/>
+              </a:ext>
+            </a:extLst>
+          </p:cNvPr>
+          <p:cNvPicPr>
+            <a:picLocks noChangeAspect="1"/>
+          </p:cNvPicPr>
+          <p:nvPr/>
+        </p:nvPicPr>
+        <p:blipFill>
+          <a:blip r:embed="rId4"/>
+          <a:stretch>
+            <a:fillRect/>
+          </a:stretch>
+        </p:blipFill>
+        <p:spPr>
+          <a:xfrm>
+            <a:off x="3608266" y="4600861"/>
+            <a:ext cx="4359933" cy="2079634"/>
           </a:xfrm>
           <a:prstGeom prst="rect">
             <a:avLst/>
           </a:prstGeom>
-          <a:noFill/>
-        </p:spPr>
-        <p:txBody>
-          <a:bodyPr wrap="square" rtlCol="0">
-            <a:spAutoFit/>
-          </a:bodyPr>
-          <a:lstStyle/>
-          <a:p>
-            <a:r>
-              <a:rPr lang="ko-KR" altLang="en-US" dirty="0">
-                <a:latin typeface="나눔스퀘어 Light" panose="020B0600000101010101" pitchFamily="50" charset="-127"/>
-                <a:ea typeface="나눔스퀘어 Light" panose="020B0600000101010101" pitchFamily="50" charset="-127"/>
-              </a:rPr>
-              <a:t>후위 표기식</a:t>
-            </a:r>
-            <a:r>
-              <a:rPr lang="en-US" altLang="ko-KR" dirty="0">
-                <a:latin typeface="나눔스퀘어 Light" panose="020B0600000101010101" pitchFamily="50" charset="-127"/>
-                <a:ea typeface="나눔스퀘어 Light" panose="020B0600000101010101" pitchFamily="50" charset="-127"/>
-              </a:rPr>
-              <a:t>(Postfix Expression) : 3 5 2 × +</a:t>
-            </a:r>
-            <a:endParaRPr lang="ko-KR" altLang="en-US" dirty="0">
-              <a:latin typeface="나눔스퀘어 Light" panose="020B0600000101010101" pitchFamily="50" charset="-127"/>
-              <a:ea typeface="나눔스퀘어 Light" panose="020B0600000101010101" pitchFamily="50" charset="-127"/>
-            </a:endParaRPr>
-          </a:p>
-        </p:txBody>
-      </p:sp>
-      <p:sp>
-        <p:nvSpPr>
-          <p:cNvPr id="10" name="TextBox 9">
-            <a:extLst>
-              <a:ext uri="{FF2B5EF4-FFF2-40B4-BE49-F238E27FC236}">
-                <a16:creationId xmlns:a16="http://schemas.microsoft.com/office/drawing/2014/main" id="{1AEAB63E-A479-57C5-D010-1B9701AF7F8A}"/>
-              </a:ext>
-            </a:extLst>
-          </p:cNvPr>
-          <p:cNvSpPr txBox="1"/>
-          <p:nvPr/>
-        </p:nvSpPr>
-        <p:spPr>
-          <a:xfrm>
-            <a:off x="942387" y="4144680"/>
-            <a:ext cx="10237694" cy="369332"/>
-          </a:xfrm>
-          <a:prstGeom prst="rect">
-            <a:avLst/>
-          </a:prstGeom>
-          <a:noFill/>
-        </p:spPr>
-        <p:txBody>
-          <a:bodyPr wrap="square" rtlCol="0">
-            <a:spAutoFit/>
-          </a:bodyPr>
-          <a:lstStyle/>
-          <a:p>
-            <a:r>
-              <a:rPr lang="ko-KR" altLang="en-US" dirty="0">
-                <a:latin typeface="나눔스퀘어 Light" panose="020B0600000101010101" pitchFamily="50" charset="-127"/>
-                <a:ea typeface="나눔스퀘어 Light" panose="020B0600000101010101" pitchFamily="50" charset="-127"/>
-              </a:rPr>
-              <a:t>왜 후위 표기법을 쓸까요</a:t>
-            </a:r>
-            <a:r>
-              <a:rPr lang="en-US" altLang="ko-KR" dirty="0">
-                <a:latin typeface="나눔스퀘어 Light" panose="020B0600000101010101" pitchFamily="50" charset="-127"/>
-                <a:ea typeface="나눔스퀘어 Light" panose="020B0600000101010101" pitchFamily="50" charset="-127"/>
-              </a:rPr>
-              <a:t>?</a:t>
-            </a:r>
-            <a:endParaRPr lang="ko-KR" altLang="en-US" dirty="0">
-              <a:latin typeface="나눔스퀘어 Light" panose="020B0600000101010101" pitchFamily="50" charset="-127"/>
-              <a:ea typeface="나눔스퀘어 Light" panose="020B0600000101010101" pitchFamily="50" charset="-127"/>
-            </a:endParaRPr>
-          </a:p>
-        </p:txBody>
-      </p:sp>
-      <p:sp>
-        <p:nvSpPr>
-          <p:cNvPr id="11" name="TextBox 10">
-            <a:extLst>
-              <a:ext uri="{FF2B5EF4-FFF2-40B4-BE49-F238E27FC236}">
-                <a16:creationId xmlns:a16="http://schemas.microsoft.com/office/drawing/2014/main" id="{B788C7A4-E1D7-B78F-695C-A0FC5A41DE44}"/>
-              </a:ext>
-            </a:extLst>
-          </p:cNvPr>
-          <p:cNvSpPr txBox="1"/>
-          <p:nvPr/>
-        </p:nvSpPr>
-        <p:spPr>
-          <a:xfrm>
-            <a:off x="942387" y="4514012"/>
-            <a:ext cx="10237694" cy="369332"/>
-          </a:xfrm>
-          <a:prstGeom prst="rect">
-            <a:avLst/>
-          </a:prstGeom>
-          <a:noFill/>
-        </p:spPr>
-        <p:txBody>
-          <a:bodyPr wrap="square" rtlCol="0">
-            <a:spAutoFit/>
-          </a:bodyPr>
-          <a:lstStyle/>
-          <a:p>
-            <a:r>
-              <a:rPr lang="ko-KR" altLang="en-US" dirty="0">
-                <a:latin typeface="나눔스퀘어 Light" panose="020B0600000101010101" pitchFamily="50" charset="-127"/>
-                <a:ea typeface="나눔스퀘어 Light" panose="020B0600000101010101" pitchFamily="50" charset="-127"/>
-              </a:rPr>
-              <a:t>괄호가 </a:t>
-            </a:r>
-            <a:r>
-              <a:rPr lang="ko-KR" altLang="en-US" dirty="0" err="1">
-                <a:latin typeface="나눔스퀘어 Light" panose="020B0600000101010101" pitchFamily="50" charset="-127"/>
-                <a:ea typeface="나눔스퀘어 Light" panose="020B0600000101010101" pitchFamily="50" charset="-127"/>
-              </a:rPr>
-              <a:t>필요없음</a:t>
-            </a:r>
-            <a:r>
-              <a:rPr lang="ko-KR" altLang="en-US" dirty="0">
-                <a:latin typeface="나눔스퀘어 Light" panose="020B0600000101010101" pitchFamily="50" charset="-127"/>
-                <a:ea typeface="나눔스퀘어 Light" panose="020B0600000101010101" pitchFamily="50" charset="-127"/>
-              </a:rPr>
-              <a:t> </a:t>
-            </a:r>
-            <a:r>
-              <a:rPr lang="en-US" altLang="ko-KR" dirty="0">
-                <a:latin typeface="나눔스퀘어 Light" panose="020B0600000101010101" pitchFamily="50" charset="-127"/>
-                <a:ea typeface="나눔스퀘어 Light" panose="020B0600000101010101" pitchFamily="50" charset="-127"/>
-              </a:rPr>
-              <a:t>(</a:t>
-            </a:r>
-            <a:r>
-              <a:rPr lang="ko-KR" altLang="en-US" dirty="0">
-                <a:latin typeface="나눔스퀘어 Light" panose="020B0600000101010101" pitchFamily="50" charset="-127"/>
-                <a:ea typeface="나눔스퀘어 Light" panose="020B0600000101010101" pitchFamily="50" charset="-127"/>
-              </a:rPr>
-              <a:t>괄호를 쓰지 않고도 먼저 계산해야 할 내용을 나타낼 수 있음</a:t>
-            </a:r>
-            <a:r>
-              <a:rPr lang="en-US" altLang="ko-KR" dirty="0">
-                <a:latin typeface="나눔스퀘어 Light" panose="020B0600000101010101" pitchFamily="50" charset="-127"/>
-                <a:ea typeface="나눔스퀘어 Light" panose="020B0600000101010101" pitchFamily="50" charset="-127"/>
-              </a:rPr>
-              <a:t>)</a:t>
-            </a:r>
-            <a:endParaRPr lang="ko-KR" altLang="en-US" dirty="0">
-              <a:latin typeface="나눔스퀘어 Light" panose="020B0600000101010101" pitchFamily="50" charset="-127"/>
-              <a:ea typeface="나눔스퀘어 Light" panose="020B0600000101010101" pitchFamily="50" charset="-127"/>
-            </a:endParaRPr>
-          </a:p>
-        </p:txBody>
-      </p:sp>
-      <p:sp>
-        <p:nvSpPr>
-          <p:cNvPr id="12" name="TextBox 11">
-            <a:extLst>
-              <a:ext uri="{FF2B5EF4-FFF2-40B4-BE49-F238E27FC236}">
-                <a16:creationId xmlns:a16="http://schemas.microsoft.com/office/drawing/2014/main" id="{723CE4CA-B836-BE86-9B44-C457D4672D74}"/>
-              </a:ext>
-            </a:extLst>
-          </p:cNvPr>
-          <p:cNvSpPr txBox="1"/>
-          <p:nvPr/>
-        </p:nvSpPr>
-        <p:spPr>
-          <a:xfrm>
-            <a:off x="942387" y="4883344"/>
-            <a:ext cx="10237694" cy="369332"/>
-          </a:xfrm>
-          <a:prstGeom prst="rect">
-            <a:avLst/>
-          </a:prstGeom>
-          <a:noFill/>
-        </p:spPr>
-        <p:txBody>
-          <a:bodyPr wrap="square" rtlCol="0">
-            <a:spAutoFit/>
-          </a:bodyPr>
-          <a:lstStyle/>
-          <a:p>
-            <a:r>
-              <a:rPr lang="ko-KR" altLang="en-US" dirty="0">
-                <a:latin typeface="나눔스퀘어 Light" panose="020B0600000101010101" pitchFamily="50" charset="-127"/>
-                <a:ea typeface="나눔스퀘어 Light" panose="020B0600000101010101" pitchFamily="50" charset="-127"/>
-              </a:rPr>
-              <a:t>연산자 우선순위를 고려할 필요가 없음</a:t>
-            </a:r>
-          </a:p>
-        </p:txBody>
-      </p:sp>
-      <p:sp>
-        <p:nvSpPr>
-          <p:cNvPr id="13" name="TextBox 12">
-            <a:extLst>
-              <a:ext uri="{FF2B5EF4-FFF2-40B4-BE49-F238E27FC236}">
-                <a16:creationId xmlns:a16="http://schemas.microsoft.com/office/drawing/2014/main" id="{1F1D051D-FE0F-CE16-A388-74DA2F3B2A60}"/>
-              </a:ext>
-            </a:extLst>
-          </p:cNvPr>
-          <p:cNvSpPr txBox="1"/>
-          <p:nvPr/>
-        </p:nvSpPr>
-        <p:spPr>
-          <a:xfrm>
-            <a:off x="942387" y="5252676"/>
-            <a:ext cx="10237694" cy="369332"/>
-          </a:xfrm>
-          <a:prstGeom prst="rect">
-            <a:avLst/>
-          </a:prstGeom>
-          <a:noFill/>
-        </p:spPr>
-        <p:txBody>
-          <a:bodyPr wrap="square" rtlCol="0">
-            <a:spAutoFit/>
-          </a:bodyPr>
-          <a:lstStyle/>
-          <a:p>
-            <a:r>
-              <a:rPr lang="ko-KR" altLang="en-US" dirty="0">
-                <a:latin typeface="나눔스퀘어 Light" panose="020B0600000101010101" pitchFamily="50" charset="-127"/>
-                <a:ea typeface="나눔스퀘어 Light" panose="020B0600000101010101" pitchFamily="50" charset="-127"/>
-              </a:rPr>
-              <a:t>수식을 읽으면서 바로 계산할 수 있음 </a:t>
-            </a:r>
-            <a:r>
-              <a:rPr lang="en-US" altLang="ko-KR" dirty="0">
-                <a:latin typeface="나눔스퀘어 Light" panose="020B0600000101010101" pitchFamily="50" charset="-127"/>
-                <a:ea typeface="나눔스퀘어 Light" panose="020B0600000101010101" pitchFamily="50" charset="-127"/>
-              </a:rPr>
-              <a:t>(</a:t>
-            </a:r>
-            <a:r>
-              <a:rPr lang="ko-KR" altLang="en-US" dirty="0">
-                <a:latin typeface="나눔스퀘어 Light" panose="020B0600000101010101" pitchFamily="50" charset="-127"/>
-                <a:ea typeface="나눔스퀘어 Light" panose="020B0600000101010101" pitchFamily="50" charset="-127"/>
-              </a:rPr>
-              <a:t>중위 표현식의 경우</a:t>
-            </a:r>
-            <a:r>
-              <a:rPr lang="en-US" altLang="ko-KR" dirty="0">
-                <a:latin typeface="나눔스퀘어 Light" panose="020B0600000101010101" pitchFamily="50" charset="-127"/>
-                <a:ea typeface="나눔스퀘어 Light" panose="020B0600000101010101" pitchFamily="50" charset="-127"/>
-              </a:rPr>
-              <a:t>, </a:t>
-            </a:r>
-            <a:r>
-              <a:rPr lang="ko-KR" altLang="en-US" dirty="0">
-                <a:latin typeface="나눔스퀘어 Light" panose="020B0600000101010101" pitchFamily="50" charset="-127"/>
-                <a:ea typeface="나눔스퀘어 Light" panose="020B0600000101010101" pitchFamily="50" charset="-127"/>
-              </a:rPr>
-              <a:t>괄호가 존재해 수식을 끝까지 읽은 후에 계산 가능</a:t>
-            </a:r>
-            <a:r>
-              <a:rPr lang="en-US" altLang="ko-KR" dirty="0">
-                <a:latin typeface="나눔스퀘어 Light" panose="020B0600000101010101" pitchFamily="50" charset="-127"/>
-                <a:ea typeface="나눔스퀘어 Light" panose="020B0600000101010101" pitchFamily="50" charset="-127"/>
-              </a:rPr>
-              <a:t>)</a:t>
-            </a:r>
-            <a:endParaRPr lang="ko-KR" altLang="en-US" dirty="0">
-              <a:latin typeface="나눔스퀘어 Light" panose="020B0600000101010101" pitchFamily="50" charset="-127"/>
-              <a:ea typeface="나눔스퀘어 Light" panose="020B0600000101010101" pitchFamily="50" charset="-127"/>
-            </a:endParaRPr>
-          </a:p>
-        </p:txBody>
-      </p:sp>
-      <p:sp>
-        <p:nvSpPr>
-          <p:cNvPr id="9" name="TextBox 8">
-            <a:extLst>
-              <a:ext uri="{FF2B5EF4-FFF2-40B4-BE49-F238E27FC236}">
-                <a16:creationId xmlns:a16="http://schemas.microsoft.com/office/drawing/2014/main" id="{31008A26-2BFE-0C2B-0C35-AA486556DF58}"/>
-              </a:ext>
-            </a:extLst>
-          </p:cNvPr>
-          <p:cNvSpPr txBox="1"/>
-          <p:nvPr/>
-        </p:nvSpPr>
-        <p:spPr>
-          <a:xfrm>
-            <a:off x="331694" y="177505"/>
-            <a:ext cx="4912114" cy="523220"/>
-          </a:xfrm>
-          <a:prstGeom prst="rect">
-            <a:avLst/>
-          </a:prstGeom>
-          <a:noFill/>
-        </p:spPr>
-        <p:txBody>
-          <a:bodyPr wrap="none" rtlCol="0">
-            <a:spAutoFit/>
-          </a:bodyPr>
-          <a:lstStyle/>
-          <a:p>
-            <a:r>
-              <a:rPr lang="en-US" altLang="ko-KR" sz="2800" dirty="0">
-                <a:latin typeface="나눔스퀘어 Bold" panose="020B0600000101010101" pitchFamily="50" charset="-127"/>
-                <a:ea typeface="나눔스퀘어 Bold" panose="020B0600000101010101" pitchFamily="50" charset="-127"/>
-              </a:rPr>
-              <a:t>Tree</a:t>
-            </a:r>
-            <a:r>
-              <a:rPr lang="ko-KR" altLang="en-US" sz="2800" dirty="0">
-                <a:latin typeface="나눔스퀘어 Bold" panose="020B0600000101010101" pitchFamily="50" charset="-127"/>
-                <a:ea typeface="나눔스퀘어 Bold" panose="020B0600000101010101" pitchFamily="50" charset="-127"/>
-              </a:rPr>
-              <a:t> </a:t>
-            </a:r>
-            <a:r>
-              <a:rPr lang="en-US" altLang="ko-KR" sz="2800" dirty="0">
-                <a:latin typeface="나눔스퀘어 Bold" panose="020B0600000101010101" pitchFamily="50" charset="-127"/>
-                <a:ea typeface="나눔스퀘어 Bold" panose="020B0600000101010101" pitchFamily="50" charset="-127"/>
-              </a:rPr>
-              <a:t>– 11725 </a:t>
-            </a:r>
-            <a:r>
-              <a:rPr lang="ko-KR" altLang="en-US" sz="2800" dirty="0">
-                <a:latin typeface="나눔스퀘어 Bold" panose="020B0600000101010101" pitchFamily="50" charset="-127"/>
-                <a:ea typeface="나눔스퀘어 Bold" panose="020B0600000101010101" pitchFamily="50" charset="-127"/>
-              </a:rPr>
-              <a:t>트리의 부모 찾기</a:t>
-            </a:r>
-          </a:p>
-        </p:txBody>
-      </p:sp>
+        </p:spPr>
+      </p:pic>
     </p:spTree>
     <p:extLst>
       <p:ext uri="{BB962C8B-B14F-4D97-AF65-F5344CB8AC3E}">
-        <p14:creationId xmlns:p14="http://schemas.microsoft.com/office/powerpoint/2010/main" val="4187972177"/>
+        <p14:creationId xmlns:p14="http://schemas.microsoft.com/office/powerpoint/2010/main" val="3876913043"/>
       </p:ext>
     </p:extLst>
   </p:cSld>
@@ -5921,10 +9805,73 @@
       </p:cxnSp>
       <p:sp>
         <p:nvSpPr>
+          <p:cNvPr id="7" name="TextBox 6">
+            <a:extLst>
+              <a:ext uri="{FF2B5EF4-FFF2-40B4-BE49-F238E27FC236}">
+                <a16:creationId xmlns:a16="http://schemas.microsoft.com/office/drawing/2014/main" id="{5B474655-BD78-E334-950C-B8C17B96E7D6}"/>
+              </a:ext>
+            </a:extLst>
+          </p:cNvPr>
+          <p:cNvSpPr txBox="1"/>
+          <p:nvPr/>
+        </p:nvSpPr>
+        <p:spPr>
+          <a:xfrm>
+            <a:off x="942387" y="1190024"/>
+            <a:ext cx="10237694" cy="369332"/>
+          </a:xfrm>
+          <a:prstGeom prst="rect">
+            <a:avLst/>
+          </a:prstGeom>
+          <a:noFill/>
+        </p:spPr>
+        <p:txBody>
+          <a:bodyPr wrap="square" rtlCol="0">
+            <a:spAutoFit/>
+          </a:bodyPr>
+          <a:lstStyle/>
+          <a:p>
+            <a:r>
+              <a:rPr lang="ko-KR" altLang="en-US" dirty="0">
+                <a:latin typeface="나눔스퀘어 Light" panose="020B0600000101010101" pitchFamily="50" charset="-127"/>
+                <a:ea typeface="나눔스퀘어 Light" panose="020B0600000101010101" pitchFamily="50" charset="-127"/>
+              </a:rPr>
+              <a:t>앞의 페이지에서 보았듯이</a:t>
+            </a:r>
+            <a:r>
+              <a:rPr lang="en-US" altLang="ko-KR" dirty="0">
+                <a:latin typeface="나눔스퀘어 Light" panose="020B0600000101010101" pitchFamily="50" charset="-127"/>
+                <a:ea typeface="나눔스퀘어 Light" panose="020B0600000101010101" pitchFamily="50" charset="-127"/>
+              </a:rPr>
+              <a:t>, </a:t>
+            </a:r>
+            <a:r>
+              <a:rPr lang="ko-KR" altLang="en-US" dirty="0">
+                <a:latin typeface="나눔스퀘어 Light" panose="020B0600000101010101" pitchFamily="50" charset="-127"/>
+                <a:ea typeface="나눔스퀘어 Light" panose="020B0600000101010101" pitchFamily="50" charset="-127"/>
+              </a:rPr>
+              <a:t>트리 순회는 재귀적으로 구현할 수 있습니다</a:t>
+            </a:r>
+            <a:r>
+              <a:rPr lang="en-US" altLang="ko-KR" dirty="0">
+                <a:latin typeface="나눔스퀘어 Light" panose="020B0600000101010101" pitchFamily="50" charset="-127"/>
+                <a:ea typeface="나눔스퀘어 Light" panose="020B0600000101010101" pitchFamily="50" charset="-127"/>
+              </a:rPr>
+              <a:t>.</a:t>
+            </a:r>
+            <a:endParaRPr lang="ko-KR" altLang="en-US" dirty="0">
+              <a:latin typeface="나눔스퀘어 Light" panose="020B0600000101010101" pitchFamily="50" charset="-127"/>
+              <a:ea typeface="나눔스퀘어 Light" panose="020B0600000101010101" pitchFamily="50" charset="-127"/>
+            </a:endParaRPr>
+          </a:p>
+        </p:txBody>
+      </p:sp>
+      <p:sp>
+        <p:nvSpPr>
           <p:cNvPr id="2" name="TextBox 1">
             <a:extLst>
               <a:ext uri="{FF2B5EF4-FFF2-40B4-BE49-F238E27FC236}">
-                <a16:creationId xmlns:a16="http://schemas.microsoft.com/office/drawing/2014/main" id="{7A9F668B-4598-7703-B5DB-B80899A1C734}"/>
+                <a16:creationId xmlns:a16="http://schemas.microsoft.com/office/drawing/2014/main" id="{25257D0D-4D82-43C3-E0F3-2BB7175C16E3}"/>
               </a:ext>
             </a:extLst>
           </p:cNvPr>
@@ -5934,7 +9881,7 @@
         <p:spPr>
           <a:xfrm>
             <a:off x="331694" y="177505"/>
-            <a:ext cx="4242059" cy="523220"/>
+            <a:ext cx="3621697" cy="523220"/>
           </a:xfrm>
           <a:prstGeom prst="rect">
             <a:avLst/>
@@ -5952,63 +9899,36 @@
                 <a:latin typeface="나눔스퀘어 Bold" panose="020B0600000101010101" pitchFamily="50" charset="-127"/>
                 <a:ea typeface="나눔스퀘어 Bold" panose="020B0600000101010101" pitchFamily="50" charset="-127"/>
               </a:rPr>
-              <a:t>Graph – 1260 DFS</a:t>
+              <a:t>Tree</a:t>
             </a:r>
             <a:r>
               <a:rPr lang="ko-KR" altLang="en-US" sz="2800" dirty="0">
                 <a:latin typeface="나눔스퀘어 Bold" panose="020B0600000101010101" pitchFamily="50" charset="-127"/>
                 <a:ea typeface="나눔스퀘어 Bold" panose="020B0600000101010101" pitchFamily="50" charset="-127"/>
               </a:rPr>
-              <a:t>와 </a:t>
+              <a:t> </a:t>
             </a:r>
             <a:r>
               <a:rPr lang="en-US" altLang="ko-KR" sz="2800" dirty="0">
                 <a:latin typeface="나눔스퀘어 Bold" panose="020B0600000101010101" pitchFamily="50" charset="-127"/>
                 <a:ea typeface="나눔스퀘어 Bold" panose="020B0600000101010101" pitchFamily="50" charset="-127"/>
               </a:rPr>
-              <a:t>BFS</a:t>
-            </a:r>
-            <a:endParaRPr lang="ko-KR" altLang="en-US" sz="2800" dirty="0">
-              <a:latin typeface="나눔스퀘어 Bold" panose="020B0600000101010101" pitchFamily="50" charset="-127"/>
-              <a:ea typeface="나눔스퀘어 Bold" panose="020B0600000101010101" pitchFamily="50" charset="-127"/>
-            </a:endParaRPr>
-          </a:p>
-        </p:txBody>
-      </p:sp>
-      <p:pic>
-        <p:nvPicPr>
-          <p:cNvPr id="4" name="그림 3">
-            <a:extLst>
-              <a:ext uri="{FF2B5EF4-FFF2-40B4-BE49-F238E27FC236}">
-                <a16:creationId xmlns:a16="http://schemas.microsoft.com/office/drawing/2014/main" id="{E213531B-4F62-6B98-A0AA-59F91309B459}"/>
-              </a:ext>
-            </a:extLst>
-          </p:cNvPr>
-          <p:cNvPicPr>
-            <a:picLocks noChangeAspect="1"/>
-          </p:cNvPicPr>
-          <p:nvPr/>
-        </p:nvPicPr>
-        <p:blipFill>
-          <a:blip r:embed="rId2"/>
-          <a:stretch>
-            <a:fillRect/>
-          </a:stretch>
-        </p:blipFill>
-        <p:spPr>
-          <a:xfrm>
-            <a:off x="331694" y="973178"/>
-            <a:ext cx="9962039" cy="5461379"/>
-          </a:xfrm>
-          <a:prstGeom prst="rect">
-            <a:avLst/>
-          </a:prstGeom>
-        </p:spPr>
-      </p:pic>
+              <a:t>– 1991 </a:t>
+            </a:r>
+            <a:r>
+              <a:rPr lang="ko-KR" altLang="en-US" sz="2800" dirty="0">
+                <a:latin typeface="나눔스퀘어 Bold" panose="020B0600000101010101" pitchFamily="50" charset="-127"/>
+                <a:ea typeface="나눔스퀘어 Bold" panose="020B0600000101010101" pitchFamily="50" charset="-127"/>
+              </a:rPr>
+              <a:t>트리 순회</a:t>
+            </a:r>
+          </a:p>
+        </p:txBody>
+      </p:sp>
     </p:spTree>
     <p:extLst>
       <p:ext uri="{BB962C8B-B14F-4D97-AF65-F5344CB8AC3E}">
-        <p14:creationId xmlns:p14="http://schemas.microsoft.com/office/powerpoint/2010/main" val="3852066961"/>
+        <p14:creationId xmlns:p14="http://schemas.microsoft.com/office/powerpoint/2010/main" val="2338502458"/>
       </p:ext>
     </p:extLst>
   </p:cSld>
@@ -7903,10 +11823,10 @@
       </p:cxnSp>
       <p:sp>
         <p:nvSpPr>
-          <p:cNvPr id="3" name="TextBox 2">
-            <a:extLst>
-              <a:ext uri="{FF2B5EF4-FFF2-40B4-BE49-F238E27FC236}">
-                <a16:creationId xmlns:a16="http://schemas.microsoft.com/office/drawing/2014/main" id="{2929977D-4B28-4A77-BFAA-69E6FF174D27}"/>
+          <p:cNvPr id="4" name="TextBox 3">
+            <a:extLst>
+              <a:ext uri="{FF2B5EF4-FFF2-40B4-BE49-F238E27FC236}">
+                <a16:creationId xmlns:a16="http://schemas.microsoft.com/office/drawing/2014/main" id="{346A4227-C27D-50F4-7699-BBE332703F0D}"/>
               </a:ext>
             </a:extLst>
           </p:cNvPr>
@@ -7915,161 +11835,8 @@
         </p:nvSpPr>
         <p:spPr>
           <a:xfrm>
-            <a:off x="942387" y="1190024"/>
-            <a:ext cx="10237694" cy="369332"/>
-          </a:xfrm>
-          <a:prstGeom prst="rect">
-            <a:avLst/>
-          </a:prstGeom>
-          <a:noFill/>
-        </p:spPr>
-        <p:txBody>
-          <a:bodyPr wrap="square" rtlCol="0">
-            <a:spAutoFit/>
-          </a:bodyPr>
-          <a:lstStyle/>
-          <a:p>
-            <a:r>
-              <a:rPr lang="ko-KR" altLang="en-US" dirty="0">
-                <a:latin typeface="나눔스퀘어 Light" panose="020B0600000101010101" pitchFamily="50" charset="-127"/>
-                <a:ea typeface="나눔스퀘어 Light" panose="020B0600000101010101" pitchFamily="50" charset="-127"/>
-              </a:rPr>
-              <a:t>스택과 마찬가지로</a:t>
-            </a:r>
-            <a:r>
-              <a:rPr lang="en-US" altLang="ko-KR" dirty="0">
-                <a:latin typeface="나눔스퀘어 Light" panose="020B0600000101010101" pitchFamily="50" charset="-127"/>
-                <a:ea typeface="나눔스퀘어 Light" panose="020B0600000101010101" pitchFamily="50" charset="-127"/>
-              </a:rPr>
-              <a:t>, </a:t>
-            </a:r>
-            <a:r>
-              <a:rPr lang="ko-KR" altLang="en-US" dirty="0">
-                <a:latin typeface="나눔스퀘어 Light" panose="020B0600000101010101" pitchFamily="50" charset="-127"/>
-                <a:ea typeface="나눔스퀘어 Light" panose="020B0600000101010101" pitchFamily="50" charset="-127"/>
-              </a:rPr>
-              <a:t>구현해본 큐를 채점할 수 있는 문제</a:t>
-            </a:r>
-          </a:p>
-        </p:txBody>
-      </p:sp>
-      <p:sp>
-        <p:nvSpPr>
-          <p:cNvPr id="11" name="TextBox 10">
-            <a:extLst>
-              <a:ext uri="{FF2B5EF4-FFF2-40B4-BE49-F238E27FC236}">
-                <a16:creationId xmlns:a16="http://schemas.microsoft.com/office/drawing/2014/main" id="{55838BC7-EF0F-5B81-2952-60BCF736A512}"/>
-              </a:ext>
-            </a:extLst>
-          </p:cNvPr>
-          <p:cNvSpPr txBox="1"/>
-          <p:nvPr/>
-        </p:nvSpPr>
-        <p:spPr>
-          <a:xfrm>
-            <a:off x="942387" y="1559356"/>
-            <a:ext cx="10237694" cy="369332"/>
-          </a:xfrm>
-          <a:prstGeom prst="rect">
-            <a:avLst/>
-          </a:prstGeom>
-          <a:noFill/>
-        </p:spPr>
-        <p:txBody>
-          <a:bodyPr wrap="square" rtlCol="0">
-            <a:spAutoFit/>
-          </a:bodyPr>
-          <a:lstStyle/>
-          <a:p>
-            <a:r>
-              <a:rPr lang="ko-KR" altLang="en-US" dirty="0">
-                <a:latin typeface="나눔스퀘어 Light" panose="020B0600000101010101" pitchFamily="50" charset="-127"/>
-                <a:ea typeface="나눔스퀘어 Light" panose="020B0600000101010101" pitchFamily="50" charset="-127"/>
-              </a:rPr>
-              <a:t>직접 구현을 해봤다면</a:t>
-            </a:r>
-            <a:r>
-              <a:rPr lang="en-US" altLang="ko-KR" dirty="0">
-                <a:latin typeface="나눔스퀘어 Light" panose="020B0600000101010101" pitchFamily="50" charset="-127"/>
-                <a:ea typeface="나눔스퀘어 Light" panose="020B0600000101010101" pitchFamily="50" charset="-127"/>
-              </a:rPr>
-              <a:t>, </a:t>
-            </a:r>
-            <a:r>
-              <a:rPr lang="ko-KR" altLang="en-US" dirty="0">
-                <a:latin typeface="나눔스퀘어 Light" panose="020B0600000101010101" pitchFamily="50" charset="-127"/>
-                <a:ea typeface="나눔스퀘어 Light" panose="020B0600000101010101" pitchFamily="50" charset="-127"/>
-              </a:rPr>
-              <a:t>라이브러리를 사용</a:t>
-            </a:r>
-          </a:p>
-        </p:txBody>
-      </p:sp>
-      <p:sp>
-        <p:nvSpPr>
-          <p:cNvPr id="4" name="TextBox 3">
-            <a:extLst>
-              <a:ext uri="{FF2B5EF4-FFF2-40B4-BE49-F238E27FC236}">
-                <a16:creationId xmlns:a16="http://schemas.microsoft.com/office/drawing/2014/main" id="{2016B4EA-6C02-3147-49D3-0C1CFBC649DF}"/>
-              </a:ext>
-            </a:extLst>
-          </p:cNvPr>
-          <p:cNvSpPr txBox="1"/>
-          <p:nvPr/>
-        </p:nvSpPr>
-        <p:spPr>
-          <a:xfrm>
-            <a:off x="942387" y="2303640"/>
-            <a:ext cx="10237694" cy="369332"/>
-          </a:xfrm>
-          <a:prstGeom prst="rect">
-            <a:avLst/>
-          </a:prstGeom>
-          <a:noFill/>
-        </p:spPr>
-        <p:txBody>
-          <a:bodyPr wrap="square" rtlCol="0">
-            <a:spAutoFit/>
-          </a:bodyPr>
-          <a:lstStyle/>
-          <a:p>
-            <a:r>
-              <a:rPr lang="ko-KR" altLang="en-US" dirty="0">
-                <a:latin typeface="나눔스퀘어 Light" panose="020B0600000101010101" pitchFamily="50" charset="-127"/>
-                <a:ea typeface="나눔스퀘어 Light" panose="020B0600000101010101" pitchFamily="50" charset="-127"/>
-              </a:rPr>
-              <a:t>설명은 생략합니다</a:t>
-            </a:r>
-            <a:r>
-              <a:rPr lang="en-US" altLang="ko-KR" dirty="0">
-                <a:latin typeface="나눔스퀘어 Light" panose="020B0600000101010101" pitchFamily="50" charset="-127"/>
-                <a:ea typeface="나눔스퀘어 Light" panose="020B0600000101010101" pitchFamily="50" charset="-127"/>
-              </a:rPr>
-              <a:t>.</a:t>
-            </a:r>
-            <a:endParaRPr lang="ko-KR" altLang="en-US" dirty="0">
-              <a:latin typeface="나눔스퀘어 Light" panose="020B0600000101010101" pitchFamily="50" charset="-127"/>
-              <a:ea typeface="나눔스퀘어 Light" panose="020B0600000101010101" pitchFamily="50" charset="-127"/>
-            </a:endParaRPr>
-          </a:p>
-        </p:txBody>
-      </p:sp>
-      <p:sp>
-        <p:nvSpPr>
-          <p:cNvPr id="6" name="TextBox 5">
-            <a:extLst>
-              <a:ext uri="{FF2B5EF4-FFF2-40B4-BE49-F238E27FC236}">
-                <a16:creationId xmlns:a16="http://schemas.microsoft.com/office/drawing/2014/main" id="{0F2BECC4-3944-4029-2F5E-D6FAC7B5FD51}"/>
-              </a:ext>
-            </a:extLst>
-          </p:cNvPr>
-          <p:cNvSpPr txBox="1"/>
-          <p:nvPr/>
-        </p:nvSpPr>
-        <p:spPr>
-          <a:xfrm>
             <a:off x="331694" y="177505"/>
-            <a:ext cx="4331827" cy="523220"/>
+            <a:ext cx="4912114" cy="523220"/>
           </a:xfrm>
           <a:prstGeom prst="rect">
             <a:avLst/>
@@ -8087,7 +11854,7 @@
                 <a:latin typeface="나눔스퀘어 Bold" panose="020B0600000101010101" pitchFamily="50" charset="-127"/>
                 <a:ea typeface="나눔스퀘어 Bold" panose="020B0600000101010101" pitchFamily="50" charset="-127"/>
               </a:rPr>
-              <a:t>Graph</a:t>
+              <a:t>Tree</a:t>
             </a:r>
             <a:r>
               <a:rPr lang="ko-KR" altLang="en-US" sz="2800" dirty="0">
@@ -8101,33 +11868,52 @@
                 <a:latin typeface="나눔스퀘어 Bold" panose="020B0600000101010101" pitchFamily="50" charset="-127"/>
                 <a:ea typeface="나눔스퀘어 Bold" panose="020B0600000101010101" pitchFamily="50" charset="-127"/>
               </a:rPr>
-              <a:t>– 1260 DFS</a:t>
+              <a:t>– 11725 </a:t>
             </a:r>
             <a:r>
               <a:rPr lang="ko-KR" altLang="en-US" sz="2800" dirty="0">
                 <a:latin typeface="나눔스퀘어 Bold" panose="020B0600000101010101" pitchFamily="50" charset="-127"/>
                 <a:ea typeface="나눔스퀘어 Bold" panose="020B0600000101010101" pitchFamily="50" charset="-127"/>
               </a:rPr>
-              <a:t>와 </a:t>
-            </a:r>
-            <a:r>
-              <a:rPr lang="en-US" altLang="ko-KR" sz="2800" dirty="0">
-                <a:latin typeface="나눔스퀘어 Bold" panose="020B0600000101010101" pitchFamily="50" charset="-127"/>
-                <a:ea typeface="나눔스퀘어 Bold" panose="020B0600000101010101" pitchFamily="50" charset="-127"/>
-              </a:rPr>
-              <a:t>BFS</a:t>
-            </a:r>
-            <a:endParaRPr lang="ko-KR" altLang="en-US" sz="2800" dirty="0">
-              <a:latin typeface="나눔스퀘어 Bold" panose="020B0600000101010101" pitchFamily="50" charset="-127"/>
-              <a:ea typeface="나눔스퀘어 Bold" panose="020B0600000101010101" pitchFamily="50" charset="-127"/>
-            </a:endParaRPr>
-          </a:p>
-        </p:txBody>
-      </p:sp>
+              <a:t>트리의 부모 찾기</a:t>
+            </a:r>
+          </a:p>
+        </p:txBody>
+      </p:sp>
+      <p:pic>
+        <p:nvPicPr>
+          <p:cNvPr id="6" name="그림 5">
+            <a:extLst>
+              <a:ext uri="{FF2B5EF4-FFF2-40B4-BE49-F238E27FC236}">
+                <a16:creationId xmlns:a16="http://schemas.microsoft.com/office/drawing/2014/main" id="{D2C52889-E063-DA44-4633-356A09FD45EB}"/>
+              </a:ext>
+            </a:extLst>
+          </p:cNvPr>
+          <p:cNvPicPr>
+            <a:picLocks noChangeAspect="1"/>
+          </p:cNvPicPr>
+          <p:nvPr/>
+        </p:nvPicPr>
+        <p:blipFill>
+          <a:blip r:embed="rId2"/>
+          <a:stretch>
+            <a:fillRect/>
+          </a:stretch>
+        </p:blipFill>
+        <p:spPr>
+          <a:xfrm>
+            <a:off x="331694" y="966727"/>
+            <a:ext cx="7830643" cy="5649113"/>
+          </a:xfrm>
+          <a:prstGeom prst="rect">
+            <a:avLst/>
+          </a:prstGeom>
+        </p:spPr>
+      </p:pic>
     </p:spTree>
     <p:extLst>
       <p:ext uri="{BB962C8B-B14F-4D97-AF65-F5344CB8AC3E}">
-        <p14:creationId xmlns:p14="http://schemas.microsoft.com/office/powerpoint/2010/main" val="36971579"/>
+        <p14:creationId xmlns:p14="http://schemas.microsoft.com/office/powerpoint/2010/main" val="1453913227"/>
       </p:ext>
     </p:extLst>
   </p:cSld>
@@ -8203,7 +11989,7 @@
           <p:cNvPr id="3" name="TextBox 2">
             <a:extLst>
               <a:ext uri="{FF2B5EF4-FFF2-40B4-BE49-F238E27FC236}">
-                <a16:creationId xmlns:a16="http://schemas.microsoft.com/office/drawing/2014/main" id="{B3B954B2-DB7F-EEC1-438C-CB91D3B18AE1}"/>
+                <a16:creationId xmlns:a16="http://schemas.microsoft.com/office/drawing/2014/main" id="{DED99750-0EE1-C88D-2F22-1EE36DBD23B3}"/>
               </a:ext>
             </a:extLst>
           </p:cNvPr>
@@ -8212,8 +11998,508 @@
         </p:nvSpPr>
         <p:spPr>
           <a:xfrm>
+            <a:off x="942387" y="1190024"/>
+            <a:ext cx="10237694" cy="369332"/>
+          </a:xfrm>
+          <a:prstGeom prst="rect">
+            <a:avLst/>
+          </a:prstGeom>
+          <a:noFill/>
+        </p:spPr>
+        <p:txBody>
+          <a:bodyPr wrap="square" rtlCol="0">
+            <a:spAutoFit/>
+          </a:bodyPr>
+          <a:lstStyle/>
+          <a:p>
+            <a:r>
+              <a:rPr lang="ko-KR" altLang="en-US" dirty="0">
+                <a:latin typeface="나눔스퀘어 Light" panose="020B0600000101010101" pitchFamily="50" charset="-127"/>
+                <a:ea typeface="나눔스퀘어 Light" panose="020B0600000101010101" pitchFamily="50" charset="-127"/>
+              </a:rPr>
+              <a:t>우선 후위 표기식의 원리를 알아야 합니다</a:t>
+            </a:r>
+            <a:r>
+              <a:rPr lang="en-US" altLang="ko-KR" dirty="0">
+                <a:latin typeface="나눔스퀘어 Light" panose="020B0600000101010101" pitchFamily="50" charset="-127"/>
+                <a:ea typeface="나눔스퀘어 Light" panose="020B0600000101010101" pitchFamily="50" charset="-127"/>
+              </a:rPr>
+              <a:t>.</a:t>
+            </a:r>
+            <a:endParaRPr lang="ko-KR" altLang="en-US" dirty="0">
+              <a:latin typeface="나눔스퀘어 Light" panose="020B0600000101010101" pitchFamily="50" charset="-127"/>
+              <a:ea typeface="나눔스퀘어 Light" panose="020B0600000101010101" pitchFamily="50" charset="-127"/>
+            </a:endParaRPr>
+          </a:p>
+        </p:txBody>
+      </p:sp>
+      <p:sp>
+        <p:nvSpPr>
+          <p:cNvPr id="6" name="TextBox 5">
+            <a:extLst>
+              <a:ext uri="{FF2B5EF4-FFF2-40B4-BE49-F238E27FC236}">
+                <a16:creationId xmlns:a16="http://schemas.microsoft.com/office/drawing/2014/main" id="{1ABB7C3D-1A1B-469B-817C-E2D8EDC86C60}"/>
+              </a:ext>
+            </a:extLst>
+          </p:cNvPr>
+          <p:cNvSpPr txBox="1"/>
+          <p:nvPr/>
+        </p:nvSpPr>
+        <p:spPr>
+          <a:xfrm>
+            <a:off x="942387" y="1559356"/>
+            <a:ext cx="10237694" cy="369332"/>
+          </a:xfrm>
+          <a:prstGeom prst="rect">
+            <a:avLst/>
+          </a:prstGeom>
+          <a:noFill/>
+        </p:spPr>
+        <p:txBody>
+          <a:bodyPr wrap="square" rtlCol="0">
+            <a:spAutoFit/>
+          </a:bodyPr>
+          <a:lstStyle/>
+          <a:p>
+            <a:r>
+              <a:rPr lang="ko-KR" altLang="en-US" dirty="0">
+                <a:latin typeface="나눔스퀘어 Light" panose="020B0600000101010101" pitchFamily="50" charset="-127"/>
+                <a:ea typeface="나눔스퀘어 Light" panose="020B0600000101010101" pitchFamily="50" charset="-127"/>
+              </a:rPr>
+              <a:t>후위 표기식이란</a:t>
+            </a:r>
+            <a:r>
+              <a:rPr lang="en-US" altLang="ko-KR" dirty="0">
+                <a:latin typeface="나눔스퀘어 Light" panose="020B0600000101010101" pitchFamily="50" charset="-127"/>
+                <a:ea typeface="나눔스퀘어 Light" panose="020B0600000101010101" pitchFamily="50" charset="-127"/>
+              </a:rPr>
+              <a:t>, </a:t>
+            </a:r>
+            <a:r>
+              <a:rPr lang="ko-KR" altLang="en-US" dirty="0">
+                <a:latin typeface="나눔스퀘어 Light" panose="020B0600000101010101" pitchFamily="50" charset="-127"/>
+                <a:ea typeface="나눔스퀘어 Light" panose="020B0600000101010101" pitchFamily="50" charset="-127"/>
+              </a:rPr>
+              <a:t>말 그대로 연산자가 피연산자의 뒤에 있는 수식을 의미합니다</a:t>
+            </a:r>
+            <a:r>
+              <a:rPr lang="en-US" altLang="ko-KR">
+                <a:latin typeface="나눔스퀘어 Light" panose="020B0600000101010101" pitchFamily="50" charset="-127"/>
+                <a:ea typeface="나눔스퀘어 Light" panose="020B0600000101010101" pitchFamily="50" charset="-127"/>
+              </a:rPr>
+              <a:t>.</a:t>
+            </a:r>
+            <a:endParaRPr lang="ko-KR" altLang="en-US" dirty="0">
+              <a:latin typeface="나눔스퀘어 Light" panose="020B0600000101010101" pitchFamily="50" charset="-127"/>
+              <a:ea typeface="나눔스퀘어 Light" panose="020B0600000101010101" pitchFamily="50" charset="-127"/>
+            </a:endParaRPr>
+          </a:p>
+        </p:txBody>
+      </p:sp>
+      <p:sp>
+        <p:nvSpPr>
+          <p:cNvPr id="4" name="TextBox 3">
+            <a:extLst>
+              <a:ext uri="{FF2B5EF4-FFF2-40B4-BE49-F238E27FC236}">
+                <a16:creationId xmlns:a16="http://schemas.microsoft.com/office/drawing/2014/main" id="{77C91571-4639-DE6D-2E91-64CE8911ABF4}"/>
+              </a:ext>
+            </a:extLst>
+          </p:cNvPr>
+          <p:cNvSpPr txBox="1"/>
+          <p:nvPr/>
+        </p:nvSpPr>
+        <p:spPr>
+          <a:xfrm>
+            <a:off x="942387" y="2298020"/>
+            <a:ext cx="10237694" cy="369332"/>
+          </a:xfrm>
+          <a:prstGeom prst="rect">
+            <a:avLst/>
+          </a:prstGeom>
+          <a:noFill/>
+        </p:spPr>
+        <p:txBody>
+          <a:bodyPr wrap="square" rtlCol="0">
+            <a:spAutoFit/>
+          </a:bodyPr>
+          <a:lstStyle/>
+          <a:p>
+            <a:r>
+              <a:rPr lang="ko-KR" altLang="en-US" dirty="0">
+                <a:latin typeface="나눔스퀘어 Light" panose="020B0600000101010101" pitchFamily="50" charset="-127"/>
+                <a:ea typeface="나눔스퀘어 Light" panose="020B0600000101010101" pitchFamily="50" charset="-127"/>
+              </a:rPr>
+              <a:t>중위 표기식</a:t>
+            </a:r>
+            <a:r>
+              <a:rPr lang="en-US" altLang="ko-KR" dirty="0">
+                <a:latin typeface="나눔스퀘어 Light" panose="020B0600000101010101" pitchFamily="50" charset="-127"/>
+                <a:ea typeface="나눔스퀘어 Light" panose="020B0600000101010101" pitchFamily="50" charset="-127"/>
+              </a:rPr>
+              <a:t>(Infix Expression) : 3 + 5 × 2</a:t>
+            </a:r>
+            <a:endParaRPr lang="ko-KR" altLang="en-US" dirty="0">
+              <a:latin typeface="나눔스퀘어 Light" panose="020B0600000101010101" pitchFamily="50" charset="-127"/>
+              <a:ea typeface="나눔스퀘어 Light" panose="020B0600000101010101" pitchFamily="50" charset="-127"/>
+            </a:endParaRPr>
+          </a:p>
+        </p:txBody>
+      </p:sp>
+      <p:sp>
+        <p:nvSpPr>
+          <p:cNvPr id="7" name="TextBox 6">
+            <a:extLst>
+              <a:ext uri="{FF2B5EF4-FFF2-40B4-BE49-F238E27FC236}">
+                <a16:creationId xmlns:a16="http://schemas.microsoft.com/office/drawing/2014/main" id="{4D4A6D87-56C1-CCC6-94E3-AC8B7D8C26DC}"/>
+              </a:ext>
+            </a:extLst>
+          </p:cNvPr>
+          <p:cNvSpPr txBox="1"/>
+          <p:nvPr/>
+        </p:nvSpPr>
+        <p:spPr>
+          <a:xfrm>
+            <a:off x="942387" y="2667352"/>
+            <a:ext cx="10237694" cy="369332"/>
+          </a:xfrm>
+          <a:prstGeom prst="rect">
+            <a:avLst/>
+          </a:prstGeom>
+          <a:noFill/>
+        </p:spPr>
+        <p:txBody>
+          <a:bodyPr wrap="square" rtlCol="0">
+            <a:spAutoFit/>
+          </a:bodyPr>
+          <a:lstStyle/>
+          <a:p>
+            <a:r>
+              <a:rPr lang="ko-KR" altLang="en-US" dirty="0">
+                <a:latin typeface="나눔스퀘어 Light" panose="020B0600000101010101" pitchFamily="50" charset="-127"/>
+                <a:ea typeface="나눔스퀘어 Light" panose="020B0600000101010101" pitchFamily="50" charset="-127"/>
+              </a:rPr>
+              <a:t>전위 표기식</a:t>
+            </a:r>
+            <a:r>
+              <a:rPr lang="en-US" altLang="ko-KR" dirty="0">
+                <a:latin typeface="나눔스퀘어 Light" panose="020B0600000101010101" pitchFamily="50" charset="-127"/>
+                <a:ea typeface="나눔스퀘어 Light" panose="020B0600000101010101" pitchFamily="50" charset="-127"/>
+              </a:rPr>
+              <a:t>(Prefix Expression) : + 3 × 5 2</a:t>
+            </a:r>
+            <a:endParaRPr lang="ko-KR" altLang="en-US" dirty="0">
+              <a:latin typeface="나눔스퀘어 Light" panose="020B0600000101010101" pitchFamily="50" charset="-127"/>
+              <a:ea typeface="나눔스퀘어 Light" panose="020B0600000101010101" pitchFamily="50" charset="-127"/>
+            </a:endParaRPr>
+          </a:p>
+        </p:txBody>
+      </p:sp>
+      <p:sp>
+        <p:nvSpPr>
+          <p:cNvPr id="8" name="TextBox 7">
+            <a:extLst>
+              <a:ext uri="{FF2B5EF4-FFF2-40B4-BE49-F238E27FC236}">
+                <a16:creationId xmlns:a16="http://schemas.microsoft.com/office/drawing/2014/main" id="{9CE4BE3B-0498-D7BD-4517-8AA724CA2E49}"/>
+              </a:ext>
+            </a:extLst>
+          </p:cNvPr>
+          <p:cNvSpPr txBox="1"/>
+          <p:nvPr/>
+        </p:nvSpPr>
+        <p:spPr>
+          <a:xfrm>
+            <a:off x="942387" y="3036684"/>
+            <a:ext cx="10237694" cy="369332"/>
+          </a:xfrm>
+          <a:prstGeom prst="rect">
+            <a:avLst/>
+          </a:prstGeom>
+          <a:noFill/>
+        </p:spPr>
+        <p:txBody>
+          <a:bodyPr wrap="square" rtlCol="0">
+            <a:spAutoFit/>
+          </a:bodyPr>
+          <a:lstStyle/>
+          <a:p>
+            <a:r>
+              <a:rPr lang="ko-KR" altLang="en-US" dirty="0">
+                <a:latin typeface="나눔스퀘어 Light" panose="020B0600000101010101" pitchFamily="50" charset="-127"/>
+                <a:ea typeface="나눔스퀘어 Light" panose="020B0600000101010101" pitchFamily="50" charset="-127"/>
+              </a:rPr>
+              <a:t>후위 표기식</a:t>
+            </a:r>
+            <a:r>
+              <a:rPr lang="en-US" altLang="ko-KR" dirty="0">
+                <a:latin typeface="나눔스퀘어 Light" panose="020B0600000101010101" pitchFamily="50" charset="-127"/>
+                <a:ea typeface="나눔스퀘어 Light" panose="020B0600000101010101" pitchFamily="50" charset="-127"/>
+              </a:rPr>
+              <a:t>(Postfix Expression) : 3 5 2 × +</a:t>
+            </a:r>
+            <a:endParaRPr lang="ko-KR" altLang="en-US" dirty="0">
+              <a:latin typeface="나눔스퀘어 Light" panose="020B0600000101010101" pitchFamily="50" charset="-127"/>
+              <a:ea typeface="나눔스퀘어 Light" panose="020B0600000101010101" pitchFamily="50" charset="-127"/>
+            </a:endParaRPr>
+          </a:p>
+        </p:txBody>
+      </p:sp>
+      <p:sp>
+        <p:nvSpPr>
+          <p:cNvPr id="10" name="TextBox 9">
+            <a:extLst>
+              <a:ext uri="{FF2B5EF4-FFF2-40B4-BE49-F238E27FC236}">
+                <a16:creationId xmlns:a16="http://schemas.microsoft.com/office/drawing/2014/main" id="{1AEAB63E-A479-57C5-D010-1B9701AF7F8A}"/>
+              </a:ext>
+            </a:extLst>
+          </p:cNvPr>
+          <p:cNvSpPr txBox="1"/>
+          <p:nvPr/>
+        </p:nvSpPr>
+        <p:spPr>
+          <a:xfrm>
+            <a:off x="942387" y="4144680"/>
+            <a:ext cx="10237694" cy="369332"/>
+          </a:xfrm>
+          <a:prstGeom prst="rect">
+            <a:avLst/>
+          </a:prstGeom>
+          <a:noFill/>
+        </p:spPr>
+        <p:txBody>
+          <a:bodyPr wrap="square" rtlCol="0">
+            <a:spAutoFit/>
+          </a:bodyPr>
+          <a:lstStyle/>
+          <a:p>
+            <a:r>
+              <a:rPr lang="ko-KR" altLang="en-US" dirty="0">
+                <a:latin typeface="나눔스퀘어 Light" panose="020B0600000101010101" pitchFamily="50" charset="-127"/>
+                <a:ea typeface="나눔스퀘어 Light" panose="020B0600000101010101" pitchFamily="50" charset="-127"/>
+              </a:rPr>
+              <a:t>왜 후위 표기법을 쓸까요</a:t>
+            </a:r>
+            <a:r>
+              <a:rPr lang="en-US" altLang="ko-KR" dirty="0">
+                <a:latin typeface="나눔스퀘어 Light" panose="020B0600000101010101" pitchFamily="50" charset="-127"/>
+                <a:ea typeface="나눔스퀘어 Light" panose="020B0600000101010101" pitchFamily="50" charset="-127"/>
+              </a:rPr>
+              <a:t>?</a:t>
+            </a:r>
+            <a:endParaRPr lang="ko-KR" altLang="en-US" dirty="0">
+              <a:latin typeface="나눔스퀘어 Light" panose="020B0600000101010101" pitchFamily="50" charset="-127"/>
+              <a:ea typeface="나눔스퀘어 Light" panose="020B0600000101010101" pitchFamily="50" charset="-127"/>
+            </a:endParaRPr>
+          </a:p>
+        </p:txBody>
+      </p:sp>
+      <p:sp>
+        <p:nvSpPr>
+          <p:cNvPr id="11" name="TextBox 10">
+            <a:extLst>
+              <a:ext uri="{FF2B5EF4-FFF2-40B4-BE49-F238E27FC236}">
+                <a16:creationId xmlns:a16="http://schemas.microsoft.com/office/drawing/2014/main" id="{B788C7A4-E1D7-B78F-695C-A0FC5A41DE44}"/>
+              </a:ext>
+            </a:extLst>
+          </p:cNvPr>
+          <p:cNvSpPr txBox="1"/>
+          <p:nvPr/>
+        </p:nvSpPr>
+        <p:spPr>
+          <a:xfrm>
+            <a:off x="942387" y="4514012"/>
+            <a:ext cx="10237694" cy="369332"/>
+          </a:xfrm>
+          <a:prstGeom prst="rect">
+            <a:avLst/>
+          </a:prstGeom>
+          <a:noFill/>
+        </p:spPr>
+        <p:txBody>
+          <a:bodyPr wrap="square" rtlCol="0">
+            <a:spAutoFit/>
+          </a:bodyPr>
+          <a:lstStyle/>
+          <a:p>
+            <a:r>
+              <a:rPr lang="ko-KR" altLang="en-US" dirty="0">
+                <a:latin typeface="나눔스퀘어 Light" panose="020B0600000101010101" pitchFamily="50" charset="-127"/>
+                <a:ea typeface="나눔스퀘어 Light" panose="020B0600000101010101" pitchFamily="50" charset="-127"/>
+              </a:rPr>
+              <a:t>괄호가 </a:t>
+            </a:r>
+            <a:r>
+              <a:rPr lang="ko-KR" altLang="en-US" dirty="0" err="1">
+                <a:latin typeface="나눔스퀘어 Light" panose="020B0600000101010101" pitchFamily="50" charset="-127"/>
+                <a:ea typeface="나눔스퀘어 Light" panose="020B0600000101010101" pitchFamily="50" charset="-127"/>
+              </a:rPr>
+              <a:t>필요없음</a:t>
+            </a:r>
+            <a:r>
+              <a:rPr lang="ko-KR" altLang="en-US" dirty="0">
+                <a:latin typeface="나눔스퀘어 Light" panose="020B0600000101010101" pitchFamily="50" charset="-127"/>
+                <a:ea typeface="나눔스퀘어 Light" panose="020B0600000101010101" pitchFamily="50" charset="-127"/>
+              </a:rPr>
+              <a:t> </a:t>
+            </a:r>
+            <a:r>
+              <a:rPr lang="en-US" altLang="ko-KR" dirty="0">
+                <a:latin typeface="나눔스퀘어 Light" panose="020B0600000101010101" pitchFamily="50" charset="-127"/>
+                <a:ea typeface="나눔스퀘어 Light" panose="020B0600000101010101" pitchFamily="50" charset="-127"/>
+              </a:rPr>
+              <a:t>(</a:t>
+            </a:r>
+            <a:r>
+              <a:rPr lang="ko-KR" altLang="en-US" dirty="0">
+                <a:latin typeface="나눔스퀘어 Light" panose="020B0600000101010101" pitchFamily="50" charset="-127"/>
+                <a:ea typeface="나눔스퀘어 Light" panose="020B0600000101010101" pitchFamily="50" charset="-127"/>
+              </a:rPr>
+              <a:t>괄호를 쓰지 않고도 먼저 계산해야 할 내용을 나타낼 수 있음</a:t>
+            </a:r>
+            <a:r>
+              <a:rPr lang="en-US" altLang="ko-KR" dirty="0">
+                <a:latin typeface="나눔스퀘어 Light" panose="020B0600000101010101" pitchFamily="50" charset="-127"/>
+                <a:ea typeface="나눔스퀘어 Light" panose="020B0600000101010101" pitchFamily="50" charset="-127"/>
+              </a:rPr>
+              <a:t>)</a:t>
+            </a:r>
+            <a:endParaRPr lang="ko-KR" altLang="en-US" dirty="0">
+              <a:latin typeface="나눔스퀘어 Light" panose="020B0600000101010101" pitchFamily="50" charset="-127"/>
+              <a:ea typeface="나눔스퀘어 Light" panose="020B0600000101010101" pitchFamily="50" charset="-127"/>
+            </a:endParaRPr>
+          </a:p>
+        </p:txBody>
+      </p:sp>
+      <p:sp>
+        <p:nvSpPr>
+          <p:cNvPr id="12" name="TextBox 11">
+            <a:extLst>
+              <a:ext uri="{FF2B5EF4-FFF2-40B4-BE49-F238E27FC236}">
+                <a16:creationId xmlns:a16="http://schemas.microsoft.com/office/drawing/2014/main" id="{723CE4CA-B836-BE86-9B44-C457D4672D74}"/>
+              </a:ext>
+            </a:extLst>
+          </p:cNvPr>
+          <p:cNvSpPr txBox="1"/>
+          <p:nvPr/>
+        </p:nvSpPr>
+        <p:spPr>
+          <a:xfrm>
+            <a:off x="942387" y="4883344"/>
+            <a:ext cx="10237694" cy="369332"/>
+          </a:xfrm>
+          <a:prstGeom prst="rect">
+            <a:avLst/>
+          </a:prstGeom>
+          <a:noFill/>
+        </p:spPr>
+        <p:txBody>
+          <a:bodyPr wrap="square" rtlCol="0">
+            <a:spAutoFit/>
+          </a:bodyPr>
+          <a:lstStyle/>
+          <a:p>
+            <a:r>
+              <a:rPr lang="ko-KR" altLang="en-US" dirty="0">
+                <a:latin typeface="나눔스퀘어 Light" panose="020B0600000101010101" pitchFamily="50" charset="-127"/>
+                <a:ea typeface="나눔스퀘어 Light" panose="020B0600000101010101" pitchFamily="50" charset="-127"/>
+              </a:rPr>
+              <a:t>연산자 우선순위를 고려할 필요가 없음</a:t>
+            </a:r>
+          </a:p>
+        </p:txBody>
+      </p:sp>
+      <p:sp>
+        <p:nvSpPr>
+          <p:cNvPr id="13" name="TextBox 12">
+            <a:extLst>
+              <a:ext uri="{FF2B5EF4-FFF2-40B4-BE49-F238E27FC236}">
+                <a16:creationId xmlns:a16="http://schemas.microsoft.com/office/drawing/2014/main" id="{1F1D051D-FE0F-CE16-A388-74DA2F3B2A60}"/>
+              </a:ext>
+            </a:extLst>
+          </p:cNvPr>
+          <p:cNvSpPr txBox="1"/>
+          <p:nvPr/>
+        </p:nvSpPr>
+        <p:spPr>
+          <a:xfrm>
+            <a:off x="942387" y="5252676"/>
+            <a:ext cx="10237694" cy="369332"/>
+          </a:xfrm>
+          <a:prstGeom prst="rect">
+            <a:avLst/>
+          </a:prstGeom>
+          <a:noFill/>
+        </p:spPr>
+        <p:txBody>
+          <a:bodyPr wrap="square" rtlCol="0">
+            <a:spAutoFit/>
+          </a:bodyPr>
+          <a:lstStyle/>
+          <a:p>
+            <a:r>
+              <a:rPr lang="ko-KR" altLang="en-US" dirty="0">
+                <a:latin typeface="나눔스퀘어 Light" panose="020B0600000101010101" pitchFamily="50" charset="-127"/>
+                <a:ea typeface="나눔스퀘어 Light" panose="020B0600000101010101" pitchFamily="50" charset="-127"/>
+              </a:rPr>
+              <a:t>수식을 읽으면서 바로 계산할 수 있음 </a:t>
+            </a:r>
+            <a:r>
+              <a:rPr lang="en-US" altLang="ko-KR" dirty="0">
+                <a:latin typeface="나눔스퀘어 Light" panose="020B0600000101010101" pitchFamily="50" charset="-127"/>
+                <a:ea typeface="나눔스퀘어 Light" panose="020B0600000101010101" pitchFamily="50" charset="-127"/>
+              </a:rPr>
+              <a:t>(</a:t>
+            </a:r>
+            <a:r>
+              <a:rPr lang="ko-KR" altLang="en-US" dirty="0">
+                <a:latin typeface="나눔스퀘어 Light" panose="020B0600000101010101" pitchFamily="50" charset="-127"/>
+                <a:ea typeface="나눔스퀘어 Light" panose="020B0600000101010101" pitchFamily="50" charset="-127"/>
+              </a:rPr>
+              <a:t>중위 표현식의 경우</a:t>
+            </a:r>
+            <a:r>
+              <a:rPr lang="en-US" altLang="ko-KR" dirty="0">
+                <a:latin typeface="나눔스퀘어 Light" panose="020B0600000101010101" pitchFamily="50" charset="-127"/>
+                <a:ea typeface="나눔스퀘어 Light" panose="020B0600000101010101" pitchFamily="50" charset="-127"/>
+              </a:rPr>
+              <a:t>, </a:t>
+            </a:r>
+            <a:r>
+              <a:rPr lang="ko-KR" altLang="en-US" dirty="0">
+                <a:latin typeface="나눔스퀘어 Light" panose="020B0600000101010101" pitchFamily="50" charset="-127"/>
+                <a:ea typeface="나눔스퀘어 Light" panose="020B0600000101010101" pitchFamily="50" charset="-127"/>
+              </a:rPr>
+              <a:t>괄호가 존재해 수식을 끝까지 읽은 후에 계산 가능</a:t>
+            </a:r>
+            <a:r>
+              <a:rPr lang="en-US" altLang="ko-KR" dirty="0">
+                <a:latin typeface="나눔스퀘어 Light" panose="020B0600000101010101" pitchFamily="50" charset="-127"/>
+                <a:ea typeface="나눔스퀘어 Light" panose="020B0600000101010101" pitchFamily="50" charset="-127"/>
+              </a:rPr>
+              <a:t>)</a:t>
+            </a:r>
+            <a:endParaRPr lang="ko-KR" altLang="en-US" dirty="0">
+              <a:latin typeface="나눔스퀘어 Light" panose="020B0600000101010101" pitchFamily="50" charset="-127"/>
+              <a:ea typeface="나눔스퀘어 Light" panose="020B0600000101010101" pitchFamily="50" charset="-127"/>
+            </a:endParaRPr>
+          </a:p>
+        </p:txBody>
+      </p:sp>
+      <p:sp>
+        <p:nvSpPr>
+          <p:cNvPr id="9" name="TextBox 8">
+            <a:extLst>
+              <a:ext uri="{FF2B5EF4-FFF2-40B4-BE49-F238E27FC236}">
+                <a16:creationId xmlns:a16="http://schemas.microsoft.com/office/drawing/2014/main" id="{31008A26-2BFE-0C2B-0C35-AA486556DF58}"/>
+              </a:ext>
+            </a:extLst>
+          </p:cNvPr>
+          <p:cNvSpPr txBox="1"/>
+          <p:nvPr/>
+        </p:nvSpPr>
+        <p:spPr>
+          <a:xfrm>
             <a:off x="331694" y="177505"/>
-            <a:ext cx="3809248" cy="523220"/>
+            <a:ext cx="4912114" cy="523220"/>
           </a:xfrm>
           <a:prstGeom prst="rect">
             <a:avLst/>
@@ -8231,52 +12517,36 @@
                 <a:latin typeface="나눔스퀘어 Bold" panose="020B0600000101010101" pitchFamily="50" charset="-127"/>
                 <a:ea typeface="나눔스퀘어 Bold" panose="020B0600000101010101" pitchFamily="50" charset="-127"/>
               </a:rPr>
-              <a:t>Graph – 2606 </a:t>
+              <a:t>Tree</a:t>
             </a:r>
             <a:r>
               <a:rPr lang="ko-KR" altLang="en-US" sz="2800" dirty="0">
                 <a:latin typeface="나눔스퀘어 Bold" panose="020B0600000101010101" pitchFamily="50" charset="-127"/>
                 <a:ea typeface="나눔스퀘어 Bold" panose="020B0600000101010101" pitchFamily="50" charset="-127"/>
               </a:rPr>
-              <a:t>바이러스</a:t>
-            </a:r>
-          </a:p>
-        </p:txBody>
-      </p:sp>
-      <p:pic>
-        <p:nvPicPr>
-          <p:cNvPr id="7" name="그림 6">
-            <a:extLst>
-              <a:ext uri="{FF2B5EF4-FFF2-40B4-BE49-F238E27FC236}">
-                <a16:creationId xmlns:a16="http://schemas.microsoft.com/office/drawing/2014/main" id="{0200E58E-AE40-8E5B-9A13-0D4395C455A4}"/>
-              </a:ext>
-            </a:extLst>
-          </p:cNvPr>
-          <p:cNvPicPr>
-            <a:picLocks noChangeAspect="1"/>
-          </p:cNvPicPr>
-          <p:nvPr/>
-        </p:nvPicPr>
-        <p:blipFill>
-          <a:blip r:embed="rId2"/>
-          <a:stretch>
-            <a:fillRect/>
-          </a:stretch>
-        </p:blipFill>
-        <p:spPr>
-          <a:xfrm>
-            <a:off x="331694" y="1074286"/>
-            <a:ext cx="10821910" cy="4401164"/>
-          </a:xfrm>
-          <a:prstGeom prst="rect">
-            <a:avLst/>
-          </a:prstGeom>
-        </p:spPr>
-      </p:pic>
+              <a:t> </a:t>
+            </a:r>
+            <a:r>
+              <a:rPr lang="en-US" altLang="ko-KR" sz="2800" dirty="0">
+                <a:latin typeface="나눔스퀘어 Bold" panose="020B0600000101010101" pitchFamily="50" charset="-127"/>
+                <a:ea typeface="나눔스퀘어 Bold" panose="020B0600000101010101" pitchFamily="50" charset="-127"/>
+              </a:rPr>
+              <a:t>– 11725 </a:t>
+            </a:r>
+            <a:r>
+              <a:rPr lang="ko-KR" altLang="en-US" sz="2800" dirty="0">
+                <a:latin typeface="나눔스퀘어 Bold" panose="020B0600000101010101" pitchFamily="50" charset="-127"/>
+                <a:ea typeface="나눔스퀘어 Bold" panose="020B0600000101010101" pitchFamily="50" charset="-127"/>
+              </a:rPr>
+              <a:t>트리의 부모 찾기</a:t>
+            </a:r>
+          </a:p>
+        </p:txBody>
+      </p:sp>
     </p:spTree>
     <p:extLst>
       <p:ext uri="{BB962C8B-B14F-4D97-AF65-F5344CB8AC3E}">
-        <p14:creationId xmlns:p14="http://schemas.microsoft.com/office/powerpoint/2010/main" val="2401598668"/>
+        <p14:creationId xmlns:p14="http://schemas.microsoft.com/office/powerpoint/2010/main" val="4187972177"/>
       </p:ext>
     </p:extLst>
   </p:cSld>
@@ -8349,10 +12619,10 @@
       </p:cxnSp>
       <p:sp>
         <p:nvSpPr>
-          <p:cNvPr id="3" name="TextBox 2">
-            <a:extLst>
-              <a:ext uri="{FF2B5EF4-FFF2-40B4-BE49-F238E27FC236}">
-                <a16:creationId xmlns:a16="http://schemas.microsoft.com/office/drawing/2014/main" id="{55A2659C-619F-80B4-6BDF-B649C7E7DBE9}"/>
+          <p:cNvPr id="2" name="TextBox 1">
+            <a:extLst>
+              <a:ext uri="{FF2B5EF4-FFF2-40B4-BE49-F238E27FC236}">
+                <a16:creationId xmlns:a16="http://schemas.microsoft.com/office/drawing/2014/main" id="{7A9F668B-4598-7703-B5DB-B80899A1C734}"/>
               </a:ext>
             </a:extLst>
           </p:cNvPr>
@@ -8361,71 +12631,8 @@
         </p:nvSpPr>
         <p:spPr>
           <a:xfrm>
-            <a:off x="942387" y="1190024"/>
-            <a:ext cx="10237694" cy="369332"/>
-          </a:xfrm>
-          <a:prstGeom prst="rect">
-            <a:avLst/>
-          </a:prstGeom>
-          <a:noFill/>
-        </p:spPr>
-        <p:txBody>
-          <a:bodyPr wrap="square" rtlCol="0">
-            <a:spAutoFit/>
-          </a:bodyPr>
-          <a:lstStyle/>
-          <a:p>
-            <a:r>
-              <a:rPr lang="ko-KR" altLang="en-US" dirty="0">
-                <a:latin typeface="나눔스퀘어 Light" panose="020B0600000101010101" pitchFamily="50" charset="-127"/>
-                <a:ea typeface="나눔스퀘어 Light" panose="020B0600000101010101" pitchFamily="50" charset="-127"/>
-              </a:rPr>
-              <a:t>전형적인 큐를 사용하는 문제이지만</a:t>
-            </a:r>
-            <a:r>
-              <a:rPr lang="en-US" altLang="ko-KR" dirty="0">
-                <a:latin typeface="나눔스퀘어 Light" panose="020B0600000101010101" pitchFamily="50" charset="-127"/>
-                <a:ea typeface="나눔스퀘어 Light" panose="020B0600000101010101" pitchFamily="50" charset="-127"/>
-              </a:rPr>
-              <a:t>, </a:t>
-            </a:r>
-            <a:r>
-              <a:rPr lang="ko-KR" altLang="en-US" dirty="0">
-                <a:latin typeface="나눔스퀘어 Light" panose="020B0600000101010101" pitchFamily="50" charset="-127"/>
-                <a:ea typeface="나눔스퀘어 Light" panose="020B0600000101010101" pitchFamily="50" charset="-127"/>
-              </a:rPr>
-              <a:t>꼭 큐를 사용해야만 풀 수 있는 것은 아닙니다</a:t>
-            </a:r>
-            <a:r>
-              <a:rPr lang="en-US" altLang="ko-KR" dirty="0">
-                <a:latin typeface="나눔스퀘어 Light" panose="020B0600000101010101" pitchFamily="50" charset="-127"/>
-                <a:ea typeface="나눔스퀘어 Light" panose="020B0600000101010101" pitchFamily="50" charset="-127"/>
-              </a:rPr>
-              <a:t>.</a:t>
-            </a:r>
-            <a:endParaRPr lang="ko-KR" altLang="en-US" dirty="0">
-              <a:latin typeface="나눔스퀘어 Light" panose="020B0600000101010101" pitchFamily="50" charset="-127"/>
-              <a:ea typeface="나눔스퀘어 Light" panose="020B0600000101010101" pitchFamily="50" charset="-127"/>
-            </a:endParaRPr>
-          </a:p>
-        </p:txBody>
-      </p:sp>
-      <p:sp>
-        <p:nvSpPr>
-          <p:cNvPr id="4" name="TextBox 3">
-            <a:extLst>
-              <a:ext uri="{FF2B5EF4-FFF2-40B4-BE49-F238E27FC236}">
-                <a16:creationId xmlns:a16="http://schemas.microsoft.com/office/drawing/2014/main" id="{5309C74F-4AB5-553D-92E5-3E70398F8530}"/>
-              </a:ext>
-            </a:extLst>
-          </p:cNvPr>
-          <p:cNvSpPr txBox="1"/>
-          <p:nvPr/>
-        </p:nvSpPr>
-        <p:spPr>
-          <a:xfrm>
             <a:off x="331694" y="177505"/>
-            <a:ext cx="3809248" cy="523220"/>
+            <a:ext cx="4242059" cy="523220"/>
           </a:xfrm>
           <a:prstGeom prst="rect">
             <a:avLst/>
@@ -8443,22 +12650,63 @@
                 <a:latin typeface="나눔스퀘어 Bold" panose="020B0600000101010101" pitchFamily="50" charset="-127"/>
                 <a:ea typeface="나눔스퀘어 Bold" panose="020B0600000101010101" pitchFamily="50" charset="-127"/>
               </a:rPr>
-              <a:t>Graph – 2606 </a:t>
+              <a:t>Graph – 1260 DFS</a:t>
             </a:r>
             <a:r>
               <a:rPr lang="ko-KR" altLang="en-US" sz="2800" dirty="0">
                 <a:latin typeface="나눔스퀘어 Bold" panose="020B0600000101010101" pitchFamily="50" charset="-127"/>
                 <a:ea typeface="나눔스퀘어 Bold" panose="020B0600000101010101" pitchFamily="50" charset="-127"/>
               </a:rPr>
-              <a:t>바이러스</a:t>
-            </a:r>
-          </a:p>
-        </p:txBody>
-      </p:sp>
+              <a:t>와 </a:t>
+            </a:r>
+            <a:r>
+              <a:rPr lang="en-US" altLang="ko-KR" sz="2800" dirty="0">
+                <a:latin typeface="나눔스퀘어 Bold" panose="020B0600000101010101" pitchFamily="50" charset="-127"/>
+                <a:ea typeface="나눔스퀘어 Bold" panose="020B0600000101010101" pitchFamily="50" charset="-127"/>
+              </a:rPr>
+              <a:t>BFS</a:t>
+            </a:r>
+            <a:endParaRPr lang="ko-KR" altLang="en-US" sz="2800" dirty="0">
+              <a:latin typeface="나눔스퀘어 Bold" panose="020B0600000101010101" pitchFamily="50" charset="-127"/>
+              <a:ea typeface="나눔스퀘어 Bold" panose="020B0600000101010101" pitchFamily="50" charset="-127"/>
+            </a:endParaRPr>
+          </a:p>
+        </p:txBody>
+      </p:sp>
+      <p:pic>
+        <p:nvPicPr>
+          <p:cNvPr id="4" name="그림 3">
+            <a:extLst>
+              <a:ext uri="{FF2B5EF4-FFF2-40B4-BE49-F238E27FC236}">
+                <a16:creationId xmlns:a16="http://schemas.microsoft.com/office/drawing/2014/main" id="{E213531B-4F62-6B98-A0AA-59F91309B459}"/>
+              </a:ext>
+            </a:extLst>
+          </p:cNvPr>
+          <p:cNvPicPr>
+            <a:picLocks noChangeAspect="1"/>
+          </p:cNvPicPr>
+          <p:nvPr/>
+        </p:nvPicPr>
+        <p:blipFill>
+          <a:blip r:embed="rId2"/>
+          <a:stretch>
+            <a:fillRect/>
+          </a:stretch>
+        </p:blipFill>
+        <p:spPr>
+          <a:xfrm>
+            <a:off x="331694" y="973178"/>
+            <a:ext cx="9962039" cy="5461379"/>
+          </a:xfrm>
+          <a:prstGeom prst="rect">
+            <a:avLst/>
+          </a:prstGeom>
+        </p:spPr>
+      </p:pic>
     </p:spTree>
     <p:extLst>
       <p:ext uri="{BB962C8B-B14F-4D97-AF65-F5344CB8AC3E}">
-        <p14:creationId xmlns:p14="http://schemas.microsoft.com/office/powerpoint/2010/main" val="168362199"/>
+        <p14:creationId xmlns:p14="http://schemas.microsoft.com/office/powerpoint/2010/main" val="3852066961"/>
       </p:ext>
     </p:extLst>
   </p:cSld>
@@ -8534,7 +12782,7 @@
           <p:cNvPr id="3" name="TextBox 2">
             <a:extLst>
               <a:ext uri="{FF2B5EF4-FFF2-40B4-BE49-F238E27FC236}">
-                <a16:creationId xmlns:a16="http://schemas.microsoft.com/office/drawing/2014/main" id="{B3B954B2-DB7F-EEC1-438C-CB91D3B18AE1}"/>
+                <a16:creationId xmlns:a16="http://schemas.microsoft.com/office/drawing/2014/main" id="{2929977D-4B28-4A77-BFAA-69E6FF174D27}"/>
               </a:ext>
             </a:extLst>
           </p:cNvPr>
@@ -8543,8 +12791,161 @@
         </p:nvSpPr>
         <p:spPr>
           <a:xfrm>
+            <a:off x="942387" y="1190024"/>
+            <a:ext cx="10237694" cy="369332"/>
+          </a:xfrm>
+          <a:prstGeom prst="rect">
+            <a:avLst/>
+          </a:prstGeom>
+          <a:noFill/>
+        </p:spPr>
+        <p:txBody>
+          <a:bodyPr wrap="square" rtlCol="0">
+            <a:spAutoFit/>
+          </a:bodyPr>
+          <a:lstStyle/>
+          <a:p>
+            <a:r>
+              <a:rPr lang="ko-KR" altLang="en-US" dirty="0">
+                <a:latin typeface="나눔스퀘어 Light" panose="020B0600000101010101" pitchFamily="50" charset="-127"/>
+                <a:ea typeface="나눔스퀘어 Light" panose="020B0600000101010101" pitchFamily="50" charset="-127"/>
+              </a:rPr>
+              <a:t>스택과 마찬가지로</a:t>
+            </a:r>
+            <a:r>
+              <a:rPr lang="en-US" altLang="ko-KR" dirty="0">
+                <a:latin typeface="나눔스퀘어 Light" panose="020B0600000101010101" pitchFamily="50" charset="-127"/>
+                <a:ea typeface="나눔스퀘어 Light" panose="020B0600000101010101" pitchFamily="50" charset="-127"/>
+              </a:rPr>
+              <a:t>, </a:t>
+            </a:r>
+            <a:r>
+              <a:rPr lang="ko-KR" altLang="en-US" dirty="0">
+                <a:latin typeface="나눔스퀘어 Light" panose="020B0600000101010101" pitchFamily="50" charset="-127"/>
+                <a:ea typeface="나눔스퀘어 Light" panose="020B0600000101010101" pitchFamily="50" charset="-127"/>
+              </a:rPr>
+              <a:t>구현해본 큐를 채점할 수 있는 문제</a:t>
+            </a:r>
+          </a:p>
+        </p:txBody>
+      </p:sp>
+      <p:sp>
+        <p:nvSpPr>
+          <p:cNvPr id="11" name="TextBox 10">
+            <a:extLst>
+              <a:ext uri="{FF2B5EF4-FFF2-40B4-BE49-F238E27FC236}">
+                <a16:creationId xmlns:a16="http://schemas.microsoft.com/office/drawing/2014/main" id="{55838BC7-EF0F-5B81-2952-60BCF736A512}"/>
+              </a:ext>
+            </a:extLst>
+          </p:cNvPr>
+          <p:cNvSpPr txBox="1"/>
+          <p:nvPr/>
+        </p:nvSpPr>
+        <p:spPr>
+          <a:xfrm>
+            <a:off x="942387" y="1559356"/>
+            <a:ext cx="10237694" cy="369332"/>
+          </a:xfrm>
+          <a:prstGeom prst="rect">
+            <a:avLst/>
+          </a:prstGeom>
+          <a:noFill/>
+        </p:spPr>
+        <p:txBody>
+          <a:bodyPr wrap="square" rtlCol="0">
+            <a:spAutoFit/>
+          </a:bodyPr>
+          <a:lstStyle/>
+          <a:p>
+            <a:r>
+              <a:rPr lang="ko-KR" altLang="en-US" dirty="0">
+                <a:latin typeface="나눔스퀘어 Light" panose="020B0600000101010101" pitchFamily="50" charset="-127"/>
+                <a:ea typeface="나눔스퀘어 Light" panose="020B0600000101010101" pitchFamily="50" charset="-127"/>
+              </a:rPr>
+              <a:t>직접 구현을 해봤다면</a:t>
+            </a:r>
+            <a:r>
+              <a:rPr lang="en-US" altLang="ko-KR" dirty="0">
+                <a:latin typeface="나눔스퀘어 Light" panose="020B0600000101010101" pitchFamily="50" charset="-127"/>
+                <a:ea typeface="나눔스퀘어 Light" panose="020B0600000101010101" pitchFamily="50" charset="-127"/>
+              </a:rPr>
+              <a:t>, </a:t>
+            </a:r>
+            <a:r>
+              <a:rPr lang="ko-KR" altLang="en-US" dirty="0">
+                <a:latin typeface="나눔스퀘어 Light" panose="020B0600000101010101" pitchFamily="50" charset="-127"/>
+                <a:ea typeface="나눔스퀘어 Light" panose="020B0600000101010101" pitchFamily="50" charset="-127"/>
+              </a:rPr>
+              <a:t>라이브러리를 사용</a:t>
+            </a:r>
+          </a:p>
+        </p:txBody>
+      </p:sp>
+      <p:sp>
+        <p:nvSpPr>
+          <p:cNvPr id="4" name="TextBox 3">
+            <a:extLst>
+              <a:ext uri="{FF2B5EF4-FFF2-40B4-BE49-F238E27FC236}">
+                <a16:creationId xmlns:a16="http://schemas.microsoft.com/office/drawing/2014/main" id="{2016B4EA-6C02-3147-49D3-0C1CFBC649DF}"/>
+              </a:ext>
+            </a:extLst>
+          </p:cNvPr>
+          <p:cNvSpPr txBox="1"/>
+          <p:nvPr/>
+        </p:nvSpPr>
+        <p:spPr>
+          <a:xfrm>
+            <a:off x="942387" y="2303640"/>
+            <a:ext cx="10237694" cy="369332"/>
+          </a:xfrm>
+          <a:prstGeom prst="rect">
+            <a:avLst/>
+          </a:prstGeom>
+          <a:noFill/>
+        </p:spPr>
+        <p:txBody>
+          <a:bodyPr wrap="square" rtlCol="0">
+            <a:spAutoFit/>
+          </a:bodyPr>
+          <a:lstStyle/>
+          <a:p>
+            <a:r>
+              <a:rPr lang="ko-KR" altLang="en-US" dirty="0">
+                <a:latin typeface="나눔스퀘어 Light" panose="020B0600000101010101" pitchFamily="50" charset="-127"/>
+                <a:ea typeface="나눔스퀘어 Light" panose="020B0600000101010101" pitchFamily="50" charset="-127"/>
+              </a:rPr>
+              <a:t>설명은 생략합니다</a:t>
+            </a:r>
+            <a:r>
+              <a:rPr lang="en-US" altLang="ko-KR" dirty="0">
+                <a:latin typeface="나눔스퀘어 Light" panose="020B0600000101010101" pitchFamily="50" charset="-127"/>
+                <a:ea typeface="나눔스퀘어 Light" panose="020B0600000101010101" pitchFamily="50" charset="-127"/>
+              </a:rPr>
+              <a:t>.</a:t>
+            </a:r>
+            <a:endParaRPr lang="ko-KR" altLang="en-US" dirty="0">
+              <a:latin typeface="나눔스퀘어 Light" panose="020B0600000101010101" pitchFamily="50" charset="-127"/>
+              <a:ea typeface="나눔스퀘어 Light" panose="020B0600000101010101" pitchFamily="50" charset="-127"/>
+            </a:endParaRPr>
+          </a:p>
+        </p:txBody>
+      </p:sp>
+      <p:sp>
+        <p:nvSpPr>
+          <p:cNvPr id="6" name="TextBox 5">
+            <a:extLst>
+              <a:ext uri="{FF2B5EF4-FFF2-40B4-BE49-F238E27FC236}">
+                <a16:creationId xmlns:a16="http://schemas.microsoft.com/office/drawing/2014/main" id="{0F2BECC4-3944-4029-2F5E-D6FAC7B5FD51}"/>
+              </a:ext>
+            </a:extLst>
+          </p:cNvPr>
+          <p:cNvSpPr txBox="1"/>
+          <p:nvPr/>
+        </p:nvSpPr>
+        <p:spPr>
+          <a:xfrm>
             <a:off x="331694" y="177505"/>
-            <a:ext cx="3899016" cy="523220"/>
+            <a:ext cx="4331827" cy="523220"/>
           </a:xfrm>
           <a:prstGeom prst="rect">
             <a:avLst/>
@@ -8562,232 +12963,47 @@
                 <a:latin typeface="나눔스퀘어 Bold" panose="020B0600000101010101" pitchFamily="50" charset="-127"/>
                 <a:ea typeface="나눔스퀘어 Bold" panose="020B0600000101010101" pitchFamily="50" charset="-127"/>
               </a:rPr>
-              <a:t>Graph – 2178 </a:t>
+              <a:t>Graph</a:t>
             </a:r>
             <a:r>
               <a:rPr lang="ko-KR" altLang="en-US" sz="2800" dirty="0">
                 <a:latin typeface="나눔스퀘어 Bold" panose="020B0600000101010101" pitchFamily="50" charset="-127"/>
                 <a:ea typeface="나눔스퀘어 Bold" panose="020B0600000101010101" pitchFamily="50" charset="-127"/>
               </a:rPr>
-              <a:t>미로 탐색</a:t>
-            </a:r>
-          </a:p>
-        </p:txBody>
-      </p:sp>
-      <p:pic>
-        <p:nvPicPr>
-          <p:cNvPr id="4" name="그림 3">
-            <a:extLst>
-              <a:ext uri="{FF2B5EF4-FFF2-40B4-BE49-F238E27FC236}">
-                <a16:creationId xmlns:a16="http://schemas.microsoft.com/office/drawing/2014/main" id="{FA5DC14F-3B58-7DCB-0529-B6DF343008B1}"/>
-              </a:ext>
-            </a:extLst>
-          </p:cNvPr>
-          <p:cNvPicPr>
-            <a:picLocks noChangeAspect="1"/>
-          </p:cNvPicPr>
-          <p:nvPr/>
-        </p:nvPicPr>
-        <p:blipFill>
-          <a:blip r:embed="rId2"/>
-          <a:stretch>
-            <a:fillRect/>
-          </a:stretch>
-        </p:blipFill>
-        <p:spPr>
-          <a:xfrm>
-            <a:off x="331694" y="1000161"/>
-            <a:ext cx="10783805" cy="3620005"/>
-          </a:xfrm>
-          <a:prstGeom prst="rect">
-            <a:avLst/>
-          </a:prstGeom>
-        </p:spPr>
-      </p:pic>
-      <p:pic>
-        <p:nvPicPr>
-          <p:cNvPr id="8" name="그림 7">
-            <a:extLst>
-              <a:ext uri="{FF2B5EF4-FFF2-40B4-BE49-F238E27FC236}">
-                <a16:creationId xmlns:a16="http://schemas.microsoft.com/office/drawing/2014/main" id="{D27D39DC-B2B5-9D08-1123-33207352EC90}"/>
-              </a:ext>
-            </a:extLst>
-          </p:cNvPr>
-          <p:cNvPicPr>
-            <a:picLocks noChangeAspect="1"/>
-          </p:cNvPicPr>
-          <p:nvPr/>
-        </p:nvPicPr>
-        <p:blipFill>
-          <a:blip r:embed="rId3"/>
-          <a:stretch>
-            <a:fillRect/>
-          </a:stretch>
-        </p:blipFill>
-        <p:spPr>
-          <a:xfrm>
-            <a:off x="331694" y="4725894"/>
-            <a:ext cx="1381318" cy="1952898"/>
-          </a:xfrm>
-          <a:prstGeom prst="rect">
-            <a:avLst/>
-          </a:prstGeom>
-        </p:spPr>
-      </p:pic>
-      <p:pic>
-        <p:nvPicPr>
-          <p:cNvPr id="10" name="그림 9">
-            <a:extLst>
-              <a:ext uri="{FF2B5EF4-FFF2-40B4-BE49-F238E27FC236}">
-                <a16:creationId xmlns:a16="http://schemas.microsoft.com/office/drawing/2014/main" id="{3DD36C43-90AD-AFEE-539A-343B818B647A}"/>
-              </a:ext>
-            </a:extLst>
-          </p:cNvPr>
-          <p:cNvPicPr>
-            <a:picLocks noChangeAspect="1"/>
-          </p:cNvPicPr>
-          <p:nvPr/>
-        </p:nvPicPr>
-        <p:blipFill>
-          <a:blip r:embed="rId4"/>
-          <a:stretch>
-            <a:fillRect/>
-          </a:stretch>
-        </p:blipFill>
-        <p:spPr>
-          <a:xfrm>
-            <a:off x="1789450" y="4730077"/>
-            <a:ext cx="1371791" cy="990738"/>
-          </a:xfrm>
-          <a:prstGeom prst="rect">
-            <a:avLst/>
-          </a:prstGeom>
-        </p:spPr>
-      </p:pic>
-      <p:pic>
-        <p:nvPicPr>
-          <p:cNvPr id="12" name="그림 11">
-            <a:extLst>
-              <a:ext uri="{FF2B5EF4-FFF2-40B4-BE49-F238E27FC236}">
-                <a16:creationId xmlns:a16="http://schemas.microsoft.com/office/drawing/2014/main" id="{2104BF6A-48BA-5686-10A0-8CBBBB3C5CEE}"/>
-              </a:ext>
-            </a:extLst>
-          </p:cNvPr>
-          <p:cNvPicPr>
-            <a:picLocks noChangeAspect="1"/>
-          </p:cNvPicPr>
-          <p:nvPr/>
-        </p:nvPicPr>
-        <p:blipFill>
-          <a:blip r:embed="rId5"/>
-          <a:stretch>
-            <a:fillRect/>
-          </a:stretch>
-        </p:blipFill>
-        <p:spPr>
-          <a:xfrm>
-            <a:off x="3544814" y="4736001"/>
-            <a:ext cx="1371791" cy="1895740"/>
-          </a:xfrm>
-          <a:prstGeom prst="rect">
-            <a:avLst/>
-          </a:prstGeom>
-        </p:spPr>
-      </p:pic>
-      <p:pic>
-        <p:nvPicPr>
-          <p:cNvPr id="14" name="그림 13">
-            <a:extLst>
-              <a:ext uri="{FF2B5EF4-FFF2-40B4-BE49-F238E27FC236}">
-                <a16:creationId xmlns:a16="http://schemas.microsoft.com/office/drawing/2014/main" id="{EED78C7D-9A0E-591C-7A5D-F34A83B545ED}"/>
-              </a:ext>
-            </a:extLst>
-          </p:cNvPr>
-          <p:cNvPicPr>
-            <a:picLocks noChangeAspect="1"/>
-          </p:cNvPicPr>
-          <p:nvPr/>
-        </p:nvPicPr>
-        <p:blipFill>
-          <a:blip r:embed="rId6"/>
-          <a:stretch>
-            <a:fillRect/>
-          </a:stretch>
-        </p:blipFill>
-        <p:spPr>
-          <a:xfrm>
-            <a:off x="4993043" y="4732821"/>
-            <a:ext cx="1352739" cy="971686"/>
-          </a:xfrm>
-          <a:prstGeom prst="rect">
-            <a:avLst/>
-          </a:prstGeom>
-        </p:spPr>
-      </p:pic>
-      <p:pic>
-        <p:nvPicPr>
-          <p:cNvPr id="16" name="그림 15">
-            <a:extLst>
-              <a:ext uri="{FF2B5EF4-FFF2-40B4-BE49-F238E27FC236}">
-                <a16:creationId xmlns:a16="http://schemas.microsoft.com/office/drawing/2014/main" id="{4D745FE7-27E1-F4AE-1580-31870CEE187B}"/>
-              </a:ext>
-            </a:extLst>
-          </p:cNvPr>
-          <p:cNvPicPr>
-            <a:picLocks noChangeAspect="1"/>
-          </p:cNvPicPr>
-          <p:nvPr/>
-        </p:nvPicPr>
-        <p:blipFill>
-          <a:blip r:embed="rId7"/>
-          <a:stretch>
-            <a:fillRect/>
-          </a:stretch>
-        </p:blipFill>
-        <p:spPr>
-          <a:xfrm>
-            <a:off x="6748407" y="4725894"/>
-            <a:ext cx="2705478" cy="1428949"/>
-          </a:xfrm>
-          <a:prstGeom prst="rect">
-            <a:avLst/>
-          </a:prstGeom>
-        </p:spPr>
-      </p:pic>
-      <p:pic>
-        <p:nvPicPr>
-          <p:cNvPr id="18" name="그림 17">
-            <a:extLst>
-              <a:ext uri="{FF2B5EF4-FFF2-40B4-BE49-F238E27FC236}">
-                <a16:creationId xmlns:a16="http://schemas.microsoft.com/office/drawing/2014/main" id="{92345696-89A4-046E-7D27-1773D5DFCBB5}"/>
-              </a:ext>
-            </a:extLst>
-          </p:cNvPr>
-          <p:cNvPicPr>
-            <a:picLocks noChangeAspect="1"/>
-          </p:cNvPicPr>
-          <p:nvPr/>
-        </p:nvPicPr>
-        <p:blipFill>
-          <a:blip r:embed="rId8"/>
-          <a:stretch>
-            <a:fillRect/>
-          </a:stretch>
-        </p:blipFill>
-        <p:spPr>
-          <a:xfrm>
-            <a:off x="9561324" y="4725894"/>
-            <a:ext cx="1352739" cy="933580"/>
-          </a:xfrm>
-          <a:prstGeom prst="rect">
-            <a:avLst/>
-          </a:prstGeom>
-        </p:spPr>
-      </p:pic>
+              <a:t> </a:t>
+            </a:r>
+            <a:r>
+              <a:rPr lang="en-US" altLang="ko-KR" sz="2800" dirty="0">
+                <a:latin typeface="나눔스퀘어 Bold" panose="020B0600000101010101" pitchFamily="50" charset="-127"/>
+                <a:ea typeface="나눔스퀘어 Bold" panose="020B0600000101010101" pitchFamily="50" charset="-127"/>
+              </a:rPr>
+              <a:t>– 1260 DFS</a:t>
+            </a:r>
+            <a:r>
+              <a:rPr lang="ko-KR" altLang="en-US" sz="2800" dirty="0">
+                <a:latin typeface="나눔스퀘어 Bold" panose="020B0600000101010101" pitchFamily="50" charset="-127"/>
+                <a:ea typeface="나눔스퀘어 Bold" panose="020B0600000101010101" pitchFamily="50" charset="-127"/>
+              </a:rPr>
+              <a:t>와 </a:t>
+            </a:r>
+            <a:r>
+              <a:rPr lang="en-US" altLang="ko-KR" sz="2800" dirty="0">
+                <a:latin typeface="나눔스퀘어 Bold" panose="020B0600000101010101" pitchFamily="50" charset="-127"/>
+                <a:ea typeface="나눔스퀘어 Bold" panose="020B0600000101010101" pitchFamily="50" charset="-127"/>
+              </a:rPr>
+              <a:t>BFS</a:t>
+            </a:r>
+            <a:endParaRPr lang="ko-KR" altLang="en-US" sz="2800" dirty="0">
+              <a:latin typeface="나눔스퀘어 Bold" panose="020B0600000101010101" pitchFamily="50" charset="-127"/>
+              <a:ea typeface="나눔스퀘어 Bold" panose="020B0600000101010101" pitchFamily="50" charset="-127"/>
+            </a:endParaRPr>
+          </a:p>
+        </p:txBody>
+      </p:sp>
     </p:spTree>
     <p:extLst>
       <p:ext uri="{BB962C8B-B14F-4D97-AF65-F5344CB8AC3E}">
-        <p14:creationId xmlns:p14="http://schemas.microsoft.com/office/powerpoint/2010/main" val="3118018328"/>
+        <p14:creationId xmlns:p14="http://schemas.microsoft.com/office/powerpoint/2010/main" val="36971579"/>
       </p:ext>
     </p:extLst>
   </p:cSld>
@@ -8873,6 +13089,666 @@
         <p:spPr>
           <a:xfrm>
             <a:off x="331694" y="177505"/>
+            <a:ext cx="3809248" cy="523220"/>
+          </a:xfrm>
+          <a:prstGeom prst="rect">
+            <a:avLst/>
+          </a:prstGeom>
+          <a:noFill/>
+        </p:spPr>
+        <p:txBody>
+          <a:bodyPr wrap="none" rtlCol="0">
+            <a:spAutoFit/>
+          </a:bodyPr>
+          <a:lstStyle/>
+          <a:p>
+            <a:r>
+              <a:rPr lang="en-US" altLang="ko-KR" sz="2800" dirty="0">
+                <a:latin typeface="나눔스퀘어 Bold" panose="020B0600000101010101" pitchFamily="50" charset="-127"/>
+                <a:ea typeface="나눔스퀘어 Bold" panose="020B0600000101010101" pitchFamily="50" charset="-127"/>
+              </a:rPr>
+              <a:t>Graph – 2606 </a:t>
+            </a:r>
+            <a:r>
+              <a:rPr lang="ko-KR" altLang="en-US" sz="2800" dirty="0">
+                <a:latin typeface="나눔스퀘어 Bold" panose="020B0600000101010101" pitchFamily="50" charset="-127"/>
+                <a:ea typeface="나눔스퀘어 Bold" panose="020B0600000101010101" pitchFamily="50" charset="-127"/>
+              </a:rPr>
+              <a:t>바이러스</a:t>
+            </a:r>
+          </a:p>
+        </p:txBody>
+      </p:sp>
+      <p:pic>
+        <p:nvPicPr>
+          <p:cNvPr id="7" name="그림 6">
+            <a:extLst>
+              <a:ext uri="{FF2B5EF4-FFF2-40B4-BE49-F238E27FC236}">
+                <a16:creationId xmlns:a16="http://schemas.microsoft.com/office/drawing/2014/main" id="{0200E58E-AE40-8E5B-9A13-0D4395C455A4}"/>
+              </a:ext>
+            </a:extLst>
+          </p:cNvPr>
+          <p:cNvPicPr>
+            <a:picLocks noChangeAspect="1"/>
+          </p:cNvPicPr>
+          <p:nvPr/>
+        </p:nvPicPr>
+        <p:blipFill>
+          <a:blip r:embed="rId2"/>
+          <a:stretch>
+            <a:fillRect/>
+          </a:stretch>
+        </p:blipFill>
+        <p:spPr>
+          <a:xfrm>
+            <a:off x="331694" y="1074286"/>
+            <a:ext cx="10821910" cy="4401164"/>
+          </a:xfrm>
+          <a:prstGeom prst="rect">
+            <a:avLst/>
+          </a:prstGeom>
+        </p:spPr>
+      </p:pic>
+    </p:spTree>
+    <p:extLst>
+      <p:ext uri="{BB962C8B-B14F-4D97-AF65-F5344CB8AC3E}">
+        <p14:creationId xmlns:p14="http://schemas.microsoft.com/office/powerpoint/2010/main" val="2401598668"/>
+      </p:ext>
+    </p:extLst>
+  </p:cSld>
+  <p:clrMapOvr>
+    <a:masterClrMapping/>
+  </p:clrMapOvr>
+</p:sld>
+</file>
+
+<file path=ppt/slides/slide25.xml><?xml version="1.0" encoding="utf-8"?>
+<p:sld xmlns:a="http://schemas.openxmlformats.org/drawingml/2006/main" xmlns:r="http://schemas.openxmlformats.org/officeDocument/2006/relationships" xmlns:p="http://schemas.openxmlformats.org/presentationml/2006/main">
+  <p:cSld>
+    <p:spTree>
+      <p:nvGrpSpPr>
+        <p:cNvPr id="1" name=""/>
+        <p:cNvGrpSpPr/>
+        <p:nvPr/>
+      </p:nvGrpSpPr>
+      <p:grpSpPr>
+        <a:xfrm>
+          <a:off x="0" y="0"/>
+          <a:ext cx="0" cy="0"/>
+          <a:chOff x="0" y="0"/>
+          <a:chExt cx="0" cy="0"/>
+        </a:xfrm>
+      </p:grpSpPr>
+      <p:cxnSp>
+        <p:nvCxnSpPr>
+          <p:cNvPr id="5" name="직선 연결선 4">
+            <a:extLst>
+              <a:ext uri="{FF2B5EF4-FFF2-40B4-BE49-F238E27FC236}">
+                <a16:creationId xmlns:a16="http://schemas.microsoft.com/office/drawing/2014/main" id="{164C2827-EFCE-69A4-D037-1A218415F568}"/>
+              </a:ext>
+            </a:extLst>
+          </p:cNvPr>
+          <p:cNvCxnSpPr/>
+          <p:nvPr/>
+        </p:nvCxnSpPr>
+        <p:spPr>
+          <a:xfrm>
+            <a:off x="0" y="887505"/>
+            <a:ext cx="10237694" cy="0"/>
+          </a:xfrm>
+          <a:prstGeom prst="line">
+            <a:avLst/>
+          </a:prstGeom>
+          <a:ln w="76200">
+            <a:solidFill>
+              <a:schemeClr val="tx1">
+                <a:lumMod val="75000"/>
+                <a:lumOff val="25000"/>
+              </a:schemeClr>
+            </a:solidFill>
+          </a:ln>
+        </p:spPr>
+        <p:style>
+          <a:lnRef idx="1">
+            <a:schemeClr val="accent1"/>
+          </a:lnRef>
+          <a:fillRef idx="0">
+            <a:schemeClr val="accent1"/>
+          </a:fillRef>
+          <a:effectRef idx="0">
+            <a:schemeClr val="accent1"/>
+          </a:effectRef>
+          <a:fontRef idx="minor">
+            <a:schemeClr val="tx1"/>
+          </a:fontRef>
+        </p:style>
+      </p:cxnSp>
+      <p:sp>
+        <p:nvSpPr>
+          <p:cNvPr id="3" name="TextBox 2">
+            <a:extLst>
+              <a:ext uri="{FF2B5EF4-FFF2-40B4-BE49-F238E27FC236}">
+                <a16:creationId xmlns:a16="http://schemas.microsoft.com/office/drawing/2014/main" id="{55A2659C-619F-80B4-6BDF-B649C7E7DBE9}"/>
+              </a:ext>
+            </a:extLst>
+          </p:cNvPr>
+          <p:cNvSpPr txBox="1"/>
+          <p:nvPr/>
+        </p:nvSpPr>
+        <p:spPr>
+          <a:xfrm>
+            <a:off x="942387" y="1190024"/>
+            <a:ext cx="10237694" cy="369332"/>
+          </a:xfrm>
+          <a:prstGeom prst="rect">
+            <a:avLst/>
+          </a:prstGeom>
+          <a:noFill/>
+        </p:spPr>
+        <p:txBody>
+          <a:bodyPr wrap="square" rtlCol="0">
+            <a:spAutoFit/>
+          </a:bodyPr>
+          <a:lstStyle/>
+          <a:p>
+            <a:r>
+              <a:rPr lang="ko-KR" altLang="en-US" dirty="0">
+                <a:latin typeface="나눔스퀘어 Light" panose="020B0600000101010101" pitchFamily="50" charset="-127"/>
+                <a:ea typeface="나눔스퀘어 Light" panose="020B0600000101010101" pitchFamily="50" charset="-127"/>
+              </a:rPr>
+              <a:t>전형적인 큐를 사용하는 문제이지만</a:t>
+            </a:r>
+            <a:r>
+              <a:rPr lang="en-US" altLang="ko-KR" dirty="0">
+                <a:latin typeface="나눔스퀘어 Light" panose="020B0600000101010101" pitchFamily="50" charset="-127"/>
+                <a:ea typeface="나눔스퀘어 Light" panose="020B0600000101010101" pitchFamily="50" charset="-127"/>
+              </a:rPr>
+              <a:t>, </a:t>
+            </a:r>
+            <a:r>
+              <a:rPr lang="ko-KR" altLang="en-US" dirty="0">
+                <a:latin typeface="나눔스퀘어 Light" panose="020B0600000101010101" pitchFamily="50" charset="-127"/>
+                <a:ea typeface="나눔스퀘어 Light" panose="020B0600000101010101" pitchFamily="50" charset="-127"/>
+              </a:rPr>
+              <a:t>꼭 큐를 사용해야만 풀 수 있는 것은 아닙니다</a:t>
+            </a:r>
+            <a:r>
+              <a:rPr lang="en-US" altLang="ko-KR" dirty="0">
+                <a:latin typeface="나눔스퀘어 Light" panose="020B0600000101010101" pitchFamily="50" charset="-127"/>
+                <a:ea typeface="나눔스퀘어 Light" panose="020B0600000101010101" pitchFamily="50" charset="-127"/>
+              </a:rPr>
+              <a:t>.</a:t>
+            </a:r>
+            <a:endParaRPr lang="ko-KR" altLang="en-US" dirty="0">
+              <a:latin typeface="나눔스퀘어 Light" panose="020B0600000101010101" pitchFamily="50" charset="-127"/>
+              <a:ea typeface="나눔스퀘어 Light" panose="020B0600000101010101" pitchFamily="50" charset="-127"/>
+            </a:endParaRPr>
+          </a:p>
+        </p:txBody>
+      </p:sp>
+      <p:sp>
+        <p:nvSpPr>
+          <p:cNvPr id="4" name="TextBox 3">
+            <a:extLst>
+              <a:ext uri="{FF2B5EF4-FFF2-40B4-BE49-F238E27FC236}">
+                <a16:creationId xmlns:a16="http://schemas.microsoft.com/office/drawing/2014/main" id="{5309C74F-4AB5-553D-92E5-3E70398F8530}"/>
+              </a:ext>
+            </a:extLst>
+          </p:cNvPr>
+          <p:cNvSpPr txBox="1"/>
+          <p:nvPr/>
+        </p:nvSpPr>
+        <p:spPr>
+          <a:xfrm>
+            <a:off x="331694" y="177505"/>
+            <a:ext cx="3809248" cy="523220"/>
+          </a:xfrm>
+          <a:prstGeom prst="rect">
+            <a:avLst/>
+          </a:prstGeom>
+          <a:noFill/>
+        </p:spPr>
+        <p:txBody>
+          <a:bodyPr wrap="none" rtlCol="0">
+            <a:spAutoFit/>
+          </a:bodyPr>
+          <a:lstStyle/>
+          <a:p>
+            <a:r>
+              <a:rPr lang="en-US" altLang="ko-KR" sz="2800" dirty="0">
+                <a:latin typeface="나눔스퀘어 Bold" panose="020B0600000101010101" pitchFamily="50" charset="-127"/>
+                <a:ea typeface="나눔스퀘어 Bold" panose="020B0600000101010101" pitchFamily="50" charset="-127"/>
+              </a:rPr>
+              <a:t>Graph – 2606 </a:t>
+            </a:r>
+            <a:r>
+              <a:rPr lang="ko-KR" altLang="en-US" sz="2800" dirty="0">
+                <a:latin typeface="나눔스퀘어 Bold" panose="020B0600000101010101" pitchFamily="50" charset="-127"/>
+                <a:ea typeface="나눔스퀘어 Bold" panose="020B0600000101010101" pitchFamily="50" charset="-127"/>
+              </a:rPr>
+              <a:t>바이러스</a:t>
+            </a:r>
+          </a:p>
+        </p:txBody>
+      </p:sp>
+    </p:spTree>
+    <p:extLst>
+      <p:ext uri="{BB962C8B-B14F-4D97-AF65-F5344CB8AC3E}">
+        <p14:creationId xmlns:p14="http://schemas.microsoft.com/office/powerpoint/2010/main" val="168362199"/>
+      </p:ext>
+    </p:extLst>
+  </p:cSld>
+  <p:clrMapOvr>
+    <a:masterClrMapping/>
+  </p:clrMapOvr>
+</p:sld>
+</file>
+
+<file path=ppt/slides/slide26.xml><?xml version="1.0" encoding="utf-8"?>
+<p:sld xmlns:a="http://schemas.openxmlformats.org/drawingml/2006/main" xmlns:r="http://schemas.openxmlformats.org/officeDocument/2006/relationships" xmlns:p="http://schemas.openxmlformats.org/presentationml/2006/main">
+  <p:cSld>
+    <p:spTree>
+      <p:nvGrpSpPr>
+        <p:cNvPr id="1" name=""/>
+        <p:cNvGrpSpPr/>
+        <p:nvPr/>
+      </p:nvGrpSpPr>
+      <p:grpSpPr>
+        <a:xfrm>
+          <a:off x="0" y="0"/>
+          <a:ext cx="0" cy="0"/>
+          <a:chOff x="0" y="0"/>
+          <a:chExt cx="0" cy="0"/>
+        </a:xfrm>
+      </p:grpSpPr>
+      <p:cxnSp>
+        <p:nvCxnSpPr>
+          <p:cNvPr id="5" name="직선 연결선 4">
+            <a:extLst>
+              <a:ext uri="{FF2B5EF4-FFF2-40B4-BE49-F238E27FC236}">
+                <a16:creationId xmlns:a16="http://schemas.microsoft.com/office/drawing/2014/main" id="{164C2827-EFCE-69A4-D037-1A218415F568}"/>
+              </a:ext>
+            </a:extLst>
+          </p:cNvPr>
+          <p:cNvCxnSpPr/>
+          <p:nvPr/>
+        </p:nvCxnSpPr>
+        <p:spPr>
+          <a:xfrm>
+            <a:off x="0" y="887505"/>
+            <a:ext cx="10237694" cy="0"/>
+          </a:xfrm>
+          <a:prstGeom prst="line">
+            <a:avLst/>
+          </a:prstGeom>
+          <a:ln w="76200">
+            <a:solidFill>
+              <a:schemeClr val="tx1">
+                <a:lumMod val="75000"/>
+                <a:lumOff val="25000"/>
+              </a:schemeClr>
+            </a:solidFill>
+          </a:ln>
+        </p:spPr>
+        <p:style>
+          <a:lnRef idx="1">
+            <a:schemeClr val="accent1"/>
+          </a:lnRef>
+          <a:fillRef idx="0">
+            <a:schemeClr val="accent1"/>
+          </a:fillRef>
+          <a:effectRef idx="0">
+            <a:schemeClr val="accent1"/>
+          </a:effectRef>
+          <a:fontRef idx="minor">
+            <a:schemeClr val="tx1"/>
+          </a:fontRef>
+        </p:style>
+      </p:cxnSp>
+      <p:sp>
+        <p:nvSpPr>
+          <p:cNvPr id="3" name="TextBox 2">
+            <a:extLst>
+              <a:ext uri="{FF2B5EF4-FFF2-40B4-BE49-F238E27FC236}">
+                <a16:creationId xmlns:a16="http://schemas.microsoft.com/office/drawing/2014/main" id="{B3B954B2-DB7F-EEC1-438C-CB91D3B18AE1}"/>
+              </a:ext>
+            </a:extLst>
+          </p:cNvPr>
+          <p:cNvSpPr txBox="1"/>
+          <p:nvPr/>
+        </p:nvSpPr>
+        <p:spPr>
+          <a:xfrm>
+            <a:off x="331694" y="177505"/>
+            <a:ext cx="3899016" cy="523220"/>
+          </a:xfrm>
+          <a:prstGeom prst="rect">
+            <a:avLst/>
+          </a:prstGeom>
+          <a:noFill/>
+        </p:spPr>
+        <p:txBody>
+          <a:bodyPr wrap="none" rtlCol="0">
+            <a:spAutoFit/>
+          </a:bodyPr>
+          <a:lstStyle/>
+          <a:p>
+            <a:r>
+              <a:rPr lang="en-US" altLang="ko-KR" sz="2800" dirty="0">
+                <a:latin typeface="나눔스퀘어 Bold" panose="020B0600000101010101" pitchFamily="50" charset="-127"/>
+                <a:ea typeface="나눔스퀘어 Bold" panose="020B0600000101010101" pitchFamily="50" charset="-127"/>
+              </a:rPr>
+              <a:t>Graph – 2178 </a:t>
+            </a:r>
+            <a:r>
+              <a:rPr lang="ko-KR" altLang="en-US" sz="2800" dirty="0">
+                <a:latin typeface="나눔스퀘어 Bold" panose="020B0600000101010101" pitchFamily="50" charset="-127"/>
+                <a:ea typeface="나눔스퀘어 Bold" panose="020B0600000101010101" pitchFamily="50" charset="-127"/>
+              </a:rPr>
+              <a:t>미로 탐색</a:t>
+            </a:r>
+          </a:p>
+        </p:txBody>
+      </p:sp>
+      <p:pic>
+        <p:nvPicPr>
+          <p:cNvPr id="4" name="그림 3">
+            <a:extLst>
+              <a:ext uri="{FF2B5EF4-FFF2-40B4-BE49-F238E27FC236}">
+                <a16:creationId xmlns:a16="http://schemas.microsoft.com/office/drawing/2014/main" id="{FA5DC14F-3B58-7DCB-0529-B6DF343008B1}"/>
+              </a:ext>
+            </a:extLst>
+          </p:cNvPr>
+          <p:cNvPicPr>
+            <a:picLocks noChangeAspect="1"/>
+          </p:cNvPicPr>
+          <p:nvPr/>
+        </p:nvPicPr>
+        <p:blipFill>
+          <a:blip r:embed="rId2"/>
+          <a:stretch>
+            <a:fillRect/>
+          </a:stretch>
+        </p:blipFill>
+        <p:spPr>
+          <a:xfrm>
+            <a:off x="331694" y="1000161"/>
+            <a:ext cx="10783805" cy="3620005"/>
+          </a:xfrm>
+          <a:prstGeom prst="rect">
+            <a:avLst/>
+          </a:prstGeom>
+        </p:spPr>
+      </p:pic>
+      <p:pic>
+        <p:nvPicPr>
+          <p:cNvPr id="8" name="그림 7">
+            <a:extLst>
+              <a:ext uri="{FF2B5EF4-FFF2-40B4-BE49-F238E27FC236}">
+                <a16:creationId xmlns:a16="http://schemas.microsoft.com/office/drawing/2014/main" id="{D27D39DC-B2B5-9D08-1123-33207352EC90}"/>
+              </a:ext>
+            </a:extLst>
+          </p:cNvPr>
+          <p:cNvPicPr>
+            <a:picLocks noChangeAspect="1"/>
+          </p:cNvPicPr>
+          <p:nvPr/>
+        </p:nvPicPr>
+        <p:blipFill>
+          <a:blip r:embed="rId3"/>
+          <a:stretch>
+            <a:fillRect/>
+          </a:stretch>
+        </p:blipFill>
+        <p:spPr>
+          <a:xfrm>
+            <a:off x="331694" y="4725894"/>
+            <a:ext cx="1381318" cy="1952898"/>
+          </a:xfrm>
+          <a:prstGeom prst="rect">
+            <a:avLst/>
+          </a:prstGeom>
+        </p:spPr>
+      </p:pic>
+      <p:pic>
+        <p:nvPicPr>
+          <p:cNvPr id="10" name="그림 9">
+            <a:extLst>
+              <a:ext uri="{FF2B5EF4-FFF2-40B4-BE49-F238E27FC236}">
+                <a16:creationId xmlns:a16="http://schemas.microsoft.com/office/drawing/2014/main" id="{3DD36C43-90AD-AFEE-539A-343B818B647A}"/>
+              </a:ext>
+            </a:extLst>
+          </p:cNvPr>
+          <p:cNvPicPr>
+            <a:picLocks noChangeAspect="1"/>
+          </p:cNvPicPr>
+          <p:nvPr/>
+        </p:nvPicPr>
+        <p:blipFill>
+          <a:blip r:embed="rId4"/>
+          <a:stretch>
+            <a:fillRect/>
+          </a:stretch>
+        </p:blipFill>
+        <p:spPr>
+          <a:xfrm>
+            <a:off x="1789450" y="4730077"/>
+            <a:ext cx="1371791" cy="990738"/>
+          </a:xfrm>
+          <a:prstGeom prst="rect">
+            <a:avLst/>
+          </a:prstGeom>
+        </p:spPr>
+      </p:pic>
+      <p:pic>
+        <p:nvPicPr>
+          <p:cNvPr id="12" name="그림 11">
+            <a:extLst>
+              <a:ext uri="{FF2B5EF4-FFF2-40B4-BE49-F238E27FC236}">
+                <a16:creationId xmlns:a16="http://schemas.microsoft.com/office/drawing/2014/main" id="{2104BF6A-48BA-5686-10A0-8CBBBB3C5CEE}"/>
+              </a:ext>
+            </a:extLst>
+          </p:cNvPr>
+          <p:cNvPicPr>
+            <a:picLocks noChangeAspect="1"/>
+          </p:cNvPicPr>
+          <p:nvPr/>
+        </p:nvPicPr>
+        <p:blipFill>
+          <a:blip r:embed="rId5"/>
+          <a:stretch>
+            <a:fillRect/>
+          </a:stretch>
+        </p:blipFill>
+        <p:spPr>
+          <a:xfrm>
+            <a:off x="3544814" y="4736001"/>
+            <a:ext cx="1371791" cy="1895740"/>
+          </a:xfrm>
+          <a:prstGeom prst="rect">
+            <a:avLst/>
+          </a:prstGeom>
+        </p:spPr>
+      </p:pic>
+      <p:pic>
+        <p:nvPicPr>
+          <p:cNvPr id="14" name="그림 13">
+            <a:extLst>
+              <a:ext uri="{FF2B5EF4-FFF2-40B4-BE49-F238E27FC236}">
+                <a16:creationId xmlns:a16="http://schemas.microsoft.com/office/drawing/2014/main" id="{EED78C7D-9A0E-591C-7A5D-F34A83B545ED}"/>
+              </a:ext>
+            </a:extLst>
+          </p:cNvPr>
+          <p:cNvPicPr>
+            <a:picLocks noChangeAspect="1"/>
+          </p:cNvPicPr>
+          <p:nvPr/>
+        </p:nvPicPr>
+        <p:blipFill>
+          <a:blip r:embed="rId6"/>
+          <a:stretch>
+            <a:fillRect/>
+          </a:stretch>
+        </p:blipFill>
+        <p:spPr>
+          <a:xfrm>
+            <a:off x="4993043" y="4732821"/>
+            <a:ext cx="1352739" cy="971686"/>
+          </a:xfrm>
+          <a:prstGeom prst="rect">
+            <a:avLst/>
+          </a:prstGeom>
+        </p:spPr>
+      </p:pic>
+      <p:pic>
+        <p:nvPicPr>
+          <p:cNvPr id="16" name="그림 15">
+            <a:extLst>
+              <a:ext uri="{FF2B5EF4-FFF2-40B4-BE49-F238E27FC236}">
+                <a16:creationId xmlns:a16="http://schemas.microsoft.com/office/drawing/2014/main" id="{4D745FE7-27E1-F4AE-1580-31870CEE187B}"/>
+              </a:ext>
+            </a:extLst>
+          </p:cNvPr>
+          <p:cNvPicPr>
+            <a:picLocks noChangeAspect="1"/>
+          </p:cNvPicPr>
+          <p:nvPr/>
+        </p:nvPicPr>
+        <p:blipFill>
+          <a:blip r:embed="rId7"/>
+          <a:stretch>
+            <a:fillRect/>
+          </a:stretch>
+        </p:blipFill>
+        <p:spPr>
+          <a:xfrm>
+            <a:off x="6748407" y="4725894"/>
+            <a:ext cx="2705478" cy="1428949"/>
+          </a:xfrm>
+          <a:prstGeom prst="rect">
+            <a:avLst/>
+          </a:prstGeom>
+        </p:spPr>
+      </p:pic>
+      <p:pic>
+        <p:nvPicPr>
+          <p:cNvPr id="18" name="그림 17">
+            <a:extLst>
+              <a:ext uri="{FF2B5EF4-FFF2-40B4-BE49-F238E27FC236}">
+                <a16:creationId xmlns:a16="http://schemas.microsoft.com/office/drawing/2014/main" id="{92345696-89A4-046E-7D27-1773D5DFCBB5}"/>
+              </a:ext>
+            </a:extLst>
+          </p:cNvPr>
+          <p:cNvPicPr>
+            <a:picLocks noChangeAspect="1"/>
+          </p:cNvPicPr>
+          <p:nvPr/>
+        </p:nvPicPr>
+        <p:blipFill>
+          <a:blip r:embed="rId8"/>
+          <a:stretch>
+            <a:fillRect/>
+          </a:stretch>
+        </p:blipFill>
+        <p:spPr>
+          <a:xfrm>
+            <a:off x="9561324" y="4725894"/>
+            <a:ext cx="1352739" cy="933580"/>
+          </a:xfrm>
+          <a:prstGeom prst="rect">
+            <a:avLst/>
+          </a:prstGeom>
+        </p:spPr>
+      </p:pic>
+    </p:spTree>
+    <p:extLst>
+      <p:ext uri="{BB962C8B-B14F-4D97-AF65-F5344CB8AC3E}">
+        <p14:creationId xmlns:p14="http://schemas.microsoft.com/office/powerpoint/2010/main" val="3118018328"/>
+      </p:ext>
+    </p:extLst>
+  </p:cSld>
+  <p:clrMapOvr>
+    <a:masterClrMapping/>
+  </p:clrMapOvr>
+</p:sld>
+</file>
+
+<file path=ppt/slides/slide27.xml><?xml version="1.0" encoding="utf-8"?>
+<p:sld xmlns:a="http://schemas.openxmlformats.org/drawingml/2006/main" xmlns:r="http://schemas.openxmlformats.org/officeDocument/2006/relationships" xmlns:p="http://schemas.openxmlformats.org/presentationml/2006/main">
+  <p:cSld>
+    <p:spTree>
+      <p:nvGrpSpPr>
+        <p:cNvPr id="1" name=""/>
+        <p:cNvGrpSpPr/>
+        <p:nvPr/>
+      </p:nvGrpSpPr>
+      <p:grpSpPr>
+        <a:xfrm>
+          <a:off x="0" y="0"/>
+          <a:ext cx="0" cy="0"/>
+          <a:chOff x="0" y="0"/>
+          <a:chExt cx="0" cy="0"/>
+        </a:xfrm>
+      </p:grpSpPr>
+      <p:cxnSp>
+        <p:nvCxnSpPr>
+          <p:cNvPr id="5" name="직선 연결선 4">
+            <a:extLst>
+              <a:ext uri="{FF2B5EF4-FFF2-40B4-BE49-F238E27FC236}">
+                <a16:creationId xmlns:a16="http://schemas.microsoft.com/office/drawing/2014/main" id="{164C2827-EFCE-69A4-D037-1A218415F568}"/>
+              </a:ext>
+            </a:extLst>
+          </p:cNvPr>
+          <p:cNvCxnSpPr/>
+          <p:nvPr/>
+        </p:nvCxnSpPr>
+        <p:spPr>
+          <a:xfrm>
+            <a:off x="0" y="887505"/>
+            <a:ext cx="10237694" cy="0"/>
+          </a:xfrm>
+          <a:prstGeom prst="line">
+            <a:avLst/>
+          </a:prstGeom>
+          <a:ln w="76200">
+            <a:solidFill>
+              <a:schemeClr val="tx1">
+                <a:lumMod val="75000"/>
+                <a:lumOff val="25000"/>
+              </a:schemeClr>
+            </a:solidFill>
+          </a:ln>
+        </p:spPr>
+        <p:style>
+          <a:lnRef idx="1">
+            <a:schemeClr val="accent1"/>
+          </a:lnRef>
+          <a:fillRef idx="0">
+            <a:schemeClr val="accent1"/>
+          </a:fillRef>
+          <a:effectRef idx="0">
+            <a:schemeClr val="accent1"/>
+          </a:effectRef>
+          <a:fontRef idx="minor">
+            <a:schemeClr val="tx1"/>
+          </a:fontRef>
+        </p:style>
+      </p:cxnSp>
+      <p:sp>
+        <p:nvSpPr>
+          <p:cNvPr id="3" name="TextBox 2">
+            <a:extLst>
+              <a:ext uri="{FF2B5EF4-FFF2-40B4-BE49-F238E27FC236}">
+                <a16:creationId xmlns:a16="http://schemas.microsoft.com/office/drawing/2014/main" id="{B3B954B2-DB7F-EEC1-438C-CB91D3B18AE1}"/>
+              </a:ext>
+            </a:extLst>
+          </p:cNvPr>
+          <p:cNvSpPr txBox="1"/>
+          <p:nvPr/>
+        </p:nvSpPr>
+        <p:spPr>
+          <a:xfrm>
+            <a:off x="331694" y="177505"/>
             <a:ext cx="3899016" cy="523220"/>
           </a:xfrm>
           <a:prstGeom prst="rect">
@@ -8916,7 +13792,7 @@
 </p:sld>
 </file>
 
-<file path=ppt/slides/slide25.xml><?xml version="1.0" encoding="utf-8"?>
+<file path=ppt/slides/slide28.xml><?xml version="1.0" encoding="utf-8"?>
 <p:sld xmlns:a="http://schemas.openxmlformats.org/drawingml/2006/main" xmlns:r="http://schemas.openxmlformats.org/officeDocument/2006/relationships" xmlns:p="http://schemas.openxmlformats.org/presentationml/2006/main">
   <p:cSld>
     <p:spTree>
@@ -11162,6 +16038,55 @@
           </a:prstGeom>
         </p:spPr>
       </p:pic>
+      <p:sp>
+        <p:nvSpPr>
+          <p:cNvPr id="8" name="TextBox 7">
+            <a:extLst>
+              <a:ext uri="{FF2B5EF4-FFF2-40B4-BE49-F238E27FC236}">
+                <a16:creationId xmlns:a16="http://schemas.microsoft.com/office/drawing/2014/main" id="{17827AEC-1419-E8F1-7D54-C1D4254407E6}"/>
+              </a:ext>
+            </a:extLst>
+          </p:cNvPr>
+          <p:cNvSpPr txBox="1"/>
+          <p:nvPr/>
+        </p:nvSpPr>
+        <p:spPr>
+          <a:xfrm>
+            <a:off x="793615" y="5699061"/>
+            <a:ext cx="5118847" cy="369332"/>
+          </a:xfrm>
+          <a:prstGeom prst="rect">
+            <a:avLst/>
+          </a:prstGeom>
+          <a:noFill/>
+        </p:spPr>
+        <p:txBody>
+          <a:bodyPr wrap="square" rtlCol="0">
+            <a:spAutoFit/>
+          </a:bodyPr>
+          <a:lstStyle/>
+          <a:p>
+            <a:r>
+              <a:rPr lang="ko-KR" altLang="en-US" dirty="0">
+                <a:latin typeface="나눔스퀘어 Light" panose="020B0600000101010101" pitchFamily="50" charset="-127"/>
+                <a:ea typeface="나눔스퀘어 Light" panose="020B0600000101010101" pitchFamily="50" charset="-127"/>
+              </a:rPr>
+              <a:t>시간 복잡도가 어떻게 될까요</a:t>
+            </a:r>
+            <a:r>
+              <a:rPr lang="en-US" altLang="ko-KR" dirty="0">
+                <a:latin typeface="나눔스퀘어 Light" panose="020B0600000101010101" pitchFamily="50" charset="-127"/>
+                <a:ea typeface="나눔스퀘어 Light" panose="020B0600000101010101" pitchFamily="50" charset="-127"/>
+              </a:rPr>
+              <a:t>?</a:t>
+            </a:r>
+            <a:endParaRPr lang="ko-KR" altLang="en-US" dirty="0">
+              <a:latin typeface="나눔스퀘어 Light" panose="020B0600000101010101" pitchFamily="50" charset="-127"/>
+              <a:ea typeface="나눔스퀘어 Light" panose="020B0600000101010101" pitchFamily="50" charset="-127"/>
+            </a:endParaRPr>
+          </a:p>
+        </p:txBody>
+      </p:sp>
     </p:spTree>
     <p:extLst>
       <p:ext uri="{BB962C8B-B14F-4D97-AF65-F5344CB8AC3E}">
@@ -11631,6 +16556,55 @@
           </a:prstGeom>
         </p:spPr>
       </p:pic>
+      <p:sp>
+        <p:nvSpPr>
+          <p:cNvPr id="8" name="TextBox 7">
+            <a:extLst>
+              <a:ext uri="{FF2B5EF4-FFF2-40B4-BE49-F238E27FC236}">
+                <a16:creationId xmlns:a16="http://schemas.microsoft.com/office/drawing/2014/main" id="{64EB182B-EAE6-B07A-7F19-8D269F364BFA}"/>
+              </a:ext>
+            </a:extLst>
+          </p:cNvPr>
+          <p:cNvSpPr txBox="1"/>
+          <p:nvPr/>
+        </p:nvSpPr>
+        <p:spPr>
+          <a:xfrm>
+            <a:off x="793615" y="5699061"/>
+            <a:ext cx="5118847" cy="369332"/>
+          </a:xfrm>
+          <a:prstGeom prst="rect">
+            <a:avLst/>
+          </a:prstGeom>
+          <a:noFill/>
+        </p:spPr>
+        <p:txBody>
+          <a:bodyPr wrap="square" rtlCol="0">
+            <a:spAutoFit/>
+          </a:bodyPr>
+          <a:lstStyle/>
+          <a:p>
+            <a:r>
+              <a:rPr lang="ko-KR" altLang="en-US" dirty="0">
+                <a:latin typeface="나눔스퀘어 Light" panose="020B0600000101010101" pitchFamily="50" charset="-127"/>
+                <a:ea typeface="나눔스퀘어 Light" panose="020B0600000101010101" pitchFamily="50" charset="-127"/>
+              </a:rPr>
+              <a:t>시간 복잡도가 어떻게 될까요</a:t>
+            </a:r>
+            <a:r>
+              <a:rPr lang="en-US" altLang="ko-KR" dirty="0">
+                <a:latin typeface="나눔스퀘어 Light" panose="020B0600000101010101" pitchFamily="50" charset="-127"/>
+                <a:ea typeface="나눔스퀘어 Light" panose="020B0600000101010101" pitchFamily="50" charset="-127"/>
+              </a:rPr>
+              <a:t>?</a:t>
+            </a:r>
+            <a:endParaRPr lang="ko-KR" altLang="en-US" dirty="0">
+              <a:latin typeface="나눔스퀘어 Light" panose="020B0600000101010101" pitchFamily="50" charset="-127"/>
+              <a:ea typeface="나눔스퀘어 Light" panose="020B0600000101010101" pitchFamily="50" charset="-127"/>
+            </a:endParaRPr>
+          </a:p>
+        </p:txBody>
+      </p:sp>
     </p:spTree>
     <p:extLst>
       <p:ext uri="{BB962C8B-B14F-4D97-AF65-F5344CB8AC3E}">

--- a/study/8_Tree, Graph.pptx
+++ b/study/8_Tree, Graph.pptx
@@ -24,15 +24,20 @@
     <p:sldId id="282" r:id="rId18"/>
     <p:sldId id="363" r:id="rId19"/>
     <p:sldId id="435" r:id="rId20"/>
-    <p:sldId id="428" r:id="rId21"/>
-    <p:sldId id="401" r:id="rId22"/>
-    <p:sldId id="277" r:id="rId23"/>
-    <p:sldId id="278" r:id="rId24"/>
-    <p:sldId id="367" r:id="rId25"/>
-    <p:sldId id="417" r:id="rId26"/>
-    <p:sldId id="431" r:id="rId27"/>
-    <p:sldId id="432" r:id="rId28"/>
-    <p:sldId id="298" r:id="rId29"/>
+    <p:sldId id="436" r:id="rId21"/>
+    <p:sldId id="437" r:id="rId22"/>
+    <p:sldId id="438" r:id="rId23"/>
+    <p:sldId id="428" r:id="rId24"/>
+    <p:sldId id="401" r:id="rId25"/>
+    <p:sldId id="439" r:id="rId26"/>
+    <p:sldId id="440" r:id="rId27"/>
+    <p:sldId id="277" r:id="rId28"/>
+    <p:sldId id="278" r:id="rId29"/>
+    <p:sldId id="367" r:id="rId30"/>
+    <p:sldId id="417" r:id="rId31"/>
+    <p:sldId id="431" r:id="rId32"/>
+    <p:sldId id="432" r:id="rId33"/>
+    <p:sldId id="298" r:id="rId34"/>
   </p:sldIdLst>
   <p:sldSz cx="12192000" cy="6858000"/>
   <p:notesSz cx="6858000" cy="9144000"/>
@@ -286,7 +291,7 @@
           <a:p>
             <a:fld id="{33C37291-AA83-40C0-9297-8F7F3693F6CC}" type="datetimeFigureOut">
               <a:rPr lang="ko-KR" altLang="en-US" smtClean="0"/>
-              <a:t>2022-10-04</a:t>
+              <a:t>2022-10-05</a:t>
             </a:fld>
             <a:endParaRPr lang="ko-KR" altLang="en-US"/>
           </a:p>
@@ -484,7 +489,7 @@
           <a:p>
             <a:fld id="{33C37291-AA83-40C0-9297-8F7F3693F6CC}" type="datetimeFigureOut">
               <a:rPr lang="ko-KR" altLang="en-US" smtClean="0"/>
-              <a:t>2022-10-04</a:t>
+              <a:t>2022-10-05</a:t>
             </a:fld>
             <a:endParaRPr lang="ko-KR" altLang="en-US"/>
           </a:p>
@@ -692,7 +697,7 @@
           <a:p>
             <a:fld id="{33C37291-AA83-40C0-9297-8F7F3693F6CC}" type="datetimeFigureOut">
               <a:rPr lang="ko-KR" altLang="en-US" smtClean="0"/>
-              <a:t>2022-10-04</a:t>
+              <a:t>2022-10-05</a:t>
             </a:fld>
             <a:endParaRPr lang="ko-KR" altLang="en-US"/>
           </a:p>
@@ -890,7 +895,7 @@
           <a:p>
             <a:fld id="{33C37291-AA83-40C0-9297-8F7F3693F6CC}" type="datetimeFigureOut">
               <a:rPr lang="ko-KR" altLang="en-US" smtClean="0"/>
-              <a:t>2022-10-04</a:t>
+              <a:t>2022-10-05</a:t>
             </a:fld>
             <a:endParaRPr lang="ko-KR" altLang="en-US"/>
           </a:p>
@@ -1165,7 +1170,7 @@
           <a:p>
             <a:fld id="{33C37291-AA83-40C0-9297-8F7F3693F6CC}" type="datetimeFigureOut">
               <a:rPr lang="ko-KR" altLang="en-US" smtClean="0"/>
-              <a:t>2022-10-04</a:t>
+              <a:t>2022-10-05</a:t>
             </a:fld>
             <a:endParaRPr lang="ko-KR" altLang="en-US"/>
           </a:p>
@@ -1430,7 +1435,7 @@
           <a:p>
             <a:fld id="{33C37291-AA83-40C0-9297-8F7F3693F6CC}" type="datetimeFigureOut">
               <a:rPr lang="ko-KR" altLang="en-US" smtClean="0"/>
-              <a:t>2022-10-04</a:t>
+              <a:t>2022-10-05</a:t>
             </a:fld>
             <a:endParaRPr lang="ko-KR" altLang="en-US"/>
           </a:p>
@@ -1842,7 +1847,7 @@
           <a:p>
             <a:fld id="{33C37291-AA83-40C0-9297-8F7F3693F6CC}" type="datetimeFigureOut">
               <a:rPr lang="ko-KR" altLang="en-US" smtClean="0"/>
-              <a:t>2022-10-04</a:t>
+              <a:t>2022-10-05</a:t>
             </a:fld>
             <a:endParaRPr lang="ko-KR" altLang="en-US"/>
           </a:p>
@@ -1983,7 +1988,7 @@
           <a:p>
             <a:fld id="{33C37291-AA83-40C0-9297-8F7F3693F6CC}" type="datetimeFigureOut">
               <a:rPr lang="ko-KR" altLang="en-US" smtClean="0"/>
-              <a:t>2022-10-04</a:t>
+              <a:t>2022-10-05</a:t>
             </a:fld>
             <a:endParaRPr lang="ko-KR" altLang="en-US"/>
           </a:p>
@@ -2096,7 +2101,7 @@
           <a:p>
             <a:fld id="{33C37291-AA83-40C0-9297-8F7F3693F6CC}" type="datetimeFigureOut">
               <a:rPr lang="ko-KR" altLang="en-US" smtClean="0"/>
-              <a:t>2022-10-04</a:t>
+              <a:t>2022-10-05</a:t>
             </a:fld>
             <a:endParaRPr lang="ko-KR" altLang="en-US"/>
           </a:p>
@@ -2407,7 +2412,7 @@
           <a:p>
             <a:fld id="{33C37291-AA83-40C0-9297-8F7F3693F6CC}" type="datetimeFigureOut">
               <a:rPr lang="ko-KR" altLang="en-US" smtClean="0"/>
-              <a:t>2022-10-04</a:t>
+              <a:t>2022-10-05</a:t>
             </a:fld>
             <a:endParaRPr lang="ko-KR" altLang="en-US"/>
           </a:p>
@@ -2695,7 +2700,7 @@
           <a:p>
             <a:fld id="{33C37291-AA83-40C0-9297-8F7F3693F6CC}" type="datetimeFigureOut">
               <a:rPr lang="ko-KR" altLang="en-US" smtClean="0"/>
-              <a:t>2022-10-04</a:t>
+              <a:t>2022-10-05</a:t>
             </a:fld>
             <a:endParaRPr lang="ko-KR" altLang="en-US"/>
           </a:p>
@@ -2936,7 +2941,7 @@
           <a:p>
             <a:fld id="{33C37291-AA83-40C0-9297-8F7F3693F6CC}" type="datetimeFigureOut">
               <a:rPr lang="ko-KR" altLang="en-US" smtClean="0"/>
-              <a:t>2022-10-04</a:t>
+              <a:t>2022-10-05</a:t>
             </a:fld>
             <a:endParaRPr lang="ko-KR" altLang="en-US"/>
           </a:p>
@@ -9836,7 +9841,7 @@
                 <a:latin typeface="나눔스퀘어 Light" panose="020B0600000101010101" pitchFamily="50" charset="-127"/>
                 <a:ea typeface="나눔스퀘어 Light" panose="020B0600000101010101" pitchFamily="50" charset="-127"/>
               </a:rPr>
-              <a:t>앞의 페이지에서 보았듯이</a:t>
+              <a:t>먼저</a:t>
             </a:r>
             <a:r>
               <a:rPr lang="en-US" altLang="ko-KR" dirty="0">
@@ -9850,7 +9855,7 @@
                 <a:latin typeface="나눔스퀘어 Light" panose="020B0600000101010101" pitchFamily="50" charset="-127"/>
                 <a:ea typeface="나눔스퀘어 Light" panose="020B0600000101010101" pitchFamily="50" charset="-127"/>
               </a:rPr>
-              <a:t>트리 순회는 재귀적으로 구현할 수 있습니다</a:t>
+              <a:t>이진 트리를 어떻게 구현해야 할지를 생각해보아야 합니다</a:t>
             </a:r>
             <a:r>
               <a:rPr lang="en-US" altLang="ko-KR" dirty="0">
@@ -9925,6 +9930,199 @@
           </a:p>
         </p:txBody>
       </p:sp>
+      <p:sp>
+        <p:nvSpPr>
+          <p:cNvPr id="3" name="TextBox 2">
+            <a:extLst>
+              <a:ext uri="{FF2B5EF4-FFF2-40B4-BE49-F238E27FC236}">
+                <a16:creationId xmlns:a16="http://schemas.microsoft.com/office/drawing/2014/main" id="{E8E3D001-9647-BF63-5784-45E90A0118C8}"/>
+              </a:ext>
+            </a:extLst>
+          </p:cNvPr>
+          <p:cNvSpPr txBox="1"/>
+          <p:nvPr/>
+        </p:nvSpPr>
+        <p:spPr>
+          <a:xfrm>
+            <a:off x="942387" y="1559356"/>
+            <a:ext cx="10237694" cy="369332"/>
+          </a:xfrm>
+          <a:prstGeom prst="rect">
+            <a:avLst/>
+          </a:prstGeom>
+          <a:noFill/>
+        </p:spPr>
+        <p:txBody>
+          <a:bodyPr wrap="square" rtlCol="0">
+            <a:spAutoFit/>
+          </a:bodyPr>
+          <a:lstStyle/>
+          <a:p>
+            <a:r>
+              <a:rPr lang="ko-KR" altLang="en-US" dirty="0">
+                <a:latin typeface="나눔스퀘어 Light" panose="020B0600000101010101" pitchFamily="50" charset="-127"/>
+                <a:ea typeface="나눔스퀘어 Light" panose="020B0600000101010101" pitchFamily="50" charset="-127"/>
+              </a:rPr>
+              <a:t>포인터를 이용하여 다음 노드를 가리키는 방식을 이용할 수 있겠지만</a:t>
+            </a:r>
+            <a:r>
+              <a:rPr lang="en-US" altLang="ko-KR" dirty="0">
+                <a:latin typeface="나눔스퀘어 Light" panose="020B0600000101010101" pitchFamily="50" charset="-127"/>
+                <a:ea typeface="나눔스퀘어 Light" panose="020B0600000101010101" pitchFamily="50" charset="-127"/>
+              </a:rPr>
+              <a:t>,</a:t>
+            </a:r>
+            <a:endParaRPr lang="ko-KR" altLang="en-US" dirty="0">
+              <a:latin typeface="나눔스퀘어 Light" panose="020B0600000101010101" pitchFamily="50" charset="-127"/>
+              <a:ea typeface="나눔스퀘어 Light" panose="020B0600000101010101" pitchFamily="50" charset="-127"/>
+            </a:endParaRPr>
+          </a:p>
+        </p:txBody>
+      </p:sp>
+      <p:sp>
+        <p:nvSpPr>
+          <p:cNvPr id="4" name="TextBox 3">
+            <a:extLst>
+              <a:ext uri="{FF2B5EF4-FFF2-40B4-BE49-F238E27FC236}">
+                <a16:creationId xmlns:a16="http://schemas.microsoft.com/office/drawing/2014/main" id="{DE3DB81A-6260-8215-D004-F1490F5CD022}"/>
+              </a:ext>
+            </a:extLst>
+          </p:cNvPr>
+          <p:cNvSpPr txBox="1"/>
+          <p:nvPr/>
+        </p:nvSpPr>
+        <p:spPr>
+          <a:xfrm>
+            <a:off x="942387" y="1928688"/>
+            <a:ext cx="10237694" cy="369332"/>
+          </a:xfrm>
+          <a:prstGeom prst="rect">
+            <a:avLst/>
+          </a:prstGeom>
+          <a:noFill/>
+        </p:spPr>
+        <p:txBody>
+          <a:bodyPr wrap="square" rtlCol="0">
+            <a:spAutoFit/>
+          </a:bodyPr>
+          <a:lstStyle/>
+          <a:p>
+            <a:r>
+              <a:rPr lang="en-US" altLang="ko-KR" strike="sngStrike" dirty="0">
+                <a:latin typeface="나눔스퀘어 Light" panose="020B0600000101010101" pitchFamily="50" charset="-127"/>
+                <a:ea typeface="나눔스퀘어 Light" panose="020B0600000101010101" pitchFamily="50" charset="-127"/>
+              </a:rPr>
+              <a:t>(</a:t>
+            </a:r>
+            <a:r>
+              <a:rPr lang="ko-KR" altLang="en-US" strike="sngStrike" dirty="0">
+                <a:latin typeface="나눔스퀘어 Light" panose="020B0600000101010101" pitchFamily="50" charset="-127"/>
+                <a:ea typeface="나눔스퀘어 Light" panose="020B0600000101010101" pitchFamily="50" charset="-127"/>
+              </a:rPr>
+              <a:t>귀찮아서</a:t>
+            </a:r>
+            <a:r>
+              <a:rPr lang="en-US" altLang="ko-KR" strike="sngStrike" dirty="0">
+                <a:latin typeface="나눔스퀘어 Light" panose="020B0600000101010101" pitchFamily="50" charset="-127"/>
+                <a:ea typeface="나눔스퀘어 Light" panose="020B0600000101010101" pitchFamily="50" charset="-127"/>
+              </a:rPr>
+              <a:t>)</a:t>
+            </a:r>
+            <a:r>
+              <a:rPr lang="ko-KR" altLang="en-US" dirty="0">
+                <a:latin typeface="나눔스퀘어 Light" panose="020B0600000101010101" pitchFamily="50" charset="-127"/>
+                <a:ea typeface="나눔스퀘어 Light" panose="020B0600000101010101" pitchFamily="50" charset="-127"/>
+              </a:rPr>
+              <a:t> 좀 더 단순히 구현할 수 있을 법 </a:t>
+            </a:r>
+            <a:r>
+              <a:rPr lang="ko-KR" altLang="en-US" dirty="0" err="1">
+                <a:latin typeface="나눔스퀘어 Light" panose="020B0600000101010101" pitchFamily="50" charset="-127"/>
+                <a:ea typeface="나눔스퀘어 Light" panose="020B0600000101010101" pitchFamily="50" charset="-127"/>
+              </a:rPr>
+              <a:t>해보이는</a:t>
+            </a:r>
+            <a:r>
+              <a:rPr lang="ko-KR" altLang="en-US" dirty="0">
+                <a:latin typeface="나눔스퀘어 Light" panose="020B0600000101010101" pitchFamily="50" charset="-127"/>
+                <a:ea typeface="나눔스퀘어 Light" panose="020B0600000101010101" pitchFamily="50" charset="-127"/>
+              </a:rPr>
+              <a:t> 배열을 이용하도록 하겠습니다</a:t>
+            </a:r>
+            <a:r>
+              <a:rPr lang="en-US" altLang="ko-KR" dirty="0">
+                <a:latin typeface="나눔스퀘어 Light" panose="020B0600000101010101" pitchFamily="50" charset="-127"/>
+                <a:ea typeface="나눔스퀘어 Light" panose="020B0600000101010101" pitchFamily="50" charset="-127"/>
+              </a:rPr>
+              <a:t>.</a:t>
+            </a:r>
+            <a:endParaRPr lang="ko-KR" altLang="en-US" dirty="0">
+              <a:latin typeface="나눔스퀘어 Light" panose="020B0600000101010101" pitchFamily="50" charset="-127"/>
+              <a:ea typeface="나눔스퀘어 Light" panose="020B0600000101010101" pitchFamily="50" charset="-127"/>
+            </a:endParaRPr>
+          </a:p>
+        </p:txBody>
+      </p:sp>
+      <p:pic>
+        <p:nvPicPr>
+          <p:cNvPr id="8" name="그림 7">
+            <a:extLst>
+              <a:ext uri="{FF2B5EF4-FFF2-40B4-BE49-F238E27FC236}">
+                <a16:creationId xmlns:a16="http://schemas.microsoft.com/office/drawing/2014/main" id="{F94C936F-CA07-B25F-60B5-8C6FDDFCDD1B}"/>
+              </a:ext>
+            </a:extLst>
+          </p:cNvPr>
+          <p:cNvPicPr>
+            <a:picLocks noChangeAspect="1"/>
+          </p:cNvPicPr>
+          <p:nvPr/>
+        </p:nvPicPr>
+        <p:blipFill>
+          <a:blip r:embed="rId2"/>
+          <a:stretch>
+            <a:fillRect/>
+          </a:stretch>
+        </p:blipFill>
+        <p:spPr>
+          <a:xfrm>
+            <a:off x="942387" y="2667352"/>
+            <a:ext cx="3901867" cy="1784575"/>
+          </a:xfrm>
+          <a:prstGeom prst="rect">
+            <a:avLst/>
+          </a:prstGeom>
+        </p:spPr>
+      </p:pic>
+      <p:pic>
+        <p:nvPicPr>
+          <p:cNvPr id="10" name="그림 9">
+            <a:extLst>
+              <a:ext uri="{FF2B5EF4-FFF2-40B4-BE49-F238E27FC236}">
+                <a16:creationId xmlns:a16="http://schemas.microsoft.com/office/drawing/2014/main" id="{12617F96-F0F8-138D-2AB2-329AFE8636AD}"/>
+              </a:ext>
+            </a:extLst>
+          </p:cNvPr>
+          <p:cNvPicPr>
+            <a:picLocks noChangeAspect="1"/>
+          </p:cNvPicPr>
+          <p:nvPr/>
+        </p:nvPicPr>
+        <p:blipFill>
+          <a:blip r:embed="rId3"/>
+          <a:stretch>
+            <a:fillRect/>
+          </a:stretch>
+        </p:blipFill>
+        <p:spPr>
+          <a:xfrm>
+            <a:off x="6227488" y="2671483"/>
+            <a:ext cx="4185603" cy="1780444"/>
+          </a:xfrm>
+          <a:prstGeom prst="rect">
+            <a:avLst/>
+          </a:prstGeom>
+        </p:spPr>
+      </p:pic>
     </p:spTree>
     <p:extLst>
       <p:ext uri="{BB962C8B-B14F-4D97-AF65-F5344CB8AC3E}">
@@ -11823,10 +12021,10 @@
       </p:cxnSp>
       <p:sp>
         <p:nvSpPr>
-          <p:cNvPr id="4" name="TextBox 3">
-            <a:extLst>
-              <a:ext uri="{FF2B5EF4-FFF2-40B4-BE49-F238E27FC236}">
-                <a16:creationId xmlns:a16="http://schemas.microsoft.com/office/drawing/2014/main" id="{346A4227-C27D-50F4-7699-BBE332703F0D}"/>
+          <p:cNvPr id="7" name="TextBox 6">
+            <a:extLst>
+              <a:ext uri="{FF2B5EF4-FFF2-40B4-BE49-F238E27FC236}">
+                <a16:creationId xmlns:a16="http://schemas.microsoft.com/office/drawing/2014/main" id="{5B474655-BD78-E334-950C-B8C17B96E7D6}"/>
               </a:ext>
             </a:extLst>
           </p:cNvPr>
@@ -11835,8 +12033,71 @@
         </p:nvSpPr>
         <p:spPr>
           <a:xfrm>
+            <a:off x="942387" y="1190024"/>
+            <a:ext cx="10237694" cy="369332"/>
+          </a:xfrm>
+          <a:prstGeom prst="rect">
+            <a:avLst/>
+          </a:prstGeom>
+          <a:noFill/>
+        </p:spPr>
+        <p:txBody>
+          <a:bodyPr wrap="square" rtlCol="0">
+            <a:spAutoFit/>
+          </a:bodyPr>
+          <a:lstStyle/>
+          <a:p>
+            <a:r>
+              <a:rPr lang="ko-KR" altLang="en-US" dirty="0">
+                <a:latin typeface="나눔스퀘어 Light" panose="020B0600000101010101" pitchFamily="50" charset="-127"/>
+                <a:ea typeface="나눔스퀘어 Light" panose="020B0600000101010101" pitchFamily="50" charset="-127"/>
+              </a:rPr>
+              <a:t>노드의 자식들이 없다는 표현을 </a:t>
+            </a:r>
+            <a:r>
+              <a:rPr lang="en-US" altLang="ko-KR" dirty="0">
+                <a:latin typeface="나눔스퀘어 Light" panose="020B0600000101010101" pitchFamily="50" charset="-127"/>
+                <a:ea typeface="나눔스퀘어 Light" panose="020B0600000101010101" pitchFamily="50" charset="-127"/>
+              </a:rPr>
+              <a:t>-1</a:t>
+            </a:r>
+            <a:r>
+              <a:rPr lang="ko-KR" altLang="en-US" dirty="0">
+                <a:latin typeface="나눔스퀘어 Light" panose="020B0600000101010101" pitchFamily="50" charset="-127"/>
+                <a:ea typeface="나눔스퀘어 Light" panose="020B0600000101010101" pitchFamily="50" charset="-127"/>
+              </a:rPr>
+              <a:t>로 했습니다</a:t>
+            </a:r>
+            <a:r>
+              <a:rPr lang="en-US" altLang="ko-KR" dirty="0">
+                <a:latin typeface="나눔스퀘어 Light" panose="020B0600000101010101" pitchFamily="50" charset="-127"/>
+                <a:ea typeface="나눔스퀘어 Light" panose="020B0600000101010101" pitchFamily="50" charset="-127"/>
+              </a:rPr>
+              <a:t>.</a:t>
+            </a:r>
+            <a:endParaRPr lang="ko-KR" altLang="en-US" dirty="0">
+              <a:latin typeface="나눔스퀘어 Light" panose="020B0600000101010101" pitchFamily="50" charset="-127"/>
+              <a:ea typeface="나눔스퀘어 Light" panose="020B0600000101010101" pitchFamily="50" charset="-127"/>
+            </a:endParaRPr>
+          </a:p>
+        </p:txBody>
+      </p:sp>
+      <p:sp>
+        <p:nvSpPr>
+          <p:cNvPr id="2" name="TextBox 1">
+            <a:extLst>
+              <a:ext uri="{FF2B5EF4-FFF2-40B4-BE49-F238E27FC236}">
+                <a16:creationId xmlns:a16="http://schemas.microsoft.com/office/drawing/2014/main" id="{25257D0D-4D82-43C3-E0F3-2BB7175C16E3}"/>
+              </a:ext>
+            </a:extLst>
+          </p:cNvPr>
+          <p:cNvSpPr txBox="1"/>
+          <p:nvPr/>
+        </p:nvSpPr>
+        <p:spPr>
+          <a:xfrm>
             <a:off x="331694" y="177505"/>
-            <a:ext cx="4912114" cy="523220"/>
+            <a:ext cx="3621697" cy="523220"/>
           </a:xfrm>
           <a:prstGeom prst="rect">
             <a:avLst/>
@@ -11868,24 +12129,472 @@
                 <a:latin typeface="나눔스퀘어 Bold" panose="020B0600000101010101" pitchFamily="50" charset="-127"/>
                 <a:ea typeface="나눔스퀘어 Bold" panose="020B0600000101010101" pitchFamily="50" charset="-127"/>
               </a:rPr>
-              <a:t>– 11725 </a:t>
+              <a:t>– 1991 </a:t>
             </a:r>
             <a:r>
               <a:rPr lang="ko-KR" altLang="en-US" sz="2800" dirty="0">
                 <a:latin typeface="나눔스퀘어 Bold" panose="020B0600000101010101" pitchFamily="50" charset="-127"/>
                 <a:ea typeface="나눔스퀘어 Bold" panose="020B0600000101010101" pitchFamily="50" charset="-127"/>
               </a:rPr>
-              <a:t>트리의 부모 찾기</a:t>
-            </a:r>
-          </a:p>
-        </p:txBody>
-      </p:sp>
+              <a:t>트리 순회</a:t>
+            </a:r>
+          </a:p>
+        </p:txBody>
+      </p:sp>
+      <p:sp>
+        <p:nvSpPr>
+          <p:cNvPr id="6" name="타원 5">
+            <a:extLst>
+              <a:ext uri="{FF2B5EF4-FFF2-40B4-BE49-F238E27FC236}">
+                <a16:creationId xmlns:a16="http://schemas.microsoft.com/office/drawing/2014/main" id="{DCDAB11F-3EFE-17A9-F3B2-FECB2AA31A37}"/>
+              </a:ext>
+            </a:extLst>
+          </p:cNvPr>
+          <p:cNvSpPr/>
+          <p:nvPr/>
+        </p:nvSpPr>
+        <p:spPr>
+          <a:xfrm>
+            <a:off x="1563473" y="1900063"/>
+            <a:ext cx="369332" cy="369332"/>
+          </a:xfrm>
+          <a:prstGeom prst="ellipse">
+            <a:avLst/>
+          </a:prstGeom>
+          <a:noFill/>
+          <a:ln w="19050">
+            <a:solidFill>
+              <a:schemeClr val="tx1"/>
+            </a:solidFill>
+          </a:ln>
+        </p:spPr>
+        <p:style>
+          <a:lnRef idx="2">
+            <a:schemeClr val="accent1">
+              <a:shade val="50000"/>
+            </a:schemeClr>
+          </a:lnRef>
+          <a:fillRef idx="1">
+            <a:schemeClr val="accent1"/>
+          </a:fillRef>
+          <a:effectRef idx="0">
+            <a:schemeClr val="accent1"/>
+          </a:effectRef>
+          <a:fontRef idx="minor">
+            <a:schemeClr val="lt1"/>
+          </a:fontRef>
+        </p:style>
+        <p:txBody>
+          <a:bodyPr rtlCol="0" anchor="ctr"/>
+          <a:lstStyle/>
+          <a:p>
+            <a:pPr algn="ctr"/>
+            <a:r>
+              <a:rPr lang="en-US" altLang="ko-KR" sz="1600" dirty="0">
+                <a:solidFill>
+                  <a:schemeClr val="tx1"/>
+                </a:solidFill>
+                <a:latin typeface="나눔스퀘어 Bold" panose="020B0600000101010101" pitchFamily="50" charset="-127"/>
+                <a:ea typeface="나눔스퀘어 Bold" panose="020B0600000101010101" pitchFamily="50" charset="-127"/>
+              </a:rPr>
+              <a:t>A</a:t>
+            </a:r>
+            <a:endParaRPr lang="ko-KR" altLang="en-US" sz="1600" dirty="0">
+              <a:solidFill>
+                <a:schemeClr val="tx1"/>
+              </a:solidFill>
+              <a:latin typeface="나눔스퀘어 Bold" panose="020B0600000101010101" pitchFamily="50" charset="-127"/>
+              <a:ea typeface="나눔스퀘어 Bold" panose="020B0600000101010101" pitchFamily="50" charset="-127"/>
+            </a:endParaRPr>
+          </a:p>
+        </p:txBody>
+      </p:sp>
+      <p:sp>
+        <p:nvSpPr>
+          <p:cNvPr id="9" name="타원 8">
+            <a:extLst>
+              <a:ext uri="{FF2B5EF4-FFF2-40B4-BE49-F238E27FC236}">
+                <a16:creationId xmlns:a16="http://schemas.microsoft.com/office/drawing/2014/main" id="{582DC2B6-91B8-3E52-FB31-D8FC7B3BFEE2}"/>
+              </a:ext>
+            </a:extLst>
+          </p:cNvPr>
+          <p:cNvSpPr/>
+          <p:nvPr/>
+        </p:nvSpPr>
+        <p:spPr>
+          <a:xfrm>
+            <a:off x="1092132" y="2910219"/>
+            <a:ext cx="369332" cy="369332"/>
+          </a:xfrm>
+          <a:prstGeom prst="ellipse">
+            <a:avLst/>
+          </a:prstGeom>
+          <a:noFill/>
+          <a:ln w="19050">
+            <a:solidFill>
+              <a:schemeClr val="tx1"/>
+            </a:solidFill>
+          </a:ln>
+        </p:spPr>
+        <p:style>
+          <a:lnRef idx="2">
+            <a:schemeClr val="accent1">
+              <a:shade val="50000"/>
+            </a:schemeClr>
+          </a:lnRef>
+          <a:fillRef idx="1">
+            <a:schemeClr val="accent1"/>
+          </a:fillRef>
+          <a:effectRef idx="0">
+            <a:schemeClr val="accent1"/>
+          </a:effectRef>
+          <a:fontRef idx="minor">
+            <a:schemeClr val="lt1"/>
+          </a:fontRef>
+        </p:style>
+        <p:txBody>
+          <a:bodyPr rtlCol="0" anchor="ctr"/>
+          <a:lstStyle/>
+          <a:p>
+            <a:pPr algn="ctr"/>
+            <a:r>
+              <a:rPr lang="en-US" altLang="ko-KR" sz="1600" dirty="0">
+                <a:solidFill>
+                  <a:schemeClr val="tx1"/>
+                </a:solidFill>
+                <a:latin typeface="나눔스퀘어 Bold" panose="020B0600000101010101" pitchFamily="50" charset="-127"/>
+                <a:ea typeface="나눔스퀘어 Bold" panose="020B0600000101010101" pitchFamily="50" charset="-127"/>
+              </a:rPr>
+              <a:t>B</a:t>
+            </a:r>
+            <a:endParaRPr lang="ko-KR" altLang="en-US" sz="1600" dirty="0">
+              <a:solidFill>
+                <a:schemeClr val="tx1"/>
+              </a:solidFill>
+              <a:latin typeface="나눔스퀘어 Bold" panose="020B0600000101010101" pitchFamily="50" charset="-127"/>
+              <a:ea typeface="나눔스퀘어 Bold" panose="020B0600000101010101" pitchFamily="50" charset="-127"/>
+            </a:endParaRPr>
+          </a:p>
+        </p:txBody>
+      </p:sp>
+      <p:sp>
+        <p:nvSpPr>
+          <p:cNvPr id="11" name="타원 10">
+            <a:extLst>
+              <a:ext uri="{FF2B5EF4-FFF2-40B4-BE49-F238E27FC236}">
+                <a16:creationId xmlns:a16="http://schemas.microsoft.com/office/drawing/2014/main" id="{DE8916F4-E2A8-ACFB-EA74-780224ACB5F1}"/>
+              </a:ext>
+            </a:extLst>
+          </p:cNvPr>
+          <p:cNvSpPr/>
+          <p:nvPr/>
+        </p:nvSpPr>
+        <p:spPr>
+          <a:xfrm>
+            <a:off x="1932805" y="2910219"/>
+            <a:ext cx="369332" cy="369332"/>
+          </a:xfrm>
+          <a:prstGeom prst="ellipse">
+            <a:avLst/>
+          </a:prstGeom>
+          <a:noFill/>
+          <a:ln w="19050">
+            <a:solidFill>
+              <a:schemeClr val="tx1"/>
+            </a:solidFill>
+          </a:ln>
+        </p:spPr>
+        <p:style>
+          <a:lnRef idx="2">
+            <a:schemeClr val="accent1">
+              <a:shade val="50000"/>
+            </a:schemeClr>
+          </a:lnRef>
+          <a:fillRef idx="1">
+            <a:schemeClr val="accent1"/>
+          </a:fillRef>
+          <a:effectRef idx="0">
+            <a:schemeClr val="accent1"/>
+          </a:effectRef>
+          <a:fontRef idx="minor">
+            <a:schemeClr val="lt1"/>
+          </a:fontRef>
+        </p:style>
+        <p:txBody>
+          <a:bodyPr rtlCol="0" anchor="ctr"/>
+          <a:lstStyle/>
+          <a:p>
+            <a:pPr algn="ctr"/>
+            <a:r>
+              <a:rPr lang="en-US" altLang="ko-KR" sz="1600" dirty="0">
+                <a:solidFill>
+                  <a:schemeClr val="tx1"/>
+                </a:solidFill>
+                <a:latin typeface="나눔스퀘어 Bold" panose="020B0600000101010101" pitchFamily="50" charset="-127"/>
+                <a:ea typeface="나눔스퀘어 Bold" panose="020B0600000101010101" pitchFamily="50" charset="-127"/>
+              </a:rPr>
+              <a:t>C</a:t>
+            </a:r>
+            <a:endParaRPr lang="ko-KR" altLang="en-US" sz="1600" dirty="0">
+              <a:solidFill>
+                <a:schemeClr val="tx1"/>
+              </a:solidFill>
+              <a:latin typeface="나눔스퀘어 Bold" panose="020B0600000101010101" pitchFamily="50" charset="-127"/>
+              <a:ea typeface="나눔스퀘어 Bold" panose="020B0600000101010101" pitchFamily="50" charset="-127"/>
+            </a:endParaRPr>
+          </a:p>
+        </p:txBody>
+      </p:sp>
+      <p:cxnSp>
+        <p:nvCxnSpPr>
+          <p:cNvPr id="12" name="직선 연결선 11">
+            <a:extLst>
+              <a:ext uri="{FF2B5EF4-FFF2-40B4-BE49-F238E27FC236}">
+                <a16:creationId xmlns:a16="http://schemas.microsoft.com/office/drawing/2014/main" id="{61AB4308-C3CC-FAA1-E9DD-7D2ADBFC6761}"/>
+              </a:ext>
+            </a:extLst>
+          </p:cNvPr>
+          <p:cNvCxnSpPr>
+            <a:cxnSpLocks/>
+            <a:stCxn id="9" idx="0"/>
+            <a:endCxn id="6" idx="3"/>
+          </p:cNvCxnSpPr>
+          <p:nvPr/>
+        </p:nvCxnSpPr>
+        <p:spPr>
+          <a:xfrm flipV="1">
+            <a:off x="1276798" y="2215308"/>
+            <a:ext cx="340762" cy="694911"/>
+          </a:xfrm>
+          <a:prstGeom prst="line">
+            <a:avLst/>
+          </a:prstGeom>
+          <a:ln w="19050">
+            <a:solidFill>
+              <a:schemeClr val="tx1"/>
+            </a:solidFill>
+          </a:ln>
+        </p:spPr>
+        <p:style>
+          <a:lnRef idx="1">
+            <a:schemeClr val="accent1"/>
+          </a:lnRef>
+          <a:fillRef idx="0">
+            <a:schemeClr val="accent1"/>
+          </a:fillRef>
+          <a:effectRef idx="0">
+            <a:schemeClr val="accent1"/>
+          </a:effectRef>
+          <a:fontRef idx="minor">
+            <a:schemeClr val="tx1"/>
+          </a:fontRef>
+        </p:style>
+      </p:cxnSp>
+      <p:cxnSp>
+        <p:nvCxnSpPr>
+          <p:cNvPr id="13" name="직선 연결선 12">
+            <a:extLst>
+              <a:ext uri="{FF2B5EF4-FFF2-40B4-BE49-F238E27FC236}">
+                <a16:creationId xmlns:a16="http://schemas.microsoft.com/office/drawing/2014/main" id="{A710E0E3-3EA1-34D2-3318-847BF92ECB1D}"/>
+              </a:ext>
+            </a:extLst>
+          </p:cNvPr>
+          <p:cNvCxnSpPr>
+            <a:cxnSpLocks/>
+            <a:stCxn id="11" idx="0"/>
+            <a:endCxn id="6" idx="5"/>
+          </p:cNvCxnSpPr>
+          <p:nvPr/>
+        </p:nvCxnSpPr>
+        <p:spPr>
+          <a:xfrm flipH="1" flipV="1">
+            <a:off x="1878718" y="2215308"/>
+            <a:ext cx="238753" cy="694911"/>
+          </a:xfrm>
+          <a:prstGeom prst="line">
+            <a:avLst/>
+          </a:prstGeom>
+          <a:ln w="19050">
+            <a:solidFill>
+              <a:schemeClr val="tx1"/>
+            </a:solidFill>
+          </a:ln>
+        </p:spPr>
+        <p:style>
+          <a:lnRef idx="1">
+            <a:schemeClr val="accent1"/>
+          </a:lnRef>
+          <a:fillRef idx="0">
+            <a:schemeClr val="accent1"/>
+          </a:fillRef>
+          <a:effectRef idx="0">
+            <a:schemeClr val="accent1"/>
+          </a:effectRef>
+          <a:fontRef idx="minor">
+            <a:schemeClr val="tx1"/>
+          </a:fontRef>
+        </p:style>
+      </p:cxnSp>
+      <p:sp>
+        <p:nvSpPr>
+          <p:cNvPr id="16" name="TextBox 15">
+            <a:extLst>
+              <a:ext uri="{FF2B5EF4-FFF2-40B4-BE49-F238E27FC236}">
+                <a16:creationId xmlns:a16="http://schemas.microsoft.com/office/drawing/2014/main" id="{380AEF40-044D-6BFD-DDEB-E0DF6C2BB0F2}"/>
+              </a:ext>
+            </a:extLst>
+          </p:cNvPr>
+          <p:cNvSpPr txBox="1"/>
+          <p:nvPr/>
+        </p:nvSpPr>
+        <p:spPr>
+          <a:xfrm>
+            <a:off x="2623127" y="1922450"/>
+            <a:ext cx="8556954" cy="369332"/>
+          </a:xfrm>
+          <a:prstGeom prst="rect">
+            <a:avLst/>
+          </a:prstGeom>
+          <a:noFill/>
+        </p:spPr>
+        <p:txBody>
+          <a:bodyPr wrap="square" rtlCol="0">
+            <a:spAutoFit/>
+          </a:bodyPr>
+          <a:lstStyle/>
+          <a:p>
+            <a:r>
+              <a:rPr lang="ko-KR" altLang="en-US" dirty="0">
+                <a:latin typeface="나눔스퀘어 Light" panose="020B0600000101010101" pitchFamily="50" charset="-127"/>
+                <a:ea typeface="나눔스퀘어 Light" panose="020B0600000101010101" pitchFamily="50" charset="-127"/>
+              </a:rPr>
+              <a:t>이러한 경우에는</a:t>
+            </a:r>
+            <a:endParaRPr lang="en-US" altLang="ko-KR" dirty="0">
+              <a:latin typeface="나눔스퀘어 Light" panose="020B0600000101010101" pitchFamily="50" charset="-127"/>
+              <a:ea typeface="나눔스퀘어 Light" panose="020B0600000101010101" pitchFamily="50" charset="-127"/>
+            </a:endParaRPr>
+          </a:p>
+        </p:txBody>
+      </p:sp>
+      <p:sp>
+        <p:nvSpPr>
+          <p:cNvPr id="19" name="타원 18">
+            <a:extLst>
+              <a:ext uri="{FF2B5EF4-FFF2-40B4-BE49-F238E27FC236}">
+                <a16:creationId xmlns:a16="http://schemas.microsoft.com/office/drawing/2014/main" id="{E2CE38D1-CC86-DDB2-2E53-579D1FD55B6E}"/>
+              </a:ext>
+            </a:extLst>
+          </p:cNvPr>
+          <p:cNvSpPr/>
+          <p:nvPr/>
+        </p:nvSpPr>
+        <p:spPr>
+          <a:xfrm>
+            <a:off x="1563473" y="3920375"/>
+            <a:ext cx="369332" cy="369332"/>
+          </a:xfrm>
+          <a:prstGeom prst="ellipse">
+            <a:avLst/>
+          </a:prstGeom>
+          <a:noFill/>
+          <a:ln w="19050">
+            <a:solidFill>
+              <a:schemeClr val="tx1"/>
+            </a:solidFill>
+          </a:ln>
+        </p:spPr>
+        <p:style>
+          <a:lnRef idx="2">
+            <a:schemeClr val="accent1">
+              <a:shade val="50000"/>
+            </a:schemeClr>
+          </a:lnRef>
+          <a:fillRef idx="1">
+            <a:schemeClr val="accent1"/>
+          </a:fillRef>
+          <a:effectRef idx="0">
+            <a:schemeClr val="accent1"/>
+          </a:effectRef>
+          <a:fontRef idx="minor">
+            <a:schemeClr val="lt1"/>
+          </a:fontRef>
+        </p:style>
+        <p:txBody>
+          <a:bodyPr rtlCol="0" anchor="ctr"/>
+          <a:lstStyle/>
+          <a:p>
+            <a:pPr algn="ctr"/>
+            <a:r>
+              <a:rPr lang="en-US" altLang="ko-KR" sz="1600" dirty="0">
+                <a:solidFill>
+                  <a:schemeClr val="tx1"/>
+                </a:solidFill>
+                <a:latin typeface="나눔스퀘어 Bold" panose="020B0600000101010101" pitchFamily="50" charset="-127"/>
+                <a:ea typeface="나눔스퀘어 Bold" panose="020B0600000101010101" pitchFamily="50" charset="-127"/>
+              </a:rPr>
+              <a:t>F</a:t>
+            </a:r>
+            <a:endParaRPr lang="ko-KR" altLang="en-US" sz="1600" dirty="0">
+              <a:solidFill>
+                <a:schemeClr val="tx1"/>
+              </a:solidFill>
+              <a:latin typeface="나눔스퀘어 Bold" panose="020B0600000101010101" pitchFamily="50" charset="-127"/>
+              <a:ea typeface="나눔스퀘어 Bold" panose="020B0600000101010101" pitchFamily="50" charset="-127"/>
+            </a:endParaRPr>
+          </a:p>
+        </p:txBody>
+      </p:sp>
+      <p:cxnSp>
+        <p:nvCxnSpPr>
+          <p:cNvPr id="20" name="직선 연결선 19">
+            <a:extLst>
+              <a:ext uri="{FF2B5EF4-FFF2-40B4-BE49-F238E27FC236}">
+                <a16:creationId xmlns:a16="http://schemas.microsoft.com/office/drawing/2014/main" id="{BD404B5B-60A3-3CDF-28B7-72AB82FB5F65}"/>
+              </a:ext>
+            </a:extLst>
+          </p:cNvPr>
+          <p:cNvCxnSpPr>
+            <a:cxnSpLocks/>
+            <a:stCxn id="19" idx="1"/>
+          </p:cNvCxnSpPr>
+          <p:nvPr/>
+        </p:nvCxnSpPr>
+        <p:spPr>
+          <a:xfrm flipH="1" flipV="1">
+            <a:off x="1407377" y="3225464"/>
+            <a:ext cx="210183" cy="748998"/>
+          </a:xfrm>
+          <a:prstGeom prst="line">
+            <a:avLst/>
+          </a:prstGeom>
+          <a:ln w="19050">
+            <a:solidFill>
+              <a:schemeClr val="tx1"/>
+            </a:solidFill>
+          </a:ln>
+        </p:spPr>
+        <p:style>
+          <a:lnRef idx="1">
+            <a:schemeClr val="accent1"/>
+          </a:lnRef>
+          <a:fillRef idx="0">
+            <a:schemeClr val="accent1"/>
+          </a:fillRef>
+          <a:effectRef idx="0">
+            <a:schemeClr val="accent1"/>
+          </a:effectRef>
+          <a:fontRef idx="minor">
+            <a:schemeClr val="tx1"/>
+          </a:fontRef>
+        </p:style>
+      </p:cxnSp>
       <p:pic>
         <p:nvPicPr>
-          <p:cNvPr id="6" name="그림 5">
-            <a:extLst>
-              <a:ext uri="{FF2B5EF4-FFF2-40B4-BE49-F238E27FC236}">
-                <a16:creationId xmlns:a16="http://schemas.microsoft.com/office/drawing/2014/main" id="{D2C52889-E063-DA44-4633-356A09FD45EB}"/>
+          <p:cNvPr id="22" name="그림 21">
+            <a:extLst>
+              <a:ext uri="{FF2B5EF4-FFF2-40B4-BE49-F238E27FC236}">
+                <a16:creationId xmlns:a16="http://schemas.microsoft.com/office/drawing/2014/main" id="{360B0928-C120-814A-416A-898E0A66FB3A}"/>
               </a:ext>
             </a:extLst>
           </p:cNvPr>
@@ -11902,8 +12611,160 @@
         </p:blipFill>
         <p:spPr>
           <a:xfrm>
-            <a:off x="331694" y="966727"/>
-            <a:ext cx="7830643" cy="5649113"/>
+            <a:off x="2617382" y="2291781"/>
+            <a:ext cx="6186968" cy="1892291"/>
+          </a:xfrm>
+          <a:prstGeom prst="rect">
+            <a:avLst/>
+          </a:prstGeom>
+        </p:spPr>
+      </p:pic>
+      <p:sp>
+        <p:nvSpPr>
+          <p:cNvPr id="23" name="TextBox 22">
+            <a:extLst>
+              <a:ext uri="{FF2B5EF4-FFF2-40B4-BE49-F238E27FC236}">
+                <a16:creationId xmlns:a16="http://schemas.microsoft.com/office/drawing/2014/main" id="{4593E232-03E3-8C99-CBBC-43D38D7FC2D8}"/>
+              </a:ext>
+            </a:extLst>
+          </p:cNvPr>
+          <p:cNvSpPr txBox="1"/>
+          <p:nvPr/>
+        </p:nvSpPr>
+        <p:spPr>
+          <a:xfrm>
+            <a:off x="2617382" y="4184072"/>
+            <a:ext cx="8556954" cy="369332"/>
+          </a:xfrm>
+          <a:prstGeom prst="rect">
+            <a:avLst/>
+          </a:prstGeom>
+          <a:noFill/>
+        </p:spPr>
+        <p:txBody>
+          <a:bodyPr wrap="square" rtlCol="0">
+            <a:spAutoFit/>
+          </a:bodyPr>
+          <a:lstStyle/>
+          <a:p>
+            <a:r>
+              <a:rPr lang="ko-KR" altLang="en-US" dirty="0">
+                <a:latin typeface="나눔스퀘어 Light" panose="020B0600000101010101" pitchFamily="50" charset="-127"/>
+                <a:ea typeface="나눔스퀘어 Light" panose="020B0600000101010101" pitchFamily="50" charset="-127"/>
+              </a:rPr>
+              <a:t>이렇게 저장할 수 있을 것 같습니다</a:t>
+            </a:r>
+            <a:r>
+              <a:rPr lang="en-US" altLang="ko-KR" dirty="0">
+                <a:latin typeface="나눔스퀘어 Light" panose="020B0600000101010101" pitchFamily="50" charset="-127"/>
+                <a:ea typeface="나눔스퀘어 Light" panose="020B0600000101010101" pitchFamily="50" charset="-127"/>
+              </a:rPr>
+              <a:t>.</a:t>
+            </a:r>
+          </a:p>
+        </p:txBody>
+      </p:sp>
+      <p:sp>
+        <p:nvSpPr>
+          <p:cNvPr id="24" name="TextBox 23">
+            <a:extLst>
+              <a:ext uri="{FF2B5EF4-FFF2-40B4-BE49-F238E27FC236}">
+                <a16:creationId xmlns:a16="http://schemas.microsoft.com/office/drawing/2014/main" id="{3C79A230-CBDE-2FB0-7541-C9DD96C6A951}"/>
+              </a:ext>
+            </a:extLst>
+          </p:cNvPr>
+          <p:cNvSpPr txBox="1"/>
+          <p:nvPr/>
+        </p:nvSpPr>
+        <p:spPr>
+          <a:xfrm>
+            <a:off x="942387" y="4561199"/>
+            <a:ext cx="10237694" cy="369332"/>
+          </a:xfrm>
+          <a:prstGeom prst="rect">
+            <a:avLst/>
+          </a:prstGeom>
+          <a:noFill/>
+        </p:spPr>
+        <p:txBody>
+          <a:bodyPr wrap="square" rtlCol="0">
+            <a:spAutoFit/>
+          </a:bodyPr>
+          <a:lstStyle/>
+          <a:p>
+            <a:r>
+              <a:rPr lang="ko-KR" altLang="en-US" dirty="0">
+                <a:latin typeface="나눔스퀘어 Light" panose="020B0600000101010101" pitchFamily="50" charset="-127"/>
+                <a:ea typeface="나눔스퀘어 Light" panose="020B0600000101010101" pitchFamily="50" charset="-127"/>
+              </a:rPr>
+              <a:t>노드 개수들을 입력 받은 뒤</a:t>
+            </a:r>
+            <a:r>
+              <a:rPr lang="en-US" altLang="ko-KR" dirty="0">
+                <a:latin typeface="나눔스퀘어 Light" panose="020B0600000101010101" pitchFamily="50" charset="-127"/>
+                <a:ea typeface="나눔스퀘어 Light" panose="020B0600000101010101" pitchFamily="50" charset="-127"/>
+              </a:rPr>
+              <a:t>, </a:t>
+            </a:r>
+            <a:r>
+              <a:rPr lang="ko-KR" altLang="en-US" dirty="0">
+                <a:latin typeface="나눔스퀘어 Light" panose="020B0600000101010101" pitchFamily="50" charset="-127"/>
+                <a:ea typeface="나눔스퀘어 Light" panose="020B0600000101010101" pitchFamily="50" charset="-127"/>
+              </a:rPr>
+              <a:t>초기화 </a:t>
+            </a:r>
+            <a:r>
+              <a:rPr lang="en-US" altLang="ko-KR" dirty="0">
+                <a:latin typeface="나눔스퀘어 Light" panose="020B0600000101010101" pitchFamily="50" charset="-127"/>
+                <a:ea typeface="나눔스퀘어 Light" panose="020B0600000101010101" pitchFamily="50" charset="-127"/>
+              </a:rPr>
+              <a:t>(</a:t>
+            </a:r>
+            <a:r>
+              <a:rPr lang="ko-KR" altLang="en-US" dirty="0">
+                <a:latin typeface="나눔스퀘어 Light" panose="020B0600000101010101" pitchFamily="50" charset="-127"/>
+                <a:ea typeface="나눔스퀘어 Light" panose="020B0600000101010101" pitchFamily="50" charset="-127"/>
+              </a:rPr>
+              <a:t>초기화 때는 자식 노드가 없음</a:t>
+            </a:r>
+            <a:r>
+              <a:rPr lang="en-US" altLang="ko-KR" dirty="0">
+                <a:latin typeface="나눔스퀘어 Light" panose="020B0600000101010101" pitchFamily="50" charset="-127"/>
+                <a:ea typeface="나눔스퀘어 Light" panose="020B0600000101010101" pitchFamily="50" charset="-127"/>
+              </a:rPr>
+              <a:t>)</a:t>
+            </a:r>
+            <a:endParaRPr lang="ko-KR" altLang="en-US" dirty="0">
+              <a:latin typeface="나눔스퀘어 Light" panose="020B0600000101010101" pitchFamily="50" charset="-127"/>
+              <a:ea typeface="나눔스퀘어 Light" panose="020B0600000101010101" pitchFamily="50" charset="-127"/>
+            </a:endParaRPr>
+          </a:p>
+        </p:txBody>
+      </p:sp>
+      <p:pic>
+        <p:nvPicPr>
+          <p:cNvPr id="26" name="그림 25">
+            <a:extLst>
+              <a:ext uri="{FF2B5EF4-FFF2-40B4-BE49-F238E27FC236}">
+                <a16:creationId xmlns:a16="http://schemas.microsoft.com/office/drawing/2014/main" id="{A53BF76F-CDF7-D065-152B-C9DE52950CF0}"/>
+              </a:ext>
+            </a:extLst>
+          </p:cNvPr>
+          <p:cNvPicPr>
+            <a:picLocks noChangeAspect="1"/>
+          </p:cNvPicPr>
+          <p:nvPr/>
+        </p:nvPicPr>
+        <p:blipFill>
+          <a:blip r:embed="rId3"/>
+          <a:stretch>
+            <a:fillRect/>
+          </a:stretch>
+        </p:blipFill>
+        <p:spPr>
+          <a:xfrm>
+            <a:off x="942387" y="4938326"/>
+            <a:ext cx="3814314" cy="1343068"/>
           </a:xfrm>
           <a:prstGeom prst="rect">
             <a:avLst/>
@@ -11913,7 +12774,7 @@
     </p:spTree>
     <p:extLst>
       <p:ext uri="{BB962C8B-B14F-4D97-AF65-F5344CB8AC3E}">
-        <p14:creationId xmlns:p14="http://schemas.microsoft.com/office/powerpoint/2010/main" val="1453913227"/>
+        <p14:creationId xmlns:p14="http://schemas.microsoft.com/office/powerpoint/2010/main" val="3816345865"/>
       </p:ext>
     </p:extLst>
   </p:cSld>
@@ -11986,10 +12847,10 @@
       </p:cxnSp>
       <p:sp>
         <p:nvSpPr>
-          <p:cNvPr id="3" name="TextBox 2">
-            <a:extLst>
-              <a:ext uri="{FF2B5EF4-FFF2-40B4-BE49-F238E27FC236}">
-                <a16:creationId xmlns:a16="http://schemas.microsoft.com/office/drawing/2014/main" id="{DED99750-0EE1-C88D-2F22-1EE36DBD23B3}"/>
+          <p:cNvPr id="7" name="TextBox 6">
+            <a:extLst>
+              <a:ext uri="{FF2B5EF4-FFF2-40B4-BE49-F238E27FC236}">
+                <a16:creationId xmlns:a16="http://schemas.microsoft.com/office/drawing/2014/main" id="{5B474655-BD78-E334-950C-B8C17B96E7D6}"/>
               </a:ext>
             </a:extLst>
           </p:cNvPr>
@@ -12017,28 +12878,59 @@
                 <a:latin typeface="나눔스퀘어 Light" panose="020B0600000101010101" pitchFamily="50" charset="-127"/>
                 <a:ea typeface="나눔스퀘어 Light" panose="020B0600000101010101" pitchFamily="50" charset="-127"/>
               </a:rPr>
-              <a:t>우선 후위 표기식의 원리를 알아야 합니다</a:t>
+              <a:t>각 노드들에 할당된 자식 노드들을 </a:t>
+            </a:r>
+            <a:r>
+              <a:rPr lang="ko-KR" altLang="en-US" dirty="0" err="1">
+                <a:latin typeface="나눔스퀘어 Light" panose="020B0600000101010101" pitchFamily="50" charset="-127"/>
+                <a:ea typeface="나눔스퀘어 Light" panose="020B0600000101010101" pitchFamily="50" charset="-127"/>
+              </a:rPr>
+              <a:t>입력받아</a:t>
+            </a:r>
+            <a:r>
+              <a:rPr lang="ko-KR" altLang="en-US" dirty="0">
+                <a:latin typeface="나눔스퀘어 Light" panose="020B0600000101010101" pitchFamily="50" charset="-127"/>
+                <a:ea typeface="나눔스퀘어 Light" panose="020B0600000101010101" pitchFamily="50" charset="-127"/>
+              </a:rPr>
+              <a:t> </a:t>
             </a:r>
             <a:r>
               <a:rPr lang="en-US" altLang="ko-KR" dirty="0">
                 <a:latin typeface="나눔스퀘어 Light" panose="020B0600000101010101" pitchFamily="50" charset="-127"/>
                 <a:ea typeface="나눔스퀘어 Light" panose="020B0600000101010101" pitchFamily="50" charset="-127"/>
               </a:rPr>
-              <a:t>.</a:t>
-            </a:r>
-            <a:endParaRPr lang="ko-KR" altLang="en-US" dirty="0">
-              <a:latin typeface="나눔스퀘어 Light" panose="020B0600000101010101" pitchFamily="50" charset="-127"/>
-              <a:ea typeface="나눔스퀘어 Light" panose="020B0600000101010101" pitchFamily="50" charset="-127"/>
-            </a:endParaRPr>
-          </a:p>
-        </p:txBody>
-      </p:sp>
-      <p:sp>
-        <p:nvSpPr>
-          <p:cNvPr id="6" name="TextBox 5">
-            <a:extLst>
-              <a:ext uri="{FF2B5EF4-FFF2-40B4-BE49-F238E27FC236}">
-                <a16:creationId xmlns:a16="http://schemas.microsoft.com/office/drawing/2014/main" id="{1ABB7C3D-1A1B-469B-817C-E2D8EDC86C60}"/>
+              <a:t>(</a:t>
+            </a:r>
+            <a:r>
+              <a:rPr lang="ko-KR" altLang="en-US" dirty="0">
+                <a:latin typeface="나눔스퀘어 Light" panose="020B0600000101010101" pitchFamily="50" charset="-127"/>
+                <a:ea typeface="나눔스퀘어 Light" panose="020B0600000101010101" pitchFamily="50" charset="-127"/>
+              </a:rPr>
+              <a:t>배열</a:t>
+            </a:r>
+            <a:r>
+              <a:rPr lang="en-US" altLang="ko-KR" dirty="0">
+                <a:latin typeface="나눔스퀘어 Light" panose="020B0600000101010101" pitchFamily="50" charset="-127"/>
+                <a:ea typeface="나눔스퀘어 Light" panose="020B0600000101010101" pitchFamily="50" charset="-127"/>
+              </a:rPr>
+              <a:t>)</a:t>
+            </a:r>
+            <a:r>
+              <a:rPr lang="ko-KR" altLang="en-US" dirty="0">
+                <a:latin typeface="나눔스퀘어 Light" panose="020B0600000101010101" pitchFamily="50" charset="-127"/>
+                <a:ea typeface="나눔스퀘어 Light" panose="020B0600000101010101" pitchFamily="50" charset="-127"/>
+              </a:rPr>
+              <a:t>트리에 입력</a:t>
+            </a:r>
+          </a:p>
+        </p:txBody>
+      </p:sp>
+      <p:sp>
+        <p:nvSpPr>
+          <p:cNvPr id="2" name="TextBox 1">
+            <a:extLst>
+              <a:ext uri="{FF2B5EF4-FFF2-40B4-BE49-F238E27FC236}">
+                <a16:creationId xmlns:a16="http://schemas.microsoft.com/office/drawing/2014/main" id="{25257D0D-4D82-43C3-E0F3-2BB7175C16E3}"/>
               </a:ext>
             </a:extLst>
           </p:cNvPr>
@@ -12047,459 +12939,8 @@
         </p:nvSpPr>
         <p:spPr>
           <a:xfrm>
-            <a:off x="942387" y="1559356"/>
-            <a:ext cx="10237694" cy="369332"/>
-          </a:xfrm>
-          <a:prstGeom prst="rect">
-            <a:avLst/>
-          </a:prstGeom>
-          <a:noFill/>
-        </p:spPr>
-        <p:txBody>
-          <a:bodyPr wrap="square" rtlCol="0">
-            <a:spAutoFit/>
-          </a:bodyPr>
-          <a:lstStyle/>
-          <a:p>
-            <a:r>
-              <a:rPr lang="ko-KR" altLang="en-US" dirty="0">
-                <a:latin typeface="나눔스퀘어 Light" panose="020B0600000101010101" pitchFamily="50" charset="-127"/>
-                <a:ea typeface="나눔스퀘어 Light" panose="020B0600000101010101" pitchFamily="50" charset="-127"/>
-              </a:rPr>
-              <a:t>후위 표기식이란</a:t>
-            </a:r>
-            <a:r>
-              <a:rPr lang="en-US" altLang="ko-KR" dirty="0">
-                <a:latin typeface="나눔스퀘어 Light" panose="020B0600000101010101" pitchFamily="50" charset="-127"/>
-                <a:ea typeface="나눔스퀘어 Light" panose="020B0600000101010101" pitchFamily="50" charset="-127"/>
-              </a:rPr>
-              <a:t>, </a:t>
-            </a:r>
-            <a:r>
-              <a:rPr lang="ko-KR" altLang="en-US" dirty="0">
-                <a:latin typeface="나눔스퀘어 Light" panose="020B0600000101010101" pitchFamily="50" charset="-127"/>
-                <a:ea typeface="나눔스퀘어 Light" panose="020B0600000101010101" pitchFamily="50" charset="-127"/>
-              </a:rPr>
-              <a:t>말 그대로 연산자가 피연산자의 뒤에 있는 수식을 의미합니다</a:t>
-            </a:r>
-            <a:r>
-              <a:rPr lang="en-US" altLang="ko-KR">
-                <a:latin typeface="나눔스퀘어 Light" panose="020B0600000101010101" pitchFamily="50" charset="-127"/>
-                <a:ea typeface="나눔스퀘어 Light" panose="020B0600000101010101" pitchFamily="50" charset="-127"/>
-              </a:rPr>
-              <a:t>.</a:t>
-            </a:r>
-            <a:endParaRPr lang="ko-KR" altLang="en-US" dirty="0">
-              <a:latin typeface="나눔스퀘어 Light" panose="020B0600000101010101" pitchFamily="50" charset="-127"/>
-              <a:ea typeface="나눔스퀘어 Light" panose="020B0600000101010101" pitchFamily="50" charset="-127"/>
-            </a:endParaRPr>
-          </a:p>
-        </p:txBody>
-      </p:sp>
-      <p:sp>
-        <p:nvSpPr>
-          <p:cNvPr id="4" name="TextBox 3">
-            <a:extLst>
-              <a:ext uri="{FF2B5EF4-FFF2-40B4-BE49-F238E27FC236}">
-                <a16:creationId xmlns:a16="http://schemas.microsoft.com/office/drawing/2014/main" id="{77C91571-4639-DE6D-2E91-64CE8911ABF4}"/>
-              </a:ext>
-            </a:extLst>
-          </p:cNvPr>
-          <p:cNvSpPr txBox="1"/>
-          <p:nvPr/>
-        </p:nvSpPr>
-        <p:spPr>
-          <a:xfrm>
-            <a:off x="942387" y="2298020"/>
-            <a:ext cx="10237694" cy="369332"/>
-          </a:xfrm>
-          <a:prstGeom prst="rect">
-            <a:avLst/>
-          </a:prstGeom>
-          <a:noFill/>
-        </p:spPr>
-        <p:txBody>
-          <a:bodyPr wrap="square" rtlCol="0">
-            <a:spAutoFit/>
-          </a:bodyPr>
-          <a:lstStyle/>
-          <a:p>
-            <a:r>
-              <a:rPr lang="ko-KR" altLang="en-US" dirty="0">
-                <a:latin typeface="나눔스퀘어 Light" panose="020B0600000101010101" pitchFamily="50" charset="-127"/>
-                <a:ea typeface="나눔스퀘어 Light" panose="020B0600000101010101" pitchFamily="50" charset="-127"/>
-              </a:rPr>
-              <a:t>중위 표기식</a:t>
-            </a:r>
-            <a:r>
-              <a:rPr lang="en-US" altLang="ko-KR" dirty="0">
-                <a:latin typeface="나눔스퀘어 Light" panose="020B0600000101010101" pitchFamily="50" charset="-127"/>
-                <a:ea typeface="나눔스퀘어 Light" panose="020B0600000101010101" pitchFamily="50" charset="-127"/>
-              </a:rPr>
-              <a:t>(Infix Expression) : 3 + 5 × 2</a:t>
-            </a:r>
-            <a:endParaRPr lang="ko-KR" altLang="en-US" dirty="0">
-              <a:latin typeface="나눔스퀘어 Light" panose="020B0600000101010101" pitchFamily="50" charset="-127"/>
-              <a:ea typeface="나눔스퀘어 Light" panose="020B0600000101010101" pitchFamily="50" charset="-127"/>
-            </a:endParaRPr>
-          </a:p>
-        </p:txBody>
-      </p:sp>
-      <p:sp>
-        <p:nvSpPr>
-          <p:cNvPr id="7" name="TextBox 6">
-            <a:extLst>
-              <a:ext uri="{FF2B5EF4-FFF2-40B4-BE49-F238E27FC236}">
-                <a16:creationId xmlns:a16="http://schemas.microsoft.com/office/drawing/2014/main" id="{4D4A6D87-56C1-CCC6-94E3-AC8B7D8C26DC}"/>
-              </a:ext>
-            </a:extLst>
-          </p:cNvPr>
-          <p:cNvSpPr txBox="1"/>
-          <p:nvPr/>
-        </p:nvSpPr>
-        <p:spPr>
-          <a:xfrm>
-            <a:off x="942387" y="2667352"/>
-            <a:ext cx="10237694" cy="369332"/>
-          </a:xfrm>
-          <a:prstGeom prst="rect">
-            <a:avLst/>
-          </a:prstGeom>
-          <a:noFill/>
-        </p:spPr>
-        <p:txBody>
-          <a:bodyPr wrap="square" rtlCol="0">
-            <a:spAutoFit/>
-          </a:bodyPr>
-          <a:lstStyle/>
-          <a:p>
-            <a:r>
-              <a:rPr lang="ko-KR" altLang="en-US" dirty="0">
-                <a:latin typeface="나눔스퀘어 Light" panose="020B0600000101010101" pitchFamily="50" charset="-127"/>
-                <a:ea typeface="나눔스퀘어 Light" panose="020B0600000101010101" pitchFamily="50" charset="-127"/>
-              </a:rPr>
-              <a:t>전위 표기식</a:t>
-            </a:r>
-            <a:r>
-              <a:rPr lang="en-US" altLang="ko-KR" dirty="0">
-                <a:latin typeface="나눔스퀘어 Light" panose="020B0600000101010101" pitchFamily="50" charset="-127"/>
-                <a:ea typeface="나눔스퀘어 Light" panose="020B0600000101010101" pitchFamily="50" charset="-127"/>
-              </a:rPr>
-              <a:t>(Prefix Expression) : + 3 × 5 2</a:t>
-            </a:r>
-            <a:endParaRPr lang="ko-KR" altLang="en-US" dirty="0">
-              <a:latin typeface="나눔스퀘어 Light" panose="020B0600000101010101" pitchFamily="50" charset="-127"/>
-              <a:ea typeface="나눔스퀘어 Light" panose="020B0600000101010101" pitchFamily="50" charset="-127"/>
-            </a:endParaRPr>
-          </a:p>
-        </p:txBody>
-      </p:sp>
-      <p:sp>
-        <p:nvSpPr>
-          <p:cNvPr id="8" name="TextBox 7">
-            <a:extLst>
-              <a:ext uri="{FF2B5EF4-FFF2-40B4-BE49-F238E27FC236}">
-                <a16:creationId xmlns:a16="http://schemas.microsoft.com/office/drawing/2014/main" id="{9CE4BE3B-0498-D7BD-4517-8AA724CA2E49}"/>
-              </a:ext>
-            </a:extLst>
-          </p:cNvPr>
-          <p:cNvSpPr txBox="1"/>
-          <p:nvPr/>
-        </p:nvSpPr>
-        <p:spPr>
-          <a:xfrm>
-            <a:off x="942387" y="3036684"/>
-            <a:ext cx="10237694" cy="369332"/>
-          </a:xfrm>
-          <a:prstGeom prst="rect">
-            <a:avLst/>
-          </a:prstGeom>
-          <a:noFill/>
-        </p:spPr>
-        <p:txBody>
-          <a:bodyPr wrap="square" rtlCol="0">
-            <a:spAutoFit/>
-          </a:bodyPr>
-          <a:lstStyle/>
-          <a:p>
-            <a:r>
-              <a:rPr lang="ko-KR" altLang="en-US" dirty="0">
-                <a:latin typeface="나눔스퀘어 Light" panose="020B0600000101010101" pitchFamily="50" charset="-127"/>
-                <a:ea typeface="나눔스퀘어 Light" panose="020B0600000101010101" pitchFamily="50" charset="-127"/>
-              </a:rPr>
-              <a:t>후위 표기식</a:t>
-            </a:r>
-            <a:r>
-              <a:rPr lang="en-US" altLang="ko-KR" dirty="0">
-                <a:latin typeface="나눔스퀘어 Light" panose="020B0600000101010101" pitchFamily="50" charset="-127"/>
-                <a:ea typeface="나눔스퀘어 Light" panose="020B0600000101010101" pitchFamily="50" charset="-127"/>
-              </a:rPr>
-              <a:t>(Postfix Expression) : 3 5 2 × +</a:t>
-            </a:r>
-            <a:endParaRPr lang="ko-KR" altLang="en-US" dirty="0">
-              <a:latin typeface="나눔스퀘어 Light" panose="020B0600000101010101" pitchFamily="50" charset="-127"/>
-              <a:ea typeface="나눔스퀘어 Light" panose="020B0600000101010101" pitchFamily="50" charset="-127"/>
-            </a:endParaRPr>
-          </a:p>
-        </p:txBody>
-      </p:sp>
-      <p:sp>
-        <p:nvSpPr>
-          <p:cNvPr id="10" name="TextBox 9">
-            <a:extLst>
-              <a:ext uri="{FF2B5EF4-FFF2-40B4-BE49-F238E27FC236}">
-                <a16:creationId xmlns:a16="http://schemas.microsoft.com/office/drawing/2014/main" id="{1AEAB63E-A479-57C5-D010-1B9701AF7F8A}"/>
-              </a:ext>
-            </a:extLst>
-          </p:cNvPr>
-          <p:cNvSpPr txBox="1"/>
-          <p:nvPr/>
-        </p:nvSpPr>
-        <p:spPr>
-          <a:xfrm>
-            <a:off x="942387" y="4144680"/>
-            <a:ext cx="10237694" cy="369332"/>
-          </a:xfrm>
-          <a:prstGeom prst="rect">
-            <a:avLst/>
-          </a:prstGeom>
-          <a:noFill/>
-        </p:spPr>
-        <p:txBody>
-          <a:bodyPr wrap="square" rtlCol="0">
-            <a:spAutoFit/>
-          </a:bodyPr>
-          <a:lstStyle/>
-          <a:p>
-            <a:r>
-              <a:rPr lang="ko-KR" altLang="en-US" dirty="0">
-                <a:latin typeface="나눔스퀘어 Light" panose="020B0600000101010101" pitchFamily="50" charset="-127"/>
-                <a:ea typeface="나눔스퀘어 Light" panose="020B0600000101010101" pitchFamily="50" charset="-127"/>
-              </a:rPr>
-              <a:t>왜 후위 표기법을 쓸까요</a:t>
-            </a:r>
-            <a:r>
-              <a:rPr lang="en-US" altLang="ko-KR" dirty="0">
-                <a:latin typeface="나눔스퀘어 Light" panose="020B0600000101010101" pitchFamily="50" charset="-127"/>
-                <a:ea typeface="나눔스퀘어 Light" panose="020B0600000101010101" pitchFamily="50" charset="-127"/>
-              </a:rPr>
-              <a:t>?</a:t>
-            </a:r>
-            <a:endParaRPr lang="ko-KR" altLang="en-US" dirty="0">
-              <a:latin typeface="나눔스퀘어 Light" panose="020B0600000101010101" pitchFamily="50" charset="-127"/>
-              <a:ea typeface="나눔스퀘어 Light" panose="020B0600000101010101" pitchFamily="50" charset="-127"/>
-            </a:endParaRPr>
-          </a:p>
-        </p:txBody>
-      </p:sp>
-      <p:sp>
-        <p:nvSpPr>
-          <p:cNvPr id="11" name="TextBox 10">
-            <a:extLst>
-              <a:ext uri="{FF2B5EF4-FFF2-40B4-BE49-F238E27FC236}">
-                <a16:creationId xmlns:a16="http://schemas.microsoft.com/office/drawing/2014/main" id="{B788C7A4-E1D7-B78F-695C-A0FC5A41DE44}"/>
-              </a:ext>
-            </a:extLst>
-          </p:cNvPr>
-          <p:cNvSpPr txBox="1"/>
-          <p:nvPr/>
-        </p:nvSpPr>
-        <p:spPr>
-          <a:xfrm>
-            <a:off x="942387" y="4514012"/>
-            <a:ext cx="10237694" cy="369332"/>
-          </a:xfrm>
-          <a:prstGeom prst="rect">
-            <a:avLst/>
-          </a:prstGeom>
-          <a:noFill/>
-        </p:spPr>
-        <p:txBody>
-          <a:bodyPr wrap="square" rtlCol="0">
-            <a:spAutoFit/>
-          </a:bodyPr>
-          <a:lstStyle/>
-          <a:p>
-            <a:r>
-              <a:rPr lang="ko-KR" altLang="en-US" dirty="0">
-                <a:latin typeface="나눔스퀘어 Light" panose="020B0600000101010101" pitchFamily="50" charset="-127"/>
-                <a:ea typeface="나눔스퀘어 Light" panose="020B0600000101010101" pitchFamily="50" charset="-127"/>
-              </a:rPr>
-              <a:t>괄호가 </a:t>
-            </a:r>
-            <a:r>
-              <a:rPr lang="ko-KR" altLang="en-US" dirty="0" err="1">
-                <a:latin typeface="나눔스퀘어 Light" panose="020B0600000101010101" pitchFamily="50" charset="-127"/>
-                <a:ea typeface="나눔스퀘어 Light" panose="020B0600000101010101" pitchFamily="50" charset="-127"/>
-              </a:rPr>
-              <a:t>필요없음</a:t>
-            </a:r>
-            <a:r>
-              <a:rPr lang="ko-KR" altLang="en-US" dirty="0">
-                <a:latin typeface="나눔스퀘어 Light" panose="020B0600000101010101" pitchFamily="50" charset="-127"/>
-                <a:ea typeface="나눔스퀘어 Light" panose="020B0600000101010101" pitchFamily="50" charset="-127"/>
-              </a:rPr>
-              <a:t> </a:t>
-            </a:r>
-            <a:r>
-              <a:rPr lang="en-US" altLang="ko-KR" dirty="0">
-                <a:latin typeface="나눔스퀘어 Light" panose="020B0600000101010101" pitchFamily="50" charset="-127"/>
-                <a:ea typeface="나눔스퀘어 Light" panose="020B0600000101010101" pitchFamily="50" charset="-127"/>
-              </a:rPr>
-              <a:t>(</a:t>
-            </a:r>
-            <a:r>
-              <a:rPr lang="ko-KR" altLang="en-US" dirty="0">
-                <a:latin typeface="나눔스퀘어 Light" panose="020B0600000101010101" pitchFamily="50" charset="-127"/>
-                <a:ea typeface="나눔스퀘어 Light" panose="020B0600000101010101" pitchFamily="50" charset="-127"/>
-              </a:rPr>
-              <a:t>괄호를 쓰지 않고도 먼저 계산해야 할 내용을 나타낼 수 있음</a:t>
-            </a:r>
-            <a:r>
-              <a:rPr lang="en-US" altLang="ko-KR" dirty="0">
-                <a:latin typeface="나눔스퀘어 Light" panose="020B0600000101010101" pitchFamily="50" charset="-127"/>
-                <a:ea typeface="나눔스퀘어 Light" panose="020B0600000101010101" pitchFamily="50" charset="-127"/>
-              </a:rPr>
-              <a:t>)</a:t>
-            </a:r>
-            <a:endParaRPr lang="ko-KR" altLang="en-US" dirty="0">
-              <a:latin typeface="나눔스퀘어 Light" panose="020B0600000101010101" pitchFamily="50" charset="-127"/>
-              <a:ea typeface="나눔스퀘어 Light" panose="020B0600000101010101" pitchFamily="50" charset="-127"/>
-            </a:endParaRPr>
-          </a:p>
-        </p:txBody>
-      </p:sp>
-      <p:sp>
-        <p:nvSpPr>
-          <p:cNvPr id="12" name="TextBox 11">
-            <a:extLst>
-              <a:ext uri="{FF2B5EF4-FFF2-40B4-BE49-F238E27FC236}">
-                <a16:creationId xmlns:a16="http://schemas.microsoft.com/office/drawing/2014/main" id="{723CE4CA-B836-BE86-9B44-C457D4672D74}"/>
-              </a:ext>
-            </a:extLst>
-          </p:cNvPr>
-          <p:cNvSpPr txBox="1"/>
-          <p:nvPr/>
-        </p:nvSpPr>
-        <p:spPr>
-          <a:xfrm>
-            <a:off x="942387" y="4883344"/>
-            <a:ext cx="10237694" cy="369332"/>
-          </a:xfrm>
-          <a:prstGeom prst="rect">
-            <a:avLst/>
-          </a:prstGeom>
-          <a:noFill/>
-        </p:spPr>
-        <p:txBody>
-          <a:bodyPr wrap="square" rtlCol="0">
-            <a:spAutoFit/>
-          </a:bodyPr>
-          <a:lstStyle/>
-          <a:p>
-            <a:r>
-              <a:rPr lang="ko-KR" altLang="en-US" dirty="0">
-                <a:latin typeface="나눔스퀘어 Light" panose="020B0600000101010101" pitchFamily="50" charset="-127"/>
-                <a:ea typeface="나눔스퀘어 Light" panose="020B0600000101010101" pitchFamily="50" charset="-127"/>
-              </a:rPr>
-              <a:t>연산자 우선순위를 고려할 필요가 없음</a:t>
-            </a:r>
-          </a:p>
-        </p:txBody>
-      </p:sp>
-      <p:sp>
-        <p:nvSpPr>
-          <p:cNvPr id="13" name="TextBox 12">
-            <a:extLst>
-              <a:ext uri="{FF2B5EF4-FFF2-40B4-BE49-F238E27FC236}">
-                <a16:creationId xmlns:a16="http://schemas.microsoft.com/office/drawing/2014/main" id="{1F1D051D-FE0F-CE16-A388-74DA2F3B2A60}"/>
-              </a:ext>
-            </a:extLst>
-          </p:cNvPr>
-          <p:cNvSpPr txBox="1"/>
-          <p:nvPr/>
-        </p:nvSpPr>
-        <p:spPr>
-          <a:xfrm>
-            <a:off x="942387" y="5252676"/>
-            <a:ext cx="10237694" cy="369332"/>
-          </a:xfrm>
-          <a:prstGeom prst="rect">
-            <a:avLst/>
-          </a:prstGeom>
-          <a:noFill/>
-        </p:spPr>
-        <p:txBody>
-          <a:bodyPr wrap="square" rtlCol="0">
-            <a:spAutoFit/>
-          </a:bodyPr>
-          <a:lstStyle/>
-          <a:p>
-            <a:r>
-              <a:rPr lang="ko-KR" altLang="en-US" dirty="0">
-                <a:latin typeface="나눔스퀘어 Light" panose="020B0600000101010101" pitchFamily="50" charset="-127"/>
-                <a:ea typeface="나눔스퀘어 Light" panose="020B0600000101010101" pitchFamily="50" charset="-127"/>
-              </a:rPr>
-              <a:t>수식을 읽으면서 바로 계산할 수 있음 </a:t>
-            </a:r>
-            <a:r>
-              <a:rPr lang="en-US" altLang="ko-KR" dirty="0">
-                <a:latin typeface="나눔스퀘어 Light" panose="020B0600000101010101" pitchFamily="50" charset="-127"/>
-                <a:ea typeface="나눔스퀘어 Light" panose="020B0600000101010101" pitchFamily="50" charset="-127"/>
-              </a:rPr>
-              <a:t>(</a:t>
-            </a:r>
-            <a:r>
-              <a:rPr lang="ko-KR" altLang="en-US" dirty="0">
-                <a:latin typeface="나눔스퀘어 Light" panose="020B0600000101010101" pitchFamily="50" charset="-127"/>
-                <a:ea typeface="나눔스퀘어 Light" panose="020B0600000101010101" pitchFamily="50" charset="-127"/>
-              </a:rPr>
-              <a:t>중위 표현식의 경우</a:t>
-            </a:r>
-            <a:r>
-              <a:rPr lang="en-US" altLang="ko-KR" dirty="0">
-                <a:latin typeface="나눔스퀘어 Light" panose="020B0600000101010101" pitchFamily="50" charset="-127"/>
-                <a:ea typeface="나눔스퀘어 Light" panose="020B0600000101010101" pitchFamily="50" charset="-127"/>
-              </a:rPr>
-              <a:t>, </a:t>
-            </a:r>
-            <a:r>
-              <a:rPr lang="ko-KR" altLang="en-US" dirty="0">
-                <a:latin typeface="나눔스퀘어 Light" panose="020B0600000101010101" pitchFamily="50" charset="-127"/>
-                <a:ea typeface="나눔스퀘어 Light" panose="020B0600000101010101" pitchFamily="50" charset="-127"/>
-              </a:rPr>
-              <a:t>괄호가 존재해 수식을 끝까지 읽은 후에 계산 가능</a:t>
-            </a:r>
-            <a:r>
-              <a:rPr lang="en-US" altLang="ko-KR" dirty="0">
-                <a:latin typeface="나눔스퀘어 Light" panose="020B0600000101010101" pitchFamily="50" charset="-127"/>
-                <a:ea typeface="나눔스퀘어 Light" panose="020B0600000101010101" pitchFamily="50" charset="-127"/>
-              </a:rPr>
-              <a:t>)</a:t>
-            </a:r>
-            <a:endParaRPr lang="ko-KR" altLang="en-US" dirty="0">
-              <a:latin typeface="나눔스퀘어 Light" panose="020B0600000101010101" pitchFamily="50" charset="-127"/>
-              <a:ea typeface="나눔스퀘어 Light" panose="020B0600000101010101" pitchFamily="50" charset="-127"/>
-            </a:endParaRPr>
-          </a:p>
-        </p:txBody>
-      </p:sp>
-      <p:sp>
-        <p:nvSpPr>
-          <p:cNvPr id="9" name="TextBox 8">
-            <a:extLst>
-              <a:ext uri="{FF2B5EF4-FFF2-40B4-BE49-F238E27FC236}">
-                <a16:creationId xmlns:a16="http://schemas.microsoft.com/office/drawing/2014/main" id="{31008A26-2BFE-0C2B-0C35-AA486556DF58}"/>
-              </a:ext>
-            </a:extLst>
-          </p:cNvPr>
-          <p:cNvSpPr txBox="1"/>
-          <p:nvPr/>
-        </p:nvSpPr>
-        <p:spPr>
-          <a:xfrm>
             <a:off x="331694" y="177505"/>
-            <a:ext cx="4912114" cy="523220"/>
+            <a:ext cx="3621697" cy="523220"/>
           </a:xfrm>
           <a:prstGeom prst="rect">
             <a:avLst/>
@@ -12531,22 +12972,52 @@
                 <a:latin typeface="나눔스퀘어 Bold" panose="020B0600000101010101" pitchFamily="50" charset="-127"/>
                 <a:ea typeface="나눔스퀘어 Bold" panose="020B0600000101010101" pitchFamily="50" charset="-127"/>
               </a:rPr>
-              <a:t>– 11725 </a:t>
+              <a:t>– 1991 </a:t>
             </a:r>
             <a:r>
               <a:rPr lang="ko-KR" altLang="en-US" sz="2800" dirty="0">
                 <a:latin typeface="나눔스퀘어 Bold" panose="020B0600000101010101" pitchFamily="50" charset="-127"/>
                 <a:ea typeface="나눔스퀘어 Bold" panose="020B0600000101010101" pitchFamily="50" charset="-127"/>
               </a:rPr>
-              <a:t>트리의 부모 찾기</a:t>
-            </a:r>
-          </a:p>
-        </p:txBody>
-      </p:sp>
+              <a:t>트리 순회</a:t>
+            </a:r>
+          </a:p>
+        </p:txBody>
+      </p:sp>
+      <p:pic>
+        <p:nvPicPr>
+          <p:cNvPr id="4" name="그림 3">
+            <a:extLst>
+              <a:ext uri="{FF2B5EF4-FFF2-40B4-BE49-F238E27FC236}">
+                <a16:creationId xmlns:a16="http://schemas.microsoft.com/office/drawing/2014/main" id="{498F4D9E-9569-418B-5AA3-09ED4E3287DC}"/>
+              </a:ext>
+            </a:extLst>
+          </p:cNvPr>
+          <p:cNvPicPr>
+            <a:picLocks noChangeAspect="1"/>
+          </p:cNvPicPr>
+          <p:nvPr/>
+        </p:nvPicPr>
+        <p:blipFill>
+          <a:blip r:embed="rId2"/>
+          <a:stretch>
+            <a:fillRect/>
+          </a:stretch>
+        </p:blipFill>
+        <p:spPr>
+          <a:xfrm>
+            <a:off x="942387" y="1559356"/>
+            <a:ext cx="5088958" cy="3018279"/>
+          </a:xfrm>
+          <a:prstGeom prst="rect">
+            <a:avLst/>
+          </a:prstGeom>
+        </p:spPr>
+      </p:pic>
     </p:spTree>
     <p:extLst>
       <p:ext uri="{BB962C8B-B14F-4D97-AF65-F5344CB8AC3E}">
-        <p14:creationId xmlns:p14="http://schemas.microsoft.com/office/powerpoint/2010/main" val="4187972177"/>
+        <p14:creationId xmlns:p14="http://schemas.microsoft.com/office/powerpoint/2010/main" val="4192103978"/>
       </p:ext>
     </p:extLst>
   </p:cSld>
@@ -12619,10 +13090,87 @@
       </p:cxnSp>
       <p:sp>
         <p:nvSpPr>
+          <p:cNvPr id="7" name="TextBox 6">
+            <a:extLst>
+              <a:ext uri="{FF2B5EF4-FFF2-40B4-BE49-F238E27FC236}">
+                <a16:creationId xmlns:a16="http://schemas.microsoft.com/office/drawing/2014/main" id="{5B474655-BD78-E334-950C-B8C17B96E7D6}"/>
+              </a:ext>
+            </a:extLst>
+          </p:cNvPr>
+          <p:cNvSpPr txBox="1"/>
+          <p:nvPr/>
+        </p:nvSpPr>
+        <p:spPr>
+          <a:xfrm>
+            <a:off x="942387" y="1190024"/>
+            <a:ext cx="10237694" cy="369332"/>
+          </a:xfrm>
+          <a:prstGeom prst="rect">
+            <a:avLst/>
+          </a:prstGeom>
+          <a:noFill/>
+        </p:spPr>
+        <p:txBody>
+          <a:bodyPr wrap="square" rtlCol="0">
+            <a:spAutoFit/>
+          </a:bodyPr>
+          <a:lstStyle/>
+          <a:p>
+            <a:r>
+              <a:rPr lang="ko-KR" altLang="en-US" dirty="0">
+                <a:latin typeface="나눔스퀘어 Light" panose="020B0600000101010101" pitchFamily="50" charset="-127"/>
+                <a:ea typeface="나눔스퀘어 Light" panose="020B0600000101010101" pitchFamily="50" charset="-127"/>
+              </a:rPr>
+              <a:t>전위 </a:t>
+            </a:r>
+            <a:r>
+              <a:rPr lang="en-US" altLang="ko-KR" dirty="0">
+                <a:latin typeface="나눔스퀘어 Light" panose="020B0600000101010101" pitchFamily="50" charset="-127"/>
+                <a:ea typeface="나눔스퀘어 Light" panose="020B0600000101010101" pitchFamily="50" charset="-127"/>
+              </a:rPr>
+              <a:t>/ </a:t>
+            </a:r>
+            <a:r>
+              <a:rPr lang="ko-KR" altLang="en-US" dirty="0">
+                <a:latin typeface="나눔스퀘어 Light" panose="020B0600000101010101" pitchFamily="50" charset="-127"/>
+                <a:ea typeface="나눔스퀘어 Light" panose="020B0600000101010101" pitchFamily="50" charset="-127"/>
+              </a:rPr>
+              <a:t>중위 </a:t>
+            </a:r>
+            <a:r>
+              <a:rPr lang="en-US" altLang="ko-KR" dirty="0">
+                <a:latin typeface="나눔스퀘어 Light" panose="020B0600000101010101" pitchFamily="50" charset="-127"/>
+                <a:ea typeface="나눔스퀘어 Light" panose="020B0600000101010101" pitchFamily="50" charset="-127"/>
+              </a:rPr>
+              <a:t>/ </a:t>
+            </a:r>
+            <a:r>
+              <a:rPr lang="ko-KR" altLang="en-US" dirty="0">
+                <a:latin typeface="나눔스퀘어 Light" panose="020B0600000101010101" pitchFamily="50" charset="-127"/>
+                <a:ea typeface="나눔스퀘어 Light" panose="020B0600000101010101" pitchFamily="50" charset="-127"/>
+              </a:rPr>
+              <a:t>후위 순회는 루트의 방문 순서가 다른 것만 빼면 구현 방식은 동일합니다</a:t>
+            </a:r>
+            <a:r>
+              <a:rPr lang="en-US" altLang="ko-KR" dirty="0">
+                <a:latin typeface="나눔스퀘어 Light" panose="020B0600000101010101" pitchFamily="50" charset="-127"/>
+                <a:ea typeface="나눔스퀘어 Light" panose="020B0600000101010101" pitchFamily="50" charset="-127"/>
+              </a:rPr>
+              <a:t>.</a:t>
+            </a:r>
+            <a:endParaRPr lang="ko-KR" altLang="en-US" dirty="0">
+              <a:latin typeface="나눔스퀘어 Light" panose="020B0600000101010101" pitchFamily="50" charset="-127"/>
+              <a:ea typeface="나눔스퀘어 Light" panose="020B0600000101010101" pitchFamily="50" charset="-127"/>
+            </a:endParaRPr>
+          </a:p>
+        </p:txBody>
+      </p:sp>
+      <p:sp>
+        <p:nvSpPr>
           <p:cNvPr id="2" name="TextBox 1">
             <a:extLst>
               <a:ext uri="{FF2B5EF4-FFF2-40B4-BE49-F238E27FC236}">
-                <a16:creationId xmlns:a16="http://schemas.microsoft.com/office/drawing/2014/main" id="{7A9F668B-4598-7703-B5DB-B80899A1C734}"/>
+                <a16:creationId xmlns:a16="http://schemas.microsoft.com/office/drawing/2014/main" id="{25257D0D-4D82-43C3-E0F3-2BB7175C16E3}"/>
               </a:ext>
             </a:extLst>
           </p:cNvPr>
@@ -12632,7 +13180,7 @@
         <p:spPr>
           <a:xfrm>
             <a:off x="331694" y="177505"/>
-            <a:ext cx="4242059" cy="523220"/>
+            <a:ext cx="3621697" cy="523220"/>
           </a:xfrm>
           <a:prstGeom prst="rect">
             <a:avLst/>
@@ -12650,35 +13198,38 @@
                 <a:latin typeface="나눔스퀘어 Bold" panose="020B0600000101010101" pitchFamily="50" charset="-127"/>
                 <a:ea typeface="나눔스퀘어 Bold" panose="020B0600000101010101" pitchFamily="50" charset="-127"/>
               </a:rPr>
-              <a:t>Graph – 1260 DFS</a:t>
+              <a:t>Tree</a:t>
             </a:r>
             <a:r>
               <a:rPr lang="ko-KR" altLang="en-US" sz="2800" dirty="0">
                 <a:latin typeface="나눔스퀘어 Bold" panose="020B0600000101010101" pitchFamily="50" charset="-127"/>
                 <a:ea typeface="나눔스퀘어 Bold" panose="020B0600000101010101" pitchFamily="50" charset="-127"/>
               </a:rPr>
-              <a:t>와 </a:t>
+              <a:t> </a:t>
             </a:r>
             <a:r>
               <a:rPr lang="en-US" altLang="ko-KR" sz="2800" dirty="0">
                 <a:latin typeface="나눔스퀘어 Bold" panose="020B0600000101010101" pitchFamily="50" charset="-127"/>
                 <a:ea typeface="나눔스퀘어 Bold" panose="020B0600000101010101" pitchFamily="50" charset="-127"/>
               </a:rPr>
-              <a:t>BFS</a:t>
-            </a:r>
-            <a:endParaRPr lang="ko-KR" altLang="en-US" sz="2800" dirty="0">
-              <a:latin typeface="나눔스퀘어 Bold" panose="020B0600000101010101" pitchFamily="50" charset="-127"/>
-              <a:ea typeface="나눔스퀘어 Bold" panose="020B0600000101010101" pitchFamily="50" charset="-127"/>
-            </a:endParaRPr>
+              <a:t>– 1991 </a:t>
+            </a:r>
+            <a:r>
+              <a:rPr lang="ko-KR" altLang="en-US" sz="2800" dirty="0">
+                <a:latin typeface="나눔스퀘어 Bold" panose="020B0600000101010101" pitchFamily="50" charset="-127"/>
+                <a:ea typeface="나눔스퀘어 Bold" panose="020B0600000101010101" pitchFamily="50" charset="-127"/>
+              </a:rPr>
+              <a:t>트리 순회</a:t>
+            </a:r>
           </a:p>
         </p:txBody>
       </p:sp>
       <p:pic>
         <p:nvPicPr>
-          <p:cNvPr id="4" name="그림 3">
-            <a:extLst>
-              <a:ext uri="{FF2B5EF4-FFF2-40B4-BE49-F238E27FC236}">
-                <a16:creationId xmlns:a16="http://schemas.microsoft.com/office/drawing/2014/main" id="{E213531B-4F62-6B98-A0AA-59F91309B459}"/>
+          <p:cNvPr id="6" name="그림 5">
+            <a:extLst>
+              <a:ext uri="{FF2B5EF4-FFF2-40B4-BE49-F238E27FC236}">
+                <a16:creationId xmlns:a16="http://schemas.microsoft.com/office/drawing/2014/main" id="{C439502C-1B48-E2E2-94C8-9B985634380E}"/>
               </a:ext>
             </a:extLst>
           </p:cNvPr>
@@ -12695,8 +13246,68 @@
         </p:blipFill>
         <p:spPr>
           <a:xfrm>
-            <a:off x="331694" y="973178"/>
-            <a:ext cx="9962039" cy="5461379"/>
+            <a:off x="942386" y="1559356"/>
+            <a:ext cx="3781777" cy="1869642"/>
+          </a:xfrm>
+          <a:prstGeom prst="rect">
+            <a:avLst/>
+          </a:prstGeom>
+        </p:spPr>
+      </p:pic>
+      <p:pic>
+        <p:nvPicPr>
+          <p:cNvPr id="9" name="그림 8">
+            <a:extLst>
+              <a:ext uri="{FF2B5EF4-FFF2-40B4-BE49-F238E27FC236}">
+                <a16:creationId xmlns:a16="http://schemas.microsoft.com/office/drawing/2014/main" id="{7D77F85C-6404-EBEE-6F7F-63650D1C4BF5}"/>
+              </a:ext>
+            </a:extLst>
+          </p:cNvPr>
+          <p:cNvPicPr>
+            <a:picLocks noChangeAspect="1"/>
+          </p:cNvPicPr>
+          <p:nvPr/>
+        </p:nvPicPr>
+        <p:blipFill>
+          <a:blip r:embed="rId3"/>
+          <a:stretch>
+            <a:fillRect/>
+          </a:stretch>
+        </p:blipFill>
+        <p:spPr>
+          <a:xfrm>
+            <a:off x="6634562" y="1559356"/>
+            <a:ext cx="3670547" cy="1869642"/>
+          </a:xfrm>
+          <a:prstGeom prst="rect">
+            <a:avLst/>
+          </a:prstGeom>
+        </p:spPr>
+      </p:pic>
+      <p:pic>
+        <p:nvPicPr>
+          <p:cNvPr id="11" name="그림 10">
+            <a:extLst>
+              <a:ext uri="{FF2B5EF4-FFF2-40B4-BE49-F238E27FC236}">
+                <a16:creationId xmlns:a16="http://schemas.microsoft.com/office/drawing/2014/main" id="{FEE798F0-14FD-C196-97C2-69DD2DB8EC51}"/>
+              </a:ext>
+            </a:extLst>
+          </p:cNvPr>
+          <p:cNvPicPr>
+            <a:picLocks noChangeAspect="1"/>
+          </p:cNvPicPr>
+          <p:nvPr/>
+        </p:nvPicPr>
+        <p:blipFill>
+          <a:blip r:embed="rId4"/>
+          <a:stretch>
+            <a:fillRect/>
+          </a:stretch>
+        </p:blipFill>
+        <p:spPr>
+          <a:xfrm>
+            <a:off x="4724163" y="4100848"/>
+            <a:ext cx="1872687" cy="1718061"/>
           </a:xfrm>
           <a:prstGeom prst="rect">
             <a:avLst/>
@@ -12706,7 +13317,7 @@
     </p:spTree>
     <p:extLst>
       <p:ext uri="{BB962C8B-B14F-4D97-AF65-F5344CB8AC3E}">
-        <p14:creationId xmlns:p14="http://schemas.microsoft.com/office/powerpoint/2010/main" val="3852066961"/>
+        <p14:creationId xmlns:p14="http://schemas.microsoft.com/office/powerpoint/2010/main" val="1840534636"/>
       </p:ext>
     </p:extLst>
   </p:cSld>
@@ -12779,10 +13390,10 @@
       </p:cxnSp>
       <p:sp>
         <p:nvSpPr>
-          <p:cNvPr id="3" name="TextBox 2">
-            <a:extLst>
-              <a:ext uri="{FF2B5EF4-FFF2-40B4-BE49-F238E27FC236}">
-                <a16:creationId xmlns:a16="http://schemas.microsoft.com/office/drawing/2014/main" id="{2929977D-4B28-4A77-BFAA-69E6FF174D27}"/>
+          <p:cNvPr id="4" name="TextBox 3">
+            <a:extLst>
+              <a:ext uri="{FF2B5EF4-FFF2-40B4-BE49-F238E27FC236}">
+                <a16:creationId xmlns:a16="http://schemas.microsoft.com/office/drawing/2014/main" id="{346A4227-C27D-50F4-7699-BBE332703F0D}"/>
               </a:ext>
             </a:extLst>
           </p:cNvPr>
@@ -12791,161 +13402,8 @@
         </p:nvSpPr>
         <p:spPr>
           <a:xfrm>
-            <a:off x="942387" y="1190024"/>
-            <a:ext cx="10237694" cy="369332"/>
-          </a:xfrm>
-          <a:prstGeom prst="rect">
-            <a:avLst/>
-          </a:prstGeom>
-          <a:noFill/>
-        </p:spPr>
-        <p:txBody>
-          <a:bodyPr wrap="square" rtlCol="0">
-            <a:spAutoFit/>
-          </a:bodyPr>
-          <a:lstStyle/>
-          <a:p>
-            <a:r>
-              <a:rPr lang="ko-KR" altLang="en-US" dirty="0">
-                <a:latin typeface="나눔스퀘어 Light" panose="020B0600000101010101" pitchFamily="50" charset="-127"/>
-                <a:ea typeface="나눔스퀘어 Light" panose="020B0600000101010101" pitchFamily="50" charset="-127"/>
-              </a:rPr>
-              <a:t>스택과 마찬가지로</a:t>
-            </a:r>
-            <a:r>
-              <a:rPr lang="en-US" altLang="ko-KR" dirty="0">
-                <a:latin typeface="나눔스퀘어 Light" panose="020B0600000101010101" pitchFamily="50" charset="-127"/>
-                <a:ea typeface="나눔스퀘어 Light" panose="020B0600000101010101" pitchFamily="50" charset="-127"/>
-              </a:rPr>
-              <a:t>, </a:t>
-            </a:r>
-            <a:r>
-              <a:rPr lang="ko-KR" altLang="en-US" dirty="0">
-                <a:latin typeface="나눔스퀘어 Light" panose="020B0600000101010101" pitchFamily="50" charset="-127"/>
-                <a:ea typeface="나눔스퀘어 Light" panose="020B0600000101010101" pitchFamily="50" charset="-127"/>
-              </a:rPr>
-              <a:t>구현해본 큐를 채점할 수 있는 문제</a:t>
-            </a:r>
-          </a:p>
-        </p:txBody>
-      </p:sp>
-      <p:sp>
-        <p:nvSpPr>
-          <p:cNvPr id="11" name="TextBox 10">
-            <a:extLst>
-              <a:ext uri="{FF2B5EF4-FFF2-40B4-BE49-F238E27FC236}">
-                <a16:creationId xmlns:a16="http://schemas.microsoft.com/office/drawing/2014/main" id="{55838BC7-EF0F-5B81-2952-60BCF736A512}"/>
-              </a:ext>
-            </a:extLst>
-          </p:cNvPr>
-          <p:cNvSpPr txBox="1"/>
-          <p:nvPr/>
-        </p:nvSpPr>
-        <p:spPr>
-          <a:xfrm>
-            <a:off x="942387" y="1559356"/>
-            <a:ext cx="10237694" cy="369332"/>
-          </a:xfrm>
-          <a:prstGeom prst="rect">
-            <a:avLst/>
-          </a:prstGeom>
-          <a:noFill/>
-        </p:spPr>
-        <p:txBody>
-          <a:bodyPr wrap="square" rtlCol="0">
-            <a:spAutoFit/>
-          </a:bodyPr>
-          <a:lstStyle/>
-          <a:p>
-            <a:r>
-              <a:rPr lang="ko-KR" altLang="en-US" dirty="0">
-                <a:latin typeface="나눔스퀘어 Light" panose="020B0600000101010101" pitchFamily="50" charset="-127"/>
-                <a:ea typeface="나눔스퀘어 Light" panose="020B0600000101010101" pitchFamily="50" charset="-127"/>
-              </a:rPr>
-              <a:t>직접 구현을 해봤다면</a:t>
-            </a:r>
-            <a:r>
-              <a:rPr lang="en-US" altLang="ko-KR" dirty="0">
-                <a:latin typeface="나눔스퀘어 Light" panose="020B0600000101010101" pitchFamily="50" charset="-127"/>
-                <a:ea typeface="나눔스퀘어 Light" panose="020B0600000101010101" pitchFamily="50" charset="-127"/>
-              </a:rPr>
-              <a:t>, </a:t>
-            </a:r>
-            <a:r>
-              <a:rPr lang="ko-KR" altLang="en-US" dirty="0">
-                <a:latin typeface="나눔스퀘어 Light" panose="020B0600000101010101" pitchFamily="50" charset="-127"/>
-                <a:ea typeface="나눔스퀘어 Light" panose="020B0600000101010101" pitchFamily="50" charset="-127"/>
-              </a:rPr>
-              <a:t>라이브러리를 사용</a:t>
-            </a:r>
-          </a:p>
-        </p:txBody>
-      </p:sp>
-      <p:sp>
-        <p:nvSpPr>
-          <p:cNvPr id="4" name="TextBox 3">
-            <a:extLst>
-              <a:ext uri="{FF2B5EF4-FFF2-40B4-BE49-F238E27FC236}">
-                <a16:creationId xmlns:a16="http://schemas.microsoft.com/office/drawing/2014/main" id="{2016B4EA-6C02-3147-49D3-0C1CFBC649DF}"/>
-              </a:ext>
-            </a:extLst>
-          </p:cNvPr>
-          <p:cNvSpPr txBox="1"/>
-          <p:nvPr/>
-        </p:nvSpPr>
-        <p:spPr>
-          <a:xfrm>
-            <a:off x="942387" y="2303640"/>
-            <a:ext cx="10237694" cy="369332"/>
-          </a:xfrm>
-          <a:prstGeom prst="rect">
-            <a:avLst/>
-          </a:prstGeom>
-          <a:noFill/>
-        </p:spPr>
-        <p:txBody>
-          <a:bodyPr wrap="square" rtlCol="0">
-            <a:spAutoFit/>
-          </a:bodyPr>
-          <a:lstStyle/>
-          <a:p>
-            <a:r>
-              <a:rPr lang="ko-KR" altLang="en-US" dirty="0">
-                <a:latin typeface="나눔스퀘어 Light" panose="020B0600000101010101" pitchFamily="50" charset="-127"/>
-                <a:ea typeface="나눔스퀘어 Light" panose="020B0600000101010101" pitchFamily="50" charset="-127"/>
-              </a:rPr>
-              <a:t>설명은 생략합니다</a:t>
-            </a:r>
-            <a:r>
-              <a:rPr lang="en-US" altLang="ko-KR" dirty="0">
-                <a:latin typeface="나눔스퀘어 Light" panose="020B0600000101010101" pitchFamily="50" charset="-127"/>
-                <a:ea typeface="나눔스퀘어 Light" panose="020B0600000101010101" pitchFamily="50" charset="-127"/>
-              </a:rPr>
-              <a:t>.</a:t>
-            </a:r>
-            <a:endParaRPr lang="ko-KR" altLang="en-US" dirty="0">
-              <a:latin typeface="나눔스퀘어 Light" panose="020B0600000101010101" pitchFamily="50" charset="-127"/>
-              <a:ea typeface="나눔스퀘어 Light" panose="020B0600000101010101" pitchFamily="50" charset="-127"/>
-            </a:endParaRPr>
-          </a:p>
-        </p:txBody>
-      </p:sp>
-      <p:sp>
-        <p:nvSpPr>
-          <p:cNvPr id="6" name="TextBox 5">
-            <a:extLst>
-              <a:ext uri="{FF2B5EF4-FFF2-40B4-BE49-F238E27FC236}">
-                <a16:creationId xmlns:a16="http://schemas.microsoft.com/office/drawing/2014/main" id="{0F2BECC4-3944-4029-2F5E-D6FAC7B5FD51}"/>
-              </a:ext>
-            </a:extLst>
-          </p:cNvPr>
-          <p:cNvSpPr txBox="1"/>
-          <p:nvPr/>
-        </p:nvSpPr>
-        <p:spPr>
-          <a:xfrm>
             <a:off x="331694" y="177505"/>
-            <a:ext cx="4331827" cy="523220"/>
+            <a:ext cx="4912114" cy="523220"/>
           </a:xfrm>
           <a:prstGeom prst="rect">
             <a:avLst/>
@@ -12963,7 +13421,7 @@
                 <a:latin typeface="나눔스퀘어 Bold" panose="020B0600000101010101" pitchFamily="50" charset="-127"/>
                 <a:ea typeface="나눔스퀘어 Bold" panose="020B0600000101010101" pitchFamily="50" charset="-127"/>
               </a:rPr>
-              <a:t>Graph</a:t>
+              <a:t>Tree</a:t>
             </a:r>
             <a:r>
               <a:rPr lang="ko-KR" altLang="en-US" sz="2800" dirty="0">
@@ -12977,33 +13435,52 @@
                 <a:latin typeface="나눔스퀘어 Bold" panose="020B0600000101010101" pitchFamily="50" charset="-127"/>
                 <a:ea typeface="나눔스퀘어 Bold" panose="020B0600000101010101" pitchFamily="50" charset="-127"/>
               </a:rPr>
-              <a:t>– 1260 DFS</a:t>
+              <a:t>– 11725 </a:t>
             </a:r>
             <a:r>
               <a:rPr lang="ko-KR" altLang="en-US" sz="2800" dirty="0">
                 <a:latin typeface="나눔스퀘어 Bold" panose="020B0600000101010101" pitchFamily="50" charset="-127"/>
                 <a:ea typeface="나눔스퀘어 Bold" panose="020B0600000101010101" pitchFamily="50" charset="-127"/>
               </a:rPr>
-              <a:t>와 </a:t>
-            </a:r>
-            <a:r>
-              <a:rPr lang="en-US" altLang="ko-KR" sz="2800" dirty="0">
-                <a:latin typeface="나눔스퀘어 Bold" panose="020B0600000101010101" pitchFamily="50" charset="-127"/>
-                <a:ea typeface="나눔스퀘어 Bold" panose="020B0600000101010101" pitchFamily="50" charset="-127"/>
-              </a:rPr>
-              <a:t>BFS</a:t>
-            </a:r>
-            <a:endParaRPr lang="ko-KR" altLang="en-US" sz="2800" dirty="0">
-              <a:latin typeface="나눔스퀘어 Bold" panose="020B0600000101010101" pitchFamily="50" charset="-127"/>
-              <a:ea typeface="나눔스퀘어 Bold" panose="020B0600000101010101" pitchFamily="50" charset="-127"/>
-            </a:endParaRPr>
-          </a:p>
-        </p:txBody>
-      </p:sp>
+              <a:t>트리의 부모 찾기</a:t>
+            </a:r>
+          </a:p>
+        </p:txBody>
+      </p:sp>
+      <p:pic>
+        <p:nvPicPr>
+          <p:cNvPr id="6" name="그림 5">
+            <a:extLst>
+              <a:ext uri="{FF2B5EF4-FFF2-40B4-BE49-F238E27FC236}">
+                <a16:creationId xmlns:a16="http://schemas.microsoft.com/office/drawing/2014/main" id="{D2C52889-E063-DA44-4633-356A09FD45EB}"/>
+              </a:ext>
+            </a:extLst>
+          </p:cNvPr>
+          <p:cNvPicPr>
+            <a:picLocks noChangeAspect="1"/>
+          </p:cNvPicPr>
+          <p:nvPr/>
+        </p:nvPicPr>
+        <p:blipFill>
+          <a:blip r:embed="rId2"/>
+          <a:stretch>
+            <a:fillRect/>
+          </a:stretch>
+        </p:blipFill>
+        <p:spPr>
+          <a:xfrm>
+            <a:off x="331694" y="966727"/>
+            <a:ext cx="7830643" cy="5649113"/>
+          </a:xfrm>
+          <a:prstGeom prst="rect">
+            <a:avLst/>
+          </a:prstGeom>
+        </p:spPr>
+      </p:pic>
     </p:spTree>
     <p:extLst>
       <p:ext uri="{BB962C8B-B14F-4D97-AF65-F5344CB8AC3E}">
-        <p14:creationId xmlns:p14="http://schemas.microsoft.com/office/powerpoint/2010/main" val="36971579"/>
+        <p14:creationId xmlns:p14="http://schemas.microsoft.com/office/powerpoint/2010/main" val="1453913227"/>
       </p:ext>
     </p:extLst>
   </p:cSld>
@@ -13079,7 +13556,7 @@
           <p:cNvPr id="3" name="TextBox 2">
             <a:extLst>
               <a:ext uri="{FF2B5EF4-FFF2-40B4-BE49-F238E27FC236}">
-                <a16:creationId xmlns:a16="http://schemas.microsoft.com/office/drawing/2014/main" id="{B3B954B2-DB7F-EEC1-438C-CB91D3B18AE1}"/>
+                <a16:creationId xmlns:a16="http://schemas.microsoft.com/office/drawing/2014/main" id="{DED99750-0EE1-C88D-2F22-1EE36DBD23B3}"/>
               </a:ext>
             </a:extLst>
           </p:cNvPr>
@@ -13088,8 +13565,85 @@
         </p:nvSpPr>
         <p:spPr>
           <a:xfrm>
+            <a:off x="942387" y="1190024"/>
+            <a:ext cx="10237694" cy="369332"/>
+          </a:xfrm>
+          <a:prstGeom prst="rect">
+            <a:avLst/>
+          </a:prstGeom>
+          <a:noFill/>
+        </p:spPr>
+        <p:txBody>
+          <a:bodyPr wrap="square" rtlCol="0">
+            <a:spAutoFit/>
+          </a:bodyPr>
+          <a:lstStyle/>
+          <a:p>
+            <a:r>
+              <a:rPr lang="ko-KR" altLang="en-US" dirty="0">
+                <a:latin typeface="나눔스퀘어 Light" panose="020B0600000101010101" pitchFamily="50" charset="-127"/>
+                <a:ea typeface="나눔스퀘어 Light" panose="020B0600000101010101" pitchFamily="50" charset="-127"/>
+              </a:rPr>
+              <a:t>이 문제는 앞 문제와 다르게 트리가 </a:t>
+            </a:r>
+            <a:r>
+              <a:rPr lang="en-US" altLang="ko-KR" dirty="0">
+                <a:latin typeface="나눔스퀘어 Light" panose="020B0600000101010101" pitchFamily="50" charset="-127"/>
+                <a:ea typeface="나눔스퀘어 Light" panose="020B0600000101010101" pitchFamily="50" charset="-127"/>
+              </a:rPr>
+              <a:t>‘</a:t>
+            </a:r>
+            <a:r>
+              <a:rPr lang="ko-KR" altLang="en-US" dirty="0">
+                <a:latin typeface="나눔스퀘어 Light" panose="020B0600000101010101" pitchFamily="50" charset="-127"/>
+                <a:ea typeface="나눔스퀘어 Light" panose="020B0600000101010101" pitchFamily="50" charset="-127"/>
+              </a:rPr>
+              <a:t>이진</a:t>
+            </a:r>
+            <a:r>
+              <a:rPr lang="en-US" altLang="ko-KR" dirty="0">
+                <a:latin typeface="나눔스퀘어 Light" panose="020B0600000101010101" pitchFamily="50" charset="-127"/>
+                <a:ea typeface="나눔스퀘어 Light" panose="020B0600000101010101" pitchFamily="50" charset="-127"/>
+              </a:rPr>
+              <a:t>’</a:t>
+            </a:r>
+            <a:r>
+              <a:rPr lang="ko-KR" altLang="en-US" dirty="0">
+                <a:latin typeface="나눔스퀘어 Light" panose="020B0600000101010101" pitchFamily="50" charset="-127"/>
+                <a:ea typeface="나눔스퀘어 Light" panose="020B0600000101010101" pitchFamily="50" charset="-127"/>
+              </a:rPr>
+              <a:t> 트리라는 게 보장되지 않습니다</a:t>
+            </a:r>
+            <a:r>
+              <a:rPr lang="en-US" altLang="ko-KR" dirty="0">
+                <a:latin typeface="나눔스퀘어 Light" panose="020B0600000101010101" pitchFamily="50" charset="-127"/>
+                <a:ea typeface="나눔스퀘어 Light" panose="020B0600000101010101" pitchFamily="50" charset="-127"/>
+              </a:rPr>
+              <a:t>.</a:t>
+            </a:r>
+            <a:endParaRPr lang="ko-KR" altLang="en-US" dirty="0">
+              <a:latin typeface="나눔스퀘어 Light" panose="020B0600000101010101" pitchFamily="50" charset="-127"/>
+              <a:ea typeface="나눔스퀘어 Light" panose="020B0600000101010101" pitchFamily="50" charset="-127"/>
+            </a:endParaRPr>
+          </a:p>
+        </p:txBody>
+      </p:sp>
+      <p:sp>
+        <p:nvSpPr>
+          <p:cNvPr id="9" name="TextBox 8">
+            <a:extLst>
+              <a:ext uri="{FF2B5EF4-FFF2-40B4-BE49-F238E27FC236}">
+                <a16:creationId xmlns:a16="http://schemas.microsoft.com/office/drawing/2014/main" id="{31008A26-2BFE-0C2B-0C35-AA486556DF58}"/>
+              </a:ext>
+            </a:extLst>
+          </p:cNvPr>
+          <p:cNvSpPr txBox="1"/>
+          <p:nvPr/>
+        </p:nvSpPr>
+        <p:spPr>
+          <a:xfrm>
             <a:off x="331694" y="177505"/>
-            <a:ext cx="3809248" cy="523220"/>
+            <a:ext cx="4912114" cy="523220"/>
           </a:xfrm>
           <a:prstGeom prst="rect">
             <a:avLst/>
@@ -13107,24 +13661,97 @@
                 <a:latin typeface="나눔스퀘어 Bold" panose="020B0600000101010101" pitchFamily="50" charset="-127"/>
                 <a:ea typeface="나눔스퀘어 Bold" panose="020B0600000101010101" pitchFamily="50" charset="-127"/>
               </a:rPr>
-              <a:t>Graph – 2606 </a:t>
+              <a:t>Tree</a:t>
             </a:r>
             <a:r>
               <a:rPr lang="ko-KR" altLang="en-US" sz="2800" dirty="0">
                 <a:latin typeface="나눔스퀘어 Bold" panose="020B0600000101010101" pitchFamily="50" charset="-127"/>
                 <a:ea typeface="나눔스퀘어 Bold" panose="020B0600000101010101" pitchFamily="50" charset="-127"/>
               </a:rPr>
-              <a:t>바이러스</a:t>
+              <a:t> </a:t>
+            </a:r>
+            <a:r>
+              <a:rPr lang="en-US" altLang="ko-KR" sz="2800" dirty="0">
+                <a:latin typeface="나눔스퀘어 Bold" panose="020B0600000101010101" pitchFamily="50" charset="-127"/>
+                <a:ea typeface="나눔스퀘어 Bold" panose="020B0600000101010101" pitchFamily="50" charset="-127"/>
+              </a:rPr>
+              <a:t>– 11725 </a:t>
+            </a:r>
+            <a:r>
+              <a:rPr lang="ko-KR" altLang="en-US" sz="2800" dirty="0">
+                <a:latin typeface="나눔스퀘어 Bold" panose="020B0600000101010101" pitchFamily="50" charset="-127"/>
+                <a:ea typeface="나눔스퀘어 Bold" panose="020B0600000101010101" pitchFamily="50" charset="-127"/>
+              </a:rPr>
+              <a:t>트리의 부모 찾기</a:t>
+            </a:r>
+          </a:p>
+        </p:txBody>
+      </p:sp>
+      <p:sp>
+        <p:nvSpPr>
+          <p:cNvPr id="2" name="TextBox 1">
+            <a:extLst>
+              <a:ext uri="{FF2B5EF4-FFF2-40B4-BE49-F238E27FC236}">
+                <a16:creationId xmlns:a16="http://schemas.microsoft.com/office/drawing/2014/main" id="{8A47D9EC-7012-91F5-FDA2-D86BA4E8B7D1}"/>
+              </a:ext>
+            </a:extLst>
+          </p:cNvPr>
+          <p:cNvSpPr txBox="1"/>
+          <p:nvPr/>
+        </p:nvSpPr>
+        <p:spPr>
+          <a:xfrm>
+            <a:off x="942387" y="1559356"/>
+            <a:ext cx="10237694" cy="369332"/>
+          </a:xfrm>
+          <a:prstGeom prst="rect">
+            <a:avLst/>
+          </a:prstGeom>
+          <a:noFill/>
+        </p:spPr>
+        <p:txBody>
+          <a:bodyPr wrap="square" rtlCol="0">
+            <a:spAutoFit/>
+          </a:bodyPr>
+          <a:lstStyle/>
+          <a:p>
+            <a:r>
+              <a:rPr lang="en-US" altLang="ko-KR" dirty="0">
+                <a:latin typeface="나눔스퀘어 Light" panose="020B0600000101010101" pitchFamily="50" charset="-127"/>
+                <a:ea typeface="나눔스퀘어 Light" panose="020B0600000101010101" pitchFamily="50" charset="-127"/>
+              </a:rPr>
+              <a:t>N</a:t>
+            </a:r>
+            <a:r>
+              <a:rPr lang="ko-KR" altLang="en-US" dirty="0">
+                <a:latin typeface="나눔스퀘어 Light" panose="020B0600000101010101" pitchFamily="50" charset="-127"/>
+                <a:ea typeface="나눔스퀘어 Light" panose="020B0600000101010101" pitchFamily="50" charset="-127"/>
+              </a:rPr>
+              <a:t>진 트리에서</a:t>
+            </a:r>
+            <a:r>
+              <a:rPr lang="en-US" altLang="ko-KR" dirty="0">
+                <a:latin typeface="나눔스퀘어 Light" panose="020B0600000101010101" pitchFamily="50" charset="-127"/>
+                <a:ea typeface="나눔스퀘어 Light" panose="020B0600000101010101" pitchFamily="50" charset="-127"/>
+              </a:rPr>
+              <a:t>, </a:t>
+            </a:r>
+            <a:r>
+              <a:rPr lang="ko-KR" altLang="en-US" dirty="0">
+                <a:latin typeface="나눔스퀘어 Light" panose="020B0600000101010101" pitchFamily="50" charset="-127"/>
+                <a:ea typeface="나눔스퀘어 Light" panose="020B0600000101010101" pitchFamily="50" charset="-127"/>
+              </a:rPr>
+              <a:t>앞 문제와 같은 방식으로 트리를 구현하면</a:t>
             </a:r>
           </a:p>
         </p:txBody>
       </p:sp>
       <p:pic>
         <p:nvPicPr>
-          <p:cNvPr id="7" name="그림 6">
-            <a:extLst>
-              <a:ext uri="{FF2B5EF4-FFF2-40B4-BE49-F238E27FC236}">
-                <a16:creationId xmlns:a16="http://schemas.microsoft.com/office/drawing/2014/main" id="{0200E58E-AE40-8E5B-9A13-0D4395C455A4}"/>
+          <p:cNvPr id="14" name="그림 13">
+            <a:extLst>
+              <a:ext uri="{FF2B5EF4-FFF2-40B4-BE49-F238E27FC236}">
+                <a16:creationId xmlns:a16="http://schemas.microsoft.com/office/drawing/2014/main" id="{91F4908F-EDEA-7495-C944-071F4BE33B53}"/>
               </a:ext>
             </a:extLst>
           </p:cNvPr>
@@ -13133,26 +13760,488 @@
           </p:cNvPicPr>
           <p:nvPr/>
         </p:nvPicPr>
-        <p:blipFill>
+        <p:blipFill rotWithShape="1">
           <a:blip r:embed="rId2"/>
-          <a:stretch>
-            <a:fillRect/>
-          </a:stretch>
+          <a:srcRect b="15734"/>
+          <a:stretch/>
         </p:blipFill>
         <p:spPr>
           <a:xfrm>
-            <a:off x="331694" y="1074286"/>
-            <a:ext cx="10821910" cy="4401164"/>
+            <a:off x="942387" y="1928688"/>
+            <a:ext cx="4185603" cy="1500312"/>
           </a:xfrm>
           <a:prstGeom prst="rect">
             <a:avLst/>
           </a:prstGeom>
         </p:spPr>
       </p:pic>
+      <p:sp>
+        <p:nvSpPr>
+          <p:cNvPr id="15" name="TextBox 14">
+            <a:extLst>
+              <a:ext uri="{FF2B5EF4-FFF2-40B4-BE49-F238E27FC236}">
+                <a16:creationId xmlns:a16="http://schemas.microsoft.com/office/drawing/2014/main" id="{998F271A-11AC-A13F-F194-CAED40E42C1C}"/>
+              </a:ext>
+            </a:extLst>
+          </p:cNvPr>
+          <p:cNvSpPr txBox="1"/>
+          <p:nvPr/>
+        </p:nvSpPr>
+        <p:spPr>
+          <a:xfrm>
+            <a:off x="942387" y="3454059"/>
+            <a:ext cx="10237694" cy="369332"/>
+          </a:xfrm>
+          <a:prstGeom prst="rect">
+            <a:avLst/>
+          </a:prstGeom>
+          <a:noFill/>
+        </p:spPr>
+        <p:txBody>
+          <a:bodyPr wrap="square" rtlCol="0">
+            <a:spAutoFit/>
+          </a:bodyPr>
+          <a:lstStyle/>
+          <a:p>
+            <a:r>
+              <a:rPr lang="en-US" altLang="ko-KR" dirty="0">
+                <a:latin typeface="나눔스퀘어 Light" panose="020B0600000101010101" pitchFamily="50" charset="-127"/>
+                <a:ea typeface="나눔스퀘어 Light" panose="020B0600000101010101" pitchFamily="50" charset="-127"/>
+              </a:rPr>
+              <a:t>3</a:t>
+            </a:r>
+            <a:r>
+              <a:rPr lang="ko-KR" altLang="en-US" dirty="0">
+                <a:latin typeface="나눔스퀘어 Light" panose="020B0600000101010101" pitchFamily="50" charset="-127"/>
+                <a:ea typeface="나눔스퀘어 Light" panose="020B0600000101010101" pitchFamily="50" charset="-127"/>
+              </a:rPr>
+              <a:t>번째 자식부터는 표현할 방법이 없습니다</a:t>
+            </a:r>
+            <a:r>
+              <a:rPr lang="en-US" altLang="ko-KR" dirty="0">
+                <a:latin typeface="나눔스퀘어 Light" panose="020B0600000101010101" pitchFamily="50" charset="-127"/>
+                <a:ea typeface="나눔스퀘어 Light" panose="020B0600000101010101" pitchFamily="50" charset="-127"/>
+              </a:rPr>
+              <a:t>.</a:t>
+            </a:r>
+            <a:endParaRPr lang="ko-KR" altLang="en-US" dirty="0">
+              <a:latin typeface="나눔스퀘어 Light" panose="020B0600000101010101" pitchFamily="50" charset="-127"/>
+              <a:ea typeface="나눔스퀘어 Light" panose="020B0600000101010101" pitchFamily="50" charset="-127"/>
+            </a:endParaRPr>
+          </a:p>
+        </p:txBody>
+      </p:sp>
+      <p:sp>
+        <p:nvSpPr>
+          <p:cNvPr id="29" name="타원 28">
+            <a:extLst>
+              <a:ext uri="{FF2B5EF4-FFF2-40B4-BE49-F238E27FC236}">
+                <a16:creationId xmlns:a16="http://schemas.microsoft.com/office/drawing/2014/main" id="{55161BDB-D52C-F7C2-C97C-49AB1AA608A0}"/>
+              </a:ext>
+            </a:extLst>
+          </p:cNvPr>
+          <p:cNvSpPr/>
+          <p:nvPr/>
+        </p:nvSpPr>
+        <p:spPr>
+          <a:xfrm>
+            <a:off x="1563473" y="4103822"/>
+            <a:ext cx="369332" cy="369332"/>
+          </a:xfrm>
+          <a:prstGeom prst="ellipse">
+            <a:avLst/>
+          </a:prstGeom>
+          <a:noFill/>
+          <a:ln w="19050">
+            <a:solidFill>
+              <a:schemeClr val="tx1"/>
+            </a:solidFill>
+          </a:ln>
+        </p:spPr>
+        <p:style>
+          <a:lnRef idx="2">
+            <a:schemeClr val="accent1">
+              <a:shade val="50000"/>
+            </a:schemeClr>
+          </a:lnRef>
+          <a:fillRef idx="1">
+            <a:schemeClr val="accent1"/>
+          </a:fillRef>
+          <a:effectRef idx="0">
+            <a:schemeClr val="accent1"/>
+          </a:effectRef>
+          <a:fontRef idx="minor">
+            <a:schemeClr val="lt1"/>
+          </a:fontRef>
+        </p:style>
+        <p:txBody>
+          <a:bodyPr rtlCol="0" anchor="ctr"/>
+          <a:lstStyle/>
+          <a:p>
+            <a:pPr algn="ctr"/>
+            <a:r>
+              <a:rPr lang="en-US" altLang="ko-KR" sz="1600" dirty="0">
+                <a:solidFill>
+                  <a:schemeClr val="tx1"/>
+                </a:solidFill>
+                <a:latin typeface="나눔스퀘어 Bold" panose="020B0600000101010101" pitchFamily="50" charset="-127"/>
+                <a:ea typeface="나눔스퀘어 Bold" panose="020B0600000101010101" pitchFamily="50" charset="-127"/>
+              </a:rPr>
+              <a:t>A</a:t>
+            </a:r>
+            <a:endParaRPr lang="ko-KR" altLang="en-US" sz="1600" dirty="0">
+              <a:solidFill>
+                <a:schemeClr val="tx1"/>
+              </a:solidFill>
+              <a:latin typeface="나눔스퀘어 Bold" panose="020B0600000101010101" pitchFamily="50" charset="-127"/>
+              <a:ea typeface="나눔스퀘어 Bold" panose="020B0600000101010101" pitchFamily="50" charset="-127"/>
+            </a:endParaRPr>
+          </a:p>
+        </p:txBody>
+      </p:sp>
+      <p:sp>
+        <p:nvSpPr>
+          <p:cNvPr id="30" name="타원 29">
+            <a:extLst>
+              <a:ext uri="{FF2B5EF4-FFF2-40B4-BE49-F238E27FC236}">
+                <a16:creationId xmlns:a16="http://schemas.microsoft.com/office/drawing/2014/main" id="{DBD91219-2A5A-A460-78F5-20A41C6A245F}"/>
+              </a:ext>
+            </a:extLst>
+          </p:cNvPr>
+          <p:cNvSpPr/>
+          <p:nvPr/>
+        </p:nvSpPr>
+        <p:spPr>
+          <a:xfrm>
+            <a:off x="1092132" y="5113978"/>
+            <a:ext cx="369332" cy="369332"/>
+          </a:xfrm>
+          <a:prstGeom prst="ellipse">
+            <a:avLst/>
+          </a:prstGeom>
+          <a:noFill/>
+          <a:ln w="19050">
+            <a:solidFill>
+              <a:schemeClr val="tx1"/>
+            </a:solidFill>
+          </a:ln>
+        </p:spPr>
+        <p:style>
+          <a:lnRef idx="2">
+            <a:schemeClr val="accent1">
+              <a:shade val="50000"/>
+            </a:schemeClr>
+          </a:lnRef>
+          <a:fillRef idx="1">
+            <a:schemeClr val="accent1"/>
+          </a:fillRef>
+          <a:effectRef idx="0">
+            <a:schemeClr val="accent1"/>
+          </a:effectRef>
+          <a:fontRef idx="minor">
+            <a:schemeClr val="lt1"/>
+          </a:fontRef>
+        </p:style>
+        <p:txBody>
+          <a:bodyPr rtlCol="0" anchor="ctr"/>
+          <a:lstStyle/>
+          <a:p>
+            <a:pPr algn="ctr"/>
+            <a:r>
+              <a:rPr lang="en-US" altLang="ko-KR" sz="1600" dirty="0">
+                <a:solidFill>
+                  <a:schemeClr val="tx1"/>
+                </a:solidFill>
+                <a:latin typeface="나눔스퀘어 Bold" panose="020B0600000101010101" pitchFamily="50" charset="-127"/>
+                <a:ea typeface="나눔스퀘어 Bold" panose="020B0600000101010101" pitchFamily="50" charset="-127"/>
+              </a:rPr>
+              <a:t>B</a:t>
+            </a:r>
+            <a:endParaRPr lang="ko-KR" altLang="en-US" sz="1600" dirty="0">
+              <a:solidFill>
+                <a:schemeClr val="tx1"/>
+              </a:solidFill>
+              <a:latin typeface="나눔스퀘어 Bold" panose="020B0600000101010101" pitchFamily="50" charset="-127"/>
+              <a:ea typeface="나눔스퀘어 Bold" panose="020B0600000101010101" pitchFamily="50" charset="-127"/>
+            </a:endParaRPr>
+          </a:p>
+        </p:txBody>
+      </p:sp>
+      <p:sp>
+        <p:nvSpPr>
+          <p:cNvPr id="31" name="타원 30">
+            <a:extLst>
+              <a:ext uri="{FF2B5EF4-FFF2-40B4-BE49-F238E27FC236}">
+                <a16:creationId xmlns:a16="http://schemas.microsoft.com/office/drawing/2014/main" id="{BC0043C1-8B2A-4EC4-F153-61966351B8BD}"/>
+              </a:ext>
+            </a:extLst>
+          </p:cNvPr>
+          <p:cNvSpPr/>
+          <p:nvPr/>
+        </p:nvSpPr>
+        <p:spPr>
+          <a:xfrm>
+            <a:off x="1932805" y="5113978"/>
+            <a:ext cx="369332" cy="369332"/>
+          </a:xfrm>
+          <a:prstGeom prst="ellipse">
+            <a:avLst/>
+          </a:prstGeom>
+          <a:noFill/>
+          <a:ln w="19050">
+            <a:solidFill>
+              <a:schemeClr val="tx1"/>
+            </a:solidFill>
+          </a:ln>
+        </p:spPr>
+        <p:style>
+          <a:lnRef idx="2">
+            <a:schemeClr val="accent1">
+              <a:shade val="50000"/>
+            </a:schemeClr>
+          </a:lnRef>
+          <a:fillRef idx="1">
+            <a:schemeClr val="accent1"/>
+          </a:fillRef>
+          <a:effectRef idx="0">
+            <a:schemeClr val="accent1"/>
+          </a:effectRef>
+          <a:fontRef idx="minor">
+            <a:schemeClr val="lt1"/>
+          </a:fontRef>
+        </p:style>
+        <p:txBody>
+          <a:bodyPr rtlCol="0" anchor="ctr"/>
+          <a:lstStyle/>
+          <a:p>
+            <a:pPr algn="ctr"/>
+            <a:r>
+              <a:rPr lang="en-US" altLang="ko-KR" sz="1600" dirty="0">
+                <a:solidFill>
+                  <a:schemeClr val="tx1"/>
+                </a:solidFill>
+                <a:latin typeface="나눔스퀘어 Bold" panose="020B0600000101010101" pitchFamily="50" charset="-127"/>
+                <a:ea typeface="나눔스퀘어 Bold" panose="020B0600000101010101" pitchFamily="50" charset="-127"/>
+              </a:rPr>
+              <a:t>C</a:t>
+            </a:r>
+            <a:endParaRPr lang="ko-KR" altLang="en-US" sz="1600" dirty="0">
+              <a:solidFill>
+                <a:schemeClr val="tx1"/>
+              </a:solidFill>
+              <a:latin typeface="나눔스퀘어 Bold" panose="020B0600000101010101" pitchFamily="50" charset="-127"/>
+              <a:ea typeface="나눔스퀘어 Bold" panose="020B0600000101010101" pitchFamily="50" charset="-127"/>
+            </a:endParaRPr>
+          </a:p>
+        </p:txBody>
+      </p:sp>
+      <p:sp>
+        <p:nvSpPr>
+          <p:cNvPr id="32" name="타원 31">
+            <a:extLst>
+              <a:ext uri="{FF2B5EF4-FFF2-40B4-BE49-F238E27FC236}">
+                <a16:creationId xmlns:a16="http://schemas.microsoft.com/office/drawing/2014/main" id="{131505E4-50DA-F756-A2DA-ECC88BA6DF54}"/>
+              </a:ext>
+            </a:extLst>
+          </p:cNvPr>
+          <p:cNvSpPr/>
+          <p:nvPr/>
+        </p:nvSpPr>
+        <p:spPr>
+          <a:xfrm>
+            <a:off x="2773478" y="5113978"/>
+            <a:ext cx="369332" cy="369332"/>
+          </a:xfrm>
+          <a:prstGeom prst="ellipse">
+            <a:avLst/>
+          </a:prstGeom>
+          <a:noFill/>
+          <a:ln w="19050">
+            <a:solidFill>
+              <a:schemeClr val="tx1"/>
+            </a:solidFill>
+          </a:ln>
+        </p:spPr>
+        <p:style>
+          <a:lnRef idx="2">
+            <a:schemeClr val="accent1">
+              <a:shade val="50000"/>
+            </a:schemeClr>
+          </a:lnRef>
+          <a:fillRef idx="1">
+            <a:schemeClr val="accent1"/>
+          </a:fillRef>
+          <a:effectRef idx="0">
+            <a:schemeClr val="accent1"/>
+          </a:effectRef>
+          <a:fontRef idx="minor">
+            <a:schemeClr val="lt1"/>
+          </a:fontRef>
+        </p:style>
+        <p:txBody>
+          <a:bodyPr rtlCol="0" anchor="ctr"/>
+          <a:lstStyle/>
+          <a:p>
+            <a:pPr algn="ctr"/>
+            <a:r>
+              <a:rPr lang="en-US" altLang="ko-KR" sz="1600" dirty="0">
+                <a:solidFill>
+                  <a:schemeClr val="tx1"/>
+                </a:solidFill>
+                <a:latin typeface="나눔스퀘어 Bold" panose="020B0600000101010101" pitchFamily="50" charset="-127"/>
+                <a:ea typeface="나눔스퀘어 Bold" panose="020B0600000101010101" pitchFamily="50" charset="-127"/>
+              </a:rPr>
+              <a:t>D</a:t>
+            </a:r>
+            <a:endParaRPr lang="ko-KR" altLang="en-US" sz="1600" dirty="0">
+              <a:solidFill>
+                <a:schemeClr val="tx1"/>
+              </a:solidFill>
+              <a:latin typeface="나눔스퀘어 Bold" panose="020B0600000101010101" pitchFamily="50" charset="-127"/>
+              <a:ea typeface="나눔스퀘어 Bold" panose="020B0600000101010101" pitchFamily="50" charset="-127"/>
+            </a:endParaRPr>
+          </a:p>
+        </p:txBody>
+      </p:sp>
+      <p:cxnSp>
+        <p:nvCxnSpPr>
+          <p:cNvPr id="33" name="직선 연결선 32">
+            <a:extLst>
+              <a:ext uri="{FF2B5EF4-FFF2-40B4-BE49-F238E27FC236}">
+                <a16:creationId xmlns:a16="http://schemas.microsoft.com/office/drawing/2014/main" id="{4116E1C1-6B17-8D74-92C8-C94396D4D670}"/>
+              </a:ext>
+            </a:extLst>
+          </p:cNvPr>
+          <p:cNvCxnSpPr>
+            <a:cxnSpLocks/>
+            <a:stCxn id="30" idx="0"/>
+            <a:endCxn id="29" idx="3"/>
+          </p:cNvCxnSpPr>
+          <p:nvPr/>
+        </p:nvCxnSpPr>
+        <p:spPr>
+          <a:xfrm flipV="1">
+            <a:off x="1276798" y="4419067"/>
+            <a:ext cx="340762" cy="694911"/>
+          </a:xfrm>
+          <a:prstGeom prst="line">
+            <a:avLst/>
+          </a:prstGeom>
+          <a:ln w="19050">
+            <a:solidFill>
+              <a:schemeClr val="tx1"/>
+            </a:solidFill>
+          </a:ln>
+        </p:spPr>
+        <p:style>
+          <a:lnRef idx="1">
+            <a:schemeClr val="accent1"/>
+          </a:lnRef>
+          <a:fillRef idx="0">
+            <a:schemeClr val="accent1"/>
+          </a:fillRef>
+          <a:effectRef idx="0">
+            <a:schemeClr val="accent1"/>
+          </a:effectRef>
+          <a:fontRef idx="minor">
+            <a:schemeClr val="tx1"/>
+          </a:fontRef>
+        </p:style>
+      </p:cxnSp>
+      <p:cxnSp>
+        <p:nvCxnSpPr>
+          <p:cNvPr id="34" name="직선 연결선 33">
+            <a:extLst>
+              <a:ext uri="{FF2B5EF4-FFF2-40B4-BE49-F238E27FC236}">
+                <a16:creationId xmlns:a16="http://schemas.microsoft.com/office/drawing/2014/main" id="{12C50FBB-52E3-5E4A-2EC3-6E649BCEF4BC}"/>
+              </a:ext>
+            </a:extLst>
+          </p:cNvPr>
+          <p:cNvCxnSpPr>
+            <a:cxnSpLocks/>
+            <a:stCxn id="31" idx="0"/>
+            <a:endCxn id="29" idx="4"/>
+          </p:cNvCxnSpPr>
+          <p:nvPr/>
+        </p:nvCxnSpPr>
+        <p:spPr>
+          <a:xfrm flipH="1" flipV="1">
+            <a:off x="1748139" y="4473154"/>
+            <a:ext cx="369332" cy="640824"/>
+          </a:xfrm>
+          <a:prstGeom prst="line">
+            <a:avLst/>
+          </a:prstGeom>
+          <a:ln w="19050">
+            <a:solidFill>
+              <a:schemeClr val="tx1"/>
+            </a:solidFill>
+          </a:ln>
+        </p:spPr>
+        <p:style>
+          <a:lnRef idx="1">
+            <a:schemeClr val="accent1"/>
+          </a:lnRef>
+          <a:fillRef idx="0">
+            <a:schemeClr val="accent1"/>
+          </a:fillRef>
+          <a:effectRef idx="0">
+            <a:schemeClr val="accent1"/>
+          </a:effectRef>
+          <a:fontRef idx="minor">
+            <a:schemeClr val="tx1"/>
+          </a:fontRef>
+        </p:style>
+      </p:cxnSp>
+      <p:cxnSp>
+        <p:nvCxnSpPr>
+          <p:cNvPr id="35" name="직선 연결선 34">
+            <a:extLst>
+              <a:ext uri="{FF2B5EF4-FFF2-40B4-BE49-F238E27FC236}">
+                <a16:creationId xmlns:a16="http://schemas.microsoft.com/office/drawing/2014/main" id="{7E572D75-0AA5-0E07-A156-A4EEE04CCD27}"/>
+              </a:ext>
+            </a:extLst>
+          </p:cNvPr>
+          <p:cNvCxnSpPr>
+            <a:cxnSpLocks/>
+            <a:stCxn id="29" idx="5"/>
+            <a:endCxn id="32" idx="1"/>
+          </p:cNvCxnSpPr>
+          <p:nvPr/>
+        </p:nvCxnSpPr>
+        <p:spPr>
+          <a:xfrm>
+            <a:off x="1878718" y="4419067"/>
+            <a:ext cx="948847" cy="748998"/>
+          </a:xfrm>
+          <a:prstGeom prst="line">
+            <a:avLst/>
+          </a:prstGeom>
+          <a:ln w="19050">
+            <a:solidFill>
+              <a:schemeClr val="tx1"/>
+            </a:solidFill>
+          </a:ln>
+        </p:spPr>
+        <p:style>
+          <a:lnRef idx="1">
+            <a:schemeClr val="accent1"/>
+          </a:lnRef>
+          <a:fillRef idx="0">
+            <a:schemeClr val="accent1"/>
+          </a:fillRef>
+          <a:effectRef idx="0">
+            <a:schemeClr val="accent1"/>
+          </a:effectRef>
+          <a:fontRef idx="minor">
+            <a:schemeClr val="tx1"/>
+          </a:fontRef>
+        </p:style>
+      </p:cxnSp>
     </p:spTree>
     <p:extLst>
       <p:ext uri="{BB962C8B-B14F-4D97-AF65-F5344CB8AC3E}">
-        <p14:creationId xmlns:p14="http://schemas.microsoft.com/office/powerpoint/2010/main" val="2401598668"/>
+        <p14:creationId xmlns:p14="http://schemas.microsoft.com/office/powerpoint/2010/main" val="4187972177"/>
       </p:ext>
     </p:extLst>
   </p:cSld>
@@ -13225,10 +14314,10 @@
       </p:cxnSp>
       <p:sp>
         <p:nvSpPr>
-          <p:cNvPr id="3" name="TextBox 2">
-            <a:extLst>
-              <a:ext uri="{FF2B5EF4-FFF2-40B4-BE49-F238E27FC236}">
-                <a16:creationId xmlns:a16="http://schemas.microsoft.com/office/drawing/2014/main" id="{55A2659C-619F-80B4-6BDF-B649C7E7DBE9}"/>
+          <p:cNvPr id="9" name="TextBox 8">
+            <a:extLst>
+              <a:ext uri="{FF2B5EF4-FFF2-40B4-BE49-F238E27FC236}">
+                <a16:creationId xmlns:a16="http://schemas.microsoft.com/office/drawing/2014/main" id="{31008A26-2BFE-0C2B-0C35-AA486556DF58}"/>
               </a:ext>
             </a:extLst>
           </p:cNvPr>
@@ -13237,7 +14326,66 @@
         </p:nvSpPr>
         <p:spPr>
           <a:xfrm>
-            <a:off x="942387" y="1190024"/>
+            <a:off x="331694" y="177505"/>
+            <a:ext cx="4912114" cy="523220"/>
+          </a:xfrm>
+          <a:prstGeom prst="rect">
+            <a:avLst/>
+          </a:prstGeom>
+          <a:noFill/>
+        </p:spPr>
+        <p:txBody>
+          <a:bodyPr wrap="none" rtlCol="0">
+            <a:spAutoFit/>
+          </a:bodyPr>
+          <a:lstStyle/>
+          <a:p>
+            <a:r>
+              <a:rPr lang="en-US" altLang="ko-KR" sz="2800" dirty="0">
+                <a:latin typeface="나눔스퀘어 Bold" panose="020B0600000101010101" pitchFamily="50" charset="-127"/>
+                <a:ea typeface="나눔스퀘어 Bold" panose="020B0600000101010101" pitchFamily="50" charset="-127"/>
+              </a:rPr>
+              <a:t>Tree</a:t>
+            </a:r>
+            <a:r>
+              <a:rPr lang="ko-KR" altLang="en-US" sz="2800" dirty="0">
+                <a:latin typeface="나눔스퀘어 Bold" panose="020B0600000101010101" pitchFamily="50" charset="-127"/>
+                <a:ea typeface="나눔스퀘어 Bold" panose="020B0600000101010101" pitchFamily="50" charset="-127"/>
+              </a:rPr>
+              <a:t> </a:t>
+            </a:r>
+            <a:r>
+              <a:rPr lang="en-US" altLang="ko-KR" sz="2800" dirty="0">
+                <a:latin typeface="나눔스퀘어 Bold" panose="020B0600000101010101" pitchFamily="50" charset="-127"/>
+                <a:ea typeface="나눔스퀘어 Bold" panose="020B0600000101010101" pitchFamily="50" charset="-127"/>
+              </a:rPr>
+              <a:t>– 11725 </a:t>
+            </a:r>
+            <a:r>
+              <a:rPr lang="ko-KR" altLang="en-US" sz="2800" dirty="0">
+                <a:latin typeface="나눔스퀘어 Bold" panose="020B0600000101010101" pitchFamily="50" charset="-127"/>
+                <a:ea typeface="나눔스퀘어 Bold" panose="020B0600000101010101" pitchFamily="50" charset="-127"/>
+              </a:rPr>
+              <a:t>트리의 부모 찾기</a:t>
+            </a:r>
+          </a:p>
+        </p:txBody>
+      </p:sp>
+      <p:sp>
+        <p:nvSpPr>
+          <p:cNvPr id="16" name="TextBox 15">
+            <a:extLst>
+              <a:ext uri="{FF2B5EF4-FFF2-40B4-BE49-F238E27FC236}">
+                <a16:creationId xmlns:a16="http://schemas.microsoft.com/office/drawing/2014/main" id="{27197033-9016-6E06-5290-1730FA4DCC1F}"/>
+              </a:ext>
+            </a:extLst>
+          </p:cNvPr>
+          <p:cNvSpPr txBox="1"/>
+          <p:nvPr/>
+        </p:nvSpPr>
+        <p:spPr>
+          <a:xfrm>
+            <a:off x="942387" y="1074286"/>
             <a:ext cx="10237694" cy="369332"/>
           </a:xfrm>
           <a:prstGeom prst="rect">
@@ -13256,28 +14404,14 @@
                 <a:latin typeface="나눔스퀘어 Light" panose="020B0600000101010101" pitchFamily="50" charset="-127"/>
                 <a:ea typeface="나눔스퀘어 Light" panose="020B0600000101010101" pitchFamily="50" charset="-127"/>
               </a:rPr>
-              <a:t>전형적인 큐를 사용하는 문제이지만</a:t>
+              <a:t>배열을 통해서 여러 개의 자식들을 나타내는 방법도 있겠지만</a:t>
             </a:r>
             <a:r>
               <a:rPr lang="en-US" altLang="ko-KR" dirty="0">
                 <a:latin typeface="나눔스퀘어 Light" panose="020B0600000101010101" pitchFamily="50" charset="-127"/>
                 <a:ea typeface="나눔스퀘어 Light" panose="020B0600000101010101" pitchFamily="50" charset="-127"/>
               </a:rPr>
-              <a:t>, </a:t>
-            </a:r>
-            <a:r>
-              <a:rPr lang="ko-KR" altLang="en-US" dirty="0">
-                <a:latin typeface="나눔스퀘어 Light" panose="020B0600000101010101" pitchFamily="50" charset="-127"/>
-                <a:ea typeface="나눔스퀘어 Light" panose="020B0600000101010101" pitchFamily="50" charset="-127"/>
-              </a:rPr>
-              <a:t>꼭 큐를 사용해야만 풀 수 있는 것은 아닙니다</a:t>
-            </a:r>
-            <a:r>
-              <a:rPr lang="en-US" altLang="ko-KR" dirty="0">
-                <a:latin typeface="나눔스퀘어 Light" panose="020B0600000101010101" pitchFamily="50" charset="-127"/>
-                <a:ea typeface="나눔스퀘어 Light" panose="020B0600000101010101" pitchFamily="50" charset="-127"/>
-              </a:rPr>
-              <a:t>.</a:t>
+              <a:t>,</a:t>
             </a:r>
             <a:endParaRPr lang="ko-KR" altLang="en-US" dirty="0">
               <a:latin typeface="나눔스퀘어 Light" panose="020B0600000101010101" pitchFamily="50" charset="-127"/>
@@ -13286,12 +14420,42 @@
           </a:p>
         </p:txBody>
       </p:sp>
-      <p:sp>
-        <p:nvSpPr>
-          <p:cNvPr id="4" name="TextBox 3">
-            <a:extLst>
-              <a:ext uri="{FF2B5EF4-FFF2-40B4-BE49-F238E27FC236}">
-                <a16:creationId xmlns:a16="http://schemas.microsoft.com/office/drawing/2014/main" id="{5309C74F-4AB5-553D-92E5-3E70398F8530}"/>
+      <p:pic>
+        <p:nvPicPr>
+          <p:cNvPr id="20" name="그림 19">
+            <a:extLst>
+              <a:ext uri="{FF2B5EF4-FFF2-40B4-BE49-F238E27FC236}">
+                <a16:creationId xmlns:a16="http://schemas.microsoft.com/office/drawing/2014/main" id="{276C70B9-3E9E-CDA9-71A9-87D8F89D3AF8}"/>
+              </a:ext>
+            </a:extLst>
+          </p:cNvPr>
+          <p:cNvPicPr>
+            <a:picLocks noChangeAspect="1"/>
+          </p:cNvPicPr>
+          <p:nvPr/>
+        </p:nvPicPr>
+        <p:blipFill>
+          <a:blip r:embed="rId2"/>
+          <a:stretch>
+            <a:fillRect/>
+          </a:stretch>
+        </p:blipFill>
+        <p:spPr>
+          <a:xfrm>
+            <a:off x="942387" y="1443618"/>
+            <a:ext cx="4185603" cy="1761363"/>
+          </a:xfrm>
+          <a:prstGeom prst="rect">
+            <a:avLst/>
+          </a:prstGeom>
+        </p:spPr>
+      </p:pic>
+      <p:sp>
+        <p:nvSpPr>
+          <p:cNvPr id="21" name="TextBox 20">
+            <a:extLst>
+              <a:ext uri="{FF2B5EF4-FFF2-40B4-BE49-F238E27FC236}">
+                <a16:creationId xmlns:a16="http://schemas.microsoft.com/office/drawing/2014/main" id="{768834D9-1D58-8C67-0669-06DF9F3F195B}"/>
               </a:ext>
             </a:extLst>
           </p:cNvPr>
@@ -13300,8 +14464,8 @@
         </p:nvSpPr>
         <p:spPr>
           <a:xfrm>
-            <a:off x="331694" y="177505"/>
-            <a:ext cx="3809248" cy="523220"/>
+            <a:off x="942387" y="3204981"/>
+            <a:ext cx="10237694" cy="369332"/>
           </a:xfrm>
           <a:prstGeom prst="rect">
             <a:avLst/>
@@ -13309,32 +14473,172 @@
           <a:noFill/>
         </p:spPr>
         <p:txBody>
-          <a:bodyPr wrap="none" rtlCol="0">
+          <a:bodyPr wrap="square" rtlCol="0">
             <a:spAutoFit/>
           </a:bodyPr>
           <a:lstStyle/>
           <a:p>
             <a:r>
-              <a:rPr lang="en-US" altLang="ko-KR" sz="2800" dirty="0">
-                <a:latin typeface="나눔스퀘어 Bold" panose="020B0600000101010101" pitchFamily="50" charset="-127"/>
-                <a:ea typeface="나눔스퀘어 Bold" panose="020B0600000101010101" pitchFamily="50" charset="-127"/>
-              </a:rPr>
-              <a:t>Graph – 2606 </a:t>
-            </a:r>
-            <a:r>
-              <a:rPr lang="ko-KR" altLang="en-US" sz="2800" dirty="0">
-                <a:latin typeface="나눔스퀘어 Bold" panose="020B0600000101010101" pitchFamily="50" charset="-127"/>
-                <a:ea typeface="나눔스퀘어 Bold" panose="020B0600000101010101" pitchFamily="50" charset="-127"/>
-              </a:rPr>
-              <a:t>바이러스</a:t>
-            </a:r>
+              <a:rPr lang="en-US" altLang="ko-KR" dirty="0">
+                <a:latin typeface="나눔스퀘어 Light" panose="020B0600000101010101" pitchFamily="50" charset="-127"/>
+                <a:ea typeface="나눔스퀘어 Light" panose="020B0600000101010101" pitchFamily="50" charset="-127"/>
+              </a:rPr>
+              <a:t>100000 × 100000 </a:t>
+            </a:r>
+            <a:r>
+              <a:rPr lang="ko-KR" altLang="en-US" dirty="0">
+                <a:latin typeface="나눔스퀘어 Light" panose="020B0600000101010101" pitchFamily="50" charset="-127"/>
+                <a:ea typeface="나눔스퀘어 Light" panose="020B0600000101010101" pitchFamily="50" charset="-127"/>
+              </a:rPr>
+              <a:t>이라는 엄청난 공간 복잡도를 발생시키게 됩니다</a:t>
+            </a:r>
+            <a:r>
+              <a:rPr lang="en-US" altLang="ko-KR" dirty="0">
+                <a:latin typeface="나눔스퀘어 Light" panose="020B0600000101010101" pitchFamily="50" charset="-127"/>
+                <a:ea typeface="나눔스퀘어 Light" panose="020B0600000101010101" pitchFamily="50" charset="-127"/>
+              </a:rPr>
+              <a:t>.</a:t>
+            </a:r>
+            <a:endParaRPr lang="ko-KR" altLang="en-US" dirty="0">
+              <a:latin typeface="나눔스퀘어 Light" panose="020B0600000101010101" pitchFamily="50" charset="-127"/>
+              <a:ea typeface="나눔스퀘어 Light" panose="020B0600000101010101" pitchFamily="50" charset="-127"/>
+            </a:endParaRPr>
+          </a:p>
+        </p:txBody>
+      </p:sp>
+      <p:sp>
+        <p:nvSpPr>
+          <p:cNvPr id="4" name="TextBox 3">
+            <a:extLst>
+              <a:ext uri="{FF2B5EF4-FFF2-40B4-BE49-F238E27FC236}">
+                <a16:creationId xmlns:a16="http://schemas.microsoft.com/office/drawing/2014/main" id="{E226D002-1F74-3A20-EB07-714F65A1DA59}"/>
+              </a:ext>
+            </a:extLst>
+          </p:cNvPr>
+          <p:cNvSpPr txBox="1"/>
+          <p:nvPr/>
+        </p:nvSpPr>
+        <p:spPr>
+          <a:xfrm>
+            <a:off x="942387" y="3574313"/>
+            <a:ext cx="10237694" cy="369332"/>
+          </a:xfrm>
+          <a:prstGeom prst="rect">
+            <a:avLst/>
+          </a:prstGeom>
+          <a:noFill/>
+        </p:spPr>
+        <p:txBody>
+          <a:bodyPr wrap="square" rtlCol="0">
+            <a:spAutoFit/>
+          </a:bodyPr>
+          <a:lstStyle/>
+          <a:p>
+            <a:r>
+              <a:rPr lang="en-US" altLang="ko-KR" dirty="0">
+                <a:latin typeface="나눔스퀘어 Light" panose="020B0600000101010101" pitchFamily="50" charset="-127"/>
+                <a:ea typeface="나눔스퀘어 Light" panose="020B0600000101010101" pitchFamily="50" charset="-127"/>
+              </a:rPr>
+              <a:t>(</a:t>
+            </a:r>
+            <a:r>
+              <a:rPr lang="ko-KR" altLang="en-US" dirty="0">
+                <a:latin typeface="나눔스퀘어 Light" panose="020B0600000101010101" pitchFamily="50" charset="-127"/>
+                <a:ea typeface="나눔스퀘어 Light" panose="020B0600000101010101" pitchFamily="50" charset="-127"/>
+              </a:rPr>
+              <a:t>배열의 크기는 고정적이기 때문에</a:t>
+            </a:r>
+            <a:r>
+              <a:rPr lang="en-US" altLang="ko-KR" dirty="0">
+                <a:latin typeface="나눔스퀘어 Light" panose="020B0600000101010101" pitchFamily="50" charset="-127"/>
+                <a:ea typeface="나눔스퀘어 Light" panose="020B0600000101010101" pitchFamily="50" charset="-127"/>
+              </a:rPr>
+              <a:t>, </a:t>
+            </a:r>
+            <a:r>
+              <a:rPr lang="ko-KR" altLang="en-US" dirty="0">
+                <a:latin typeface="나눔스퀘어 Light" panose="020B0600000101010101" pitchFamily="50" charset="-127"/>
+                <a:ea typeface="나눔스퀘어 Light" panose="020B0600000101010101" pitchFamily="50" charset="-127"/>
+              </a:rPr>
+              <a:t>만약 자식이 </a:t>
+            </a:r>
+            <a:r>
+              <a:rPr lang="en-US" altLang="ko-KR" dirty="0">
+                <a:latin typeface="나눔스퀘어 Light" panose="020B0600000101010101" pitchFamily="50" charset="-127"/>
+                <a:ea typeface="나눔스퀘어 Light" panose="020B0600000101010101" pitchFamily="50" charset="-127"/>
+              </a:rPr>
+              <a:t>1</a:t>
+            </a:r>
+            <a:r>
+              <a:rPr lang="ko-KR" altLang="en-US" dirty="0">
+                <a:latin typeface="나눔스퀘어 Light" panose="020B0600000101010101" pitchFamily="50" charset="-127"/>
+                <a:ea typeface="나눔스퀘어 Light" panose="020B0600000101010101" pitchFamily="50" charset="-127"/>
+              </a:rPr>
+              <a:t>개밖에 없는 노드라면</a:t>
+            </a:r>
+          </a:p>
+        </p:txBody>
+      </p:sp>
+      <p:sp>
+        <p:nvSpPr>
+          <p:cNvPr id="6" name="TextBox 5">
+            <a:extLst>
+              <a:ext uri="{FF2B5EF4-FFF2-40B4-BE49-F238E27FC236}">
+                <a16:creationId xmlns:a16="http://schemas.microsoft.com/office/drawing/2014/main" id="{3AABC747-B004-761C-4697-1CF494C040BF}"/>
+              </a:ext>
+            </a:extLst>
+          </p:cNvPr>
+          <p:cNvSpPr txBox="1"/>
+          <p:nvPr/>
+        </p:nvSpPr>
+        <p:spPr>
+          <a:xfrm>
+            <a:off x="942387" y="3961835"/>
+            <a:ext cx="10237694" cy="369332"/>
+          </a:xfrm>
+          <a:prstGeom prst="rect">
+            <a:avLst/>
+          </a:prstGeom>
+          <a:noFill/>
+        </p:spPr>
+        <p:txBody>
+          <a:bodyPr wrap="square" rtlCol="0">
+            <a:spAutoFit/>
+          </a:bodyPr>
+          <a:lstStyle/>
+          <a:p>
+            <a:r>
+              <a:rPr lang="en-US" altLang="ko-KR" dirty="0">
+                <a:latin typeface="나눔스퀘어 Light" panose="020B0600000101010101" pitchFamily="50" charset="-127"/>
+                <a:ea typeface="나눔스퀘어 Light" panose="020B0600000101010101" pitchFamily="50" charset="-127"/>
+              </a:rPr>
+              <a:t>99999 </a:t>
+            </a:r>
+            <a:r>
+              <a:rPr lang="ko-KR" altLang="en-US" dirty="0">
+                <a:latin typeface="나눔스퀘어 Light" panose="020B0600000101010101" pitchFamily="50" charset="-127"/>
+                <a:ea typeface="나눔스퀘어 Light" panose="020B0600000101010101" pitchFamily="50" charset="-127"/>
+              </a:rPr>
+              <a:t>칸의 공간을 낭비하게 됩니다</a:t>
+            </a:r>
+            <a:r>
+              <a:rPr lang="en-US" altLang="ko-KR" dirty="0">
+                <a:latin typeface="나눔스퀘어 Light" panose="020B0600000101010101" pitchFamily="50" charset="-127"/>
+                <a:ea typeface="나눔스퀘어 Light" panose="020B0600000101010101" pitchFamily="50" charset="-127"/>
+              </a:rPr>
+              <a:t>.)</a:t>
+            </a:r>
+            <a:endParaRPr lang="ko-KR" altLang="en-US" dirty="0">
+              <a:latin typeface="나눔스퀘어 Light" panose="020B0600000101010101" pitchFamily="50" charset="-127"/>
+              <a:ea typeface="나눔스퀘어 Light" panose="020B0600000101010101" pitchFamily="50" charset="-127"/>
+            </a:endParaRPr>
           </a:p>
         </p:txBody>
       </p:sp>
     </p:spTree>
     <p:extLst>
       <p:ext uri="{BB962C8B-B14F-4D97-AF65-F5344CB8AC3E}">
-        <p14:creationId xmlns:p14="http://schemas.microsoft.com/office/powerpoint/2010/main" val="168362199"/>
+        <p14:creationId xmlns:p14="http://schemas.microsoft.com/office/powerpoint/2010/main" val="1920823542"/>
       </p:ext>
     </p:extLst>
   </p:cSld>
@@ -13407,10 +14711,10 @@
       </p:cxnSp>
       <p:sp>
         <p:nvSpPr>
-          <p:cNvPr id="3" name="TextBox 2">
-            <a:extLst>
-              <a:ext uri="{FF2B5EF4-FFF2-40B4-BE49-F238E27FC236}">
-                <a16:creationId xmlns:a16="http://schemas.microsoft.com/office/drawing/2014/main" id="{B3B954B2-DB7F-EEC1-438C-CB91D3B18AE1}"/>
+          <p:cNvPr id="9" name="TextBox 8">
+            <a:extLst>
+              <a:ext uri="{FF2B5EF4-FFF2-40B4-BE49-F238E27FC236}">
+                <a16:creationId xmlns:a16="http://schemas.microsoft.com/office/drawing/2014/main" id="{31008A26-2BFE-0C2B-0C35-AA486556DF58}"/>
               </a:ext>
             </a:extLst>
           </p:cNvPr>
@@ -13420,7 +14724,7 @@
         <p:spPr>
           <a:xfrm>
             <a:off x="331694" y="177505"/>
-            <a:ext cx="3899016" cy="523220"/>
+            <a:ext cx="4912114" cy="523220"/>
           </a:xfrm>
           <a:prstGeom prst="rect">
             <a:avLst/>
@@ -13438,232 +14742,113 @@
                 <a:latin typeface="나눔스퀘어 Bold" panose="020B0600000101010101" pitchFamily="50" charset="-127"/>
                 <a:ea typeface="나눔스퀘어 Bold" panose="020B0600000101010101" pitchFamily="50" charset="-127"/>
               </a:rPr>
-              <a:t>Graph – 2178 </a:t>
+              <a:t>Tree</a:t>
             </a:r>
             <a:r>
               <a:rPr lang="ko-KR" altLang="en-US" sz="2800" dirty="0">
                 <a:latin typeface="나눔스퀘어 Bold" panose="020B0600000101010101" pitchFamily="50" charset="-127"/>
                 <a:ea typeface="나눔스퀘어 Bold" panose="020B0600000101010101" pitchFamily="50" charset="-127"/>
               </a:rPr>
-              <a:t>미로 탐색</a:t>
-            </a:r>
-          </a:p>
-        </p:txBody>
-      </p:sp>
-      <p:pic>
-        <p:nvPicPr>
-          <p:cNvPr id="4" name="그림 3">
-            <a:extLst>
-              <a:ext uri="{FF2B5EF4-FFF2-40B4-BE49-F238E27FC236}">
-                <a16:creationId xmlns:a16="http://schemas.microsoft.com/office/drawing/2014/main" id="{FA5DC14F-3B58-7DCB-0529-B6DF343008B1}"/>
-              </a:ext>
-            </a:extLst>
-          </p:cNvPr>
-          <p:cNvPicPr>
-            <a:picLocks noChangeAspect="1"/>
-          </p:cNvPicPr>
-          <p:nvPr/>
-        </p:nvPicPr>
-        <p:blipFill>
-          <a:blip r:embed="rId2"/>
-          <a:stretch>
-            <a:fillRect/>
-          </a:stretch>
-        </p:blipFill>
-        <p:spPr>
-          <a:xfrm>
-            <a:off x="331694" y="1000161"/>
-            <a:ext cx="10783805" cy="3620005"/>
+              <a:t> </a:t>
+            </a:r>
+            <a:r>
+              <a:rPr lang="en-US" altLang="ko-KR" sz="2800" dirty="0">
+                <a:latin typeface="나눔스퀘어 Bold" panose="020B0600000101010101" pitchFamily="50" charset="-127"/>
+                <a:ea typeface="나눔스퀘어 Bold" panose="020B0600000101010101" pitchFamily="50" charset="-127"/>
+              </a:rPr>
+              <a:t>– 11725 </a:t>
+            </a:r>
+            <a:r>
+              <a:rPr lang="ko-KR" altLang="en-US" sz="2800" dirty="0">
+                <a:latin typeface="나눔스퀘어 Bold" panose="020B0600000101010101" pitchFamily="50" charset="-127"/>
+                <a:ea typeface="나눔스퀘어 Bold" panose="020B0600000101010101" pitchFamily="50" charset="-127"/>
+              </a:rPr>
+              <a:t>트리의 부모 찾기</a:t>
+            </a:r>
+          </a:p>
+        </p:txBody>
+      </p:sp>
+      <p:sp>
+        <p:nvSpPr>
+          <p:cNvPr id="16" name="TextBox 15">
+            <a:extLst>
+              <a:ext uri="{FF2B5EF4-FFF2-40B4-BE49-F238E27FC236}">
+                <a16:creationId xmlns:a16="http://schemas.microsoft.com/office/drawing/2014/main" id="{27197033-9016-6E06-5290-1730FA4DCC1F}"/>
+              </a:ext>
+            </a:extLst>
+          </p:cNvPr>
+          <p:cNvSpPr txBox="1"/>
+          <p:nvPr/>
+        </p:nvSpPr>
+        <p:spPr>
+          <a:xfrm>
+            <a:off x="942387" y="1074286"/>
+            <a:ext cx="10237694" cy="369332"/>
           </a:xfrm>
           <a:prstGeom prst="rect">
             <a:avLst/>
           </a:prstGeom>
-        </p:spPr>
-      </p:pic>
-      <p:pic>
-        <p:nvPicPr>
-          <p:cNvPr id="8" name="그림 7">
-            <a:extLst>
-              <a:ext uri="{FF2B5EF4-FFF2-40B4-BE49-F238E27FC236}">
-                <a16:creationId xmlns:a16="http://schemas.microsoft.com/office/drawing/2014/main" id="{D27D39DC-B2B5-9D08-1123-33207352EC90}"/>
-              </a:ext>
-            </a:extLst>
-          </p:cNvPr>
-          <p:cNvPicPr>
-            <a:picLocks noChangeAspect="1"/>
-          </p:cNvPicPr>
-          <p:nvPr/>
-        </p:nvPicPr>
-        <p:blipFill>
-          <a:blip r:embed="rId3"/>
-          <a:stretch>
-            <a:fillRect/>
-          </a:stretch>
-        </p:blipFill>
-        <p:spPr>
-          <a:xfrm>
-            <a:off x="331694" y="4725894"/>
-            <a:ext cx="1381318" cy="1952898"/>
-          </a:xfrm>
-          <a:prstGeom prst="rect">
-            <a:avLst/>
-          </a:prstGeom>
-        </p:spPr>
-      </p:pic>
-      <p:pic>
-        <p:nvPicPr>
-          <p:cNvPr id="10" name="그림 9">
-            <a:extLst>
-              <a:ext uri="{FF2B5EF4-FFF2-40B4-BE49-F238E27FC236}">
-                <a16:creationId xmlns:a16="http://schemas.microsoft.com/office/drawing/2014/main" id="{3DD36C43-90AD-AFEE-539A-343B818B647A}"/>
-              </a:ext>
-            </a:extLst>
-          </p:cNvPr>
-          <p:cNvPicPr>
-            <a:picLocks noChangeAspect="1"/>
-          </p:cNvPicPr>
-          <p:nvPr/>
-        </p:nvPicPr>
-        <p:blipFill>
-          <a:blip r:embed="rId4"/>
-          <a:stretch>
-            <a:fillRect/>
-          </a:stretch>
-        </p:blipFill>
-        <p:spPr>
-          <a:xfrm>
-            <a:off x="1789450" y="4730077"/>
-            <a:ext cx="1371791" cy="990738"/>
-          </a:xfrm>
-          <a:prstGeom prst="rect">
-            <a:avLst/>
-          </a:prstGeom>
-        </p:spPr>
-      </p:pic>
-      <p:pic>
-        <p:nvPicPr>
-          <p:cNvPr id="12" name="그림 11">
-            <a:extLst>
-              <a:ext uri="{FF2B5EF4-FFF2-40B4-BE49-F238E27FC236}">
-                <a16:creationId xmlns:a16="http://schemas.microsoft.com/office/drawing/2014/main" id="{2104BF6A-48BA-5686-10A0-8CBBBB3C5CEE}"/>
-              </a:ext>
-            </a:extLst>
-          </p:cNvPr>
-          <p:cNvPicPr>
-            <a:picLocks noChangeAspect="1"/>
-          </p:cNvPicPr>
-          <p:nvPr/>
-        </p:nvPicPr>
-        <p:blipFill>
-          <a:blip r:embed="rId5"/>
-          <a:stretch>
-            <a:fillRect/>
-          </a:stretch>
-        </p:blipFill>
-        <p:spPr>
-          <a:xfrm>
-            <a:off x="3544814" y="4736001"/>
-            <a:ext cx="1371791" cy="1895740"/>
-          </a:xfrm>
-          <a:prstGeom prst="rect">
-            <a:avLst/>
-          </a:prstGeom>
-        </p:spPr>
-      </p:pic>
-      <p:pic>
-        <p:nvPicPr>
-          <p:cNvPr id="14" name="그림 13">
-            <a:extLst>
-              <a:ext uri="{FF2B5EF4-FFF2-40B4-BE49-F238E27FC236}">
-                <a16:creationId xmlns:a16="http://schemas.microsoft.com/office/drawing/2014/main" id="{EED78C7D-9A0E-591C-7A5D-F34A83B545ED}"/>
-              </a:ext>
-            </a:extLst>
-          </p:cNvPr>
-          <p:cNvPicPr>
-            <a:picLocks noChangeAspect="1"/>
-          </p:cNvPicPr>
-          <p:nvPr/>
-        </p:nvPicPr>
-        <p:blipFill>
-          <a:blip r:embed="rId6"/>
-          <a:stretch>
-            <a:fillRect/>
-          </a:stretch>
-        </p:blipFill>
-        <p:spPr>
-          <a:xfrm>
-            <a:off x="4993043" y="4732821"/>
-            <a:ext cx="1352739" cy="971686"/>
-          </a:xfrm>
-          <a:prstGeom prst="rect">
-            <a:avLst/>
-          </a:prstGeom>
-        </p:spPr>
-      </p:pic>
-      <p:pic>
-        <p:nvPicPr>
-          <p:cNvPr id="16" name="그림 15">
-            <a:extLst>
-              <a:ext uri="{FF2B5EF4-FFF2-40B4-BE49-F238E27FC236}">
-                <a16:creationId xmlns:a16="http://schemas.microsoft.com/office/drawing/2014/main" id="{4D745FE7-27E1-F4AE-1580-31870CEE187B}"/>
-              </a:ext>
-            </a:extLst>
-          </p:cNvPr>
-          <p:cNvPicPr>
-            <a:picLocks noChangeAspect="1"/>
-          </p:cNvPicPr>
-          <p:nvPr/>
-        </p:nvPicPr>
-        <p:blipFill>
-          <a:blip r:embed="rId7"/>
-          <a:stretch>
-            <a:fillRect/>
-          </a:stretch>
-        </p:blipFill>
-        <p:spPr>
-          <a:xfrm>
-            <a:off x="6748407" y="4725894"/>
-            <a:ext cx="2705478" cy="1428949"/>
-          </a:xfrm>
-          <a:prstGeom prst="rect">
-            <a:avLst/>
-          </a:prstGeom>
-        </p:spPr>
-      </p:pic>
-      <p:pic>
-        <p:nvPicPr>
-          <p:cNvPr id="18" name="그림 17">
-            <a:extLst>
-              <a:ext uri="{FF2B5EF4-FFF2-40B4-BE49-F238E27FC236}">
-                <a16:creationId xmlns:a16="http://schemas.microsoft.com/office/drawing/2014/main" id="{92345696-89A4-046E-7D27-1773D5DFCBB5}"/>
-              </a:ext>
-            </a:extLst>
-          </p:cNvPr>
-          <p:cNvPicPr>
-            <a:picLocks noChangeAspect="1"/>
-          </p:cNvPicPr>
-          <p:nvPr/>
-        </p:nvPicPr>
-        <p:blipFill>
-          <a:blip r:embed="rId8"/>
-          <a:stretch>
-            <a:fillRect/>
-          </a:stretch>
-        </p:blipFill>
-        <p:spPr>
-          <a:xfrm>
-            <a:off x="9561324" y="4725894"/>
-            <a:ext cx="1352739" cy="933580"/>
-          </a:xfrm>
-          <a:prstGeom prst="rect">
-            <a:avLst/>
-          </a:prstGeom>
-        </p:spPr>
-      </p:pic>
+          <a:noFill/>
+        </p:spPr>
+        <p:txBody>
+          <a:bodyPr wrap="square" rtlCol="0">
+            <a:spAutoFit/>
+          </a:bodyPr>
+          <a:lstStyle/>
+          <a:p>
+            <a:r>
+              <a:rPr lang="ko-KR" altLang="en-US" dirty="0">
+                <a:latin typeface="나눔스퀘어 Light" panose="020B0600000101010101" pitchFamily="50" charset="-127"/>
+                <a:ea typeface="나눔스퀘어 Light" panose="020B0600000101010101" pitchFamily="50" charset="-127"/>
+              </a:rPr>
+              <a:t>따라서</a:t>
+            </a:r>
+            <a:r>
+              <a:rPr lang="en-US" altLang="ko-KR" dirty="0">
+                <a:latin typeface="나눔스퀘어 Light" panose="020B0600000101010101" pitchFamily="50" charset="-127"/>
+                <a:ea typeface="나눔스퀘어 Light" panose="020B0600000101010101" pitchFamily="50" charset="-127"/>
+              </a:rPr>
+              <a:t>, </a:t>
+            </a:r>
+            <a:r>
+              <a:rPr lang="ko-KR" altLang="en-US" dirty="0">
+                <a:latin typeface="나눔스퀘어 Light" panose="020B0600000101010101" pitchFamily="50" charset="-127"/>
+                <a:ea typeface="나눔스퀘어 Light" panose="020B0600000101010101" pitchFamily="50" charset="-127"/>
+              </a:rPr>
+              <a:t>인접 리스트</a:t>
+            </a:r>
+            <a:r>
+              <a:rPr lang="en-US" altLang="ko-KR" dirty="0">
+                <a:latin typeface="나눔스퀘어 Light" panose="020B0600000101010101" pitchFamily="50" charset="-127"/>
+                <a:ea typeface="나눔스퀘어 Light" panose="020B0600000101010101" pitchFamily="50" charset="-127"/>
+              </a:rPr>
+              <a:t>(adjacency list)</a:t>
+            </a:r>
+            <a:r>
+              <a:rPr lang="ko-KR" altLang="en-US" dirty="0">
+                <a:latin typeface="나눔스퀘어 Light" panose="020B0600000101010101" pitchFamily="50" charset="-127"/>
+                <a:ea typeface="나눔스퀘어 Light" panose="020B0600000101010101" pitchFamily="50" charset="-127"/>
+              </a:rPr>
+              <a:t>를 통해 트리를 구현하겠습니다</a:t>
+            </a:r>
+            <a:r>
+              <a:rPr lang="en-US" altLang="ko-KR" dirty="0">
+                <a:latin typeface="나눔스퀘어 Light" panose="020B0600000101010101" pitchFamily="50" charset="-127"/>
+                <a:ea typeface="나눔스퀘어 Light" panose="020B0600000101010101" pitchFamily="50" charset="-127"/>
+              </a:rPr>
+              <a:t>.</a:t>
+            </a:r>
+            <a:endParaRPr lang="ko-KR" altLang="en-US" dirty="0">
+              <a:latin typeface="나눔스퀘어 Light" panose="020B0600000101010101" pitchFamily="50" charset="-127"/>
+              <a:ea typeface="나눔스퀘어 Light" panose="020B0600000101010101" pitchFamily="50" charset="-127"/>
+            </a:endParaRPr>
+          </a:p>
+        </p:txBody>
+      </p:sp>
     </p:spTree>
     <p:extLst>
       <p:ext uri="{BB962C8B-B14F-4D97-AF65-F5344CB8AC3E}">
-        <p14:creationId xmlns:p14="http://schemas.microsoft.com/office/powerpoint/2010/main" val="3118018328"/>
+        <p14:creationId xmlns:p14="http://schemas.microsoft.com/office/powerpoint/2010/main" val="3161346608"/>
       </p:ext>
     </p:extLst>
   </p:cSld>
@@ -13736,10 +14921,10 @@
       </p:cxnSp>
       <p:sp>
         <p:nvSpPr>
-          <p:cNvPr id="3" name="TextBox 2">
-            <a:extLst>
-              <a:ext uri="{FF2B5EF4-FFF2-40B4-BE49-F238E27FC236}">
-                <a16:creationId xmlns:a16="http://schemas.microsoft.com/office/drawing/2014/main" id="{B3B954B2-DB7F-EEC1-438C-CB91D3B18AE1}"/>
+          <p:cNvPr id="2" name="TextBox 1">
+            <a:extLst>
+              <a:ext uri="{FF2B5EF4-FFF2-40B4-BE49-F238E27FC236}">
+                <a16:creationId xmlns:a16="http://schemas.microsoft.com/office/drawing/2014/main" id="{7A9F668B-4598-7703-B5DB-B80899A1C734}"/>
               </a:ext>
             </a:extLst>
           </p:cNvPr>
@@ -13749,7 +14934,7 @@
         <p:spPr>
           <a:xfrm>
             <a:off x="331694" y="177505"/>
-            <a:ext cx="3899016" cy="523220"/>
+            <a:ext cx="4242059" cy="523220"/>
           </a:xfrm>
           <a:prstGeom prst="rect">
             <a:avLst/>
@@ -13767,22 +14952,63 @@
                 <a:latin typeface="나눔스퀘어 Bold" panose="020B0600000101010101" pitchFamily="50" charset="-127"/>
                 <a:ea typeface="나눔스퀘어 Bold" panose="020B0600000101010101" pitchFamily="50" charset="-127"/>
               </a:rPr>
-              <a:t>Graph – 2178 </a:t>
+              <a:t>Graph – 1260 DFS</a:t>
             </a:r>
             <a:r>
               <a:rPr lang="ko-KR" altLang="en-US" sz="2800" dirty="0">
                 <a:latin typeface="나눔스퀘어 Bold" panose="020B0600000101010101" pitchFamily="50" charset="-127"/>
                 <a:ea typeface="나눔스퀘어 Bold" panose="020B0600000101010101" pitchFamily="50" charset="-127"/>
               </a:rPr>
-              <a:t>미로 탐색</a:t>
-            </a:r>
-          </a:p>
-        </p:txBody>
-      </p:sp>
+              <a:t>와 </a:t>
+            </a:r>
+            <a:r>
+              <a:rPr lang="en-US" altLang="ko-KR" sz="2800" dirty="0">
+                <a:latin typeface="나눔스퀘어 Bold" panose="020B0600000101010101" pitchFamily="50" charset="-127"/>
+                <a:ea typeface="나눔스퀘어 Bold" panose="020B0600000101010101" pitchFamily="50" charset="-127"/>
+              </a:rPr>
+              <a:t>BFS</a:t>
+            </a:r>
+            <a:endParaRPr lang="ko-KR" altLang="en-US" sz="2800" dirty="0">
+              <a:latin typeface="나눔스퀘어 Bold" panose="020B0600000101010101" pitchFamily="50" charset="-127"/>
+              <a:ea typeface="나눔스퀘어 Bold" panose="020B0600000101010101" pitchFamily="50" charset="-127"/>
+            </a:endParaRPr>
+          </a:p>
+        </p:txBody>
+      </p:sp>
+      <p:pic>
+        <p:nvPicPr>
+          <p:cNvPr id="4" name="그림 3">
+            <a:extLst>
+              <a:ext uri="{FF2B5EF4-FFF2-40B4-BE49-F238E27FC236}">
+                <a16:creationId xmlns:a16="http://schemas.microsoft.com/office/drawing/2014/main" id="{E213531B-4F62-6B98-A0AA-59F91309B459}"/>
+              </a:ext>
+            </a:extLst>
+          </p:cNvPr>
+          <p:cNvPicPr>
+            <a:picLocks noChangeAspect="1"/>
+          </p:cNvPicPr>
+          <p:nvPr/>
+        </p:nvPicPr>
+        <p:blipFill>
+          <a:blip r:embed="rId2"/>
+          <a:stretch>
+            <a:fillRect/>
+          </a:stretch>
+        </p:blipFill>
+        <p:spPr>
+          <a:xfrm>
+            <a:off x="331694" y="973178"/>
+            <a:ext cx="9962039" cy="5461379"/>
+          </a:xfrm>
+          <a:prstGeom prst="rect">
+            <a:avLst/>
+          </a:prstGeom>
+        </p:spPr>
+      </p:pic>
     </p:spTree>
     <p:extLst>
       <p:ext uri="{BB962C8B-B14F-4D97-AF65-F5344CB8AC3E}">
-        <p14:creationId xmlns:p14="http://schemas.microsoft.com/office/powerpoint/2010/main" val="3545443279"/>
+        <p14:creationId xmlns:p14="http://schemas.microsoft.com/office/powerpoint/2010/main" val="3852066961"/>
       </p:ext>
     </p:extLst>
   </p:cSld>
@@ -13855,10 +15081,163 @@
       </p:cxnSp>
       <p:sp>
         <p:nvSpPr>
+          <p:cNvPr id="3" name="TextBox 2">
+            <a:extLst>
+              <a:ext uri="{FF2B5EF4-FFF2-40B4-BE49-F238E27FC236}">
+                <a16:creationId xmlns:a16="http://schemas.microsoft.com/office/drawing/2014/main" id="{2929977D-4B28-4A77-BFAA-69E6FF174D27}"/>
+              </a:ext>
+            </a:extLst>
+          </p:cNvPr>
+          <p:cNvSpPr txBox="1"/>
+          <p:nvPr/>
+        </p:nvSpPr>
+        <p:spPr>
+          <a:xfrm>
+            <a:off x="942387" y="1190024"/>
+            <a:ext cx="10237694" cy="369332"/>
+          </a:xfrm>
+          <a:prstGeom prst="rect">
+            <a:avLst/>
+          </a:prstGeom>
+          <a:noFill/>
+        </p:spPr>
+        <p:txBody>
+          <a:bodyPr wrap="square" rtlCol="0">
+            <a:spAutoFit/>
+          </a:bodyPr>
+          <a:lstStyle/>
+          <a:p>
+            <a:r>
+              <a:rPr lang="ko-KR" altLang="en-US" dirty="0">
+                <a:latin typeface="나눔스퀘어 Light" panose="020B0600000101010101" pitchFamily="50" charset="-127"/>
+                <a:ea typeface="나눔스퀘어 Light" panose="020B0600000101010101" pitchFamily="50" charset="-127"/>
+              </a:rPr>
+              <a:t>스택과 마찬가지로</a:t>
+            </a:r>
+            <a:r>
+              <a:rPr lang="en-US" altLang="ko-KR" dirty="0">
+                <a:latin typeface="나눔스퀘어 Light" panose="020B0600000101010101" pitchFamily="50" charset="-127"/>
+                <a:ea typeface="나눔스퀘어 Light" panose="020B0600000101010101" pitchFamily="50" charset="-127"/>
+              </a:rPr>
+              <a:t>, </a:t>
+            </a:r>
+            <a:r>
+              <a:rPr lang="ko-KR" altLang="en-US" dirty="0">
+                <a:latin typeface="나눔스퀘어 Light" panose="020B0600000101010101" pitchFamily="50" charset="-127"/>
+                <a:ea typeface="나눔스퀘어 Light" panose="020B0600000101010101" pitchFamily="50" charset="-127"/>
+              </a:rPr>
+              <a:t>구현해본 큐를 채점할 수 있는 문제</a:t>
+            </a:r>
+          </a:p>
+        </p:txBody>
+      </p:sp>
+      <p:sp>
+        <p:nvSpPr>
+          <p:cNvPr id="11" name="TextBox 10">
+            <a:extLst>
+              <a:ext uri="{FF2B5EF4-FFF2-40B4-BE49-F238E27FC236}">
+                <a16:creationId xmlns:a16="http://schemas.microsoft.com/office/drawing/2014/main" id="{55838BC7-EF0F-5B81-2952-60BCF736A512}"/>
+              </a:ext>
+            </a:extLst>
+          </p:cNvPr>
+          <p:cNvSpPr txBox="1"/>
+          <p:nvPr/>
+        </p:nvSpPr>
+        <p:spPr>
+          <a:xfrm>
+            <a:off x="942387" y="1559356"/>
+            <a:ext cx="10237694" cy="369332"/>
+          </a:xfrm>
+          <a:prstGeom prst="rect">
+            <a:avLst/>
+          </a:prstGeom>
+          <a:noFill/>
+        </p:spPr>
+        <p:txBody>
+          <a:bodyPr wrap="square" rtlCol="0">
+            <a:spAutoFit/>
+          </a:bodyPr>
+          <a:lstStyle/>
+          <a:p>
+            <a:r>
+              <a:rPr lang="ko-KR" altLang="en-US" dirty="0">
+                <a:latin typeface="나눔스퀘어 Light" panose="020B0600000101010101" pitchFamily="50" charset="-127"/>
+                <a:ea typeface="나눔스퀘어 Light" panose="020B0600000101010101" pitchFamily="50" charset="-127"/>
+              </a:rPr>
+              <a:t>직접 구현을 해봤다면</a:t>
+            </a:r>
+            <a:r>
+              <a:rPr lang="en-US" altLang="ko-KR" dirty="0">
+                <a:latin typeface="나눔스퀘어 Light" panose="020B0600000101010101" pitchFamily="50" charset="-127"/>
+                <a:ea typeface="나눔스퀘어 Light" panose="020B0600000101010101" pitchFamily="50" charset="-127"/>
+              </a:rPr>
+              <a:t>, </a:t>
+            </a:r>
+            <a:r>
+              <a:rPr lang="ko-KR" altLang="en-US" dirty="0">
+                <a:latin typeface="나눔스퀘어 Light" panose="020B0600000101010101" pitchFamily="50" charset="-127"/>
+                <a:ea typeface="나눔스퀘어 Light" panose="020B0600000101010101" pitchFamily="50" charset="-127"/>
+              </a:rPr>
+              <a:t>라이브러리를 사용</a:t>
+            </a:r>
+          </a:p>
+        </p:txBody>
+      </p:sp>
+      <p:sp>
+        <p:nvSpPr>
+          <p:cNvPr id="4" name="TextBox 3">
+            <a:extLst>
+              <a:ext uri="{FF2B5EF4-FFF2-40B4-BE49-F238E27FC236}">
+                <a16:creationId xmlns:a16="http://schemas.microsoft.com/office/drawing/2014/main" id="{2016B4EA-6C02-3147-49D3-0C1CFBC649DF}"/>
+              </a:ext>
+            </a:extLst>
+          </p:cNvPr>
+          <p:cNvSpPr txBox="1"/>
+          <p:nvPr/>
+        </p:nvSpPr>
+        <p:spPr>
+          <a:xfrm>
+            <a:off x="942387" y="2303640"/>
+            <a:ext cx="10237694" cy="369332"/>
+          </a:xfrm>
+          <a:prstGeom prst="rect">
+            <a:avLst/>
+          </a:prstGeom>
+          <a:noFill/>
+        </p:spPr>
+        <p:txBody>
+          <a:bodyPr wrap="square" rtlCol="0">
+            <a:spAutoFit/>
+          </a:bodyPr>
+          <a:lstStyle/>
+          <a:p>
+            <a:r>
+              <a:rPr lang="ko-KR" altLang="en-US" dirty="0">
+                <a:latin typeface="나눔스퀘어 Light" panose="020B0600000101010101" pitchFamily="50" charset="-127"/>
+                <a:ea typeface="나눔스퀘어 Light" panose="020B0600000101010101" pitchFamily="50" charset="-127"/>
+              </a:rPr>
+              <a:t>설명은 생략합니다</a:t>
+            </a:r>
+            <a:r>
+              <a:rPr lang="en-US" altLang="ko-KR" dirty="0">
+                <a:latin typeface="나눔스퀘어 Light" panose="020B0600000101010101" pitchFamily="50" charset="-127"/>
+                <a:ea typeface="나눔스퀘어 Light" panose="020B0600000101010101" pitchFamily="50" charset="-127"/>
+              </a:rPr>
+              <a:t>.</a:t>
+            </a:r>
+            <a:endParaRPr lang="ko-KR" altLang="en-US" dirty="0">
+              <a:latin typeface="나눔스퀘어 Light" panose="020B0600000101010101" pitchFamily="50" charset="-127"/>
+              <a:ea typeface="나눔스퀘어 Light" panose="020B0600000101010101" pitchFamily="50" charset="-127"/>
+            </a:endParaRPr>
+          </a:p>
+        </p:txBody>
+      </p:sp>
+      <p:sp>
+        <p:nvSpPr>
           <p:cNvPr id="6" name="TextBox 5">
             <a:extLst>
               <a:ext uri="{FF2B5EF4-FFF2-40B4-BE49-F238E27FC236}">
-                <a16:creationId xmlns:a16="http://schemas.microsoft.com/office/drawing/2014/main" id="{908ED9B9-09D3-CFA8-625A-6F9BB9B6BD23}"/>
+                <a16:creationId xmlns:a16="http://schemas.microsoft.com/office/drawing/2014/main" id="{0F2BECC4-3944-4029-2F5E-D6FAC7B5FD51}"/>
               </a:ext>
             </a:extLst>
           </p:cNvPr>
@@ -13868,7 +15247,7 @@
         <p:spPr>
           <a:xfrm>
             <a:off x="331694" y="177505"/>
-            <a:ext cx="2006190" cy="523220"/>
+            <a:ext cx="4331827" cy="523220"/>
           </a:xfrm>
           <a:prstGeom prst="rect">
             <a:avLst/>
@@ -13886,7 +15265,35 @@
                 <a:latin typeface="나눔스퀘어 Bold" panose="020B0600000101010101" pitchFamily="50" charset="-127"/>
                 <a:ea typeface="나눔스퀘어 Bold" panose="020B0600000101010101" pitchFamily="50" charset="-127"/>
               </a:rPr>
-              <a:t>Homework</a:t>
+              <a:t>Graph</a:t>
+            </a:r>
+            <a:r>
+              <a:rPr lang="ko-KR" altLang="en-US" sz="2800" dirty="0">
+                <a:latin typeface="나눔스퀘어 Bold" panose="020B0600000101010101" pitchFamily="50" charset="-127"/>
+                <a:ea typeface="나눔스퀘어 Bold" panose="020B0600000101010101" pitchFamily="50" charset="-127"/>
+              </a:rPr>
+              <a:t> </a:t>
+            </a:r>
+            <a:r>
+              <a:rPr lang="en-US" altLang="ko-KR" sz="2800" dirty="0">
+                <a:latin typeface="나눔스퀘어 Bold" panose="020B0600000101010101" pitchFamily="50" charset="-127"/>
+                <a:ea typeface="나눔스퀘어 Bold" panose="020B0600000101010101" pitchFamily="50" charset="-127"/>
+              </a:rPr>
+              <a:t>– 1260 DFS</a:t>
+            </a:r>
+            <a:r>
+              <a:rPr lang="ko-KR" altLang="en-US" sz="2800" dirty="0">
+                <a:latin typeface="나눔스퀘어 Bold" panose="020B0600000101010101" pitchFamily="50" charset="-127"/>
+                <a:ea typeface="나눔스퀘어 Bold" panose="020B0600000101010101" pitchFamily="50" charset="-127"/>
+              </a:rPr>
+              <a:t>와 </a:t>
+            </a:r>
+            <a:r>
+              <a:rPr lang="en-US" altLang="ko-KR" sz="2800" dirty="0">
+                <a:latin typeface="나눔스퀘어 Bold" panose="020B0600000101010101" pitchFamily="50" charset="-127"/>
+                <a:ea typeface="나눔스퀘어 Bold" panose="020B0600000101010101" pitchFamily="50" charset="-127"/>
+              </a:rPr>
+              <a:t>BFS</a:t>
             </a:r>
             <a:endParaRPr lang="ko-KR" altLang="en-US" sz="2800" dirty="0">
               <a:latin typeface="나눔스퀘어 Bold" panose="020B0600000101010101" pitchFamily="50" charset="-127"/>
@@ -13895,222 +15302,159 @@
           </a:p>
         </p:txBody>
       </p:sp>
-      <p:sp>
-        <p:nvSpPr>
-          <p:cNvPr id="7" name="TextBox 6">
-            <a:extLst>
-              <a:ext uri="{FF2B5EF4-FFF2-40B4-BE49-F238E27FC236}">
-                <a16:creationId xmlns:a16="http://schemas.microsoft.com/office/drawing/2014/main" id="{DD092523-43DA-0A5F-0C04-8239F4BF07FC}"/>
-              </a:ext>
-            </a:extLst>
-          </p:cNvPr>
-          <p:cNvSpPr txBox="1"/>
-          <p:nvPr/>
-        </p:nvSpPr>
-        <p:spPr>
-          <a:xfrm>
-            <a:off x="942387" y="1661364"/>
-            <a:ext cx="8553305" cy="369332"/>
-          </a:xfrm>
-          <a:prstGeom prst="rect">
-            <a:avLst/>
-          </a:prstGeom>
-          <a:noFill/>
-        </p:spPr>
-        <p:txBody>
-          <a:bodyPr wrap="square" rtlCol="0">
-            <a:spAutoFit/>
-          </a:bodyPr>
-          <a:lstStyle/>
-          <a:p>
-            <a:r>
-              <a:rPr lang="en-US" altLang="ko-KR" dirty="0">
-                <a:latin typeface="나눔스퀘어 Light" panose="020B0600000101010101" pitchFamily="50" charset="-127"/>
-                <a:ea typeface="나눔스퀘어 Light" panose="020B0600000101010101" pitchFamily="50" charset="-127"/>
-              </a:rPr>
-              <a:t>1. 18126 </a:t>
-            </a:r>
-            <a:r>
-              <a:rPr lang="ko-KR" altLang="en-US" dirty="0">
-                <a:latin typeface="나눔스퀘어 Light" panose="020B0600000101010101" pitchFamily="50" charset="-127"/>
-                <a:ea typeface="나눔스퀘어 Light" panose="020B0600000101010101" pitchFamily="50" charset="-127"/>
-              </a:rPr>
-              <a:t>너구리 구구</a:t>
-            </a:r>
-          </a:p>
-        </p:txBody>
-      </p:sp>
-      <p:sp>
-        <p:nvSpPr>
-          <p:cNvPr id="8" name="TextBox 7">
-            <a:extLst>
-              <a:ext uri="{FF2B5EF4-FFF2-40B4-BE49-F238E27FC236}">
-                <a16:creationId xmlns:a16="http://schemas.microsoft.com/office/drawing/2014/main" id="{80045CCB-6E92-45F3-05E2-D9718BBAEE86}"/>
-              </a:ext>
-            </a:extLst>
-          </p:cNvPr>
-          <p:cNvSpPr txBox="1"/>
-          <p:nvPr/>
-        </p:nvSpPr>
-        <p:spPr>
-          <a:xfrm>
-            <a:off x="942387" y="2030696"/>
-            <a:ext cx="8553305" cy="369332"/>
-          </a:xfrm>
-          <a:prstGeom prst="rect">
-            <a:avLst/>
-          </a:prstGeom>
-          <a:noFill/>
-        </p:spPr>
-        <p:txBody>
-          <a:bodyPr wrap="square" rtlCol="0">
-            <a:spAutoFit/>
-          </a:bodyPr>
-          <a:lstStyle/>
-          <a:p>
-            <a:r>
-              <a:rPr lang="en-US" altLang="ko-KR" dirty="0">
-                <a:latin typeface="나눔스퀘어 Light" panose="020B0600000101010101" pitchFamily="50" charset="-127"/>
-                <a:ea typeface="나눔스퀘어 Light" panose="020B0600000101010101" pitchFamily="50" charset="-127"/>
-              </a:rPr>
-              <a:t>2. 1697 </a:t>
-            </a:r>
-            <a:r>
-              <a:rPr lang="ko-KR" altLang="en-US" dirty="0">
-                <a:latin typeface="나눔스퀘어 Light" panose="020B0600000101010101" pitchFamily="50" charset="-127"/>
-                <a:ea typeface="나눔스퀘어 Light" panose="020B0600000101010101" pitchFamily="50" charset="-127"/>
-              </a:rPr>
-              <a:t>숨바꼭질</a:t>
-            </a:r>
-          </a:p>
-        </p:txBody>
-      </p:sp>
-      <p:sp>
-        <p:nvSpPr>
-          <p:cNvPr id="9" name="TextBox 8">
-            <a:extLst>
-              <a:ext uri="{FF2B5EF4-FFF2-40B4-BE49-F238E27FC236}">
-                <a16:creationId xmlns:a16="http://schemas.microsoft.com/office/drawing/2014/main" id="{F3F091EF-3E70-16E8-983D-D9C14C2EAD61}"/>
-              </a:ext>
-            </a:extLst>
-          </p:cNvPr>
-          <p:cNvSpPr txBox="1"/>
-          <p:nvPr/>
-        </p:nvSpPr>
-        <p:spPr>
-          <a:xfrm>
-            <a:off x="942387" y="1190024"/>
-            <a:ext cx="8553305" cy="369332"/>
-          </a:xfrm>
-          <a:prstGeom prst="rect">
-            <a:avLst/>
-          </a:prstGeom>
-          <a:noFill/>
-        </p:spPr>
-        <p:txBody>
-          <a:bodyPr wrap="square" rtlCol="0">
-            <a:spAutoFit/>
-          </a:bodyPr>
-          <a:lstStyle/>
-          <a:p>
-            <a:r>
-              <a:rPr lang="ko-KR" altLang="en-US" dirty="0">
-                <a:latin typeface="나눔스퀘어 Bold" panose="020B0600000101010101" pitchFamily="50" charset="-127"/>
-                <a:ea typeface="나눔스퀘어 Bold" panose="020B0600000101010101" pitchFamily="50" charset="-127"/>
-              </a:rPr>
-              <a:t>아래 문제들에 대해 스스로 생각하고 풀어보세요</a:t>
-            </a:r>
-            <a:r>
-              <a:rPr lang="en-US" altLang="ko-KR" dirty="0">
-                <a:latin typeface="나눔스퀘어 Bold" panose="020B0600000101010101" pitchFamily="50" charset="-127"/>
-                <a:ea typeface="나눔스퀘어 Bold" panose="020B0600000101010101" pitchFamily="50" charset="-127"/>
-              </a:rPr>
-              <a:t>.</a:t>
-            </a:r>
-            <a:r>
-              <a:rPr lang="ko-KR" altLang="en-US" dirty="0">
-                <a:latin typeface="나눔스퀘어 Bold" panose="020B0600000101010101" pitchFamily="50" charset="-127"/>
-                <a:ea typeface="나눔스퀘어 Bold" panose="020B0600000101010101" pitchFamily="50" charset="-127"/>
-              </a:rPr>
-              <a:t> </a:t>
-            </a:r>
-            <a:r>
-              <a:rPr lang="en-US" altLang="ko-KR" dirty="0">
-                <a:latin typeface="나눔스퀘어 Bold" panose="020B0600000101010101" pitchFamily="50" charset="-127"/>
-                <a:ea typeface="나눔스퀘어 Bold" panose="020B0600000101010101" pitchFamily="50" charset="-127"/>
-              </a:rPr>
-              <a:t>(</a:t>
-            </a:r>
-            <a:r>
-              <a:rPr lang="ko-KR" altLang="en-US" dirty="0">
-                <a:latin typeface="나눔스퀘어 Bold" panose="020B0600000101010101" pitchFamily="50" charset="-127"/>
-                <a:ea typeface="나눔스퀘어 Bold" panose="020B0600000101010101" pitchFamily="50" charset="-127"/>
-              </a:rPr>
-              <a:t>해설은 따로 진행하진 않겠습니다</a:t>
-            </a:r>
-            <a:r>
-              <a:rPr lang="en-US" altLang="ko-KR" dirty="0">
-                <a:latin typeface="나눔스퀘어 Bold" panose="020B0600000101010101" pitchFamily="50" charset="-127"/>
-                <a:ea typeface="나눔스퀘어 Bold" panose="020B0600000101010101" pitchFamily="50" charset="-127"/>
-              </a:rPr>
-              <a:t>.)</a:t>
-            </a:r>
-            <a:endParaRPr lang="ko-KR" altLang="en-US" dirty="0">
-              <a:latin typeface="나눔스퀘어 Bold" panose="020B0600000101010101" pitchFamily="50" charset="-127"/>
-              <a:ea typeface="나눔스퀘어 Bold" panose="020B0600000101010101" pitchFamily="50" charset="-127"/>
-            </a:endParaRPr>
-          </a:p>
-        </p:txBody>
-      </p:sp>
-      <p:sp>
-        <p:nvSpPr>
-          <p:cNvPr id="2" name="TextBox 1">
-            <a:extLst>
-              <a:ext uri="{FF2B5EF4-FFF2-40B4-BE49-F238E27FC236}">
-                <a16:creationId xmlns:a16="http://schemas.microsoft.com/office/drawing/2014/main" id="{807C3CD1-8E1B-427F-230D-9C7C2837C1F2}"/>
-              </a:ext>
-            </a:extLst>
-          </p:cNvPr>
-          <p:cNvSpPr txBox="1"/>
-          <p:nvPr/>
-        </p:nvSpPr>
-        <p:spPr>
-          <a:xfrm>
-            <a:off x="942387" y="2400024"/>
-            <a:ext cx="8553305" cy="369332"/>
-          </a:xfrm>
-          <a:prstGeom prst="rect">
-            <a:avLst/>
-          </a:prstGeom>
-          <a:noFill/>
-        </p:spPr>
-        <p:txBody>
-          <a:bodyPr wrap="square" rtlCol="0">
-            <a:spAutoFit/>
-          </a:bodyPr>
-          <a:lstStyle/>
-          <a:p>
-            <a:r>
-              <a:rPr lang="en-US" altLang="ko-KR" dirty="0">
-                <a:latin typeface="나눔스퀘어 Light" panose="020B0600000101010101" pitchFamily="50" charset="-127"/>
-                <a:ea typeface="나눔스퀘어 Light" panose="020B0600000101010101" pitchFamily="50" charset="-127"/>
-              </a:rPr>
-              <a:t>3. 11724 </a:t>
-            </a:r>
-            <a:r>
-              <a:rPr lang="ko-KR" altLang="en-US" dirty="0">
-                <a:latin typeface="나눔스퀘어 Light" panose="020B0600000101010101" pitchFamily="50" charset="-127"/>
-                <a:ea typeface="나눔스퀘어 Light" panose="020B0600000101010101" pitchFamily="50" charset="-127"/>
-              </a:rPr>
-              <a:t>연결 요소의 개수</a:t>
-            </a:r>
-          </a:p>
-        </p:txBody>
-      </p:sp>
     </p:spTree>
     <p:extLst>
       <p:ext uri="{BB962C8B-B14F-4D97-AF65-F5344CB8AC3E}">
-        <p14:creationId xmlns:p14="http://schemas.microsoft.com/office/powerpoint/2010/main" val="732558497"/>
+        <p14:creationId xmlns:p14="http://schemas.microsoft.com/office/powerpoint/2010/main" val="36971579"/>
+      </p:ext>
+    </p:extLst>
+  </p:cSld>
+  <p:clrMapOvr>
+    <a:masterClrMapping/>
+  </p:clrMapOvr>
+</p:sld>
+</file>
+
+<file path=ppt/slides/slide29.xml><?xml version="1.0" encoding="utf-8"?>
+<p:sld xmlns:a="http://schemas.openxmlformats.org/drawingml/2006/main" xmlns:r="http://schemas.openxmlformats.org/officeDocument/2006/relationships" xmlns:p="http://schemas.openxmlformats.org/presentationml/2006/main">
+  <p:cSld>
+    <p:spTree>
+      <p:nvGrpSpPr>
+        <p:cNvPr id="1" name=""/>
+        <p:cNvGrpSpPr/>
+        <p:nvPr/>
+      </p:nvGrpSpPr>
+      <p:grpSpPr>
+        <a:xfrm>
+          <a:off x="0" y="0"/>
+          <a:ext cx="0" cy="0"/>
+          <a:chOff x="0" y="0"/>
+          <a:chExt cx="0" cy="0"/>
+        </a:xfrm>
+      </p:grpSpPr>
+      <p:cxnSp>
+        <p:nvCxnSpPr>
+          <p:cNvPr id="5" name="직선 연결선 4">
+            <a:extLst>
+              <a:ext uri="{FF2B5EF4-FFF2-40B4-BE49-F238E27FC236}">
+                <a16:creationId xmlns:a16="http://schemas.microsoft.com/office/drawing/2014/main" id="{164C2827-EFCE-69A4-D037-1A218415F568}"/>
+              </a:ext>
+            </a:extLst>
+          </p:cNvPr>
+          <p:cNvCxnSpPr/>
+          <p:nvPr/>
+        </p:nvCxnSpPr>
+        <p:spPr>
+          <a:xfrm>
+            <a:off x="0" y="887505"/>
+            <a:ext cx="10237694" cy="0"/>
+          </a:xfrm>
+          <a:prstGeom prst="line">
+            <a:avLst/>
+          </a:prstGeom>
+          <a:ln w="76200">
+            <a:solidFill>
+              <a:schemeClr val="tx1">
+                <a:lumMod val="75000"/>
+                <a:lumOff val="25000"/>
+              </a:schemeClr>
+            </a:solidFill>
+          </a:ln>
+        </p:spPr>
+        <p:style>
+          <a:lnRef idx="1">
+            <a:schemeClr val="accent1"/>
+          </a:lnRef>
+          <a:fillRef idx="0">
+            <a:schemeClr val="accent1"/>
+          </a:fillRef>
+          <a:effectRef idx="0">
+            <a:schemeClr val="accent1"/>
+          </a:effectRef>
+          <a:fontRef idx="minor">
+            <a:schemeClr val="tx1"/>
+          </a:fontRef>
+        </p:style>
+      </p:cxnSp>
+      <p:sp>
+        <p:nvSpPr>
+          <p:cNvPr id="3" name="TextBox 2">
+            <a:extLst>
+              <a:ext uri="{FF2B5EF4-FFF2-40B4-BE49-F238E27FC236}">
+                <a16:creationId xmlns:a16="http://schemas.microsoft.com/office/drawing/2014/main" id="{B3B954B2-DB7F-EEC1-438C-CB91D3B18AE1}"/>
+              </a:ext>
+            </a:extLst>
+          </p:cNvPr>
+          <p:cNvSpPr txBox="1"/>
+          <p:nvPr/>
+        </p:nvSpPr>
+        <p:spPr>
+          <a:xfrm>
+            <a:off x="331694" y="177505"/>
+            <a:ext cx="3809248" cy="523220"/>
+          </a:xfrm>
+          <a:prstGeom prst="rect">
+            <a:avLst/>
+          </a:prstGeom>
+          <a:noFill/>
+        </p:spPr>
+        <p:txBody>
+          <a:bodyPr wrap="none" rtlCol="0">
+            <a:spAutoFit/>
+          </a:bodyPr>
+          <a:lstStyle/>
+          <a:p>
+            <a:r>
+              <a:rPr lang="en-US" altLang="ko-KR" sz="2800" dirty="0">
+                <a:latin typeface="나눔스퀘어 Bold" panose="020B0600000101010101" pitchFamily="50" charset="-127"/>
+                <a:ea typeface="나눔스퀘어 Bold" panose="020B0600000101010101" pitchFamily="50" charset="-127"/>
+              </a:rPr>
+              <a:t>Graph – 2606 </a:t>
+            </a:r>
+            <a:r>
+              <a:rPr lang="ko-KR" altLang="en-US" sz="2800" dirty="0">
+                <a:latin typeface="나눔스퀘어 Bold" panose="020B0600000101010101" pitchFamily="50" charset="-127"/>
+                <a:ea typeface="나눔스퀘어 Bold" panose="020B0600000101010101" pitchFamily="50" charset="-127"/>
+              </a:rPr>
+              <a:t>바이러스</a:t>
+            </a:r>
+          </a:p>
+        </p:txBody>
+      </p:sp>
+      <p:pic>
+        <p:nvPicPr>
+          <p:cNvPr id="7" name="그림 6">
+            <a:extLst>
+              <a:ext uri="{FF2B5EF4-FFF2-40B4-BE49-F238E27FC236}">
+                <a16:creationId xmlns:a16="http://schemas.microsoft.com/office/drawing/2014/main" id="{0200E58E-AE40-8E5B-9A13-0D4395C455A4}"/>
+              </a:ext>
+            </a:extLst>
+          </p:cNvPr>
+          <p:cNvPicPr>
+            <a:picLocks noChangeAspect="1"/>
+          </p:cNvPicPr>
+          <p:nvPr/>
+        </p:nvPicPr>
+        <p:blipFill>
+          <a:blip r:embed="rId2"/>
+          <a:stretch>
+            <a:fillRect/>
+          </a:stretch>
+        </p:blipFill>
+        <p:spPr>
+          <a:xfrm>
+            <a:off x="331694" y="1074286"/>
+            <a:ext cx="10821910" cy="4401164"/>
+          </a:xfrm>
+          <a:prstGeom prst="rect">
+            <a:avLst/>
+          </a:prstGeom>
+        </p:spPr>
+      </p:pic>
+    </p:spTree>
+    <p:extLst>
+      <p:ext uri="{BB962C8B-B14F-4D97-AF65-F5344CB8AC3E}">
+        <p14:creationId xmlns:p14="http://schemas.microsoft.com/office/powerpoint/2010/main" val="2401598668"/>
       </p:ext>
     </p:extLst>
   </p:cSld>
@@ -14875,6 +16219,964 @@
     <p:extLst>
       <p:ext uri="{BB962C8B-B14F-4D97-AF65-F5344CB8AC3E}">
         <p14:creationId xmlns:p14="http://schemas.microsoft.com/office/powerpoint/2010/main" val="530821986"/>
+      </p:ext>
+    </p:extLst>
+  </p:cSld>
+  <p:clrMapOvr>
+    <a:masterClrMapping/>
+  </p:clrMapOvr>
+</p:sld>
+</file>
+
+<file path=ppt/slides/slide30.xml><?xml version="1.0" encoding="utf-8"?>
+<p:sld xmlns:a="http://schemas.openxmlformats.org/drawingml/2006/main" xmlns:r="http://schemas.openxmlformats.org/officeDocument/2006/relationships" xmlns:p="http://schemas.openxmlformats.org/presentationml/2006/main">
+  <p:cSld>
+    <p:spTree>
+      <p:nvGrpSpPr>
+        <p:cNvPr id="1" name=""/>
+        <p:cNvGrpSpPr/>
+        <p:nvPr/>
+      </p:nvGrpSpPr>
+      <p:grpSpPr>
+        <a:xfrm>
+          <a:off x="0" y="0"/>
+          <a:ext cx="0" cy="0"/>
+          <a:chOff x="0" y="0"/>
+          <a:chExt cx="0" cy="0"/>
+        </a:xfrm>
+      </p:grpSpPr>
+      <p:cxnSp>
+        <p:nvCxnSpPr>
+          <p:cNvPr id="5" name="직선 연결선 4">
+            <a:extLst>
+              <a:ext uri="{FF2B5EF4-FFF2-40B4-BE49-F238E27FC236}">
+                <a16:creationId xmlns:a16="http://schemas.microsoft.com/office/drawing/2014/main" id="{164C2827-EFCE-69A4-D037-1A218415F568}"/>
+              </a:ext>
+            </a:extLst>
+          </p:cNvPr>
+          <p:cNvCxnSpPr/>
+          <p:nvPr/>
+        </p:nvCxnSpPr>
+        <p:spPr>
+          <a:xfrm>
+            <a:off x="0" y="887505"/>
+            <a:ext cx="10237694" cy="0"/>
+          </a:xfrm>
+          <a:prstGeom prst="line">
+            <a:avLst/>
+          </a:prstGeom>
+          <a:ln w="76200">
+            <a:solidFill>
+              <a:schemeClr val="tx1">
+                <a:lumMod val="75000"/>
+                <a:lumOff val="25000"/>
+              </a:schemeClr>
+            </a:solidFill>
+          </a:ln>
+        </p:spPr>
+        <p:style>
+          <a:lnRef idx="1">
+            <a:schemeClr val="accent1"/>
+          </a:lnRef>
+          <a:fillRef idx="0">
+            <a:schemeClr val="accent1"/>
+          </a:fillRef>
+          <a:effectRef idx="0">
+            <a:schemeClr val="accent1"/>
+          </a:effectRef>
+          <a:fontRef idx="minor">
+            <a:schemeClr val="tx1"/>
+          </a:fontRef>
+        </p:style>
+      </p:cxnSp>
+      <p:sp>
+        <p:nvSpPr>
+          <p:cNvPr id="3" name="TextBox 2">
+            <a:extLst>
+              <a:ext uri="{FF2B5EF4-FFF2-40B4-BE49-F238E27FC236}">
+                <a16:creationId xmlns:a16="http://schemas.microsoft.com/office/drawing/2014/main" id="{55A2659C-619F-80B4-6BDF-B649C7E7DBE9}"/>
+              </a:ext>
+            </a:extLst>
+          </p:cNvPr>
+          <p:cNvSpPr txBox="1"/>
+          <p:nvPr/>
+        </p:nvSpPr>
+        <p:spPr>
+          <a:xfrm>
+            <a:off x="942387" y="1190024"/>
+            <a:ext cx="10237694" cy="369332"/>
+          </a:xfrm>
+          <a:prstGeom prst="rect">
+            <a:avLst/>
+          </a:prstGeom>
+          <a:noFill/>
+        </p:spPr>
+        <p:txBody>
+          <a:bodyPr wrap="square" rtlCol="0">
+            <a:spAutoFit/>
+          </a:bodyPr>
+          <a:lstStyle/>
+          <a:p>
+            <a:r>
+              <a:rPr lang="ko-KR" altLang="en-US" dirty="0">
+                <a:latin typeface="나눔스퀘어 Light" panose="020B0600000101010101" pitchFamily="50" charset="-127"/>
+                <a:ea typeface="나눔스퀘어 Light" panose="020B0600000101010101" pitchFamily="50" charset="-127"/>
+              </a:rPr>
+              <a:t>전형적인 큐를 사용하는 문제이지만</a:t>
+            </a:r>
+            <a:r>
+              <a:rPr lang="en-US" altLang="ko-KR" dirty="0">
+                <a:latin typeface="나눔스퀘어 Light" panose="020B0600000101010101" pitchFamily="50" charset="-127"/>
+                <a:ea typeface="나눔스퀘어 Light" panose="020B0600000101010101" pitchFamily="50" charset="-127"/>
+              </a:rPr>
+              <a:t>, </a:t>
+            </a:r>
+            <a:r>
+              <a:rPr lang="ko-KR" altLang="en-US" dirty="0">
+                <a:latin typeface="나눔스퀘어 Light" panose="020B0600000101010101" pitchFamily="50" charset="-127"/>
+                <a:ea typeface="나눔스퀘어 Light" panose="020B0600000101010101" pitchFamily="50" charset="-127"/>
+              </a:rPr>
+              <a:t>꼭 큐를 사용해야만 풀 수 있는 것은 아닙니다</a:t>
+            </a:r>
+            <a:r>
+              <a:rPr lang="en-US" altLang="ko-KR" dirty="0">
+                <a:latin typeface="나눔스퀘어 Light" panose="020B0600000101010101" pitchFamily="50" charset="-127"/>
+                <a:ea typeface="나눔스퀘어 Light" panose="020B0600000101010101" pitchFamily="50" charset="-127"/>
+              </a:rPr>
+              <a:t>.</a:t>
+            </a:r>
+            <a:endParaRPr lang="ko-KR" altLang="en-US" dirty="0">
+              <a:latin typeface="나눔스퀘어 Light" panose="020B0600000101010101" pitchFamily="50" charset="-127"/>
+              <a:ea typeface="나눔스퀘어 Light" panose="020B0600000101010101" pitchFamily="50" charset="-127"/>
+            </a:endParaRPr>
+          </a:p>
+        </p:txBody>
+      </p:sp>
+      <p:sp>
+        <p:nvSpPr>
+          <p:cNvPr id="4" name="TextBox 3">
+            <a:extLst>
+              <a:ext uri="{FF2B5EF4-FFF2-40B4-BE49-F238E27FC236}">
+                <a16:creationId xmlns:a16="http://schemas.microsoft.com/office/drawing/2014/main" id="{5309C74F-4AB5-553D-92E5-3E70398F8530}"/>
+              </a:ext>
+            </a:extLst>
+          </p:cNvPr>
+          <p:cNvSpPr txBox="1"/>
+          <p:nvPr/>
+        </p:nvSpPr>
+        <p:spPr>
+          <a:xfrm>
+            <a:off x="331694" y="177505"/>
+            <a:ext cx="3809248" cy="523220"/>
+          </a:xfrm>
+          <a:prstGeom prst="rect">
+            <a:avLst/>
+          </a:prstGeom>
+          <a:noFill/>
+        </p:spPr>
+        <p:txBody>
+          <a:bodyPr wrap="none" rtlCol="0">
+            <a:spAutoFit/>
+          </a:bodyPr>
+          <a:lstStyle/>
+          <a:p>
+            <a:r>
+              <a:rPr lang="en-US" altLang="ko-KR" sz="2800" dirty="0">
+                <a:latin typeface="나눔스퀘어 Bold" panose="020B0600000101010101" pitchFamily="50" charset="-127"/>
+                <a:ea typeface="나눔스퀘어 Bold" panose="020B0600000101010101" pitchFamily="50" charset="-127"/>
+              </a:rPr>
+              <a:t>Graph – 2606 </a:t>
+            </a:r>
+            <a:r>
+              <a:rPr lang="ko-KR" altLang="en-US" sz="2800" dirty="0">
+                <a:latin typeface="나눔스퀘어 Bold" panose="020B0600000101010101" pitchFamily="50" charset="-127"/>
+                <a:ea typeface="나눔스퀘어 Bold" panose="020B0600000101010101" pitchFamily="50" charset="-127"/>
+              </a:rPr>
+              <a:t>바이러스</a:t>
+            </a:r>
+          </a:p>
+        </p:txBody>
+      </p:sp>
+    </p:spTree>
+    <p:extLst>
+      <p:ext uri="{BB962C8B-B14F-4D97-AF65-F5344CB8AC3E}">
+        <p14:creationId xmlns:p14="http://schemas.microsoft.com/office/powerpoint/2010/main" val="168362199"/>
+      </p:ext>
+    </p:extLst>
+  </p:cSld>
+  <p:clrMapOvr>
+    <a:masterClrMapping/>
+  </p:clrMapOvr>
+</p:sld>
+</file>
+
+<file path=ppt/slides/slide31.xml><?xml version="1.0" encoding="utf-8"?>
+<p:sld xmlns:a="http://schemas.openxmlformats.org/drawingml/2006/main" xmlns:r="http://schemas.openxmlformats.org/officeDocument/2006/relationships" xmlns:p="http://schemas.openxmlformats.org/presentationml/2006/main">
+  <p:cSld>
+    <p:spTree>
+      <p:nvGrpSpPr>
+        <p:cNvPr id="1" name=""/>
+        <p:cNvGrpSpPr/>
+        <p:nvPr/>
+      </p:nvGrpSpPr>
+      <p:grpSpPr>
+        <a:xfrm>
+          <a:off x="0" y="0"/>
+          <a:ext cx="0" cy="0"/>
+          <a:chOff x="0" y="0"/>
+          <a:chExt cx="0" cy="0"/>
+        </a:xfrm>
+      </p:grpSpPr>
+      <p:cxnSp>
+        <p:nvCxnSpPr>
+          <p:cNvPr id="5" name="직선 연결선 4">
+            <a:extLst>
+              <a:ext uri="{FF2B5EF4-FFF2-40B4-BE49-F238E27FC236}">
+                <a16:creationId xmlns:a16="http://schemas.microsoft.com/office/drawing/2014/main" id="{164C2827-EFCE-69A4-D037-1A218415F568}"/>
+              </a:ext>
+            </a:extLst>
+          </p:cNvPr>
+          <p:cNvCxnSpPr/>
+          <p:nvPr/>
+        </p:nvCxnSpPr>
+        <p:spPr>
+          <a:xfrm>
+            <a:off x="0" y="887505"/>
+            <a:ext cx="10237694" cy="0"/>
+          </a:xfrm>
+          <a:prstGeom prst="line">
+            <a:avLst/>
+          </a:prstGeom>
+          <a:ln w="76200">
+            <a:solidFill>
+              <a:schemeClr val="tx1">
+                <a:lumMod val="75000"/>
+                <a:lumOff val="25000"/>
+              </a:schemeClr>
+            </a:solidFill>
+          </a:ln>
+        </p:spPr>
+        <p:style>
+          <a:lnRef idx="1">
+            <a:schemeClr val="accent1"/>
+          </a:lnRef>
+          <a:fillRef idx="0">
+            <a:schemeClr val="accent1"/>
+          </a:fillRef>
+          <a:effectRef idx="0">
+            <a:schemeClr val="accent1"/>
+          </a:effectRef>
+          <a:fontRef idx="minor">
+            <a:schemeClr val="tx1"/>
+          </a:fontRef>
+        </p:style>
+      </p:cxnSp>
+      <p:sp>
+        <p:nvSpPr>
+          <p:cNvPr id="3" name="TextBox 2">
+            <a:extLst>
+              <a:ext uri="{FF2B5EF4-FFF2-40B4-BE49-F238E27FC236}">
+                <a16:creationId xmlns:a16="http://schemas.microsoft.com/office/drawing/2014/main" id="{B3B954B2-DB7F-EEC1-438C-CB91D3B18AE1}"/>
+              </a:ext>
+            </a:extLst>
+          </p:cNvPr>
+          <p:cNvSpPr txBox="1"/>
+          <p:nvPr/>
+        </p:nvSpPr>
+        <p:spPr>
+          <a:xfrm>
+            <a:off x="331694" y="177505"/>
+            <a:ext cx="3899016" cy="523220"/>
+          </a:xfrm>
+          <a:prstGeom prst="rect">
+            <a:avLst/>
+          </a:prstGeom>
+          <a:noFill/>
+        </p:spPr>
+        <p:txBody>
+          <a:bodyPr wrap="none" rtlCol="0">
+            <a:spAutoFit/>
+          </a:bodyPr>
+          <a:lstStyle/>
+          <a:p>
+            <a:r>
+              <a:rPr lang="en-US" altLang="ko-KR" sz="2800" dirty="0">
+                <a:latin typeface="나눔스퀘어 Bold" panose="020B0600000101010101" pitchFamily="50" charset="-127"/>
+                <a:ea typeface="나눔스퀘어 Bold" panose="020B0600000101010101" pitchFamily="50" charset="-127"/>
+              </a:rPr>
+              <a:t>Graph – 2178 </a:t>
+            </a:r>
+            <a:r>
+              <a:rPr lang="ko-KR" altLang="en-US" sz="2800" dirty="0">
+                <a:latin typeface="나눔스퀘어 Bold" panose="020B0600000101010101" pitchFamily="50" charset="-127"/>
+                <a:ea typeface="나눔스퀘어 Bold" panose="020B0600000101010101" pitchFamily="50" charset="-127"/>
+              </a:rPr>
+              <a:t>미로 탐색</a:t>
+            </a:r>
+          </a:p>
+        </p:txBody>
+      </p:sp>
+      <p:pic>
+        <p:nvPicPr>
+          <p:cNvPr id="4" name="그림 3">
+            <a:extLst>
+              <a:ext uri="{FF2B5EF4-FFF2-40B4-BE49-F238E27FC236}">
+                <a16:creationId xmlns:a16="http://schemas.microsoft.com/office/drawing/2014/main" id="{FA5DC14F-3B58-7DCB-0529-B6DF343008B1}"/>
+              </a:ext>
+            </a:extLst>
+          </p:cNvPr>
+          <p:cNvPicPr>
+            <a:picLocks noChangeAspect="1"/>
+          </p:cNvPicPr>
+          <p:nvPr/>
+        </p:nvPicPr>
+        <p:blipFill>
+          <a:blip r:embed="rId2"/>
+          <a:stretch>
+            <a:fillRect/>
+          </a:stretch>
+        </p:blipFill>
+        <p:spPr>
+          <a:xfrm>
+            <a:off x="331694" y="1000161"/>
+            <a:ext cx="10783805" cy="3620005"/>
+          </a:xfrm>
+          <a:prstGeom prst="rect">
+            <a:avLst/>
+          </a:prstGeom>
+        </p:spPr>
+      </p:pic>
+      <p:pic>
+        <p:nvPicPr>
+          <p:cNvPr id="8" name="그림 7">
+            <a:extLst>
+              <a:ext uri="{FF2B5EF4-FFF2-40B4-BE49-F238E27FC236}">
+                <a16:creationId xmlns:a16="http://schemas.microsoft.com/office/drawing/2014/main" id="{D27D39DC-B2B5-9D08-1123-33207352EC90}"/>
+              </a:ext>
+            </a:extLst>
+          </p:cNvPr>
+          <p:cNvPicPr>
+            <a:picLocks noChangeAspect="1"/>
+          </p:cNvPicPr>
+          <p:nvPr/>
+        </p:nvPicPr>
+        <p:blipFill>
+          <a:blip r:embed="rId3"/>
+          <a:stretch>
+            <a:fillRect/>
+          </a:stretch>
+        </p:blipFill>
+        <p:spPr>
+          <a:xfrm>
+            <a:off x="331694" y="4725894"/>
+            <a:ext cx="1381318" cy="1952898"/>
+          </a:xfrm>
+          <a:prstGeom prst="rect">
+            <a:avLst/>
+          </a:prstGeom>
+        </p:spPr>
+      </p:pic>
+      <p:pic>
+        <p:nvPicPr>
+          <p:cNvPr id="10" name="그림 9">
+            <a:extLst>
+              <a:ext uri="{FF2B5EF4-FFF2-40B4-BE49-F238E27FC236}">
+                <a16:creationId xmlns:a16="http://schemas.microsoft.com/office/drawing/2014/main" id="{3DD36C43-90AD-AFEE-539A-343B818B647A}"/>
+              </a:ext>
+            </a:extLst>
+          </p:cNvPr>
+          <p:cNvPicPr>
+            <a:picLocks noChangeAspect="1"/>
+          </p:cNvPicPr>
+          <p:nvPr/>
+        </p:nvPicPr>
+        <p:blipFill>
+          <a:blip r:embed="rId4"/>
+          <a:stretch>
+            <a:fillRect/>
+          </a:stretch>
+        </p:blipFill>
+        <p:spPr>
+          <a:xfrm>
+            <a:off x="1789450" y="4730077"/>
+            <a:ext cx="1371791" cy="990738"/>
+          </a:xfrm>
+          <a:prstGeom prst="rect">
+            <a:avLst/>
+          </a:prstGeom>
+        </p:spPr>
+      </p:pic>
+      <p:pic>
+        <p:nvPicPr>
+          <p:cNvPr id="12" name="그림 11">
+            <a:extLst>
+              <a:ext uri="{FF2B5EF4-FFF2-40B4-BE49-F238E27FC236}">
+                <a16:creationId xmlns:a16="http://schemas.microsoft.com/office/drawing/2014/main" id="{2104BF6A-48BA-5686-10A0-8CBBBB3C5CEE}"/>
+              </a:ext>
+            </a:extLst>
+          </p:cNvPr>
+          <p:cNvPicPr>
+            <a:picLocks noChangeAspect="1"/>
+          </p:cNvPicPr>
+          <p:nvPr/>
+        </p:nvPicPr>
+        <p:blipFill>
+          <a:blip r:embed="rId5"/>
+          <a:stretch>
+            <a:fillRect/>
+          </a:stretch>
+        </p:blipFill>
+        <p:spPr>
+          <a:xfrm>
+            <a:off x="3544814" y="4736001"/>
+            <a:ext cx="1371791" cy="1895740"/>
+          </a:xfrm>
+          <a:prstGeom prst="rect">
+            <a:avLst/>
+          </a:prstGeom>
+        </p:spPr>
+      </p:pic>
+      <p:pic>
+        <p:nvPicPr>
+          <p:cNvPr id="14" name="그림 13">
+            <a:extLst>
+              <a:ext uri="{FF2B5EF4-FFF2-40B4-BE49-F238E27FC236}">
+                <a16:creationId xmlns:a16="http://schemas.microsoft.com/office/drawing/2014/main" id="{EED78C7D-9A0E-591C-7A5D-F34A83B545ED}"/>
+              </a:ext>
+            </a:extLst>
+          </p:cNvPr>
+          <p:cNvPicPr>
+            <a:picLocks noChangeAspect="1"/>
+          </p:cNvPicPr>
+          <p:nvPr/>
+        </p:nvPicPr>
+        <p:blipFill>
+          <a:blip r:embed="rId6"/>
+          <a:stretch>
+            <a:fillRect/>
+          </a:stretch>
+        </p:blipFill>
+        <p:spPr>
+          <a:xfrm>
+            <a:off x="4993043" y="4732821"/>
+            <a:ext cx="1352739" cy="971686"/>
+          </a:xfrm>
+          <a:prstGeom prst="rect">
+            <a:avLst/>
+          </a:prstGeom>
+        </p:spPr>
+      </p:pic>
+      <p:pic>
+        <p:nvPicPr>
+          <p:cNvPr id="16" name="그림 15">
+            <a:extLst>
+              <a:ext uri="{FF2B5EF4-FFF2-40B4-BE49-F238E27FC236}">
+                <a16:creationId xmlns:a16="http://schemas.microsoft.com/office/drawing/2014/main" id="{4D745FE7-27E1-F4AE-1580-31870CEE187B}"/>
+              </a:ext>
+            </a:extLst>
+          </p:cNvPr>
+          <p:cNvPicPr>
+            <a:picLocks noChangeAspect="1"/>
+          </p:cNvPicPr>
+          <p:nvPr/>
+        </p:nvPicPr>
+        <p:blipFill>
+          <a:blip r:embed="rId7"/>
+          <a:stretch>
+            <a:fillRect/>
+          </a:stretch>
+        </p:blipFill>
+        <p:spPr>
+          <a:xfrm>
+            <a:off x="6748407" y="4725894"/>
+            <a:ext cx="2705478" cy="1428949"/>
+          </a:xfrm>
+          <a:prstGeom prst="rect">
+            <a:avLst/>
+          </a:prstGeom>
+        </p:spPr>
+      </p:pic>
+      <p:pic>
+        <p:nvPicPr>
+          <p:cNvPr id="18" name="그림 17">
+            <a:extLst>
+              <a:ext uri="{FF2B5EF4-FFF2-40B4-BE49-F238E27FC236}">
+                <a16:creationId xmlns:a16="http://schemas.microsoft.com/office/drawing/2014/main" id="{92345696-89A4-046E-7D27-1773D5DFCBB5}"/>
+              </a:ext>
+            </a:extLst>
+          </p:cNvPr>
+          <p:cNvPicPr>
+            <a:picLocks noChangeAspect="1"/>
+          </p:cNvPicPr>
+          <p:nvPr/>
+        </p:nvPicPr>
+        <p:blipFill>
+          <a:blip r:embed="rId8"/>
+          <a:stretch>
+            <a:fillRect/>
+          </a:stretch>
+        </p:blipFill>
+        <p:spPr>
+          <a:xfrm>
+            <a:off x="9561324" y="4725894"/>
+            <a:ext cx="1352739" cy="933580"/>
+          </a:xfrm>
+          <a:prstGeom prst="rect">
+            <a:avLst/>
+          </a:prstGeom>
+        </p:spPr>
+      </p:pic>
+    </p:spTree>
+    <p:extLst>
+      <p:ext uri="{BB962C8B-B14F-4D97-AF65-F5344CB8AC3E}">
+        <p14:creationId xmlns:p14="http://schemas.microsoft.com/office/powerpoint/2010/main" val="3118018328"/>
+      </p:ext>
+    </p:extLst>
+  </p:cSld>
+  <p:clrMapOvr>
+    <a:masterClrMapping/>
+  </p:clrMapOvr>
+</p:sld>
+</file>
+
+<file path=ppt/slides/slide32.xml><?xml version="1.0" encoding="utf-8"?>
+<p:sld xmlns:a="http://schemas.openxmlformats.org/drawingml/2006/main" xmlns:r="http://schemas.openxmlformats.org/officeDocument/2006/relationships" xmlns:p="http://schemas.openxmlformats.org/presentationml/2006/main">
+  <p:cSld>
+    <p:spTree>
+      <p:nvGrpSpPr>
+        <p:cNvPr id="1" name=""/>
+        <p:cNvGrpSpPr/>
+        <p:nvPr/>
+      </p:nvGrpSpPr>
+      <p:grpSpPr>
+        <a:xfrm>
+          <a:off x="0" y="0"/>
+          <a:ext cx="0" cy="0"/>
+          <a:chOff x="0" y="0"/>
+          <a:chExt cx="0" cy="0"/>
+        </a:xfrm>
+      </p:grpSpPr>
+      <p:cxnSp>
+        <p:nvCxnSpPr>
+          <p:cNvPr id="5" name="직선 연결선 4">
+            <a:extLst>
+              <a:ext uri="{FF2B5EF4-FFF2-40B4-BE49-F238E27FC236}">
+                <a16:creationId xmlns:a16="http://schemas.microsoft.com/office/drawing/2014/main" id="{164C2827-EFCE-69A4-D037-1A218415F568}"/>
+              </a:ext>
+            </a:extLst>
+          </p:cNvPr>
+          <p:cNvCxnSpPr/>
+          <p:nvPr/>
+        </p:nvCxnSpPr>
+        <p:spPr>
+          <a:xfrm>
+            <a:off x="0" y="887505"/>
+            <a:ext cx="10237694" cy="0"/>
+          </a:xfrm>
+          <a:prstGeom prst="line">
+            <a:avLst/>
+          </a:prstGeom>
+          <a:ln w="76200">
+            <a:solidFill>
+              <a:schemeClr val="tx1">
+                <a:lumMod val="75000"/>
+                <a:lumOff val="25000"/>
+              </a:schemeClr>
+            </a:solidFill>
+          </a:ln>
+        </p:spPr>
+        <p:style>
+          <a:lnRef idx="1">
+            <a:schemeClr val="accent1"/>
+          </a:lnRef>
+          <a:fillRef idx="0">
+            <a:schemeClr val="accent1"/>
+          </a:fillRef>
+          <a:effectRef idx="0">
+            <a:schemeClr val="accent1"/>
+          </a:effectRef>
+          <a:fontRef idx="minor">
+            <a:schemeClr val="tx1"/>
+          </a:fontRef>
+        </p:style>
+      </p:cxnSp>
+      <p:sp>
+        <p:nvSpPr>
+          <p:cNvPr id="3" name="TextBox 2">
+            <a:extLst>
+              <a:ext uri="{FF2B5EF4-FFF2-40B4-BE49-F238E27FC236}">
+                <a16:creationId xmlns:a16="http://schemas.microsoft.com/office/drawing/2014/main" id="{B3B954B2-DB7F-EEC1-438C-CB91D3B18AE1}"/>
+              </a:ext>
+            </a:extLst>
+          </p:cNvPr>
+          <p:cNvSpPr txBox="1"/>
+          <p:nvPr/>
+        </p:nvSpPr>
+        <p:spPr>
+          <a:xfrm>
+            <a:off x="331694" y="177505"/>
+            <a:ext cx="3899016" cy="523220"/>
+          </a:xfrm>
+          <a:prstGeom prst="rect">
+            <a:avLst/>
+          </a:prstGeom>
+          <a:noFill/>
+        </p:spPr>
+        <p:txBody>
+          <a:bodyPr wrap="none" rtlCol="0">
+            <a:spAutoFit/>
+          </a:bodyPr>
+          <a:lstStyle/>
+          <a:p>
+            <a:r>
+              <a:rPr lang="en-US" altLang="ko-KR" sz="2800" dirty="0">
+                <a:latin typeface="나눔스퀘어 Bold" panose="020B0600000101010101" pitchFamily="50" charset="-127"/>
+                <a:ea typeface="나눔스퀘어 Bold" panose="020B0600000101010101" pitchFamily="50" charset="-127"/>
+              </a:rPr>
+              <a:t>Graph – 2178 </a:t>
+            </a:r>
+            <a:r>
+              <a:rPr lang="ko-KR" altLang="en-US" sz="2800" dirty="0">
+                <a:latin typeface="나눔스퀘어 Bold" panose="020B0600000101010101" pitchFamily="50" charset="-127"/>
+                <a:ea typeface="나눔스퀘어 Bold" panose="020B0600000101010101" pitchFamily="50" charset="-127"/>
+              </a:rPr>
+              <a:t>미로 탐색</a:t>
+            </a:r>
+          </a:p>
+        </p:txBody>
+      </p:sp>
+    </p:spTree>
+    <p:extLst>
+      <p:ext uri="{BB962C8B-B14F-4D97-AF65-F5344CB8AC3E}">
+        <p14:creationId xmlns:p14="http://schemas.microsoft.com/office/powerpoint/2010/main" val="3545443279"/>
+      </p:ext>
+    </p:extLst>
+  </p:cSld>
+  <p:clrMapOvr>
+    <a:masterClrMapping/>
+  </p:clrMapOvr>
+</p:sld>
+</file>
+
+<file path=ppt/slides/slide33.xml><?xml version="1.0" encoding="utf-8"?>
+<p:sld xmlns:a="http://schemas.openxmlformats.org/drawingml/2006/main" xmlns:r="http://schemas.openxmlformats.org/officeDocument/2006/relationships" xmlns:p="http://schemas.openxmlformats.org/presentationml/2006/main">
+  <p:cSld>
+    <p:spTree>
+      <p:nvGrpSpPr>
+        <p:cNvPr id="1" name=""/>
+        <p:cNvGrpSpPr/>
+        <p:nvPr/>
+      </p:nvGrpSpPr>
+      <p:grpSpPr>
+        <a:xfrm>
+          <a:off x="0" y="0"/>
+          <a:ext cx="0" cy="0"/>
+          <a:chOff x="0" y="0"/>
+          <a:chExt cx="0" cy="0"/>
+        </a:xfrm>
+      </p:grpSpPr>
+      <p:cxnSp>
+        <p:nvCxnSpPr>
+          <p:cNvPr id="5" name="직선 연결선 4">
+            <a:extLst>
+              <a:ext uri="{FF2B5EF4-FFF2-40B4-BE49-F238E27FC236}">
+                <a16:creationId xmlns:a16="http://schemas.microsoft.com/office/drawing/2014/main" id="{164C2827-EFCE-69A4-D037-1A218415F568}"/>
+              </a:ext>
+            </a:extLst>
+          </p:cNvPr>
+          <p:cNvCxnSpPr/>
+          <p:nvPr/>
+        </p:nvCxnSpPr>
+        <p:spPr>
+          <a:xfrm>
+            <a:off x="0" y="887505"/>
+            <a:ext cx="10237694" cy="0"/>
+          </a:xfrm>
+          <a:prstGeom prst="line">
+            <a:avLst/>
+          </a:prstGeom>
+          <a:ln w="76200">
+            <a:solidFill>
+              <a:schemeClr val="tx1">
+                <a:lumMod val="75000"/>
+                <a:lumOff val="25000"/>
+              </a:schemeClr>
+            </a:solidFill>
+          </a:ln>
+        </p:spPr>
+        <p:style>
+          <a:lnRef idx="1">
+            <a:schemeClr val="accent1"/>
+          </a:lnRef>
+          <a:fillRef idx="0">
+            <a:schemeClr val="accent1"/>
+          </a:fillRef>
+          <a:effectRef idx="0">
+            <a:schemeClr val="accent1"/>
+          </a:effectRef>
+          <a:fontRef idx="minor">
+            <a:schemeClr val="tx1"/>
+          </a:fontRef>
+        </p:style>
+      </p:cxnSp>
+      <p:sp>
+        <p:nvSpPr>
+          <p:cNvPr id="6" name="TextBox 5">
+            <a:extLst>
+              <a:ext uri="{FF2B5EF4-FFF2-40B4-BE49-F238E27FC236}">
+                <a16:creationId xmlns:a16="http://schemas.microsoft.com/office/drawing/2014/main" id="{908ED9B9-09D3-CFA8-625A-6F9BB9B6BD23}"/>
+              </a:ext>
+            </a:extLst>
+          </p:cNvPr>
+          <p:cNvSpPr txBox="1"/>
+          <p:nvPr/>
+        </p:nvSpPr>
+        <p:spPr>
+          <a:xfrm>
+            <a:off x="331694" y="177505"/>
+            <a:ext cx="2006190" cy="523220"/>
+          </a:xfrm>
+          <a:prstGeom prst="rect">
+            <a:avLst/>
+          </a:prstGeom>
+          <a:noFill/>
+        </p:spPr>
+        <p:txBody>
+          <a:bodyPr wrap="none" rtlCol="0">
+            <a:spAutoFit/>
+          </a:bodyPr>
+          <a:lstStyle/>
+          <a:p>
+            <a:r>
+              <a:rPr lang="en-US" altLang="ko-KR" sz="2800" dirty="0">
+                <a:latin typeface="나눔스퀘어 Bold" panose="020B0600000101010101" pitchFamily="50" charset="-127"/>
+                <a:ea typeface="나눔스퀘어 Bold" panose="020B0600000101010101" pitchFamily="50" charset="-127"/>
+              </a:rPr>
+              <a:t>Homework</a:t>
+            </a:r>
+            <a:endParaRPr lang="ko-KR" altLang="en-US" sz="2800" dirty="0">
+              <a:latin typeface="나눔스퀘어 Bold" panose="020B0600000101010101" pitchFamily="50" charset="-127"/>
+              <a:ea typeface="나눔스퀘어 Bold" panose="020B0600000101010101" pitchFamily="50" charset="-127"/>
+            </a:endParaRPr>
+          </a:p>
+        </p:txBody>
+      </p:sp>
+      <p:sp>
+        <p:nvSpPr>
+          <p:cNvPr id="7" name="TextBox 6">
+            <a:extLst>
+              <a:ext uri="{FF2B5EF4-FFF2-40B4-BE49-F238E27FC236}">
+                <a16:creationId xmlns:a16="http://schemas.microsoft.com/office/drawing/2014/main" id="{DD092523-43DA-0A5F-0C04-8239F4BF07FC}"/>
+              </a:ext>
+            </a:extLst>
+          </p:cNvPr>
+          <p:cNvSpPr txBox="1"/>
+          <p:nvPr/>
+        </p:nvSpPr>
+        <p:spPr>
+          <a:xfrm>
+            <a:off x="942387" y="1661364"/>
+            <a:ext cx="8553305" cy="369332"/>
+          </a:xfrm>
+          <a:prstGeom prst="rect">
+            <a:avLst/>
+          </a:prstGeom>
+          <a:noFill/>
+        </p:spPr>
+        <p:txBody>
+          <a:bodyPr wrap="square" rtlCol="0">
+            <a:spAutoFit/>
+          </a:bodyPr>
+          <a:lstStyle/>
+          <a:p>
+            <a:r>
+              <a:rPr lang="en-US" altLang="ko-KR" dirty="0">
+                <a:latin typeface="나눔스퀘어 Light" panose="020B0600000101010101" pitchFamily="50" charset="-127"/>
+                <a:ea typeface="나눔스퀘어 Light" panose="020B0600000101010101" pitchFamily="50" charset="-127"/>
+              </a:rPr>
+              <a:t>1. 18126 </a:t>
+            </a:r>
+            <a:r>
+              <a:rPr lang="ko-KR" altLang="en-US" dirty="0">
+                <a:latin typeface="나눔스퀘어 Light" panose="020B0600000101010101" pitchFamily="50" charset="-127"/>
+                <a:ea typeface="나눔스퀘어 Light" panose="020B0600000101010101" pitchFamily="50" charset="-127"/>
+              </a:rPr>
+              <a:t>너구리 구구</a:t>
+            </a:r>
+          </a:p>
+        </p:txBody>
+      </p:sp>
+      <p:sp>
+        <p:nvSpPr>
+          <p:cNvPr id="8" name="TextBox 7">
+            <a:extLst>
+              <a:ext uri="{FF2B5EF4-FFF2-40B4-BE49-F238E27FC236}">
+                <a16:creationId xmlns:a16="http://schemas.microsoft.com/office/drawing/2014/main" id="{80045CCB-6E92-45F3-05E2-D9718BBAEE86}"/>
+              </a:ext>
+            </a:extLst>
+          </p:cNvPr>
+          <p:cNvSpPr txBox="1"/>
+          <p:nvPr/>
+        </p:nvSpPr>
+        <p:spPr>
+          <a:xfrm>
+            <a:off x="942387" y="2030696"/>
+            <a:ext cx="8553305" cy="369332"/>
+          </a:xfrm>
+          <a:prstGeom prst="rect">
+            <a:avLst/>
+          </a:prstGeom>
+          <a:noFill/>
+        </p:spPr>
+        <p:txBody>
+          <a:bodyPr wrap="square" rtlCol="0">
+            <a:spAutoFit/>
+          </a:bodyPr>
+          <a:lstStyle/>
+          <a:p>
+            <a:r>
+              <a:rPr lang="en-US" altLang="ko-KR" dirty="0">
+                <a:latin typeface="나눔스퀘어 Light" panose="020B0600000101010101" pitchFamily="50" charset="-127"/>
+                <a:ea typeface="나눔스퀘어 Light" panose="020B0600000101010101" pitchFamily="50" charset="-127"/>
+              </a:rPr>
+              <a:t>2. 1697 </a:t>
+            </a:r>
+            <a:r>
+              <a:rPr lang="ko-KR" altLang="en-US" dirty="0">
+                <a:latin typeface="나눔스퀘어 Light" panose="020B0600000101010101" pitchFamily="50" charset="-127"/>
+                <a:ea typeface="나눔스퀘어 Light" panose="020B0600000101010101" pitchFamily="50" charset="-127"/>
+              </a:rPr>
+              <a:t>숨바꼭질</a:t>
+            </a:r>
+          </a:p>
+        </p:txBody>
+      </p:sp>
+      <p:sp>
+        <p:nvSpPr>
+          <p:cNvPr id="9" name="TextBox 8">
+            <a:extLst>
+              <a:ext uri="{FF2B5EF4-FFF2-40B4-BE49-F238E27FC236}">
+                <a16:creationId xmlns:a16="http://schemas.microsoft.com/office/drawing/2014/main" id="{F3F091EF-3E70-16E8-983D-D9C14C2EAD61}"/>
+              </a:ext>
+            </a:extLst>
+          </p:cNvPr>
+          <p:cNvSpPr txBox="1"/>
+          <p:nvPr/>
+        </p:nvSpPr>
+        <p:spPr>
+          <a:xfrm>
+            <a:off x="942387" y="1190024"/>
+            <a:ext cx="8553305" cy="369332"/>
+          </a:xfrm>
+          <a:prstGeom prst="rect">
+            <a:avLst/>
+          </a:prstGeom>
+          <a:noFill/>
+        </p:spPr>
+        <p:txBody>
+          <a:bodyPr wrap="square" rtlCol="0">
+            <a:spAutoFit/>
+          </a:bodyPr>
+          <a:lstStyle/>
+          <a:p>
+            <a:r>
+              <a:rPr lang="ko-KR" altLang="en-US" dirty="0">
+                <a:latin typeface="나눔스퀘어 Bold" panose="020B0600000101010101" pitchFamily="50" charset="-127"/>
+                <a:ea typeface="나눔스퀘어 Bold" panose="020B0600000101010101" pitchFamily="50" charset="-127"/>
+              </a:rPr>
+              <a:t>아래 문제들에 대해 스스로 생각하고 풀어보세요</a:t>
+            </a:r>
+            <a:r>
+              <a:rPr lang="en-US" altLang="ko-KR" dirty="0">
+                <a:latin typeface="나눔스퀘어 Bold" panose="020B0600000101010101" pitchFamily="50" charset="-127"/>
+                <a:ea typeface="나눔스퀘어 Bold" panose="020B0600000101010101" pitchFamily="50" charset="-127"/>
+              </a:rPr>
+              <a:t>.</a:t>
+            </a:r>
+            <a:r>
+              <a:rPr lang="ko-KR" altLang="en-US" dirty="0">
+                <a:latin typeface="나눔스퀘어 Bold" panose="020B0600000101010101" pitchFamily="50" charset="-127"/>
+                <a:ea typeface="나눔스퀘어 Bold" panose="020B0600000101010101" pitchFamily="50" charset="-127"/>
+              </a:rPr>
+              <a:t> </a:t>
+            </a:r>
+            <a:r>
+              <a:rPr lang="en-US" altLang="ko-KR" dirty="0">
+                <a:latin typeface="나눔스퀘어 Bold" panose="020B0600000101010101" pitchFamily="50" charset="-127"/>
+                <a:ea typeface="나눔스퀘어 Bold" panose="020B0600000101010101" pitchFamily="50" charset="-127"/>
+              </a:rPr>
+              <a:t>(</a:t>
+            </a:r>
+            <a:r>
+              <a:rPr lang="ko-KR" altLang="en-US" dirty="0">
+                <a:latin typeface="나눔스퀘어 Bold" panose="020B0600000101010101" pitchFamily="50" charset="-127"/>
+                <a:ea typeface="나눔스퀘어 Bold" panose="020B0600000101010101" pitchFamily="50" charset="-127"/>
+              </a:rPr>
+              <a:t>해설은 따로 진행하진 않겠습니다</a:t>
+            </a:r>
+            <a:r>
+              <a:rPr lang="en-US" altLang="ko-KR" dirty="0">
+                <a:latin typeface="나눔스퀘어 Bold" panose="020B0600000101010101" pitchFamily="50" charset="-127"/>
+                <a:ea typeface="나눔스퀘어 Bold" panose="020B0600000101010101" pitchFamily="50" charset="-127"/>
+              </a:rPr>
+              <a:t>.)</a:t>
+            </a:r>
+            <a:endParaRPr lang="ko-KR" altLang="en-US" dirty="0">
+              <a:latin typeface="나눔스퀘어 Bold" panose="020B0600000101010101" pitchFamily="50" charset="-127"/>
+              <a:ea typeface="나눔스퀘어 Bold" panose="020B0600000101010101" pitchFamily="50" charset="-127"/>
+            </a:endParaRPr>
+          </a:p>
+        </p:txBody>
+      </p:sp>
+      <p:sp>
+        <p:nvSpPr>
+          <p:cNvPr id="2" name="TextBox 1">
+            <a:extLst>
+              <a:ext uri="{FF2B5EF4-FFF2-40B4-BE49-F238E27FC236}">
+                <a16:creationId xmlns:a16="http://schemas.microsoft.com/office/drawing/2014/main" id="{807C3CD1-8E1B-427F-230D-9C7C2837C1F2}"/>
+              </a:ext>
+            </a:extLst>
+          </p:cNvPr>
+          <p:cNvSpPr txBox="1"/>
+          <p:nvPr/>
+        </p:nvSpPr>
+        <p:spPr>
+          <a:xfrm>
+            <a:off x="942387" y="2400024"/>
+            <a:ext cx="8553305" cy="369332"/>
+          </a:xfrm>
+          <a:prstGeom prst="rect">
+            <a:avLst/>
+          </a:prstGeom>
+          <a:noFill/>
+        </p:spPr>
+        <p:txBody>
+          <a:bodyPr wrap="square" rtlCol="0">
+            <a:spAutoFit/>
+          </a:bodyPr>
+          <a:lstStyle/>
+          <a:p>
+            <a:r>
+              <a:rPr lang="en-US" altLang="ko-KR" dirty="0">
+                <a:latin typeface="나눔스퀘어 Light" panose="020B0600000101010101" pitchFamily="50" charset="-127"/>
+                <a:ea typeface="나눔스퀘어 Light" panose="020B0600000101010101" pitchFamily="50" charset="-127"/>
+              </a:rPr>
+              <a:t>3. 11724 </a:t>
+            </a:r>
+            <a:r>
+              <a:rPr lang="ko-KR" altLang="en-US" dirty="0">
+                <a:latin typeface="나눔스퀘어 Light" panose="020B0600000101010101" pitchFamily="50" charset="-127"/>
+                <a:ea typeface="나눔스퀘어 Light" panose="020B0600000101010101" pitchFamily="50" charset="-127"/>
+              </a:rPr>
+              <a:t>연결 요소의 개수</a:t>
+            </a:r>
+          </a:p>
+        </p:txBody>
+      </p:sp>
+    </p:spTree>
+    <p:extLst>
+      <p:ext uri="{BB962C8B-B14F-4D97-AF65-F5344CB8AC3E}">
+        <p14:creationId xmlns:p14="http://schemas.microsoft.com/office/powerpoint/2010/main" val="732558497"/>
       </p:ext>
     </p:extLst>
   </p:cSld>

--- a/study/8_Tree, Graph.pptx
+++ b/study/8_Tree, Graph.pptx
@@ -30,14 +30,19 @@
     <p:sldId id="428" r:id="rId24"/>
     <p:sldId id="401" r:id="rId25"/>
     <p:sldId id="439" r:id="rId26"/>
-    <p:sldId id="440" r:id="rId27"/>
-    <p:sldId id="277" r:id="rId28"/>
-    <p:sldId id="278" r:id="rId29"/>
-    <p:sldId id="367" r:id="rId30"/>
-    <p:sldId id="417" r:id="rId31"/>
-    <p:sldId id="431" r:id="rId32"/>
-    <p:sldId id="432" r:id="rId33"/>
-    <p:sldId id="298" r:id="rId34"/>
+    <p:sldId id="443" r:id="rId27"/>
+    <p:sldId id="441" r:id="rId28"/>
+    <p:sldId id="442" r:id="rId29"/>
+    <p:sldId id="440" r:id="rId30"/>
+    <p:sldId id="444" r:id="rId31"/>
+    <p:sldId id="445" r:id="rId32"/>
+    <p:sldId id="277" r:id="rId33"/>
+    <p:sldId id="278" r:id="rId34"/>
+    <p:sldId id="367" r:id="rId35"/>
+    <p:sldId id="417" r:id="rId36"/>
+    <p:sldId id="431" r:id="rId37"/>
+    <p:sldId id="432" r:id="rId38"/>
+    <p:sldId id="298" r:id="rId39"/>
   </p:sldIdLst>
   <p:sldSz cx="12192000" cy="6858000"/>
   <p:notesSz cx="6858000" cy="9144000"/>
@@ -291,7 +296,7 @@
           <a:p>
             <a:fld id="{33C37291-AA83-40C0-9297-8F7F3693F6CC}" type="datetimeFigureOut">
               <a:rPr lang="ko-KR" altLang="en-US" smtClean="0"/>
-              <a:t>2022-10-05</a:t>
+              <a:t>2022-10-06</a:t>
             </a:fld>
             <a:endParaRPr lang="ko-KR" altLang="en-US"/>
           </a:p>
@@ -489,7 +494,7 @@
           <a:p>
             <a:fld id="{33C37291-AA83-40C0-9297-8F7F3693F6CC}" type="datetimeFigureOut">
               <a:rPr lang="ko-KR" altLang="en-US" smtClean="0"/>
-              <a:t>2022-10-05</a:t>
+              <a:t>2022-10-06</a:t>
             </a:fld>
             <a:endParaRPr lang="ko-KR" altLang="en-US"/>
           </a:p>
@@ -697,7 +702,7 @@
           <a:p>
             <a:fld id="{33C37291-AA83-40C0-9297-8F7F3693F6CC}" type="datetimeFigureOut">
               <a:rPr lang="ko-KR" altLang="en-US" smtClean="0"/>
-              <a:t>2022-10-05</a:t>
+              <a:t>2022-10-06</a:t>
             </a:fld>
             <a:endParaRPr lang="ko-KR" altLang="en-US"/>
           </a:p>
@@ -895,7 +900,7 @@
           <a:p>
             <a:fld id="{33C37291-AA83-40C0-9297-8F7F3693F6CC}" type="datetimeFigureOut">
               <a:rPr lang="ko-KR" altLang="en-US" smtClean="0"/>
-              <a:t>2022-10-05</a:t>
+              <a:t>2022-10-06</a:t>
             </a:fld>
             <a:endParaRPr lang="ko-KR" altLang="en-US"/>
           </a:p>
@@ -1170,7 +1175,7 @@
           <a:p>
             <a:fld id="{33C37291-AA83-40C0-9297-8F7F3693F6CC}" type="datetimeFigureOut">
               <a:rPr lang="ko-KR" altLang="en-US" smtClean="0"/>
-              <a:t>2022-10-05</a:t>
+              <a:t>2022-10-06</a:t>
             </a:fld>
             <a:endParaRPr lang="ko-KR" altLang="en-US"/>
           </a:p>
@@ -1435,7 +1440,7 @@
           <a:p>
             <a:fld id="{33C37291-AA83-40C0-9297-8F7F3693F6CC}" type="datetimeFigureOut">
               <a:rPr lang="ko-KR" altLang="en-US" smtClean="0"/>
-              <a:t>2022-10-05</a:t>
+              <a:t>2022-10-06</a:t>
             </a:fld>
             <a:endParaRPr lang="ko-KR" altLang="en-US"/>
           </a:p>
@@ -1847,7 +1852,7 @@
           <a:p>
             <a:fld id="{33C37291-AA83-40C0-9297-8F7F3693F6CC}" type="datetimeFigureOut">
               <a:rPr lang="ko-KR" altLang="en-US" smtClean="0"/>
-              <a:t>2022-10-05</a:t>
+              <a:t>2022-10-06</a:t>
             </a:fld>
             <a:endParaRPr lang="ko-KR" altLang="en-US"/>
           </a:p>
@@ -1988,7 +1993,7 @@
           <a:p>
             <a:fld id="{33C37291-AA83-40C0-9297-8F7F3693F6CC}" type="datetimeFigureOut">
               <a:rPr lang="ko-KR" altLang="en-US" smtClean="0"/>
-              <a:t>2022-10-05</a:t>
+              <a:t>2022-10-06</a:t>
             </a:fld>
             <a:endParaRPr lang="ko-KR" altLang="en-US"/>
           </a:p>
@@ -2101,7 +2106,7 @@
           <a:p>
             <a:fld id="{33C37291-AA83-40C0-9297-8F7F3693F6CC}" type="datetimeFigureOut">
               <a:rPr lang="ko-KR" altLang="en-US" smtClean="0"/>
-              <a:t>2022-10-05</a:t>
+              <a:t>2022-10-06</a:t>
             </a:fld>
             <a:endParaRPr lang="ko-KR" altLang="en-US"/>
           </a:p>
@@ -2412,7 +2417,7 @@
           <a:p>
             <a:fld id="{33C37291-AA83-40C0-9297-8F7F3693F6CC}" type="datetimeFigureOut">
               <a:rPr lang="ko-KR" altLang="en-US" smtClean="0"/>
-              <a:t>2022-10-05</a:t>
+              <a:t>2022-10-06</a:t>
             </a:fld>
             <a:endParaRPr lang="ko-KR" altLang="en-US"/>
           </a:p>
@@ -2700,7 +2705,7 @@
           <a:p>
             <a:fld id="{33C37291-AA83-40C0-9297-8F7F3693F6CC}" type="datetimeFigureOut">
               <a:rPr lang="ko-KR" altLang="en-US" smtClean="0"/>
-              <a:t>2022-10-05</a:t>
+              <a:t>2022-10-06</a:t>
             </a:fld>
             <a:endParaRPr lang="ko-KR" altLang="en-US"/>
           </a:p>
@@ -2941,7 +2946,7 @@
           <a:p>
             <a:fld id="{33C37291-AA83-40C0-9297-8F7F3693F6CC}" type="datetimeFigureOut">
               <a:rPr lang="ko-KR" altLang="en-US" smtClean="0"/>
-              <a:t>2022-10-05</a:t>
+              <a:t>2022-10-06</a:t>
             </a:fld>
             <a:endParaRPr lang="ko-KR" altLang="en-US"/>
           </a:p>
@@ -13246,8 +13251,8 @@
         </p:blipFill>
         <p:spPr>
           <a:xfrm>
-            <a:off x="942386" y="1559356"/>
-            <a:ext cx="3781777" cy="1869642"/>
+            <a:off x="942386" y="1559355"/>
+            <a:ext cx="4586683" cy="2267573"/>
           </a:xfrm>
           <a:prstGeom prst="rect">
             <a:avLst/>
@@ -13276,8 +13281,8 @@
         </p:blipFill>
         <p:spPr>
           <a:xfrm>
-            <a:off x="6634562" y="1559356"/>
-            <a:ext cx="3670547" cy="1869642"/>
+            <a:off x="5853332" y="1559356"/>
+            <a:ext cx="4451777" cy="2267572"/>
           </a:xfrm>
           <a:prstGeom prst="rect">
             <a:avLst/>
@@ -14845,10 +14850,2421 @@
           </a:p>
         </p:txBody>
       </p:sp>
+      <p:sp>
+        <p:nvSpPr>
+          <p:cNvPr id="6" name="타원 5">
+            <a:extLst>
+              <a:ext uri="{FF2B5EF4-FFF2-40B4-BE49-F238E27FC236}">
+                <a16:creationId xmlns:a16="http://schemas.microsoft.com/office/drawing/2014/main" id="{E8A41854-8E2E-4E8A-9710-7867F1B9F149}"/>
+              </a:ext>
+            </a:extLst>
+          </p:cNvPr>
+          <p:cNvSpPr/>
+          <p:nvPr/>
+        </p:nvSpPr>
+        <p:spPr>
+          <a:xfrm>
+            <a:off x="1563473" y="1630398"/>
+            <a:ext cx="369332" cy="369332"/>
+          </a:xfrm>
+          <a:prstGeom prst="ellipse">
+            <a:avLst/>
+          </a:prstGeom>
+          <a:noFill/>
+          <a:ln w="19050">
+            <a:solidFill>
+              <a:schemeClr val="tx1"/>
+            </a:solidFill>
+          </a:ln>
+        </p:spPr>
+        <p:style>
+          <a:lnRef idx="2">
+            <a:schemeClr val="accent1">
+              <a:shade val="50000"/>
+            </a:schemeClr>
+          </a:lnRef>
+          <a:fillRef idx="1">
+            <a:schemeClr val="accent1"/>
+          </a:fillRef>
+          <a:effectRef idx="0">
+            <a:schemeClr val="accent1"/>
+          </a:effectRef>
+          <a:fontRef idx="minor">
+            <a:schemeClr val="lt1"/>
+          </a:fontRef>
+        </p:style>
+        <p:txBody>
+          <a:bodyPr rtlCol="0" anchor="ctr"/>
+          <a:lstStyle/>
+          <a:p>
+            <a:pPr algn="ctr"/>
+            <a:r>
+              <a:rPr lang="en-US" altLang="ko-KR" sz="1600" dirty="0">
+                <a:solidFill>
+                  <a:schemeClr val="tx1"/>
+                </a:solidFill>
+                <a:latin typeface="나눔스퀘어 Bold" panose="020B0600000101010101" pitchFamily="50" charset="-127"/>
+                <a:ea typeface="나눔스퀘어 Bold" panose="020B0600000101010101" pitchFamily="50" charset="-127"/>
+              </a:rPr>
+              <a:t>1</a:t>
+            </a:r>
+            <a:endParaRPr lang="ko-KR" altLang="en-US" sz="1600" dirty="0">
+              <a:solidFill>
+                <a:schemeClr val="tx1"/>
+              </a:solidFill>
+              <a:latin typeface="나눔스퀘어 Bold" panose="020B0600000101010101" pitchFamily="50" charset="-127"/>
+              <a:ea typeface="나눔스퀘어 Bold" panose="020B0600000101010101" pitchFamily="50" charset="-127"/>
+            </a:endParaRPr>
+          </a:p>
+        </p:txBody>
+      </p:sp>
+      <p:sp>
+        <p:nvSpPr>
+          <p:cNvPr id="7" name="타원 6">
+            <a:extLst>
+              <a:ext uri="{FF2B5EF4-FFF2-40B4-BE49-F238E27FC236}">
+                <a16:creationId xmlns:a16="http://schemas.microsoft.com/office/drawing/2014/main" id="{D9A5D774-90DA-4DEE-A7D7-9621B2C1F4FD}"/>
+              </a:ext>
+            </a:extLst>
+          </p:cNvPr>
+          <p:cNvSpPr/>
+          <p:nvPr/>
+        </p:nvSpPr>
+        <p:spPr>
+          <a:xfrm>
+            <a:off x="1092132" y="2640554"/>
+            <a:ext cx="369332" cy="369332"/>
+          </a:xfrm>
+          <a:prstGeom prst="ellipse">
+            <a:avLst/>
+          </a:prstGeom>
+          <a:noFill/>
+          <a:ln w="19050">
+            <a:solidFill>
+              <a:schemeClr val="tx1"/>
+            </a:solidFill>
+          </a:ln>
+        </p:spPr>
+        <p:style>
+          <a:lnRef idx="2">
+            <a:schemeClr val="accent1">
+              <a:shade val="50000"/>
+            </a:schemeClr>
+          </a:lnRef>
+          <a:fillRef idx="1">
+            <a:schemeClr val="accent1"/>
+          </a:fillRef>
+          <a:effectRef idx="0">
+            <a:schemeClr val="accent1"/>
+          </a:effectRef>
+          <a:fontRef idx="minor">
+            <a:schemeClr val="lt1"/>
+          </a:fontRef>
+        </p:style>
+        <p:txBody>
+          <a:bodyPr rtlCol="0" anchor="ctr"/>
+          <a:lstStyle/>
+          <a:p>
+            <a:pPr algn="ctr"/>
+            <a:r>
+              <a:rPr lang="en-US" altLang="ko-KR" sz="1600" dirty="0">
+                <a:solidFill>
+                  <a:schemeClr val="tx1"/>
+                </a:solidFill>
+                <a:latin typeface="나눔스퀘어 Bold" panose="020B0600000101010101" pitchFamily="50" charset="-127"/>
+                <a:ea typeface="나눔스퀘어 Bold" panose="020B0600000101010101" pitchFamily="50" charset="-127"/>
+              </a:rPr>
+              <a:t>2</a:t>
+            </a:r>
+            <a:endParaRPr lang="ko-KR" altLang="en-US" sz="1600" dirty="0">
+              <a:solidFill>
+                <a:schemeClr val="tx1"/>
+              </a:solidFill>
+              <a:latin typeface="나눔스퀘어 Bold" panose="020B0600000101010101" pitchFamily="50" charset="-127"/>
+              <a:ea typeface="나눔스퀘어 Bold" panose="020B0600000101010101" pitchFamily="50" charset="-127"/>
+            </a:endParaRPr>
+          </a:p>
+        </p:txBody>
+      </p:sp>
+      <p:sp>
+        <p:nvSpPr>
+          <p:cNvPr id="8" name="타원 7">
+            <a:extLst>
+              <a:ext uri="{FF2B5EF4-FFF2-40B4-BE49-F238E27FC236}">
+                <a16:creationId xmlns:a16="http://schemas.microsoft.com/office/drawing/2014/main" id="{831DC7F3-A3A6-41C2-9902-DCD86D28689C}"/>
+              </a:ext>
+            </a:extLst>
+          </p:cNvPr>
+          <p:cNvSpPr/>
+          <p:nvPr/>
+        </p:nvSpPr>
+        <p:spPr>
+          <a:xfrm>
+            <a:off x="1932805" y="2640554"/>
+            <a:ext cx="369332" cy="369332"/>
+          </a:xfrm>
+          <a:prstGeom prst="ellipse">
+            <a:avLst/>
+          </a:prstGeom>
+          <a:noFill/>
+          <a:ln w="19050">
+            <a:solidFill>
+              <a:schemeClr val="tx1"/>
+            </a:solidFill>
+          </a:ln>
+        </p:spPr>
+        <p:style>
+          <a:lnRef idx="2">
+            <a:schemeClr val="accent1">
+              <a:shade val="50000"/>
+            </a:schemeClr>
+          </a:lnRef>
+          <a:fillRef idx="1">
+            <a:schemeClr val="accent1"/>
+          </a:fillRef>
+          <a:effectRef idx="0">
+            <a:schemeClr val="accent1"/>
+          </a:effectRef>
+          <a:fontRef idx="minor">
+            <a:schemeClr val="lt1"/>
+          </a:fontRef>
+        </p:style>
+        <p:txBody>
+          <a:bodyPr rtlCol="0" anchor="ctr"/>
+          <a:lstStyle/>
+          <a:p>
+            <a:pPr algn="ctr"/>
+            <a:r>
+              <a:rPr lang="en-US" altLang="ko-KR" sz="1600" dirty="0">
+                <a:solidFill>
+                  <a:schemeClr val="tx1"/>
+                </a:solidFill>
+                <a:latin typeface="나눔스퀘어 Bold" panose="020B0600000101010101" pitchFamily="50" charset="-127"/>
+                <a:ea typeface="나눔스퀘어 Bold" panose="020B0600000101010101" pitchFamily="50" charset="-127"/>
+              </a:rPr>
+              <a:t>3</a:t>
+            </a:r>
+            <a:endParaRPr lang="ko-KR" altLang="en-US" sz="1600" dirty="0">
+              <a:solidFill>
+                <a:schemeClr val="tx1"/>
+              </a:solidFill>
+              <a:latin typeface="나눔스퀘어 Bold" panose="020B0600000101010101" pitchFamily="50" charset="-127"/>
+              <a:ea typeface="나눔스퀘어 Bold" panose="020B0600000101010101" pitchFamily="50" charset="-127"/>
+            </a:endParaRPr>
+          </a:p>
+        </p:txBody>
+      </p:sp>
+      <p:sp>
+        <p:nvSpPr>
+          <p:cNvPr id="10" name="타원 9">
+            <a:extLst>
+              <a:ext uri="{FF2B5EF4-FFF2-40B4-BE49-F238E27FC236}">
+                <a16:creationId xmlns:a16="http://schemas.microsoft.com/office/drawing/2014/main" id="{BEC11398-5377-48E2-8F9B-8EECF9CF8879}"/>
+              </a:ext>
+            </a:extLst>
+          </p:cNvPr>
+          <p:cNvSpPr/>
+          <p:nvPr/>
+        </p:nvSpPr>
+        <p:spPr>
+          <a:xfrm>
+            <a:off x="2773478" y="2640554"/>
+            <a:ext cx="369332" cy="369332"/>
+          </a:xfrm>
+          <a:prstGeom prst="ellipse">
+            <a:avLst/>
+          </a:prstGeom>
+          <a:noFill/>
+          <a:ln w="19050">
+            <a:solidFill>
+              <a:schemeClr val="tx1"/>
+            </a:solidFill>
+          </a:ln>
+        </p:spPr>
+        <p:style>
+          <a:lnRef idx="2">
+            <a:schemeClr val="accent1">
+              <a:shade val="50000"/>
+            </a:schemeClr>
+          </a:lnRef>
+          <a:fillRef idx="1">
+            <a:schemeClr val="accent1"/>
+          </a:fillRef>
+          <a:effectRef idx="0">
+            <a:schemeClr val="accent1"/>
+          </a:effectRef>
+          <a:fontRef idx="minor">
+            <a:schemeClr val="lt1"/>
+          </a:fontRef>
+        </p:style>
+        <p:txBody>
+          <a:bodyPr rtlCol="0" anchor="ctr"/>
+          <a:lstStyle/>
+          <a:p>
+            <a:pPr algn="ctr"/>
+            <a:r>
+              <a:rPr lang="en-US" altLang="ko-KR" sz="1600" dirty="0">
+                <a:solidFill>
+                  <a:schemeClr val="tx1"/>
+                </a:solidFill>
+                <a:latin typeface="나눔스퀘어 Bold" panose="020B0600000101010101" pitchFamily="50" charset="-127"/>
+                <a:ea typeface="나눔스퀘어 Bold" panose="020B0600000101010101" pitchFamily="50" charset="-127"/>
+              </a:rPr>
+              <a:t>4</a:t>
+            </a:r>
+            <a:endParaRPr lang="ko-KR" altLang="en-US" sz="1600" dirty="0">
+              <a:solidFill>
+                <a:schemeClr val="tx1"/>
+              </a:solidFill>
+              <a:latin typeface="나눔스퀘어 Bold" panose="020B0600000101010101" pitchFamily="50" charset="-127"/>
+              <a:ea typeface="나눔스퀘어 Bold" panose="020B0600000101010101" pitchFamily="50" charset="-127"/>
+            </a:endParaRPr>
+          </a:p>
+        </p:txBody>
+      </p:sp>
+      <p:cxnSp>
+        <p:nvCxnSpPr>
+          <p:cNvPr id="11" name="직선 연결선 10">
+            <a:extLst>
+              <a:ext uri="{FF2B5EF4-FFF2-40B4-BE49-F238E27FC236}">
+                <a16:creationId xmlns:a16="http://schemas.microsoft.com/office/drawing/2014/main" id="{790F1488-1D00-4422-85F0-FCBE46DE5614}"/>
+              </a:ext>
+            </a:extLst>
+          </p:cNvPr>
+          <p:cNvCxnSpPr>
+            <a:cxnSpLocks/>
+            <a:stCxn id="7" idx="0"/>
+            <a:endCxn id="6" idx="3"/>
+          </p:cNvCxnSpPr>
+          <p:nvPr/>
+        </p:nvCxnSpPr>
+        <p:spPr>
+          <a:xfrm flipV="1">
+            <a:off x="1276798" y="1945643"/>
+            <a:ext cx="340762" cy="694911"/>
+          </a:xfrm>
+          <a:prstGeom prst="line">
+            <a:avLst/>
+          </a:prstGeom>
+          <a:ln w="19050">
+            <a:solidFill>
+              <a:schemeClr val="tx1"/>
+            </a:solidFill>
+          </a:ln>
+        </p:spPr>
+        <p:style>
+          <a:lnRef idx="1">
+            <a:schemeClr val="accent1"/>
+          </a:lnRef>
+          <a:fillRef idx="0">
+            <a:schemeClr val="accent1"/>
+          </a:fillRef>
+          <a:effectRef idx="0">
+            <a:schemeClr val="accent1"/>
+          </a:effectRef>
+          <a:fontRef idx="minor">
+            <a:schemeClr val="tx1"/>
+          </a:fontRef>
+        </p:style>
+      </p:cxnSp>
+      <p:cxnSp>
+        <p:nvCxnSpPr>
+          <p:cNvPr id="12" name="직선 연결선 11">
+            <a:extLst>
+              <a:ext uri="{FF2B5EF4-FFF2-40B4-BE49-F238E27FC236}">
+                <a16:creationId xmlns:a16="http://schemas.microsoft.com/office/drawing/2014/main" id="{8CB3ECFC-EE32-4922-AC47-1C0775F973E9}"/>
+              </a:ext>
+            </a:extLst>
+          </p:cNvPr>
+          <p:cNvCxnSpPr>
+            <a:cxnSpLocks/>
+            <a:stCxn id="8" idx="0"/>
+            <a:endCxn id="6" idx="4"/>
+          </p:cNvCxnSpPr>
+          <p:nvPr/>
+        </p:nvCxnSpPr>
+        <p:spPr>
+          <a:xfrm flipH="1" flipV="1">
+            <a:off x="1748139" y="1999730"/>
+            <a:ext cx="369332" cy="640824"/>
+          </a:xfrm>
+          <a:prstGeom prst="line">
+            <a:avLst/>
+          </a:prstGeom>
+          <a:ln w="19050">
+            <a:solidFill>
+              <a:schemeClr val="tx1"/>
+            </a:solidFill>
+          </a:ln>
+        </p:spPr>
+        <p:style>
+          <a:lnRef idx="1">
+            <a:schemeClr val="accent1"/>
+          </a:lnRef>
+          <a:fillRef idx="0">
+            <a:schemeClr val="accent1"/>
+          </a:fillRef>
+          <a:effectRef idx="0">
+            <a:schemeClr val="accent1"/>
+          </a:effectRef>
+          <a:fontRef idx="minor">
+            <a:schemeClr val="tx1"/>
+          </a:fontRef>
+        </p:style>
+      </p:cxnSp>
+      <p:cxnSp>
+        <p:nvCxnSpPr>
+          <p:cNvPr id="13" name="직선 연결선 12">
+            <a:extLst>
+              <a:ext uri="{FF2B5EF4-FFF2-40B4-BE49-F238E27FC236}">
+                <a16:creationId xmlns:a16="http://schemas.microsoft.com/office/drawing/2014/main" id="{CFFBAF40-4E0D-4CAE-9D42-490A072EF880}"/>
+              </a:ext>
+            </a:extLst>
+          </p:cNvPr>
+          <p:cNvCxnSpPr>
+            <a:cxnSpLocks/>
+            <a:stCxn id="6" idx="5"/>
+            <a:endCxn id="10" idx="1"/>
+          </p:cNvCxnSpPr>
+          <p:nvPr/>
+        </p:nvCxnSpPr>
+        <p:spPr>
+          <a:xfrm>
+            <a:off x="1878718" y="1945643"/>
+            <a:ext cx="948847" cy="748998"/>
+          </a:xfrm>
+          <a:prstGeom prst="line">
+            <a:avLst/>
+          </a:prstGeom>
+          <a:ln w="19050">
+            <a:solidFill>
+              <a:schemeClr val="tx1"/>
+            </a:solidFill>
+          </a:ln>
+        </p:spPr>
+        <p:style>
+          <a:lnRef idx="1">
+            <a:schemeClr val="accent1"/>
+          </a:lnRef>
+          <a:fillRef idx="0">
+            <a:schemeClr val="accent1"/>
+          </a:fillRef>
+          <a:effectRef idx="0">
+            <a:schemeClr val="accent1"/>
+          </a:effectRef>
+          <a:fontRef idx="minor">
+            <a:schemeClr val="tx1"/>
+          </a:fontRef>
+        </p:style>
+      </p:cxnSp>
+      <p:sp>
+        <p:nvSpPr>
+          <p:cNvPr id="14" name="TextBox 13">
+            <a:extLst>
+              <a:ext uri="{FF2B5EF4-FFF2-40B4-BE49-F238E27FC236}">
+                <a16:creationId xmlns:a16="http://schemas.microsoft.com/office/drawing/2014/main" id="{DE63CC0A-41C0-4DB6-B9E1-9E90240A3D72}"/>
+              </a:ext>
+            </a:extLst>
+          </p:cNvPr>
+          <p:cNvSpPr txBox="1"/>
+          <p:nvPr/>
+        </p:nvSpPr>
+        <p:spPr>
+          <a:xfrm>
+            <a:off x="942387" y="3335465"/>
+            <a:ext cx="10237694" cy="369332"/>
+          </a:xfrm>
+          <a:prstGeom prst="rect">
+            <a:avLst/>
+          </a:prstGeom>
+          <a:noFill/>
+        </p:spPr>
+        <p:txBody>
+          <a:bodyPr wrap="square" rtlCol="0">
+            <a:spAutoFit/>
+          </a:bodyPr>
+          <a:lstStyle/>
+          <a:p>
+            <a:r>
+              <a:rPr lang="ko-KR" altLang="en-US" dirty="0">
+                <a:latin typeface="나눔스퀘어 Light" panose="020B0600000101010101" pitchFamily="50" charset="-127"/>
+                <a:ea typeface="나눔스퀘어 Light" panose="020B0600000101010101" pitchFamily="50" charset="-127"/>
+              </a:rPr>
+              <a:t>이러한 트리</a:t>
+            </a:r>
+            <a:r>
+              <a:rPr lang="en-US" altLang="ko-KR" dirty="0">
+                <a:latin typeface="나눔스퀘어 Light" panose="020B0600000101010101" pitchFamily="50" charset="-127"/>
+                <a:ea typeface="나눔스퀘어 Light" panose="020B0600000101010101" pitchFamily="50" charset="-127"/>
+              </a:rPr>
+              <a:t>(</a:t>
+            </a:r>
+            <a:r>
+              <a:rPr lang="ko-KR" altLang="en-US" dirty="0">
+                <a:latin typeface="나눔스퀘어 Light" panose="020B0600000101010101" pitchFamily="50" charset="-127"/>
+                <a:ea typeface="나눔스퀘어 Light" panose="020B0600000101010101" pitchFamily="50" charset="-127"/>
+              </a:rPr>
+              <a:t>그래프</a:t>
+            </a:r>
+            <a:r>
+              <a:rPr lang="en-US" altLang="ko-KR" dirty="0">
+                <a:latin typeface="나눔스퀘어 Light" panose="020B0600000101010101" pitchFamily="50" charset="-127"/>
+                <a:ea typeface="나눔스퀘어 Light" panose="020B0600000101010101" pitchFamily="50" charset="-127"/>
+              </a:rPr>
+              <a:t>)</a:t>
+            </a:r>
+            <a:r>
+              <a:rPr lang="ko-KR" altLang="en-US" dirty="0">
+                <a:latin typeface="나눔스퀘어 Light" panose="020B0600000101010101" pitchFamily="50" charset="-127"/>
+                <a:ea typeface="나눔스퀘어 Light" panose="020B0600000101010101" pitchFamily="50" charset="-127"/>
+              </a:rPr>
+              <a:t>가 있다면</a:t>
+            </a:r>
+            <a:r>
+              <a:rPr lang="en-US" altLang="ko-KR" dirty="0">
+                <a:latin typeface="나눔스퀘어 Light" panose="020B0600000101010101" pitchFamily="50" charset="-127"/>
+                <a:ea typeface="나눔스퀘어 Light" panose="020B0600000101010101" pitchFamily="50" charset="-127"/>
+              </a:rPr>
+              <a:t>, </a:t>
+            </a:r>
+            <a:r>
+              <a:rPr lang="ko-KR" altLang="en-US" dirty="0">
+                <a:latin typeface="나눔스퀘어 Light" panose="020B0600000101010101" pitchFamily="50" charset="-127"/>
+                <a:ea typeface="나눔스퀘어 Light" panose="020B0600000101010101" pitchFamily="50" charset="-127"/>
+              </a:rPr>
+              <a:t>노드</a:t>
+            </a:r>
+            <a:r>
+              <a:rPr lang="en-US" altLang="ko-KR" dirty="0">
+                <a:latin typeface="나눔스퀘어 Light" panose="020B0600000101010101" pitchFamily="50" charset="-127"/>
+                <a:ea typeface="나눔스퀘어 Light" panose="020B0600000101010101" pitchFamily="50" charset="-127"/>
+              </a:rPr>
+              <a:t>(</a:t>
+            </a:r>
+            <a:r>
+              <a:rPr lang="ko-KR" altLang="en-US" dirty="0">
+                <a:latin typeface="나눔스퀘어 Light" panose="020B0600000101010101" pitchFamily="50" charset="-127"/>
+                <a:ea typeface="나눔스퀘어 Light" panose="020B0600000101010101" pitchFamily="50" charset="-127"/>
+              </a:rPr>
+              <a:t>정점</a:t>
+            </a:r>
+            <a:r>
+              <a:rPr lang="en-US" altLang="ko-KR" dirty="0">
+                <a:latin typeface="나눔스퀘어 Light" panose="020B0600000101010101" pitchFamily="50" charset="-127"/>
+                <a:ea typeface="나눔스퀘어 Light" panose="020B0600000101010101" pitchFamily="50" charset="-127"/>
+              </a:rPr>
+              <a:t>)</a:t>
+            </a:r>
+            <a:r>
+              <a:rPr lang="ko-KR" altLang="en-US" dirty="0">
+                <a:latin typeface="나눔스퀘어 Light" panose="020B0600000101010101" pitchFamily="50" charset="-127"/>
+                <a:ea typeface="나눔스퀘어 Light" panose="020B0600000101010101" pitchFamily="50" charset="-127"/>
+              </a:rPr>
+              <a:t> 개수만큼의 리스트를 선언하고</a:t>
+            </a:r>
+          </a:p>
+        </p:txBody>
+      </p:sp>
+      <p:cxnSp>
+        <p:nvCxnSpPr>
+          <p:cNvPr id="15" name="직선 연결선 14">
+            <a:extLst>
+              <a:ext uri="{FF2B5EF4-FFF2-40B4-BE49-F238E27FC236}">
+                <a16:creationId xmlns:a16="http://schemas.microsoft.com/office/drawing/2014/main" id="{5CFE7038-933F-44DD-AF71-AB01DBAE62C5}"/>
+              </a:ext>
+            </a:extLst>
+          </p:cNvPr>
+          <p:cNvCxnSpPr>
+            <a:cxnSpLocks/>
+            <a:stCxn id="10" idx="6"/>
+            <a:endCxn id="17" idx="2"/>
+          </p:cNvCxnSpPr>
+          <p:nvPr/>
+        </p:nvCxnSpPr>
+        <p:spPr>
+          <a:xfrm>
+            <a:off x="3142810" y="2825220"/>
+            <a:ext cx="647892" cy="0"/>
+          </a:xfrm>
+          <a:prstGeom prst="line">
+            <a:avLst/>
+          </a:prstGeom>
+          <a:ln w="19050">
+            <a:solidFill>
+              <a:schemeClr val="tx1"/>
+            </a:solidFill>
+          </a:ln>
+        </p:spPr>
+        <p:style>
+          <a:lnRef idx="1">
+            <a:schemeClr val="accent1"/>
+          </a:lnRef>
+          <a:fillRef idx="0">
+            <a:schemeClr val="accent1"/>
+          </a:fillRef>
+          <a:effectRef idx="0">
+            <a:schemeClr val="accent1"/>
+          </a:effectRef>
+          <a:fontRef idx="minor">
+            <a:schemeClr val="tx1"/>
+          </a:fontRef>
+        </p:style>
+      </p:cxnSp>
+      <p:sp>
+        <p:nvSpPr>
+          <p:cNvPr id="17" name="타원 16">
+            <a:extLst>
+              <a:ext uri="{FF2B5EF4-FFF2-40B4-BE49-F238E27FC236}">
+                <a16:creationId xmlns:a16="http://schemas.microsoft.com/office/drawing/2014/main" id="{1EEF9B3D-4565-47B9-ABAC-2D6AF3FEA442}"/>
+              </a:ext>
+            </a:extLst>
+          </p:cNvPr>
+          <p:cNvSpPr/>
+          <p:nvPr/>
+        </p:nvSpPr>
+        <p:spPr>
+          <a:xfrm>
+            <a:off x="3790702" y="2640554"/>
+            <a:ext cx="369332" cy="369332"/>
+          </a:xfrm>
+          <a:prstGeom prst="ellipse">
+            <a:avLst/>
+          </a:prstGeom>
+          <a:noFill/>
+          <a:ln w="19050">
+            <a:solidFill>
+              <a:schemeClr val="tx1"/>
+            </a:solidFill>
+          </a:ln>
+        </p:spPr>
+        <p:style>
+          <a:lnRef idx="2">
+            <a:schemeClr val="accent1">
+              <a:shade val="50000"/>
+            </a:schemeClr>
+          </a:lnRef>
+          <a:fillRef idx="1">
+            <a:schemeClr val="accent1"/>
+          </a:fillRef>
+          <a:effectRef idx="0">
+            <a:schemeClr val="accent1"/>
+          </a:effectRef>
+          <a:fontRef idx="minor">
+            <a:schemeClr val="lt1"/>
+          </a:fontRef>
+        </p:style>
+        <p:txBody>
+          <a:bodyPr rtlCol="0" anchor="ctr"/>
+          <a:lstStyle/>
+          <a:p>
+            <a:pPr algn="ctr"/>
+            <a:r>
+              <a:rPr lang="en-US" altLang="ko-KR" sz="1600" dirty="0">
+                <a:solidFill>
+                  <a:schemeClr val="tx1"/>
+                </a:solidFill>
+                <a:latin typeface="나눔스퀘어 Bold" panose="020B0600000101010101" pitchFamily="50" charset="-127"/>
+                <a:ea typeface="나눔스퀘어 Bold" panose="020B0600000101010101" pitchFamily="50" charset="-127"/>
+              </a:rPr>
+              <a:t>5</a:t>
+            </a:r>
+            <a:endParaRPr lang="ko-KR" altLang="en-US" sz="1600" dirty="0">
+              <a:solidFill>
+                <a:schemeClr val="tx1"/>
+              </a:solidFill>
+              <a:latin typeface="나눔스퀘어 Bold" panose="020B0600000101010101" pitchFamily="50" charset="-127"/>
+              <a:ea typeface="나눔스퀘어 Bold" panose="020B0600000101010101" pitchFamily="50" charset="-127"/>
+            </a:endParaRPr>
+          </a:p>
+        </p:txBody>
+      </p:sp>
+      <p:sp>
+        <p:nvSpPr>
+          <p:cNvPr id="19" name="TextBox 18">
+            <a:extLst>
+              <a:ext uri="{FF2B5EF4-FFF2-40B4-BE49-F238E27FC236}">
+                <a16:creationId xmlns:a16="http://schemas.microsoft.com/office/drawing/2014/main" id="{EAA024D5-8675-407B-BBFC-B8017D3503C8}"/>
+              </a:ext>
+            </a:extLst>
+          </p:cNvPr>
+          <p:cNvSpPr txBox="1"/>
+          <p:nvPr/>
+        </p:nvSpPr>
+        <p:spPr>
+          <a:xfrm>
+            <a:off x="942387" y="3704797"/>
+            <a:ext cx="10237694" cy="369332"/>
+          </a:xfrm>
+          <a:prstGeom prst="rect">
+            <a:avLst/>
+          </a:prstGeom>
+          <a:noFill/>
+        </p:spPr>
+        <p:txBody>
+          <a:bodyPr wrap="square" rtlCol="0">
+            <a:spAutoFit/>
+          </a:bodyPr>
+          <a:lstStyle/>
+          <a:p>
+            <a:r>
+              <a:rPr lang="ko-KR" altLang="en-US" dirty="0">
+                <a:latin typeface="나눔스퀘어 Light" panose="020B0600000101010101" pitchFamily="50" charset="-127"/>
+                <a:ea typeface="나눔스퀘어 Light" panose="020B0600000101010101" pitchFamily="50" charset="-127"/>
+              </a:rPr>
+              <a:t>연결된 </a:t>
+            </a:r>
+            <a:r>
+              <a:rPr lang="en-US" altLang="ko-KR" dirty="0">
+                <a:latin typeface="나눔스퀘어 Light" panose="020B0600000101010101" pitchFamily="50" charset="-127"/>
+                <a:ea typeface="나눔스퀘어 Light" panose="020B0600000101010101" pitchFamily="50" charset="-127"/>
+              </a:rPr>
+              <a:t>(</a:t>
+            </a:r>
+            <a:r>
+              <a:rPr lang="ko-KR" altLang="en-US" dirty="0">
+                <a:latin typeface="나눔스퀘어 Light" panose="020B0600000101010101" pitchFamily="50" charset="-127"/>
+                <a:ea typeface="나눔스퀘어 Light" panose="020B0600000101010101" pitchFamily="50" charset="-127"/>
+              </a:rPr>
+              <a:t>양방향</a:t>
+            </a:r>
+            <a:r>
+              <a:rPr lang="en-US" altLang="ko-KR" dirty="0">
+                <a:latin typeface="나눔스퀘어 Light" panose="020B0600000101010101" pitchFamily="50" charset="-127"/>
+                <a:ea typeface="나눔스퀘어 Light" panose="020B0600000101010101" pitchFamily="50" charset="-127"/>
+              </a:rPr>
+              <a:t>) </a:t>
+            </a:r>
+            <a:r>
+              <a:rPr lang="ko-KR" altLang="en-US" dirty="0">
+                <a:latin typeface="나눔스퀘어 Light" panose="020B0600000101010101" pitchFamily="50" charset="-127"/>
+                <a:ea typeface="나눔스퀘어 Light" panose="020B0600000101010101" pitchFamily="50" charset="-127"/>
+              </a:rPr>
+              <a:t>간선을 리스트에 추가합니다</a:t>
+            </a:r>
+            <a:r>
+              <a:rPr lang="en-US" altLang="ko-KR" dirty="0">
+                <a:latin typeface="나눔스퀘어 Light" panose="020B0600000101010101" pitchFamily="50" charset="-127"/>
+                <a:ea typeface="나눔스퀘어 Light" panose="020B0600000101010101" pitchFamily="50" charset="-127"/>
+              </a:rPr>
+              <a:t>.</a:t>
+            </a:r>
+            <a:endParaRPr lang="ko-KR" altLang="en-US" dirty="0">
+              <a:latin typeface="나눔스퀘어 Light" panose="020B0600000101010101" pitchFamily="50" charset="-127"/>
+              <a:ea typeface="나눔스퀘어 Light" panose="020B0600000101010101" pitchFamily="50" charset="-127"/>
+            </a:endParaRPr>
+          </a:p>
+        </p:txBody>
+      </p:sp>
+      <p:graphicFrame>
+        <p:nvGraphicFramePr>
+          <p:cNvPr id="30" name="표 30">
+            <a:extLst>
+              <a:ext uri="{FF2B5EF4-FFF2-40B4-BE49-F238E27FC236}">
+                <a16:creationId xmlns:a16="http://schemas.microsoft.com/office/drawing/2014/main" id="{54674DBB-8918-45BB-B9B0-819D98E55078}"/>
+              </a:ext>
+            </a:extLst>
+          </p:cNvPr>
+          <p:cNvGraphicFramePr>
+            <a:graphicFrameLocks noGrp="1"/>
+          </p:cNvGraphicFramePr>
+          <p:nvPr/>
+        </p:nvGraphicFramePr>
+        <p:xfrm>
+          <a:off x="942386" y="4345621"/>
+          <a:ext cx="2848315" cy="1854200"/>
+        </p:xfrm>
+        <a:graphic>
+          <a:graphicData uri="http://schemas.openxmlformats.org/drawingml/2006/table">
+            <a:tbl>
+              <a:tblPr firstRow="1" bandRow="1">
+                <a:tableStyleId>{5940675A-B579-460E-94D1-54222C63F5DA}</a:tableStyleId>
+              </a:tblPr>
+              <a:tblGrid>
+                <a:gridCol w="569663">
+                  <a:extLst>
+                    <a:ext uri="{9D8B030D-6E8A-4147-A177-3AD203B41FA5}">
+                      <a16:colId xmlns:a16="http://schemas.microsoft.com/office/drawing/2014/main" val="2843314934"/>
+                    </a:ext>
+                  </a:extLst>
+                </a:gridCol>
+                <a:gridCol w="569663">
+                  <a:extLst>
+                    <a:ext uri="{9D8B030D-6E8A-4147-A177-3AD203B41FA5}">
+                      <a16:colId xmlns:a16="http://schemas.microsoft.com/office/drawing/2014/main" val="3983011557"/>
+                    </a:ext>
+                  </a:extLst>
+                </a:gridCol>
+                <a:gridCol w="569663">
+                  <a:extLst>
+                    <a:ext uri="{9D8B030D-6E8A-4147-A177-3AD203B41FA5}">
+                      <a16:colId xmlns:a16="http://schemas.microsoft.com/office/drawing/2014/main" val="529424662"/>
+                    </a:ext>
+                  </a:extLst>
+                </a:gridCol>
+                <a:gridCol w="569663">
+                  <a:extLst>
+                    <a:ext uri="{9D8B030D-6E8A-4147-A177-3AD203B41FA5}">
+                      <a16:colId xmlns:a16="http://schemas.microsoft.com/office/drawing/2014/main" val="1422490239"/>
+                    </a:ext>
+                  </a:extLst>
+                </a:gridCol>
+                <a:gridCol w="569663">
+                  <a:extLst>
+                    <a:ext uri="{9D8B030D-6E8A-4147-A177-3AD203B41FA5}">
+                      <a16:colId xmlns:a16="http://schemas.microsoft.com/office/drawing/2014/main" val="3596873766"/>
+                    </a:ext>
+                  </a:extLst>
+                </a:gridCol>
+              </a:tblGrid>
+              <a:tr h="370840">
+                <a:tc>
+                  <a:txBody>
+                    <a:bodyPr/>
+                    <a:lstStyle/>
+                    <a:p>
+                      <a:pPr algn="ctr" latinLnBrk="1"/>
+                      <a:r>
+                        <a:rPr lang="en-US" altLang="ko-KR" dirty="0">
+                          <a:latin typeface="나눔스퀘어 Bold" panose="020B0600000101010101" pitchFamily="50" charset="-127"/>
+                          <a:ea typeface="나눔스퀘어 Bold" panose="020B0600000101010101" pitchFamily="50" charset="-127"/>
+                        </a:rPr>
+                        <a:t>1</a:t>
+                      </a:r>
+                      <a:endParaRPr lang="ko-KR" altLang="en-US" dirty="0">
+                        <a:latin typeface="나눔스퀘어 Bold" panose="020B0600000101010101" pitchFamily="50" charset="-127"/>
+                        <a:ea typeface="나눔스퀘어 Bold" panose="020B0600000101010101" pitchFamily="50" charset="-127"/>
+                      </a:endParaRPr>
+                    </a:p>
+                  </a:txBody>
+                  <a:tcPr>
+                    <a:lnL w="12700" cap="flat" cmpd="sng" algn="ctr">
+                      <a:solidFill>
+                        <a:schemeClr val="tx1"/>
+                      </a:solidFill>
+                      <a:prstDash val="solid"/>
+                      <a:round/>
+                      <a:headEnd type="none" w="med" len="med"/>
+                      <a:tailEnd type="none" w="med" len="med"/>
+                    </a:lnL>
+                    <a:lnR w="12700" cap="flat" cmpd="sng" algn="ctr">
+                      <a:solidFill>
+                        <a:schemeClr val="tx1"/>
+                      </a:solidFill>
+                      <a:prstDash val="solid"/>
+                      <a:round/>
+                      <a:headEnd type="none" w="med" len="med"/>
+                      <a:tailEnd type="none" w="med" len="med"/>
+                    </a:lnR>
+                    <a:lnT w="12700" cap="flat" cmpd="sng" algn="ctr">
+                      <a:solidFill>
+                        <a:schemeClr val="tx1"/>
+                      </a:solidFill>
+                      <a:prstDash val="solid"/>
+                      <a:round/>
+                      <a:headEnd type="none" w="med" len="med"/>
+                      <a:tailEnd type="none" w="med" len="med"/>
+                    </a:lnT>
+                  </a:tcPr>
+                </a:tc>
+                <a:tc>
+                  <a:txBody>
+                    <a:bodyPr/>
+                    <a:lstStyle/>
+                    <a:p>
+                      <a:pPr algn="ctr" latinLnBrk="1"/>
+                      <a:endParaRPr lang="ko-KR" altLang="en-US" dirty="0">
+                        <a:latin typeface="나눔스퀘어 Bold" panose="020B0600000101010101" pitchFamily="50" charset="-127"/>
+                        <a:ea typeface="나눔스퀘어 Bold" panose="020B0600000101010101" pitchFamily="50" charset="-127"/>
+                      </a:endParaRPr>
+                    </a:p>
+                  </a:txBody>
+                  <a:tcPr>
+                    <a:lnL w="12700" cap="flat" cmpd="sng" algn="ctr">
+                      <a:solidFill>
+                        <a:schemeClr val="tx1"/>
+                      </a:solidFill>
+                      <a:prstDash val="solid"/>
+                      <a:round/>
+                      <a:headEnd type="none" w="med" len="med"/>
+                      <a:tailEnd type="none" w="med" len="med"/>
+                    </a:lnL>
+                    <a:lnR w="12700" cap="flat" cmpd="sng" algn="ctr">
+                      <a:solidFill>
+                        <a:schemeClr val="tx1"/>
+                      </a:solidFill>
+                      <a:prstDash val="solid"/>
+                      <a:round/>
+                      <a:headEnd type="none" w="med" len="med"/>
+                      <a:tailEnd type="none" w="med" len="med"/>
+                    </a:lnR>
+                    <a:lnT w="12700" cmpd="sng">
+                      <a:noFill/>
+                    </a:lnT>
+                    <a:lnB w="12700" cmpd="sng">
+                      <a:noFill/>
+                    </a:lnB>
+                    <a:lnTlToBr w="12700" cmpd="sng">
+                      <a:noFill/>
+                      <a:prstDash val="solid"/>
+                    </a:lnTlToBr>
+                    <a:lnBlToTr w="12700" cmpd="sng">
+                      <a:noFill/>
+                      <a:prstDash val="solid"/>
+                    </a:lnBlToTr>
+                  </a:tcPr>
+                </a:tc>
+                <a:tc>
+                  <a:txBody>
+                    <a:bodyPr/>
+                    <a:lstStyle/>
+                    <a:p>
+                      <a:pPr algn="ctr" latinLnBrk="1"/>
+                      <a:r>
+                        <a:rPr lang="en-US" altLang="ko-KR" dirty="0">
+                          <a:latin typeface="나눔스퀘어 Bold" panose="020B0600000101010101" pitchFamily="50" charset="-127"/>
+                          <a:ea typeface="나눔스퀘어 Bold" panose="020B0600000101010101" pitchFamily="50" charset="-127"/>
+                        </a:rPr>
+                        <a:t>2</a:t>
+                      </a:r>
+                      <a:endParaRPr lang="ko-KR" altLang="en-US" dirty="0">
+                        <a:latin typeface="나눔스퀘어 Bold" panose="020B0600000101010101" pitchFamily="50" charset="-127"/>
+                        <a:ea typeface="나눔스퀘어 Bold" panose="020B0600000101010101" pitchFamily="50" charset="-127"/>
+                      </a:endParaRPr>
+                    </a:p>
+                  </a:txBody>
+                  <a:tcPr>
+                    <a:lnL w="12700" cap="flat" cmpd="sng" algn="ctr">
+                      <a:solidFill>
+                        <a:schemeClr val="tx1"/>
+                      </a:solidFill>
+                      <a:prstDash val="solid"/>
+                      <a:round/>
+                      <a:headEnd type="none" w="med" len="med"/>
+                      <a:tailEnd type="none" w="med" len="med"/>
+                    </a:lnL>
+                    <a:lnR w="12700" cap="flat" cmpd="sng" algn="ctr">
+                      <a:solidFill>
+                        <a:schemeClr val="tx1"/>
+                      </a:solidFill>
+                      <a:prstDash val="solid"/>
+                      <a:round/>
+                      <a:headEnd type="none" w="med" len="med"/>
+                      <a:tailEnd type="none" w="med" len="med"/>
+                    </a:lnR>
+                    <a:lnT w="12700" cap="flat" cmpd="sng" algn="ctr">
+                      <a:solidFill>
+                        <a:schemeClr val="tx1"/>
+                      </a:solidFill>
+                      <a:prstDash val="solid"/>
+                      <a:round/>
+                      <a:headEnd type="none" w="med" len="med"/>
+                      <a:tailEnd type="none" w="med" len="med"/>
+                    </a:lnT>
+                    <a:lnB w="12700" cap="flat" cmpd="sng" algn="ctr">
+                      <a:solidFill>
+                        <a:schemeClr val="tx1"/>
+                      </a:solidFill>
+                      <a:prstDash val="solid"/>
+                      <a:round/>
+                      <a:headEnd type="none" w="med" len="med"/>
+                      <a:tailEnd type="none" w="med" len="med"/>
+                    </a:lnB>
+                    <a:lnTlToBr w="12700" cmpd="sng">
+                      <a:noFill/>
+                      <a:prstDash val="solid"/>
+                    </a:lnTlToBr>
+                    <a:lnBlToTr w="12700" cmpd="sng">
+                      <a:noFill/>
+                      <a:prstDash val="solid"/>
+                    </a:lnBlToTr>
+                  </a:tcPr>
+                </a:tc>
+                <a:tc>
+                  <a:txBody>
+                    <a:bodyPr/>
+                    <a:lstStyle/>
+                    <a:p>
+                      <a:pPr algn="ctr" latinLnBrk="1"/>
+                      <a:r>
+                        <a:rPr lang="en-US" altLang="ko-KR" dirty="0">
+                          <a:latin typeface="나눔스퀘어 Bold" panose="020B0600000101010101" pitchFamily="50" charset="-127"/>
+                          <a:ea typeface="나눔스퀘어 Bold" panose="020B0600000101010101" pitchFamily="50" charset="-127"/>
+                        </a:rPr>
+                        <a:t>3</a:t>
+                      </a:r>
+                      <a:endParaRPr lang="ko-KR" altLang="en-US" dirty="0">
+                        <a:latin typeface="나눔스퀘어 Bold" panose="020B0600000101010101" pitchFamily="50" charset="-127"/>
+                        <a:ea typeface="나눔스퀘어 Bold" panose="020B0600000101010101" pitchFamily="50" charset="-127"/>
+                      </a:endParaRPr>
+                    </a:p>
+                  </a:txBody>
+                  <a:tcPr>
+                    <a:lnL w="12700" cap="flat" cmpd="sng" algn="ctr">
+                      <a:solidFill>
+                        <a:schemeClr val="tx1"/>
+                      </a:solidFill>
+                      <a:prstDash val="solid"/>
+                      <a:round/>
+                      <a:headEnd type="none" w="med" len="med"/>
+                      <a:tailEnd type="none" w="med" len="med"/>
+                    </a:lnL>
+                    <a:lnR w="12700" cap="flat" cmpd="sng" algn="ctr">
+                      <a:solidFill>
+                        <a:schemeClr val="tx1"/>
+                      </a:solidFill>
+                      <a:prstDash val="solid"/>
+                      <a:round/>
+                      <a:headEnd type="none" w="med" len="med"/>
+                      <a:tailEnd type="none" w="med" len="med"/>
+                    </a:lnR>
+                    <a:lnT w="12700" cap="flat" cmpd="sng" algn="ctr">
+                      <a:solidFill>
+                        <a:schemeClr val="tx1"/>
+                      </a:solidFill>
+                      <a:prstDash val="solid"/>
+                      <a:round/>
+                      <a:headEnd type="none" w="med" len="med"/>
+                      <a:tailEnd type="none" w="med" len="med"/>
+                    </a:lnT>
+                    <a:lnB w="12700" cap="flat" cmpd="sng" algn="ctr">
+                      <a:solidFill>
+                        <a:schemeClr val="tx1"/>
+                      </a:solidFill>
+                      <a:prstDash val="solid"/>
+                      <a:round/>
+                      <a:headEnd type="none" w="med" len="med"/>
+                      <a:tailEnd type="none" w="med" len="med"/>
+                    </a:lnB>
+                    <a:lnTlToBr w="12700" cmpd="sng">
+                      <a:noFill/>
+                      <a:prstDash val="solid"/>
+                    </a:lnTlToBr>
+                    <a:lnBlToTr w="12700" cmpd="sng">
+                      <a:noFill/>
+                      <a:prstDash val="solid"/>
+                    </a:lnBlToTr>
+                  </a:tcPr>
+                </a:tc>
+                <a:tc>
+                  <a:txBody>
+                    <a:bodyPr/>
+                    <a:lstStyle/>
+                    <a:p>
+                      <a:pPr algn="ctr" latinLnBrk="1"/>
+                      <a:r>
+                        <a:rPr lang="en-US" altLang="ko-KR" dirty="0">
+                          <a:latin typeface="나눔스퀘어 Bold" panose="020B0600000101010101" pitchFamily="50" charset="-127"/>
+                          <a:ea typeface="나눔스퀘어 Bold" panose="020B0600000101010101" pitchFamily="50" charset="-127"/>
+                        </a:rPr>
+                        <a:t>4</a:t>
+                      </a:r>
+                      <a:endParaRPr lang="ko-KR" altLang="en-US" dirty="0">
+                        <a:latin typeface="나눔스퀘어 Bold" panose="020B0600000101010101" pitchFamily="50" charset="-127"/>
+                        <a:ea typeface="나눔스퀘어 Bold" panose="020B0600000101010101" pitchFamily="50" charset="-127"/>
+                      </a:endParaRPr>
+                    </a:p>
+                  </a:txBody>
+                  <a:tcPr>
+                    <a:lnL w="12700" cap="flat" cmpd="sng" algn="ctr">
+                      <a:solidFill>
+                        <a:schemeClr val="tx1"/>
+                      </a:solidFill>
+                      <a:prstDash val="solid"/>
+                      <a:round/>
+                      <a:headEnd type="none" w="med" len="med"/>
+                      <a:tailEnd type="none" w="med" len="med"/>
+                    </a:lnL>
+                    <a:lnR w="12700" cap="flat" cmpd="sng" algn="ctr">
+                      <a:solidFill>
+                        <a:schemeClr val="tx1"/>
+                      </a:solidFill>
+                      <a:prstDash val="solid"/>
+                      <a:round/>
+                      <a:headEnd type="none" w="med" len="med"/>
+                      <a:tailEnd type="none" w="med" len="med"/>
+                    </a:lnR>
+                    <a:lnT w="12700" cap="flat" cmpd="sng" algn="ctr">
+                      <a:solidFill>
+                        <a:schemeClr val="tx1"/>
+                      </a:solidFill>
+                      <a:prstDash val="solid"/>
+                      <a:round/>
+                      <a:headEnd type="none" w="med" len="med"/>
+                      <a:tailEnd type="none" w="med" len="med"/>
+                    </a:lnT>
+                    <a:lnB w="12700" cap="flat" cmpd="sng" algn="ctr">
+                      <a:solidFill>
+                        <a:schemeClr val="tx1"/>
+                      </a:solidFill>
+                      <a:prstDash val="solid"/>
+                      <a:round/>
+                      <a:headEnd type="none" w="med" len="med"/>
+                      <a:tailEnd type="none" w="med" len="med"/>
+                    </a:lnB>
+                    <a:lnTlToBr w="12700" cmpd="sng">
+                      <a:noFill/>
+                      <a:prstDash val="solid"/>
+                    </a:lnTlToBr>
+                    <a:lnBlToTr w="12700" cmpd="sng">
+                      <a:noFill/>
+                      <a:prstDash val="solid"/>
+                    </a:lnBlToTr>
+                  </a:tcPr>
+                </a:tc>
+                <a:extLst>
+                  <a:ext uri="{0D108BD9-81ED-4DB2-BD59-A6C34878D82A}">
+                    <a16:rowId xmlns:a16="http://schemas.microsoft.com/office/drawing/2014/main" val="1245434678"/>
+                  </a:ext>
+                </a:extLst>
+              </a:tr>
+              <a:tr h="370840">
+                <a:tc>
+                  <a:txBody>
+                    <a:bodyPr/>
+                    <a:lstStyle/>
+                    <a:p>
+                      <a:pPr algn="ctr" latinLnBrk="1"/>
+                      <a:r>
+                        <a:rPr lang="en-US" altLang="ko-KR" dirty="0">
+                          <a:latin typeface="나눔스퀘어 Bold" panose="020B0600000101010101" pitchFamily="50" charset="-127"/>
+                          <a:ea typeface="나눔스퀘어 Bold" panose="020B0600000101010101" pitchFamily="50" charset="-127"/>
+                        </a:rPr>
+                        <a:t>2</a:t>
+                      </a:r>
+                      <a:endParaRPr lang="ko-KR" altLang="en-US" dirty="0">
+                        <a:latin typeface="나눔스퀘어 Bold" panose="020B0600000101010101" pitchFamily="50" charset="-127"/>
+                        <a:ea typeface="나눔스퀘어 Bold" panose="020B0600000101010101" pitchFamily="50" charset="-127"/>
+                      </a:endParaRPr>
+                    </a:p>
+                  </a:txBody>
+                  <a:tcPr>
+                    <a:lnL w="12700" cap="flat" cmpd="sng" algn="ctr">
+                      <a:solidFill>
+                        <a:schemeClr val="tx1"/>
+                      </a:solidFill>
+                      <a:prstDash val="solid"/>
+                      <a:round/>
+                      <a:headEnd type="none" w="med" len="med"/>
+                      <a:tailEnd type="none" w="med" len="med"/>
+                    </a:lnL>
+                    <a:lnR w="12700" cap="flat" cmpd="sng" algn="ctr">
+                      <a:solidFill>
+                        <a:schemeClr val="tx1"/>
+                      </a:solidFill>
+                      <a:prstDash val="solid"/>
+                      <a:round/>
+                      <a:headEnd type="none" w="med" len="med"/>
+                      <a:tailEnd type="none" w="med" len="med"/>
+                    </a:lnR>
+                  </a:tcPr>
+                </a:tc>
+                <a:tc>
+                  <a:txBody>
+                    <a:bodyPr/>
+                    <a:lstStyle/>
+                    <a:p>
+                      <a:pPr algn="ctr" latinLnBrk="1"/>
+                      <a:endParaRPr lang="ko-KR" altLang="en-US" dirty="0">
+                        <a:latin typeface="나눔스퀘어 Bold" panose="020B0600000101010101" pitchFamily="50" charset="-127"/>
+                        <a:ea typeface="나눔스퀘어 Bold" panose="020B0600000101010101" pitchFamily="50" charset="-127"/>
+                      </a:endParaRPr>
+                    </a:p>
+                  </a:txBody>
+                  <a:tcPr>
+                    <a:lnL w="12700" cap="flat" cmpd="sng" algn="ctr">
+                      <a:solidFill>
+                        <a:schemeClr val="tx1"/>
+                      </a:solidFill>
+                      <a:prstDash val="solid"/>
+                      <a:round/>
+                      <a:headEnd type="none" w="med" len="med"/>
+                      <a:tailEnd type="none" w="med" len="med"/>
+                    </a:lnL>
+                    <a:lnR w="12700" cap="flat" cmpd="sng" algn="ctr">
+                      <a:solidFill>
+                        <a:schemeClr val="tx1"/>
+                      </a:solidFill>
+                      <a:prstDash val="solid"/>
+                      <a:round/>
+                      <a:headEnd type="none" w="med" len="med"/>
+                      <a:tailEnd type="none" w="med" len="med"/>
+                    </a:lnR>
+                    <a:lnT w="12700" cmpd="sng">
+                      <a:noFill/>
+                    </a:lnT>
+                    <a:lnB w="12700" cmpd="sng">
+                      <a:noFill/>
+                    </a:lnB>
+                    <a:lnTlToBr w="12700" cmpd="sng">
+                      <a:noFill/>
+                      <a:prstDash val="solid"/>
+                    </a:lnTlToBr>
+                    <a:lnBlToTr w="12700" cmpd="sng">
+                      <a:noFill/>
+                      <a:prstDash val="solid"/>
+                    </a:lnBlToTr>
+                  </a:tcPr>
+                </a:tc>
+                <a:tc>
+                  <a:txBody>
+                    <a:bodyPr/>
+                    <a:lstStyle/>
+                    <a:p>
+                      <a:pPr algn="ctr" latinLnBrk="1"/>
+                      <a:r>
+                        <a:rPr lang="en-US" altLang="ko-KR" dirty="0">
+                          <a:latin typeface="나눔스퀘어 Bold" panose="020B0600000101010101" pitchFamily="50" charset="-127"/>
+                          <a:ea typeface="나눔스퀘어 Bold" panose="020B0600000101010101" pitchFamily="50" charset="-127"/>
+                        </a:rPr>
+                        <a:t>1</a:t>
+                      </a:r>
+                      <a:endParaRPr lang="ko-KR" altLang="en-US" dirty="0">
+                        <a:latin typeface="나눔스퀘어 Bold" panose="020B0600000101010101" pitchFamily="50" charset="-127"/>
+                        <a:ea typeface="나눔스퀘어 Bold" panose="020B0600000101010101" pitchFamily="50" charset="-127"/>
+                      </a:endParaRPr>
+                    </a:p>
+                  </a:txBody>
+                  <a:tcPr>
+                    <a:lnL w="12700" cap="flat" cmpd="sng" algn="ctr">
+                      <a:solidFill>
+                        <a:schemeClr val="tx1"/>
+                      </a:solidFill>
+                      <a:prstDash val="solid"/>
+                      <a:round/>
+                      <a:headEnd type="none" w="med" len="med"/>
+                      <a:tailEnd type="none" w="med" len="med"/>
+                    </a:lnL>
+                    <a:lnR w="12700" cap="flat" cmpd="sng" algn="ctr">
+                      <a:solidFill>
+                        <a:schemeClr val="tx1"/>
+                      </a:solidFill>
+                      <a:prstDash val="solid"/>
+                      <a:round/>
+                      <a:headEnd type="none" w="med" len="med"/>
+                      <a:tailEnd type="none" w="med" len="med"/>
+                    </a:lnR>
+                    <a:lnT w="12700" cap="flat" cmpd="sng" algn="ctr">
+                      <a:solidFill>
+                        <a:schemeClr val="tx1"/>
+                      </a:solidFill>
+                      <a:prstDash val="solid"/>
+                      <a:round/>
+                      <a:headEnd type="none" w="med" len="med"/>
+                      <a:tailEnd type="none" w="med" len="med"/>
+                    </a:lnT>
+                    <a:lnB w="12700" cap="flat" cmpd="sng" algn="ctr">
+                      <a:solidFill>
+                        <a:schemeClr val="tx1"/>
+                      </a:solidFill>
+                      <a:prstDash val="solid"/>
+                      <a:round/>
+                      <a:headEnd type="none" w="med" len="med"/>
+                      <a:tailEnd type="none" w="med" len="med"/>
+                    </a:lnB>
+                  </a:tcPr>
+                </a:tc>
+                <a:tc>
+                  <a:txBody>
+                    <a:bodyPr/>
+                    <a:lstStyle/>
+                    <a:p>
+                      <a:pPr algn="ctr" latinLnBrk="1"/>
+                      <a:endParaRPr lang="ko-KR" altLang="en-US" dirty="0">
+                        <a:latin typeface="나눔스퀘어 Bold" panose="020B0600000101010101" pitchFamily="50" charset="-127"/>
+                        <a:ea typeface="나눔스퀘어 Bold" panose="020B0600000101010101" pitchFamily="50" charset="-127"/>
+                      </a:endParaRPr>
+                    </a:p>
+                  </a:txBody>
+                  <a:tcPr>
+                    <a:lnL w="12700" cap="flat" cmpd="sng" algn="ctr">
+                      <a:solidFill>
+                        <a:schemeClr val="tx1"/>
+                      </a:solidFill>
+                      <a:prstDash val="solid"/>
+                      <a:round/>
+                      <a:headEnd type="none" w="med" len="med"/>
+                      <a:tailEnd type="none" w="med" len="med"/>
+                    </a:lnL>
+                    <a:lnR w="12700" cap="flat" cmpd="sng" algn="ctr">
+                      <a:noFill/>
+                      <a:prstDash val="solid"/>
+                      <a:round/>
+                      <a:headEnd type="none" w="med" len="med"/>
+                      <a:tailEnd type="none" w="med" len="med"/>
+                    </a:lnR>
+                    <a:lnT w="12700" cap="flat" cmpd="sng" algn="ctr">
+                      <a:solidFill>
+                        <a:schemeClr val="tx1"/>
+                      </a:solidFill>
+                      <a:prstDash val="solid"/>
+                      <a:round/>
+                      <a:headEnd type="none" w="med" len="med"/>
+                      <a:tailEnd type="none" w="med" len="med"/>
+                    </a:lnT>
+                    <a:lnB w="12700" cap="flat" cmpd="sng" algn="ctr">
+                      <a:noFill/>
+                      <a:prstDash val="solid"/>
+                      <a:round/>
+                      <a:headEnd type="none" w="med" len="med"/>
+                      <a:tailEnd type="none" w="med" len="med"/>
+                    </a:lnB>
+                    <a:lnTlToBr w="12700" cmpd="sng">
+                      <a:noFill/>
+                      <a:prstDash val="solid"/>
+                    </a:lnTlToBr>
+                    <a:lnBlToTr w="12700" cmpd="sng">
+                      <a:noFill/>
+                      <a:prstDash val="solid"/>
+                    </a:lnBlToTr>
+                  </a:tcPr>
+                </a:tc>
+                <a:tc>
+                  <a:txBody>
+                    <a:bodyPr/>
+                    <a:lstStyle/>
+                    <a:p>
+                      <a:pPr algn="ctr" latinLnBrk="1"/>
+                      <a:endParaRPr lang="ko-KR" altLang="en-US" dirty="0">
+                        <a:latin typeface="나눔스퀘어 Bold" panose="020B0600000101010101" pitchFamily="50" charset="-127"/>
+                        <a:ea typeface="나눔스퀘어 Bold" panose="020B0600000101010101" pitchFamily="50" charset="-127"/>
+                      </a:endParaRPr>
+                    </a:p>
+                  </a:txBody>
+                  <a:tcPr>
+                    <a:lnL w="12700" cap="flat" cmpd="sng" algn="ctr">
+                      <a:noFill/>
+                      <a:prstDash val="solid"/>
+                      <a:round/>
+                      <a:headEnd type="none" w="med" len="med"/>
+                      <a:tailEnd type="none" w="med" len="med"/>
+                    </a:lnL>
+                    <a:lnR w="12700" cap="flat" cmpd="sng" algn="ctr">
+                      <a:noFill/>
+                      <a:prstDash val="solid"/>
+                      <a:round/>
+                      <a:headEnd type="none" w="med" len="med"/>
+                      <a:tailEnd type="none" w="med" len="med"/>
+                    </a:lnR>
+                    <a:lnT w="12700" cap="flat" cmpd="sng" algn="ctr">
+                      <a:solidFill>
+                        <a:schemeClr val="tx1"/>
+                      </a:solidFill>
+                      <a:prstDash val="solid"/>
+                      <a:round/>
+                      <a:headEnd type="none" w="med" len="med"/>
+                      <a:tailEnd type="none" w="med" len="med"/>
+                    </a:lnT>
+                    <a:lnB w="12700" cap="flat" cmpd="sng" algn="ctr">
+                      <a:noFill/>
+                      <a:prstDash val="solid"/>
+                      <a:round/>
+                      <a:headEnd type="none" w="med" len="med"/>
+                      <a:tailEnd type="none" w="med" len="med"/>
+                    </a:lnB>
+                    <a:lnTlToBr w="12700" cmpd="sng">
+                      <a:noFill/>
+                      <a:prstDash val="solid"/>
+                    </a:lnTlToBr>
+                    <a:lnBlToTr w="12700" cmpd="sng">
+                      <a:noFill/>
+                      <a:prstDash val="solid"/>
+                    </a:lnBlToTr>
+                  </a:tcPr>
+                </a:tc>
+                <a:extLst>
+                  <a:ext uri="{0D108BD9-81ED-4DB2-BD59-A6C34878D82A}">
+                    <a16:rowId xmlns:a16="http://schemas.microsoft.com/office/drawing/2014/main" val="1833067621"/>
+                  </a:ext>
+                </a:extLst>
+              </a:tr>
+              <a:tr h="370840">
+                <a:tc>
+                  <a:txBody>
+                    <a:bodyPr/>
+                    <a:lstStyle/>
+                    <a:p>
+                      <a:pPr algn="ctr" latinLnBrk="1"/>
+                      <a:r>
+                        <a:rPr lang="en-US" altLang="ko-KR" dirty="0">
+                          <a:latin typeface="나눔스퀘어 Bold" panose="020B0600000101010101" pitchFamily="50" charset="-127"/>
+                          <a:ea typeface="나눔스퀘어 Bold" panose="020B0600000101010101" pitchFamily="50" charset="-127"/>
+                        </a:rPr>
+                        <a:t>3</a:t>
+                      </a:r>
+                      <a:endParaRPr lang="ko-KR" altLang="en-US" dirty="0">
+                        <a:latin typeface="나눔스퀘어 Bold" panose="020B0600000101010101" pitchFamily="50" charset="-127"/>
+                        <a:ea typeface="나눔스퀘어 Bold" panose="020B0600000101010101" pitchFamily="50" charset="-127"/>
+                      </a:endParaRPr>
+                    </a:p>
+                  </a:txBody>
+                  <a:tcPr>
+                    <a:lnL w="12700" cap="flat" cmpd="sng" algn="ctr">
+                      <a:solidFill>
+                        <a:schemeClr val="tx1"/>
+                      </a:solidFill>
+                      <a:prstDash val="solid"/>
+                      <a:round/>
+                      <a:headEnd type="none" w="med" len="med"/>
+                      <a:tailEnd type="none" w="med" len="med"/>
+                    </a:lnL>
+                    <a:lnR w="12700" cap="flat" cmpd="sng" algn="ctr">
+                      <a:solidFill>
+                        <a:schemeClr val="tx1"/>
+                      </a:solidFill>
+                      <a:prstDash val="solid"/>
+                      <a:round/>
+                      <a:headEnd type="none" w="med" len="med"/>
+                      <a:tailEnd type="none" w="med" len="med"/>
+                    </a:lnR>
+                  </a:tcPr>
+                </a:tc>
+                <a:tc>
+                  <a:txBody>
+                    <a:bodyPr/>
+                    <a:lstStyle/>
+                    <a:p>
+                      <a:pPr algn="ctr" latinLnBrk="1"/>
+                      <a:endParaRPr lang="ko-KR" altLang="en-US" dirty="0">
+                        <a:latin typeface="나눔스퀘어 Bold" panose="020B0600000101010101" pitchFamily="50" charset="-127"/>
+                        <a:ea typeface="나눔스퀘어 Bold" panose="020B0600000101010101" pitchFamily="50" charset="-127"/>
+                      </a:endParaRPr>
+                    </a:p>
+                  </a:txBody>
+                  <a:tcPr>
+                    <a:lnL w="12700" cap="flat" cmpd="sng" algn="ctr">
+                      <a:solidFill>
+                        <a:schemeClr val="tx1"/>
+                      </a:solidFill>
+                      <a:prstDash val="solid"/>
+                      <a:round/>
+                      <a:headEnd type="none" w="med" len="med"/>
+                      <a:tailEnd type="none" w="med" len="med"/>
+                    </a:lnL>
+                    <a:lnR w="12700" cap="flat" cmpd="sng" algn="ctr">
+                      <a:solidFill>
+                        <a:schemeClr val="tx1"/>
+                      </a:solidFill>
+                      <a:prstDash val="solid"/>
+                      <a:round/>
+                      <a:headEnd type="none" w="med" len="med"/>
+                      <a:tailEnd type="none" w="med" len="med"/>
+                    </a:lnR>
+                    <a:lnT w="12700" cmpd="sng">
+                      <a:noFill/>
+                    </a:lnT>
+                    <a:lnB w="12700" cmpd="sng">
+                      <a:noFill/>
+                    </a:lnB>
+                    <a:lnTlToBr w="12700" cmpd="sng">
+                      <a:noFill/>
+                      <a:prstDash val="solid"/>
+                    </a:lnTlToBr>
+                    <a:lnBlToTr w="12700" cmpd="sng">
+                      <a:noFill/>
+                      <a:prstDash val="solid"/>
+                    </a:lnBlToTr>
+                  </a:tcPr>
+                </a:tc>
+                <a:tc>
+                  <a:txBody>
+                    <a:bodyPr/>
+                    <a:lstStyle/>
+                    <a:p>
+                      <a:pPr algn="ctr" latinLnBrk="1"/>
+                      <a:r>
+                        <a:rPr lang="en-US" altLang="ko-KR" dirty="0">
+                          <a:latin typeface="나눔스퀘어 Bold" panose="020B0600000101010101" pitchFamily="50" charset="-127"/>
+                          <a:ea typeface="나눔스퀘어 Bold" panose="020B0600000101010101" pitchFamily="50" charset="-127"/>
+                        </a:rPr>
+                        <a:t>1</a:t>
+                      </a:r>
+                      <a:endParaRPr lang="ko-KR" altLang="en-US" dirty="0">
+                        <a:latin typeface="나눔스퀘어 Bold" panose="020B0600000101010101" pitchFamily="50" charset="-127"/>
+                        <a:ea typeface="나눔스퀘어 Bold" panose="020B0600000101010101" pitchFamily="50" charset="-127"/>
+                      </a:endParaRPr>
+                    </a:p>
+                  </a:txBody>
+                  <a:tcPr>
+                    <a:lnL w="12700" cap="flat" cmpd="sng" algn="ctr">
+                      <a:solidFill>
+                        <a:schemeClr val="tx1"/>
+                      </a:solidFill>
+                      <a:prstDash val="solid"/>
+                      <a:round/>
+                      <a:headEnd type="none" w="med" len="med"/>
+                      <a:tailEnd type="none" w="med" len="med"/>
+                    </a:lnL>
+                    <a:lnR w="12700" cap="flat" cmpd="sng" algn="ctr">
+                      <a:solidFill>
+                        <a:schemeClr val="tx1"/>
+                      </a:solidFill>
+                      <a:prstDash val="solid"/>
+                      <a:round/>
+                      <a:headEnd type="none" w="med" len="med"/>
+                      <a:tailEnd type="none" w="med" len="med"/>
+                    </a:lnR>
+                    <a:lnT w="12700" cap="flat" cmpd="sng" algn="ctr">
+                      <a:solidFill>
+                        <a:schemeClr val="tx1"/>
+                      </a:solidFill>
+                      <a:prstDash val="solid"/>
+                      <a:round/>
+                      <a:headEnd type="none" w="med" len="med"/>
+                      <a:tailEnd type="none" w="med" len="med"/>
+                    </a:lnT>
+                    <a:lnB w="12700" cap="flat" cmpd="sng" algn="ctr">
+                      <a:solidFill>
+                        <a:schemeClr val="tx1"/>
+                      </a:solidFill>
+                      <a:prstDash val="solid"/>
+                      <a:round/>
+                      <a:headEnd type="none" w="med" len="med"/>
+                      <a:tailEnd type="none" w="med" len="med"/>
+                    </a:lnB>
+                  </a:tcPr>
+                </a:tc>
+                <a:tc>
+                  <a:txBody>
+                    <a:bodyPr/>
+                    <a:lstStyle/>
+                    <a:p>
+                      <a:pPr algn="ctr" latinLnBrk="1"/>
+                      <a:endParaRPr lang="ko-KR" altLang="en-US" dirty="0">
+                        <a:latin typeface="나눔스퀘어 Bold" panose="020B0600000101010101" pitchFamily="50" charset="-127"/>
+                        <a:ea typeface="나눔스퀘어 Bold" panose="020B0600000101010101" pitchFamily="50" charset="-127"/>
+                      </a:endParaRPr>
+                    </a:p>
+                  </a:txBody>
+                  <a:tcPr>
+                    <a:lnL w="12700" cap="flat" cmpd="sng" algn="ctr">
+                      <a:solidFill>
+                        <a:schemeClr val="tx1"/>
+                      </a:solidFill>
+                      <a:prstDash val="solid"/>
+                      <a:round/>
+                      <a:headEnd type="none" w="med" len="med"/>
+                      <a:tailEnd type="none" w="med" len="med"/>
+                    </a:lnL>
+                    <a:lnR w="12700" cap="flat" cmpd="sng" algn="ctr">
+                      <a:noFill/>
+                      <a:prstDash val="solid"/>
+                      <a:round/>
+                      <a:headEnd type="none" w="med" len="med"/>
+                      <a:tailEnd type="none" w="med" len="med"/>
+                    </a:lnR>
+                    <a:lnT w="12700" cap="flat" cmpd="sng" algn="ctr">
+                      <a:noFill/>
+                      <a:prstDash val="solid"/>
+                      <a:round/>
+                      <a:headEnd type="none" w="med" len="med"/>
+                      <a:tailEnd type="none" w="med" len="med"/>
+                    </a:lnT>
+                    <a:lnB w="12700" cap="flat" cmpd="sng" algn="ctr">
+                      <a:solidFill>
+                        <a:schemeClr val="tx1"/>
+                      </a:solidFill>
+                      <a:prstDash val="solid"/>
+                      <a:round/>
+                      <a:headEnd type="none" w="med" len="med"/>
+                      <a:tailEnd type="none" w="med" len="med"/>
+                    </a:lnB>
+                    <a:lnTlToBr w="12700" cmpd="sng">
+                      <a:noFill/>
+                      <a:prstDash val="solid"/>
+                    </a:lnTlToBr>
+                    <a:lnBlToTr w="12700" cmpd="sng">
+                      <a:noFill/>
+                      <a:prstDash val="solid"/>
+                    </a:lnBlToTr>
+                  </a:tcPr>
+                </a:tc>
+                <a:tc>
+                  <a:txBody>
+                    <a:bodyPr/>
+                    <a:lstStyle/>
+                    <a:p>
+                      <a:pPr algn="ctr" latinLnBrk="1"/>
+                      <a:endParaRPr lang="ko-KR" altLang="en-US" dirty="0">
+                        <a:latin typeface="나눔스퀘어 Bold" panose="020B0600000101010101" pitchFamily="50" charset="-127"/>
+                        <a:ea typeface="나눔스퀘어 Bold" panose="020B0600000101010101" pitchFamily="50" charset="-127"/>
+                      </a:endParaRPr>
+                    </a:p>
+                  </a:txBody>
+                  <a:tcPr>
+                    <a:lnL w="12700" cap="flat" cmpd="sng" algn="ctr">
+                      <a:noFill/>
+                      <a:prstDash val="solid"/>
+                      <a:round/>
+                      <a:headEnd type="none" w="med" len="med"/>
+                      <a:tailEnd type="none" w="med" len="med"/>
+                    </a:lnL>
+                    <a:lnR w="12700" cap="flat" cmpd="sng" algn="ctr">
+                      <a:noFill/>
+                      <a:prstDash val="solid"/>
+                      <a:round/>
+                      <a:headEnd type="none" w="med" len="med"/>
+                      <a:tailEnd type="none" w="med" len="med"/>
+                    </a:lnR>
+                    <a:lnT w="12700" cap="flat" cmpd="sng" algn="ctr">
+                      <a:noFill/>
+                      <a:prstDash val="solid"/>
+                      <a:round/>
+                      <a:headEnd type="none" w="med" len="med"/>
+                      <a:tailEnd type="none" w="med" len="med"/>
+                    </a:lnT>
+                    <a:lnB w="12700" cap="flat" cmpd="sng" algn="ctr">
+                      <a:noFill/>
+                      <a:prstDash val="solid"/>
+                      <a:round/>
+                      <a:headEnd type="none" w="med" len="med"/>
+                      <a:tailEnd type="none" w="med" len="med"/>
+                    </a:lnB>
+                    <a:lnTlToBr w="12700" cmpd="sng">
+                      <a:noFill/>
+                      <a:prstDash val="solid"/>
+                    </a:lnTlToBr>
+                    <a:lnBlToTr w="12700" cmpd="sng">
+                      <a:noFill/>
+                      <a:prstDash val="solid"/>
+                    </a:lnBlToTr>
+                  </a:tcPr>
+                </a:tc>
+                <a:extLst>
+                  <a:ext uri="{0D108BD9-81ED-4DB2-BD59-A6C34878D82A}">
+                    <a16:rowId xmlns:a16="http://schemas.microsoft.com/office/drawing/2014/main" val="1724776678"/>
+                  </a:ext>
+                </a:extLst>
+              </a:tr>
+              <a:tr h="370840">
+                <a:tc>
+                  <a:txBody>
+                    <a:bodyPr/>
+                    <a:lstStyle/>
+                    <a:p>
+                      <a:pPr algn="ctr" latinLnBrk="1"/>
+                      <a:r>
+                        <a:rPr lang="en-US" altLang="ko-KR" dirty="0">
+                          <a:latin typeface="나눔스퀘어 Bold" panose="020B0600000101010101" pitchFamily="50" charset="-127"/>
+                          <a:ea typeface="나눔스퀘어 Bold" panose="020B0600000101010101" pitchFamily="50" charset="-127"/>
+                        </a:rPr>
+                        <a:t>4</a:t>
+                      </a:r>
+                      <a:endParaRPr lang="ko-KR" altLang="en-US" dirty="0">
+                        <a:latin typeface="나눔스퀘어 Bold" panose="020B0600000101010101" pitchFamily="50" charset="-127"/>
+                        <a:ea typeface="나눔스퀘어 Bold" panose="020B0600000101010101" pitchFamily="50" charset="-127"/>
+                      </a:endParaRPr>
+                    </a:p>
+                  </a:txBody>
+                  <a:tcPr>
+                    <a:lnL w="12700" cap="flat" cmpd="sng" algn="ctr">
+                      <a:solidFill>
+                        <a:schemeClr val="tx1"/>
+                      </a:solidFill>
+                      <a:prstDash val="solid"/>
+                      <a:round/>
+                      <a:headEnd type="none" w="med" len="med"/>
+                      <a:tailEnd type="none" w="med" len="med"/>
+                    </a:lnL>
+                    <a:lnR w="12700" cap="flat" cmpd="sng" algn="ctr">
+                      <a:solidFill>
+                        <a:schemeClr val="tx1"/>
+                      </a:solidFill>
+                      <a:prstDash val="solid"/>
+                      <a:round/>
+                      <a:headEnd type="none" w="med" len="med"/>
+                      <a:tailEnd type="none" w="med" len="med"/>
+                    </a:lnR>
+                  </a:tcPr>
+                </a:tc>
+                <a:tc>
+                  <a:txBody>
+                    <a:bodyPr/>
+                    <a:lstStyle/>
+                    <a:p>
+                      <a:pPr algn="ctr" latinLnBrk="1"/>
+                      <a:endParaRPr lang="ko-KR" altLang="en-US" dirty="0">
+                        <a:latin typeface="나눔스퀘어 Bold" panose="020B0600000101010101" pitchFamily="50" charset="-127"/>
+                        <a:ea typeface="나눔스퀘어 Bold" panose="020B0600000101010101" pitchFamily="50" charset="-127"/>
+                      </a:endParaRPr>
+                    </a:p>
+                  </a:txBody>
+                  <a:tcPr>
+                    <a:lnL w="12700" cap="flat" cmpd="sng" algn="ctr">
+                      <a:solidFill>
+                        <a:schemeClr val="tx1"/>
+                      </a:solidFill>
+                      <a:prstDash val="solid"/>
+                      <a:round/>
+                      <a:headEnd type="none" w="med" len="med"/>
+                      <a:tailEnd type="none" w="med" len="med"/>
+                    </a:lnL>
+                    <a:lnR w="12700" cap="flat" cmpd="sng" algn="ctr">
+                      <a:solidFill>
+                        <a:schemeClr val="tx1"/>
+                      </a:solidFill>
+                      <a:prstDash val="solid"/>
+                      <a:round/>
+                      <a:headEnd type="none" w="med" len="med"/>
+                      <a:tailEnd type="none" w="med" len="med"/>
+                    </a:lnR>
+                    <a:lnT w="12700" cmpd="sng">
+                      <a:noFill/>
+                    </a:lnT>
+                    <a:lnB w="12700" cmpd="sng">
+                      <a:noFill/>
+                    </a:lnB>
+                    <a:lnTlToBr w="12700" cmpd="sng">
+                      <a:noFill/>
+                      <a:prstDash val="solid"/>
+                    </a:lnTlToBr>
+                    <a:lnBlToTr w="12700" cmpd="sng">
+                      <a:noFill/>
+                      <a:prstDash val="solid"/>
+                    </a:lnBlToTr>
+                  </a:tcPr>
+                </a:tc>
+                <a:tc>
+                  <a:txBody>
+                    <a:bodyPr/>
+                    <a:lstStyle/>
+                    <a:p>
+                      <a:pPr algn="ctr" latinLnBrk="1"/>
+                      <a:r>
+                        <a:rPr lang="en-US" altLang="ko-KR" dirty="0">
+                          <a:latin typeface="나눔스퀘어 Bold" panose="020B0600000101010101" pitchFamily="50" charset="-127"/>
+                          <a:ea typeface="나눔스퀘어 Bold" panose="020B0600000101010101" pitchFamily="50" charset="-127"/>
+                        </a:rPr>
+                        <a:t>1</a:t>
+                      </a:r>
+                      <a:endParaRPr lang="ko-KR" altLang="en-US" dirty="0">
+                        <a:latin typeface="나눔스퀘어 Bold" panose="020B0600000101010101" pitchFamily="50" charset="-127"/>
+                        <a:ea typeface="나눔스퀘어 Bold" panose="020B0600000101010101" pitchFamily="50" charset="-127"/>
+                      </a:endParaRPr>
+                    </a:p>
+                  </a:txBody>
+                  <a:tcPr>
+                    <a:lnL w="12700" cap="flat" cmpd="sng" algn="ctr">
+                      <a:solidFill>
+                        <a:schemeClr val="tx1"/>
+                      </a:solidFill>
+                      <a:prstDash val="solid"/>
+                      <a:round/>
+                      <a:headEnd type="none" w="med" len="med"/>
+                      <a:tailEnd type="none" w="med" len="med"/>
+                    </a:lnL>
+                    <a:lnR w="12700" cap="flat" cmpd="sng" algn="ctr">
+                      <a:solidFill>
+                        <a:schemeClr val="tx1"/>
+                      </a:solidFill>
+                      <a:prstDash val="solid"/>
+                      <a:round/>
+                      <a:headEnd type="none" w="med" len="med"/>
+                      <a:tailEnd type="none" w="med" len="med"/>
+                    </a:lnR>
+                    <a:lnT w="12700" cap="flat" cmpd="sng" algn="ctr">
+                      <a:solidFill>
+                        <a:schemeClr val="tx1"/>
+                      </a:solidFill>
+                      <a:prstDash val="solid"/>
+                      <a:round/>
+                      <a:headEnd type="none" w="med" len="med"/>
+                      <a:tailEnd type="none" w="med" len="med"/>
+                    </a:lnT>
+                    <a:lnB w="12700" cap="flat" cmpd="sng" algn="ctr">
+                      <a:solidFill>
+                        <a:schemeClr val="tx1"/>
+                      </a:solidFill>
+                      <a:prstDash val="solid"/>
+                      <a:round/>
+                      <a:headEnd type="none" w="med" len="med"/>
+                      <a:tailEnd type="none" w="med" len="med"/>
+                    </a:lnB>
+                  </a:tcPr>
+                </a:tc>
+                <a:tc>
+                  <a:txBody>
+                    <a:bodyPr/>
+                    <a:lstStyle/>
+                    <a:p>
+                      <a:pPr algn="ctr" latinLnBrk="1"/>
+                      <a:r>
+                        <a:rPr lang="en-US" altLang="ko-KR" dirty="0">
+                          <a:latin typeface="나눔스퀘어 Bold" panose="020B0600000101010101" pitchFamily="50" charset="-127"/>
+                          <a:ea typeface="나눔스퀘어 Bold" panose="020B0600000101010101" pitchFamily="50" charset="-127"/>
+                        </a:rPr>
+                        <a:t>5</a:t>
+                      </a:r>
+                      <a:endParaRPr lang="ko-KR" altLang="en-US" dirty="0">
+                        <a:latin typeface="나눔스퀘어 Bold" panose="020B0600000101010101" pitchFamily="50" charset="-127"/>
+                        <a:ea typeface="나눔스퀘어 Bold" panose="020B0600000101010101" pitchFamily="50" charset="-127"/>
+                      </a:endParaRPr>
+                    </a:p>
+                  </a:txBody>
+                  <a:tcPr>
+                    <a:lnL w="12700" cap="flat" cmpd="sng" algn="ctr">
+                      <a:solidFill>
+                        <a:schemeClr val="tx1"/>
+                      </a:solidFill>
+                      <a:prstDash val="solid"/>
+                      <a:round/>
+                      <a:headEnd type="none" w="med" len="med"/>
+                      <a:tailEnd type="none" w="med" len="med"/>
+                    </a:lnL>
+                    <a:lnR w="12700" cap="flat" cmpd="sng" algn="ctr">
+                      <a:solidFill>
+                        <a:schemeClr val="tx1"/>
+                      </a:solidFill>
+                      <a:prstDash val="solid"/>
+                      <a:round/>
+                      <a:headEnd type="none" w="med" len="med"/>
+                      <a:tailEnd type="none" w="med" len="med"/>
+                    </a:lnR>
+                    <a:lnT w="12700" cap="flat" cmpd="sng" algn="ctr">
+                      <a:solidFill>
+                        <a:schemeClr val="tx1"/>
+                      </a:solidFill>
+                      <a:prstDash val="solid"/>
+                      <a:round/>
+                      <a:headEnd type="none" w="med" len="med"/>
+                      <a:tailEnd type="none" w="med" len="med"/>
+                    </a:lnT>
+                    <a:lnB w="12700" cap="flat" cmpd="sng" algn="ctr">
+                      <a:solidFill>
+                        <a:schemeClr val="tx1"/>
+                      </a:solidFill>
+                      <a:prstDash val="solid"/>
+                      <a:round/>
+                      <a:headEnd type="none" w="med" len="med"/>
+                      <a:tailEnd type="none" w="med" len="med"/>
+                    </a:lnB>
+                  </a:tcPr>
+                </a:tc>
+                <a:tc>
+                  <a:txBody>
+                    <a:bodyPr/>
+                    <a:lstStyle/>
+                    <a:p>
+                      <a:pPr algn="ctr" latinLnBrk="1"/>
+                      <a:endParaRPr lang="ko-KR" altLang="en-US" dirty="0">
+                        <a:latin typeface="나눔스퀘어 Bold" panose="020B0600000101010101" pitchFamily="50" charset="-127"/>
+                        <a:ea typeface="나눔스퀘어 Bold" panose="020B0600000101010101" pitchFamily="50" charset="-127"/>
+                      </a:endParaRPr>
+                    </a:p>
+                  </a:txBody>
+                  <a:tcPr>
+                    <a:lnL w="12700" cap="flat" cmpd="sng" algn="ctr">
+                      <a:solidFill>
+                        <a:schemeClr val="tx1"/>
+                      </a:solidFill>
+                      <a:prstDash val="solid"/>
+                      <a:round/>
+                      <a:headEnd type="none" w="med" len="med"/>
+                      <a:tailEnd type="none" w="med" len="med"/>
+                    </a:lnL>
+                    <a:lnR w="12700" cap="flat" cmpd="sng" algn="ctr">
+                      <a:noFill/>
+                      <a:prstDash val="solid"/>
+                      <a:round/>
+                      <a:headEnd type="none" w="med" len="med"/>
+                      <a:tailEnd type="none" w="med" len="med"/>
+                    </a:lnR>
+                    <a:lnT w="12700" cap="flat" cmpd="sng" algn="ctr">
+                      <a:noFill/>
+                      <a:prstDash val="solid"/>
+                      <a:round/>
+                      <a:headEnd type="none" w="med" len="med"/>
+                      <a:tailEnd type="none" w="med" len="med"/>
+                    </a:lnT>
+                    <a:lnB w="12700" cap="flat" cmpd="sng" algn="ctr">
+                      <a:noFill/>
+                      <a:prstDash val="solid"/>
+                      <a:round/>
+                      <a:headEnd type="none" w="med" len="med"/>
+                      <a:tailEnd type="none" w="med" len="med"/>
+                    </a:lnB>
+                    <a:lnTlToBr w="12700" cmpd="sng">
+                      <a:noFill/>
+                      <a:prstDash val="solid"/>
+                    </a:lnTlToBr>
+                    <a:lnBlToTr w="12700" cmpd="sng">
+                      <a:noFill/>
+                      <a:prstDash val="solid"/>
+                    </a:lnBlToTr>
+                  </a:tcPr>
+                </a:tc>
+                <a:extLst>
+                  <a:ext uri="{0D108BD9-81ED-4DB2-BD59-A6C34878D82A}">
+                    <a16:rowId xmlns:a16="http://schemas.microsoft.com/office/drawing/2014/main" val="2378607884"/>
+                  </a:ext>
+                </a:extLst>
+              </a:tr>
+              <a:tr h="370840">
+                <a:tc>
+                  <a:txBody>
+                    <a:bodyPr/>
+                    <a:lstStyle/>
+                    <a:p>
+                      <a:pPr algn="ctr" latinLnBrk="1"/>
+                      <a:r>
+                        <a:rPr lang="en-US" altLang="ko-KR" dirty="0">
+                          <a:latin typeface="나눔스퀘어 Bold" panose="020B0600000101010101" pitchFamily="50" charset="-127"/>
+                          <a:ea typeface="나눔스퀘어 Bold" panose="020B0600000101010101" pitchFamily="50" charset="-127"/>
+                        </a:rPr>
+                        <a:t>5</a:t>
+                      </a:r>
+                      <a:endParaRPr lang="ko-KR" altLang="en-US" dirty="0">
+                        <a:latin typeface="나눔스퀘어 Bold" panose="020B0600000101010101" pitchFamily="50" charset="-127"/>
+                        <a:ea typeface="나눔스퀘어 Bold" panose="020B0600000101010101" pitchFamily="50" charset="-127"/>
+                      </a:endParaRPr>
+                    </a:p>
+                  </a:txBody>
+                  <a:tcPr>
+                    <a:lnL w="12700" cap="flat" cmpd="sng" algn="ctr">
+                      <a:solidFill>
+                        <a:schemeClr val="tx1"/>
+                      </a:solidFill>
+                      <a:prstDash val="solid"/>
+                      <a:round/>
+                      <a:headEnd type="none" w="med" len="med"/>
+                      <a:tailEnd type="none" w="med" len="med"/>
+                    </a:lnL>
+                    <a:lnR w="12700" cap="flat" cmpd="sng" algn="ctr">
+                      <a:solidFill>
+                        <a:schemeClr val="tx1"/>
+                      </a:solidFill>
+                      <a:prstDash val="solid"/>
+                      <a:round/>
+                      <a:headEnd type="none" w="med" len="med"/>
+                      <a:tailEnd type="none" w="med" len="med"/>
+                    </a:lnR>
+                    <a:lnB w="12700" cap="flat" cmpd="sng" algn="ctr">
+                      <a:solidFill>
+                        <a:schemeClr val="tx1"/>
+                      </a:solidFill>
+                      <a:prstDash val="solid"/>
+                      <a:round/>
+                      <a:headEnd type="none" w="med" len="med"/>
+                      <a:tailEnd type="none" w="med" len="med"/>
+                    </a:lnB>
+                  </a:tcPr>
+                </a:tc>
+                <a:tc>
+                  <a:txBody>
+                    <a:bodyPr/>
+                    <a:lstStyle/>
+                    <a:p>
+                      <a:pPr algn="ctr" latinLnBrk="1"/>
+                      <a:endParaRPr lang="ko-KR" altLang="en-US" dirty="0">
+                        <a:latin typeface="나눔스퀘어 Bold" panose="020B0600000101010101" pitchFamily="50" charset="-127"/>
+                        <a:ea typeface="나눔스퀘어 Bold" panose="020B0600000101010101" pitchFamily="50" charset="-127"/>
+                      </a:endParaRPr>
+                    </a:p>
+                  </a:txBody>
+                  <a:tcPr>
+                    <a:lnL w="12700" cap="flat" cmpd="sng" algn="ctr">
+                      <a:solidFill>
+                        <a:schemeClr val="tx1"/>
+                      </a:solidFill>
+                      <a:prstDash val="solid"/>
+                      <a:round/>
+                      <a:headEnd type="none" w="med" len="med"/>
+                      <a:tailEnd type="none" w="med" len="med"/>
+                    </a:lnL>
+                    <a:lnR w="12700" cap="flat" cmpd="sng" algn="ctr">
+                      <a:solidFill>
+                        <a:schemeClr val="tx1"/>
+                      </a:solidFill>
+                      <a:prstDash val="solid"/>
+                      <a:round/>
+                      <a:headEnd type="none" w="med" len="med"/>
+                      <a:tailEnd type="none" w="med" len="med"/>
+                    </a:lnR>
+                    <a:lnT w="12700" cmpd="sng">
+                      <a:noFill/>
+                    </a:lnT>
+                    <a:lnB w="12700" cmpd="sng">
+                      <a:noFill/>
+                    </a:lnB>
+                    <a:lnTlToBr w="12700" cmpd="sng">
+                      <a:noFill/>
+                      <a:prstDash val="solid"/>
+                    </a:lnTlToBr>
+                    <a:lnBlToTr w="12700" cmpd="sng">
+                      <a:noFill/>
+                      <a:prstDash val="solid"/>
+                    </a:lnBlToTr>
+                  </a:tcPr>
+                </a:tc>
+                <a:tc>
+                  <a:txBody>
+                    <a:bodyPr/>
+                    <a:lstStyle/>
+                    <a:p>
+                      <a:pPr algn="ctr" latinLnBrk="1"/>
+                      <a:r>
+                        <a:rPr lang="en-US" altLang="ko-KR" dirty="0">
+                          <a:latin typeface="나눔스퀘어 Bold" panose="020B0600000101010101" pitchFamily="50" charset="-127"/>
+                          <a:ea typeface="나눔스퀘어 Bold" panose="020B0600000101010101" pitchFamily="50" charset="-127"/>
+                        </a:rPr>
+                        <a:t>4</a:t>
+                      </a:r>
+                      <a:endParaRPr lang="ko-KR" altLang="en-US" dirty="0">
+                        <a:latin typeface="나눔스퀘어 Bold" panose="020B0600000101010101" pitchFamily="50" charset="-127"/>
+                        <a:ea typeface="나눔스퀘어 Bold" panose="020B0600000101010101" pitchFamily="50" charset="-127"/>
+                      </a:endParaRPr>
+                    </a:p>
+                  </a:txBody>
+                  <a:tcPr>
+                    <a:lnL w="12700" cap="flat" cmpd="sng" algn="ctr">
+                      <a:solidFill>
+                        <a:schemeClr val="tx1"/>
+                      </a:solidFill>
+                      <a:prstDash val="solid"/>
+                      <a:round/>
+                      <a:headEnd type="none" w="med" len="med"/>
+                      <a:tailEnd type="none" w="med" len="med"/>
+                    </a:lnL>
+                    <a:lnR w="12700" cap="flat" cmpd="sng" algn="ctr">
+                      <a:solidFill>
+                        <a:schemeClr val="tx1"/>
+                      </a:solidFill>
+                      <a:prstDash val="solid"/>
+                      <a:round/>
+                      <a:headEnd type="none" w="med" len="med"/>
+                      <a:tailEnd type="none" w="med" len="med"/>
+                    </a:lnR>
+                    <a:lnT w="12700" cap="flat" cmpd="sng" algn="ctr">
+                      <a:solidFill>
+                        <a:schemeClr val="tx1"/>
+                      </a:solidFill>
+                      <a:prstDash val="solid"/>
+                      <a:round/>
+                      <a:headEnd type="none" w="med" len="med"/>
+                      <a:tailEnd type="none" w="med" len="med"/>
+                    </a:lnT>
+                    <a:lnB w="12700" cap="flat" cmpd="sng" algn="ctr">
+                      <a:solidFill>
+                        <a:schemeClr val="tx1"/>
+                      </a:solidFill>
+                      <a:prstDash val="solid"/>
+                      <a:round/>
+                      <a:headEnd type="none" w="med" len="med"/>
+                      <a:tailEnd type="none" w="med" len="med"/>
+                    </a:lnB>
+                  </a:tcPr>
+                </a:tc>
+                <a:tc>
+                  <a:txBody>
+                    <a:bodyPr/>
+                    <a:lstStyle/>
+                    <a:p>
+                      <a:pPr algn="ctr" latinLnBrk="1"/>
+                      <a:endParaRPr lang="ko-KR" altLang="en-US" dirty="0">
+                        <a:latin typeface="나눔스퀘어 Bold" panose="020B0600000101010101" pitchFamily="50" charset="-127"/>
+                        <a:ea typeface="나눔스퀘어 Bold" panose="020B0600000101010101" pitchFamily="50" charset="-127"/>
+                      </a:endParaRPr>
+                    </a:p>
+                  </a:txBody>
+                  <a:tcPr>
+                    <a:lnL w="12700" cap="flat" cmpd="sng" algn="ctr">
+                      <a:solidFill>
+                        <a:schemeClr val="tx1"/>
+                      </a:solidFill>
+                      <a:prstDash val="solid"/>
+                      <a:round/>
+                      <a:headEnd type="none" w="med" len="med"/>
+                      <a:tailEnd type="none" w="med" len="med"/>
+                    </a:lnL>
+                    <a:lnR w="12700" cap="flat" cmpd="sng" algn="ctr">
+                      <a:noFill/>
+                      <a:prstDash val="solid"/>
+                      <a:round/>
+                      <a:headEnd type="none" w="med" len="med"/>
+                      <a:tailEnd type="none" w="med" len="med"/>
+                    </a:lnR>
+                    <a:lnT w="12700" cap="flat" cmpd="sng" algn="ctr">
+                      <a:solidFill>
+                        <a:schemeClr val="tx1"/>
+                      </a:solidFill>
+                      <a:prstDash val="solid"/>
+                      <a:round/>
+                      <a:headEnd type="none" w="med" len="med"/>
+                      <a:tailEnd type="none" w="med" len="med"/>
+                    </a:lnT>
+                    <a:lnB w="12700" cap="flat" cmpd="sng" algn="ctr">
+                      <a:noFill/>
+                      <a:prstDash val="solid"/>
+                      <a:round/>
+                      <a:headEnd type="none" w="med" len="med"/>
+                      <a:tailEnd type="none" w="med" len="med"/>
+                    </a:lnB>
+                    <a:lnTlToBr w="12700" cmpd="sng">
+                      <a:noFill/>
+                      <a:prstDash val="solid"/>
+                    </a:lnTlToBr>
+                    <a:lnBlToTr w="12700" cmpd="sng">
+                      <a:noFill/>
+                      <a:prstDash val="solid"/>
+                    </a:lnBlToTr>
+                  </a:tcPr>
+                </a:tc>
+                <a:tc>
+                  <a:txBody>
+                    <a:bodyPr/>
+                    <a:lstStyle/>
+                    <a:p>
+                      <a:pPr algn="ctr" latinLnBrk="1"/>
+                      <a:endParaRPr lang="ko-KR" altLang="en-US" dirty="0">
+                        <a:latin typeface="나눔스퀘어 Bold" panose="020B0600000101010101" pitchFamily="50" charset="-127"/>
+                        <a:ea typeface="나눔스퀘어 Bold" panose="020B0600000101010101" pitchFamily="50" charset="-127"/>
+                      </a:endParaRPr>
+                    </a:p>
+                  </a:txBody>
+                  <a:tcPr>
+                    <a:lnL w="12700" cap="flat" cmpd="sng" algn="ctr">
+                      <a:noFill/>
+                      <a:prstDash val="solid"/>
+                      <a:round/>
+                      <a:headEnd type="none" w="med" len="med"/>
+                      <a:tailEnd type="none" w="med" len="med"/>
+                    </a:lnL>
+                    <a:lnR w="12700" cap="flat" cmpd="sng" algn="ctr">
+                      <a:noFill/>
+                      <a:prstDash val="solid"/>
+                      <a:round/>
+                      <a:headEnd type="none" w="med" len="med"/>
+                      <a:tailEnd type="none" w="med" len="med"/>
+                    </a:lnR>
+                    <a:lnT w="12700" cap="flat" cmpd="sng" algn="ctr">
+                      <a:noFill/>
+                      <a:prstDash val="solid"/>
+                      <a:round/>
+                      <a:headEnd type="none" w="med" len="med"/>
+                      <a:tailEnd type="none" w="med" len="med"/>
+                    </a:lnT>
+                    <a:lnB w="12700" cap="flat" cmpd="sng" algn="ctr">
+                      <a:noFill/>
+                      <a:prstDash val="solid"/>
+                      <a:round/>
+                      <a:headEnd type="none" w="med" len="med"/>
+                      <a:tailEnd type="none" w="med" len="med"/>
+                    </a:lnB>
+                    <a:lnTlToBr w="12700" cmpd="sng">
+                      <a:noFill/>
+                      <a:prstDash val="solid"/>
+                    </a:lnTlToBr>
+                    <a:lnBlToTr w="12700" cmpd="sng">
+                      <a:noFill/>
+                      <a:prstDash val="solid"/>
+                    </a:lnBlToTr>
+                  </a:tcPr>
+                </a:tc>
+                <a:extLst>
+                  <a:ext uri="{0D108BD9-81ED-4DB2-BD59-A6C34878D82A}">
+                    <a16:rowId xmlns:a16="http://schemas.microsoft.com/office/drawing/2014/main" val="1140501195"/>
+                  </a:ext>
+                </a:extLst>
+              </a:tr>
+            </a:tbl>
+          </a:graphicData>
+        </a:graphic>
+      </p:graphicFrame>
+      <p:cxnSp>
+        <p:nvCxnSpPr>
+          <p:cNvPr id="32" name="직선 화살표 연결선 31">
+            <a:extLst>
+              <a:ext uri="{FF2B5EF4-FFF2-40B4-BE49-F238E27FC236}">
+                <a16:creationId xmlns:a16="http://schemas.microsoft.com/office/drawing/2014/main" id="{E47173A6-E410-463E-810B-37E356442A37}"/>
+              </a:ext>
+            </a:extLst>
+          </p:cNvPr>
+          <p:cNvCxnSpPr>
+            <a:cxnSpLocks/>
+          </p:cNvCxnSpPr>
+          <p:nvPr/>
+        </p:nvCxnSpPr>
+        <p:spPr>
+          <a:xfrm>
+            <a:off x="1563473" y="4515556"/>
+            <a:ext cx="457238" cy="0"/>
+          </a:xfrm>
+          <a:prstGeom prst="straightConnector1">
+            <a:avLst/>
+          </a:prstGeom>
+          <a:ln w="28575">
+            <a:solidFill>
+              <a:schemeClr val="tx1"/>
+            </a:solidFill>
+            <a:tailEnd type="triangle"/>
+          </a:ln>
+        </p:spPr>
+        <p:style>
+          <a:lnRef idx="1">
+            <a:schemeClr val="accent1"/>
+          </a:lnRef>
+          <a:fillRef idx="0">
+            <a:schemeClr val="accent1"/>
+          </a:fillRef>
+          <a:effectRef idx="0">
+            <a:schemeClr val="accent1"/>
+          </a:effectRef>
+          <a:fontRef idx="minor">
+            <a:schemeClr val="tx1"/>
+          </a:fontRef>
+        </p:style>
+      </p:cxnSp>
+      <p:cxnSp>
+        <p:nvCxnSpPr>
+          <p:cNvPr id="36" name="직선 화살표 연결선 35">
+            <a:extLst>
+              <a:ext uri="{FF2B5EF4-FFF2-40B4-BE49-F238E27FC236}">
+                <a16:creationId xmlns:a16="http://schemas.microsoft.com/office/drawing/2014/main" id="{8778CEA7-4D26-400C-A831-53618845DCA7}"/>
+              </a:ext>
+            </a:extLst>
+          </p:cNvPr>
+          <p:cNvCxnSpPr>
+            <a:cxnSpLocks/>
+          </p:cNvCxnSpPr>
+          <p:nvPr/>
+        </p:nvCxnSpPr>
+        <p:spPr>
+          <a:xfrm>
+            <a:off x="1563473" y="4876800"/>
+            <a:ext cx="457238" cy="0"/>
+          </a:xfrm>
+          <a:prstGeom prst="straightConnector1">
+            <a:avLst/>
+          </a:prstGeom>
+          <a:ln w="28575">
+            <a:solidFill>
+              <a:schemeClr val="tx1"/>
+            </a:solidFill>
+            <a:tailEnd type="triangle"/>
+          </a:ln>
+        </p:spPr>
+        <p:style>
+          <a:lnRef idx="1">
+            <a:schemeClr val="accent1"/>
+          </a:lnRef>
+          <a:fillRef idx="0">
+            <a:schemeClr val="accent1"/>
+          </a:fillRef>
+          <a:effectRef idx="0">
+            <a:schemeClr val="accent1"/>
+          </a:effectRef>
+          <a:fontRef idx="minor">
+            <a:schemeClr val="tx1"/>
+          </a:fontRef>
+        </p:style>
+      </p:cxnSp>
+      <p:cxnSp>
+        <p:nvCxnSpPr>
+          <p:cNvPr id="37" name="직선 화살표 연결선 36">
+            <a:extLst>
+              <a:ext uri="{FF2B5EF4-FFF2-40B4-BE49-F238E27FC236}">
+                <a16:creationId xmlns:a16="http://schemas.microsoft.com/office/drawing/2014/main" id="{F76C8A74-554F-463B-A080-2BB019E839F8}"/>
+              </a:ext>
+            </a:extLst>
+          </p:cNvPr>
+          <p:cNvCxnSpPr>
+            <a:cxnSpLocks/>
+          </p:cNvCxnSpPr>
+          <p:nvPr/>
+        </p:nvCxnSpPr>
+        <p:spPr>
+          <a:xfrm>
+            <a:off x="1563473" y="5249334"/>
+            <a:ext cx="457238" cy="0"/>
+          </a:xfrm>
+          <a:prstGeom prst="straightConnector1">
+            <a:avLst/>
+          </a:prstGeom>
+          <a:ln w="28575">
+            <a:solidFill>
+              <a:schemeClr val="tx1"/>
+            </a:solidFill>
+            <a:tailEnd type="triangle"/>
+          </a:ln>
+        </p:spPr>
+        <p:style>
+          <a:lnRef idx="1">
+            <a:schemeClr val="accent1"/>
+          </a:lnRef>
+          <a:fillRef idx="0">
+            <a:schemeClr val="accent1"/>
+          </a:fillRef>
+          <a:effectRef idx="0">
+            <a:schemeClr val="accent1"/>
+          </a:effectRef>
+          <a:fontRef idx="minor">
+            <a:schemeClr val="tx1"/>
+          </a:fontRef>
+        </p:style>
+      </p:cxnSp>
+      <p:cxnSp>
+        <p:nvCxnSpPr>
+          <p:cNvPr id="38" name="직선 화살표 연결선 37">
+            <a:extLst>
+              <a:ext uri="{FF2B5EF4-FFF2-40B4-BE49-F238E27FC236}">
+                <a16:creationId xmlns:a16="http://schemas.microsoft.com/office/drawing/2014/main" id="{526C6FE5-9F71-4F95-81DB-6218304F6D2A}"/>
+              </a:ext>
+            </a:extLst>
+          </p:cNvPr>
+          <p:cNvCxnSpPr>
+            <a:cxnSpLocks/>
+          </p:cNvCxnSpPr>
+          <p:nvPr/>
+        </p:nvCxnSpPr>
+        <p:spPr>
+          <a:xfrm>
+            <a:off x="1563473" y="5633157"/>
+            <a:ext cx="457238" cy="0"/>
+          </a:xfrm>
+          <a:prstGeom prst="straightConnector1">
+            <a:avLst/>
+          </a:prstGeom>
+          <a:ln w="28575">
+            <a:solidFill>
+              <a:schemeClr val="tx1"/>
+            </a:solidFill>
+            <a:tailEnd type="triangle"/>
+          </a:ln>
+        </p:spPr>
+        <p:style>
+          <a:lnRef idx="1">
+            <a:schemeClr val="accent1"/>
+          </a:lnRef>
+          <a:fillRef idx="0">
+            <a:schemeClr val="accent1"/>
+          </a:fillRef>
+          <a:effectRef idx="0">
+            <a:schemeClr val="accent1"/>
+          </a:effectRef>
+          <a:fontRef idx="minor">
+            <a:schemeClr val="tx1"/>
+          </a:fontRef>
+        </p:style>
+      </p:cxnSp>
+      <p:cxnSp>
+        <p:nvCxnSpPr>
+          <p:cNvPr id="39" name="직선 화살표 연결선 38">
+            <a:extLst>
+              <a:ext uri="{FF2B5EF4-FFF2-40B4-BE49-F238E27FC236}">
+                <a16:creationId xmlns:a16="http://schemas.microsoft.com/office/drawing/2014/main" id="{B179E0FC-7259-4E2E-868D-718EFD4F5851}"/>
+              </a:ext>
+            </a:extLst>
+          </p:cNvPr>
+          <p:cNvCxnSpPr>
+            <a:cxnSpLocks/>
+          </p:cNvCxnSpPr>
+          <p:nvPr/>
+        </p:nvCxnSpPr>
+        <p:spPr>
+          <a:xfrm>
+            <a:off x="1563473" y="6004363"/>
+            <a:ext cx="457238" cy="0"/>
+          </a:xfrm>
+          <a:prstGeom prst="straightConnector1">
+            <a:avLst/>
+          </a:prstGeom>
+          <a:ln w="28575">
+            <a:solidFill>
+              <a:schemeClr val="tx1"/>
+            </a:solidFill>
+            <a:tailEnd type="triangle"/>
+          </a:ln>
+        </p:spPr>
+        <p:style>
+          <a:lnRef idx="1">
+            <a:schemeClr val="accent1"/>
+          </a:lnRef>
+          <a:fillRef idx="0">
+            <a:schemeClr val="accent1"/>
+          </a:fillRef>
+          <a:effectRef idx="0">
+            <a:schemeClr val="accent1"/>
+          </a:effectRef>
+          <a:fontRef idx="minor">
+            <a:schemeClr val="tx1"/>
+          </a:fontRef>
+        </p:style>
+      </p:cxnSp>
+      <p:pic>
+        <p:nvPicPr>
+          <p:cNvPr id="41" name="그림 40">
+            <a:extLst>
+              <a:ext uri="{FF2B5EF4-FFF2-40B4-BE49-F238E27FC236}">
+                <a16:creationId xmlns:a16="http://schemas.microsoft.com/office/drawing/2014/main" id="{E5031CD9-750D-4A88-957F-902862EAAE50}"/>
+              </a:ext>
+            </a:extLst>
+          </p:cNvPr>
+          <p:cNvPicPr>
+            <a:picLocks noChangeAspect="1"/>
+          </p:cNvPicPr>
+          <p:nvPr/>
+        </p:nvPicPr>
+        <p:blipFill>
+          <a:blip r:embed="rId2"/>
+          <a:stretch>
+            <a:fillRect/>
+          </a:stretch>
+        </p:blipFill>
+        <p:spPr>
+          <a:xfrm>
+            <a:off x="8511117" y="2008943"/>
+            <a:ext cx="2664202" cy="4190878"/>
+          </a:xfrm>
+          <a:prstGeom prst="rect">
+            <a:avLst/>
+          </a:prstGeom>
+        </p:spPr>
+      </p:pic>
+      <p:sp>
+        <p:nvSpPr>
+          <p:cNvPr id="42" name="TextBox 41">
+            <a:extLst>
+              <a:ext uri="{FF2B5EF4-FFF2-40B4-BE49-F238E27FC236}">
+                <a16:creationId xmlns:a16="http://schemas.microsoft.com/office/drawing/2014/main" id="{8EBA9EBE-B4F0-41AF-BD3C-4A40C531B94A}"/>
+              </a:ext>
+            </a:extLst>
+          </p:cNvPr>
+          <p:cNvSpPr txBox="1"/>
+          <p:nvPr/>
+        </p:nvSpPr>
+        <p:spPr>
+          <a:xfrm>
+            <a:off x="8511117" y="1628284"/>
+            <a:ext cx="2664202" cy="369332"/>
+          </a:xfrm>
+          <a:prstGeom prst="rect">
+            <a:avLst/>
+          </a:prstGeom>
+          <a:noFill/>
+        </p:spPr>
+        <p:txBody>
+          <a:bodyPr wrap="square" rtlCol="0">
+            <a:spAutoFit/>
+          </a:bodyPr>
+          <a:lstStyle/>
+          <a:p>
+            <a:r>
+              <a:rPr lang="en-US" altLang="ko-KR" dirty="0">
+                <a:latin typeface="나눔스퀘어 Bold" panose="020B0600000101010101" pitchFamily="50" charset="-127"/>
+                <a:ea typeface="나눔스퀘어 Bold" panose="020B0600000101010101" pitchFamily="50" charset="-127"/>
+              </a:rPr>
+              <a:t>C++</a:t>
+            </a:r>
+            <a:endParaRPr lang="ko-KR" altLang="en-US" dirty="0">
+              <a:latin typeface="나눔스퀘어 Bold" panose="020B0600000101010101" pitchFamily="50" charset="-127"/>
+              <a:ea typeface="나눔스퀘어 Bold" panose="020B0600000101010101" pitchFamily="50" charset="-127"/>
+            </a:endParaRPr>
+          </a:p>
+        </p:txBody>
+      </p:sp>
     </p:spTree>
     <p:extLst>
       <p:ext uri="{BB962C8B-B14F-4D97-AF65-F5344CB8AC3E}">
-        <p14:creationId xmlns:p14="http://schemas.microsoft.com/office/powerpoint/2010/main" val="3161346608"/>
+        <p14:creationId xmlns:p14="http://schemas.microsoft.com/office/powerpoint/2010/main" val="3313475966"/>
       </p:ext>
     </p:extLst>
   </p:cSld>
@@ -14921,10 +17337,10 @@
       </p:cxnSp>
       <p:sp>
         <p:nvSpPr>
-          <p:cNvPr id="2" name="TextBox 1">
-            <a:extLst>
-              <a:ext uri="{FF2B5EF4-FFF2-40B4-BE49-F238E27FC236}">
-                <a16:creationId xmlns:a16="http://schemas.microsoft.com/office/drawing/2014/main" id="{7A9F668B-4598-7703-B5DB-B80899A1C734}"/>
+          <p:cNvPr id="9" name="TextBox 8">
+            <a:extLst>
+              <a:ext uri="{FF2B5EF4-FFF2-40B4-BE49-F238E27FC236}">
+                <a16:creationId xmlns:a16="http://schemas.microsoft.com/office/drawing/2014/main" id="{31008A26-2BFE-0C2B-0C35-AA486556DF58}"/>
               </a:ext>
             </a:extLst>
           </p:cNvPr>
@@ -14934,7 +17350,7 @@
         <p:spPr>
           <a:xfrm>
             <a:off x="331694" y="177505"/>
-            <a:ext cx="4242059" cy="523220"/>
+            <a:ext cx="4912114" cy="523220"/>
           </a:xfrm>
           <a:prstGeom prst="rect">
             <a:avLst/>
@@ -14952,23 +17368,68 @@
                 <a:latin typeface="나눔스퀘어 Bold" panose="020B0600000101010101" pitchFamily="50" charset="-127"/>
                 <a:ea typeface="나눔스퀘어 Bold" panose="020B0600000101010101" pitchFamily="50" charset="-127"/>
               </a:rPr>
-              <a:t>Graph – 1260 DFS</a:t>
+              <a:t>Tree</a:t>
             </a:r>
             <a:r>
               <a:rPr lang="ko-KR" altLang="en-US" sz="2800" dirty="0">
                 <a:latin typeface="나눔스퀘어 Bold" panose="020B0600000101010101" pitchFamily="50" charset="-127"/>
                 <a:ea typeface="나눔스퀘어 Bold" panose="020B0600000101010101" pitchFamily="50" charset="-127"/>
               </a:rPr>
-              <a:t>와 </a:t>
+              <a:t> </a:t>
             </a:r>
             <a:r>
               <a:rPr lang="en-US" altLang="ko-KR" sz="2800" dirty="0">
                 <a:latin typeface="나눔스퀘어 Bold" panose="020B0600000101010101" pitchFamily="50" charset="-127"/>
                 <a:ea typeface="나눔스퀘어 Bold" panose="020B0600000101010101" pitchFamily="50" charset="-127"/>
               </a:rPr>
-              <a:t>BFS</a:t>
-            </a:r>
-            <a:endParaRPr lang="ko-KR" altLang="en-US" sz="2800" dirty="0">
+              <a:t>– 11725 </a:t>
+            </a:r>
+            <a:r>
+              <a:rPr lang="ko-KR" altLang="en-US" sz="2800" dirty="0">
+                <a:latin typeface="나눔스퀘어 Bold" panose="020B0600000101010101" pitchFamily="50" charset="-127"/>
+                <a:ea typeface="나눔스퀘어 Bold" panose="020B0600000101010101" pitchFamily="50" charset="-127"/>
+              </a:rPr>
+              <a:t>트리의 부모 찾기</a:t>
+            </a:r>
+          </a:p>
+        </p:txBody>
+      </p:sp>
+      <p:sp>
+        <p:nvSpPr>
+          <p:cNvPr id="23" name="TextBox 22">
+            <a:extLst>
+              <a:ext uri="{FF2B5EF4-FFF2-40B4-BE49-F238E27FC236}">
+                <a16:creationId xmlns:a16="http://schemas.microsoft.com/office/drawing/2014/main" id="{9A174E0D-4054-4F33-80EA-5524D34DD4ED}"/>
+              </a:ext>
+            </a:extLst>
+          </p:cNvPr>
+          <p:cNvSpPr txBox="1"/>
+          <p:nvPr/>
+        </p:nvSpPr>
+        <p:spPr>
+          <a:xfrm>
+            <a:off x="942386" y="1067795"/>
+            <a:ext cx="10237693" cy="369332"/>
+          </a:xfrm>
+          <a:prstGeom prst="rect">
+            <a:avLst/>
+          </a:prstGeom>
+          <a:noFill/>
+        </p:spPr>
+        <p:txBody>
+          <a:bodyPr wrap="square" rtlCol="0">
+            <a:spAutoFit/>
+          </a:bodyPr>
+          <a:lstStyle/>
+          <a:p>
+            <a:r>
+              <a:rPr lang="en-US" altLang="ko-KR" dirty="0">
+                <a:latin typeface="나눔스퀘어 Bold" panose="020B0600000101010101" pitchFamily="50" charset="-127"/>
+                <a:ea typeface="나눔스퀘어 Bold" panose="020B0600000101010101" pitchFamily="50" charset="-127"/>
+              </a:rPr>
+              <a:t>Java</a:t>
+            </a:r>
+            <a:endParaRPr lang="ko-KR" altLang="en-US" dirty="0">
               <a:latin typeface="나눔스퀘어 Bold" panose="020B0600000101010101" pitchFamily="50" charset="-127"/>
               <a:ea typeface="나눔스퀘어 Bold" panose="020B0600000101010101" pitchFamily="50" charset="-127"/>
             </a:endParaRPr>
@@ -14977,10 +17438,10 @@
       </p:sp>
       <p:pic>
         <p:nvPicPr>
-          <p:cNvPr id="4" name="그림 3">
-            <a:extLst>
-              <a:ext uri="{FF2B5EF4-FFF2-40B4-BE49-F238E27FC236}">
-                <a16:creationId xmlns:a16="http://schemas.microsoft.com/office/drawing/2014/main" id="{E213531B-4F62-6B98-A0AA-59F91309B459}"/>
+          <p:cNvPr id="3" name="그림 2">
+            <a:extLst>
+              <a:ext uri="{FF2B5EF4-FFF2-40B4-BE49-F238E27FC236}">
+                <a16:creationId xmlns:a16="http://schemas.microsoft.com/office/drawing/2014/main" id="{9977ED8D-EE29-4A3A-8A72-393AA556A2A7}"/>
               </a:ext>
             </a:extLst>
           </p:cNvPr>
@@ -14997,8 +17458,38 @@
         </p:blipFill>
         <p:spPr>
           <a:xfrm>
-            <a:off x="331694" y="973178"/>
-            <a:ext cx="9962039" cy="5461379"/>
+            <a:off x="942386" y="1437127"/>
+            <a:ext cx="6022858" cy="4857144"/>
+          </a:xfrm>
+          <a:prstGeom prst="rect">
+            <a:avLst/>
+          </a:prstGeom>
+        </p:spPr>
+      </p:pic>
+      <p:pic>
+        <p:nvPicPr>
+          <p:cNvPr id="18" name="그림 17">
+            <a:extLst>
+              <a:ext uri="{FF2B5EF4-FFF2-40B4-BE49-F238E27FC236}">
+                <a16:creationId xmlns:a16="http://schemas.microsoft.com/office/drawing/2014/main" id="{BB40702B-DDC1-441F-8209-6E370ED42E76}"/>
+              </a:ext>
+            </a:extLst>
+          </p:cNvPr>
+          <p:cNvPicPr>
+            <a:picLocks noChangeAspect="1"/>
+          </p:cNvPicPr>
+          <p:nvPr/>
+        </p:nvPicPr>
+        <p:blipFill>
+          <a:blip r:embed="rId3"/>
+          <a:stretch>
+            <a:fillRect/>
+          </a:stretch>
+        </p:blipFill>
+        <p:spPr>
+          <a:xfrm>
+            <a:off x="5774964" y="4684890"/>
+            <a:ext cx="5474650" cy="1609382"/>
           </a:xfrm>
           <a:prstGeom prst="rect">
             <a:avLst/>
@@ -15008,7 +17499,7 @@
     </p:spTree>
     <p:extLst>
       <p:ext uri="{BB962C8B-B14F-4D97-AF65-F5344CB8AC3E}">
-        <p14:creationId xmlns:p14="http://schemas.microsoft.com/office/powerpoint/2010/main" val="3852066961"/>
+        <p14:creationId xmlns:p14="http://schemas.microsoft.com/office/powerpoint/2010/main" val="816396623"/>
       </p:ext>
     </p:extLst>
   </p:cSld>
@@ -15081,10 +17572,10 @@
       </p:cxnSp>
       <p:sp>
         <p:nvSpPr>
-          <p:cNvPr id="3" name="TextBox 2">
-            <a:extLst>
-              <a:ext uri="{FF2B5EF4-FFF2-40B4-BE49-F238E27FC236}">
-                <a16:creationId xmlns:a16="http://schemas.microsoft.com/office/drawing/2014/main" id="{2929977D-4B28-4A77-BFAA-69E6FF174D27}"/>
+          <p:cNvPr id="9" name="TextBox 8">
+            <a:extLst>
+              <a:ext uri="{FF2B5EF4-FFF2-40B4-BE49-F238E27FC236}">
+                <a16:creationId xmlns:a16="http://schemas.microsoft.com/office/drawing/2014/main" id="{31008A26-2BFE-0C2B-0C35-AA486556DF58}"/>
               </a:ext>
             </a:extLst>
           </p:cNvPr>
@@ -15093,8 +17584,67 @@
         </p:nvSpPr>
         <p:spPr>
           <a:xfrm>
-            <a:off x="942387" y="1190024"/>
-            <a:ext cx="10237694" cy="369332"/>
+            <a:off x="331694" y="177505"/>
+            <a:ext cx="4912114" cy="523220"/>
+          </a:xfrm>
+          <a:prstGeom prst="rect">
+            <a:avLst/>
+          </a:prstGeom>
+          <a:noFill/>
+        </p:spPr>
+        <p:txBody>
+          <a:bodyPr wrap="none" rtlCol="0">
+            <a:spAutoFit/>
+          </a:bodyPr>
+          <a:lstStyle/>
+          <a:p>
+            <a:r>
+              <a:rPr lang="en-US" altLang="ko-KR" sz="2800" dirty="0">
+                <a:latin typeface="나눔스퀘어 Bold" panose="020B0600000101010101" pitchFamily="50" charset="-127"/>
+                <a:ea typeface="나눔스퀘어 Bold" panose="020B0600000101010101" pitchFamily="50" charset="-127"/>
+              </a:rPr>
+              <a:t>Tree</a:t>
+            </a:r>
+            <a:r>
+              <a:rPr lang="ko-KR" altLang="en-US" sz="2800" dirty="0">
+                <a:latin typeface="나눔스퀘어 Bold" panose="020B0600000101010101" pitchFamily="50" charset="-127"/>
+                <a:ea typeface="나눔스퀘어 Bold" panose="020B0600000101010101" pitchFamily="50" charset="-127"/>
+              </a:rPr>
+              <a:t> </a:t>
+            </a:r>
+            <a:r>
+              <a:rPr lang="en-US" altLang="ko-KR" sz="2800" dirty="0">
+                <a:latin typeface="나눔스퀘어 Bold" panose="020B0600000101010101" pitchFamily="50" charset="-127"/>
+                <a:ea typeface="나눔스퀘어 Bold" panose="020B0600000101010101" pitchFamily="50" charset="-127"/>
+              </a:rPr>
+              <a:t>– 11725 </a:t>
+            </a:r>
+            <a:r>
+              <a:rPr lang="ko-KR" altLang="en-US" sz="2800" dirty="0">
+                <a:latin typeface="나눔스퀘어 Bold" panose="020B0600000101010101" pitchFamily="50" charset="-127"/>
+                <a:ea typeface="나눔스퀘어 Bold" panose="020B0600000101010101" pitchFamily="50" charset="-127"/>
+              </a:rPr>
+              <a:t>트리의 부모 찾기</a:t>
+            </a:r>
+          </a:p>
+        </p:txBody>
+      </p:sp>
+      <p:sp>
+        <p:nvSpPr>
+          <p:cNvPr id="23" name="TextBox 22">
+            <a:extLst>
+              <a:ext uri="{FF2B5EF4-FFF2-40B4-BE49-F238E27FC236}">
+                <a16:creationId xmlns:a16="http://schemas.microsoft.com/office/drawing/2014/main" id="{9A174E0D-4054-4F33-80EA-5524D34DD4ED}"/>
+              </a:ext>
+            </a:extLst>
+          </p:cNvPr>
+          <p:cNvSpPr txBox="1"/>
+          <p:nvPr/>
+        </p:nvSpPr>
+        <p:spPr>
+          <a:xfrm>
+            <a:off x="942386" y="1067795"/>
+            <a:ext cx="10237693" cy="369332"/>
           </a:xfrm>
           <a:prstGeom prst="rect">
             <a:avLst/>
@@ -15108,204 +17658,83 @@
           <a:lstStyle/>
           <a:p>
             <a:r>
-              <a:rPr lang="ko-KR" altLang="en-US" dirty="0">
-                <a:latin typeface="나눔스퀘어 Light" panose="020B0600000101010101" pitchFamily="50" charset="-127"/>
-                <a:ea typeface="나눔스퀘어 Light" panose="020B0600000101010101" pitchFamily="50" charset="-127"/>
-              </a:rPr>
-              <a:t>스택과 마찬가지로</a:t>
-            </a:r>
-            <a:r>
               <a:rPr lang="en-US" altLang="ko-KR" dirty="0">
-                <a:latin typeface="나눔스퀘어 Light" panose="020B0600000101010101" pitchFamily="50" charset="-127"/>
-                <a:ea typeface="나눔스퀘어 Light" panose="020B0600000101010101" pitchFamily="50" charset="-127"/>
-              </a:rPr>
-              <a:t>, </a:t>
-            </a:r>
-            <a:r>
-              <a:rPr lang="ko-KR" altLang="en-US" dirty="0">
-                <a:latin typeface="나눔스퀘어 Light" panose="020B0600000101010101" pitchFamily="50" charset="-127"/>
-                <a:ea typeface="나눔스퀘어 Light" panose="020B0600000101010101" pitchFamily="50" charset="-127"/>
-              </a:rPr>
-              <a:t>구현해본 큐를 채점할 수 있는 문제</a:t>
-            </a:r>
-          </a:p>
-        </p:txBody>
-      </p:sp>
-      <p:sp>
-        <p:nvSpPr>
-          <p:cNvPr id="11" name="TextBox 10">
-            <a:extLst>
-              <a:ext uri="{FF2B5EF4-FFF2-40B4-BE49-F238E27FC236}">
-                <a16:creationId xmlns:a16="http://schemas.microsoft.com/office/drawing/2014/main" id="{55838BC7-EF0F-5B81-2952-60BCF736A512}"/>
-              </a:ext>
-            </a:extLst>
-          </p:cNvPr>
-          <p:cNvSpPr txBox="1"/>
-          <p:nvPr/>
-        </p:nvSpPr>
-        <p:spPr>
-          <a:xfrm>
-            <a:off x="942387" y="1559356"/>
-            <a:ext cx="10237694" cy="369332"/>
-          </a:xfrm>
-          <a:prstGeom prst="rect">
-            <a:avLst/>
-          </a:prstGeom>
-          <a:noFill/>
-        </p:spPr>
-        <p:txBody>
-          <a:bodyPr wrap="square" rtlCol="0">
-            <a:spAutoFit/>
-          </a:bodyPr>
-          <a:lstStyle/>
-          <a:p>
-            <a:r>
-              <a:rPr lang="ko-KR" altLang="en-US" dirty="0">
-                <a:latin typeface="나눔스퀘어 Light" panose="020B0600000101010101" pitchFamily="50" charset="-127"/>
-                <a:ea typeface="나눔스퀘어 Light" panose="020B0600000101010101" pitchFamily="50" charset="-127"/>
-              </a:rPr>
-              <a:t>직접 구현을 해봤다면</a:t>
-            </a:r>
-            <a:r>
-              <a:rPr lang="en-US" altLang="ko-KR" dirty="0">
-                <a:latin typeface="나눔스퀘어 Light" panose="020B0600000101010101" pitchFamily="50" charset="-127"/>
-                <a:ea typeface="나눔스퀘어 Light" panose="020B0600000101010101" pitchFamily="50" charset="-127"/>
-              </a:rPr>
-              <a:t>, </a:t>
-            </a:r>
-            <a:r>
-              <a:rPr lang="ko-KR" altLang="en-US" dirty="0">
-                <a:latin typeface="나눔스퀘어 Light" panose="020B0600000101010101" pitchFamily="50" charset="-127"/>
-                <a:ea typeface="나눔스퀘어 Light" panose="020B0600000101010101" pitchFamily="50" charset="-127"/>
-              </a:rPr>
-              <a:t>라이브러리를 사용</a:t>
-            </a:r>
-          </a:p>
-        </p:txBody>
-      </p:sp>
-      <p:sp>
-        <p:nvSpPr>
-          <p:cNvPr id="4" name="TextBox 3">
-            <a:extLst>
-              <a:ext uri="{FF2B5EF4-FFF2-40B4-BE49-F238E27FC236}">
-                <a16:creationId xmlns:a16="http://schemas.microsoft.com/office/drawing/2014/main" id="{2016B4EA-6C02-3147-49D3-0C1CFBC649DF}"/>
-              </a:ext>
-            </a:extLst>
-          </p:cNvPr>
-          <p:cNvSpPr txBox="1"/>
-          <p:nvPr/>
-        </p:nvSpPr>
-        <p:spPr>
-          <a:xfrm>
-            <a:off x="942387" y="2303640"/>
-            <a:ext cx="10237694" cy="369332"/>
-          </a:xfrm>
-          <a:prstGeom prst="rect">
-            <a:avLst/>
-          </a:prstGeom>
-          <a:noFill/>
-        </p:spPr>
-        <p:txBody>
-          <a:bodyPr wrap="square" rtlCol="0">
-            <a:spAutoFit/>
-          </a:bodyPr>
-          <a:lstStyle/>
-          <a:p>
-            <a:r>
-              <a:rPr lang="ko-KR" altLang="en-US" dirty="0">
-                <a:latin typeface="나눔스퀘어 Light" panose="020B0600000101010101" pitchFamily="50" charset="-127"/>
-                <a:ea typeface="나눔스퀘어 Light" panose="020B0600000101010101" pitchFamily="50" charset="-127"/>
-              </a:rPr>
-              <a:t>설명은 생략합니다</a:t>
-            </a:r>
-            <a:r>
-              <a:rPr lang="en-US" altLang="ko-KR" dirty="0">
-                <a:latin typeface="나눔스퀘어 Light" panose="020B0600000101010101" pitchFamily="50" charset="-127"/>
-                <a:ea typeface="나눔스퀘어 Light" panose="020B0600000101010101" pitchFamily="50" charset="-127"/>
-              </a:rPr>
-              <a:t>.</a:t>
-            </a:r>
-            <a:endParaRPr lang="ko-KR" altLang="en-US" dirty="0">
-              <a:latin typeface="나눔스퀘어 Light" panose="020B0600000101010101" pitchFamily="50" charset="-127"/>
-              <a:ea typeface="나눔스퀘어 Light" panose="020B0600000101010101" pitchFamily="50" charset="-127"/>
-            </a:endParaRPr>
-          </a:p>
-        </p:txBody>
-      </p:sp>
-      <p:sp>
-        <p:nvSpPr>
-          <p:cNvPr id="6" name="TextBox 5">
-            <a:extLst>
-              <a:ext uri="{FF2B5EF4-FFF2-40B4-BE49-F238E27FC236}">
-                <a16:creationId xmlns:a16="http://schemas.microsoft.com/office/drawing/2014/main" id="{0F2BECC4-3944-4029-2F5E-D6FAC7B5FD51}"/>
-              </a:ext>
-            </a:extLst>
-          </p:cNvPr>
-          <p:cNvSpPr txBox="1"/>
-          <p:nvPr/>
-        </p:nvSpPr>
-        <p:spPr>
-          <a:xfrm>
-            <a:off x="331694" y="177505"/>
-            <a:ext cx="4331827" cy="523220"/>
-          </a:xfrm>
-          <a:prstGeom prst="rect">
-            <a:avLst/>
-          </a:prstGeom>
-          <a:noFill/>
-        </p:spPr>
-        <p:txBody>
-          <a:bodyPr wrap="none" rtlCol="0">
-            <a:spAutoFit/>
-          </a:bodyPr>
-          <a:lstStyle/>
-          <a:p>
-            <a:r>
-              <a:rPr lang="en-US" altLang="ko-KR" sz="2800" dirty="0">
                 <a:latin typeface="나눔스퀘어 Bold" panose="020B0600000101010101" pitchFamily="50" charset="-127"/>
                 <a:ea typeface="나눔스퀘어 Bold" panose="020B0600000101010101" pitchFamily="50" charset="-127"/>
               </a:rPr>
-              <a:t>Graph</a:t>
-            </a:r>
-            <a:r>
-              <a:rPr lang="ko-KR" altLang="en-US" sz="2800" dirty="0">
-                <a:latin typeface="나눔스퀘어 Bold" panose="020B0600000101010101" pitchFamily="50" charset="-127"/>
-                <a:ea typeface="나눔스퀘어 Bold" panose="020B0600000101010101" pitchFamily="50" charset="-127"/>
-              </a:rPr>
-              <a:t> </a:t>
-            </a:r>
-            <a:r>
-              <a:rPr lang="en-US" altLang="ko-KR" sz="2800" dirty="0">
-                <a:latin typeface="나눔스퀘어 Bold" panose="020B0600000101010101" pitchFamily="50" charset="-127"/>
-                <a:ea typeface="나눔스퀘어 Bold" panose="020B0600000101010101" pitchFamily="50" charset="-127"/>
-              </a:rPr>
-              <a:t>– 1260 DFS</a:t>
-            </a:r>
-            <a:r>
-              <a:rPr lang="ko-KR" altLang="en-US" sz="2800" dirty="0">
-                <a:latin typeface="나눔스퀘어 Bold" panose="020B0600000101010101" pitchFamily="50" charset="-127"/>
-                <a:ea typeface="나눔스퀘어 Bold" panose="020B0600000101010101" pitchFamily="50" charset="-127"/>
-              </a:rPr>
-              <a:t>와 </a:t>
-            </a:r>
-            <a:r>
-              <a:rPr lang="en-US" altLang="ko-KR" sz="2800" dirty="0">
-                <a:latin typeface="나눔스퀘어 Bold" panose="020B0600000101010101" pitchFamily="50" charset="-127"/>
-                <a:ea typeface="나눔스퀘어 Bold" panose="020B0600000101010101" pitchFamily="50" charset="-127"/>
-              </a:rPr>
-              <a:t>BFS</a:t>
-            </a:r>
-            <a:endParaRPr lang="ko-KR" altLang="en-US" sz="2800" dirty="0">
+              <a:t>Python</a:t>
+            </a:r>
+            <a:endParaRPr lang="ko-KR" altLang="en-US" dirty="0">
               <a:latin typeface="나눔스퀘어 Bold" panose="020B0600000101010101" pitchFamily="50" charset="-127"/>
               <a:ea typeface="나눔스퀘어 Bold" panose="020B0600000101010101" pitchFamily="50" charset="-127"/>
             </a:endParaRPr>
           </a:p>
         </p:txBody>
       </p:sp>
+      <p:pic>
+        <p:nvPicPr>
+          <p:cNvPr id="4" name="그림 3">
+            <a:extLst>
+              <a:ext uri="{FF2B5EF4-FFF2-40B4-BE49-F238E27FC236}">
+                <a16:creationId xmlns:a16="http://schemas.microsoft.com/office/drawing/2014/main" id="{36669BBB-9BB7-468F-BCE2-D50D88E456EB}"/>
+              </a:ext>
+            </a:extLst>
+          </p:cNvPr>
+          <p:cNvPicPr>
+            <a:picLocks noChangeAspect="1"/>
+          </p:cNvPicPr>
+          <p:nvPr/>
+        </p:nvPicPr>
+        <p:blipFill>
+          <a:blip r:embed="rId2"/>
+          <a:stretch>
+            <a:fillRect/>
+          </a:stretch>
+        </p:blipFill>
+        <p:spPr>
+          <a:xfrm>
+            <a:off x="942386" y="1437127"/>
+            <a:ext cx="4498858" cy="4062923"/>
+          </a:xfrm>
+          <a:prstGeom prst="rect">
+            <a:avLst/>
+          </a:prstGeom>
+        </p:spPr>
+      </p:pic>
+      <p:pic>
+        <p:nvPicPr>
+          <p:cNvPr id="7" name="그림 6">
+            <a:extLst>
+              <a:ext uri="{FF2B5EF4-FFF2-40B4-BE49-F238E27FC236}">
+                <a16:creationId xmlns:a16="http://schemas.microsoft.com/office/drawing/2014/main" id="{5C64FFFD-4EF9-4198-BBF3-9C3AF1CE4D23}"/>
+              </a:ext>
+            </a:extLst>
+          </p:cNvPr>
+          <p:cNvPicPr>
+            <a:picLocks noChangeAspect="1"/>
+          </p:cNvPicPr>
+          <p:nvPr/>
+        </p:nvPicPr>
+        <p:blipFill>
+          <a:blip r:embed="rId3"/>
+          <a:stretch>
+            <a:fillRect/>
+          </a:stretch>
+        </p:blipFill>
+        <p:spPr>
+          <a:xfrm>
+            <a:off x="942385" y="5970495"/>
+            <a:ext cx="4498857" cy="358883"/>
+          </a:xfrm>
+          <a:prstGeom prst="rect">
+            <a:avLst/>
+          </a:prstGeom>
+        </p:spPr>
+      </p:pic>
     </p:spTree>
     <p:extLst>
       <p:ext uri="{BB962C8B-B14F-4D97-AF65-F5344CB8AC3E}">
-        <p14:creationId xmlns:p14="http://schemas.microsoft.com/office/powerpoint/2010/main" val="36971579"/>
+        <p14:creationId xmlns:p14="http://schemas.microsoft.com/office/powerpoint/2010/main" val="1214230402"/>
       </p:ext>
     </p:extLst>
   </p:cSld>
@@ -15378,10 +17807,10 @@
       </p:cxnSp>
       <p:sp>
         <p:nvSpPr>
-          <p:cNvPr id="3" name="TextBox 2">
-            <a:extLst>
-              <a:ext uri="{FF2B5EF4-FFF2-40B4-BE49-F238E27FC236}">
-                <a16:creationId xmlns:a16="http://schemas.microsoft.com/office/drawing/2014/main" id="{B3B954B2-DB7F-EEC1-438C-CB91D3B18AE1}"/>
+          <p:cNvPr id="9" name="TextBox 8">
+            <a:extLst>
+              <a:ext uri="{FF2B5EF4-FFF2-40B4-BE49-F238E27FC236}">
+                <a16:creationId xmlns:a16="http://schemas.microsoft.com/office/drawing/2014/main" id="{31008A26-2BFE-0C2B-0C35-AA486556DF58}"/>
               </a:ext>
             </a:extLst>
           </p:cNvPr>
@@ -15391,7 +17820,7 @@
         <p:spPr>
           <a:xfrm>
             <a:off x="331694" y="177505"/>
-            <a:ext cx="3809248" cy="523220"/>
+            <a:ext cx="4912114" cy="523220"/>
           </a:xfrm>
           <a:prstGeom prst="rect">
             <a:avLst/>
@@ -15409,24 +17838,87 @@
                 <a:latin typeface="나눔스퀘어 Bold" panose="020B0600000101010101" pitchFamily="50" charset="-127"/>
                 <a:ea typeface="나눔스퀘어 Bold" panose="020B0600000101010101" pitchFamily="50" charset="-127"/>
               </a:rPr>
-              <a:t>Graph – 2606 </a:t>
+              <a:t>Tree</a:t>
             </a:r>
             <a:r>
               <a:rPr lang="ko-KR" altLang="en-US" sz="2800" dirty="0">
                 <a:latin typeface="나눔스퀘어 Bold" panose="020B0600000101010101" pitchFamily="50" charset="-127"/>
                 <a:ea typeface="나눔스퀘어 Bold" panose="020B0600000101010101" pitchFamily="50" charset="-127"/>
               </a:rPr>
-              <a:t>바이러스</a:t>
-            </a:r>
+              <a:t> </a:t>
+            </a:r>
+            <a:r>
+              <a:rPr lang="en-US" altLang="ko-KR" sz="2800" dirty="0">
+                <a:latin typeface="나눔스퀘어 Bold" panose="020B0600000101010101" pitchFamily="50" charset="-127"/>
+                <a:ea typeface="나눔스퀘어 Bold" panose="020B0600000101010101" pitchFamily="50" charset="-127"/>
+              </a:rPr>
+              <a:t>– 11725 </a:t>
+            </a:r>
+            <a:r>
+              <a:rPr lang="ko-KR" altLang="en-US" sz="2800" dirty="0">
+                <a:latin typeface="나눔스퀘어 Bold" panose="020B0600000101010101" pitchFamily="50" charset="-127"/>
+                <a:ea typeface="나눔스퀘어 Bold" panose="020B0600000101010101" pitchFamily="50" charset="-127"/>
+              </a:rPr>
+              <a:t>트리의 부모 찾기</a:t>
+            </a:r>
+          </a:p>
+        </p:txBody>
+      </p:sp>
+      <p:sp>
+        <p:nvSpPr>
+          <p:cNvPr id="16" name="TextBox 15">
+            <a:extLst>
+              <a:ext uri="{FF2B5EF4-FFF2-40B4-BE49-F238E27FC236}">
+                <a16:creationId xmlns:a16="http://schemas.microsoft.com/office/drawing/2014/main" id="{27197033-9016-6E06-5290-1730FA4DCC1F}"/>
+              </a:ext>
+            </a:extLst>
+          </p:cNvPr>
+          <p:cNvSpPr txBox="1"/>
+          <p:nvPr/>
+        </p:nvSpPr>
+        <p:spPr>
+          <a:xfrm>
+            <a:off x="942387" y="1074286"/>
+            <a:ext cx="10237694" cy="369332"/>
+          </a:xfrm>
+          <a:prstGeom prst="rect">
+            <a:avLst/>
+          </a:prstGeom>
+          <a:noFill/>
+        </p:spPr>
+        <p:txBody>
+          <a:bodyPr wrap="square" rtlCol="0">
+            <a:spAutoFit/>
+          </a:bodyPr>
+          <a:lstStyle/>
+          <a:p>
+            <a:r>
+              <a:rPr lang="ko-KR" altLang="en-US" dirty="0">
+                <a:latin typeface="나눔스퀘어 Light" panose="020B0600000101010101" pitchFamily="50" charset="-127"/>
+                <a:ea typeface="나눔스퀘어 Light" panose="020B0600000101010101" pitchFamily="50" charset="-127"/>
+              </a:rPr>
+              <a:t>입력을 받아 트리를 구성합니다</a:t>
+            </a:r>
+            <a:r>
+              <a:rPr lang="en-US" altLang="ko-KR" dirty="0">
+                <a:latin typeface="나눔스퀘어 Light" panose="020B0600000101010101" pitchFamily="50" charset="-127"/>
+                <a:ea typeface="나눔스퀘어 Light" panose="020B0600000101010101" pitchFamily="50" charset="-127"/>
+              </a:rPr>
+              <a:t>.</a:t>
+            </a:r>
+            <a:endParaRPr lang="ko-KR" altLang="en-US" dirty="0">
+              <a:latin typeface="나눔스퀘어 Light" panose="020B0600000101010101" pitchFamily="50" charset="-127"/>
+              <a:ea typeface="나눔스퀘어 Light" panose="020B0600000101010101" pitchFamily="50" charset="-127"/>
+            </a:endParaRPr>
           </a:p>
         </p:txBody>
       </p:sp>
       <p:pic>
         <p:nvPicPr>
-          <p:cNvPr id="7" name="그림 6">
-            <a:extLst>
-              <a:ext uri="{FF2B5EF4-FFF2-40B4-BE49-F238E27FC236}">
-                <a16:creationId xmlns:a16="http://schemas.microsoft.com/office/drawing/2014/main" id="{0200E58E-AE40-8E5B-9A13-0D4395C455A4}"/>
+          <p:cNvPr id="44" name="그림 43">
+            <a:extLst>
+              <a:ext uri="{FF2B5EF4-FFF2-40B4-BE49-F238E27FC236}">
+                <a16:creationId xmlns:a16="http://schemas.microsoft.com/office/drawing/2014/main" id="{EC7D4054-2362-4B94-817B-702F7D423769}"/>
               </a:ext>
             </a:extLst>
           </p:cNvPr>
@@ -15443,8 +17935,8 @@
         </p:blipFill>
         <p:spPr>
           <a:xfrm>
-            <a:off x="331694" y="1074286"/>
-            <a:ext cx="10821910" cy="4401164"/>
+            <a:off x="964964" y="1443617"/>
+            <a:ext cx="6474413" cy="4479771"/>
           </a:xfrm>
           <a:prstGeom prst="rect">
             <a:avLst/>
@@ -15454,7 +17946,7 @@
     </p:spTree>
     <p:extLst>
       <p:ext uri="{BB962C8B-B14F-4D97-AF65-F5344CB8AC3E}">
-        <p14:creationId xmlns:p14="http://schemas.microsoft.com/office/powerpoint/2010/main" val="2401598668"/>
+        <p14:creationId xmlns:p14="http://schemas.microsoft.com/office/powerpoint/2010/main" val="3161346608"/>
       </p:ext>
     </p:extLst>
   </p:cSld>
@@ -16291,10 +18783,10 @@
       </p:cxnSp>
       <p:sp>
         <p:nvSpPr>
-          <p:cNvPr id="3" name="TextBox 2">
-            <a:extLst>
-              <a:ext uri="{FF2B5EF4-FFF2-40B4-BE49-F238E27FC236}">
-                <a16:creationId xmlns:a16="http://schemas.microsoft.com/office/drawing/2014/main" id="{55A2659C-619F-80B4-6BDF-B649C7E7DBE9}"/>
+          <p:cNvPr id="9" name="TextBox 8">
+            <a:extLst>
+              <a:ext uri="{FF2B5EF4-FFF2-40B4-BE49-F238E27FC236}">
+                <a16:creationId xmlns:a16="http://schemas.microsoft.com/office/drawing/2014/main" id="{31008A26-2BFE-0C2B-0C35-AA486556DF58}"/>
               </a:ext>
             </a:extLst>
           </p:cNvPr>
@@ -16303,7 +18795,66 @@
         </p:nvSpPr>
         <p:spPr>
           <a:xfrm>
-            <a:off x="942387" y="1190024"/>
+            <a:off x="331694" y="177505"/>
+            <a:ext cx="4912114" cy="523220"/>
+          </a:xfrm>
+          <a:prstGeom prst="rect">
+            <a:avLst/>
+          </a:prstGeom>
+          <a:noFill/>
+        </p:spPr>
+        <p:txBody>
+          <a:bodyPr wrap="none" rtlCol="0">
+            <a:spAutoFit/>
+          </a:bodyPr>
+          <a:lstStyle/>
+          <a:p>
+            <a:r>
+              <a:rPr lang="en-US" altLang="ko-KR" sz="2800" dirty="0">
+                <a:latin typeface="나눔스퀘어 Bold" panose="020B0600000101010101" pitchFamily="50" charset="-127"/>
+                <a:ea typeface="나눔스퀘어 Bold" panose="020B0600000101010101" pitchFamily="50" charset="-127"/>
+              </a:rPr>
+              <a:t>Tree</a:t>
+            </a:r>
+            <a:r>
+              <a:rPr lang="ko-KR" altLang="en-US" sz="2800" dirty="0">
+                <a:latin typeface="나눔스퀘어 Bold" panose="020B0600000101010101" pitchFamily="50" charset="-127"/>
+                <a:ea typeface="나눔스퀘어 Bold" panose="020B0600000101010101" pitchFamily="50" charset="-127"/>
+              </a:rPr>
+              <a:t> </a:t>
+            </a:r>
+            <a:r>
+              <a:rPr lang="en-US" altLang="ko-KR" sz="2800" dirty="0">
+                <a:latin typeface="나눔스퀘어 Bold" panose="020B0600000101010101" pitchFamily="50" charset="-127"/>
+                <a:ea typeface="나눔스퀘어 Bold" panose="020B0600000101010101" pitchFamily="50" charset="-127"/>
+              </a:rPr>
+              <a:t>– 11725 </a:t>
+            </a:r>
+            <a:r>
+              <a:rPr lang="ko-KR" altLang="en-US" sz="2800" dirty="0">
+                <a:latin typeface="나눔스퀘어 Bold" panose="020B0600000101010101" pitchFamily="50" charset="-127"/>
+                <a:ea typeface="나눔스퀘어 Bold" panose="020B0600000101010101" pitchFamily="50" charset="-127"/>
+              </a:rPr>
+              <a:t>트리의 부모 찾기</a:t>
+            </a:r>
+          </a:p>
+        </p:txBody>
+      </p:sp>
+      <p:sp>
+        <p:nvSpPr>
+          <p:cNvPr id="16" name="TextBox 15">
+            <a:extLst>
+              <a:ext uri="{FF2B5EF4-FFF2-40B4-BE49-F238E27FC236}">
+                <a16:creationId xmlns:a16="http://schemas.microsoft.com/office/drawing/2014/main" id="{27197033-9016-6E06-5290-1730FA4DCC1F}"/>
+              </a:ext>
+            </a:extLst>
+          </p:cNvPr>
+          <p:cNvSpPr txBox="1"/>
+          <p:nvPr/>
+        </p:nvSpPr>
+        <p:spPr>
+          <a:xfrm>
+            <a:off x="942387" y="1074286"/>
             <a:ext cx="10237694" cy="369332"/>
           </a:xfrm>
           <a:prstGeom prst="rect">
@@ -16322,7 +18873,7 @@
                 <a:latin typeface="나눔스퀘어 Light" panose="020B0600000101010101" pitchFamily="50" charset="-127"/>
                 <a:ea typeface="나눔스퀘어 Light" panose="020B0600000101010101" pitchFamily="50" charset="-127"/>
               </a:rPr>
-              <a:t>전형적인 큐를 사용하는 문제이지만</a:t>
+              <a:t>다음으로</a:t>
             </a:r>
             <a:r>
               <a:rPr lang="en-US" altLang="ko-KR" dirty="0">
@@ -16336,7 +18887,115 @@
                 <a:latin typeface="나눔스퀘어 Light" panose="020B0600000101010101" pitchFamily="50" charset="-127"/>
                 <a:ea typeface="나눔스퀘어 Light" panose="020B0600000101010101" pitchFamily="50" charset="-127"/>
               </a:rPr>
-              <a:t>꼭 큐를 사용해야만 풀 수 있는 것은 아닙니다</a:t>
+              <a:t>트리</a:t>
+            </a:r>
+            <a:r>
+              <a:rPr lang="en-US" altLang="ko-KR" dirty="0">
+                <a:latin typeface="나눔스퀘어 Light" panose="020B0600000101010101" pitchFamily="50" charset="-127"/>
+                <a:ea typeface="나눔스퀘어 Light" panose="020B0600000101010101" pitchFamily="50" charset="-127"/>
+              </a:rPr>
+              <a:t>(</a:t>
+            </a:r>
+            <a:r>
+              <a:rPr lang="ko-KR" altLang="en-US" dirty="0">
+                <a:latin typeface="나눔스퀘어 Light" panose="020B0600000101010101" pitchFamily="50" charset="-127"/>
+                <a:ea typeface="나눔스퀘어 Light" panose="020B0600000101010101" pitchFamily="50" charset="-127"/>
+              </a:rPr>
+              <a:t>그래프</a:t>
+            </a:r>
+            <a:r>
+              <a:rPr lang="en-US" altLang="ko-KR" dirty="0">
+                <a:latin typeface="나눔스퀘어 Light" panose="020B0600000101010101" pitchFamily="50" charset="-127"/>
+                <a:ea typeface="나눔스퀘어 Light" panose="020B0600000101010101" pitchFamily="50" charset="-127"/>
+              </a:rPr>
+              <a:t>)</a:t>
+            </a:r>
+            <a:r>
+              <a:rPr lang="ko-KR" altLang="en-US" dirty="0">
+                <a:latin typeface="나눔스퀘어 Light" panose="020B0600000101010101" pitchFamily="50" charset="-127"/>
+                <a:ea typeface="나눔스퀘어 Light" panose="020B0600000101010101" pitchFamily="50" charset="-127"/>
+              </a:rPr>
+              <a:t> 순회</a:t>
+            </a:r>
+            <a:r>
+              <a:rPr lang="en-US" altLang="ko-KR" dirty="0">
+                <a:latin typeface="나눔스퀘어 Light" panose="020B0600000101010101" pitchFamily="50" charset="-127"/>
+                <a:ea typeface="나눔스퀘어 Light" panose="020B0600000101010101" pitchFamily="50" charset="-127"/>
+              </a:rPr>
+              <a:t>(DFS / BFS)</a:t>
+            </a:r>
+            <a:r>
+              <a:rPr lang="ko-KR" altLang="en-US" dirty="0">
+                <a:latin typeface="나눔스퀘어 Light" panose="020B0600000101010101" pitchFamily="50" charset="-127"/>
+                <a:ea typeface="나눔스퀘어 Light" panose="020B0600000101010101" pitchFamily="50" charset="-127"/>
+              </a:rPr>
+              <a:t>를 하면서 노드를 방문할 때</a:t>
+            </a:r>
+          </a:p>
+        </p:txBody>
+      </p:sp>
+      <p:sp>
+        <p:nvSpPr>
+          <p:cNvPr id="6" name="TextBox 5">
+            <a:extLst>
+              <a:ext uri="{FF2B5EF4-FFF2-40B4-BE49-F238E27FC236}">
+                <a16:creationId xmlns:a16="http://schemas.microsoft.com/office/drawing/2014/main" id="{7B8C6481-3DA3-4477-9B57-8FB62DAD4B55}"/>
+              </a:ext>
+            </a:extLst>
+          </p:cNvPr>
+          <p:cNvSpPr txBox="1"/>
+          <p:nvPr/>
+        </p:nvSpPr>
+        <p:spPr>
+          <a:xfrm>
+            <a:off x="942387" y="1445732"/>
+            <a:ext cx="10237694" cy="369332"/>
+          </a:xfrm>
+          <a:prstGeom prst="rect">
+            <a:avLst/>
+          </a:prstGeom>
+          <a:noFill/>
+        </p:spPr>
+        <p:txBody>
+          <a:bodyPr wrap="square" rtlCol="0">
+            <a:spAutoFit/>
+          </a:bodyPr>
+          <a:lstStyle/>
+          <a:p>
+            <a:r>
+              <a:rPr lang="ko-KR" altLang="en-US" dirty="0">
+                <a:latin typeface="나눔스퀘어 Light" panose="020B0600000101010101" pitchFamily="50" charset="-127"/>
+                <a:ea typeface="나눔스퀘어 Light" panose="020B0600000101010101" pitchFamily="50" charset="-127"/>
+              </a:rPr>
+              <a:t>어느 노드에서 왔는지</a:t>
+            </a:r>
+            <a:r>
+              <a:rPr lang="en-US" altLang="ko-KR" dirty="0">
+                <a:latin typeface="나눔스퀘어 Light" panose="020B0600000101010101" pitchFamily="50" charset="-127"/>
+                <a:ea typeface="나눔스퀘어 Light" panose="020B0600000101010101" pitchFamily="50" charset="-127"/>
+              </a:rPr>
+              <a:t>(</a:t>
+            </a:r>
+            <a:r>
+              <a:rPr lang="ko-KR" altLang="en-US" dirty="0">
+                <a:latin typeface="나눔스퀘어 Light" panose="020B0600000101010101" pitchFamily="50" charset="-127"/>
+                <a:ea typeface="나눔스퀘어 Light" panose="020B0600000101010101" pitchFamily="50" charset="-127"/>
+              </a:rPr>
+              <a:t>부모</a:t>
+            </a:r>
+            <a:r>
+              <a:rPr lang="en-US" altLang="ko-KR" dirty="0">
+                <a:latin typeface="나눔스퀘어 Light" panose="020B0600000101010101" pitchFamily="50" charset="-127"/>
+                <a:ea typeface="나눔스퀘어 Light" panose="020B0600000101010101" pitchFamily="50" charset="-127"/>
+              </a:rPr>
+              <a:t>)</a:t>
+            </a:r>
+            <a:r>
+              <a:rPr lang="ko-KR" altLang="en-US" dirty="0">
+                <a:latin typeface="나눔스퀘어 Light" panose="020B0600000101010101" pitchFamily="50" charset="-127"/>
+                <a:ea typeface="나눔스퀘어 Light" panose="020B0600000101010101" pitchFamily="50" charset="-127"/>
+              </a:rPr>
+              <a:t>를 기록해줍니다</a:t>
             </a:r>
             <a:r>
               <a:rPr lang="en-US" altLang="ko-KR" dirty="0">
@@ -16352,12 +19011,42 @@
           </a:p>
         </p:txBody>
       </p:sp>
-      <p:sp>
-        <p:nvSpPr>
-          <p:cNvPr id="4" name="TextBox 3">
-            <a:extLst>
-              <a:ext uri="{FF2B5EF4-FFF2-40B4-BE49-F238E27FC236}">
-                <a16:creationId xmlns:a16="http://schemas.microsoft.com/office/drawing/2014/main" id="{5309C74F-4AB5-553D-92E5-3E70398F8530}"/>
+      <p:pic>
+        <p:nvPicPr>
+          <p:cNvPr id="3" name="그림 2">
+            <a:extLst>
+              <a:ext uri="{FF2B5EF4-FFF2-40B4-BE49-F238E27FC236}">
+                <a16:creationId xmlns:a16="http://schemas.microsoft.com/office/drawing/2014/main" id="{34E4923D-AA92-4CAA-897D-3C972DBF83A7}"/>
+              </a:ext>
+            </a:extLst>
+          </p:cNvPr>
+          <p:cNvPicPr>
+            <a:picLocks noChangeAspect="1"/>
+          </p:cNvPicPr>
+          <p:nvPr/>
+        </p:nvPicPr>
+        <p:blipFill>
+          <a:blip r:embed="rId2"/>
+          <a:stretch>
+            <a:fillRect/>
+          </a:stretch>
+        </p:blipFill>
+        <p:spPr>
+          <a:xfrm>
+            <a:off x="942387" y="1815064"/>
+            <a:ext cx="5639035" cy="4409852"/>
+          </a:xfrm>
+          <a:prstGeom prst="rect">
+            <a:avLst/>
+          </a:prstGeom>
+        </p:spPr>
+      </p:pic>
+      <p:sp>
+        <p:nvSpPr>
+          <p:cNvPr id="10" name="TextBox 9">
+            <a:extLst>
+              <a:ext uri="{FF2B5EF4-FFF2-40B4-BE49-F238E27FC236}">
+                <a16:creationId xmlns:a16="http://schemas.microsoft.com/office/drawing/2014/main" id="{FC25E91E-6D45-4B12-9B46-1336A6270CE0}"/>
               </a:ext>
             </a:extLst>
           </p:cNvPr>
@@ -16366,8 +19055,8 @@
         </p:nvSpPr>
         <p:spPr>
           <a:xfrm>
-            <a:off x="331694" y="177505"/>
-            <a:ext cx="3809248" cy="523220"/>
+            <a:off x="6795911" y="2408852"/>
+            <a:ext cx="4384170" cy="369332"/>
           </a:xfrm>
           <a:prstGeom prst="rect">
             <a:avLst/>
@@ -16375,32 +19064,57 @@
           <a:noFill/>
         </p:spPr>
         <p:txBody>
-          <a:bodyPr wrap="none" rtlCol="0">
+          <a:bodyPr wrap="square" rtlCol="0">
             <a:spAutoFit/>
           </a:bodyPr>
           <a:lstStyle/>
           <a:p>
             <a:r>
-              <a:rPr lang="en-US" altLang="ko-KR" sz="2800" dirty="0">
-                <a:latin typeface="나눔스퀘어 Bold" panose="020B0600000101010101" pitchFamily="50" charset="-127"/>
-                <a:ea typeface="나눔스퀘어 Bold" panose="020B0600000101010101" pitchFamily="50" charset="-127"/>
-              </a:rPr>
-              <a:t>Graph – 2606 </a:t>
-            </a:r>
-            <a:r>
-              <a:rPr lang="ko-KR" altLang="en-US" sz="2800" dirty="0">
-                <a:latin typeface="나눔스퀘어 Bold" panose="020B0600000101010101" pitchFamily="50" charset="-127"/>
-                <a:ea typeface="나눔스퀘어 Bold" panose="020B0600000101010101" pitchFamily="50" charset="-127"/>
-              </a:rPr>
-              <a:t>바이러스</a:t>
-            </a:r>
+              <a:rPr lang="en-US" altLang="ko-KR" dirty="0">
+                <a:latin typeface="나눔스퀘어 Light" panose="020B0600000101010101" pitchFamily="50" charset="-127"/>
+                <a:ea typeface="나눔스퀘어 Light" panose="020B0600000101010101" pitchFamily="50" charset="-127"/>
+              </a:rPr>
+              <a:t>(</a:t>
+            </a:r>
+            <a:r>
+              <a:rPr lang="ko-KR" altLang="en-US" dirty="0">
+                <a:latin typeface="나눔스퀘어 Light" panose="020B0600000101010101" pitchFamily="50" charset="-127"/>
+                <a:ea typeface="나눔스퀘어 Light" panose="020B0600000101010101" pitchFamily="50" charset="-127"/>
+              </a:rPr>
+              <a:t>이 예제에서는 </a:t>
+            </a:r>
+            <a:r>
+              <a:rPr lang="en-US" altLang="ko-KR" dirty="0">
+                <a:latin typeface="나눔스퀘어 Light" panose="020B0600000101010101" pitchFamily="50" charset="-127"/>
+                <a:ea typeface="나눔스퀘어 Light" panose="020B0600000101010101" pitchFamily="50" charset="-127"/>
+              </a:rPr>
+              <a:t>DFS </a:t>
+            </a:r>
+            <a:r>
+              <a:rPr lang="ko-KR" altLang="en-US" dirty="0">
+                <a:latin typeface="나눔스퀘어 Light" panose="020B0600000101010101" pitchFamily="50" charset="-127"/>
+                <a:ea typeface="나눔스퀘어 Light" panose="020B0600000101010101" pitchFamily="50" charset="-127"/>
+              </a:rPr>
+              <a:t>방식으로 함</a:t>
+            </a:r>
+            <a:r>
+              <a:rPr lang="en-US" altLang="ko-KR" dirty="0">
+                <a:latin typeface="나눔스퀘어 Light" panose="020B0600000101010101" pitchFamily="50" charset="-127"/>
+                <a:ea typeface="나눔스퀘어 Light" panose="020B0600000101010101" pitchFamily="50" charset="-127"/>
+              </a:rPr>
+              <a:t>)</a:t>
+            </a:r>
+            <a:endParaRPr lang="ko-KR" altLang="en-US" dirty="0">
+              <a:latin typeface="나눔스퀘어 Light" panose="020B0600000101010101" pitchFamily="50" charset="-127"/>
+              <a:ea typeface="나눔스퀘어 Light" panose="020B0600000101010101" pitchFamily="50" charset="-127"/>
+            </a:endParaRPr>
           </a:p>
         </p:txBody>
       </p:sp>
     </p:spTree>
     <p:extLst>
       <p:ext uri="{BB962C8B-B14F-4D97-AF65-F5344CB8AC3E}">
-        <p14:creationId xmlns:p14="http://schemas.microsoft.com/office/powerpoint/2010/main" val="168362199"/>
+        <p14:creationId xmlns:p14="http://schemas.microsoft.com/office/powerpoint/2010/main" val="2779825186"/>
       </p:ext>
     </p:extLst>
   </p:cSld>
@@ -16473,10 +19187,10 @@
       </p:cxnSp>
       <p:sp>
         <p:nvSpPr>
-          <p:cNvPr id="3" name="TextBox 2">
-            <a:extLst>
-              <a:ext uri="{FF2B5EF4-FFF2-40B4-BE49-F238E27FC236}">
-                <a16:creationId xmlns:a16="http://schemas.microsoft.com/office/drawing/2014/main" id="{B3B954B2-DB7F-EEC1-438C-CB91D3B18AE1}"/>
+          <p:cNvPr id="9" name="TextBox 8">
+            <a:extLst>
+              <a:ext uri="{FF2B5EF4-FFF2-40B4-BE49-F238E27FC236}">
+                <a16:creationId xmlns:a16="http://schemas.microsoft.com/office/drawing/2014/main" id="{31008A26-2BFE-0C2B-0C35-AA486556DF58}"/>
               </a:ext>
             </a:extLst>
           </p:cNvPr>
@@ -16486,7 +19200,7 @@
         <p:spPr>
           <a:xfrm>
             <a:off x="331694" y="177505"/>
-            <a:ext cx="3899016" cy="523220"/>
+            <a:ext cx="4912114" cy="523220"/>
           </a:xfrm>
           <a:prstGeom prst="rect">
             <a:avLst/>
@@ -16504,15 +19218,113 @@
                 <a:latin typeface="나눔스퀘어 Bold" panose="020B0600000101010101" pitchFamily="50" charset="-127"/>
                 <a:ea typeface="나눔스퀘어 Bold" panose="020B0600000101010101" pitchFamily="50" charset="-127"/>
               </a:rPr>
-              <a:t>Graph – 2178 </a:t>
+              <a:t>Tree</a:t>
             </a:r>
             <a:r>
               <a:rPr lang="ko-KR" altLang="en-US" sz="2800" dirty="0">
                 <a:latin typeface="나눔스퀘어 Bold" panose="020B0600000101010101" pitchFamily="50" charset="-127"/>
                 <a:ea typeface="나눔스퀘어 Bold" panose="020B0600000101010101" pitchFamily="50" charset="-127"/>
               </a:rPr>
-              <a:t>미로 탐색</a:t>
-            </a:r>
+              <a:t> </a:t>
+            </a:r>
+            <a:r>
+              <a:rPr lang="en-US" altLang="ko-KR" sz="2800" dirty="0">
+                <a:latin typeface="나눔스퀘어 Bold" panose="020B0600000101010101" pitchFamily="50" charset="-127"/>
+                <a:ea typeface="나눔스퀘어 Bold" panose="020B0600000101010101" pitchFamily="50" charset="-127"/>
+              </a:rPr>
+              <a:t>– 11725 </a:t>
+            </a:r>
+            <a:r>
+              <a:rPr lang="ko-KR" altLang="en-US" sz="2800" dirty="0">
+                <a:latin typeface="나눔스퀘어 Bold" panose="020B0600000101010101" pitchFamily="50" charset="-127"/>
+                <a:ea typeface="나눔스퀘어 Bold" panose="020B0600000101010101" pitchFamily="50" charset="-127"/>
+              </a:rPr>
+              <a:t>트리의 부모 찾기</a:t>
+            </a:r>
+          </a:p>
+        </p:txBody>
+      </p:sp>
+      <p:sp>
+        <p:nvSpPr>
+          <p:cNvPr id="16" name="TextBox 15">
+            <a:extLst>
+              <a:ext uri="{FF2B5EF4-FFF2-40B4-BE49-F238E27FC236}">
+                <a16:creationId xmlns:a16="http://schemas.microsoft.com/office/drawing/2014/main" id="{27197033-9016-6E06-5290-1730FA4DCC1F}"/>
+              </a:ext>
+            </a:extLst>
+          </p:cNvPr>
+          <p:cNvSpPr txBox="1"/>
+          <p:nvPr/>
+        </p:nvSpPr>
+        <p:spPr>
+          <a:xfrm>
+            <a:off x="942387" y="1074286"/>
+            <a:ext cx="10237694" cy="369332"/>
+          </a:xfrm>
+          <a:prstGeom prst="rect">
+            <a:avLst/>
+          </a:prstGeom>
+          <a:noFill/>
+        </p:spPr>
+        <p:txBody>
+          <a:bodyPr wrap="square" rtlCol="0">
+            <a:spAutoFit/>
+          </a:bodyPr>
+          <a:lstStyle/>
+          <a:p>
+            <a:r>
+              <a:rPr lang="ko-KR" altLang="en-US" dirty="0">
+                <a:latin typeface="나눔스퀘어 Light" panose="020B0600000101010101" pitchFamily="50" charset="-127"/>
+                <a:ea typeface="나눔스퀘어 Light" panose="020B0600000101010101" pitchFamily="50" charset="-127"/>
+              </a:rPr>
+              <a:t>그래프 순회가 끝났다면</a:t>
+            </a:r>
+            <a:r>
+              <a:rPr lang="en-US" altLang="ko-KR" dirty="0">
+                <a:latin typeface="나눔스퀘어 Light" panose="020B0600000101010101" pitchFamily="50" charset="-127"/>
+                <a:ea typeface="나눔스퀘어 Light" panose="020B0600000101010101" pitchFamily="50" charset="-127"/>
+              </a:rPr>
+              <a:t>, parent[] </a:t>
+            </a:r>
+            <a:r>
+              <a:rPr lang="ko-KR" altLang="en-US" dirty="0">
+                <a:latin typeface="나눔스퀘어 Light" panose="020B0600000101010101" pitchFamily="50" charset="-127"/>
+                <a:ea typeface="나눔스퀘어 Light" panose="020B0600000101010101" pitchFamily="50" charset="-127"/>
+              </a:rPr>
+              <a:t>배열에 각 노드들의 부모가 저장되어 </a:t>
+            </a:r>
+            <a:r>
+              <a:rPr lang="ko-KR" altLang="en-US" dirty="0" err="1">
+                <a:latin typeface="나눔스퀘어 Light" panose="020B0600000101010101" pitchFamily="50" charset="-127"/>
+                <a:ea typeface="나눔스퀘어 Light" panose="020B0600000101010101" pitchFamily="50" charset="-127"/>
+              </a:rPr>
+              <a:t>있을테니</a:t>
+            </a:r>
+            <a:r>
+              <a:rPr lang="en-US" altLang="ko-KR" dirty="0">
+                <a:latin typeface="나눔스퀘어 Light" panose="020B0600000101010101" pitchFamily="50" charset="-127"/>
+                <a:ea typeface="나눔스퀘어 Light" panose="020B0600000101010101" pitchFamily="50" charset="-127"/>
+              </a:rPr>
+              <a:t>, </a:t>
+            </a:r>
+            <a:r>
+              <a:rPr lang="ko-KR" altLang="en-US" dirty="0">
+                <a:latin typeface="나눔스퀘어 Light" panose="020B0600000101010101" pitchFamily="50" charset="-127"/>
+                <a:ea typeface="나눔스퀘어 Light" panose="020B0600000101010101" pitchFamily="50" charset="-127"/>
+              </a:rPr>
+              <a:t>그걸 출력하면 됩니다</a:t>
+            </a:r>
+            <a:r>
+              <a:rPr lang="en-US" altLang="ko-KR" dirty="0">
+                <a:latin typeface="나눔스퀘어 Light" panose="020B0600000101010101" pitchFamily="50" charset="-127"/>
+                <a:ea typeface="나눔스퀘어 Light" panose="020B0600000101010101" pitchFamily="50" charset="-127"/>
+              </a:rPr>
+              <a:t>.</a:t>
+            </a:r>
+            <a:endParaRPr lang="ko-KR" altLang="en-US" dirty="0">
+              <a:latin typeface="나눔스퀘어 Light" panose="020B0600000101010101" pitchFamily="50" charset="-127"/>
+              <a:ea typeface="나눔스퀘어 Light" panose="020B0600000101010101" pitchFamily="50" charset="-127"/>
+            </a:endParaRPr>
           </a:p>
         </p:txBody>
       </p:sp>
@@ -16521,7 +19333,7 @@
           <p:cNvPr id="4" name="그림 3">
             <a:extLst>
               <a:ext uri="{FF2B5EF4-FFF2-40B4-BE49-F238E27FC236}">
-                <a16:creationId xmlns:a16="http://schemas.microsoft.com/office/drawing/2014/main" id="{FA5DC14F-3B58-7DCB-0529-B6DF343008B1}"/>
+                <a16:creationId xmlns:a16="http://schemas.microsoft.com/office/drawing/2014/main" id="{D9500856-82F9-4F66-80E6-E27FE480CCCB}"/>
               </a:ext>
             </a:extLst>
           </p:cNvPr>
@@ -16538,188 +19350,8 @@
         </p:blipFill>
         <p:spPr>
           <a:xfrm>
-            <a:off x="331694" y="1000161"/>
-            <a:ext cx="10783805" cy="3620005"/>
-          </a:xfrm>
-          <a:prstGeom prst="rect">
-            <a:avLst/>
-          </a:prstGeom>
-        </p:spPr>
-      </p:pic>
-      <p:pic>
-        <p:nvPicPr>
-          <p:cNvPr id="8" name="그림 7">
-            <a:extLst>
-              <a:ext uri="{FF2B5EF4-FFF2-40B4-BE49-F238E27FC236}">
-                <a16:creationId xmlns:a16="http://schemas.microsoft.com/office/drawing/2014/main" id="{D27D39DC-B2B5-9D08-1123-33207352EC90}"/>
-              </a:ext>
-            </a:extLst>
-          </p:cNvPr>
-          <p:cNvPicPr>
-            <a:picLocks noChangeAspect="1"/>
-          </p:cNvPicPr>
-          <p:nvPr/>
-        </p:nvPicPr>
-        <p:blipFill>
-          <a:blip r:embed="rId3"/>
-          <a:stretch>
-            <a:fillRect/>
-          </a:stretch>
-        </p:blipFill>
-        <p:spPr>
-          <a:xfrm>
-            <a:off x="331694" y="4725894"/>
-            <a:ext cx="1381318" cy="1952898"/>
-          </a:xfrm>
-          <a:prstGeom prst="rect">
-            <a:avLst/>
-          </a:prstGeom>
-        </p:spPr>
-      </p:pic>
-      <p:pic>
-        <p:nvPicPr>
-          <p:cNvPr id="10" name="그림 9">
-            <a:extLst>
-              <a:ext uri="{FF2B5EF4-FFF2-40B4-BE49-F238E27FC236}">
-                <a16:creationId xmlns:a16="http://schemas.microsoft.com/office/drawing/2014/main" id="{3DD36C43-90AD-AFEE-539A-343B818B647A}"/>
-              </a:ext>
-            </a:extLst>
-          </p:cNvPr>
-          <p:cNvPicPr>
-            <a:picLocks noChangeAspect="1"/>
-          </p:cNvPicPr>
-          <p:nvPr/>
-        </p:nvPicPr>
-        <p:blipFill>
-          <a:blip r:embed="rId4"/>
-          <a:stretch>
-            <a:fillRect/>
-          </a:stretch>
-        </p:blipFill>
-        <p:spPr>
-          <a:xfrm>
-            <a:off x="1789450" y="4730077"/>
-            <a:ext cx="1371791" cy="990738"/>
-          </a:xfrm>
-          <a:prstGeom prst="rect">
-            <a:avLst/>
-          </a:prstGeom>
-        </p:spPr>
-      </p:pic>
-      <p:pic>
-        <p:nvPicPr>
-          <p:cNvPr id="12" name="그림 11">
-            <a:extLst>
-              <a:ext uri="{FF2B5EF4-FFF2-40B4-BE49-F238E27FC236}">
-                <a16:creationId xmlns:a16="http://schemas.microsoft.com/office/drawing/2014/main" id="{2104BF6A-48BA-5686-10A0-8CBBBB3C5CEE}"/>
-              </a:ext>
-            </a:extLst>
-          </p:cNvPr>
-          <p:cNvPicPr>
-            <a:picLocks noChangeAspect="1"/>
-          </p:cNvPicPr>
-          <p:nvPr/>
-        </p:nvPicPr>
-        <p:blipFill>
-          <a:blip r:embed="rId5"/>
-          <a:stretch>
-            <a:fillRect/>
-          </a:stretch>
-        </p:blipFill>
-        <p:spPr>
-          <a:xfrm>
-            <a:off x="3544814" y="4736001"/>
-            <a:ext cx="1371791" cy="1895740"/>
-          </a:xfrm>
-          <a:prstGeom prst="rect">
-            <a:avLst/>
-          </a:prstGeom>
-        </p:spPr>
-      </p:pic>
-      <p:pic>
-        <p:nvPicPr>
-          <p:cNvPr id="14" name="그림 13">
-            <a:extLst>
-              <a:ext uri="{FF2B5EF4-FFF2-40B4-BE49-F238E27FC236}">
-                <a16:creationId xmlns:a16="http://schemas.microsoft.com/office/drawing/2014/main" id="{EED78C7D-9A0E-591C-7A5D-F34A83B545ED}"/>
-              </a:ext>
-            </a:extLst>
-          </p:cNvPr>
-          <p:cNvPicPr>
-            <a:picLocks noChangeAspect="1"/>
-          </p:cNvPicPr>
-          <p:nvPr/>
-        </p:nvPicPr>
-        <p:blipFill>
-          <a:blip r:embed="rId6"/>
-          <a:stretch>
-            <a:fillRect/>
-          </a:stretch>
-        </p:blipFill>
-        <p:spPr>
-          <a:xfrm>
-            <a:off x="4993043" y="4732821"/>
-            <a:ext cx="1352739" cy="971686"/>
-          </a:xfrm>
-          <a:prstGeom prst="rect">
-            <a:avLst/>
-          </a:prstGeom>
-        </p:spPr>
-      </p:pic>
-      <p:pic>
-        <p:nvPicPr>
-          <p:cNvPr id="16" name="그림 15">
-            <a:extLst>
-              <a:ext uri="{FF2B5EF4-FFF2-40B4-BE49-F238E27FC236}">
-                <a16:creationId xmlns:a16="http://schemas.microsoft.com/office/drawing/2014/main" id="{4D745FE7-27E1-F4AE-1580-31870CEE187B}"/>
-              </a:ext>
-            </a:extLst>
-          </p:cNvPr>
-          <p:cNvPicPr>
-            <a:picLocks noChangeAspect="1"/>
-          </p:cNvPicPr>
-          <p:nvPr/>
-        </p:nvPicPr>
-        <p:blipFill>
-          <a:blip r:embed="rId7"/>
-          <a:stretch>
-            <a:fillRect/>
-          </a:stretch>
-        </p:blipFill>
-        <p:spPr>
-          <a:xfrm>
-            <a:off x="6748407" y="4725894"/>
-            <a:ext cx="2705478" cy="1428949"/>
-          </a:xfrm>
-          <a:prstGeom prst="rect">
-            <a:avLst/>
-          </a:prstGeom>
-        </p:spPr>
-      </p:pic>
-      <p:pic>
-        <p:nvPicPr>
-          <p:cNvPr id="18" name="그림 17">
-            <a:extLst>
-              <a:ext uri="{FF2B5EF4-FFF2-40B4-BE49-F238E27FC236}">
-                <a16:creationId xmlns:a16="http://schemas.microsoft.com/office/drawing/2014/main" id="{92345696-89A4-046E-7D27-1773D5DFCBB5}"/>
-              </a:ext>
-            </a:extLst>
-          </p:cNvPr>
-          <p:cNvPicPr>
-            <a:picLocks noChangeAspect="1"/>
-          </p:cNvPicPr>
-          <p:nvPr/>
-        </p:nvPicPr>
-        <p:blipFill>
-          <a:blip r:embed="rId8"/>
-          <a:stretch>
-            <a:fillRect/>
-          </a:stretch>
-        </p:blipFill>
-        <p:spPr>
-          <a:xfrm>
-            <a:off x="9561324" y="4725894"/>
-            <a:ext cx="1352739" cy="933580"/>
+            <a:off x="1011919" y="1895173"/>
+            <a:ext cx="5496434" cy="960915"/>
           </a:xfrm>
           <a:prstGeom prst="rect">
             <a:avLst/>
@@ -16729,7 +19361,7 @@
     </p:spTree>
     <p:extLst>
       <p:ext uri="{BB962C8B-B14F-4D97-AF65-F5344CB8AC3E}">
-        <p14:creationId xmlns:p14="http://schemas.microsoft.com/office/powerpoint/2010/main" val="3118018328"/>
+        <p14:creationId xmlns:p14="http://schemas.microsoft.com/office/powerpoint/2010/main" val="429004535"/>
       </p:ext>
     </p:extLst>
   </p:cSld>
@@ -16802,6 +19434,1134 @@
       </p:cxnSp>
       <p:sp>
         <p:nvSpPr>
+          <p:cNvPr id="2" name="TextBox 1">
+            <a:extLst>
+              <a:ext uri="{FF2B5EF4-FFF2-40B4-BE49-F238E27FC236}">
+                <a16:creationId xmlns:a16="http://schemas.microsoft.com/office/drawing/2014/main" id="{7A9F668B-4598-7703-B5DB-B80899A1C734}"/>
+              </a:ext>
+            </a:extLst>
+          </p:cNvPr>
+          <p:cNvSpPr txBox="1"/>
+          <p:nvPr/>
+        </p:nvSpPr>
+        <p:spPr>
+          <a:xfrm>
+            <a:off x="331694" y="177505"/>
+            <a:ext cx="4242059" cy="523220"/>
+          </a:xfrm>
+          <a:prstGeom prst="rect">
+            <a:avLst/>
+          </a:prstGeom>
+          <a:noFill/>
+        </p:spPr>
+        <p:txBody>
+          <a:bodyPr wrap="none" rtlCol="0">
+            <a:spAutoFit/>
+          </a:bodyPr>
+          <a:lstStyle/>
+          <a:p>
+            <a:r>
+              <a:rPr lang="en-US" altLang="ko-KR" sz="2800" dirty="0">
+                <a:latin typeface="나눔스퀘어 Bold" panose="020B0600000101010101" pitchFamily="50" charset="-127"/>
+                <a:ea typeface="나눔스퀘어 Bold" panose="020B0600000101010101" pitchFamily="50" charset="-127"/>
+              </a:rPr>
+              <a:t>Graph – 1260 DFS</a:t>
+            </a:r>
+            <a:r>
+              <a:rPr lang="ko-KR" altLang="en-US" sz="2800" dirty="0">
+                <a:latin typeface="나눔스퀘어 Bold" panose="020B0600000101010101" pitchFamily="50" charset="-127"/>
+                <a:ea typeface="나눔스퀘어 Bold" panose="020B0600000101010101" pitchFamily="50" charset="-127"/>
+              </a:rPr>
+              <a:t>와 </a:t>
+            </a:r>
+            <a:r>
+              <a:rPr lang="en-US" altLang="ko-KR" sz="2800" dirty="0">
+                <a:latin typeface="나눔스퀘어 Bold" panose="020B0600000101010101" pitchFamily="50" charset="-127"/>
+                <a:ea typeface="나눔스퀘어 Bold" panose="020B0600000101010101" pitchFamily="50" charset="-127"/>
+              </a:rPr>
+              <a:t>BFS</a:t>
+            </a:r>
+            <a:endParaRPr lang="ko-KR" altLang="en-US" sz="2800" dirty="0">
+              <a:latin typeface="나눔스퀘어 Bold" panose="020B0600000101010101" pitchFamily="50" charset="-127"/>
+              <a:ea typeface="나눔스퀘어 Bold" panose="020B0600000101010101" pitchFamily="50" charset="-127"/>
+            </a:endParaRPr>
+          </a:p>
+        </p:txBody>
+      </p:sp>
+      <p:pic>
+        <p:nvPicPr>
+          <p:cNvPr id="4" name="그림 3">
+            <a:extLst>
+              <a:ext uri="{FF2B5EF4-FFF2-40B4-BE49-F238E27FC236}">
+                <a16:creationId xmlns:a16="http://schemas.microsoft.com/office/drawing/2014/main" id="{E213531B-4F62-6B98-A0AA-59F91309B459}"/>
+              </a:ext>
+            </a:extLst>
+          </p:cNvPr>
+          <p:cNvPicPr>
+            <a:picLocks noChangeAspect="1"/>
+          </p:cNvPicPr>
+          <p:nvPr/>
+        </p:nvPicPr>
+        <p:blipFill>
+          <a:blip r:embed="rId2"/>
+          <a:stretch>
+            <a:fillRect/>
+          </a:stretch>
+        </p:blipFill>
+        <p:spPr>
+          <a:xfrm>
+            <a:off x="331694" y="973178"/>
+            <a:ext cx="9962039" cy="5461379"/>
+          </a:xfrm>
+          <a:prstGeom prst="rect">
+            <a:avLst/>
+          </a:prstGeom>
+        </p:spPr>
+      </p:pic>
+    </p:spTree>
+    <p:extLst>
+      <p:ext uri="{BB962C8B-B14F-4D97-AF65-F5344CB8AC3E}">
+        <p14:creationId xmlns:p14="http://schemas.microsoft.com/office/powerpoint/2010/main" val="3852066961"/>
+      </p:ext>
+    </p:extLst>
+  </p:cSld>
+  <p:clrMapOvr>
+    <a:masterClrMapping/>
+  </p:clrMapOvr>
+</p:sld>
+</file>
+
+<file path=ppt/slides/slide33.xml><?xml version="1.0" encoding="utf-8"?>
+<p:sld xmlns:a="http://schemas.openxmlformats.org/drawingml/2006/main" xmlns:r="http://schemas.openxmlformats.org/officeDocument/2006/relationships" xmlns:p="http://schemas.openxmlformats.org/presentationml/2006/main">
+  <p:cSld>
+    <p:spTree>
+      <p:nvGrpSpPr>
+        <p:cNvPr id="1" name=""/>
+        <p:cNvGrpSpPr/>
+        <p:nvPr/>
+      </p:nvGrpSpPr>
+      <p:grpSpPr>
+        <a:xfrm>
+          <a:off x="0" y="0"/>
+          <a:ext cx="0" cy="0"/>
+          <a:chOff x="0" y="0"/>
+          <a:chExt cx="0" cy="0"/>
+        </a:xfrm>
+      </p:grpSpPr>
+      <p:cxnSp>
+        <p:nvCxnSpPr>
+          <p:cNvPr id="5" name="직선 연결선 4">
+            <a:extLst>
+              <a:ext uri="{FF2B5EF4-FFF2-40B4-BE49-F238E27FC236}">
+                <a16:creationId xmlns:a16="http://schemas.microsoft.com/office/drawing/2014/main" id="{164C2827-EFCE-69A4-D037-1A218415F568}"/>
+              </a:ext>
+            </a:extLst>
+          </p:cNvPr>
+          <p:cNvCxnSpPr/>
+          <p:nvPr/>
+        </p:nvCxnSpPr>
+        <p:spPr>
+          <a:xfrm>
+            <a:off x="0" y="887505"/>
+            <a:ext cx="10237694" cy="0"/>
+          </a:xfrm>
+          <a:prstGeom prst="line">
+            <a:avLst/>
+          </a:prstGeom>
+          <a:ln w="76200">
+            <a:solidFill>
+              <a:schemeClr val="tx1">
+                <a:lumMod val="75000"/>
+                <a:lumOff val="25000"/>
+              </a:schemeClr>
+            </a:solidFill>
+          </a:ln>
+        </p:spPr>
+        <p:style>
+          <a:lnRef idx="1">
+            <a:schemeClr val="accent1"/>
+          </a:lnRef>
+          <a:fillRef idx="0">
+            <a:schemeClr val="accent1"/>
+          </a:fillRef>
+          <a:effectRef idx="0">
+            <a:schemeClr val="accent1"/>
+          </a:effectRef>
+          <a:fontRef idx="minor">
+            <a:schemeClr val="tx1"/>
+          </a:fontRef>
+        </p:style>
+      </p:cxnSp>
+      <p:sp>
+        <p:nvSpPr>
+          <p:cNvPr id="3" name="TextBox 2">
+            <a:extLst>
+              <a:ext uri="{FF2B5EF4-FFF2-40B4-BE49-F238E27FC236}">
+                <a16:creationId xmlns:a16="http://schemas.microsoft.com/office/drawing/2014/main" id="{2929977D-4B28-4A77-BFAA-69E6FF174D27}"/>
+              </a:ext>
+            </a:extLst>
+          </p:cNvPr>
+          <p:cNvSpPr txBox="1"/>
+          <p:nvPr/>
+        </p:nvSpPr>
+        <p:spPr>
+          <a:xfrm>
+            <a:off x="942387" y="1190024"/>
+            <a:ext cx="10237694" cy="369332"/>
+          </a:xfrm>
+          <a:prstGeom prst="rect">
+            <a:avLst/>
+          </a:prstGeom>
+          <a:noFill/>
+        </p:spPr>
+        <p:txBody>
+          <a:bodyPr wrap="square" rtlCol="0">
+            <a:spAutoFit/>
+          </a:bodyPr>
+          <a:lstStyle/>
+          <a:p>
+            <a:r>
+              <a:rPr lang="ko-KR" altLang="en-US" dirty="0">
+                <a:latin typeface="나눔스퀘어 Light" panose="020B0600000101010101" pitchFamily="50" charset="-127"/>
+                <a:ea typeface="나눔스퀘어 Light" panose="020B0600000101010101" pitchFamily="50" charset="-127"/>
+              </a:rPr>
+              <a:t>그래프를 구성해 </a:t>
+            </a:r>
+            <a:r>
+              <a:rPr lang="en-US" altLang="ko-KR" dirty="0">
+                <a:latin typeface="나눔스퀘어 Light" panose="020B0600000101010101" pitchFamily="50" charset="-127"/>
+                <a:ea typeface="나눔스퀘어 Light" panose="020B0600000101010101" pitchFamily="50" charset="-127"/>
+              </a:rPr>
+              <a:t>DFS, BFS </a:t>
+            </a:r>
+            <a:r>
+              <a:rPr lang="ko-KR" altLang="en-US" dirty="0">
+                <a:latin typeface="나눔스퀘어 Light" panose="020B0600000101010101" pitchFamily="50" charset="-127"/>
+                <a:ea typeface="나눔스퀘어 Light" panose="020B0600000101010101" pitchFamily="50" charset="-127"/>
+              </a:rPr>
+              <a:t>하는 문제</a:t>
+            </a:r>
+          </a:p>
+        </p:txBody>
+      </p:sp>
+      <p:sp>
+        <p:nvSpPr>
+          <p:cNvPr id="11" name="TextBox 10">
+            <a:extLst>
+              <a:ext uri="{FF2B5EF4-FFF2-40B4-BE49-F238E27FC236}">
+                <a16:creationId xmlns:a16="http://schemas.microsoft.com/office/drawing/2014/main" id="{55838BC7-EF0F-5B81-2952-60BCF736A512}"/>
+              </a:ext>
+            </a:extLst>
+          </p:cNvPr>
+          <p:cNvSpPr txBox="1"/>
+          <p:nvPr/>
+        </p:nvSpPr>
+        <p:spPr>
+          <a:xfrm>
+            <a:off x="942387" y="1559356"/>
+            <a:ext cx="10237694" cy="369332"/>
+          </a:xfrm>
+          <a:prstGeom prst="rect">
+            <a:avLst/>
+          </a:prstGeom>
+          <a:noFill/>
+        </p:spPr>
+        <p:txBody>
+          <a:bodyPr wrap="square" rtlCol="0">
+            <a:spAutoFit/>
+          </a:bodyPr>
+          <a:lstStyle/>
+          <a:p>
+            <a:r>
+              <a:rPr lang="ko-KR" altLang="en-US" dirty="0">
+                <a:latin typeface="나눔스퀘어 Light" panose="020B0600000101010101" pitchFamily="50" charset="-127"/>
+                <a:ea typeface="나눔스퀘어 Light" panose="020B0600000101010101" pitchFamily="50" charset="-127"/>
+              </a:rPr>
+              <a:t>앞서 트리에서 인접 리스트를 이용한 그래프 구성과 </a:t>
+            </a:r>
+            <a:r>
+              <a:rPr lang="en-US" altLang="ko-KR" dirty="0">
+                <a:latin typeface="나눔스퀘어 Light" panose="020B0600000101010101" pitchFamily="50" charset="-127"/>
+                <a:ea typeface="나눔스퀘어 Light" panose="020B0600000101010101" pitchFamily="50" charset="-127"/>
+              </a:rPr>
+              <a:t>DFS, BFS </a:t>
+            </a:r>
+            <a:r>
+              <a:rPr lang="ko-KR" altLang="en-US" dirty="0">
+                <a:latin typeface="나눔스퀘어 Light" panose="020B0600000101010101" pitchFamily="50" charset="-127"/>
+                <a:ea typeface="나눔스퀘어 Light" panose="020B0600000101010101" pitchFamily="50" charset="-127"/>
+              </a:rPr>
+              <a:t>방법을 보았습니다</a:t>
+            </a:r>
+            <a:r>
+              <a:rPr lang="en-US" altLang="ko-KR" dirty="0">
+                <a:latin typeface="나눔스퀘어 Light" panose="020B0600000101010101" pitchFamily="50" charset="-127"/>
+                <a:ea typeface="나눔스퀘어 Light" panose="020B0600000101010101" pitchFamily="50" charset="-127"/>
+              </a:rPr>
+              <a:t>.</a:t>
+            </a:r>
+            <a:endParaRPr lang="ko-KR" altLang="en-US" dirty="0">
+              <a:latin typeface="나눔스퀘어 Light" panose="020B0600000101010101" pitchFamily="50" charset="-127"/>
+              <a:ea typeface="나눔스퀘어 Light" panose="020B0600000101010101" pitchFamily="50" charset="-127"/>
+            </a:endParaRPr>
+          </a:p>
+        </p:txBody>
+      </p:sp>
+      <p:sp>
+        <p:nvSpPr>
+          <p:cNvPr id="4" name="TextBox 3">
+            <a:extLst>
+              <a:ext uri="{FF2B5EF4-FFF2-40B4-BE49-F238E27FC236}">
+                <a16:creationId xmlns:a16="http://schemas.microsoft.com/office/drawing/2014/main" id="{2016B4EA-6C02-3147-49D3-0C1CFBC649DF}"/>
+              </a:ext>
+            </a:extLst>
+          </p:cNvPr>
+          <p:cNvSpPr txBox="1"/>
+          <p:nvPr/>
+        </p:nvSpPr>
+        <p:spPr>
+          <a:xfrm>
+            <a:off x="942387" y="1928688"/>
+            <a:ext cx="10237694" cy="369332"/>
+          </a:xfrm>
+          <a:prstGeom prst="rect">
+            <a:avLst/>
+          </a:prstGeom>
+          <a:noFill/>
+        </p:spPr>
+        <p:txBody>
+          <a:bodyPr wrap="square" rtlCol="0">
+            <a:spAutoFit/>
+          </a:bodyPr>
+          <a:lstStyle/>
+          <a:p>
+            <a:r>
+              <a:rPr lang="ko-KR" altLang="en-US" dirty="0">
+                <a:latin typeface="나눔스퀘어 Light" panose="020B0600000101010101" pitchFamily="50" charset="-127"/>
+                <a:ea typeface="나눔스퀘어 Light" panose="020B0600000101010101" pitchFamily="50" charset="-127"/>
+              </a:rPr>
+              <a:t>그 방법을 똑같이 이용하면 됩니다</a:t>
+            </a:r>
+            <a:r>
+              <a:rPr lang="en-US" altLang="ko-KR">
+                <a:latin typeface="나눔스퀘어 Light" panose="020B0600000101010101" pitchFamily="50" charset="-127"/>
+                <a:ea typeface="나눔스퀘어 Light" panose="020B0600000101010101" pitchFamily="50" charset="-127"/>
+              </a:rPr>
+              <a:t>.</a:t>
+            </a:r>
+            <a:endParaRPr lang="ko-KR" altLang="en-US" dirty="0">
+              <a:latin typeface="나눔스퀘어 Light" panose="020B0600000101010101" pitchFamily="50" charset="-127"/>
+              <a:ea typeface="나눔스퀘어 Light" panose="020B0600000101010101" pitchFamily="50" charset="-127"/>
+            </a:endParaRPr>
+          </a:p>
+        </p:txBody>
+      </p:sp>
+      <p:sp>
+        <p:nvSpPr>
+          <p:cNvPr id="6" name="TextBox 5">
+            <a:extLst>
+              <a:ext uri="{FF2B5EF4-FFF2-40B4-BE49-F238E27FC236}">
+                <a16:creationId xmlns:a16="http://schemas.microsoft.com/office/drawing/2014/main" id="{0F2BECC4-3944-4029-2F5E-D6FAC7B5FD51}"/>
+              </a:ext>
+            </a:extLst>
+          </p:cNvPr>
+          <p:cNvSpPr txBox="1"/>
+          <p:nvPr/>
+        </p:nvSpPr>
+        <p:spPr>
+          <a:xfrm>
+            <a:off x="331694" y="177505"/>
+            <a:ext cx="4331827" cy="523220"/>
+          </a:xfrm>
+          <a:prstGeom prst="rect">
+            <a:avLst/>
+          </a:prstGeom>
+          <a:noFill/>
+        </p:spPr>
+        <p:txBody>
+          <a:bodyPr wrap="none" rtlCol="0">
+            <a:spAutoFit/>
+          </a:bodyPr>
+          <a:lstStyle/>
+          <a:p>
+            <a:r>
+              <a:rPr lang="en-US" altLang="ko-KR" sz="2800" dirty="0">
+                <a:latin typeface="나눔스퀘어 Bold" panose="020B0600000101010101" pitchFamily="50" charset="-127"/>
+                <a:ea typeface="나눔스퀘어 Bold" panose="020B0600000101010101" pitchFamily="50" charset="-127"/>
+              </a:rPr>
+              <a:t>Graph</a:t>
+            </a:r>
+            <a:r>
+              <a:rPr lang="ko-KR" altLang="en-US" sz="2800" dirty="0">
+                <a:latin typeface="나눔스퀘어 Bold" panose="020B0600000101010101" pitchFamily="50" charset="-127"/>
+                <a:ea typeface="나눔스퀘어 Bold" panose="020B0600000101010101" pitchFamily="50" charset="-127"/>
+              </a:rPr>
+              <a:t> </a:t>
+            </a:r>
+            <a:r>
+              <a:rPr lang="en-US" altLang="ko-KR" sz="2800" dirty="0">
+                <a:latin typeface="나눔스퀘어 Bold" panose="020B0600000101010101" pitchFamily="50" charset="-127"/>
+                <a:ea typeface="나눔스퀘어 Bold" panose="020B0600000101010101" pitchFamily="50" charset="-127"/>
+              </a:rPr>
+              <a:t>– 1260 DFS</a:t>
+            </a:r>
+            <a:r>
+              <a:rPr lang="ko-KR" altLang="en-US" sz="2800" dirty="0">
+                <a:latin typeface="나눔스퀘어 Bold" panose="020B0600000101010101" pitchFamily="50" charset="-127"/>
+                <a:ea typeface="나눔스퀘어 Bold" panose="020B0600000101010101" pitchFamily="50" charset="-127"/>
+              </a:rPr>
+              <a:t>와 </a:t>
+            </a:r>
+            <a:r>
+              <a:rPr lang="en-US" altLang="ko-KR" sz="2800" dirty="0">
+                <a:latin typeface="나눔스퀘어 Bold" panose="020B0600000101010101" pitchFamily="50" charset="-127"/>
+                <a:ea typeface="나눔스퀘어 Bold" panose="020B0600000101010101" pitchFamily="50" charset="-127"/>
+              </a:rPr>
+              <a:t>BFS</a:t>
+            </a:r>
+            <a:endParaRPr lang="ko-KR" altLang="en-US" sz="2800" dirty="0">
+              <a:latin typeface="나눔스퀘어 Bold" panose="020B0600000101010101" pitchFamily="50" charset="-127"/>
+              <a:ea typeface="나눔스퀘어 Bold" panose="020B0600000101010101" pitchFamily="50" charset="-127"/>
+            </a:endParaRPr>
+          </a:p>
+        </p:txBody>
+      </p:sp>
+    </p:spTree>
+    <p:extLst>
+      <p:ext uri="{BB962C8B-B14F-4D97-AF65-F5344CB8AC3E}">
+        <p14:creationId xmlns:p14="http://schemas.microsoft.com/office/powerpoint/2010/main" val="36971579"/>
+      </p:ext>
+    </p:extLst>
+  </p:cSld>
+  <p:clrMapOvr>
+    <a:masterClrMapping/>
+  </p:clrMapOvr>
+</p:sld>
+</file>
+
+<file path=ppt/slides/slide34.xml><?xml version="1.0" encoding="utf-8"?>
+<p:sld xmlns:a="http://schemas.openxmlformats.org/drawingml/2006/main" xmlns:r="http://schemas.openxmlformats.org/officeDocument/2006/relationships" xmlns:p="http://schemas.openxmlformats.org/presentationml/2006/main">
+  <p:cSld>
+    <p:spTree>
+      <p:nvGrpSpPr>
+        <p:cNvPr id="1" name=""/>
+        <p:cNvGrpSpPr/>
+        <p:nvPr/>
+      </p:nvGrpSpPr>
+      <p:grpSpPr>
+        <a:xfrm>
+          <a:off x="0" y="0"/>
+          <a:ext cx="0" cy="0"/>
+          <a:chOff x="0" y="0"/>
+          <a:chExt cx="0" cy="0"/>
+        </a:xfrm>
+      </p:grpSpPr>
+      <p:cxnSp>
+        <p:nvCxnSpPr>
+          <p:cNvPr id="5" name="직선 연결선 4">
+            <a:extLst>
+              <a:ext uri="{FF2B5EF4-FFF2-40B4-BE49-F238E27FC236}">
+                <a16:creationId xmlns:a16="http://schemas.microsoft.com/office/drawing/2014/main" id="{164C2827-EFCE-69A4-D037-1A218415F568}"/>
+              </a:ext>
+            </a:extLst>
+          </p:cNvPr>
+          <p:cNvCxnSpPr/>
+          <p:nvPr/>
+        </p:nvCxnSpPr>
+        <p:spPr>
+          <a:xfrm>
+            <a:off x="0" y="887505"/>
+            <a:ext cx="10237694" cy="0"/>
+          </a:xfrm>
+          <a:prstGeom prst="line">
+            <a:avLst/>
+          </a:prstGeom>
+          <a:ln w="76200">
+            <a:solidFill>
+              <a:schemeClr val="tx1">
+                <a:lumMod val="75000"/>
+                <a:lumOff val="25000"/>
+              </a:schemeClr>
+            </a:solidFill>
+          </a:ln>
+        </p:spPr>
+        <p:style>
+          <a:lnRef idx="1">
+            <a:schemeClr val="accent1"/>
+          </a:lnRef>
+          <a:fillRef idx="0">
+            <a:schemeClr val="accent1"/>
+          </a:fillRef>
+          <a:effectRef idx="0">
+            <a:schemeClr val="accent1"/>
+          </a:effectRef>
+          <a:fontRef idx="minor">
+            <a:schemeClr val="tx1"/>
+          </a:fontRef>
+        </p:style>
+      </p:cxnSp>
+      <p:sp>
+        <p:nvSpPr>
+          <p:cNvPr id="3" name="TextBox 2">
+            <a:extLst>
+              <a:ext uri="{FF2B5EF4-FFF2-40B4-BE49-F238E27FC236}">
+                <a16:creationId xmlns:a16="http://schemas.microsoft.com/office/drawing/2014/main" id="{B3B954B2-DB7F-EEC1-438C-CB91D3B18AE1}"/>
+              </a:ext>
+            </a:extLst>
+          </p:cNvPr>
+          <p:cNvSpPr txBox="1"/>
+          <p:nvPr/>
+        </p:nvSpPr>
+        <p:spPr>
+          <a:xfrm>
+            <a:off x="331694" y="177505"/>
+            <a:ext cx="3809248" cy="523220"/>
+          </a:xfrm>
+          <a:prstGeom prst="rect">
+            <a:avLst/>
+          </a:prstGeom>
+          <a:noFill/>
+        </p:spPr>
+        <p:txBody>
+          <a:bodyPr wrap="none" rtlCol="0">
+            <a:spAutoFit/>
+          </a:bodyPr>
+          <a:lstStyle/>
+          <a:p>
+            <a:r>
+              <a:rPr lang="en-US" altLang="ko-KR" sz="2800" dirty="0">
+                <a:latin typeface="나눔스퀘어 Bold" panose="020B0600000101010101" pitchFamily="50" charset="-127"/>
+                <a:ea typeface="나눔스퀘어 Bold" panose="020B0600000101010101" pitchFamily="50" charset="-127"/>
+              </a:rPr>
+              <a:t>Graph – 2606 </a:t>
+            </a:r>
+            <a:r>
+              <a:rPr lang="ko-KR" altLang="en-US" sz="2800" dirty="0">
+                <a:latin typeface="나눔스퀘어 Bold" panose="020B0600000101010101" pitchFamily="50" charset="-127"/>
+                <a:ea typeface="나눔스퀘어 Bold" panose="020B0600000101010101" pitchFamily="50" charset="-127"/>
+              </a:rPr>
+              <a:t>바이러스</a:t>
+            </a:r>
+          </a:p>
+        </p:txBody>
+      </p:sp>
+      <p:pic>
+        <p:nvPicPr>
+          <p:cNvPr id="7" name="그림 6">
+            <a:extLst>
+              <a:ext uri="{FF2B5EF4-FFF2-40B4-BE49-F238E27FC236}">
+                <a16:creationId xmlns:a16="http://schemas.microsoft.com/office/drawing/2014/main" id="{0200E58E-AE40-8E5B-9A13-0D4395C455A4}"/>
+              </a:ext>
+            </a:extLst>
+          </p:cNvPr>
+          <p:cNvPicPr>
+            <a:picLocks noChangeAspect="1"/>
+          </p:cNvPicPr>
+          <p:nvPr/>
+        </p:nvPicPr>
+        <p:blipFill>
+          <a:blip r:embed="rId2"/>
+          <a:stretch>
+            <a:fillRect/>
+          </a:stretch>
+        </p:blipFill>
+        <p:spPr>
+          <a:xfrm>
+            <a:off x="331694" y="1074286"/>
+            <a:ext cx="10821910" cy="4401164"/>
+          </a:xfrm>
+          <a:prstGeom prst="rect">
+            <a:avLst/>
+          </a:prstGeom>
+        </p:spPr>
+      </p:pic>
+    </p:spTree>
+    <p:extLst>
+      <p:ext uri="{BB962C8B-B14F-4D97-AF65-F5344CB8AC3E}">
+        <p14:creationId xmlns:p14="http://schemas.microsoft.com/office/powerpoint/2010/main" val="2401598668"/>
+      </p:ext>
+    </p:extLst>
+  </p:cSld>
+  <p:clrMapOvr>
+    <a:masterClrMapping/>
+  </p:clrMapOvr>
+</p:sld>
+</file>
+
+<file path=ppt/slides/slide35.xml><?xml version="1.0" encoding="utf-8"?>
+<p:sld xmlns:a="http://schemas.openxmlformats.org/drawingml/2006/main" xmlns:r="http://schemas.openxmlformats.org/officeDocument/2006/relationships" xmlns:p="http://schemas.openxmlformats.org/presentationml/2006/main">
+  <p:cSld>
+    <p:spTree>
+      <p:nvGrpSpPr>
+        <p:cNvPr id="1" name=""/>
+        <p:cNvGrpSpPr/>
+        <p:nvPr/>
+      </p:nvGrpSpPr>
+      <p:grpSpPr>
+        <a:xfrm>
+          <a:off x="0" y="0"/>
+          <a:ext cx="0" cy="0"/>
+          <a:chOff x="0" y="0"/>
+          <a:chExt cx="0" cy="0"/>
+        </a:xfrm>
+      </p:grpSpPr>
+      <p:cxnSp>
+        <p:nvCxnSpPr>
+          <p:cNvPr id="5" name="직선 연결선 4">
+            <a:extLst>
+              <a:ext uri="{FF2B5EF4-FFF2-40B4-BE49-F238E27FC236}">
+                <a16:creationId xmlns:a16="http://schemas.microsoft.com/office/drawing/2014/main" id="{164C2827-EFCE-69A4-D037-1A218415F568}"/>
+              </a:ext>
+            </a:extLst>
+          </p:cNvPr>
+          <p:cNvCxnSpPr/>
+          <p:nvPr/>
+        </p:nvCxnSpPr>
+        <p:spPr>
+          <a:xfrm>
+            <a:off x="0" y="887505"/>
+            <a:ext cx="10237694" cy="0"/>
+          </a:xfrm>
+          <a:prstGeom prst="line">
+            <a:avLst/>
+          </a:prstGeom>
+          <a:ln w="76200">
+            <a:solidFill>
+              <a:schemeClr val="tx1">
+                <a:lumMod val="75000"/>
+                <a:lumOff val="25000"/>
+              </a:schemeClr>
+            </a:solidFill>
+          </a:ln>
+        </p:spPr>
+        <p:style>
+          <a:lnRef idx="1">
+            <a:schemeClr val="accent1"/>
+          </a:lnRef>
+          <a:fillRef idx="0">
+            <a:schemeClr val="accent1"/>
+          </a:fillRef>
+          <a:effectRef idx="0">
+            <a:schemeClr val="accent1"/>
+          </a:effectRef>
+          <a:fontRef idx="minor">
+            <a:schemeClr val="tx1"/>
+          </a:fontRef>
+        </p:style>
+      </p:cxnSp>
+      <p:sp>
+        <p:nvSpPr>
+          <p:cNvPr id="3" name="TextBox 2">
+            <a:extLst>
+              <a:ext uri="{FF2B5EF4-FFF2-40B4-BE49-F238E27FC236}">
+                <a16:creationId xmlns:a16="http://schemas.microsoft.com/office/drawing/2014/main" id="{55A2659C-619F-80B4-6BDF-B649C7E7DBE9}"/>
+              </a:ext>
+            </a:extLst>
+          </p:cNvPr>
+          <p:cNvSpPr txBox="1"/>
+          <p:nvPr/>
+        </p:nvSpPr>
+        <p:spPr>
+          <a:xfrm>
+            <a:off x="942387" y="1190024"/>
+            <a:ext cx="10237694" cy="369332"/>
+          </a:xfrm>
+          <a:prstGeom prst="rect">
+            <a:avLst/>
+          </a:prstGeom>
+          <a:noFill/>
+        </p:spPr>
+        <p:txBody>
+          <a:bodyPr wrap="square" rtlCol="0">
+            <a:spAutoFit/>
+          </a:bodyPr>
+          <a:lstStyle/>
+          <a:p>
+            <a:r>
+              <a:rPr lang="ko-KR" altLang="en-US" dirty="0">
+                <a:latin typeface="나눔스퀘어 Light" panose="020B0600000101010101" pitchFamily="50" charset="-127"/>
+                <a:ea typeface="나눔스퀘어 Light" panose="020B0600000101010101" pitchFamily="50" charset="-127"/>
+              </a:rPr>
+              <a:t>전형적인 큐를 사용하는 문제이지만</a:t>
+            </a:r>
+            <a:r>
+              <a:rPr lang="en-US" altLang="ko-KR" dirty="0">
+                <a:latin typeface="나눔스퀘어 Light" panose="020B0600000101010101" pitchFamily="50" charset="-127"/>
+                <a:ea typeface="나눔스퀘어 Light" panose="020B0600000101010101" pitchFamily="50" charset="-127"/>
+              </a:rPr>
+              <a:t>, </a:t>
+            </a:r>
+            <a:r>
+              <a:rPr lang="ko-KR" altLang="en-US" dirty="0">
+                <a:latin typeface="나눔스퀘어 Light" panose="020B0600000101010101" pitchFamily="50" charset="-127"/>
+                <a:ea typeface="나눔스퀘어 Light" panose="020B0600000101010101" pitchFamily="50" charset="-127"/>
+              </a:rPr>
+              <a:t>꼭 큐를 사용해야만 풀 수 있는 것은 아닙니다</a:t>
+            </a:r>
+            <a:r>
+              <a:rPr lang="en-US" altLang="ko-KR" dirty="0">
+                <a:latin typeface="나눔스퀘어 Light" panose="020B0600000101010101" pitchFamily="50" charset="-127"/>
+                <a:ea typeface="나눔스퀘어 Light" panose="020B0600000101010101" pitchFamily="50" charset="-127"/>
+              </a:rPr>
+              <a:t>.</a:t>
+            </a:r>
+            <a:endParaRPr lang="ko-KR" altLang="en-US" dirty="0">
+              <a:latin typeface="나눔스퀘어 Light" panose="020B0600000101010101" pitchFamily="50" charset="-127"/>
+              <a:ea typeface="나눔스퀘어 Light" panose="020B0600000101010101" pitchFamily="50" charset="-127"/>
+            </a:endParaRPr>
+          </a:p>
+        </p:txBody>
+      </p:sp>
+      <p:sp>
+        <p:nvSpPr>
+          <p:cNvPr id="4" name="TextBox 3">
+            <a:extLst>
+              <a:ext uri="{FF2B5EF4-FFF2-40B4-BE49-F238E27FC236}">
+                <a16:creationId xmlns:a16="http://schemas.microsoft.com/office/drawing/2014/main" id="{5309C74F-4AB5-553D-92E5-3E70398F8530}"/>
+              </a:ext>
+            </a:extLst>
+          </p:cNvPr>
+          <p:cNvSpPr txBox="1"/>
+          <p:nvPr/>
+        </p:nvSpPr>
+        <p:spPr>
+          <a:xfrm>
+            <a:off x="331694" y="177505"/>
+            <a:ext cx="3809248" cy="523220"/>
+          </a:xfrm>
+          <a:prstGeom prst="rect">
+            <a:avLst/>
+          </a:prstGeom>
+          <a:noFill/>
+        </p:spPr>
+        <p:txBody>
+          <a:bodyPr wrap="none" rtlCol="0">
+            <a:spAutoFit/>
+          </a:bodyPr>
+          <a:lstStyle/>
+          <a:p>
+            <a:r>
+              <a:rPr lang="en-US" altLang="ko-KR" sz="2800" dirty="0">
+                <a:latin typeface="나눔스퀘어 Bold" panose="020B0600000101010101" pitchFamily="50" charset="-127"/>
+                <a:ea typeface="나눔스퀘어 Bold" panose="020B0600000101010101" pitchFamily="50" charset="-127"/>
+              </a:rPr>
+              <a:t>Graph – 2606 </a:t>
+            </a:r>
+            <a:r>
+              <a:rPr lang="ko-KR" altLang="en-US" sz="2800" dirty="0">
+                <a:latin typeface="나눔스퀘어 Bold" panose="020B0600000101010101" pitchFamily="50" charset="-127"/>
+                <a:ea typeface="나눔스퀘어 Bold" panose="020B0600000101010101" pitchFamily="50" charset="-127"/>
+              </a:rPr>
+              <a:t>바이러스</a:t>
+            </a:r>
+          </a:p>
+        </p:txBody>
+      </p:sp>
+    </p:spTree>
+    <p:extLst>
+      <p:ext uri="{BB962C8B-B14F-4D97-AF65-F5344CB8AC3E}">
+        <p14:creationId xmlns:p14="http://schemas.microsoft.com/office/powerpoint/2010/main" val="168362199"/>
+      </p:ext>
+    </p:extLst>
+  </p:cSld>
+  <p:clrMapOvr>
+    <a:masterClrMapping/>
+  </p:clrMapOvr>
+</p:sld>
+</file>
+
+<file path=ppt/slides/slide36.xml><?xml version="1.0" encoding="utf-8"?>
+<p:sld xmlns:a="http://schemas.openxmlformats.org/drawingml/2006/main" xmlns:r="http://schemas.openxmlformats.org/officeDocument/2006/relationships" xmlns:p="http://schemas.openxmlformats.org/presentationml/2006/main">
+  <p:cSld>
+    <p:spTree>
+      <p:nvGrpSpPr>
+        <p:cNvPr id="1" name=""/>
+        <p:cNvGrpSpPr/>
+        <p:nvPr/>
+      </p:nvGrpSpPr>
+      <p:grpSpPr>
+        <a:xfrm>
+          <a:off x="0" y="0"/>
+          <a:ext cx="0" cy="0"/>
+          <a:chOff x="0" y="0"/>
+          <a:chExt cx="0" cy="0"/>
+        </a:xfrm>
+      </p:grpSpPr>
+      <p:cxnSp>
+        <p:nvCxnSpPr>
+          <p:cNvPr id="5" name="직선 연결선 4">
+            <a:extLst>
+              <a:ext uri="{FF2B5EF4-FFF2-40B4-BE49-F238E27FC236}">
+                <a16:creationId xmlns:a16="http://schemas.microsoft.com/office/drawing/2014/main" id="{164C2827-EFCE-69A4-D037-1A218415F568}"/>
+              </a:ext>
+            </a:extLst>
+          </p:cNvPr>
+          <p:cNvCxnSpPr/>
+          <p:nvPr/>
+        </p:nvCxnSpPr>
+        <p:spPr>
+          <a:xfrm>
+            <a:off x="0" y="887505"/>
+            <a:ext cx="10237694" cy="0"/>
+          </a:xfrm>
+          <a:prstGeom prst="line">
+            <a:avLst/>
+          </a:prstGeom>
+          <a:ln w="76200">
+            <a:solidFill>
+              <a:schemeClr val="tx1">
+                <a:lumMod val="75000"/>
+                <a:lumOff val="25000"/>
+              </a:schemeClr>
+            </a:solidFill>
+          </a:ln>
+        </p:spPr>
+        <p:style>
+          <a:lnRef idx="1">
+            <a:schemeClr val="accent1"/>
+          </a:lnRef>
+          <a:fillRef idx="0">
+            <a:schemeClr val="accent1"/>
+          </a:fillRef>
+          <a:effectRef idx="0">
+            <a:schemeClr val="accent1"/>
+          </a:effectRef>
+          <a:fontRef idx="minor">
+            <a:schemeClr val="tx1"/>
+          </a:fontRef>
+        </p:style>
+      </p:cxnSp>
+      <p:sp>
+        <p:nvSpPr>
+          <p:cNvPr id="3" name="TextBox 2">
+            <a:extLst>
+              <a:ext uri="{FF2B5EF4-FFF2-40B4-BE49-F238E27FC236}">
+                <a16:creationId xmlns:a16="http://schemas.microsoft.com/office/drawing/2014/main" id="{B3B954B2-DB7F-EEC1-438C-CB91D3B18AE1}"/>
+              </a:ext>
+            </a:extLst>
+          </p:cNvPr>
+          <p:cNvSpPr txBox="1"/>
+          <p:nvPr/>
+        </p:nvSpPr>
+        <p:spPr>
+          <a:xfrm>
+            <a:off x="331694" y="177505"/>
+            <a:ext cx="3899016" cy="523220"/>
+          </a:xfrm>
+          <a:prstGeom prst="rect">
+            <a:avLst/>
+          </a:prstGeom>
+          <a:noFill/>
+        </p:spPr>
+        <p:txBody>
+          <a:bodyPr wrap="none" rtlCol="0">
+            <a:spAutoFit/>
+          </a:bodyPr>
+          <a:lstStyle/>
+          <a:p>
+            <a:r>
+              <a:rPr lang="en-US" altLang="ko-KR" sz="2800" dirty="0">
+                <a:latin typeface="나눔스퀘어 Bold" panose="020B0600000101010101" pitchFamily="50" charset="-127"/>
+                <a:ea typeface="나눔스퀘어 Bold" panose="020B0600000101010101" pitchFamily="50" charset="-127"/>
+              </a:rPr>
+              <a:t>Graph – 2178 </a:t>
+            </a:r>
+            <a:r>
+              <a:rPr lang="ko-KR" altLang="en-US" sz="2800" dirty="0">
+                <a:latin typeface="나눔스퀘어 Bold" panose="020B0600000101010101" pitchFamily="50" charset="-127"/>
+                <a:ea typeface="나눔스퀘어 Bold" panose="020B0600000101010101" pitchFamily="50" charset="-127"/>
+              </a:rPr>
+              <a:t>미로 탐색</a:t>
+            </a:r>
+          </a:p>
+        </p:txBody>
+      </p:sp>
+      <p:pic>
+        <p:nvPicPr>
+          <p:cNvPr id="4" name="그림 3">
+            <a:extLst>
+              <a:ext uri="{FF2B5EF4-FFF2-40B4-BE49-F238E27FC236}">
+                <a16:creationId xmlns:a16="http://schemas.microsoft.com/office/drawing/2014/main" id="{FA5DC14F-3B58-7DCB-0529-B6DF343008B1}"/>
+              </a:ext>
+            </a:extLst>
+          </p:cNvPr>
+          <p:cNvPicPr>
+            <a:picLocks noChangeAspect="1"/>
+          </p:cNvPicPr>
+          <p:nvPr/>
+        </p:nvPicPr>
+        <p:blipFill>
+          <a:blip r:embed="rId2"/>
+          <a:stretch>
+            <a:fillRect/>
+          </a:stretch>
+        </p:blipFill>
+        <p:spPr>
+          <a:xfrm>
+            <a:off x="331694" y="1000161"/>
+            <a:ext cx="10783805" cy="3620005"/>
+          </a:xfrm>
+          <a:prstGeom prst="rect">
+            <a:avLst/>
+          </a:prstGeom>
+        </p:spPr>
+      </p:pic>
+      <p:pic>
+        <p:nvPicPr>
+          <p:cNvPr id="8" name="그림 7">
+            <a:extLst>
+              <a:ext uri="{FF2B5EF4-FFF2-40B4-BE49-F238E27FC236}">
+                <a16:creationId xmlns:a16="http://schemas.microsoft.com/office/drawing/2014/main" id="{D27D39DC-B2B5-9D08-1123-33207352EC90}"/>
+              </a:ext>
+            </a:extLst>
+          </p:cNvPr>
+          <p:cNvPicPr>
+            <a:picLocks noChangeAspect="1"/>
+          </p:cNvPicPr>
+          <p:nvPr/>
+        </p:nvPicPr>
+        <p:blipFill>
+          <a:blip r:embed="rId3"/>
+          <a:stretch>
+            <a:fillRect/>
+          </a:stretch>
+        </p:blipFill>
+        <p:spPr>
+          <a:xfrm>
+            <a:off x="331694" y="4725894"/>
+            <a:ext cx="1381318" cy="1952898"/>
+          </a:xfrm>
+          <a:prstGeom prst="rect">
+            <a:avLst/>
+          </a:prstGeom>
+        </p:spPr>
+      </p:pic>
+      <p:pic>
+        <p:nvPicPr>
+          <p:cNvPr id="10" name="그림 9">
+            <a:extLst>
+              <a:ext uri="{FF2B5EF4-FFF2-40B4-BE49-F238E27FC236}">
+                <a16:creationId xmlns:a16="http://schemas.microsoft.com/office/drawing/2014/main" id="{3DD36C43-90AD-AFEE-539A-343B818B647A}"/>
+              </a:ext>
+            </a:extLst>
+          </p:cNvPr>
+          <p:cNvPicPr>
+            <a:picLocks noChangeAspect="1"/>
+          </p:cNvPicPr>
+          <p:nvPr/>
+        </p:nvPicPr>
+        <p:blipFill>
+          <a:blip r:embed="rId4"/>
+          <a:stretch>
+            <a:fillRect/>
+          </a:stretch>
+        </p:blipFill>
+        <p:spPr>
+          <a:xfrm>
+            <a:off x="1789450" y="4730077"/>
+            <a:ext cx="1371791" cy="990738"/>
+          </a:xfrm>
+          <a:prstGeom prst="rect">
+            <a:avLst/>
+          </a:prstGeom>
+        </p:spPr>
+      </p:pic>
+      <p:pic>
+        <p:nvPicPr>
+          <p:cNvPr id="12" name="그림 11">
+            <a:extLst>
+              <a:ext uri="{FF2B5EF4-FFF2-40B4-BE49-F238E27FC236}">
+                <a16:creationId xmlns:a16="http://schemas.microsoft.com/office/drawing/2014/main" id="{2104BF6A-48BA-5686-10A0-8CBBBB3C5CEE}"/>
+              </a:ext>
+            </a:extLst>
+          </p:cNvPr>
+          <p:cNvPicPr>
+            <a:picLocks noChangeAspect="1"/>
+          </p:cNvPicPr>
+          <p:nvPr/>
+        </p:nvPicPr>
+        <p:blipFill>
+          <a:blip r:embed="rId5"/>
+          <a:stretch>
+            <a:fillRect/>
+          </a:stretch>
+        </p:blipFill>
+        <p:spPr>
+          <a:xfrm>
+            <a:off x="3544814" y="4736001"/>
+            <a:ext cx="1371791" cy="1895740"/>
+          </a:xfrm>
+          <a:prstGeom prst="rect">
+            <a:avLst/>
+          </a:prstGeom>
+        </p:spPr>
+      </p:pic>
+      <p:pic>
+        <p:nvPicPr>
+          <p:cNvPr id="14" name="그림 13">
+            <a:extLst>
+              <a:ext uri="{FF2B5EF4-FFF2-40B4-BE49-F238E27FC236}">
+                <a16:creationId xmlns:a16="http://schemas.microsoft.com/office/drawing/2014/main" id="{EED78C7D-9A0E-591C-7A5D-F34A83B545ED}"/>
+              </a:ext>
+            </a:extLst>
+          </p:cNvPr>
+          <p:cNvPicPr>
+            <a:picLocks noChangeAspect="1"/>
+          </p:cNvPicPr>
+          <p:nvPr/>
+        </p:nvPicPr>
+        <p:blipFill>
+          <a:blip r:embed="rId6"/>
+          <a:stretch>
+            <a:fillRect/>
+          </a:stretch>
+        </p:blipFill>
+        <p:spPr>
+          <a:xfrm>
+            <a:off x="4993043" y="4732821"/>
+            <a:ext cx="1352739" cy="971686"/>
+          </a:xfrm>
+          <a:prstGeom prst="rect">
+            <a:avLst/>
+          </a:prstGeom>
+        </p:spPr>
+      </p:pic>
+      <p:pic>
+        <p:nvPicPr>
+          <p:cNvPr id="16" name="그림 15">
+            <a:extLst>
+              <a:ext uri="{FF2B5EF4-FFF2-40B4-BE49-F238E27FC236}">
+                <a16:creationId xmlns:a16="http://schemas.microsoft.com/office/drawing/2014/main" id="{4D745FE7-27E1-F4AE-1580-31870CEE187B}"/>
+              </a:ext>
+            </a:extLst>
+          </p:cNvPr>
+          <p:cNvPicPr>
+            <a:picLocks noChangeAspect="1"/>
+          </p:cNvPicPr>
+          <p:nvPr/>
+        </p:nvPicPr>
+        <p:blipFill>
+          <a:blip r:embed="rId7"/>
+          <a:stretch>
+            <a:fillRect/>
+          </a:stretch>
+        </p:blipFill>
+        <p:spPr>
+          <a:xfrm>
+            <a:off x="6748407" y="4725894"/>
+            <a:ext cx="2705478" cy="1428949"/>
+          </a:xfrm>
+          <a:prstGeom prst="rect">
+            <a:avLst/>
+          </a:prstGeom>
+        </p:spPr>
+      </p:pic>
+      <p:pic>
+        <p:nvPicPr>
+          <p:cNvPr id="18" name="그림 17">
+            <a:extLst>
+              <a:ext uri="{FF2B5EF4-FFF2-40B4-BE49-F238E27FC236}">
+                <a16:creationId xmlns:a16="http://schemas.microsoft.com/office/drawing/2014/main" id="{92345696-89A4-046E-7D27-1773D5DFCBB5}"/>
+              </a:ext>
+            </a:extLst>
+          </p:cNvPr>
+          <p:cNvPicPr>
+            <a:picLocks noChangeAspect="1"/>
+          </p:cNvPicPr>
+          <p:nvPr/>
+        </p:nvPicPr>
+        <p:blipFill>
+          <a:blip r:embed="rId8"/>
+          <a:stretch>
+            <a:fillRect/>
+          </a:stretch>
+        </p:blipFill>
+        <p:spPr>
+          <a:xfrm>
+            <a:off x="9561324" y="4725894"/>
+            <a:ext cx="1352739" cy="933580"/>
+          </a:xfrm>
+          <a:prstGeom prst="rect">
+            <a:avLst/>
+          </a:prstGeom>
+        </p:spPr>
+      </p:pic>
+    </p:spTree>
+    <p:extLst>
+      <p:ext uri="{BB962C8B-B14F-4D97-AF65-F5344CB8AC3E}">
+        <p14:creationId xmlns:p14="http://schemas.microsoft.com/office/powerpoint/2010/main" val="3118018328"/>
+      </p:ext>
+    </p:extLst>
+  </p:cSld>
+  <p:clrMapOvr>
+    <a:masterClrMapping/>
+  </p:clrMapOvr>
+</p:sld>
+</file>
+
+<file path=ppt/slides/slide37.xml><?xml version="1.0" encoding="utf-8"?>
+<p:sld xmlns:a="http://schemas.openxmlformats.org/drawingml/2006/main" xmlns:r="http://schemas.openxmlformats.org/officeDocument/2006/relationships" xmlns:p="http://schemas.openxmlformats.org/presentationml/2006/main">
+  <p:cSld>
+    <p:spTree>
+      <p:nvGrpSpPr>
+        <p:cNvPr id="1" name=""/>
+        <p:cNvGrpSpPr/>
+        <p:nvPr/>
+      </p:nvGrpSpPr>
+      <p:grpSpPr>
+        <a:xfrm>
+          <a:off x="0" y="0"/>
+          <a:ext cx="0" cy="0"/>
+          <a:chOff x="0" y="0"/>
+          <a:chExt cx="0" cy="0"/>
+        </a:xfrm>
+      </p:grpSpPr>
+      <p:cxnSp>
+        <p:nvCxnSpPr>
+          <p:cNvPr id="5" name="직선 연결선 4">
+            <a:extLst>
+              <a:ext uri="{FF2B5EF4-FFF2-40B4-BE49-F238E27FC236}">
+                <a16:creationId xmlns:a16="http://schemas.microsoft.com/office/drawing/2014/main" id="{164C2827-EFCE-69A4-D037-1A218415F568}"/>
+              </a:ext>
+            </a:extLst>
+          </p:cNvPr>
+          <p:cNvCxnSpPr/>
+          <p:nvPr/>
+        </p:nvCxnSpPr>
+        <p:spPr>
+          <a:xfrm>
+            <a:off x="0" y="887505"/>
+            <a:ext cx="10237694" cy="0"/>
+          </a:xfrm>
+          <a:prstGeom prst="line">
+            <a:avLst/>
+          </a:prstGeom>
+          <a:ln w="76200">
+            <a:solidFill>
+              <a:schemeClr val="tx1">
+                <a:lumMod val="75000"/>
+                <a:lumOff val="25000"/>
+              </a:schemeClr>
+            </a:solidFill>
+          </a:ln>
+        </p:spPr>
+        <p:style>
+          <a:lnRef idx="1">
+            <a:schemeClr val="accent1"/>
+          </a:lnRef>
+          <a:fillRef idx="0">
+            <a:schemeClr val="accent1"/>
+          </a:fillRef>
+          <a:effectRef idx="0">
+            <a:schemeClr val="accent1"/>
+          </a:effectRef>
+          <a:fontRef idx="minor">
+            <a:schemeClr val="tx1"/>
+          </a:fontRef>
+        </p:style>
+      </p:cxnSp>
+      <p:sp>
+        <p:nvSpPr>
           <p:cNvPr id="3" name="TextBox 2">
             <a:extLst>
               <a:ext uri="{FF2B5EF4-FFF2-40B4-BE49-F238E27FC236}">
@@ -16858,7 +20618,7 @@
 </p:sld>
 </file>
 
-<file path=ppt/slides/slide33.xml><?xml version="1.0" encoding="utf-8"?>
+<file path=ppt/slides/slide38.xml><?xml version="1.0" encoding="utf-8"?>
 <p:sld xmlns:a="http://schemas.openxmlformats.org/drawingml/2006/main" xmlns:r="http://schemas.openxmlformats.org/officeDocument/2006/relationships" xmlns:p="http://schemas.openxmlformats.org/presentationml/2006/main">
   <p:cSld>
     <p:spTree>

--- a/study/8_Tree, Graph.pptx
+++ b/study/8_Tree, Graph.pptx
@@ -38,11 +38,15 @@
     <p:sldId id="445" r:id="rId32"/>
     <p:sldId id="277" r:id="rId33"/>
     <p:sldId id="278" r:id="rId34"/>
-    <p:sldId id="367" r:id="rId35"/>
-    <p:sldId id="417" r:id="rId36"/>
-    <p:sldId id="431" r:id="rId37"/>
-    <p:sldId id="432" r:id="rId38"/>
-    <p:sldId id="298" r:id="rId39"/>
+    <p:sldId id="446" r:id="rId35"/>
+    <p:sldId id="447" r:id="rId36"/>
+    <p:sldId id="448" r:id="rId37"/>
+    <p:sldId id="449" r:id="rId38"/>
+    <p:sldId id="367" r:id="rId39"/>
+    <p:sldId id="417" r:id="rId40"/>
+    <p:sldId id="431" r:id="rId41"/>
+    <p:sldId id="432" r:id="rId42"/>
+    <p:sldId id="298" r:id="rId43"/>
   </p:sldIdLst>
   <p:sldSz cx="12192000" cy="6858000"/>
   <p:notesSz cx="6858000" cy="9144000"/>
@@ -296,7 +300,7 @@
           <a:p>
             <a:fld id="{33C37291-AA83-40C0-9297-8F7F3693F6CC}" type="datetimeFigureOut">
               <a:rPr lang="ko-KR" altLang="en-US" smtClean="0"/>
-              <a:t>2022-10-06</a:t>
+              <a:t>2022-10-07</a:t>
             </a:fld>
             <a:endParaRPr lang="ko-KR" altLang="en-US"/>
           </a:p>
@@ -494,7 +498,7 @@
           <a:p>
             <a:fld id="{33C37291-AA83-40C0-9297-8F7F3693F6CC}" type="datetimeFigureOut">
               <a:rPr lang="ko-KR" altLang="en-US" smtClean="0"/>
-              <a:t>2022-10-06</a:t>
+              <a:t>2022-10-07</a:t>
             </a:fld>
             <a:endParaRPr lang="ko-KR" altLang="en-US"/>
           </a:p>
@@ -702,7 +706,7 @@
           <a:p>
             <a:fld id="{33C37291-AA83-40C0-9297-8F7F3693F6CC}" type="datetimeFigureOut">
               <a:rPr lang="ko-KR" altLang="en-US" smtClean="0"/>
-              <a:t>2022-10-06</a:t>
+              <a:t>2022-10-07</a:t>
             </a:fld>
             <a:endParaRPr lang="ko-KR" altLang="en-US"/>
           </a:p>
@@ -900,7 +904,7 @@
           <a:p>
             <a:fld id="{33C37291-AA83-40C0-9297-8F7F3693F6CC}" type="datetimeFigureOut">
               <a:rPr lang="ko-KR" altLang="en-US" smtClean="0"/>
-              <a:t>2022-10-06</a:t>
+              <a:t>2022-10-07</a:t>
             </a:fld>
             <a:endParaRPr lang="ko-KR" altLang="en-US"/>
           </a:p>
@@ -1175,7 +1179,7 @@
           <a:p>
             <a:fld id="{33C37291-AA83-40C0-9297-8F7F3693F6CC}" type="datetimeFigureOut">
               <a:rPr lang="ko-KR" altLang="en-US" smtClean="0"/>
-              <a:t>2022-10-06</a:t>
+              <a:t>2022-10-07</a:t>
             </a:fld>
             <a:endParaRPr lang="ko-KR" altLang="en-US"/>
           </a:p>
@@ -1440,7 +1444,7 @@
           <a:p>
             <a:fld id="{33C37291-AA83-40C0-9297-8F7F3693F6CC}" type="datetimeFigureOut">
               <a:rPr lang="ko-KR" altLang="en-US" smtClean="0"/>
-              <a:t>2022-10-06</a:t>
+              <a:t>2022-10-07</a:t>
             </a:fld>
             <a:endParaRPr lang="ko-KR" altLang="en-US"/>
           </a:p>
@@ -1852,7 +1856,7 @@
           <a:p>
             <a:fld id="{33C37291-AA83-40C0-9297-8F7F3693F6CC}" type="datetimeFigureOut">
               <a:rPr lang="ko-KR" altLang="en-US" smtClean="0"/>
-              <a:t>2022-10-06</a:t>
+              <a:t>2022-10-07</a:t>
             </a:fld>
             <a:endParaRPr lang="ko-KR" altLang="en-US"/>
           </a:p>
@@ -1993,7 +1997,7 @@
           <a:p>
             <a:fld id="{33C37291-AA83-40C0-9297-8F7F3693F6CC}" type="datetimeFigureOut">
               <a:rPr lang="ko-KR" altLang="en-US" smtClean="0"/>
-              <a:t>2022-10-06</a:t>
+              <a:t>2022-10-07</a:t>
             </a:fld>
             <a:endParaRPr lang="ko-KR" altLang="en-US"/>
           </a:p>
@@ -2106,7 +2110,7 @@
           <a:p>
             <a:fld id="{33C37291-AA83-40C0-9297-8F7F3693F6CC}" type="datetimeFigureOut">
               <a:rPr lang="ko-KR" altLang="en-US" smtClean="0"/>
-              <a:t>2022-10-06</a:t>
+              <a:t>2022-10-07</a:t>
             </a:fld>
             <a:endParaRPr lang="ko-KR" altLang="en-US"/>
           </a:p>
@@ -2417,7 +2421,7 @@
           <a:p>
             <a:fld id="{33C37291-AA83-40C0-9297-8F7F3693F6CC}" type="datetimeFigureOut">
               <a:rPr lang="ko-KR" altLang="en-US" smtClean="0"/>
-              <a:t>2022-10-06</a:t>
+              <a:t>2022-10-07</a:t>
             </a:fld>
             <a:endParaRPr lang="ko-KR" altLang="en-US"/>
           </a:p>
@@ -2705,7 +2709,7 @@
           <a:p>
             <a:fld id="{33C37291-AA83-40C0-9297-8F7F3693F6CC}" type="datetimeFigureOut">
               <a:rPr lang="ko-KR" altLang="en-US" smtClean="0"/>
-              <a:t>2022-10-06</a:t>
+              <a:t>2022-10-07</a:t>
             </a:fld>
             <a:endParaRPr lang="ko-KR" altLang="en-US"/>
           </a:p>
@@ -2946,7 +2950,7 @@
           <a:p>
             <a:fld id="{33C37291-AA83-40C0-9297-8F7F3693F6CC}" type="datetimeFigureOut">
               <a:rPr lang="ko-KR" altLang="en-US" smtClean="0"/>
-              <a:t>2022-10-06</a:t>
+              <a:t>2022-10-07</a:t>
             </a:fld>
             <a:endParaRPr lang="ko-KR" altLang="en-US"/>
           </a:p>
@@ -19743,7 +19747,7 @@
               <a:t>그 방법을 똑같이 이용하면 됩니다</a:t>
             </a:r>
             <a:r>
-              <a:rPr lang="en-US" altLang="ko-KR">
+              <a:rPr lang="en-US" altLang="ko-KR" dirty="0">
                 <a:latin typeface="나눔스퀘어 Light" panose="020B0600000101010101" pitchFamily="50" charset="-127"/>
                 <a:ea typeface="나눔스퀘어 Light" panose="020B0600000101010101" pitchFamily="50" charset="-127"/>
               </a:rPr>
@@ -19826,6 +19830,109 @@
           </a:p>
         </p:txBody>
       </p:sp>
+      <p:sp>
+        <p:nvSpPr>
+          <p:cNvPr id="2" name="TextBox 1">
+            <a:extLst>
+              <a:ext uri="{FF2B5EF4-FFF2-40B4-BE49-F238E27FC236}">
+                <a16:creationId xmlns:a16="http://schemas.microsoft.com/office/drawing/2014/main" id="{6E0EFAB1-5C4E-E63C-B5E3-C7AB43C404DD}"/>
+              </a:ext>
+            </a:extLst>
+          </p:cNvPr>
+          <p:cNvSpPr txBox="1"/>
+          <p:nvPr/>
+        </p:nvSpPr>
+        <p:spPr>
+          <a:xfrm>
+            <a:off x="942387" y="2667352"/>
+            <a:ext cx="10237694" cy="369332"/>
+          </a:xfrm>
+          <a:prstGeom prst="rect">
+            <a:avLst/>
+          </a:prstGeom>
+          <a:noFill/>
+        </p:spPr>
+        <p:txBody>
+          <a:bodyPr wrap="square" rtlCol="0">
+            <a:spAutoFit/>
+          </a:bodyPr>
+          <a:lstStyle/>
+          <a:p>
+            <a:r>
+              <a:rPr lang="en-US" altLang="ko-KR" dirty="0">
+                <a:latin typeface="나눔스퀘어 Light" panose="020B0600000101010101" pitchFamily="50" charset="-127"/>
+                <a:ea typeface="나눔스퀘어 Light" panose="020B0600000101010101" pitchFamily="50" charset="-127"/>
+              </a:rPr>
+              <a:t>N, M, V </a:t>
+            </a:r>
+            <a:r>
+              <a:rPr lang="ko-KR" altLang="en-US" dirty="0">
+                <a:latin typeface="나눔스퀘어 Light" panose="020B0600000101010101" pitchFamily="50" charset="-127"/>
+                <a:ea typeface="나눔스퀘어 Light" panose="020B0600000101010101" pitchFamily="50" charset="-127"/>
+              </a:rPr>
+              <a:t>를 입력 받고</a:t>
+            </a:r>
+            <a:r>
+              <a:rPr lang="en-US" altLang="ko-KR" dirty="0">
+                <a:latin typeface="나눔스퀘어 Light" panose="020B0600000101010101" pitchFamily="50" charset="-127"/>
+                <a:ea typeface="나눔스퀘어 Light" panose="020B0600000101010101" pitchFamily="50" charset="-127"/>
+              </a:rPr>
+              <a:t>, </a:t>
+            </a:r>
+            <a:r>
+              <a:rPr lang="ko-KR" altLang="en-US" dirty="0">
+                <a:latin typeface="나눔스퀘어 Light" panose="020B0600000101010101" pitchFamily="50" charset="-127"/>
+                <a:ea typeface="나눔스퀘어 Light" panose="020B0600000101010101" pitchFamily="50" charset="-127"/>
+              </a:rPr>
+              <a:t>노드 개수</a:t>
+            </a:r>
+            <a:r>
+              <a:rPr lang="en-US" altLang="ko-KR" dirty="0">
+                <a:latin typeface="나눔스퀘어 Light" panose="020B0600000101010101" pitchFamily="50" charset="-127"/>
+                <a:ea typeface="나눔스퀘어 Light" panose="020B0600000101010101" pitchFamily="50" charset="-127"/>
+              </a:rPr>
+              <a:t>(N) </a:t>
+            </a:r>
+            <a:r>
+              <a:rPr lang="ko-KR" altLang="en-US" dirty="0">
+                <a:latin typeface="나눔스퀘어 Light" panose="020B0600000101010101" pitchFamily="50" charset="-127"/>
+                <a:ea typeface="나눔스퀘어 Light" panose="020B0600000101010101" pitchFamily="50" charset="-127"/>
+              </a:rPr>
+              <a:t>만큼 리스트를 생성</a:t>
+            </a:r>
+          </a:p>
+        </p:txBody>
+      </p:sp>
+      <p:pic>
+        <p:nvPicPr>
+          <p:cNvPr id="8" name="그림 7">
+            <a:extLst>
+              <a:ext uri="{FF2B5EF4-FFF2-40B4-BE49-F238E27FC236}">
+                <a16:creationId xmlns:a16="http://schemas.microsoft.com/office/drawing/2014/main" id="{D2D73928-D5E6-16C8-E558-A8280002641C}"/>
+              </a:ext>
+            </a:extLst>
+          </p:cNvPr>
+          <p:cNvPicPr>
+            <a:picLocks noChangeAspect="1"/>
+          </p:cNvPicPr>
+          <p:nvPr/>
+        </p:nvPicPr>
+        <p:blipFill>
+          <a:blip r:embed="rId2"/>
+          <a:stretch>
+            <a:fillRect/>
+          </a:stretch>
+        </p:blipFill>
+        <p:spPr>
+          <a:xfrm>
+            <a:off x="942386" y="3036684"/>
+            <a:ext cx="7447469" cy="3271567"/>
+          </a:xfrm>
+          <a:prstGeom prst="rect">
+            <a:avLst/>
+          </a:prstGeom>
+        </p:spPr>
+      </p:pic>
     </p:spTree>
     <p:extLst>
       <p:ext uri="{BB962C8B-B14F-4D97-AF65-F5344CB8AC3E}">
@@ -19905,7 +20012,7 @@
           <p:cNvPr id="3" name="TextBox 2">
             <a:extLst>
               <a:ext uri="{FF2B5EF4-FFF2-40B4-BE49-F238E27FC236}">
-                <a16:creationId xmlns:a16="http://schemas.microsoft.com/office/drawing/2014/main" id="{B3B954B2-DB7F-EEC1-438C-CB91D3B18AE1}"/>
+                <a16:creationId xmlns:a16="http://schemas.microsoft.com/office/drawing/2014/main" id="{2929977D-4B28-4A77-BFAA-69E6FF174D27}"/>
               </a:ext>
             </a:extLst>
           </p:cNvPr>
@@ -19914,8 +20021,74 @@
         </p:nvSpPr>
         <p:spPr>
           <a:xfrm>
+            <a:off x="942387" y="1190024"/>
+            <a:ext cx="10237694" cy="369332"/>
+          </a:xfrm>
+          <a:prstGeom prst="rect">
+            <a:avLst/>
+          </a:prstGeom>
+          <a:noFill/>
+        </p:spPr>
+        <p:txBody>
+          <a:bodyPr wrap="square" rtlCol="0">
+            <a:spAutoFit/>
+          </a:bodyPr>
+          <a:lstStyle/>
+          <a:p>
+            <a:r>
+              <a:rPr lang="ko-KR" altLang="en-US" dirty="0">
+                <a:latin typeface="나눔스퀘어 Light" panose="020B0600000101010101" pitchFamily="50" charset="-127"/>
+                <a:ea typeface="나눔스퀘어 Light" panose="020B0600000101010101" pitchFamily="50" charset="-127"/>
+              </a:rPr>
+              <a:t>양방향 간선을 그래프</a:t>
+            </a:r>
+            <a:r>
+              <a:rPr lang="en-US" altLang="ko-KR" dirty="0">
+                <a:latin typeface="나눔스퀘어 Light" panose="020B0600000101010101" pitchFamily="50" charset="-127"/>
+                <a:ea typeface="나눔스퀘어 Light" panose="020B0600000101010101" pitchFamily="50" charset="-127"/>
+              </a:rPr>
+              <a:t>(</a:t>
+            </a:r>
+            <a:r>
+              <a:rPr lang="ko-KR" altLang="en-US" dirty="0">
+                <a:latin typeface="나눔스퀘어 Light" panose="020B0600000101010101" pitchFamily="50" charset="-127"/>
+                <a:ea typeface="나눔스퀘어 Light" panose="020B0600000101010101" pitchFamily="50" charset="-127"/>
+              </a:rPr>
+              <a:t>인접 리스트</a:t>
+            </a:r>
+            <a:r>
+              <a:rPr lang="en-US" altLang="ko-KR" dirty="0">
+                <a:latin typeface="나눔스퀘어 Light" panose="020B0600000101010101" pitchFamily="50" charset="-127"/>
+                <a:ea typeface="나눔스퀘어 Light" panose="020B0600000101010101" pitchFamily="50" charset="-127"/>
+              </a:rPr>
+              <a:t>)</a:t>
+            </a:r>
+            <a:r>
+              <a:rPr lang="ko-KR" altLang="en-US" dirty="0">
+                <a:latin typeface="나눔스퀘어 Light" panose="020B0600000101010101" pitchFamily="50" charset="-127"/>
+                <a:ea typeface="나눔스퀘어 Light" panose="020B0600000101010101" pitchFamily="50" charset="-127"/>
+              </a:rPr>
+              <a:t>에 입력</a:t>
+            </a:r>
+          </a:p>
+        </p:txBody>
+      </p:sp>
+      <p:sp>
+        <p:nvSpPr>
+          <p:cNvPr id="6" name="TextBox 5">
+            <a:extLst>
+              <a:ext uri="{FF2B5EF4-FFF2-40B4-BE49-F238E27FC236}">
+                <a16:creationId xmlns:a16="http://schemas.microsoft.com/office/drawing/2014/main" id="{0F2BECC4-3944-4029-2F5E-D6FAC7B5FD51}"/>
+              </a:ext>
+            </a:extLst>
+          </p:cNvPr>
+          <p:cNvSpPr txBox="1"/>
+          <p:nvPr/>
+        </p:nvSpPr>
+        <p:spPr>
+          <a:xfrm>
             <a:off x="331694" y="177505"/>
-            <a:ext cx="3809248" cy="523220"/>
+            <a:ext cx="4331827" cy="523220"/>
           </a:xfrm>
           <a:prstGeom prst="rect">
             <a:avLst/>
@@ -19933,24 +20106,178 @@
                 <a:latin typeface="나눔스퀘어 Bold" panose="020B0600000101010101" pitchFamily="50" charset="-127"/>
                 <a:ea typeface="나눔스퀘어 Bold" panose="020B0600000101010101" pitchFamily="50" charset="-127"/>
               </a:rPr>
-              <a:t>Graph – 2606 </a:t>
+              <a:t>Graph</a:t>
             </a:r>
             <a:r>
               <a:rPr lang="ko-KR" altLang="en-US" sz="2800" dirty="0">
                 <a:latin typeface="나눔스퀘어 Bold" panose="020B0600000101010101" pitchFamily="50" charset="-127"/>
                 <a:ea typeface="나눔스퀘어 Bold" panose="020B0600000101010101" pitchFamily="50" charset="-127"/>
               </a:rPr>
-              <a:t>바이러스</a:t>
-            </a:r>
+              <a:t> </a:t>
+            </a:r>
+            <a:r>
+              <a:rPr lang="en-US" altLang="ko-KR" sz="2800" dirty="0">
+                <a:latin typeface="나눔스퀘어 Bold" panose="020B0600000101010101" pitchFamily="50" charset="-127"/>
+                <a:ea typeface="나눔스퀘어 Bold" panose="020B0600000101010101" pitchFamily="50" charset="-127"/>
+              </a:rPr>
+              <a:t>– 1260 DFS</a:t>
+            </a:r>
+            <a:r>
+              <a:rPr lang="ko-KR" altLang="en-US" sz="2800" dirty="0">
+                <a:latin typeface="나눔스퀘어 Bold" panose="020B0600000101010101" pitchFamily="50" charset="-127"/>
+                <a:ea typeface="나눔스퀘어 Bold" panose="020B0600000101010101" pitchFamily="50" charset="-127"/>
+              </a:rPr>
+              <a:t>와 </a:t>
+            </a:r>
+            <a:r>
+              <a:rPr lang="en-US" altLang="ko-KR" sz="2800" dirty="0">
+                <a:latin typeface="나눔스퀘어 Bold" panose="020B0600000101010101" pitchFamily="50" charset="-127"/>
+                <a:ea typeface="나눔스퀘어 Bold" panose="020B0600000101010101" pitchFamily="50" charset="-127"/>
+              </a:rPr>
+              <a:t>BFS</a:t>
+            </a:r>
+            <a:endParaRPr lang="ko-KR" altLang="en-US" sz="2800" dirty="0">
+              <a:latin typeface="나눔스퀘어 Bold" panose="020B0600000101010101" pitchFamily="50" charset="-127"/>
+              <a:ea typeface="나눔스퀘어 Bold" panose="020B0600000101010101" pitchFamily="50" charset="-127"/>
+            </a:endParaRPr>
+          </a:p>
+        </p:txBody>
+      </p:sp>
+      <p:sp>
+        <p:nvSpPr>
+          <p:cNvPr id="7" name="TextBox 6">
+            <a:extLst>
+              <a:ext uri="{FF2B5EF4-FFF2-40B4-BE49-F238E27FC236}">
+                <a16:creationId xmlns:a16="http://schemas.microsoft.com/office/drawing/2014/main" id="{1A9E36CC-95BB-4429-6323-7590CA6986AE}"/>
+              </a:ext>
+            </a:extLst>
+          </p:cNvPr>
+          <p:cNvSpPr txBox="1"/>
+          <p:nvPr/>
+        </p:nvSpPr>
+        <p:spPr>
+          <a:xfrm>
+            <a:off x="942387" y="3798332"/>
+            <a:ext cx="10237694" cy="369332"/>
+          </a:xfrm>
+          <a:prstGeom prst="rect">
+            <a:avLst/>
+          </a:prstGeom>
+          <a:noFill/>
+        </p:spPr>
+        <p:txBody>
+          <a:bodyPr wrap="square" rtlCol="0">
+            <a:spAutoFit/>
+          </a:bodyPr>
+          <a:lstStyle/>
+          <a:p>
+            <a:r>
+              <a:rPr lang="ko-KR" altLang="en-US" dirty="0">
+                <a:latin typeface="나눔스퀘어 Light" panose="020B0600000101010101" pitchFamily="50" charset="-127"/>
+                <a:ea typeface="나눔스퀘어 Light" panose="020B0600000101010101" pitchFamily="50" charset="-127"/>
+              </a:rPr>
+              <a:t>문제 조건에 </a:t>
+            </a:r>
+            <a:r>
+              <a:rPr lang="en-US" altLang="ko-KR" dirty="0">
+                <a:latin typeface="나눔스퀘어 Light" panose="020B0600000101010101" pitchFamily="50" charset="-127"/>
+                <a:ea typeface="나눔스퀘어 Light" panose="020B0600000101010101" pitchFamily="50" charset="-127"/>
+              </a:rPr>
+              <a:t>“</a:t>
+            </a:r>
+            <a:r>
+              <a:rPr lang="ko-KR" altLang="en-US" dirty="0">
+                <a:latin typeface="나눔스퀘어 Light" panose="020B0600000101010101" pitchFamily="50" charset="-127"/>
+                <a:ea typeface="나눔스퀘어 Light" panose="020B0600000101010101" pitchFamily="50" charset="-127"/>
+              </a:rPr>
+              <a:t>방문할 수 있는 정점이 여러 개인 경우에는 정점 번호가 작은 것을 먼저 방문</a:t>
+            </a:r>
+            <a:r>
+              <a:rPr lang="en-US" altLang="ko-KR" dirty="0">
+                <a:latin typeface="나눔스퀘어 Light" panose="020B0600000101010101" pitchFamily="50" charset="-127"/>
+                <a:ea typeface="나눔스퀘어 Light" panose="020B0600000101010101" pitchFamily="50" charset="-127"/>
+              </a:rPr>
+              <a:t>”</a:t>
+            </a:r>
+            <a:r>
+              <a:rPr lang="ko-KR" altLang="en-US" dirty="0">
+                <a:latin typeface="나눔스퀘어 Light" panose="020B0600000101010101" pitchFamily="50" charset="-127"/>
+                <a:ea typeface="나눔스퀘어 Light" panose="020B0600000101010101" pitchFamily="50" charset="-127"/>
+              </a:rPr>
+              <a:t> 한다는 조건이</a:t>
+            </a:r>
+          </a:p>
+        </p:txBody>
+      </p:sp>
+      <p:sp>
+        <p:nvSpPr>
+          <p:cNvPr id="9" name="TextBox 8">
+            <a:extLst>
+              <a:ext uri="{FF2B5EF4-FFF2-40B4-BE49-F238E27FC236}">
+                <a16:creationId xmlns:a16="http://schemas.microsoft.com/office/drawing/2014/main" id="{1ED89F4D-F7F8-EB12-115F-30E3898FD43C}"/>
+              </a:ext>
+            </a:extLst>
+          </p:cNvPr>
+          <p:cNvSpPr txBox="1"/>
+          <p:nvPr/>
+        </p:nvSpPr>
+        <p:spPr>
+          <a:xfrm>
+            <a:off x="942387" y="4176421"/>
+            <a:ext cx="10237694" cy="369332"/>
+          </a:xfrm>
+          <a:prstGeom prst="rect">
+            <a:avLst/>
+          </a:prstGeom>
+          <a:noFill/>
+        </p:spPr>
+        <p:txBody>
+          <a:bodyPr wrap="square" rtlCol="0">
+            <a:spAutoFit/>
+          </a:bodyPr>
+          <a:lstStyle/>
+          <a:p>
+            <a:r>
+              <a:rPr lang="ko-KR" altLang="en-US" dirty="0">
+                <a:latin typeface="나눔스퀘어 Light" panose="020B0600000101010101" pitchFamily="50" charset="-127"/>
+                <a:ea typeface="나눔스퀘어 Light" panose="020B0600000101010101" pitchFamily="50" charset="-127"/>
+              </a:rPr>
+              <a:t>있으니</a:t>
+            </a:r>
+            <a:r>
+              <a:rPr lang="en-US" altLang="ko-KR" dirty="0">
+                <a:latin typeface="나눔스퀘어 Light" panose="020B0600000101010101" pitchFamily="50" charset="-127"/>
+                <a:ea typeface="나눔스퀘어 Light" panose="020B0600000101010101" pitchFamily="50" charset="-127"/>
+              </a:rPr>
+              <a:t>, </a:t>
+            </a:r>
+            <a:r>
+              <a:rPr lang="ko-KR" altLang="en-US" dirty="0">
+                <a:latin typeface="나눔스퀘어 Light" panose="020B0600000101010101" pitchFamily="50" charset="-127"/>
+                <a:ea typeface="나눔스퀘어 Light" panose="020B0600000101010101" pitchFamily="50" charset="-127"/>
+              </a:rPr>
+              <a:t>리스트들을 정렬해줍니다</a:t>
+            </a:r>
+            <a:r>
+              <a:rPr lang="en-US" altLang="ko-KR" dirty="0">
+                <a:latin typeface="나눔스퀘어 Light" panose="020B0600000101010101" pitchFamily="50" charset="-127"/>
+                <a:ea typeface="나눔스퀘어 Light" panose="020B0600000101010101" pitchFamily="50" charset="-127"/>
+              </a:rPr>
+              <a:t>.</a:t>
+            </a:r>
+            <a:endParaRPr lang="ko-KR" altLang="en-US" dirty="0">
+              <a:latin typeface="나눔스퀘어 Light" panose="020B0600000101010101" pitchFamily="50" charset="-127"/>
+              <a:ea typeface="나눔스퀘어 Light" panose="020B0600000101010101" pitchFamily="50" charset="-127"/>
+            </a:endParaRPr>
           </a:p>
         </p:txBody>
       </p:sp>
       <p:pic>
         <p:nvPicPr>
-          <p:cNvPr id="7" name="그림 6">
-            <a:extLst>
-              <a:ext uri="{FF2B5EF4-FFF2-40B4-BE49-F238E27FC236}">
-                <a16:creationId xmlns:a16="http://schemas.microsoft.com/office/drawing/2014/main" id="{0200E58E-AE40-8E5B-9A13-0D4395C455A4}"/>
+          <p:cNvPr id="12" name="그림 11">
+            <a:extLst>
+              <a:ext uri="{FF2B5EF4-FFF2-40B4-BE49-F238E27FC236}">
+                <a16:creationId xmlns:a16="http://schemas.microsoft.com/office/drawing/2014/main" id="{128BF69F-C093-0C42-5A94-F6305B98904A}"/>
               </a:ext>
             </a:extLst>
           </p:cNvPr>
@@ -19967,8 +20294,38 @@
         </p:blipFill>
         <p:spPr>
           <a:xfrm>
-            <a:off x="331694" y="1074286"/>
-            <a:ext cx="10821910" cy="4401164"/>
+            <a:off x="942387" y="1568113"/>
+            <a:ext cx="4006685" cy="1852146"/>
+          </a:xfrm>
+          <a:prstGeom prst="rect">
+            <a:avLst/>
+          </a:prstGeom>
+        </p:spPr>
+      </p:pic>
+      <p:pic>
+        <p:nvPicPr>
+          <p:cNvPr id="14" name="그림 13">
+            <a:extLst>
+              <a:ext uri="{FF2B5EF4-FFF2-40B4-BE49-F238E27FC236}">
+                <a16:creationId xmlns:a16="http://schemas.microsoft.com/office/drawing/2014/main" id="{1C77A6F0-8280-9983-AFA2-5C1D104A8348}"/>
+              </a:ext>
+            </a:extLst>
+          </p:cNvPr>
+          <p:cNvPicPr>
+            <a:picLocks noChangeAspect="1"/>
+          </p:cNvPicPr>
+          <p:nvPr/>
+        </p:nvPicPr>
+        <p:blipFill>
+          <a:blip r:embed="rId3"/>
+          <a:stretch>
+            <a:fillRect/>
+          </a:stretch>
+        </p:blipFill>
+        <p:spPr>
+          <a:xfrm>
+            <a:off x="942387" y="4554509"/>
+            <a:ext cx="4006685" cy="629255"/>
           </a:xfrm>
           <a:prstGeom prst="rect">
             <a:avLst/>
@@ -19978,7 +20335,7 @@
     </p:spTree>
     <p:extLst>
       <p:ext uri="{BB962C8B-B14F-4D97-AF65-F5344CB8AC3E}">
-        <p14:creationId xmlns:p14="http://schemas.microsoft.com/office/powerpoint/2010/main" val="2401598668"/>
+        <p14:creationId xmlns:p14="http://schemas.microsoft.com/office/powerpoint/2010/main" val="1848462070"/>
       </p:ext>
     </p:extLst>
   </p:cSld>
@@ -20054,7 +20411,7 @@
           <p:cNvPr id="3" name="TextBox 2">
             <a:extLst>
               <a:ext uri="{FF2B5EF4-FFF2-40B4-BE49-F238E27FC236}">
-                <a16:creationId xmlns:a16="http://schemas.microsoft.com/office/drawing/2014/main" id="{55A2659C-619F-80B4-6BDF-B649C7E7DBE9}"/>
+                <a16:creationId xmlns:a16="http://schemas.microsoft.com/office/drawing/2014/main" id="{2929977D-4B28-4A77-BFAA-69E6FF174D27}"/>
               </a:ext>
             </a:extLst>
           </p:cNvPr>
@@ -20078,25 +20435,46 @@
           <a:lstStyle/>
           <a:p>
             <a:r>
+              <a:rPr lang="en-US" altLang="ko-KR" dirty="0">
+                <a:latin typeface="나눔스퀘어 Light" panose="020B0600000101010101" pitchFamily="50" charset="-127"/>
+                <a:ea typeface="나눔스퀘어 Light" panose="020B0600000101010101" pitchFamily="50" charset="-127"/>
+              </a:rPr>
+              <a:t>DFS</a:t>
+            </a:r>
+            <a:r>
               <a:rPr lang="ko-KR" altLang="en-US" dirty="0">
                 <a:latin typeface="나눔스퀘어 Light" panose="020B0600000101010101" pitchFamily="50" charset="-127"/>
                 <a:ea typeface="나눔스퀘어 Light" panose="020B0600000101010101" pitchFamily="50" charset="-127"/>
               </a:rPr>
-              <a:t>전형적인 큐를 사용하는 문제이지만</a:t>
+              <a:t>는 재귀호출</a:t>
             </a:r>
             <a:r>
               <a:rPr lang="en-US" altLang="ko-KR" dirty="0">
                 <a:latin typeface="나눔스퀘어 Light" panose="020B0600000101010101" pitchFamily="50" charset="-127"/>
                 <a:ea typeface="나눔스퀘어 Light" panose="020B0600000101010101" pitchFamily="50" charset="-127"/>
               </a:rPr>
-              <a:t>, </a:t>
+              <a:t>(</a:t>
             </a:r>
             <a:r>
               <a:rPr lang="ko-KR" altLang="en-US" dirty="0">
                 <a:latin typeface="나눔스퀘어 Light" panose="020B0600000101010101" pitchFamily="50" charset="-127"/>
                 <a:ea typeface="나눔스퀘어 Light" panose="020B0600000101010101" pitchFamily="50" charset="-127"/>
               </a:rPr>
-              <a:t>꼭 큐를 사용해야만 풀 수 있는 것은 아닙니다</a:t>
+              <a:t>스택</a:t>
+            </a:r>
+            <a:r>
+              <a:rPr lang="en-US" altLang="ko-KR" dirty="0">
+                <a:latin typeface="나눔스퀘어 Light" panose="020B0600000101010101" pitchFamily="50" charset="-127"/>
+                <a:ea typeface="나눔스퀘어 Light" panose="020B0600000101010101" pitchFamily="50" charset="-127"/>
+              </a:rPr>
+              <a:t>)</a:t>
+            </a:r>
+            <a:r>
+              <a:rPr lang="ko-KR" altLang="en-US" dirty="0">
+                <a:latin typeface="나눔스퀘어 Light" panose="020B0600000101010101" pitchFamily="50" charset="-127"/>
+                <a:ea typeface="나눔스퀘어 Light" panose="020B0600000101010101" pitchFamily="50" charset="-127"/>
+              </a:rPr>
+              <a:t>을 이용하여 구현할 수 있습니다</a:t>
             </a:r>
             <a:r>
               <a:rPr lang="en-US" altLang="ko-KR" dirty="0">
@@ -20114,10 +20492,10 @@
       </p:sp>
       <p:sp>
         <p:nvSpPr>
-          <p:cNvPr id="4" name="TextBox 3">
-            <a:extLst>
-              <a:ext uri="{FF2B5EF4-FFF2-40B4-BE49-F238E27FC236}">
-                <a16:creationId xmlns:a16="http://schemas.microsoft.com/office/drawing/2014/main" id="{5309C74F-4AB5-553D-92E5-3E70398F8530}"/>
+          <p:cNvPr id="6" name="TextBox 5">
+            <a:extLst>
+              <a:ext uri="{FF2B5EF4-FFF2-40B4-BE49-F238E27FC236}">
+                <a16:creationId xmlns:a16="http://schemas.microsoft.com/office/drawing/2014/main" id="{0F2BECC4-3944-4029-2F5E-D6FAC7B5FD51}"/>
               </a:ext>
             </a:extLst>
           </p:cNvPr>
@@ -20127,7 +20505,7 @@
         <p:spPr>
           <a:xfrm>
             <a:off x="331694" y="177505"/>
-            <a:ext cx="3809248" cy="523220"/>
+            <a:ext cx="4331827" cy="523220"/>
           </a:xfrm>
           <a:prstGeom prst="rect">
             <a:avLst/>
@@ -20145,22 +20523,77 @@
                 <a:latin typeface="나눔스퀘어 Bold" panose="020B0600000101010101" pitchFamily="50" charset="-127"/>
                 <a:ea typeface="나눔스퀘어 Bold" panose="020B0600000101010101" pitchFamily="50" charset="-127"/>
               </a:rPr>
-              <a:t>Graph – 2606 </a:t>
+              <a:t>Graph</a:t>
             </a:r>
             <a:r>
               <a:rPr lang="ko-KR" altLang="en-US" sz="2800" dirty="0">
                 <a:latin typeface="나눔스퀘어 Bold" panose="020B0600000101010101" pitchFamily="50" charset="-127"/>
                 <a:ea typeface="나눔스퀘어 Bold" panose="020B0600000101010101" pitchFamily="50" charset="-127"/>
               </a:rPr>
-              <a:t>바이러스</a:t>
-            </a:r>
-          </a:p>
-        </p:txBody>
-      </p:sp>
+              <a:t> </a:t>
+            </a:r>
+            <a:r>
+              <a:rPr lang="en-US" altLang="ko-KR" sz="2800" dirty="0">
+                <a:latin typeface="나눔스퀘어 Bold" panose="020B0600000101010101" pitchFamily="50" charset="-127"/>
+                <a:ea typeface="나눔스퀘어 Bold" panose="020B0600000101010101" pitchFamily="50" charset="-127"/>
+              </a:rPr>
+              <a:t>– 1260 DFS</a:t>
+            </a:r>
+            <a:r>
+              <a:rPr lang="ko-KR" altLang="en-US" sz="2800" dirty="0">
+                <a:latin typeface="나눔스퀘어 Bold" panose="020B0600000101010101" pitchFamily="50" charset="-127"/>
+                <a:ea typeface="나눔스퀘어 Bold" panose="020B0600000101010101" pitchFamily="50" charset="-127"/>
+              </a:rPr>
+              <a:t>와 </a:t>
+            </a:r>
+            <a:r>
+              <a:rPr lang="en-US" altLang="ko-KR" sz="2800" dirty="0">
+                <a:latin typeface="나눔스퀘어 Bold" panose="020B0600000101010101" pitchFamily="50" charset="-127"/>
+                <a:ea typeface="나눔스퀘어 Bold" panose="020B0600000101010101" pitchFamily="50" charset="-127"/>
+              </a:rPr>
+              <a:t>BFS</a:t>
+            </a:r>
+            <a:endParaRPr lang="ko-KR" altLang="en-US" sz="2800" dirty="0">
+              <a:latin typeface="나눔스퀘어 Bold" panose="020B0600000101010101" pitchFamily="50" charset="-127"/>
+              <a:ea typeface="나눔스퀘어 Bold" panose="020B0600000101010101" pitchFamily="50" charset="-127"/>
+            </a:endParaRPr>
+          </a:p>
+        </p:txBody>
+      </p:sp>
+      <p:pic>
+        <p:nvPicPr>
+          <p:cNvPr id="4" name="그림 3">
+            <a:extLst>
+              <a:ext uri="{FF2B5EF4-FFF2-40B4-BE49-F238E27FC236}">
+                <a16:creationId xmlns:a16="http://schemas.microsoft.com/office/drawing/2014/main" id="{65179BDA-AB6A-0AAD-FCBD-5C6DBCA08FF4}"/>
+              </a:ext>
+            </a:extLst>
+          </p:cNvPr>
+          <p:cNvPicPr>
+            <a:picLocks noChangeAspect="1"/>
+          </p:cNvPicPr>
+          <p:nvPr/>
+        </p:nvPicPr>
+        <p:blipFill>
+          <a:blip r:embed="rId2"/>
+          <a:stretch>
+            <a:fillRect/>
+          </a:stretch>
+        </p:blipFill>
+        <p:spPr>
+          <a:xfrm>
+            <a:off x="942386" y="1559355"/>
+            <a:ext cx="7366971" cy="3144619"/>
+          </a:xfrm>
+          <a:prstGeom prst="rect">
+            <a:avLst/>
+          </a:prstGeom>
+        </p:spPr>
+      </p:pic>
     </p:spTree>
     <p:extLst>
       <p:ext uri="{BB962C8B-B14F-4D97-AF65-F5344CB8AC3E}">
-        <p14:creationId xmlns:p14="http://schemas.microsoft.com/office/powerpoint/2010/main" val="168362199"/>
+        <p14:creationId xmlns:p14="http://schemas.microsoft.com/office/powerpoint/2010/main" val="3573138077"/>
       </p:ext>
     </p:extLst>
   </p:cSld>
@@ -20236,7 +20669,7 @@
           <p:cNvPr id="3" name="TextBox 2">
             <a:extLst>
               <a:ext uri="{FF2B5EF4-FFF2-40B4-BE49-F238E27FC236}">
-                <a16:creationId xmlns:a16="http://schemas.microsoft.com/office/drawing/2014/main" id="{B3B954B2-DB7F-EEC1-438C-CB91D3B18AE1}"/>
+                <a16:creationId xmlns:a16="http://schemas.microsoft.com/office/drawing/2014/main" id="{2929977D-4B28-4A77-BFAA-69E6FF174D27}"/>
               </a:ext>
             </a:extLst>
           </p:cNvPr>
@@ -20245,8 +20678,64 @@
         </p:nvSpPr>
         <p:spPr>
           <a:xfrm>
+            <a:off x="942387" y="1190024"/>
+            <a:ext cx="10237694" cy="369332"/>
+          </a:xfrm>
+          <a:prstGeom prst="rect">
+            <a:avLst/>
+          </a:prstGeom>
+          <a:noFill/>
+        </p:spPr>
+        <p:txBody>
+          <a:bodyPr wrap="square" rtlCol="0">
+            <a:spAutoFit/>
+          </a:bodyPr>
+          <a:lstStyle/>
+          <a:p>
+            <a:r>
+              <a:rPr lang="en-US" altLang="ko-KR" dirty="0">
+                <a:latin typeface="나눔스퀘어 Light" panose="020B0600000101010101" pitchFamily="50" charset="-127"/>
+                <a:ea typeface="나눔스퀘어 Light" panose="020B0600000101010101" pitchFamily="50" charset="-127"/>
+              </a:rPr>
+              <a:t>BFS</a:t>
+            </a:r>
+            <a:r>
+              <a:rPr lang="ko-KR" altLang="en-US" dirty="0">
+                <a:latin typeface="나눔스퀘어 Light" panose="020B0600000101010101" pitchFamily="50" charset="-127"/>
+                <a:ea typeface="나눔스퀘어 Light" panose="020B0600000101010101" pitchFamily="50" charset="-127"/>
+              </a:rPr>
+              <a:t>는 큐를 이용하여 구현할 수 있습니다</a:t>
+            </a:r>
+            <a:r>
+              <a:rPr lang="en-US" altLang="ko-KR" dirty="0">
+                <a:latin typeface="나눔스퀘어 Light" panose="020B0600000101010101" pitchFamily="50" charset="-127"/>
+                <a:ea typeface="나눔스퀘어 Light" panose="020B0600000101010101" pitchFamily="50" charset="-127"/>
+              </a:rPr>
+              <a:t>.</a:t>
+            </a:r>
+            <a:endParaRPr lang="ko-KR" altLang="en-US" dirty="0">
+              <a:latin typeface="나눔스퀘어 Light" panose="020B0600000101010101" pitchFamily="50" charset="-127"/>
+              <a:ea typeface="나눔스퀘어 Light" panose="020B0600000101010101" pitchFamily="50" charset="-127"/>
+            </a:endParaRPr>
+          </a:p>
+        </p:txBody>
+      </p:sp>
+      <p:sp>
+        <p:nvSpPr>
+          <p:cNvPr id="6" name="TextBox 5">
+            <a:extLst>
+              <a:ext uri="{FF2B5EF4-FFF2-40B4-BE49-F238E27FC236}">
+                <a16:creationId xmlns:a16="http://schemas.microsoft.com/office/drawing/2014/main" id="{0F2BECC4-3944-4029-2F5E-D6FAC7B5FD51}"/>
+              </a:ext>
+            </a:extLst>
+          </p:cNvPr>
+          <p:cNvSpPr txBox="1"/>
+          <p:nvPr/>
+        </p:nvSpPr>
+        <p:spPr>
+          <a:xfrm>
             <a:off x="331694" y="177505"/>
-            <a:ext cx="3899016" cy="523220"/>
+            <a:ext cx="4331827" cy="523220"/>
           </a:xfrm>
           <a:prstGeom prst="rect">
             <a:avLst/>
@@ -20264,24 +20753,49 @@
                 <a:latin typeface="나눔스퀘어 Bold" panose="020B0600000101010101" pitchFamily="50" charset="-127"/>
                 <a:ea typeface="나눔스퀘어 Bold" panose="020B0600000101010101" pitchFamily="50" charset="-127"/>
               </a:rPr>
-              <a:t>Graph – 2178 </a:t>
+              <a:t>Graph</a:t>
             </a:r>
             <a:r>
               <a:rPr lang="ko-KR" altLang="en-US" sz="2800" dirty="0">
                 <a:latin typeface="나눔스퀘어 Bold" panose="020B0600000101010101" pitchFamily="50" charset="-127"/>
                 <a:ea typeface="나눔스퀘어 Bold" panose="020B0600000101010101" pitchFamily="50" charset="-127"/>
               </a:rPr>
-              <a:t>미로 탐색</a:t>
-            </a:r>
+              <a:t> </a:t>
+            </a:r>
+            <a:r>
+              <a:rPr lang="en-US" altLang="ko-KR" sz="2800" dirty="0">
+                <a:latin typeface="나눔스퀘어 Bold" panose="020B0600000101010101" pitchFamily="50" charset="-127"/>
+                <a:ea typeface="나눔스퀘어 Bold" panose="020B0600000101010101" pitchFamily="50" charset="-127"/>
+              </a:rPr>
+              <a:t>– 1260 DFS</a:t>
+            </a:r>
+            <a:r>
+              <a:rPr lang="ko-KR" altLang="en-US" sz="2800" dirty="0">
+                <a:latin typeface="나눔스퀘어 Bold" panose="020B0600000101010101" pitchFamily="50" charset="-127"/>
+                <a:ea typeface="나눔스퀘어 Bold" panose="020B0600000101010101" pitchFamily="50" charset="-127"/>
+              </a:rPr>
+              <a:t>와 </a:t>
+            </a:r>
+            <a:r>
+              <a:rPr lang="en-US" altLang="ko-KR" sz="2800" dirty="0">
+                <a:latin typeface="나눔스퀘어 Bold" panose="020B0600000101010101" pitchFamily="50" charset="-127"/>
+                <a:ea typeface="나눔스퀘어 Bold" panose="020B0600000101010101" pitchFamily="50" charset="-127"/>
+              </a:rPr>
+              <a:t>BFS</a:t>
+            </a:r>
+            <a:endParaRPr lang="ko-KR" altLang="en-US" sz="2800" dirty="0">
+              <a:latin typeface="나눔스퀘어 Bold" panose="020B0600000101010101" pitchFamily="50" charset="-127"/>
+              <a:ea typeface="나눔스퀘어 Bold" panose="020B0600000101010101" pitchFamily="50" charset="-127"/>
+            </a:endParaRPr>
           </a:p>
         </p:txBody>
       </p:sp>
       <p:pic>
         <p:nvPicPr>
-          <p:cNvPr id="4" name="그림 3">
-            <a:extLst>
-              <a:ext uri="{FF2B5EF4-FFF2-40B4-BE49-F238E27FC236}">
-                <a16:creationId xmlns:a16="http://schemas.microsoft.com/office/drawing/2014/main" id="{FA5DC14F-3B58-7DCB-0529-B6DF343008B1}"/>
+          <p:cNvPr id="7" name="그림 6">
+            <a:extLst>
+              <a:ext uri="{FF2B5EF4-FFF2-40B4-BE49-F238E27FC236}">
+                <a16:creationId xmlns:a16="http://schemas.microsoft.com/office/drawing/2014/main" id="{3BEFD705-E0A4-6ECF-EF9C-AADFF9DF3B86}"/>
               </a:ext>
             </a:extLst>
           </p:cNvPr>
@@ -20298,188 +20812,8 @@
         </p:blipFill>
         <p:spPr>
           <a:xfrm>
-            <a:off x="331694" y="1000161"/>
-            <a:ext cx="10783805" cy="3620005"/>
-          </a:xfrm>
-          <a:prstGeom prst="rect">
-            <a:avLst/>
-          </a:prstGeom>
-        </p:spPr>
-      </p:pic>
-      <p:pic>
-        <p:nvPicPr>
-          <p:cNvPr id="8" name="그림 7">
-            <a:extLst>
-              <a:ext uri="{FF2B5EF4-FFF2-40B4-BE49-F238E27FC236}">
-                <a16:creationId xmlns:a16="http://schemas.microsoft.com/office/drawing/2014/main" id="{D27D39DC-B2B5-9D08-1123-33207352EC90}"/>
-              </a:ext>
-            </a:extLst>
-          </p:cNvPr>
-          <p:cNvPicPr>
-            <a:picLocks noChangeAspect="1"/>
-          </p:cNvPicPr>
-          <p:nvPr/>
-        </p:nvPicPr>
-        <p:blipFill>
-          <a:blip r:embed="rId3"/>
-          <a:stretch>
-            <a:fillRect/>
-          </a:stretch>
-        </p:blipFill>
-        <p:spPr>
-          <a:xfrm>
-            <a:off x="331694" y="4725894"/>
-            <a:ext cx="1381318" cy="1952898"/>
-          </a:xfrm>
-          <a:prstGeom prst="rect">
-            <a:avLst/>
-          </a:prstGeom>
-        </p:spPr>
-      </p:pic>
-      <p:pic>
-        <p:nvPicPr>
-          <p:cNvPr id="10" name="그림 9">
-            <a:extLst>
-              <a:ext uri="{FF2B5EF4-FFF2-40B4-BE49-F238E27FC236}">
-                <a16:creationId xmlns:a16="http://schemas.microsoft.com/office/drawing/2014/main" id="{3DD36C43-90AD-AFEE-539A-343B818B647A}"/>
-              </a:ext>
-            </a:extLst>
-          </p:cNvPr>
-          <p:cNvPicPr>
-            <a:picLocks noChangeAspect="1"/>
-          </p:cNvPicPr>
-          <p:nvPr/>
-        </p:nvPicPr>
-        <p:blipFill>
-          <a:blip r:embed="rId4"/>
-          <a:stretch>
-            <a:fillRect/>
-          </a:stretch>
-        </p:blipFill>
-        <p:spPr>
-          <a:xfrm>
-            <a:off x="1789450" y="4730077"/>
-            <a:ext cx="1371791" cy="990738"/>
-          </a:xfrm>
-          <a:prstGeom prst="rect">
-            <a:avLst/>
-          </a:prstGeom>
-        </p:spPr>
-      </p:pic>
-      <p:pic>
-        <p:nvPicPr>
-          <p:cNvPr id="12" name="그림 11">
-            <a:extLst>
-              <a:ext uri="{FF2B5EF4-FFF2-40B4-BE49-F238E27FC236}">
-                <a16:creationId xmlns:a16="http://schemas.microsoft.com/office/drawing/2014/main" id="{2104BF6A-48BA-5686-10A0-8CBBBB3C5CEE}"/>
-              </a:ext>
-            </a:extLst>
-          </p:cNvPr>
-          <p:cNvPicPr>
-            <a:picLocks noChangeAspect="1"/>
-          </p:cNvPicPr>
-          <p:nvPr/>
-        </p:nvPicPr>
-        <p:blipFill>
-          <a:blip r:embed="rId5"/>
-          <a:stretch>
-            <a:fillRect/>
-          </a:stretch>
-        </p:blipFill>
-        <p:spPr>
-          <a:xfrm>
-            <a:off x="3544814" y="4736001"/>
-            <a:ext cx="1371791" cy="1895740"/>
-          </a:xfrm>
-          <a:prstGeom prst="rect">
-            <a:avLst/>
-          </a:prstGeom>
-        </p:spPr>
-      </p:pic>
-      <p:pic>
-        <p:nvPicPr>
-          <p:cNvPr id="14" name="그림 13">
-            <a:extLst>
-              <a:ext uri="{FF2B5EF4-FFF2-40B4-BE49-F238E27FC236}">
-                <a16:creationId xmlns:a16="http://schemas.microsoft.com/office/drawing/2014/main" id="{EED78C7D-9A0E-591C-7A5D-F34A83B545ED}"/>
-              </a:ext>
-            </a:extLst>
-          </p:cNvPr>
-          <p:cNvPicPr>
-            <a:picLocks noChangeAspect="1"/>
-          </p:cNvPicPr>
-          <p:nvPr/>
-        </p:nvPicPr>
-        <p:blipFill>
-          <a:blip r:embed="rId6"/>
-          <a:stretch>
-            <a:fillRect/>
-          </a:stretch>
-        </p:blipFill>
-        <p:spPr>
-          <a:xfrm>
-            <a:off x="4993043" y="4732821"/>
-            <a:ext cx="1352739" cy="971686"/>
-          </a:xfrm>
-          <a:prstGeom prst="rect">
-            <a:avLst/>
-          </a:prstGeom>
-        </p:spPr>
-      </p:pic>
-      <p:pic>
-        <p:nvPicPr>
-          <p:cNvPr id="16" name="그림 15">
-            <a:extLst>
-              <a:ext uri="{FF2B5EF4-FFF2-40B4-BE49-F238E27FC236}">
-                <a16:creationId xmlns:a16="http://schemas.microsoft.com/office/drawing/2014/main" id="{4D745FE7-27E1-F4AE-1580-31870CEE187B}"/>
-              </a:ext>
-            </a:extLst>
-          </p:cNvPr>
-          <p:cNvPicPr>
-            <a:picLocks noChangeAspect="1"/>
-          </p:cNvPicPr>
-          <p:nvPr/>
-        </p:nvPicPr>
-        <p:blipFill>
-          <a:blip r:embed="rId7"/>
-          <a:stretch>
-            <a:fillRect/>
-          </a:stretch>
-        </p:blipFill>
-        <p:spPr>
-          <a:xfrm>
-            <a:off x="6748407" y="4725894"/>
-            <a:ext cx="2705478" cy="1428949"/>
-          </a:xfrm>
-          <a:prstGeom prst="rect">
-            <a:avLst/>
-          </a:prstGeom>
-        </p:spPr>
-      </p:pic>
-      <p:pic>
-        <p:nvPicPr>
-          <p:cNvPr id="18" name="그림 17">
-            <a:extLst>
-              <a:ext uri="{FF2B5EF4-FFF2-40B4-BE49-F238E27FC236}">
-                <a16:creationId xmlns:a16="http://schemas.microsoft.com/office/drawing/2014/main" id="{92345696-89A4-046E-7D27-1773D5DFCBB5}"/>
-              </a:ext>
-            </a:extLst>
-          </p:cNvPr>
-          <p:cNvPicPr>
-            <a:picLocks noChangeAspect="1"/>
-          </p:cNvPicPr>
-          <p:nvPr/>
-        </p:nvPicPr>
-        <p:blipFill>
-          <a:blip r:embed="rId8"/>
-          <a:stretch>
-            <a:fillRect/>
-          </a:stretch>
-        </p:blipFill>
-        <p:spPr>
-          <a:xfrm>
-            <a:off x="9561324" y="4725894"/>
-            <a:ext cx="1352739" cy="933580"/>
+            <a:off x="942386" y="1559356"/>
+            <a:ext cx="7306067" cy="4922527"/>
           </a:xfrm>
           <a:prstGeom prst="rect">
             <a:avLst/>
@@ -20489,7 +20823,7 @@
     </p:spTree>
     <p:extLst>
       <p:ext uri="{BB962C8B-B14F-4D97-AF65-F5344CB8AC3E}">
-        <p14:creationId xmlns:p14="http://schemas.microsoft.com/office/powerpoint/2010/main" val="3118018328"/>
+        <p14:creationId xmlns:p14="http://schemas.microsoft.com/office/powerpoint/2010/main" val="2455362574"/>
       </p:ext>
     </p:extLst>
   </p:cSld>
@@ -20565,7 +20899,7 @@
           <p:cNvPr id="3" name="TextBox 2">
             <a:extLst>
               <a:ext uri="{FF2B5EF4-FFF2-40B4-BE49-F238E27FC236}">
-                <a16:creationId xmlns:a16="http://schemas.microsoft.com/office/drawing/2014/main" id="{B3B954B2-DB7F-EEC1-438C-CB91D3B18AE1}"/>
+                <a16:creationId xmlns:a16="http://schemas.microsoft.com/office/drawing/2014/main" id="{2929977D-4B28-4A77-BFAA-69E6FF174D27}"/>
               </a:ext>
             </a:extLst>
           </p:cNvPr>
@@ -20574,8 +20908,57 @@
         </p:nvSpPr>
         <p:spPr>
           <a:xfrm>
+            <a:off x="942387" y="1190024"/>
+            <a:ext cx="10237694" cy="369332"/>
+          </a:xfrm>
+          <a:prstGeom prst="rect">
+            <a:avLst/>
+          </a:prstGeom>
+          <a:noFill/>
+        </p:spPr>
+        <p:txBody>
+          <a:bodyPr wrap="square" rtlCol="0">
+            <a:spAutoFit/>
+          </a:bodyPr>
+          <a:lstStyle/>
+          <a:p>
+            <a:r>
+              <a:rPr lang="ko-KR" altLang="en-US" dirty="0">
+                <a:latin typeface="나눔스퀘어 Light" panose="020B0600000101010101" pitchFamily="50" charset="-127"/>
+                <a:ea typeface="나눔스퀘어 Light" panose="020B0600000101010101" pitchFamily="50" charset="-127"/>
+              </a:rPr>
+              <a:t>구현한 순회 메서드들을 호출하여 그래프를 순회합니다</a:t>
+            </a:r>
+            <a:r>
+              <a:rPr lang="en-US" altLang="ko-KR" dirty="0">
+                <a:latin typeface="나눔스퀘어 Light" panose="020B0600000101010101" pitchFamily="50" charset="-127"/>
+                <a:ea typeface="나눔스퀘어 Light" panose="020B0600000101010101" pitchFamily="50" charset="-127"/>
+              </a:rPr>
+              <a:t>.</a:t>
+            </a:r>
+            <a:endParaRPr lang="ko-KR" altLang="en-US" dirty="0">
+              <a:latin typeface="나눔스퀘어 Light" panose="020B0600000101010101" pitchFamily="50" charset="-127"/>
+              <a:ea typeface="나눔스퀘어 Light" panose="020B0600000101010101" pitchFamily="50" charset="-127"/>
+            </a:endParaRPr>
+          </a:p>
+        </p:txBody>
+      </p:sp>
+      <p:sp>
+        <p:nvSpPr>
+          <p:cNvPr id="6" name="TextBox 5">
+            <a:extLst>
+              <a:ext uri="{FF2B5EF4-FFF2-40B4-BE49-F238E27FC236}">
+                <a16:creationId xmlns:a16="http://schemas.microsoft.com/office/drawing/2014/main" id="{0F2BECC4-3944-4029-2F5E-D6FAC7B5FD51}"/>
+              </a:ext>
+            </a:extLst>
+          </p:cNvPr>
+          <p:cNvSpPr txBox="1"/>
+          <p:nvPr/>
+        </p:nvSpPr>
+        <p:spPr>
+          <a:xfrm>
             <a:off x="331694" y="177505"/>
-            <a:ext cx="3899016" cy="523220"/>
+            <a:ext cx="4331827" cy="523220"/>
           </a:xfrm>
           <a:prstGeom prst="rect">
             <a:avLst/>
@@ -20593,22 +20976,315 @@
                 <a:latin typeface="나눔스퀘어 Bold" panose="020B0600000101010101" pitchFamily="50" charset="-127"/>
                 <a:ea typeface="나눔스퀘어 Bold" panose="020B0600000101010101" pitchFamily="50" charset="-127"/>
               </a:rPr>
-              <a:t>Graph – 2178 </a:t>
+              <a:t>Graph</a:t>
             </a:r>
             <a:r>
               <a:rPr lang="ko-KR" altLang="en-US" sz="2800" dirty="0">
                 <a:latin typeface="나눔스퀘어 Bold" panose="020B0600000101010101" pitchFamily="50" charset="-127"/>
                 <a:ea typeface="나눔스퀘어 Bold" panose="020B0600000101010101" pitchFamily="50" charset="-127"/>
               </a:rPr>
-              <a:t>미로 탐색</a:t>
-            </a:r>
+              <a:t> </a:t>
+            </a:r>
+            <a:r>
+              <a:rPr lang="en-US" altLang="ko-KR" sz="2800" dirty="0">
+                <a:latin typeface="나눔스퀘어 Bold" panose="020B0600000101010101" pitchFamily="50" charset="-127"/>
+                <a:ea typeface="나눔스퀘어 Bold" panose="020B0600000101010101" pitchFamily="50" charset="-127"/>
+              </a:rPr>
+              <a:t>– 1260 DFS</a:t>
+            </a:r>
+            <a:r>
+              <a:rPr lang="ko-KR" altLang="en-US" sz="2800" dirty="0">
+                <a:latin typeface="나눔스퀘어 Bold" panose="020B0600000101010101" pitchFamily="50" charset="-127"/>
+                <a:ea typeface="나눔스퀘어 Bold" panose="020B0600000101010101" pitchFamily="50" charset="-127"/>
+              </a:rPr>
+              <a:t>와 </a:t>
+            </a:r>
+            <a:r>
+              <a:rPr lang="en-US" altLang="ko-KR" sz="2800" dirty="0">
+                <a:latin typeface="나눔스퀘어 Bold" panose="020B0600000101010101" pitchFamily="50" charset="-127"/>
+                <a:ea typeface="나눔스퀘어 Bold" panose="020B0600000101010101" pitchFamily="50" charset="-127"/>
+              </a:rPr>
+              <a:t>BFS</a:t>
+            </a:r>
+            <a:endParaRPr lang="ko-KR" altLang="en-US" sz="2800" dirty="0">
+              <a:latin typeface="나눔스퀘어 Bold" panose="020B0600000101010101" pitchFamily="50" charset="-127"/>
+              <a:ea typeface="나눔스퀘어 Bold" panose="020B0600000101010101" pitchFamily="50" charset="-127"/>
+            </a:endParaRPr>
+          </a:p>
+        </p:txBody>
+      </p:sp>
+      <p:sp>
+        <p:nvSpPr>
+          <p:cNvPr id="2" name="TextBox 1">
+            <a:extLst>
+              <a:ext uri="{FF2B5EF4-FFF2-40B4-BE49-F238E27FC236}">
+                <a16:creationId xmlns:a16="http://schemas.microsoft.com/office/drawing/2014/main" id="{916EAE1E-61BF-9572-A37C-654691D83A1C}"/>
+              </a:ext>
+            </a:extLst>
+          </p:cNvPr>
+          <p:cNvSpPr txBox="1"/>
+          <p:nvPr/>
+        </p:nvSpPr>
+        <p:spPr>
+          <a:xfrm>
+            <a:off x="942387" y="1559356"/>
+            <a:ext cx="10237694" cy="369332"/>
+          </a:xfrm>
+          <a:prstGeom prst="rect">
+            <a:avLst/>
+          </a:prstGeom>
+          <a:noFill/>
+        </p:spPr>
+        <p:txBody>
+          <a:bodyPr wrap="square" rtlCol="0">
+            <a:spAutoFit/>
+          </a:bodyPr>
+          <a:lstStyle/>
+          <a:p>
+            <a:r>
+              <a:rPr lang="ko-KR" altLang="en-US" dirty="0">
+                <a:latin typeface="나눔스퀘어 Light" panose="020B0600000101010101" pitchFamily="50" charset="-127"/>
+                <a:ea typeface="나눔스퀘어 Light" panose="020B0600000101010101" pitchFamily="50" charset="-127"/>
+              </a:rPr>
+              <a:t>이때 주의할 점은</a:t>
+            </a:r>
+            <a:r>
+              <a:rPr lang="en-US" altLang="ko-KR" dirty="0">
+                <a:latin typeface="나눔스퀘어 Light" panose="020B0600000101010101" pitchFamily="50" charset="-127"/>
+                <a:ea typeface="나눔스퀘어 Light" panose="020B0600000101010101" pitchFamily="50" charset="-127"/>
+              </a:rPr>
+              <a:t>, </a:t>
+            </a:r>
+            <a:r>
+              <a:rPr lang="ko-KR" altLang="en-US" dirty="0">
+                <a:latin typeface="나눔스퀘어 Light" panose="020B0600000101010101" pitchFamily="50" charset="-127"/>
+                <a:ea typeface="나눔스퀘어 Light" panose="020B0600000101010101" pitchFamily="50" charset="-127"/>
+              </a:rPr>
+              <a:t>한 순회를 마치면 </a:t>
+            </a:r>
+            <a:r>
+              <a:rPr lang="en-US" altLang="ko-KR" dirty="0">
+                <a:latin typeface="나눔스퀘어 Light" panose="020B0600000101010101" pitchFamily="50" charset="-127"/>
+                <a:ea typeface="나눔스퀘어 Light" panose="020B0600000101010101" pitchFamily="50" charset="-127"/>
+              </a:rPr>
+              <a:t>visited[] </a:t>
+            </a:r>
+            <a:r>
+              <a:rPr lang="ko-KR" altLang="en-US" dirty="0">
+                <a:latin typeface="나눔스퀘어 Light" panose="020B0600000101010101" pitchFamily="50" charset="-127"/>
+                <a:ea typeface="나눔스퀘어 Light" panose="020B0600000101010101" pitchFamily="50" charset="-127"/>
+              </a:rPr>
+              <a:t>의 값이 모두 </a:t>
+            </a:r>
+            <a:r>
+              <a:rPr lang="en-US" altLang="ko-KR" dirty="0">
+                <a:latin typeface="나눔스퀘어 Light" panose="020B0600000101010101" pitchFamily="50" charset="-127"/>
+                <a:ea typeface="나눔스퀘어 Light" panose="020B0600000101010101" pitchFamily="50" charset="-127"/>
+              </a:rPr>
+              <a:t>true</a:t>
+            </a:r>
+            <a:r>
+              <a:rPr lang="ko-KR" altLang="en-US" dirty="0">
+                <a:latin typeface="나눔스퀘어 Light" panose="020B0600000101010101" pitchFamily="50" charset="-127"/>
+                <a:ea typeface="나눔스퀘어 Light" panose="020B0600000101010101" pitchFamily="50" charset="-127"/>
+              </a:rPr>
+              <a:t>가 되기 때문에</a:t>
+            </a:r>
+            <a:r>
+              <a:rPr lang="en-US" altLang="ko-KR" dirty="0">
+                <a:latin typeface="나눔스퀘어 Light" panose="020B0600000101010101" pitchFamily="50" charset="-127"/>
+                <a:ea typeface="나눔스퀘어 Light" panose="020B0600000101010101" pitchFamily="50" charset="-127"/>
+              </a:rPr>
+              <a:t>,</a:t>
+            </a:r>
+            <a:endParaRPr lang="ko-KR" altLang="en-US" dirty="0">
+              <a:latin typeface="나눔스퀘어 Light" panose="020B0600000101010101" pitchFamily="50" charset="-127"/>
+              <a:ea typeface="나눔스퀘어 Light" panose="020B0600000101010101" pitchFamily="50" charset="-127"/>
+            </a:endParaRPr>
+          </a:p>
+        </p:txBody>
+      </p:sp>
+      <p:sp>
+        <p:nvSpPr>
+          <p:cNvPr id="4" name="TextBox 3">
+            <a:extLst>
+              <a:ext uri="{FF2B5EF4-FFF2-40B4-BE49-F238E27FC236}">
+                <a16:creationId xmlns:a16="http://schemas.microsoft.com/office/drawing/2014/main" id="{8D6E6EA8-1182-7851-B5EC-F6339EE6D714}"/>
+              </a:ext>
+            </a:extLst>
+          </p:cNvPr>
+          <p:cNvSpPr txBox="1"/>
+          <p:nvPr/>
+        </p:nvSpPr>
+        <p:spPr>
+          <a:xfrm>
+            <a:off x="942387" y="1928688"/>
+            <a:ext cx="10237694" cy="369332"/>
+          </a:xfrm>
+          <a:prstGeom prst="rect">
+            <a:avLst/>
+          </a:prstGeom>
+          <a:noFill/>
+        </p:spPr>
+        <p:txBody>
+          <a:bodyPr wrap="square" rtlCol="0">
+            <a:spAutoFit/>
+          </a:bodyPr>
+          <a:lstStyle/>
+          <a:p>
+            <a:r>
+              <a:rPr lang="ko-KR" altLang="en-US" dirty="0">
+                <a:latin typeface="나눔스퀘어 Light" panose="020B0600000101010101" pitchFamily="50" charset="-127"/>
+                <a:ea typeface="나눔스퀘어 Light" panose="020B0600000101010101" pitchFamily="50" charset="-127"/>
+              </a:rPr>
+              <a:t>다시 이를 </a:t>
+            </a:r>
+            <a:r>
+              <a:rPr lang="en-US" altLang="ko-KR" dirty="0">
+                <a:latin typeface="나눔스퀘어 Light" panose="020B0600000101010101" pitchFamily="50" charset="-127"/>
+                <a:ea typeface="나눔스퀘어 Light" panose="020B0600000101010101" pitchFamily="50" charset="-127"/>
+              </a:rPr>
+              <a:t>false</a:t>
+            </a:r>
+            <a:r>
+              <a:rPr lang="ko-KR" altLang="en-US" dirty="0">
+                <a:latin typeface="나눔스퀘어 Light" panose="020B0600000101010101" pitchFamily="50" charset="-127"/>
+                <a:ea typeface="나눔스퀘어 Light" panose="020B0600000101010101" pitchFamily="50" charset="-127"/>
+              </a:rPr>
+              <a:t>로 초기화 해줘야 합니다</a:t>
+            </a:r>
+            <a:r>
+              <a:rPr lang="en-US" altLang="ko-KR" dirty="0">
+                <a:latin typeface="나눔스퀘어 Light" panose="020B0600000101010101" pitchFamily="50" charset="-127"/>
+                <a:ea typeface="나눔스퀘어 Light" panose="020B0600000101010101" pitchFamily="50" charset="-127"/>
+              </a:rPr>
+              <a:t>.</a:t>
+            </a:r>
+            <a:endParaRPr lang="ko-KR" altLang="en-US" dirty="0">
+              <a:latin typeface="나눔스퀘어 Light" panose="020B0600000101010101" pitchFamily="50" charset="-127"/>
+              <a:ea typeface="나눔스퀘어 Light" panose="020B0600000101010101" pitchFamily="50" charset="-127"/>
+            </a:endParaRPr>
+          </a:p>
+        </p:txBody>
+      </p:sp>
+      <p:pic>
+        <p:nvPicPr>
+          <p:cNvPr id="10" name="그림 9">
+            <a:extLst>
+              <a:ext uri="{FF2B5EF4-FFF2-40B4-BE49-F238E27FC236}">
+                <a16:creationId xmlns:a16="http://schemas.microsoft.com/office/drawing/2014/main" id="{3F5CEDF5-518D-3E76-EEBA-D96BA2CE9675}"/>
+              </a:ext>
+            </a:extLst>
+          </p:cNvPr>
+          <p:cNvPicPr>
+            <a:picLocks noChangeAspect="1"/>
+          </p:cNvPicPr>
+          <p:nvPr/>
+        </p:nvPicPr>
+        <p:blipFill>
+          <a:blip r:embed="rId2"/>
+          <a:stretch>
+            <a:fillRect/>
+          </a:stretch>
+        </p:blipFill>
+        <p:spPr>
+          <a:xfrm>
+            <a:off x="942387" y="2667352"/>
+            <a:ext cx="4714604" cy="1697258"/>
+          </a:xfrm>
+          <a:prstGeom prst="rect">
+            <a:avLst/>
+          </a:prstGeom>
+        </p:spPr>
+      </p:pic>
+      <p:sp>
+        <p:nvSpPr>
+          <p:cNvPr id="11" name="TextBox 10">
+            <a:extLst>
+              <a:ext uri="{FF2B5EF4-FFF2-40B4-BE49-F238E27FC236}">
+                <a16:creationId xmlns:a16="http://schemas.microsoft.com/office/drawing/2014/main" id="{882415B7-4281-008A-3061-1B047314D577}"/>
+              </a:ext>
+            </a:extLst>
+          </p:cNvPr>
+          <p:cNvSpPr txBox="1"/>
+          <p:nvPr/>
+        </p:nvSpPr>
+        <p:spPr>
+          <a:xfrm>
+            <a:off x="942387" y="4733942"/>
+            <a:ext cx="10237694" cy="369332"/>
+          </a:xfrm>
+          <a:prstGeom prst="rect">
+            <a:avLst/>
+          </a:prstGeom>
+          <a:noFill/>
+        </p:spPr>
+        <p:txBody>
+          <a:bodyPr wrap="square" rtlCol="0">
+            <a:spAutoFit/>
+          </a:bodyPr>
+          <a:lstStyle/>
+          <a:p>
+            <a:r>
+              <a:rPr lang="en-US" altLang="ko-KR" dirty="0">
+                <a:latin typeface="나눔스퀘어 Light" panose="020B0600000101010101" pitchFamily="50" charset="-127"/>
+                <a:ea typeface="나눔스퀘어 Light" panose="020B0600000101010101" pitchFamily="50" charset="-127"/>
+              </a:rPr>
+              <a:t>TMI : </a:t>
+            </a:r>
+            <a:r>
+              <a:rPr lang="en-US" altLang="ko-KR" dirty="0" err="1">
+                <a:latin typeface="나눔스퀘어 Light" panose="020B0600000101010101" pitchFamily="50" charset="-127"/>
+                <a:ea typeface="나눔스퀘어 Light" panose="020B0600000101010101" pitchFamily="50" charset="-127"/>
+              </a:rPr>
+              <a:t>Arrays.fill</a:t>
+            </a:r>
+            <a:r>
+              <a:rPr lang="en-US" altLang="ko-KR" dirty="0">
+                <a:latin typeface="나눔스퀘어 Light" panose="020B0600000101010101" pitchFamily="50" charset="-127"/>
+                <a:ea typeface="나눔스퀘어 Light" panose="020B0600000101010101" pitchFamily="50" charset="-127"/>
+              </a:rPr>
+              <a:t>() </a:t>
+            </a:r>
+            <a:r>
+              <a:rPr lang="ko-KR" altLang="en-US" dirty="0">
+                <a:latin typeface="나눔스퀘어 Light" panose="020B0600000101010101" pitchFamily="50" charset="-127"/>
+                <a:ea typeface="나눔스퀘어 Light" panose="020B0600000101010101" pitchFamily="50" charset="-127"/>
+              </a:rPr>
+              <a:t>은 </a:t>
+            </a:r>
+            <a:r>
+              <a:rPr lang="en-US" altLang="ko-KR" dirty="0">
+                <a:latin typeface="나눔스퀘어 Light" panose="020B0600000101010101" pitchFamily="50" charset="-127"/>
+                <a:ea typeface="나눔스퀘어 Light" panose="020B0600000101010101" pitchFamily="50" charset="-127"/>
+              </a:rPr>
+              <a:t>Java 11 </a:t>
+            </a:r>
+            <a:r>
+              <a:rPr lang="ko-KR" altLang="en-US" dirty="0">
+                <a:latin typeface="나눔스퀘어 Light" panose="020B0600000101010101" pitchFamily="50" charset="-127"/>
+                <a:ea typeface="나눔스퀘어 Light" panose="020B0600000101010101" pitchFamily="50" charset="-127"/>
+              </a:rPr>
+              <a:t>부터 지원합니다</a:t>
+            </a:r>
+            <a:r>
+              <a:rPr lang="en-US" altLang="ko-KR" dirty="0">
+                <a:latin typeface="나눔스퀘어 Light" panose="020B0600000101010101" pitchFamily="50" charset="-127"/>
+                <a:ea typeface="나눔스퀘어 Light" panose="020B0600000101010101" pitchFamily="50" charset="-127"/>
+              </a:rPr>
+              <a:t>.</a:t>
+            </a:r>
+            <a:endParaRPr lang="ko-KR" altLang="en-US" dirty="0">
+              <a:latin typeface="나눔스퀘어 Light" panose="020B0600000101010101" pitchFamily="50" charset="-127"/>
+              <a:ea typeface="나눔스퀘어 Light" panose="020B0600000101010101" pitchFamily="50" charset="-127"/>
+            </a:endParaRPr>
           </a:p>
         </p:txBody>
       </p:sp>
     </p:spTree>
     <p:extLst>
       <p:ext uri="{BB962C8B-B14F-4D97-AF65-F5344CB8AC3E}">
-        <p14:creationId xmlns:p14="http://schemas.microsoft.com/office/powerpoint/2010/main" val="3545443279"/>
+        <p14:creationId xmlns:p14="http://schemas.microsoft.com/office/powerpoint/2010/main" val="1576452445"/>
       </p:ext>
     </p:extLst>
   </p:cSld>
@@ -20681,10 +21357,10 @@
       </p:cxnSp>
       <p:sp>
         <p:nvSpPr>
-          <p:cNvPr id="6" name="TextBox 5">
-            <a:extLst>
-              <a:ext uri="{FF2B5EF4-FFF2-40B4-BE49-F238E27FC236}">
-                <a16:creationId xmlns:a16="http://schemas.microsoft.com/office/drawing/2014/main" id="{908ED9B9-09D3-CFA8-625A-6F9BB9B6BD23}"/>
+          <p:cNvPr id="3" name="TextBox 2">
+            <a:extLst>
+              <a:ext uri="{FF2B5EF4-FFF2-40B4-BE49-F238E27FC236}">
+                <a16:creationId xmlns:a16="http://schemas.microsoft.com/office/drawing/2014/main" id="{B3B954B2-DB7F-EEC1-438C-CB91D3B18AE1}"/>
               </a:ext>
             </a:extLst>
           </p:cNvPr>
@@ -20694,7 +21370,7 @@
         <p:spPr>
           <a:xfrm>
             <a:off x="331694" y="177505"/>
-            <a:ext cx="2006190" cy="523220"/>
+            <a:ext cx="3809248" cy="523220"/>
           </a:xfrm>
           <a:prstGeom prst="rect">
             <a:avLst/>
@@ -20712,21 +21388,128 @@
                 <a:latin typeface="나눔스퀘어 Bold" panose="020B0600000101010101" pitchFamily="50" charset="-127"/>
                 <a:ea typeface="나눔스퀘어 Bold" panose="020B0600000101010101" pitchFamily="50" charset="-127"/>
               </a:rPr>
-              <a:t>Homework</a:t>
-            </a:r>
-            <a:endParaRPr lang="ko-KR" altLang="en-US" sz="2800" dirty="0">
-              <a:latin typeface="나눔스퀘어 Bold" panose="020B0600000101010101" pitchFamily="50" charset="-127"/>
-              <a:ea typeface="나눔스퀘어 Bold" panose="020B0600000101010101" pitchFamily="50" charset="-127"/>
-            </a:endParaRPr>
-          </a:p>
-        </p:txBody>
-      </p:sp>
-      <p:sp>
-        <p:nvSpPr>
-          <p:cNvPr id="7" name="TextBox 6">
-            <a:extLst>
-              <a:ext uri="{FF2B5EF4-FFF2-40B4-BE49-F238E27FC236}">
-                <a16:creationId xmlns:a16="http://schemas.microsoft.com/office/drawing/2014/main" id="{DD092523-43DA-0A5F-0C04-8239F4BF07FC}"/>
+              <a:t>Graph – 2606 </a:t>
+            </a:r>
+            <a:r>
+              <a:rPr lang="ko-KR" altLang="en-US" sz="2800" dirty="0">
+                <a:latin typeface="나눔스퀘어 Bold" panose="020B0600000101010101" pitchFamily="50" charset="-127"/>
+                <a:ea typeface="나눔스퀘어 Bold" panose="020B0600000101010101" pitchFamily="50" charset="-127"/>
+              </a:rPr>
+              <a:t>바이러스</a:t>
+            </a:r>
+          </a:p>
+        </p:txBody>
+      </p:sp>
+      <p:pic>
+        <p:nvPicPr>
+          <p:cNvPr id="7" name="그림 6">
+            <a:extLst>
+              <a:ext uri="{FF2B5EF4-FFF2-40B4-BE49-F238E27FC236}">
+                <a16:creationId xmlns:a16="http://schemas.microsoft.com/office/drawing/2014/main" id="{0200E58E-AE40-8E5B-9A13-0D4395C455A4}"/>
+              </a:ext>
+            </a:extLst>
+          </p:cNvPr>
+          <p:cNvPicPr>
+            <a:picLocks noChangeAspect="1"/>
+          </p:cNvPicPr>
+          <p:nvPr/>
+        </p:nvPicPr>
+        <p:blipFill>
+          <a:blip r:embed="rId2"/>
+          <a:stretch>
+            <a:fillRect/>
+          </a:stretch>
+        </p:blipFill>
+        <p:spPr>
+          <a:xfrm>
+            <a:off x="331694" y="1074286"/>
+            <a:ext cx="10821910" cy="4401164"/>
+          </a:xfrm>
+          <a:prstGeom prst="rect">
+            <a:avLst/>
+          </a:prstGeom>
+        </p:spPr>
+      </p:pic>
+    </p:spTree>
+    <p:extLst>
+      <p:ext uri="{BB962C8B-B14F-4D97-AF65-F5344CB8AC3E}">
+        <p14:creationId xmlns:p14="http://schemas.microsoft.com/office/powerpoint/2010/main" val="2401598668"/>
+      </p:ext>
+    </p:extLst>
+  </p:cSld>
+  <p:clrMapOvr>
+    <a:masterClrMapping/>
+  </p:clrMapOvr>
+</p:sld>
+</file>
+
+<file path=ppt/slides/slide39.xml><?xml version="1.0" encoding="utf-8"?>
+<p:sld xmlns:a="http://schemas.openxmlformats.org/drawingml/2006/main" xmlns:r="http://schemas.openxmlformats.org/officeDocument/2006/relationships" xmlns:p="http://schemas.openxmlformats.org/presentationml/2006/main">
+  <p:cSld>
+    <p:spTree>
+      <p:nvGrpSpPr>
+        <p:cNvPr id="1" name=""/>
+        <p:cNvGrpSpPr/>
+        <p:nvPr/>
+      </p:nvGrpSpPr>
+      <p:grpSpPr>
+        <a:xfrm>
+          <a:off x="0" y="0"/>
+          <a:ext cx="0" cy="0"/>
+          <a:chOff x="0" y="0"/>
+          <a:chExt cx="0" cy="0"/>
+        </a:xfrm>
+      </p:grpSpPr>
+      <p:cxnSp>
+        <p:nvCxnSpPr>
+          <p:cNvPr id="5" name="직선 연결선 4">
+            <a:extLst>
+              <a:ext uri="{FF2B5EF4-FFF2-40B4-BE49-F238E27FC236}">
+                <a16:creationId xmlns:a16="http://schemas.microsoft.com/office/drawing/2014/main" id="{164C2827-EFCE-69A4-D037-1A218415F568}"/>
+              </a:ext>
+            </a:extLst>
+          </p:cNvPr>
+          <p:cNvCxnSpPr/>
+          <p:nvPr/>
+        </p:nvCxnSpPr>
+        <p:spPr>
+          <a:xfrm>
+            <a:off x="0" y="887505"/>
+            <a:ext cx="10237694" cy="0"/>
+          </a:xfrm>
+          <a:prstGeom prst="line">
+            <a:avLst/>
+          </a:prstGeom>
+          <a:ln w="76200">
+            <a:solidFill>
+              <a:schemeClr val="tx1">
+                <a:lumMod val="75000"/>
+                <a:lumOff val="25000"/>
+              </a:schemeClr>
+            </a:solidFill>
+          </a:ln>
+        </p:spPr>
+        <p:style>
+          <a:lnRef idx="1">
+            <a:schemeClr val="accent1"/>
+          </a:lnRef>
+          <a:fillRef idx="0">
+            <a:schemeClr val="accent1"/>
+          </a:fillRef>
+          <a:effectRef idx="0">
+            <a:schemeClr val="accent1"/>
+          </a:effectRef>
+          <a:fontRef idx="minor">
+            <a:schemeClr val="tx1"/>
+          </a:fontRef>
+        </p:style>
+      </p:cxnSp>
+      <p:sp>
+        <p:nvSpPr>
+          <p:cNvPr id="3" name="TextBox 2">
+            <a:extLst>
+              <a:ext uri="{FF2B5EF4-FFF2-40B4-BE49-F238E27FC236}">
+                <a16:creationId xmlns:a16="http://schemas.microsoft.com/office/drawing/2014/main" id="{55A2659C-619F-80B4-6BDF-B649C7E7DBE9}"/>
               </a:ext>
             </a:extLst>
           </p:cNvPr>
@@ -20735,8 +21518,8 @@
         </p:nvSpPr>
         <p:spPr>
           <a:xfrm>
-            <a:off x="942387" y="1661364"/>
-            <a:ext cx="8553305" cy="369332"/>
+            <a:off x="942387" y="1190024"/>
+            <a:ext cx="10237694" cy="369332"/>
           </a:xfrm>
           <a:prstGeom prst="rect">
             <a:avLst/>
@@ -20750,28 +21533,46 @@
           <a:lstStyle/>
           <a:p>
             <a:r>
+              <a:rPr lang="ko-KR" altLang="en-US" dirty="0">
+                <a:latin typeface="나눔스퀘어 Light" panose="020B0600000101010101" pitchFamily="50" charset="-127"/>
+                <a:ea typeface="나눔스퀘어 Light" panose="020B0600000101010101" pitchFamily="50" charset="-127"/>
+              </a:rPr>
+              <a:t>앞의 문제와 별 다를 바가 없지만</a:t>
+            </a:r>
+            <a:r>
               <a:rPr lang="en-US" altLang="ko-KR" dirty="0">
                 <a:latin typeface="나눔스퀘어 Light" panose="020B0600000101010101" pitchFamily="50" charset="-127"/>
                 <a:ea typeface="나눔스퀘어 Light" panose="020B0600000101010101" pitchFamily="50" charset="-127"/>
               </a:rPr>
-              <a:t>1. 18126 </a:t>
+              <a:t>, </a:t>
             </a:r>
             <a:r>
               <a:rPr lang="ko-KR" altLang="en-US" dirty="0">
                 <a:latin typeface="나눔스퀘어 Light" panose="020B0600000101010101" pitchFamily="50" charset="-127"/>
                 <a:ea typeface="나눔스퀘어 Light" panose="020B0600000101010101" pitchFamily="50" charset="-127"/>
               </a:rPr>
-              <a:t>너구리 구구</a:t>
-            </a:r>
-          </a:p>
-        </p:txBody>
-      </p:sp>
-      <p:sp>
-        <p:nvSpPr>
-          <p:cNvPr id="8" name="TextBox 7">
-            <a:extLst>
-              <a:ext uri="{FF2B5EF4-FFF2-40B4-BE49-F238E27FC236}">
-                <a16:creationId xmlns:a16="http://schemas.microsoft.com/office/drawing/2014/main" id="{80045CCB-6E92-45F3-05E2-D9718BBAEE86}"/>
+              <a:t>연결 그래프가 아닙니다</a:t>
+            </a:r>
+            <a:r>
+              <a:rPr lang="en-US" altLang="ko-KR" dirty="0">
+                <a:latin typeface="나눔스퀘어 Light" panose="020B0600000101010101" pitchFamily="50" charset="-127"/>
+                <a:ea typeface="나눔스퀘어 Light" panose="020B0600000101010101" pitchFamily="50" charset="-127"/>
+              </a:rPr>
+              <a:t>.</a:t>
+            </a:r>
+            <a:endParaRPr lang="ko-KR" altLang="en-US" dirty="0">
+              <a:latin typeface="나눔스퀘어 Light" panose="020B0600000101010101" pitchFamily="50" charset="-127"/>
+              <a:ea typeface="나눔스퀘어 Light" panose="020B0600000101010101" pitchFamily="50" charset="-127"/>
+            </a:endParaRPr>
+          </a:p>
+        </p:txBody>
+      </p:sp>
+      <p:sp>
+        <p:nvSpPr>
+          <p:cNvPr id="4" name="TextBox 3">
+            <a:extLst>
+              <a:ext uri="{FF2B5EF4-FFF2-40B4-BE49-F238E27FC236}">
+                <a16:creationId xmlns:a16="http://schemas.microsoft.com/office/drawing/2014/main" id="{5309C74F-4AB5-553D-92E5-3E70398F8530}"/>
               </a:ext>
             </a:extLst>
           </p:cNvPr>
@@ -20780,8 +21581,53 @@
         </p:nvSpPr>
         <p:spPr>
           <a:xfrm>
-            <a:off x="942387" y="2030696"/>
-            <a:ext cx="8553305" cy="369332"/>
+            <a:off x="331694" y="177505"/>
+            <a:ext cx="3809248" cy="523220"/>
+          </a:xfrm>
+          <a:prstGeom prst="rect">
+            <a:avLst/>
+          </a:prstGeom>
+          <a:noFill/>
+        </p:spPr>
+        <p:txBody>
+          <a:bodyPr wrap="none" rtlCol="0">
+            <a:spAutoFit/>
+          </a:bodyPr>
+          <a:lstStyle/>
+          <a:p>
+            <a:r>
+              <a:rPr lang="en-US" altLang="ko-KR" sz="2800" dirty="0">
+                <a:latin typeface="나눔스퀘어 Bold" panose="020B0600000101010101" pitchFamily="50" charset="-127"/>
+                <a:ea typeface="나눔스퀘어 Bold" panose="020B0600000101010101" pitchFamily="50" charset="-127"/>
+              </a:rPr>
+              <a:t>Graph – 2606 </a:t>
+            </a:r>
+            <a:r>
+              <a:rPr lang="ko-KR" altLang="en-US" sz="2800" dirty="0">
+                <a:latin typeface="나눔스퀘어 Bold" panose="020B0600000101010101" pitchFamily="50" charset="-127"/>
+                <a:ea typeface="나눔스퀘어 Bold" panose="020B0600000101010101" pitchFamily="50" charset="-127"/>
+              </a:rPr>
+              <a:t>바이러스</a:t>
+            </a:r>
+          </a:p>
+        </p:txBody>
+      </p:sp>
+      <p:sp>
+        <p:nvSpPr>
+          <p:cNvPr id="2" name="TextBox 1">
+            <a:extLst>
+              <a:ext uri="{FF2B5EF4-FFF2-40B4-BE49-F238E27FC236}">
+                <a16:creationId xmlns:a16="http://schemas.microsoft.com/office/drawing/2014/main" id="{3B61043B-7AD8-79BC-DA87-2A74B5E45C20}"/>
+              </a:ext>
+            </a:extLst>
+          </p:cNvPr>
+          <p:cNvSpPr txBox="1"/>
+          <p:nvPr/>
+        </p:nvSpPr>
+        <p:spPr>
+          <a:xfrm>
+            <a:off x="942387" y="1559356"/>
+            <a:ext cx="10237694" cy="369332"/>
           </a:xfrm>
           <a:prstGeom prst="rect">
             <a:avLst/>
@@ -20795,148 +21641,44 @@
           <a:lstStyle/>
           <a:p>
             <a:r>
+              <a:rPr lang="ko-KR" altLang="en-US" dirty="0">
+                <a:latin typeface="나눔스퀘어 Light" panose="020B0600000101010101" pitchFamily="50" charset="-127"/>
+                <a:ea typeface="나눔스퀘어 Light" panose="020B0600000101010101" pitchFamily="50" charset="-127"/>
+              </a:rPr>
+              <a:t>그래프를 구성하고 </a:t>
+            </a:r>
+            <a:r>
               <a:rPr lang="en-US" altLang="ko-KR" dirty="0">
                 <a:latin typeface="나눔스퀘어 Light" panose="020B0600000101010101" pitchFamily="50" charset="-127"/>
                 <a:ea typeface="나눔스퀘어 Light" panose="020B0600000101010101" pitchFamily="50" charset="-127"/>
               </a:rPr>
-              <a:t>2. 1697 </a:t>
+              <a:t>1</a:t>
             </a:r>
             <a:r>
               <a:rPr lang="ko-KR" altLang="en-US" dirty="0">
                 <a:latin typeface="나눔스퀘어 Light" panose="020B0600000101010101" pitchFamily="50" charset="-127"/>
                 <a:ea typeface="나눔스퀘어 Light" panose="020B0600000101010101" pitchFamily="50" charset="-127"/>
               </a:rPr>
-              <a:t>숨바꼭질</a:t>
-            </a:r>
-          </a:p>
-        </p:txBody>
-      </p:sp>
-      <p:sp>
-        <p:nvSpPr>
-          <p:cNvPr id="9" name="TextBox 8">
-            <a:extLst>
-              <a:ext uri="{FF2B5EF4-FFF2-40B4-BE49-F238E27FC236}">
-                <a16:creationId xmlns:a16="http://schemas.microsoft.com/office/drawing/2014/main" id="{F3F091EF-3E70-16E8-983D-D9C14C2EAD61}"/>
-              </a:ext>
-            </a:extLst>
-          </p:cNvPr>
-          <p:cNvSpPr txBox="1"/>
-          <p:nvPr/>
-        </p:nvSpPr>
-        <p:spPr>
-          <a:xfrm>
-            <a:off x="942387" y="1190024"/>
-            <a:ext cx="8553305" cy="369332"/>
-          </a:xfrm>
-          <a:prstGeom prst="rect">
-            <a:avLst/>
-          </a:prstGeom>
-          <a:noFill/>
-        </p:spPr>
-        <p:txBody>
-          <a:bodyPr wrap="square" rtlCol="0">
-            <a:spAutoFit/>
-          </a:bodyPr>
-          <a:lstStyle/>
-          <a:p>
-            <a:r>
-              <a:rPr lang="ko-KR" altLang="en-US" dirty="0">
-                <a:latin typeface="나눔스퀘어 Bold" panose="020B0600000101010101" pitchFamily="50" charset="-127"/>
-                <a:ea typeface="나눔스퀘어 Bold" panose="020B0600000101010101" pitchFamily="50" charset="-127"/>
-              </a:rPr>
-              <a:t>아래 문제들에 대해 스스로 생각하고 풀어보세요</a:t>
-            </a:r>
-            <a:r>
-              <a:rPr lang="en-US" altLang="ko-KR" dirty="0">
-                <a:latin typeface="나눔스퀘어 Bold" panose="020B0600000101010101" pitchFamily="50" charset="-127"/>
-                <a:ea typeface="나눔스퀘어 Bold" panose="020B0600000101010101" pitchFamily="50" charset="-127"/>
+              <a:t>번 정점에서 순회를 시작해 몇 개의 다른 정점들을 방문하는지 세면 됩니다</a:t>
+            </a:r>
+            <a:r>
+              <a:rPr lang="en-US" altLang="ko-KR">
+                <a:latin typeface="나눔스퀘어 Light" panose="020B0600000101010101" pitchFamily="50" charset="-127"/>
+                <a:ea typeface="나눔스퀘어 Light" panose="020B0600000101010101" pitchFamily="50" charset="-127"/>
               </a:rPr>
               <a:t>.</a:t>
             </a:r>
-            <a:r>
-              <a:rPr lang="ko-KR" altLang="en-US" dirty="0">
-                <a:latin typeface="나눔스퀘어 Bold" panose="020B0600000101010101" pitchFamily="50" charset="-127"/>
-                <a:ea typeface="나눔스퀘어 Bold" panose="020B0600000101010101" pitchFamily="50" charset="-127"/>
-              </a:rPr>
-              <a:t> </a:t>
-            </a:r>
-            <a:r>
-              <a:rPr lang="en-US" altLang="ko-KR" dirty="0">
-                <a:latin typeface="나눔스퀘어 Bold" panose="020B0600000101010101" pitchFamily="50" charset="-127"/>
-                <a:ea typeface="나눔스퀘어 Bold" panose="020B0600000101010101" pitchFamily="50" charset="-127"/>
-              </a:rPr>
-              <a:t>(</a:t>
-            </a:r>
-            <a:r>
-              <a:rPr lang="ko-KR" altLang="en-US" dirty="0">
-                <a:latin typeface="나눔스퀘어 Bold" panose="020B0600000101010101" pitchFamily="50" charset="-127"/>
-                <a:ea typeface="나눔스퀘어 Bold" panose="020B0600000101010101" pitchFamily="50" charset="-127"/>
-              </a:rPr>
-              <a:t>해설은 따로 진행하진 않겠습니다</a:t>
-            </a:r>
-            <a:r>
-              <a:rPr lang="en-US" altLang="ko-KR" dirty="0">
-                <a:latin typeface="나눔스퀘어 Bold" panose="020B0600000101010101" pitchFamily="50" charset="-127"/>
-                <a:ea typeface="나눔스퀘어 Bold" panose="020B0600000101010101" pitchFamily="50" charset="-127"/>
-              </a:rPr>
-              <a:t>.)</a:t>
-            </a:r>
             <a:endParaRPr lang="ko-KR" altLang="en-US" dirty="0">
-              <a:latin typeface="나눔스퀘어 Bold" panose="020B0600000101010101" pitchFamily="50" charset="-127"/>
-              <a:ea typeface="나눔스퀘어 Bold" panose="020B0600000101010101" pitchFamily="50" charset="-127"/>
+              <a:latin typeface="나눔스퀘어 Light" panose="020B0600000101010101" pitchFamily="50" charset="-127"/>
+              <a:ea typeface="나눔스퀘어 Light" panose="020B0600000101010101" pitchFamily="50" charset="-127"/>
             </a:endParaRPr>
-          </a:p>
-        </p:txBody>
-      </p:sp>
-      <p:sp>
-        <p:nvSpPr>
-          <p:cNvPr id="2" name="TextBox 1">
-            <a:extLst>
-              <a:ext uri="{FF2B5EF4-FFF2-40B4-BE49-F238E27FC236}">
-                <a16:creationId xmlns:a16="http://schemas.microsoft.com/office/drawing/2014/main" id="{807C3CD1-8E1B-427F-230D-9C7C2837C1F2}"/>
-              </a:ext>
-            </a:extLst>
-          </p:cNvPr>
-          <p:cNvSpPr txBox="1"/>
-          <p:nvPr/>
-        </p:nvSpPr>
-        <p:spPr>
-          <a:xfrm>
-            <a:off x="942387" y="2400024"/>
-            <a:ext cx="8553305" cy="369332"/>
-          </a:xfrm>
-          <a:prstGeom prst="rect">
-            <a:avLst/>
-          </a:prstGeom>
-          <a:noFill/>
-        </p:spPr>
-        <p:txBody>
-          <a:bodyPr wrap="square" rtlCol="0">
-            <a:spAutoFit/>
-          </a:bodyPr>
-          <a:lstStyle/>
-          <a:p>
-            <a:r>
-              <a:rPr lang="en-US" altLang="ko-KR" dirty="0">
-                <a:latin typeface="나눔스퀘어 Light" panose="020B0600000101010101" pitchFamily="50" charset="-127"/>
-                <a:ea typeface="나눔스퀘어 Light" panose="020B0600000101010101" pitchFamily="50" charset="-127"/>
-              </a:rPr>
-              <a:t>3. 11724 </a:t>
-            </a:r>
-            <a:r>
-              <a:rPr lang="ko-KR" altLang="en-US" dirty="0">
-                <a:latin typeface="나눔스퀘어 Light" panose="020B0600000101010101" pitchFamily="50" charset="-127"/>
-                <a:ea typeface="나눔스퀘어 Light" panose="020B0600000101010101" pitchFamily="50" charset="-127"/>
-              </a:rPr>
-              <a:t>연결 요소의 개수</a:t>
-            </a:r>
           </a:p>
         </p:txBody>
       </p:sp>
     </p:spTree>
     <p:extLst>
       <p:ext uri="{BB962C8B-B14F-4D97-AF65-F5344CB8AC3E}">
-        <p14:creationId xmlns:p14="http://schemas.microsoft.com/office/powerpoint/2010/main" val="732558497"/>
+        <p14:creationId xmlns:p14="http://schemas.microsoft.com/office/powerpoint/2010/main" val="168362199"/>
       </p:ext>
     </p:extLst>
   </p:cSld>
@@ -21222,6 +21964,782 @@
     <p:extLst>
       <p:ext uri="{BB962C8B-B14F-4D97-AF65-F5344CB8AC3E}">
         <p14:creationId xmlns:p14="http://schemas.microsoft.com/office/powerpoint/2010/main" val="3157571199"/>
+      </p:ext>
+    </p:extLst>
+  </p:cSld>
+  <p:clrMapOvr>
+    <a:masterClrMapping/>
+  </p:clrMapOvr>
+</p:sld>
+</file>
+
+<file path=ppt/slides/slide40.xml><?xml version="1.0" encoding="utf-8"?>
+<p:sld xmlns:a="http://schemas.openxmlformats.org/drawingml/2006/main" xmlns:r="http://schemas.openxmlformats.org/officeDocument/2006/relationships" xmlns:p="http://schemas.openxmlformats.org/presentationml/2006/main">
+  <p:cSld>
+    <p:spTree>
+      <p:nvGrpSpPr>
+        <p:cNvPr id="1" name=""/>
+        <p:cNvGrpSpPr/>
+        <p:nvPr/>
+      </p:nvGrpSpPr>
+      <p:grpSpPr>
+        <a:xfrm>
+          <a:off x="0" y="0"/>
+          <a:ext cx="0" cy="0"/>
+          <a:chOff x="0" y="0"/>
+          <a:chExt cx="0" cy="0"/>
+        </a:xfrm>
+      </p:grpSpPr>
+      <p:cxnSp>
+        <p:nvCxnSpPr>
+          <p:cNvPr id="5" name="직선 연결선 4">
+            <a:extLst>
+              <a:ext uri="{FF2B5EF4-FFF2-40B4-BE49-F238E27FC236}">
+                <a16:creationId xmlns:a16="http://schemas.microsoft.com/office/drawing/2014/main" id="{164C2827-EFCE-69A4-D037-1A218415F568}"/>
+              </a:ext>
+            </a:extLst>
+          </p:cNvPr>
+          <p:cNvCxnSpPr/>
+          <p:nvPr/>
+        </p:nvCxnSpPr>
+        <p:spPr>
+          <a:xfrm>
+            <a:off x="0" y="887505"/>
+            <a:ext cx="10237694" cy="0"/>
+          </a:xfrm>
+          <a:prstGeom prst="line">
+            <a:avLst/>
+          </a:prstGeom>
+          <a:ln w="76200">
+            <a:solidFill>
+              <a:schemeClr val="tx1">
+                <a:lumMod val="75000"/>
+                <a:lumOff val="25000"/>
+              </a:schemeClr>
+            </a:solidFill>
+          </a:ln>
+        </p:spPr>
+        <p:style>
+          <a:lnRef idx="1">
+            <a:schemeClr val="accent1"/>
+          </a:lnRef>
+          <a:fillRef idx="0">
+            <a:schemeClr val="accent1"/>
+          </a:fillRef>
+          <a:effectRef idx="0">
+            <a:schemeClr val="accent1"/>
+          </a:effectRef>
+          <a:fontRef idx="minor">
+            <a:schemeClr val="tx1"/>
+          </a:fontRef>
+        </p:style>
+      </p:cxnSp>
+      <p:sp>
+        <p:nvSpPr>
+          <p:cNvPr id="3" name="TextBox 2">
+            <a:extLst>
+              <a:ext uri="{FF2B5EF4-FFF2-40B4-BE49-F238E27FC236}">
+                <a16:creationId xmlns:a16="http://schemas.microsoft.com/office/drawing/2014/main" id="{B3B954B2-DB7F-EEC1-438C-CB91D3B18AE1}"/>
+              </a:ext>
+            </a:extLst>
+          </p:cNvPr>
+          <p:cNvSpPr txBox="1"/>
+          <p:nvPr/>
+        </p:nvSpPr>
+        <p:spPr>
+          <a:xfrm>
+            <a:off x="331694" y="177505"/>
+            <a:ext cx="3899016" cy="523220"/>
+          </a:xfrm>
+          <a:prstGeom prst="rect">
+            <a:avLst/>
+          </a:prstGeom>
+          <a:noFill/>
+        </p:spPr>
+        <p:txBody>
+          <a:bodyPr wrap="none" rtlCol="0">
+            <a:spAutoFit/>
+          </a:bodyPr>
+          <a:lstStyle/>
+          <a:p>
+            <a:r>
+              <a:rPr lang="en-US" altLang="ko-KR" sz="2800" dirty="0">
+                <a:latin typeface="나눔스퀘어 Bold" panose="020B0600000101010101" pitchFamily="50" charset="-127"/>
+                <a:ea typeface="나눔스퀘어 Bold" panose="020B0600000101010101" pitchFamily="50" charset="-127"/>
+              </a:rPr>
+              <a:t>Graph – 2178 </a:t>
+            </a:r>
+            <a:r>
+              <a:rPr lang="ko-KR" altLang="en-US" sz="2800" dirty="0">
+                <a:latin typeface="나눔스퀘어 Bold" panose="020B0600000101010101" pitchFamily="50" charset="-127"/>
+                <a:ea typeface="나눔스퀘어 Bold" panose="020B0600000101010101" pitchFamily="50" charset="-127"/>
+              </a:rPr>
+              <a:t>미로 탐색</a:t>
+            </a:r>
+          </a:p>
+        </p:txBody>
+      </p:sp>
+      <p:pic>
+        <p:nvPicPr>
+          <p:cNvPr id="4" name="그림 3">
+            <a:extLst>
+              <a:ext uri="{FF2B5EF4-FFF2-40B4-BE49-F238E27FC236}">
+                <a16:creationId xmlns:a16="http://schemas.microsoft.com/office/drawing/2014/main" id="{FA5DC14F-3B58-7DCB-0529-B6DF343008B1}"/>
+              </a:ext>
+            </a:extLst>
+          </p:cNvPr>
+          <p:cNvPicPr>
+            <a:picLocks noChangeAspect="1"/>
+          </p:cNvPicPr>
+          <p:nvPr/>
+        </p:nvPicPr>
+        <p:blipFill>
+          <a:blip r:embed="rId2"/>
+          <a:stretch>
+            <a:fillRect/>
+          </a:stretch>
+        </p:blipFill>
+        <p:spPr>
+          <a:xfrm>
+            <a:off x="331694" y="1000161"/>
+            <a:ext cx="10783805" cy="3620005"/>
+          </a:xfrm>
+          <a:prstGeom prst="rect">
+            <a:avLst/>
+          </a:prstGeom>
+        </p:spPr>
+      </p:pic>
+      <p:pic>
+        <p:nvPicPr>
+          <p:cNvPr id="8" name="그림 7">
+            <a:extLst>
+              <a:ext uri="{FF2B5EF4-FFF2-40B4-BE49-F238E27FC236}">
+                <a16:creationId xmlns:a16="http://schemas.microsoft.com/office/drawing/2014/main" id="{D27D39DC-B2B5-9D08-1123-33207352EC90}"/>
+              </a:ext>
+            </a:extLst>
+          </p:cNvPr>
+          <p:cNvPicPr>
+            <a:picLocks noChangeAspect="1"/>
+          </p:cNvPicPr>
+          <p:nvPr/>
+        </p:nvPicPr>
+        <p:blipFill>
+          <a:blip r:embed="rId3"/>
+          <a:stretch>
+            <a:fillRect/>
+          </a:stretch>
+        </p:blipFill>
+        <p:spPr>
+          <a:xfrm>
+            <a:off x="331694" y="4725894"/>
+            <a:ext cx="1381318" cy="1952898"/>
+          </a:xfrm>
+          <a:prstGeom prst="rect">
+            <a:avLst/>
+          </a:prstGeom>
+        </p:spPr>
+      </p:pic>
+      <p:pic>
+        <p:nvPicPr>
+          <p:cNvPr id="10" name="그림 9">
+            <a:extLst>
+              <a:ext uri="{FF2B5EF4-FFF2-40B4-BE49-F238E27FC236}">
+                <a16:creationId xmlns:a16="http://schemas.microsoft.com/office/drawing/2014/main" id="{3DD36C43-90AD-AFEE-539A-343B818B647A}"/>
+              </a:ext>
+            </a:extLst>
+          </p:cNvPr>
+          <p:cNvPicPr>
+            <a:picLocks noChangeAspect="1"/>
+          </p:cNvPicPr>
+          <p:nvPr/>
+        </p:nvPicPr>
+        <p:blipFill>
+          <a:blip r:embed="rId4"/>
+          <a:stretch>
+            <a:fillRect/>
+          </a:stretch>
+        </p:blipFill>
+        <p:spPr>
+          <a:xfrm>
+            <a:off x="1789450" y="4730077"/>
+            <a:ext cx="1371791" cy="990738"/>
+          </a:xfrm>
+          <a:prstGeom prst="rect">
+            <a:avLst/>
+          </a:prstGeom>
+        </p:spPr>
+      </p:pic>
+      <p:pic>
+        <p:nvPicPr>
+          <p:cNvPr id="12" name="그림 11">
+            <a:extLst>
+              <a:ext uri="{FF2B5EF4-FFF2-40B4-BE49-F238E27FC236}">
+                <a16:creationId xmlns:a16="http://schemas.microsoft.com/office/drawing/2014/main" id="{2104BF6A-48BA-5686-10A0-8CBBBB3C5CEE}"/>
+              </a:ext>
+            </a:extLst>
+          </p:cNvPr>
+          <p:cNvPicPr>
+            <a:picLocks noChangeAspect="1"/>
+          </p:cNvPicPr>
+          <p:nvPr/>
+        </p:nvPicPr>
+        <p:blipFill>
+          <a:blip r:embed="rId5"/>
+          <a:stretch>
+            <a:fillRect/>
+          </a:stretch>
+        </p:blipFill>
+        <p:spPr>
+          <a:xfrm>
+            <a:off x="3544814" y="4736001"/>
+            <a:ext cx="1371791" cy="1895740"/>
+          </a:xfrm>
+          <a:prstGeom prst="rect">
+            <a:avLst/>
+          </a:prstGeom>
+        </p:spPr>
+      </p:pic>
+      <p:pic>
+        <p:nvPicPr>
+          <p:cNvPr id="14" name="그림 13">
+            <a:extLst>
+              <a:ext uri="{FF2B5EF4-FFF2-40B4-BE49-F238E27FC236}">
+                <a16:creationId xmlns:a16="http://schemas.microsoft.com/office/drawing/2014/main" id="{EED78C7D-9A0E-591C-7A5D-F34A83B545ED}"/>
+              </a:ext>
+            </a:extLst>
+          </p:cNvPr>
+          <p:cNvPicPr>
+            <a:picLocks noChangeAspect="1"/>
+          </p:cNvPicPr>
+          <p:nvPr/>
+        </p:nvPicPr>
+        <p:blipFill>
+          <a:blip r:embed="rId6"/>
+          <a:stretch>
+            <a:fillRect/>
+          </a:stretch>
+        </p:blipFill>
+        <p:spPr>
+          <a:xfrm>
+            <a:off x="4993043" y="4732821"/>
+            <a:ext cx="1352739" cy="971686"/>
+          </a:xfrm>
+          <a:prstGeom prst="rect">
+            <a:avLst/>
+          </a:prstGeom>
+        </p:spPr>
+      </p:pic>
+      <p:pic>
+        <p:nvPicPr>
+          <p:cNvPr id="16" name="그림 15">
+            <a:extLst>
+              <a:ext uri="{FF2B5EF4-FFF2-40B4-BE49-F238E27FC236}">
+                <a16:creationId xmlns:a16="http://schemas.microsoft.com/office/drawing/2014/main" id="{4D745FE7-27E1-F4AE-1580-31870CEE187B}"/>
+              </a:ext>
+            </a:extLst>
+          </p:cNvPr>
+          <p:cNvPicPr>
+            <a:picLocks noChangeAspect="1"/>
+          </p:cNvPicPr>
+          <p:nvPr/>
+        </p:nvPicPr>
+        <p:blipFill>
+          <a:blip r:embed="rId7"/>
+          <a:stretch>
+            <a:fillRect/>
+          </a:stretch>
+        </p:blipFill>
+        <p:spPr>
+          <a:xfrm>
+            <a:off x="6748407" y="4725894"/>
+            <a:ext cx="2705478" cy="1428949"/>
+          </a:xfrm>
+          <a:prstGeom prst="rect">
+            <a:avLst/>
+          </a:prstGeom>
+        </p:spPr>
+      </p:pic>
+      <p:pic>
+        <p:nvPicPr>
+          <p:cNvPr id="18" name="그림 17">
+            <a:extLst>
+              <a:ext uri="{FF2B5EF4-FFF2-40B4-BE49-F238E27FC236}">
+                <a16:creationId xmlns:a16="http://schemas.microsoft.com/office/drawing/2014/main" id="{92345696-89A4-046E-7D27-1773D5DFCBB5}"/>
+              </a:ext>
+            </a:extLst>
+          </p:cNvPr>
+          <p:cNvPicPr>
+            <a:picLocks noChangeAspect="1"/>
+          </p:cNvPicPr>
+          <p:nvPr/>
+        </p:nvPicPr>
+        <p:blipFill>
+          <a:blip r:embed="rId8"/>
+          <a:stretch>
+            <a:fillRect/>
+          </a:stretch>
+        </p:blipFill>
+        <p:spPr>
+          <a:xfrm>
+            <a:off x="9561324" y="4725894"/>
+            <a:ext cx="1352739" cy="933580"/>
+          </a:xfrm>
+          <a:prstGeom prst="rect">
+            <a:avLst/>
+          </a:prstGeom>
+        </p:spPr>
+      </p:pic>
+    </p:spTree>
+    <p:extLst>
+      <p:ext uri="{BB962C8B-B14F-4D97-AF65-F5344CB8AC3E}">
+        <p14:creationId xmlns:p14="http://schemas.microsoft.com/office/powerpoint/2010/main" val="3118018328"/>
+      </p:ext>
+    </p:extLst>
+  </p:cSld>
+  <p:clrMapOvr>
+    <a:masterClrMapping/>
+  </p:clrMapOvr>
+</p:sld>
+</file>
+
+<file path=ppt/slides/slide41.xml><?xml version="1.0" encoding="utf-8"?>
+<p:sld xmlns:a="http://schemas.openxmlformats.org/drawingml/2006/main" xmlns:r="http://schemas.openxmlformats.org/officeDocument/2006/relationships" xmlns:p="http://schemas.openxmlformats.org/presentationml/2006/main">
+  <p:cSld>
+    <p:spTree>
+      <p:nvGrpSpPr>
+        <p:cNvPr id="1" name=""/>
+        <p:cNvGrpSpPr/>
+        <p:nvPr/>
+      </p:nvGrpSpPr>
+      <p:grpSpPr>
+        <a:xfrm>
+          <a:off x="0" y="0"/>
+          <a:ext cx="0" cy="0"/>
+          <a:chOff x="0" y="0"/>
+          <a:chExt cx="0" cy="0"/>
+        </a:xfrm>
+      </p:grpSpPr>
+      <p:cxnSp>
+        <p:nvCxnSpPr>
+          <p:cNvPr id="5" name="직선 연결선 4">
+            <a:extLst>
+              <a:ext uri="{FF2B5EF4-FFF2-40B4-BE49-F238E27FC236}">
+                <a16:creationId xmlns:a16="http://schemas.microsoft.com/office/drawing/2014/main" id="{164C2827-EFCE-69A4-D037-1A218415F568}"/>
+              </a:ext>
+            </a:extLst>
+          </p:cNvPr>
+          <p:cNvCxnSpPr/>
+          <p:nvPr/>
+        </p:nvCxnSpPr>
+        <p:spPr>
+          <a:xfrm>
+            <a:off x="0" y="887505"/>
+            <a:ext cx="10237694" cy="0"/>
+          </a:xfrm>
+          <a:prstGeom prst="line">
+            <a:avLst/>
+          </a:prstGeom>
+          <a:ln w="76200">
+            <a:solidFill>
+              <a:schemeClr val="tx1">
+                <a:lumMod val="75000"/>
+                <a:lumOff val="25000"/>
+              </a:schemeClr>
+            </a:solidFill>
+          </a:ln>
+        </p:spPr>
+        <p:style>
+          <a:lnRef idx="1">
+            <a:schemeClr val="accent1"/>
+          </a:lnRef>
+          <a:fillRef idx="0">
+            <a:schemeClr val="accent1"/>
+          </a:fillRef>
+          <a:effectRef idx="0">
+            <a:schemeClr val="accent1"/>
+          </a:effectRef>
+          <a:fontRef idx="minor">
+            <a:schemeClr val="tx1"/>
+          </a:fontRef>
+        </p:style>
+      </p:cxnSp>
+      <p:sp>
+        <p:nvSpPr>
+          <p:cNvPr id="3" name="TextBox 2">
+            <a:extLst>
+              <a:ext uri="{FF2B5EF4-FFF2-40B4-BE49-F238E27FC236}">
+                <a16:creationId xmlns:a16="http://schemas.microsoft.com/office/drawing/2014/main" id="{B3B954B2-DB7F-EEC1-438C-CB91D3B18AE1}"/>
+              </a:ext>
+            </a:extLst>
+          </p:cNvPr>
+          <p:cNvSpPr txBox="1"/>
+          <p:nvPr/>
+        </p:nvSpPr>
+        <p:spPr>
+          <a:xfrm>
+            <a:off x="331694" y="177505"/>
+            <a:ext cx="3899016" cy="523220"/>
+          </a:xfrm>
+          <a:prstGeom prst="rect">
+            <a:avLst/>
+          </a:prstGeom>
+          <a:noFill/>
+        </p:spPr>
+        <p:txBody>
+          <a:bodyPr wrap="none" rtlCol="0">
+            <a:spAutoFit/>
+          </a:bodyPr>
+          <a:lstStyle/>
+          <a:p>
+            <a:r>
+              <a:rPr lang="en-US" altLang="ko-KR" sz="2800" dirty="0">
+                <a:latin typeface="나눔스퀘어 Bold" panose="020B0600000101010101" pitchFamily="50" charset="-127"/>
+                <a:ea typeface="나눔스퀘어 Bold" panose="020B0600000101010101" pitchFamily="50" charset="-127"/>
+              </a:rPr>
+              <a:t>Graph – 2178 </a:t>
+            </a:r>
+            <a:r>
+              <a:rPr lang="ko-KR" altLang="en-US" sz="2800" dirty="0">
+                <a:latin typeface="나눔스퀘어 Bold" panose="020B0600000101010101" pitchFamily="50" charset="-127"/>
+                <a:ea typeface="나눔스퀘어 Bold" panose="020B0600000101010101" pitchFamily="50" charset="-127"/>
+              </a:rPr>
+              <a:t>미로 탐색</a:t>
+            </a:r>
+          </a:p>
+        </p:txBody>
+      </p:sp>
+    </p:spTree>
+    <p:extLst>
+      <p:ext uri="{BB962C8B-B14F-4D97-AF65-F5344CB8AC3E}">
+        <p14:creationId xmlns:p14="http://schemas.microsoft.com/office/powerpoint/2010/main" val="3545443279"/>
+      </p:ext>
+    </p:extLst>
+  </p:cSld>
+  <p:clrMapOvr>
+    <a:masterClrMapping/>
+  </p:clrMapOvr>
+</p:sld>
+</file>
+
+<file path=ppt/slides/slide42.xml><?xml version="1.0" encoding="utf-8"?>
+<p:sld xmlns:a="http://schemas.openxmlformats.org/drawingml/2006/main" xmlns:r="http://schemas.openxmlformats.org/officeDocument/2006/relationships" xmlns:p="http://schemas.openxmlformats.org/presentationml/2006/main">
+  <p:cSld>
+    <p:spTree>
+      <p:nvGrpSpPr>
+        <p:cNvPr id="1" name=""/>
+        <p:cNvGrpSpPr/>
+        <p:nvPr/>
+      </p:nvGrpSpPr>
+      <p:grpSpPr>
+        <a:xfrm>
+          <a:off x="0" y="0"/>
+          <a:ext cx="0" cy="0"/>
+          <a:chOff x="0" y="0"/>
+          <a:chExt cx="0" cy="0"/>
+        </a:xfrm>
+      </p:grpSpPr>
+      <p:cxnSp>
+        <p:nvCxnSpPr>
+          <p:cNvPr id="5" name="직선 연결선 4">
+            <a:extLst>
+              <a:ext uri="{FF2B5EF4-FFF2-40B4-BE49-F238E27FC236}">
+                <a16:creationId xmlns:a16="http://schemas.microsoft.com/office/drawing/2014/main" id="{164C2827-EFCE-69A4-D037-1A218415F568}"/>
+              </a:ext>
+            </a:extLst>
+          </p:cNvPr>
+          <p:cNvCxnSpPr/>
+          <p:nvPr/>
+        </p:nvCxnSpPr>
+        <p:spPr>
+          <a:xfrm>
+            <a:off x="0" y="887505"/>
+            <a:ext cx="10237694" cy="0"/>
+          </a:xfrm>
+          <a:prstGeom prst="line">
+            <a:avLst/>
+          </a:prstGeom>
+          <a:ln w="76200">
+            <a:solidFill>
+              <a:schemeClr val="tx1">
+                <a:lumMod val="75000"/>
+                <a:lumOff val="25000"/>
+              </a:schemeClr>
+            </a:solidFill>
+          </a:ln>
+        </p:spPr>
+        <p:style>
+          <a:lnRef idx="1">
+            <a:schemeClr val="accent1"/>
+          </a:lnRef>
+          <a:fillRef idx="0">
+            <a:schemeClr val="accent1"/>
+          </a:fillRef>
+          <a:effectRef idx="0">
+            <a:schemeClr val="accent1"/>
+          </a:effectRef>
+          <a:fontRef idx="minor">
+            <a:schemeClr val="tx1"/>
+          </a:fontRef>
+        </p:style>
+      </p:cxnSp>
+      <p:sp>
+        <p:nvSpPr>
+          <p:cNvPr id="6" name="TextBox 5">
+            <a:extLst>
+              <a:ext uri="{FF2B5EF4-FFF2-40B4-BE49-F238E27FC236}">
+                <a16:creationId xmlns:a16="http://schemas.microsoft.com/office/drawing/2014/main" id="{908ED9B9-09D3-CFA8-625A-6F9BB9B6BD23}"/>
+              </a:ext>
+            </a:extLst>
+          </p:cNvPr>
+          <p:cNvSpPr txBox="1"/>
+          <p:nvPr/>
+        </p:nvSpPr>
+        <p:spPr>
+          <a:xfrm>
+            <a:off x="331694" y="177505"/>
+            <a:ext cx="2006190" cy="523220"/>
+          </a:xfrm>
+          <a:prstGeom prst="rect">
+            <a:avLst/>
+          </a:prstGeom>
+          <a:noFill/>
+        </p:spPr>
+        <p:txBody>
+          <a:bodyPr wrap="none" rtlCol="0">
+            <a:spAutoFit/>
+          </a:bodyPr>
+          <a:lstStyle/>
+          <a:p>
+            <a:r>
+              <a:rPr lang="en-US" altLang="ko-KR" sz="2800" dirty="0">
+                <a:latin typeface="나눔스퀘어 Bold" panose="020B0600000101010101" pitchFamily="50" charset="-127"/>
+                <a:ea typeface="나눔스퀘어 Bold" panose="020B0600000101010101" pitchFamily="50" charset="-127"/>
+              </a:rPr>
+              <a:t>Homework</a:t>
+            </a:r>
+            <a:endParaRPr lang="ko-KR" altLang="en-US" sz="2800" dirty="0">
+              <a:latin typeface="나눔스퀘어 Bold" panose="020B0600000101010101" pitchFamily="50" charset="-127"/>
+              <a:ea typeface="나눔스퀘어 Bold" panose="020B0600000101010101" pitchFamily="50" charset="-127"/>
+            </a:endParaRPr>
+          </a:p>
+        </p:txBody>
+      </p:sp>
+      <p:sp>
+        <p:nvSpPr>
+          <p:cNvPr id="7" name="TextBox 6">
+            <a:extLst>
+              <a:ext uri="{FF2B5EF4-FFF2-40B4-BE49-F238E27FC236}">
+                <a16:creationId xmlns:a16="http://schemas.microsoft.com/office/drawing/2014/main" id="{DD092523-43DA-0A5F-0C04-8239F4BF07FC}"/>
+              </a:ext>
+            </a:extLst>
+          </p:cNvPr>
+          <p:cNvSpPr txBox="1"/>
+          <p:nvPr/>
+        </p:nvSpPr>
+        <p:spPr>
+          <a:xfrm>
+            <a:off x="942387" y="1661364"/>
+            <a:ext cx="8553305" cy="369332"/>
+          </a:xfrm>
+          <a:prstGeom prst="rect">
+            <a:avLst/>
+          </a:prstGeom>
+          <a:noFill/>
+        </p:spPr>
+        <p:txBody>
+          <a:bodyPr wrap="square" rtlCol="0">
+            <a:spAutoFit/>
+          </a:bodyPr>
+          <a:lstStyle/>
+          <a:p>
+            <a:r>
+              <a:rPr lang="en-US" altLang="ko-KR" dirty="0">
+                <a:latin typeface="나눔스퀘어 Light" panose="020B0600000101010101" pitchFamily="50" charset="-127"/>
+                <a:ea typeface="나눔스퀘어 Light" panose="020B0600000101010101" pitchFamily="50" charset="-127"/>
+              </a:rPr>
+              <a:t>1. 18126 </a:t>
+            </a:r>
+            <a:r>
+              <a:rPr lang="ko-KR" altLang="en-US" dirty="0">
+                <a:latin typeface="나눔스퀘어 Light" panose="020B0600000101010101" pitchFamily="50" charset="-127"/>
+                <a:ea typeface="나눔스퀘어 Light" panose="020B0600000101010101" pitchFamily="50" charset="-127"/>
+              </a:rPr>
+              <a:t>너구리 구구</a:t>
+            </a:r>
+          </a:p>
+        </p:txBody>
+      </p:sp>
+      <p:sp>
+        <p:nvSpPr>
+          <p:cNvPr id="8" name="TextBox 7">
+            <a:extLst>
+              <a:ext uri="{FF2B5EF4-FFF2-40B4-BE49-F238E27FC236}">
+                <a16:creationId xmlns:a16="http://schemas.microsoft.com/office/drawing/2014/main" id="{80045CCB-6E92-45F3-05E2-D9718BBAEE86}"/>
+              </a:ext>
+            </a:extLst>
+          </p:cNvPr>
+          <p:cNvSpPr txBox="1"/>
+          <p:nvPr/>
+        </p:nvSpPr>
+        <p:spPr>
+          <a:xfrm>
+            <a:off x="942387" y="2030696"/>
+            <a:ext cx="8553305" cy="369332"/>
+          </a:xfrm>
+          <a:prstGeom prst="rect">
+            <a:avLst/>
+          </a:prstGeom>
+          <a:noFill/>
+        </p:spPr>
+        <p:txBody>
+          <a:bodyPr wrap="square" rtlCol="0">
+            <a:spAutoFit/>
+          </a:bodyPr>
+          <a:lstStyle/>
+          <a:p>
+            <a:r>
+              <a:rPr lang="en-US" altLang="ko-KR" dirty="0">
+                <a:latin typeface="나눔스퀘어 Light" panose="020B0600000101010101" pitchFamily="50" charset="-127"/>
+                <a:ea typeface="나눔스퀘어 Light" panose="020B0600000101010101" pitchFamily="50" charset="-127"/>
+              </a:rPr>
+              <a:t>2. 1697 </a:t>
+            </a:r>
+            <a:r>
+              <a:rPr lang="ko-KR" altLang="en-US" dirty="0">
+                <a:latin typeface="나눔스퀘어 Light" panose="020B0600000101010101" pitchFamily="50" charset="-127"/>
+                <a:ea typeface="나눔스퀘어 Light" panose="020B0600000101010101" pitchFamily="50" charset="-127"/>
+              </a:rPr>
+              <a:t>숨바꼭질</a:t>
+            </a:r>
+          </a:p>
+        </p:txBody>
+      </p:sp>
+      <p:sp>
+        <p:nvSpPr>
+          <p:cNvPr id="9" name="TextBox 8">
+            <a:extLst>
+              <a:ext uri="{FF2B5EF4-FFF2-40B4-BE49-F238E27FC236}">
+                <a16:creationId xmlns:a16="http://schemas.microsoft.com/office/drawing/2014/main" id="{F3F091EF-3E70-16E8-983D-D9C14C2EAD61}"/>
+              </a:ext>
+            </a:extLst>
+          </p:cNvPr>
+          <p:cNvSpPr txBox="1"/>
+          <p:nvPr/>
+        </p:nvSpPr>
+        <p:spPr>
+          <a:xfrm>
+            <a:off x="942387" y="1190024"/>
+            <a:ext cx="8553305" cy="369332"/>
+          </a:xfrm>
+          <a:prstGeom prst="rect">
+            <a:avLst/>
+          </a:prstGeom>
+          <a:noFill/>
+        </p:spPr>
+        <p:txBody>
+          <a:bodyPr wrap="square" rtlCol="0">
+            <a:spAutoFit/>
+          </a:bodyPr>
+          <a:lstStyle/>
+          <a:p>
+            <a:r>
+              <a:rPr lang="ko-KR" altLang="en-US" dirty="0">
+                <a:latin typeface="나눔스퀘어 Bold" panose="020B0600000101010101" pitchFamily="50" charset="-127"/>
+                <a:ea typeface="나눔스퀘어 Bold" panose="020B0600000101010101" pitchFamily="50" charset="-127"/>
+              </a:rPr>
+              <a:t>아래 문제들에 대해 스스로 생각하고 풀어보세요</a:t>
+            </a:r>
+            <a:r>
+              <a:rPr lang="en-US" altLang="ko-KR" dirty="0">
+                <a:latin typeface="나눔스퀘어 Bold" panose="020B0600000101010101" pitchFamily="50" charset="-127"/>
+                <a:ea typeface="나눔스퀘어 Bold" panose="020B0600000101010101" pitchFamily="50" charset="-127"/>
+              </a:rPr>
+              <a:t>.</a:t>
+            </a:r>
+            <a:r>
+              <a:rPr lang="ko-KR" altLang="en-US" dirty="0">
+                <a:latin typeface="나눔스퀘어 Bold" panose="020B0600000101010101" pitchFamily="50" charset="-127"/>
+                <a:ea typeface="나눔스퀘어 Bold" panose="020B0600000101010101" pitchFamily="50" charset="-127"/>
+              </a:rPr>
+              <a:t> </a:t>
+            </a:r>
+            <a:r>
+              <a:rPr lang="en-US" altLang="ko-KR" dirty="0">
+                <a:latin typeface="나눔스퀘어 Bold" panose="020B0600000101010101" pitchFamily="50" charset="-127"/>
+                <a:ea typeface="나눔스퀘어 Bold" panose="020B0600000101010101" pitchFamily="50" charset="-127"/>
+              </a:rPr>
+              <a:t>(</a:t>
+            </a:r>
+            <a:r>
+              <a:rPr lang="ko-KR" altLang="en-US" dirty="0">
+                <a:latin typeface="나눔스퀘어 Bold" panose="020B0600000101010101" pitchFamily="50" charset="-127"/>
+                <a:ea typeface="나눔스퀘어 Bold" panose="020B0600000101010101" pitchFamily="50" charset="-127"/>
+              </a:rPr>
+              <a:t>해설은 따로 진행하진 않겠습니다</a:t>
+            </a:r>
+            <a:r>
+              <a:rPr lang="en-US" altLang="ko-KR" dirty="0">
+                <a:latin typeface="나눔스퀘어 Bold" panose="020B0600000101010101" pitchFamily="50" charset="-127"/>
+                <a:ea typeface="나눔스퀘어 Bold" panose="020B0600000101010101" pitchFamily="50" charset="-127"/>
+              </a:rPr>
+              <a:t>.)</a:t>
+            </a:r>
+            <a:endParaRPr lang="ko-KR" altLang="en-US" dirty="0">
+              <a:latin typeface="나눔스퀘어 Bold" panose="020B0600000101010101" pitchFamily="50" charset="-127"/>
+              <a:ea typeface="나눔스퀘어 Bold" panose="020B0600000101010101" pitchFamily="50" charset="-127"/>
+            </a:endParaRPr>
+          </a:p>
+        </p:txBody>
+      </p:sp>
+      <p:sp>
+        <p:nvSpPr>
+          <p:cNvPr id="2" name="TextBox 1">
+            <a:extLst>
+              <a:ext uri="{FF2B5EF4-FFF2-40B4-BE49-F238E27FC236}">
+                <a16:creationId xmlns:a16="http://schemas.microsoft.com/office/drawing/2014/main" id="{807C3CD1-8E1B-427F-230D-9C7C2837C1F2}"/>
+              </a:ext>
+            </a:extLst>
+          </p:cNvPr>
+          <p:cNvSpPr txBox="1"/>
+          <p:nvPr/>
+        </p:nvSpPr>
+        <p:spPr>
+          <a:xfrm>
+            <a:off x="942387" y="2400024"/>
+            <a:ext cx="8553305" cy="369332"/>
+          </a:xfrm>
+          <a:prstGeom prst="rect">
+            <a:avLst/>
+          </a:prstGeom>
+          <a:noFill/>
+        </p:spPr>
+        <p:txBody>
+          <a:bodyPr wrap="square" rtlCol="0">
+            <a:spAutoFit/>
+          </a:bodyPr>
+          <a:lstStyle/>
+          <a:p>
+            <a:r>
+              <a:rPr lang="en-US" altLang="ko-KR" dirty="0">
+                <a:latin typeface="나눔스퀘어 Light" panose="020B0600000101010101" pitchFamily="50" charset="-127"/>
+                <a:ea typeface="나눔스퀘어 Light" panose="020B0600000101010101" pitchFamily="50" charset="-127"/>
+              </a:rPr>
+              <a:t>3. 11724 </a:t>
+            </a:r>
+            <a:r>
+              <a:rPr lang="ko-KR" altLang="en-US" dirty="0">
+                <a:latin typeface="나눔스퀘어 Light" panose="020B0600000101010101" pitchFamily="50" charset="-127"/>
+                <a:ea typeface="나눔스퀘어 Light" panose="020B0600000101010101" pitchFamily="50" charset="-127"/>
+              </a:rPr>
+              <a:t>연결 요소의 개수</a:t>
+            </a:r>
+          </a:p>
+        </p:txBody>
+      </p:sp>
+    </p:spTree>
+    <p:extLst>
+      <p:ext uri="{BB962C8B-B14F-4D97-AF65-F5344CB8AC3E}">
+        <p14:creationId xmlns:p14="http://schemas.microsoft.com/office/powerpoint/2010/main" val="732558497"/>
       </p:ext>
     </p:extLst>
   </p:cSld>

--- a/study/8_Tree, Graph.pptx
+++ b/study/8_Tree, Graph.pptx
@@ -44,9 +44,11 @@
     <p:sldId id="449" r:id="rId38"/>
     <p:sldId id="367" r:id="rId39"/>
     <p:sldId id="417" r:id="rId40"/>
-    <p:sldId id="431" r:id="rId41"/>
-    <p:sldId id="432" r:id="rId42"/>
-    <p:sldId id="298" r:id="rId43"/>
+    <p:sldId id="451" r:id="rId41"/>
+    <p:sldId id="450" r:id="rId42"/>
+    <p:sldId id="431" r:id="rId43"/>
+    <p:sldId id="432" r:id="rId44"/>
+    <p:sldId id="298" r:id="rId45"/>
   </p:sldIdLst>
   <p:sldSz cx="12192000" cy="6858000"/>
   <p:notesSz cx="6858000" cy="9144000"/>
@@ -300,7 +302,7 @@
           <a:p>
             <a:fld id="{33C37291-AA83-40C0-9297-8F7F3693F6CC}" type="datetimeFigureOut">
               <a:rPr lang="ko-KR" altLang="en-US" smtClean="0"/>
-              <a:t>2022-10-07</a:t>
+              <a:t>2022-10-08</a:t>
             </a:fld>
             <a:endParaRPr lang="ko-KR" altLang="en-US"/>
           </a:p>
@@ -498,7 +500,7 @@
           <a:p>
             <a:fld id="{33C37291-AA83-40C0-9297-8F7F3693F6CC}" type="datetimeFigureOut">
               <a:rPr lang="ko-KR" altLang="en-US" smtClean="0"/>
-              <a:t>2022-10-07</a:t>
+              <a:t>2022-10-08</a:t>
             </a:fld>
             <a:endParaRPr lang="ko-KR" altLang="en-US"/>
           </a:p>
@@ -706,7 +708,7 @@
           <a:p>
             <a:fld id="{33C37291-AA83-40C0-9297-8F7F3693F6CC}" type="datetimeFigureOut">
               <a:rPr lang="ko-KR" altLang="en-US" smtClean="0"/>
-              <a:t>2022-10-07</a:t>
+              <a:t>2022-10-08</a:t>
             </a:fld>
             <a:endParaRPr lang="ko-KR" altLang="en-US"/>
           </a:p>
@@ -904,7 +906,7 @@
           <a:p>
             <a:fld id="{33C37291-AA83-40C0-9297-8F7F3693F6CC}" type="datetimeFigureOut">
               <a:rPr lang="ko-KR" altLang="en-US" smtClean="0"/>
-              <a:t>2022-10-07</a:t>
+              <a:t>2022-10-08</a:t>
             </a:fld>
             <a:endParaRPr lang="ko-KR" altLang="en-US"/>
           </a:p>
@@ -1179,7 +1181,7 @@
           <a:p>
             <a:fld id="{33C37291-AA83-40C0-9297-8F7F3693F6CC}" type="datetimeFigureOut">
               <a:rPr lang="ko-KR" altLang="en-US" smtClean="0"/>
-              <a:t>2022-10-07</a:t>
+              <a:t>2022-10-08</a:t>
             </a:fld>
             <a:endParaRPr lang="ko-KR" altLang="en-US"/>
           </a:p>
@@ -1444,7 +1446,7 @@
           <a:p>
             <a:fld id="{33C37291-AA83-40C0-9297-8F7F3693F6CC}" type="datetimeFigureOut">
               <a:rPr lang="ko-KR" altLang="en-US" smtClean="0"/>
-              <a:t>2022-10-07</a:t>
+              <a:t>2022-10-08</a:t>
             </a:fld>
             <a:endParaRPr lang="ko-KR" altLang="en-US"/>
           </a:p>
@@ -1856,7 +1858,7 @@
           <a:p>
             <a:fld id="{33C37291-AA83-40C0-9297-8F7F3693F6CC}" type="datetimeFigureOut">
               <a:rPr lang="ko-KR" altLang="en-US" smtClean="0"/>
-              <a:t>2022-10-07</a:t>
+              <a:t>2022-10-08</a:t>
             </a:fld>
             <a:endParaRPr lang="ko-KR" altLang="en-US"/>
           </a:p>
@@ -1997,7 +1999,7 @@
           <a:p>
             <a:fld id="{33C37291-AA83-40C0-9297-8F7F3693F6CC}" type="datetimeFigureOut">
               <a:rPr lang="ko-KR" altLang="en-US" smtClean="0"/>
-              <a:t>2022-10-07</a:t>
+              <a:t>2022-10-08</a:t>
             </a:fld>
             <a:endParaRPr lang="ko-KR" altLang="en-US"/>
           </a:p>
@@ -2110,7 +2112,7 @@
           <a:p>
             <a:fld id="{33C37291-AA83-40C0-9297-8F7F3693F6CC}" type="datetimeFigureOut">
               <a:rPr lang="ko-KR" altLang="en-US" smtClean="0"/>
-              <a:t>2022-10-07</a:t>
+              <a:t>2022-10-08</a:t>
             </a:fld>
             <a:endParaRPr lang="ko-KR" altLang="en-US"/>
           </a:p>
@@ -2421,7 +2423,7 @@
           <a:p>
             <a:fld id="{33C37291-AA83-40C0-9297-8F7F3693F6CC}" type="datetimeFigureOut">
               <a:rPr lang="ko-KR" altLang="en-US" smtClean="0"/>
-              <a:t>2022-10-07</a:t>
+              <a:t>2022-10-08</a:t>
             </a:fld>
             <a:endParaRPr lang="ko-KR" altLang="en-US"/>
           </a:p>
@@ -2709,7 +2711,7 @@
           <a:p>
             <a:fld id="{33C37291-AA83-40C0-9297-8F7F3693F6CC}" type="datetimeFigureOut">
               <a:rPr lang="ko-KR" altLang="en-US" smtClean="0"/>
-              <a:t>2022-10-07</a:t>
+              <a:t>2022-10-08</a:t>
             </a:fld>
             <a:endParaRPr lang="ko-KR" altLang="en-US"/>
           </a:p>
@@ -2950,7 +2952,7 @@
           <a:p>
             <a:fld id="{33C37291-AA83-40C0-9297-8F7F3693F6CC}" type="datetimeFigureOut">
               <a:rPr lang="ko-KR" altLang="en-US" smtClean="0"/>
-              <a:t>2022-10-07</a:t>
+              <a:t>2022-10-08</a:t>
             </a:fld>
             <a:endParaRPr lang="ko-KR" altLang="en-US"/>
           </a:p>
@@ -21659,10 +21661,24 @@
                 <a:latin typeface="나눔스퀘어 Light" panose="020B0600000101010101" pitchFamily="50" charset="-127"/>
                 <a:ea typeface="나눔스퀘어 Light" panose="020B0600000101010101" pitchFamily="50" charset="-127"/>
               </a:rPr>
-              <a:t>번 정점에서 순회를 시작해 몇 개의 다른 정점들을 방문하는지 세면 됩니다</a:t>
-            </a:r>
-            <a:r>
-              <a:rPr lang="en-US" altLang="ko-KR">
+              <a:t>번 정점에서 순회</a:t>
+            </a:r>
+            <a:r>
+              <a:rPr lang="en-US" altLang="ko-KR" dirty="0">
+                <a:latin typeface="나눔스퀘어 Light" panose="020B0600000101010101" pitchFamily="50" charset="-127"/>
+                <a:ea typeface="나눔스퀘어 Light" panose="020B0600000101010101" pitchFamily="50" charset="-127"/>
+              </a:rPr>
+              <a:t>(DFS / BFS)</a:t>
+            </a:r>
+            <a:r>
+              <a:rPr lang="ko-KR" altLang="en-US" dirty="0">
+                <a:latin typeface="나눔스퀘어 Light" panose="020B0600000101010101" pitchFamily="50" charset="-127"/>
+                <a:ea typeface="나눔스퀘어 Light" panose="020B0600000101010101" pitchFamily="50" charset="-127"/>
+              </a:rPr>
+              <a:t>를 시작해 몇 개의 다른 정점들을 방문하는지 세면 됩니다</a:t>
+            </a:r>
+            <a:r>
+              <a:rPr lang="en-US" altLang="ko-KR" dirty="0">
                 <a:latin typeface="나눔스퀘어 Light" panose="020B0600000101010101" pitchFamily="50" charset="-127"/>
                 <a:ea typeface="나눔스퀘어 Light" panose="020B0600000101010101" pitchFamily="50" charset="-127"/>
               </a:rPr>
@@ -21675,6 +21691,36 @@
           </a:p>
         </p:txBody>
       </p:sp>
+      <p:pic>
+        <p:nvPicPr>
+          <p:cNvPr id="7" name="그림 6">
+            <a:extLst>
+              <a:ext uri="{FF2B5EF4-FFF2-40B4-BE49-F238E27FC236}">
+                <a16:creationId xmlns:a16="http://schemas.microsoft.com/office/drawing/2014/main" id="{68F0F24B-18EC-C935-E859-11D33BBB70C8}"/>
+              </a:ext>
+            </a:extLst>
+          </p:cNvPr>
+          <p:cNvPicPr>
+            <a:picLocks noChangeAspect="1"/>
+          </p:cNvPicPr>
+          <p:nvPr/>
+        </p:nvPicPr>
+        <p:blipFill>
+          <a:blip r:embed="rId2"/>
+          <a:stretch>
+            <a:fillRect/>
+          </a:stretch>
+        </p:blipFill>
+        <p:spPr>
+          <a:xfrm>
+            <a:off x="942387" y="1928688"/>
+            <a:ext cx="6712162" cy="2907263"/>
+          </a:xfrm>
+          <a:prstGeom prst="rect">
+            <a:avLst/>
+          </a:prstGeom>
+        </p:spPr>
+      </p:pic>
     </p:spTree>
     <p:extLst>
       <p:ext uri="{BB962C8B-B14F-4D97-AF65-F5344CB8AC3E}">
@@ -22039,7 +22085,7 @@
           <p:cNvPr id="3" name="TextBox 2">
             <a:extLst>
               <a:ext uri="{FF2B5EF4-FFF2-40B4-BE49-F238E27FC236}">
-                <a16:creationId xmlns:a16="http://schemas.microsoft.com/office/drawing/2014/main" id="{B3B954B2-DB7F-EEC1-438C-CB91D3B18AE1}"/>
+                <a16:creationId xmlns:a16="http://schemas.microsoft.com/office/drawing/2014/main" id="{55A2659C-619F-80B4-6BDF-B649C7E7DBE9}"/>
               </a:ext>
             </a:extLst>
           </p:cNvPr>
@@ -22048,8 +22094,78 @@
         </p:nvSpPr>
         <p:spPr>
           <a:xfrm>
+            <a:off x="942387" y="1190024"/>
+            <a:ext cx="10237694" cy="369332"/>
+          </a:xfrm>
+          <a:prstGeom prst="rect">
+            <a:avLst/>
+          </a:prstGeom>
+          <a:noFill/>
+        </p:spPr>
+        <p:txBody>
+          <a:bodyPr wrap="square" rtlCol="0">
+            <a:spAutoFit/>
+          </a:bodyPr>
+          <a:lstStyle/>
+          <a:p>
+            <a:r>
+              <a:rPr lang="en-US" altLang="ko-KR" dirty="0">
+                <a:latin typeface="나눔스퀘어 Light" panose="020B0600000101010101" pitchFamily="50" charset="-127"/>
+                <a:ea typeface="나눔스퀘어 Light" panose="020B0600000101010101" pitchFamily="50" charset="-127"/>
+              </a:rPr>
+              <a:t>(</a:t>
+            </a:r>
+            <a:r>
+              <a:rPr lang="ko-KR" altLang="en-US" dirty="0">
+                <a:latin typeface="나눔스퀘어 Light" panose="020B0600000101010101" pitchFamily="50" charset="-127"/>
+                <a:ea typeface="나눔스퀘어 Light" panose="020B0600000101010101" pitchFamily="50" charset="-127"/>
+              </a:rPr>
+              <a:t>이 문제의 경우에는 </a:t>
+            </a:r>
+            <a:r>
+              <a:rPr lang="en-US" altLang="ko-KR" dirty="0">
+                <a:latin typeface="나눔스퀘어 Light" panose="020B0600000101010101" pitchFamily="50" charset="-127"/>
+                <a:ea typeface="나눔스퀘어 Light" panose="020B0600000101010101" pitchFamily="50" charset="-127"/>
+              </a:rPr>
+              <a:t>BFS</a:t>
+            </a:r>
+            <a:r>
+              <a:rPr lang="ko-KR" altLang="en-US" dirty="0">
+                <a:latin typeface="나눔스퀘어 Light" panose="020B0600000101010101" pitchFamily="50" charset="-127"/>
+                <a:ea typeface="나눔스퀘어 Light" panose="020B0600000101010101" pitchFamily="50" charset="-127"/>
+              </a:rPr>
+              <a:t>로 했습니다</a:t>
+            </a:r>
+            <a:r>
+              <a:rPr lang="en-US" altLang="ko-KR" dirty="0">
+                <a:latin typeface="나눔스퀘어 Light" panose="020B0600000101010101" pitchFamily="50" charset="-127"/>
+                <a:ea typeface="나눔스퀘어 Light" panose="020B0600000101010101" pitchFamily="50" charset="-127"/>
+              </a:rPr>
+              <a:t>.)</a:t>
+            </a:r>
+            <a:endParaRPr lang="ko-KR" altLang="en-US" dirty="0">
+              <a:latin typeface="나눔스퀘어 Light" panose="020B0600000101010101" pitchFamily="50" charset="-127"/>
+              <a:ea typeface="나눔스퀘어 Light" panose="020B0600000101010101" pitchFamily="50" charset="-127"/>
+            </a:endParaRPr>
+          </a:p>
+        </p:txBody>
+      </p:sp>
+      <p:sp>
+        <p:nvSpPr>
+          <p:cNvPr id="4" name="TextBox 3">
+            <a:extLst>
+              <a:ext uri="{FF2B5EF4-FFF2-40B4-BE49-F238E27FC236}">
+                <a16:creationId xmlns:a16="http://schemas.microsoft.com/office/drawing/2014/main" id="{5309C74F-4AB5-553D-92E5-3E70398F8530}"/>
+              </a:ext>
+            </a:extLst>
+          </p:cNvPr>
+          <p:cNvSpPr txBox="1"/>
+          <p:nvPr/>
+        </p:nvSpPr>
+        <p:spPr>
+          <a:xfrm>
             <a:off x="331694" y="177505"/>
-            <a:ext cx="3899016" cy="523220"/>
+            <a:ext cx="3809248" cy="523220"/>
           </a:xfrm>
           <a:prstGeom prst="rect">
             <a:avLst/>
@@ -22067,24 +22183,24 @@
                 <a:latin typeface="나눔스퀘어 Bold" panose="020B0600000101010101" pitchFamily="50" charset="-127"/>
                 <a:ea typeface="나눔스퀘어 Bold" panose="020B0600000101010101" pitchFamily="50" charset="-127"/>
               </a:rPr>
-              <a:t>Graph – 2178 </a:t>
+              <a:t>Graph – 2606 </a:t>
             </a:r>
             <a:r>
               <a:rPr lang="ko-KR" altLang="en-US" sz="2800" dirty="0">
                 <a:latin typeface="나눔스퀘어 Bold" panose="020B0600000101010101" pitchFamily="50" charset="-127"/>
                 <a:ea typeface="나눔스퀘어 Bold" panose="020B0600000101010101" pitchFamily="50" charset="-127"/>
               </a:rPr>
-              <a:t>미로 탐색</a:t>
+              <a:t>바이러스</a:t>
             </a:r>
           </a:p>
         </p:txBody>
       </p:sp>
       <p:pic>
         <p:nvPicPr>
-          <p:cNvPr id="4" name="그림 3">
-            <a:extLst>
-              <a:ext uri="{FF2B5EF4-FFF2-40B4-BE49-F238E27FC236}">
-                <a16:creationId xmlns:a16="http://schemas.microsoft.com/office/drawing/2014/main" id="{FA5DC14F-3B58-7DCB-0529-B6DF343008B1}"/>
+          <p:cNvPr id="8" name="그림 7">
+            <a:extLst>
+              <a:ext uri="{FF2B5EF4-FFF2-40B4-BE49-F238E27FC236}">
+                <a16:creationId xmlns:a16="http://schemas.microsoft.com/office/drawing/2014/main" id="{2BC45639-031E-41E6-97B1-355FDCCCECA5}"/>
               </a:ext>
             </a:extLst>
           </p:cNvPr>
@@ -22101,188 +22217,8 @@
         </p:blipFill>
         <p:spPr>
           <a:xfrm>
-            <a:off x="331694" y="1000161"/>
-            <a:ext cx="10783805" cy="3620005"/>
-          </a:xfrm>
-          <a:prstGeom prst="rect">
-            <a:avLst/>
-          </a:prstGeom>
-        </p:spPr>
-      </p:pic>
-      <p:pic>
-        <p:nvPicPr>
-          <p:cNvPr id="8" name="그림 7">
-            <a:extLst>
-              <a:ext uri="{FF2B5EF4-FFF2-40B4-BE49-F238E27FC236}">
-                <a16:creationId xmlns:a16="http://schemas.microsoft.com/office/drawing/2014/main" id="{D27D39DC-B2B5-9D08-1123-33207352EC90}"/>
-              </a:ext>
-            </a:extLst>
-          </p:cNvPr>
-          <p:cNvPicPr>
-            <a:picLocks noChangeAspect="1"/>
-          </p:cNvPicPr>
-          <p:nvPr/>
-        </p:nvPicPr>
-        <p:blipFill>
-          <a:blip r:embed="rId3"/>
-          <a:stretch>
-            <a:fillRect/>
-          </a:stretch>
-        </p:blipFill>
-        <p:spPr>
-          <a:xfrm>
-            <a:off x="331694" y="4725894"/>
-            <a:ext cx="1381318" cy="1952898"/>
-          </a:xfrm>
-          <a:prstGeom prst="rect">
-            <a:avLst/>
-          </a:prstGeom>
-        </p:spPr>
-      </p:pic>
-      <p:pic>
-        <p:nvPicPr>
-          <p:cNvPr id="10" name="그림 9">
-            <a:extLst>
-              <a:ext uri="{FF2B5EF4-FFF2-40B4-BE49-F238E27FC236}">
-                <a16:creationId xmlns:a16="http://schemas.microsoft.com/office/drawing/2014/main" id="{3DD36C43-90AD-AFEE-539A-343B818B647A}"/>
-              </a:ext>
-            </a:extLst>
-          </p:cNvPr>
-          <p:cNvPicPr>
-            <a:picLocks noChangeAspect="1"/>
-          </p:cNvPicPr>
-          <p:nvPr/>
-        </p:nvPicPr>
-        <p:blipFill>
-          <a:blip r:embed="rId4"/>
-          <a:stretch>
-            <a:fillRect/>
-          </a:stretch>
-        </p:blipFill>
-        <p:spPr>
-          <a:xfrm>
-            <a:off x="1789450" y="4730077"/>
-            <a:ext cx="1371791" cy="990738"/>
-          </a:xfrm>
-          <a:prstGeom prst="rect">
-            <a:avLst/>
-          </a:prstGeom>
-        </p:spPr>
-      </p:pic>
-      <p:pic>
-        <p:nvPicPr>
-          <p:cNvPr id="12" name="그림 11">
-            <a:extLst>
-              <a:ext uri="{FF2B5EF4-FFF2-40B4-BE49-F238E27FC236}">
-                <a16:creationId xmlns:a16="http://schemas.microsoft.com/office/drawing/2014/main" id="{2104BF6A-48BA-5686-10A0-8CBBBB3C5CEE}"/>
-              </a:ext>
-            </a:extLst>
-          </p:cNvPr>
-          <p:cNvPicPr>
-            <a:picLocks noChangeAspect="1"/>
-          </p:cNvPicPr>
-          <p:nvPr/>
-        </p:nvPicPr>
-        <p:blipFill>
-          <a:blip r:embed="rId5"/>
-          <a:stretch>
-            <a:fillRect/>
-          </a:stretch>
-        </p:blipFill>
-        <p:spPr>
-          <a:xfrm>
-            <a:off x="3544814" y="4736001"/>
-            <a:ext cx="1371791" cy="1895740"/>
-          </a:xfrm>
-          <a:prstGeom prst="rect">
-            <a:avLst/>
-          </a:prstGeom>
-        </p:spPr>
-      </p:pic>
-      <p:pic>
-        <p:nvPicPr>
-          <p:cNvPr id="14" name="그림 13">
-            <a:extLst>
-              <a:ext uri="{FF2B5EF4-FFF2-40B4-BE49-F238E27FC236}">
-                <a16:creationId xmlns:a16="http://schemas.microsoft.com/office/drawing/2014/main" id="{EED78C7D-9A0E-591C-7A5D-F34A83B545ED}"/>
-              </a:ext>
-            </a:extLst>
-          </p:cNvPr>
-          <p:cNvPicPr>
-            <a:picLocks noChangeAspect="1"/>
-          </p:cNvPicPr>
-          <p:nvPr/>
-        </p:nvPicPr>
-        <p:blipFill>
-          <a:blip r:embed="rId6"/>
-          <a:stretch>
-            <a:fillRect/>
-          </a:stretch>
-        </p:blipFill>
-        <p:spPr>
-          <a:xfrm>
-            <a:off x="4993043" y="4732821"/>
-            <a:ext cx="1352739" cy="971686"/>
-          </a:xfrm>
-          <a:prstGeom prst="rect">
-            <a:avLst/>
-          </a:prstGeom>
-        </p:spPr>
-      </p:pic>
-      <p:pic>
-        <p:nvPicPr>
-          <p:cNvPr id="16" name="그림 15">
-            <a:extLst>
-              <a:ext uri="{FF2B5EF4-FFF2-40B4-BE49-F238E27FC236}">
-                <a16:creationId xmlns:a16="http://schemas.microsoft.com/office/drawing/2014/main" id="{4D745FE7-27E1-F4AE-1580-31870CEE187B}"/>
-              </a:ext>
-            </a:extLst>
-          </p:cNvPr>
-          <p:cNvPicPr>
-            <a:picLocks noChangeAspect="1"/>
-          </p:cNvPicPr>
-          <p:nvPr/>
-        </p:nvPicPr>
-        <p:blipFill>
-          <a:blip r:embed="rId7"/>
-          <a:stretch>
-            <a:fillRect/>
-          </a:stretch>
-        </p:blipFill>
-        <p:spPr>
-          <a:xfrm>
-            <a:off x="6748407" y="4725894"/>
-            <a:ext cx="2705478" cy="1428949"/>
-          </a:xfrm>
-          <a:prstGeom prst="rect">
-            <a:avLst/>
-          </a:prstGeom>
-        </p:spPr>
-      </p:pic>
-      <p:pic>
-        <p:nvPicPr>
-          <p:cNvPr id="18" name="그림 17">
-            <a:extLst>
-              <a:ext uri="{FF2B5EF4-FFF2-40B4-BE49-F238E27FC236}">
-                <a16:creationId xmlns:a16="http://schemas.microsoft.com/office/drawing/2014/main" id="{92345696-89A4-046E-7D27-1773D5DFCBB5}"/>
-              </a:ext>
-            </a:extLst>
-          </p:cNvPr>
-          <p:cNvPicPr>
-            <a:picLocks noChangeAspect="1"/>
-          </p:cNvPicPr>
-          <p:nvPr/>
-        </p:nvPicPr>
-        <p:blipFill>
-          <a:blip r:embed="rId8"/>
-          <a:stretch>
-            <a:fillRect/>
-          </a:stretch>
-        </p:blipFill>
-        <p:spPr>
-          <a:xfrm>
-            <a:off x="9561324" y="4725894"/>
-            <a:ext cx="1352739" cy="933580"/>
+            <a:off x="942387" y="1559356"/>
+            <a:ext cx="9896376" cy="4756603"/>
           </a:xfrm>
           <a:prstGeom prst="rect">
             <a:avLst/>
@@ -22292,7 +22228,7 @@
     </p:spTree>
     <p:extLst>
       <p:ext uri="{BB962C8B-B14F-4D97-AF65-F5344CB8AC3E}">
-        <p14:creationId xmlns:p14="http://schemas.microsoft.com/office/powerpoint/2010/main" val="3118018328"/>
+        <p14:creationId xmlns:p14="http://schemas.microsoft.com/office/powerpoint/2010/main" val="229618078"/>
       </p:ext>
     </p:extLst>
   </p:cSld>
@@ -22333,6 +22269,542 @@
         </p:nvCxnSpPr>
         <p:spPr>
           <a:xfrm>
+            <a:off x="0" y="925212"/>
+            <a:ext cx="10237694" cy="0"/>
+          </a:xfrm>
+          <a:prstGeom prst="line">
+            <a:avLst/>
+          </a:prstGeom>
+          <a:ln w="76200">
+            <a:solidFill>
+              <a:schemeClr val="tx1">
+                <a:lumMod val="75000"/>
+                <a:lumOff val="25000"/>
+              </a:schemeClr>
+            </a:solidFill>
+          </a:ln>
+        </p:spPr>
+        <p:style>
+          <a:lnRef idx="1">
+            <a:schemeClr val="accent1"/>
+          </a:lnRef>
+          <a:fillRef idx="0">
+            <a:schemeClr val="accent1"/>
+          </a:fillRef>
+          <a:effectRef idx="0">
+            <a:schemeClr val="accent1"/>
+          </a:effectRef>
+          <a:fontRef idx="minor">
+            <a:schemeClr val="tx1"/>
+          </a:fontRef>
+        </p:style>
+      </p:cxnSp>
+      <p:sp>
+        <p:nvSpPr>
+          <p:cNvPr id="6" name="TextBox 5">
+            <a:extLst>
+              <a:ext uri="{FF2B5EF4-FFF2-40B4-BE49-F238E27FC236}">
+                <a16:creationId xmlns:a16="http://schemas.microsoft.com/office/drawing/2014/main" id="{908ED9B9-09D3-CFA8-625A-6F9BB9B6BD23}"/>
+              </a:ext>
+            </a:extLst>
+          </p:cNvPr>
+          <p:cNvSpPr txBox="1"/>
+          <p:nvPr/>
+        </p:nvSpPr>
+        <p:spPr>
+          <a:xfrm>
+            <a:off x="331694" y="177505"/>
+            <a:ext cx="8625503" cy="523220"/>
+          </a:xfrm>
+          <a:prstGeom prst="rect">
+            <a:avLst/>
+          </a:prstGeom>
+          <a:noFill/>
+        </p:spPr>
+        <p:txBody>
+          <a:bodyPr wrap="none" rtlCol="0">
+            <a:spAutoFit/>
+          </a:bodyPr>
+          <a:lstStyle/>
+          <a:p>
+            <a:r>
+              <a:rPr lang="en-US" altLang="ko-KR" sz="2800" dirty="0">
+                <a:latin typeface="나눔스퀘어 Bold" panose="020B0600000101010101" pitchFamily="50" charset="-127"/>
+                <a:ea typeface="나눔스퀘어 Bold" panose="020B0600000101010101" pitchFamily="50" charset="-127"/>
+              </a:rPr>
+              <a:t>TMI – Python Maximum Recursion Depth Exceeded</a:t>
+            </a:r>
+            <a:endParaRPr lang="ko-KR" altLang="en-US" sz="2800" dirty="0">
+              <a:latin typeface="나눔스퀘어 Bold" panose="020B0600000101010101" pitchFamily="50" charset="-127"/>
+              <a:ea typeface="나눔스퀘어 Bold" panose="020B0600000101010101" pitchFamily="50" charset="-127"/>
+            </a:endParaRPr>
+          </a:p>
+        </p:txBody>
+      </p:sp>
+      <p:sp>
+        <p:nvSpPr>
+          <p:cNvPr id="2" name="TextBox 1">
+            <a:extLst>
+              <a:ext uri="{FF2B5EF4-FFF2-40B4-BE49-F238E27FC236}">
+                <a16:creationId xmlns:a16="http://schemas.microsoft.com/office/drawing/2014/main" id="{D0EB123A-1DDE-A7D7-E9C4-C9AD89CDC14E}"/>
+              </a:ext>
+            </a:extLst>
+          </p:cNvPr>
+          <p:cNvSpPr txBox="1"/>
+          <p:nvPr/>
+        </p:nvSpPr>
+        <p:spPr>
+          <a:xfrm>
+            <a:off x="942387" y="1190024"/>
+            <a:ext cx="10237694" cy="369332"/>
+          </a:xfrm>
+          <a:prstGeom prst="rect">
+            <a:avLst/>
+          </a:prstGeom>
+          <a:noFill/>
+        </p:spPr>
+        <p:txBody>
+          <a:bodyPr wrap="square" rtlCol="0">
+            <a:spAutoFit/>
+          </a:bodyPr>
+          <a:lstStyle/>
+          <a:p>
+            <a:r>
+              <a:rPr lang="ko-KR" altLang="en-US" dirty="0">
+                <a:latin typeface="나눔스퀘어 Light" panose="020B0600000101010101" pitchFamily="50" charset="-127"/>
+                <a:ea typeface="나눔스퀘어 Light" panose="020B0600000101010101" pitchFamily="50" charset="-127"/>
+              </a:rPr>
+              <a:t>트리와 그래프</a:t>
+            </a:r>
+            <a:r>
+              <a:rPr lang="en-US" altLang="ko-KR" dirty="0">
+                <a:latin typeface="나눔스퀘어 Light" panose="020B0600000101010101" pitchFamily="50" charset="-127"/>
+                <a:ea typeface="나눔스퀘어 Light" panose="020B0600000101010101" pitchFamily="50" charset="-127"/>
+              </a:rPr>
+              <a:t>(</a:t>
+            </a:r>
+            <a:r>
+              <a:rPr lang="ko-KR" altLang="en-US" dirty="0">
+                <a:latin typeface="나눔스퀘어 Light" panose="020B0600000101010101" pitchFamily="50" charset="-127"/>
+                <a:ea typeface="나눔스퀘어 Light" panose="020B0600000101010101" pitchFamily="50" charset="-127"/>
+              </a:rPr>
+              <a:t>특히 그래프</a:t>
+            </a:r>
+            <a:r>
+              <a:rPr lang="en-US" altLang="ko-KR" dirty="0">
+                <a:latin typeface="나눔스퀘어 Light" panose="020B0600000101010101" pitchFamily="50" charset="-127"/>
+                <a:ea typeface="나눔스퀘어 Light" panose="020B0600000101010101" pitchFamily="50" charset="-127"/>
+              </a:rPr>
+              <a:t>)</a:t>
+            </a:r>
+            <a:r>
+              <a:rPr lang="ko-KR" altLang="en-US" dirty="0">
+                <a:latin typeface="나눔스퀘어 Light" panose="020B0600000101010101" pitchFamily="50" charset="-127"/>
+                <a:ea typeface="나눔스퀘어 Light" panose="020B0600000101010101" pitchFamily="50" charset="-127"/>
+              </a:rPr>
+              <a:t>는 알고리즘 </a:t>
+            </a:r>
+            <a:r>
+              <a:rPr lang="en-US" altLang="ko-KR" dirty="0">
+                <a:latin typeface="나눔스퀘어 Light" panose="020B0600000101010101" pitchFamily="50" charset="-127"/>
+                <a:ea typeface="나눔스퀘어 Light" panose="020B0600000101010101" pitchFamily="50" charset="-127"/>
+              </a:rPr>
+              <a:t>PS </a:t>
+            </a:r>
+            <a:r>
+              <a:rPr lang="ko-KR" altLang="en-US" dirty="0">
+                <a:latin typeface="나눔스퀘어 Light" panose="020B0600000101010101" pitchFamily="50" charset="-127"/>
+                <a:ea typeface="나눔스퀘어 Light" panose="020B0600000101010101" pitchFamily="50" charset="-127"/>
+              </a:rPr>
+              <a:t>에서도 그렇고</a:t>
+            </a:r>
+            <a:r>
+              <a:rPr lang="en-US" altLang="ko-KR" dirty="0">
+                <a:latin typeface="나눔스퀘어 Light" panose="020B0600000101010101" pitchFamily="50" charset="-127"/>
+                <a:ea typeface="나눔스퀘어 Light" panose="020B0600000101010101" pitchFamily="50" charset="-127"/>
+              </a:rPr>
+              <a:t>,</a:t>
+            </a:r>
+            <a:endParaRPr lang="ko-KR" altLang="en-US" dirty="0">
+              <a:latin typeface="나눔스퀘어 Light" panose="020B0600000101010101" pitchFamily="50" charset="-127"/>
+              <a:ea typeface="나눔스퀘어 Light" panose="020B0600000101010101" pitchFamily="50" charset="-127"/>
+            </a:endParaRPr>
+          </a:p>
+        </p:txBody>
+      </p:sp>
+    </p:spTree>
+    <p:extLst>
+      <p:ext uri="{BB962C8B-B14F-4D97-AF65-F5344CB8AC3E}">
+        <p14:creationId xmlns:p14="http://schemas.microsoft.com/office/powerpoint/2010/main" val="575088112"/>
+      </p:ext>
+    </p:extLst>
+  </p:cSld>
+  <p:clrMapOvr>
+    <a:masterClrMapping/>
+  </p:clrMapOvr>
+</p:sld>
+</file>
+
+<file path=ppt/slides/slide42.xml><?xml version="1.0" encoding="utf-8"?>
+<p:sld xmlns:a="http://schemas.openxmlformats.org/drawingml/2006/main" xmlns:r="http://schemas.openxmlformats.org/officeDocument/2006/relationships" xmlns:p="http://schemas.openxmlformats.org/presentationml/2006/main">
+  <p:cSld>
+    <p:spTree>
+      <p:nvGrpSpPr>
+        <p:cNvPr id="1" name=""/>
+        <p:cNvGrpSpPr/>
+        <p:nvPr/>
+      </p:nvGrpSpPr>
+      <p:grpSpPr>
+        <a:xfrm>
+          <a:off x="0" y="0"/>
+          <a:ext cx="0" cy="0"/>
+          <a:chOff x="0" y="0"/>
+          <a:chExt cx="0" cy="0"/>
+        </a:xfrm>
+      </p:grpSpPr>
+      <p:cxnSp>
+        <p:nvCxnSpPr>
+          <p:cNvPr id="5" name="직선 연결선 4">
+            <a:extLst>
+              <a:ext uri="{FF2B5EF4-FFF2-40B4-BE49-F238E27FC236}">
+                <a16:creationId xmlns:a16="http://schemas.microsoft.com/office/drawing/2014/main" id="{164C2827-EFCE-69A4-D037-1A218415F568}"/>
+              </a:ext>
+            </a:extLst>
+          </p:cNvPr>
+          <p:cNvCxnSpPr/>
+          <p:nvPr/>
+        </p:nvCxnSpPr>
+        <p:spPr>
+          <a:xfrm>
+            <a:off x="0" y="887505"/>
+            <a:ext cx="10237694" cy="0"/>
+          </a:xfrm>
+          <a:prstGeom prst="line">
+            <a:avLst/>
+          </a:prstGeom>
+          <a:ln w="76200">
+            <a:solidFill>
+              <a:schemeClr val="tx1">
+                <a:lumMod val="75000"/>
+                <a:lumOff val="25000"/>
+              </a:schemeClr>
+            </a:solidFill>
+          </a:ln>
+        </p:spPr>
+        <p:style>
+          <a:lnRef idx="1">
+            <a:schemeClr val="accent1"/>
+          </a:lnRef>
+          <a:fillRef idx="0">
+            <a:schemeClr val="accent1"/>
+          </a:fillRef>
+          <a:effectRef idx="0">
+            <a:schemeClr val="accent1"/>
+          </a:effectRef>
+          <a:fontRef idx="minor">
+            <a:schemeClr val="tx1"/>
+          </a:fontRef>
+        </p:style>
+      </p:cxnSp>
+      <p:sp>
+        <p:nvSpPr>
+          <p:cNvPr id="3" name="TextBox 2">
+            <a:extLst>
+              <a:ext uri="{FF2B5EF4-FFF2-40B4-BE49-F238E27FC236}">
+                <a16:creationId xmlns:a16="http://schemas.microsoft.com/office/drawing/2014/main" id="{B3B954B2-DB7F-EEC1-438C-CB91D3B18AE1}"/>
+              </a:ext>
+            </a:extLst>
+          </p:cNvPr>
+          <p:cNvSpPr txBox="1"/>
+          <p:nvPr/>
+        </p:nvSpPr>
+        <p:spPr>
+          <a:xfrm>
+            <a:off x="331694" y="177505"/>
+            <a:ext cx="3899016" cy="523220"/>
+          </a:xfrm>
+          <a:prstGeom prst="rect">
+            <a:avLst/>
+          </a:prstGeom>
+          <a:noFill/>
+        </p:spPr>
+        <p:txBody>
+          <a:bodyPr wrap="none" rtlCol="0">
+            <a:spAutoFit/>
+          </a:bodyPr>
+          <a:lstStyle/>
+          <a:p>
+            <a:r>
+              <a:rPr lang="en-US" altLang="ko-KR" sz="2800" dirty="0">
+                <a:latin typeface="나눔스퀘어 Bold" panose="020B0600000101010101" pitchFamily="50" charset="-127"/>
+                <a:ea typeface="나눔스퀘어 Bold" panose="020B0600000101010101" pitchFamily="50" charset="-127"/>
+              </a:rPr>
+              <a:t>Graph – 2178 </a:t>
+            </a:r>
+            <a:r>
+              <a:rPr lang="ko-KR" altLang="en-US" sz="2800" dirty="0">
+                <a:latin typeface="나눔스퀘어 Bold" panose="020B0600000101010101" pitchFamily="50" charset="-127"/>
+                <a:ea typeface="나눔스퀘어 Bold" panose="020B0600000101010101" pitchFamily="50" charset="-127"/>
+              </a:rPr>
+              <a:t>미로 탐색</a:t>
+            </a:r>
+          </a:p>
+        </p:txBody>
+      </p:sp>
+      <p:pic>
+        <p:nvPicPr>
+          <p:cNvPr id="4" name="그림 3">
+            <a:extLst>
+              <a:ext uri="{FF2B5EF4-FFF2-40B4-BE49-F238E27FC236}">
+                <a16:creationId xmlns:a16="http://schemas.microsoft.com/office/drawing/2014/main" id="{FA5DC14F-3B58-7DCB-0529-B6DF343008B1}"/>
+              </a:ext>
+            </a:extLst>
+          </p:cNvPr>
+          <p:cNvPicPr>
+            <a:picLocks noChangeAspect="1"/>
+          </p:cNvPicPr>
+          <p:nvPr/>
+        </p:nvPicPr>
+        <p:blipFill>
+          <a:blip r:embed="rId2"/>
+          <a:stretch>
+            <a:fillRect/>
+          </a:stretch>
+        </p:blipFill>
+        <p:spPr>
+          <a:xfrm>
+            <a:off x="331694" y="1000161"/>
+            <a:ext cx="10783805" cy="3620005"/>
+          </a:xfrm>
+          <a:prstGeom prst="rect">
+            <a:avLst/>
+          </a:prstGeom>
+        </p:spPr>
+      </p:pic>
+      <p:pic>
+        <p:nvPicPr>
+          <p:cNvPr id="8" name="그림 7">
+            <a:extLst>
+              <a:ext uri="{FF2B5EF4-FFF2-40B4-BE49-F238E27FC236}">
+                <a16:creationId xmlns:a16="http://schemas.microsoft.com/office/drawing/2014/main" id="{D27D39DC-B2B5-9D08-1123-33207352EC90}"/>
+              </a:ext>
+            </a:extLst>
+          </p:cNvPr>
+          <p:cNvPicPr>
+            <a:picLocks noChangeAspect="1"/>
+          </p:cNvPicPr>
+          <p:nvPr/>
+        </p:nvPicPr>
+        <p:blipFill>
+          <a:blip r:embed="rId3"/>
+          <a:stretch>
+            <a:fillRect/>
+          </a:stretch>
+        </p:blipFill>
+        <p:spPr>
+          <a:xfrm>
+            <a:off x="331694" y="4725894"/>
+            <a:ext cx="1381318" cy="1952898"/>
+          </a:xfrm>
+          <a:prstGeom prst="rect">
+            <a:avLst/>
+          </a:prstGeom>
+        </p:spPr>
+      </p:pic>
+      <p:pic>
+        <p:nvPicPr>
+          <p:cNvPr id="10" name="그림 9">
+            <a:extLst>
+              <a:ext uri="{FF2B5EF4-FFF2-40B4-BE49-F238E27FC236}">
+                <a16:creationId xmlns:a16="http://schemas.microsoft.com/office/drawing/2014/main" id="{3DD36C43-90AD-AFEE-539A-343B818B647A}"/>
+              </a:ext>
+            </a:extLst>
+          </p:cNvPr>
+          <p:cNvPicPr>
+            <a:picLocks noChangeAspect="1"/>
+          </p:cNvPicPr>
+          <p:nvPr/>
+        </p:nvPicPr>
+        <p:blipFill>
+          <a:blip r:embed="rId4"/>
+          <a:stretch>
+            <a:fillRect/>
+          </a:stretch>
+        </p:blipFill>
+        <p:spPr>
+          <a:xfrm>
+            <a:off x="1789450" y="4730077"/>
+            <a:ext cx="1371791" cy="990738"/>
+          </a:xfrm>
+          <a:prstGeom prst="rect">
+            <a:avLst/>
+          </a:prstGeom>
+        </p:spPr>
+      </p:pic>
+      <p:pic>
+        <p:nvPicPr>
+          <p:cNvPr id="12" name="그림 11">
+            <a:extLst>
+              <a:ext uri="{FF2B5EF4-FFF2-40B4-BE49-F238E27FC236}">
+                <a16:creationId xmlns:a16="http://schemas.microsoft.com/office/drawing/2014/main" id="{2104BF6A-48BA-5686-10A0-8CBBBB3C5CEE}"/>
+              </a:ext>
+            </a:extLst>
+          </p:cNvPr>
+          <p:cNvPicPr>
+            <a:picLocks noChangeAspect="1"/>
+          </p:cNvPicPr>
+          <p:nvPr/>
+        </p:nvPicPr>
+        <p:blipFill>
+          <a:blip r:embed="rId5"/>
+          <a:stretch>
+            <a:fillRect/>
+          </a:stretch>
+        </p:blipFill>
+        <p:spPr>
+          <a:xfrm>
+            <a:off x="3544814" y="4736001"/>
+            <a:ext cx="1371791" cy="1895740"/>
+          </a:xfrm>
+          <a:prstGeom prst="rect">
+            <a:avLst/>
+          </a:prstGeom>
+        </p:spPr>
+      </p:pic>
+      <p:pic>
+        <p:nvPicPr>
+          <p:cNvPr id="14" name="그림 13">
+            <a:extLst>
+              <a:ext uri="{FF2B5EF4-FFF2-40B4-BE49-F238E27FC236}">
+                <a16:creationId xmlns:a16="http://schemas.microsoft.com/office/drawing/2014/main" id="{EED78C7D-9A0E-591C-7A5D-F34A83B545ED}"/>
+              </a:ext>
+            </a:extLst>
+          </p:cNvPr>
+          <p:cNvPicPr>
+            <a:picLocks noChangeAspect="1"/>
+          </p:cNvPicPr>
+          <p:nvPr/>
+        </p:nvPicPr>
+        <p:blipFill>
+          <a:blip r:embed="rId6"/>
+          <a:stretch>
+            <a:fillRect/>
+          </a:stretch>
+        </p:blipFill>
+        <p:spPr>
+          <a:xfrm>
+            <a:off x="4993043" y="4732821"/>
+            <a:ext cx="1352739" cy="971686"/>
+          </a:xfrm>
+          <a:prstGeom prst="rect">
+            <a:avLst/>
+          </a:prstGeom>
+        </p:spPr>
+      </p:pic>
+      <p:pic>
+        <p:nvPicPr>
+          <p:cNvPr id="16" name="그림 15">
+            <a:extLst>
+              <a:ext uri="{FF2B5EF4-FFF2-40B4-BE49-F238E27FC236}">
+                <a16:creationId xmlns:a16="http://schemas.microsoft.com/office/drawing/2014/main" id="{4D745FE7-27E1-F4AE-1580-31870CEE187B}"/>
+              </a:ext>
+            </a:extLst>
+          </p:cNvPr>
+          <p:cNvPicPr>
+            <a:picLocks noChangeAspect="1"/>
+          </p:cNvPicPr>
+          <p:nvPr/>
+        </p:nvPicPr>
+        <p:blipFill>
+          <a:blip r:embed="rId7"/>
+          <a:stretch>
+            <a:fillRect/>
+          </a:stretch>
+        </p:blipFill>
+        <p:spPr>
+          <a:xfrm>
+            <a:off x="6748407" y="4725894"/>
+            <a:ext cx="2705478" cy="1428949"/>
+          </a:xfrm>
+          <a:prstGeom prst="rect">
+            <a:avLst/>
+          </a:prstGeom>
+        </p:spPr>
+      </p:pic>
+      <p:pic>
+        <p:nvPicPr>
+          <p:cNvPr id="18" name="그림 17">
+            <a:extLst>
+              <a:ext uri="{FF2B5EF4-FFF2-40B4-BE49-F238E27FC236}">
+                <a16:creationId xmlns:a16="http://schemas.microsoft.com/office/drawing/2014/main" id="{92345696-89A4-046E-7D27-1773D5DFCBB5}"/>
+              </a:ext>
+            </a:extLst>
+          </p:cNvPr>
+          <p:cNvPicPr>
+            <a:picLocks noChangeAspect="1"/>
+          </p:cNvPicPr>
+          <p:nvPr/>
+        </p:nvPicPr>
+        <p:blipFill>
+          <a:blip r:embed="rId8"/>
+          <a:stretch>
+            <a:fillRect/>
+          </a:stretch>
+        </p:blipFill>
+        <p:spPr>
+          <a:xfrm>
+            <a:off x="9561324" y="4725894"/>
+            <a:ext cx="1352739" cy="933580"/>
+          </a:xfrm>
+          <a:prstGeom prst="rect">
+            <a:avLst/>
+          </a:prstGeom>
+        </p:spPr>
+      </p:pic>
+    </p:spTree>
+    <p:extLst>
+      <p:ext uri="{BB962C8B-B14F-4D97-AF65-F5344CB8AC3E}">
+        <p14:creationId xmlns:p14="http://schemas.microsoft.com/office/powerpoint/2010/main" val="3118018328"/>
+      </p:ext>
+    </p:extLst>
+  </p:cSld>
+  <p:clrMapOvr>
+    <a:masterClrMapping/>
+  </p:clrMapOvr>
+</p:sld>
+</file>
+
+<file path=ppt/slides/slide43.xml><?xml version="1.0" encoding="utf-8"?>
+<p:sld xmlns:a="http://schemas.openxmlformats.org/drawingml/2006/main" xmlns:r="http://schemas.openxmlformats.org/officeDocument/2006/relationships" xmlns:p="http://schemas.openxmlformats.org/presentationml/2006/main">
+  <p:cSld>
+    <p:spTree>
+      <p:nvGrpSpPr>
+        <p:cNvPr id="1" name=""/>
+        <p:cNvGrpSpPr/>
+        <p:nvPr/>
+      </p:nvGrpSpPr>
+      <p:grpSpPr>
+        <a:xfrm>
+          <a:off x="0" y="0"/>
+          <a:ext cx="0" cy="0"/>
+          <a:chOff x="0" y="0"/>
+          <a:chExt cx="0" cy="0"/>
+        </a:xfrm>
+      </p:grpSpPr>
+      <p:cxnSp>
+        <p:nvCxnSpPr>
+          <p:cNvPr id="5" name="직선 연결선 4">
+            <a:extLst>
+              <a:ext uri="{FF2B5EF4-FFF2-40B4-BE49-F238E27FC236}">
+                <a16:creationId xmlns:a16="http://schemas.microsoft.com/office/drawing/2014/main" id="{164C2827-EFCE-69A4-D037-1A218415F568}"/>
+              </a:ext>
+            </a:extLst>
+          </p:cNvPr>
+          <p:cNvCxnSpPr/>
+          <p:nvPr/>
+        </p:nvCxnSpPr>
+        <p:spPr>
+          <a:xfrm>
             <a:off x="0" y="887505"/>
             <a:ext cx="10237694" cy="0"/>
           </a:xfrm>
@@ -22421,7 +22893,7 @@
 </p:sld>
 </file>
 
-<file path=ppt/slides/slide42.xml><?xml version="1.0" encoding="utf-8"?>
+<file path=ppt/slides/slide44.xml><?xml version="1.0" encoding="utf-8"?>
 <p:sld xmlns:a="http://schemas.openxmlformats.org/drawingml/2006/main" xmlns:r="http://schemas.openxmlformats.org/officeDocument/2006/relationships" xmlns:p="http://schemas.openxmlformats.org/presentationml/2006/main">
   <p:cSld>
     <p:spTree>

--- a/study/8_Tree, Graph.pptx
+++ b/study/8_Tree, Graph.pptx
@@ -48,7 +48,9 @@
     <p:sldId id="450" r:id="rId42"/>
     <p:sldId id="431" r:id="rId43"/>
     <p:sldId id="432" r:id="rId44"/>
-    <p:sldId id="298" r:id="rId45"/>
+    <p:sldId id="452" r:id="rId45"/>
+    <p:sldId id="453" r:id="rId46"/>
+    <p:sldId id="298" r:id="rId47"/>
   </p:sldIdLst>
   <p:sldSz cx="12192000" cy="6858000"/>
   <p:notesSz cx="6858000" cy="9144000"/>
@@ -302,7 +304,7 @@
           <a:p>
             <a:fld id="{33C37291-AA83-40C0-9297-8F7F3693F6CC}" type="datetimeFigureOut">
               <a:rPr lang="ko-KR" altLang="en-US" smtClean="0"/>
-              <a:t>2022-10-08</a:t>
+              <a:t>2022-10-10</a:t>
             </a:fld>
             <a:endParaRPr lang="ko-KR" altLang="en-US"/>
           </a:p>
@@ -500,7 +502,7 @@
           <a:p>
             <a:fld id="{33C37291-AA83-40C0-9297-8F7F3693F6CC}" type="datetimeFigureOut">
               <a:rPr lang="ko-KR" altLang="en-US" smtClean="0"/>
-              <a:t>2022-10-08</a:t>
+              <a:t>2022-10-10</a:t>
             </a:fld>
             <a:endParaRPr lang="ko-KR" altLang="en-US"/>
           </a:p>
@@ -708,7 +710,7 @@
           <a:p>
             <a:fld id="{33C37291-AA83-40C0-9297-8F7F3693F6CC}" type="datetimeFigureOut">
               <a:rPr lang="ko-KR" altLang="en-US" smtClean="0"/>
-              <a:t>2022-10-08</a:t>
+              <a:t>2022-10-10</a:t>
             </a:fld>
             <a:endParaRPr lang="ko-KR" altLang="en-US"/>
           </a:p>
@@ -906,7 +908,7 @@
           <a:p>
             <a:fld id="{33C37291-AA83-40C0-9297-8F7F3693F6CC}" type="datetimeFigureOut">
               <a:rPr lang="ko-KR" altLang="en-US" smtClean="0"/>
-              <a:t>2022-10-08</a:t>
+              <a:t>2022-10-10</a:t>
             </a:fld>
             <a:endParaRPr lang="ko-KR" altLang="en-US"/>
           </a:p>
@@ -1181,7 +1183,7 @@
           <a:p>
             <a:fld id="{33C37291-AA83-40C0-9297-8F7F3693F6CC}" type="datetimeFigureOut">
               <a:rPr lang="ko-KR" altLang="en-US" smtClean="0"/>
-              <a:t>2022-10-08</a:t>
+              <a:t>2022-10-10</a:t>
             </a:fld>
             <a:endParaRPr lang="ko-KR" altLang="en-US"/>
           </a:p>
@@ -1446,7 +1448,7 @@
           <a:p>
             <a:fld id="{33C37291-AA83-40C0-9297-8F7F3693F6CC}" type="datetimeFigureOut">
               <a:rPr lang="ko-KR" altLang="en-US" smtClean="0"/>
-              <a:t>2022-10-08</a:t>
+              <a:t>2022-10-10</a:t>
             </a:fld>
             <a:endParaRPr lang="ko-KR" altLang="en-US"/>
           </a:p>
@@ -1858,7 +1860,7 @@
           <a:p>
             <a:fld id="{33C37291-AA83-40C0-9297-8F7F3693F6CC}" type="datetimeFigureOut">
               <a:rPr lang="ko-KR" altLang="en-US" smtClean="0"/>
-              <a:t>2022-10-08</a:t>
+              <a:t>2022-10-10</a:t>
             </a:fld>
             <a:endParaRPr lang="ko-KR" altLang="en-US"/>
           </a:p>
@@ -1999,7 +2001,7 @@
           <a:p>
             <a:fld id="{33C37291-AA83-40C0-9297-8F7F3693F6CC}" type="datetimeFigureOut">
               <a:rPr lang="ko-KR" altLang="en-US" smtClean="0"/>
-              <a:t>2022-10-08</a:t>
+              <a:t>2022-10-10</a:t>
             </a:fld>
             <a:endParaRPr lang="ko-KR" altLang="en-US"/>
           </a:p>
@@ -2112,7 +2114,7 @@
           <a:p>
             <a:fld id="{33C37291-AA83-40C0-9297-8F7F3693F6CC}" type="datetimeFigureOut">
               <a:rPr lang="ko-KR" altLang="en-US" smtClean="0"/>
-              <a:t>2022-10-08</a:t>
+              <a:t>2022-10-10</a:t>
             </a:fld>
             <a:endParaRPr lang="ko-KR" altLang="en-US"/>
           </a:p>
@@ -2423,7 +2425,7 @@
           <a:p>
             <a:fld id="{33C37291-AA83-40C0-9297-8F7F3693F6CC}" type="datetimeFigureOut">
               <a:rPr lang="ko-KR" altLang="en-US" smtClean="0"/>
-              <a:t>2022-10-08</a:t>
+              <a:t>2022-10-10</a:t>
             </a:fld>
             <a:endParaRPr lang="ko-KR" altLang="en-US"/>
           </a:p>
@@ -2711,7 +2713,7 @@
           <a:p>
             <a:fld id="{33C37291-AA83-40C0-9297-8F7F3693F6CC}" type="datetimeFigureOut">
               <a:rPr lang="ko-KR" altLang="en-US" smtClean="0"/>
-              <a:t>2022-10-08</a:t>
+              <a:t>2022-10-10</a:t>
             </a:fld>
             <a:endParaRPr lang="ko-KR" altLang="en-US"/>
           </a:p>
@@ -2952,7 +2954,7 @@
           <a:p>
             <a:fld id="{33C37291-AA83-40C0-9297-8F7F3693F6CC}" type="datetimeFigureOut">
               <a:rPr lang="ko-KR" altLang="en-US" smtClean="0"/>
-              <a:t>2022-10-08</a:t>
+              <a:t>2022-10-10</a:t>
             </a:fld>
             <a:endParaRPr lang="ko-KR" altLang="en-US"/>
           </a:p>
@@ -22370,60 +22372,39 @@
           <a:lstStyle/>
           <a:p>
             <a:r>
+              <a:rPr lang="en-US" altLang="ko-KR" dirty="0">
+                <a:latin typeface="나눔스퀘어 Light" panose="020B0600000101010101" pitchFamily="50" charset="-127"/>
+                <a:ea typeface="나눔스퀘어 Light" panose="020B0600000101010101" pitchFamily="50" charset="-127"/>
+              </a:rPr>
+              <a:t>Python</a:t>
+            </a:r>
+            <a:r>
               <a:rPr lang="ko-KR" altLang="en-US" dirty="0">
                 <a:latin typeface="나눔스퀘어 Light" panose="020B0600000101010101" pitchFamily="50" charset="-127"/>
                 <a:ea typeface="나눔스퀘어 Light" panose="020B0600000101010101" pitchFamily="50" charset="-127"/>
               </a:rPr>
-              <a:t>트리와 그래프</a:t>
+              <a:t>에는 기본적으로 재귀함수의 깊이 제한</a:t>
             </a:r>
             <a:r>
               <a:rPr lang="en-US" altLang="ko-KR" dirty="0">
                 <a:latin typeface="나눔스퀘어 Light" panose="020B0600000101010101" pitchFamily="50" charset="-127"/>
                 <a:ea typeface="나눔스퀘어 Light" panose="020B0600000101010101" pitchFamily="50" charset="-127"/>
               </a:rPr>
-              <a:t>(</a:t>
+              <a:t>(1000)</a:t>
             </a:r>
             <a:r>
               <a:rPr lang="ko-KR" altLang="en-US" dirty="0">
                 <a:latin typeface="나눔스퀘어 Light" panose="020B0600000101010101" pitchFamily="50" charset="-127"/>
                 <a:ea typeface="나눔스퀘어 Light" panose="020B0600000101010101" pitchFamily="50" charset="-127"/>
               </a:rPr>
-              <a:t>특히 그래프</a:t>
+              <a:t>이 걸려있습니다</a:t>
             </a:r>
             <a:r>
               <a:rPr lang="en-US" altLang="ko-KR" dirty="0">
                 <a:latin typeface="나눔스퀘어 Light" panose="020B0600000101010101" pitchFamily="50" charset="-127"/>
                 <a:ea typeface="나눔스퀘어 Light" panose="020B0600000101010101" pitchFamily="50" charset="-127"/>
               </a:rPr>
-              <a:t>)</a:t>
-            </a:r>
-            <a:r>
-              <a:rPr lang="ko-KR" altLang="en-US" dirty="0">
-                <a:latin typeface="나눔스퀘어 Light" panose="020B0600000101010101" pitchFamily="50" charset="-127"/>
-                <a:ea typeface="나눔스퀘어 Light" panose="020B0600000101010101" pitchFamily="50" charset="-127"/>
-              </a:rPr>
-              <a:t>는 알고리즘 </a:t>
-            </a:r>
-            <a:r>
-              <a:rPr lang="en-US" altLang="ko-KR" dirty="0">
-                <a:latin typeface="나눔스퀘어 Light" panose="020B0600000101010101" pitchFamily="50" charset="-127"/>
-                <a:ea typeface="나눔스퀘어 Light" panose="020B0600000101010101" pitchFamily="50" charset="-127"/>
-              </a:rPr>
-              <a:t>PS </a:t>
-            </a:r>
-            <a:r>
-              <a:rPr lang="ko-KR" altLang="en-US" dirty="0">
-                <a:latin typeface="나눔스퀘어 Light" panose="020B0600000101010101" pitchFamily="50" charset="-127"/>
-                <a:ea typeface="나눔스퀘어 Light" panose="020B0600000101010101" pitchFamily="50" charset="-127"/>
-              </a:rPr>
-              <a:t>에서도 그렇고</a:t>
-            </a:r>
-            <a:r>
-              <a:rPr lang="en-US" altLang="ko-KR" dirty="0">
-                <a:latin typeface="나눔스퀘어 Light" panose="020B0600000101010101" pitchFamily="50" charset="-127"/>
-                <a:ea typeface="나눔스퀘어 Light" panose="020B0600000101010101" pitchFamily="50" charset="-127"/>
-              </a:rPr>
-              <a:t>,</a:t>
+              <a:t>.</a:t>
             </a:r>
             <a:endParaRPr lang="ko-KR" altLang="en-US" dirty="0">
               <a:latin typeface="나눔스퀘어 Light" panose="020B0600000101010101" pitchFamily="50" charset="-127"/>
@@ -22432,6 +22413,173 @@
           </a:p>
         </p:txBody>
       </p:sp>
+      <p:pic>
+        <p:nvPicPr>
+          <p:cNvPr id="4" name="그림 3">
+            <a:extLst>
+              <a:ext uri="{FF2B5EF4-FFF2-40B4-BE49-F238E27FC236}">
+                <a16:creationId xmlns:a16="http://schemas.microsoft.com/office/drawing/2014/main" id="{019FBC45-2A20-C6F1-5C96-B57CFE2A119C}"/>
+              </a:ext>
+            </a:extLst>
+          </p:cNvPr>
+          <p:cNvPicPr>
+            <a:picLocks noChangeAspect="1"/>
+          </p:cNvPicPr>
+          <p:nvPr/>
+        </p:nvPicPr>
+        <p:blipFill>
+          <a:blip r:embed="rId2"/>
+          <a:stretch>
+            <a:fillRect/>
+          </a:stretch>
+        </p:blipFill>
+        <p:spPr>
+          <a:xfrm>
+            <a:off x="942387" y="1559356"/>
+            <a:ext cx="8065400" cy="1869644"/>
+          </a:xfrm>
+          <a:prstGeom prst="rect">
+            <a:avLst/>
+          </a:prstGeom>
+        </p:spPr>
+      </p:pic>
+      <p:sp>
+        <p:nvSpPr>
+          <p:cNvPr id="7" name="TextBox 6">
+            <a:extLst>
+              <a:ext uri="{FF2B5EF4-FFF2-40B4-BE49-F238E27FC236}">
+                <a16:creationId xmlns:a16="http://schemas.microsoft.com/office/drawing/2014/main" id="{46655162-AC32-F27D-FF40-3FE32CEF7665}"/>
+              </a:ext>
+            </a:extLst>
+          </p:cNvPr>
+          <p:cNvSpPr txBox="1"/>
+          <p:nvPr/>
+        </p:nvSpPr>
+        <p:spPr>
+          <a:xfrm>
+            <a:off x="942387" y="3798332"/>
+            <a:ext cx="10237694" cy="369332"/>
+          </a:xfrm>
+          <a:prstGeom prst="rect">
+            <a:avLst/>
+          </a:prstGeom>
+          <a:noFill/>
+        </p:spPr>
+        <p:txBody>
+          <a:bodyPr wrap="square" rtlCol="0">
+            <a:spAutoFit/>
+          </a:bodyPr>
+          <a:lstStyle/>
+          <a:p>
+            <a:r>
+              <a:rPr lang="ko-KR" altLang="en-US" dirty="0">
+                <a:latin typeface="나눔스퀘어 Light" panose="020B0600000101010101" pitchFamily="50" charset="-127"/>
+                <a:ea typeface="나눔스퀘어 Light" panose="020B0600000101010101" pitchFamily="50" charset="-127"/>
+              </a:rPr>
+              <a:t>이를</a:t>
+            </a:r>
+            <a:r>
+              <a:rPr lang="en-US" altLang="ko-KR" dirty="0">
+                <a:latin typeface="나눔스퀘어 Light" panose="020B0600000101010101" pitchFamily="50" charset="-127"/>
+                <a:ea typeface="나눔스퀘어 Light" panose="020B0600000101010101" pitchFamily="50" charset="-127"/>
+              </a:rPr>
+              <a:t> </a:t>
+            </a:r>
+            <a:r>
+              <a:rPr lang="en-US" altLang="ko-KR" dirty="0" err="1">
+                <a:latin typeface="나눔스퀘어 Light" panose="020B0600000101010101" pitchFamily="50" charset="-127"/>
+                <a:ea typeface="나눔스퀘어 Light" panose="020B0600000101010101" pitchFamily="50" charset="-127"/>
+              </a:rPr>
+              <a:t>sys.setrecursionlimit</a:t>
+            </a:r>
+            <a:r>
+              <a:rPr lang="en-US" altLang="ko-KR" dirty="0">
+                <a:latin typeface="나눔스퀘어 Light" panose="020B0600000101010101" pitchFamily="50" charset="-127"/>
+                <a:ea typeface="나눔스퀘어 Light" panose="020B0600000101010101" pitchFamily="50" charset="-127"/>
+              </a:rPr>
+              <a:t>() </a:t>
+            </a:r>
+            <a:r>
+              <a:rPr lang="ko-KR" altLang="en-US" dirty="0">
+                <a:latin typeface="나눔스퀘어 Light" panose="020B0600000101010101" pitchFamily="50" charset="-127"/>
+                <a:ea typeface="나눔스퀘어 Light" panose="020B0600000101010101" pitchFamily="50" charset="-127"/>
+              </a:rPr>
+              <a:t>메서드로 조정할 수 있습니다</a:t>
+            </a:r>
+            <a:r>
+              <a:rPr lang="en-US" altLang="ko-KR" dirty="0">
+                <a:latin typeface="나눔스퀘어 Light" panose="020B0600000101010101" pitchFamily="50" charset="-127"/>
+                <a:ea typeface="나눔스퀘어 Light" panose="020B0600000101010101" pitchFamily="50" charset="-127"/>
+              </a:rPr>
+              <a:t>.</a:t>
+            </a:r>
+            <a:endParaRPr lang="ko-KR" altLang="en-US" dirty="0">
+              <a:latin typeface="나눔스퀘어 Light" panose="020B0600000101010101" pitchFamily="50" charset="-127"/>
+              <a:ea typeface="나눔스퀘어 Light" panose="020B0600000101010101" pitchFamily="50" charset="-127"/>
+            </a:endParaRPr>
+          </a:p>
+        </p:txBody>
+      </p:sp>
+      <p:pic>
+        <p:nvPicPr>
+          <p:cNvPr id="9" name="그림 8">
+            <a:extLst>
+              <a:ext uri="{FF2B5EF4-FFF2-40B4-BE49-F238E27FC236}">
+                <a16:creationId xmlns:a16="http://schemas.microsoft.com/office/drawing/2014/main" id="{1375B10F-1A91-86A6-EAC9-9EA6733DC885}"/>
+              </a:ext>
+            </a:extLst>
+          </p:cNvPr>
+          <p:cNvPicPr>
+            <a:picLocks noChangeAspect="1"/>
+          </p:cNvPicPr>
+          <p:nvPr/>
+        </p:nvPicPr>
+        <p:blipFill>
+          <a:blip r:embed="rId3"/>
+          <a:stretch>
+            <a:fillRect/>
+          </a:stretch>
+        </p:blipFill>
+        <p:spPr>
+          <a:xfrm>
+            <a:off x="942387" y="4167664"/>
+            <a:ext cx="6363577" cy="2414637"/>
+          </a:xfrm>
+          <a:prstGeom prst="rect">
+            <a:avLst/>
+          </a:prstGeom>
+        </p:spPr>
+      </p:pic>
+      <p:pic>
+        <p:nvPicPr>
+          <p:cNvPr id="15" name="그림 14">
+            <a:extLst>
+              <a:ext uri="{FF2B5EF4-FFF2-40B4-BE49-F238E27FC236}">
+                <a16:creationId xmlns:a16="http://schemas.microsoft.com/office/drawing/2014/main" id="{B4808765-45FC-771C-1816-98ECF7E8DD54}"/>
+              </a:ext>
+            </a:extLst>
+          </p:cNvPr>
+          <p:cNvPicPr>
+            <a:picLocks noChangeAspect="1"/>
+          </p:cNvPicPr>
+          <p:nvPr/>
+        </p:nvPicPr>
+        <p:blipFill>
+          <a:blip r:embed="rId4"/>
+          <a:stretch>
+            <a:fillRect/>
+          </a:stretch>
+        </p:blipFill>
+        <p:spPr>
+          <a:xfrm>
+            <a:off x="7305965" y="4167664"/>
+            <a:ext cx="1701822" cy="2420806"/>
+          </a:xfrm>
+          <a:prstGeom prst="rect">
+            <a:avLst/>
+          </a:prstGeom>
+        </p:spPr>
+      </p:pic>
     </p:spTree>
     <p:extLst>
       <p:ext uri="{BB962C8B-B14F-4D97-AF65-F5344CB8AC3E}">
@@ -22880,6 +23028,1223 @@
           </a:p>
         </p:txBody>
       </p:sp>
+      <p:sp>
+        <p:nvSpPr>
+          <p:cNvPr id="2" name="TextBox 1">
+            <a:extLst>
+              <a:ext uri="{FF2B5EF4-FFF2-40B4-BE49-F238E27FC236}">
+                <a16:creationId xmlns:a16="http://schemas.microsoft.com/office/drawing/2014/main" id="{F46B1A79-0667-3D21-E04D-5846311CBBDD}"/>
+              </a:ext>
+            </a:extLst>
+          </p:cNvPr>
+          <p:cNvSpPr txBox="1"/>
+          <p:nvPr/>
+        </p:nvSpPr>
+        <p:spPr>
+          <a:xfrm>
+            <a:off x="942387" y="1559356"/>
+            <a:ext cx="10237694" cy="369332"/>
+          </a:xfrm>
+          <a:prstGeom prst="rect">
+            <a:avLst/>
+          </a:prstGeom>
+          <a:noFill/>
+        </p:spPr>
+        <p:txBody>
+          <a:bodyPr wrap="square" rtlCol="0">
+            <a:spAutoFit/>
+          </a:bodyPr>
+          <a:lstStyle/>
+          <a:p>
+            <a:r>
+              <a:rPr lang="ko-KR" altLang="en-US" dirty="0">
+                <a:latin typeface="나눔스퀘어 Light" panose="020B0600000101010101" pitchFamily="50" charset="-127"/>
+                <a:ea typeface="나눔스퀘어 Light" panose="020B0600000101010101" pitchFamily="50" charset="-127"/>
+              </a:rPr>
+              <a:t>배열을 양방향 간선 그래프로 생각할 수 있습니다</a:t>
+            </a:r>
+            <a:r>
+              <a:rPr lang="en-US" altLang="ko-KR" dirty="0">
+                <a:latin typeface="나눔스퀘어 Light" panose="020B0600000101010101" pitchFamily="50" charset="-127"/>
+                <a:ea typeface="나눔스퀘어 Light" panose="020B0600000101010101" pitchFamily="50" charset="-127"/>
+              </a:rPr>
+              <a:t>.</a:t>
+            </a:r>
+            <a:endParaRPr lang="ko-KR" altLang="en-US" dirty="0">
+              <a:latin typeface="나눔스퀘어 Light" panose="020B0600000101010101" pitchFamily="50" charset="-127"/>
+              <a:ea typeface="나눔스퀘어 Light" panose="020B0600000101010101" pitchFamily="50" charset="-127"/>
+            </a:endParaRPr>
+          </a:p>
+        </p:txBody>
+      </p:sp>
+      <p:graphicFrame>
+        <p:nvGraphicFramePr>
+          <p:cNvPr id="4" name="표 6">
+            <a:extLst>
+              <a:ext uri="{FF2B5EF4-FFF2-40B4-BE49-F238E27FC236}">
+                <a16:creationId xmlns:a16="http://schemas.microsoft.com/office/drawing/2014/main" id="{2B19DB5D-3575-A732-E1C4-CA2AD9BA22C5}"/>
+              </a:ext>
+            </a:extLst>
+          </p:cNvPr>
+          <p:cNvGraphicFramePr>
+            <a:graphicFrameLocks noGrp="1"/>
+          </p:cNvGraphicFramePr>
+          <p:nvPr>
+            <p:extLst>
+              <p:ext uri="{D42A27DB-BD31-4B8C-83A1-F6EECF244321}">
+                <p14:modId xmlns:p14="http://schemas.microsoft.com/office/powerpoint/2010/main" val="2145507590"/>
+              </p:ext>
+            </p:extLst>
+          </p:nvPr>
+        </p:nvGraphicFramePr>
+        <p:xfrm>
+          <a:off x="1054846" y="2030695"/>
+          <a:ext cx="4129896" cy="3939801"/>
+        </p:xfrm>
+        <a:graphic>
+          <a:graphicData uri="http://schemas.openxmlformats.org/drawingml/2006/table">
+            <a:tbl>
+              <a:tblPr firstRow="1" bandRow="1">
+                <a:tableStyleId>{69CF1AB2-1976-4502-BF36-3FF5EA218861}</a:tableStyleId>
+              </a:tblPr>
+              <a:tblGrid>
+                <a:gridCol w="1376632">
+                  <a:extLst>
+                    <a:ext uri="{9D8B030D-6E8A-4147-A177-3AD203B41FA5}">
+                      <a16:colId xmlns:a16="http://schemas.microsoft.com/office/drawing/2014/main" val="184689733"/>
+                    </a:ext>
+                  </a:extLst>
+                </a:gridCol>
+                <a:gridCol w="1376632">
+                  <a:extLst>
+                    <a:ext uri="{9D8B030D-6E8A-4147-A177-3AD203B41FA5}">
+                      <a16:colId xmlns:a16="http://schemas.microsoft.com/office/drawing/2014/main" val="662498604"/>
+                    </a:ext>
+                  </a:extLst>
+                </a:gridCol>
+                <a:gridCol w="1376632">
+                  <a:extLst>
+                    <a:ext uri="{9D8B030D-6E8A-4147-A177-3AD203B41FA5}">
+                      <a16:colId xmlns:a16="http://schemas.microsoft.com/office/drawing/2014/main" val="3419381811"/>
+                    </a:ext>
+                  </a:extLst>
+                </a:gridCol>
+              </a:tblGrid>
+              <a:tr h="1313267">
+                <a:tc>
+                  <a:txBody>
+                    <a:bodyPr/>
+                    <a:lstStyle/>
+                    <a:p>
+                      <a:pPr algn="ctr" latinLnBrk="1"/>
+                      <a:r>
+                        <a:rPr lang="en-US" altLang="ko-KR" sz="2800" b="0" dirty="0">
+                          <a:latin typeface="나눔스퀘어 Bold" panose="020B0600000101010101" pitchFamily="50" charset="-127"/>
+                          <a:ea typeface="나눔스퀘어 Bold" panose="020B0600000101010101" pitchFamily="50" charset="-127"/>
+                        </a:rPr>
+                        <a:t>1</a:t>
+                      </a:r>
+                      <a:endParaRPr lang="ko-KR" altLang="en-US" sz="2800" b="0" dirty="0">
+                        <a:latin typeface="나눔스퀘어 Bold" panose="020B0600000101010101" pitchFamily="50" charset="-127"/>
+                        <a:ea typeface="나눔스퀘어 Bold" panose="020B0600000101010101" pitchFamily="50" charset="-127"/>
+                      </a:endParaRPr>
+                    </a:p>
+                  </a:txBody>
+                  <a:tcPr anchor="ctr"/>
+                </a:tc>
+                <a:tc>
+                  <a:txBody>
+                    <a:bodyPr/>
+                    <a:lstStyle/>
+                    <a:p>
+                      <a:pPr algn="ctr" latinLnBrk="1"/>
+                      <a:r>
+                        <a:rPr lang="en-US" altLang="ko-KR" sz="2800" b="0" dirty="0">
+                          <a:latin typeface="나눔스퀘어 Bold" panose="020B0600000101010101" pitchFamily="50" charset="-127"/>
+                          <a:ea typeface="나눔스퀘어 Bold" panose="020B0600000101010101" pitchFamily="50" charset="-127"/>
+                        </a:rPr>
+                        <a:t>1</a:t>
+                      </a:r>
+                      <a:endParaRPr lang="ko-KR" altLang="en-US" sz="2800" b="0" dirty="0">
+                        <a:latin typeface="나눔스퀘어 Bold" panose="020B0600000101010101" pitchFamily="50" charset="-127"/>
+                        <a:ea typeface="나눔스퀘어 Bold" panose="020B0600000101010101" pitchFamily="50" charset="-127"/>
+                      </a:endParaRPr>
+                    </a:p>
+                  </a:txBody>
+                  <a:tcPr anchor="ctr"/>
+                </a:tc>
+                <a:tc>
+                  <a:txBody>
+                    <a:bodyPr/>
+                    <a:lstStyle/>
+                    <a:p>
+                      <a:pPr algn="ctr" latinLnBrk="1"/>
+                      <a:r>
+                        <a:rPr lang="en-US" altLang="ko-KR" sz="2800" b="0" dirty="0">
+                          <a:latin typeface="나눔스퀘어 Bold" panose="020B0600000101010101" pitchFamily="50" charset="-127"/>
+                          <a:ea typeface="나눔스퀘어 Bold" panose="020B0600000101010101" pitchFamily="50" charset="-127"/>
+                        </a:rPr>
+                        <a:t>0</a:t>
+                      </a:r>
+                      <a:endParaRPr lang="ko-KR" altLang="en-US" sz="2800" b="0" dirty="0">
+                        <a:latin typeface="나눔스퀘어 Bold" panose="020B0600000101010101" pitchFamily="50" charset="-127"/>
+                        <a:ea typeface="나눔스퀘어 Bold" panose="020B0600000101010101" pitchFamily="50" charset="-127"/>
+                      </a:endParaRPr>
+                    </a:p>
+                  </a:txBody>
+                  <a:tcPr anchor="ctr"/>
+                </a:tc>
+                <a:extLst>
+                  <a:ext uri="{0D108BD9-81ED-4DB2-BD59-A6C34878D82A}">
+                    <a16:rowId xmlns:a16="http://schemas.microsoft.com/office/drawing/2014/main" val="889197390"/>
+                  </a:ext>
+                </a:extLst>
+              </a:tr>
+              <a:tr h="1313267">
+                <a:tc>
+                  <a:txBody>
+                    <a:bodyPr/>
+                    <a:lstStyle/>
+                    <a:p>
+                      <a:pPr algn="ctr" latinLnBrk="1"/>
+                      <a:r>
+                        <a:rPr lang="en-US" altLang="ko-KR" sz="2800" dirty="0">
+                          <a:latin typeface="나눔스퀘어 Bold" panose="020B0600000101010101" pitchFamily="50" charset="-127"/>
+                          <a:ea typeface="나눔스퀘어 Bold" panose="020B0600000101010101" pitchFamily="50" charset="-127"/>
+                        </a:rPr>
+                        <a:t>1</a:t>
+                      </a:r>
+                      <a:endParaRPr lang="ko-KR" altLang="en-US" sz="2800" dirty="0">
+                        <a:latin typeface="나눔스퀘어 Bold" panose="020B0600000101010101" pitchFamily="50" charset="-127"/>
+                        <a:ea typeface="나눔스퀘어 Bold" panose="020B0600000101010101" pitchFamily="50" charset="-127"/>
+                      </a:endParaRPr>
+                    </a:p>
+                  </a:txBody>
+                  <a:tcPr anchor="ctr"/>
+                </a:tc>
+                <a:tc>
+                  <a:txBody>
+                    <a:bodyPr/>
+                    <a:lstStyle/>
+                    <a:p>
+                      <a:pPr algn="ctr" latinLnBrk="1"/>
+                      <a:r>
+                        <a:rPr lang="en-US" altLang="ko-KR" sz="2800" dirty="0">
+                          <a:latin typeface="나눔스퀘어 Bold" panose="020B0600000101010101" pitchFamily="50" charset="-127"/>
+                          <a:ea typeface="나눔스퀘어 Bold" panose="020B0600000101010101" pitchFamily="50" charset="-127"/>
+                        </a:rPr>
+                        <a:t>0</a:t>
+                      </a:r>
+                      <a:endParaRPr lang="ko-KR" altLang="en-US" sz="2800" dirty="0">
+                        <a:latin typeface="나눔스퀘어 Bold" panose="020B0600000101010101" pitchFamily="50" charset="-127"/>
+                        <a:ea typeface="나눔스퀘어 Bold" panose="020B0600000101010101" pitchFamily="50" charset="-127"/>
+                      </a:endParaRPr>
+                    </a:p>
+                  </a:txBody>
+                  <a:tcPr anchor="ctr"/>
+                </a:tc>
+                <a:tc>
+                  <a:txBody>
+                    <a:bodyPr/>
+                    <a:lstStyle/>
+                    <a:p>
+                      <a:pPr algn="ctr" latinLnBrk="1"/>
+                      <a:r>
+                        <a:rPr lang="en-US" altLang="ko-KR" sz="2800" dirty="0">
+                          <a:latin typeface="나눔스퀘어 Bold" panose="020B0600000101010101" pitchFamily="50" charset="-127"/>
+                          <a:ea typeface="나눔스퀘어 Bold" panose="020B0600000101010101" pitchFamily="50" charset="-127"/>
+                        </a:rPr>
+                        <a:t>1</a:t>
+                      </a:r>
+                      <a:endParaRPr lang="ko-KR" altLang="en-US" sz="2800" dirty="0">
+                        <a:latin typeface="나눔스퀘어 Bold" panose="020B0600000101010101" pitchFamily="50" charset="-127"/>
+                        <a:ea typeface="나눔스퀘어 Bold" panose="020B0600000101010101" pitchFamily="50" charset="-127"/>
+                      </a:endParaRPr>
+                    </a:p>
+                  </a:txBody>
+                  <a:tcPr anchor="ctr"/>
+                </a:tc>
+                <a:extLst>
+                  <a:ext uri="{0D108BD9-81ED-4DB2-BD59-A6C34878D82A}">
+                    <a16:rowId xmlns:a16="http://schemas.microsoft.com/office/drawing/2014/main" val="3949344445"/>
+                  </a:ext>
+                </a:extLst>
+              </a:tr>
+              <a:tr h="1313267">
+                <a:tc>
+                  <a:txBody>
+                    <a:bodyPr/>
+                    <a:lstStyle/>
+                    <a:p>
+                      <a:pPr algn="ctr" latinLnBrk="1"/>
+                      <a:r>
+                        <a:rPr lang="en-US" altLang="ko-KR" sz="2800" dirty="0">
+                          <a:latin typeface="나눔스퀘어 Bold" panose="020B0600000101010101" pitchFamily="50" charset="-127"/>
+                          <a:ea typeface="나눔스퀘어 Bold" panose="020B0600000101010101" pitchFamily="50" charset="-127"/>
+                        </a:rPr>
+                        <a:t>1</a:t>
+                      </a:r>
+                      <a:endParaRPr lang="ko-KR" altLang="en-US" sz="2800" dirty="0">
+                        <a:latin typeface="나눔스퀘어 Bold" panose="020B0600000101010101" pitchFamily="50" charset="-127"/>
+                        <a:ea typeface="나눔스퀘어 Bold" panose="020B0600000101010101" pitchFamily="50" charset="-127"/>
+                      </a:endParaRPr>
+                    </a:p>
+                  </a:txBody>
+                  <a:tcPr anchor="ctr"/>
+                </a:tc>
+                <a:tc>
+                  <a:txBody>
+                    <a:bodyPr/>
+                    <a:lstStyle/>
+                    <a:p>
+                      <a:pPr algn="ctr" latinLnBrk="1"/>
+                      <a:r>
+                        <a:rPr lang="en-US" altLang="ko-KR" sz="2800" dirty="0">
+                          <a:latin typeface="나눔스퀘어 Bold" panose="020B0600000101010101" pitchFamily="50" charset="-127"/>
+                          <a:ea typeface="나눔스퀘어 Bold" panose="020B0600000101010101" pitchFamily="50" charset="-127"/>
+                        </a:rPr>
+                        <a:t>1</a:t>
+                      </a:r>
+                      <a:endParaRPr lang="ko-KR" altLang="en-US" sz="2800" dirty="0">
+                        <a:latin typeface="나눔스퀘어 Bold" panose="020B0600000101010101" pitchFamily="50" charset="-127"/>
+                        <a:ea typeface="나눔스퀘어 Bold" panose="020B0600000101010101" pitchFamily="50" charset="-127"/>
+                      </a:endParaRPr>
+                    </a:p>
+                  </a:txBody>
+                  <a:tcPr anchor="ctr"/>
+                </a:tc>
+                <a:tc>
+                  <a:txBody>
+                    <a:bodyPr/>
+                    <a:lstStyle/>
+                    <a:p>
+                      <a:pPr algn="ctr" latinLnBrk="1"/>
+                      <a:r>
+                        <a:rPr lang="en-US" altLang="ko-KR" sz="2800" dirty="0">
+                          <a:latin typeface="나눔스퀘어 Bold" panose="020B0600000101010101" pitchFamily="50" charset="-127"/>
+                          <a:ea typeface="나눔스퀘어 Bold" panose="020B0600000101010101" pitchFamily="50" charset="-127"/>
+                        </a:rPr>
+                        <a:t>1</a:t>
+                      </a:r>
+                      <a:endParaRPr lang="ko-KR" altLang="en-US" sz="2800" dirty="0">
+                        <a:latin typeface="나눔스퀘어 Bold" panose="020B0600000101010101" pitchFamily="50" charset="-127"/>
+                        <a:ea typeface="나눔스퀘어 Bold" panose="020B0600000101010101" pitchFamily="50" charset="-127"/>
+                      </a:endParaRPr>
+                    </a:p>
+                  </a:txBody>
+                  <a:tcPr anchor="ctr"/>
+                </a:tc>
+                <a:extLst>
+                  <a:ext uri="{0D108BD9-81ED-4DB2-BD59-A6C34878D82A}">
+                    <a16:rowId xmlns:a16="http://schemas.microsoft.com/office/drawing/2014/main" val="264939005"/>
+                  </a:ext>
+                </a:extLst>
+              </a:tr>
+            </a:tbl>
+          </a:graphicData>
+        </a:graphic>
+      </p:graphicFrame>
+      <p:sp>
+        <p:nvSpPr>
+          <p:cNvPr id="20" name="화살표: 왼쪽/오른쪽 19">
+            <a:extLst>
+              <a:ext uri="{FF2B5EF4-FFF2-40B4-BE49-F238E27FC236}">
+                <a16:creationId xmlns:a16="http://schemas.microsoft.com/office/drawing/2014/main" id="{62B40467-F2EA-8ACB-0226-C7DD6123EEF5}"/>
+              </a:ext>
+            </a:extLst>
+          </p:cNvPr>
+          <p:cNvSpPr/>
+          <p:nvPr/>
+        </p:nvSpPr>
+        <p:spPr>
+          <a:xfrm>
+            <a:off x="2187782" y="2469824"/>
+            <a:ext cx="471340" cy="369331"/>
+          </a:xfrm>
+          <a:prstGeom prst="leftRightArrow">
+            <a:avLst/>
+          </a:prstGeom>
+        </p:spPr>
+        <p:style>
+          <a:lnRef idx="2">
+            <a:schemeClr val="accent1">
+              <a:shade val="50000"/>
+            </a:schemeClr>
+          </a:lnRef>
+          <a:fillRef idx="1">
+            <a:schemeClr val="accent1"/>
+          </a:fillRef>
+          <a:effectRef idx="0">
+            <a:schemeClr val="accent1"/>
+          </a:effectRef>
+          <a:fontRef idx="minor">
+            <a:schemeClr val="lt1"/>
+          </a:fontRef>
+        </p:style>
+        <p:txBody>
+          <a:bodyPr rtlCol="0" anchor="ctr"/>
+          <a:lstStyle/>
+          <a:p>
+            <a:pPr algn="ctr"/>
+            <a:endParaRPr lang="ko-KR" altLang="en-US"/>
+          </a:p>
+        </p:txBody>
+      </p:sp>
+      <p:sp>
+        <p:nvSpPr>
+          <p:cNvPr id="23" name="화살표: 왼쪽/오른쪽 22">
+            <a:extLst>
+              <a:ext uri="{FF2B5EF4-FFF2-40B4-BE49-F238E27FC236}">
+                <a16:creationId xmlns:a16="http://schemas.microsoft.com/office/drawing/2014/main" id="{C880611F-C90B-C463-D17E-8E3EF62A77D7}"/>
+              </a:ext>
+            </a:extLst>
+          </p:cNvPr>
+          <p:cNvSpPr/>
+          <p:nvPr/>
+        </p:nvSpPr>
+        <p:spPr>
+          <a:xfrm rot="16200000">
+            <a:off x="1517324" y="3148553"/>
+            <a:ext cx="471340" cy="369331"/>
+          </a:xfrm>
+          <a:prstGeom prst="leftRightArrow">
+            <a:avLst/>
+          </a:prstGeom>
+        </p:spPr>
+        <p:style>
+          <a:lnRef idx="2">
+            <a:schemeClr val="accent1">
+              <a:shade val="50000"/>
+            </a:schemeClr>
+          </a:lnRef>
+          <a:fillRef idx="1">
+            <a:schemeClr val="accent1"/>
+          </a:fillRef>
+          <a:effectRef idx="0">
+            <a:schemeClr val="accent1"/>
+          </a:effectRef>
+          <a:fontRef idx="minor">
+            <a:schemeClr val="lt1"/>
+          </a:fontRef>
+        </p:style>
+        <p:txBody>
+          <a:bodyPr rtlCol="0" anchor="ctr"/>
+          <a:lstStyle/>
+          <a:p>
+            <a:pPr algn="ctr"/>
+            <a:endParaRPr lang="ko-KR" altLang="en-US"/>
+          </a:p>
+        </p:txBody>
+      </p:sp>
+      <p:sp>
+        <p:nvSpPr>
+          <p:cNvPr id="24" name="화살표: 왼쪽/오른쪽 23">
+            <a:extLst>
+              <a:ext uri="{FF2B5EF4-FFF2-40B4-BE49-F238E27FC236}">
+                <a16:creationId xmlns:a16="http://schemas.microsoft.com/office/drawing/2014/main" id="{571AEBEA-14AA-03D0-D100-72B48C4F34FF}"/>
+              </a:ext>
+            </a:extLst>
+          </p:cNvPr>
+          <p:cNvSpPr/>
+          <p:nvPr/>
+        </p:nvSpPr>
+        <p:spPr>
+          <a:xfrm rot="16200000">
+            <a:off x="1517325" y="4458817"/>
+            <a:ext cx="471340" cy="369331"/>
+          </a:xfrm>
+          <a:prstGeom prst="leftRightArrow">
+            <a:avLst/>
+          </a:prstGeom>
+        </p:spPr>
+        <p:style>
+          <a:lnRef idx="2">
+            <a:schemeClr val="accent1">
+              <a:shade val="50000"/>
+            </a:schemeClr>
+          </a:lnRef>
+          <a:fillRef idx="1">
+            <a:schemeClr val="accent1"/>
+          </a:fillRef>
+          <a:effectRef idx="0">
+            <a:schemeClr val="accent1"/>
+          </a:effectRef>
+          <a:fontRef idx="minor">
+            <a:schemeClr val="lt1"/>
+          </a:fontRef>
+        </p:style>
+        <p:txBody>
+          <a:bodyPr rtlCol="0" anchor="ctr"/>
+          <a:lstStyle/>
+          <a:p>
+            <a:pPr algn="ctr"/>
+            <a:endParaRPr lang="ko-KR" altLang="en-US"/>
+          </a:p>
+        </p:txBody>
+      </p:sp>
+      <p:sp>
+        <p:nvSpPr>
+          <p:cNvPr id="26" name="화살표: 왼쪽/오른쪽 25">
+            <a:extLst>
+              <a:ext uri="{FF2B5EF4-FFF2-40B4-BE49-F238E27FC236}">
+                <a16:creationId xmlns:a16="http://schemas.microsoft.com/office/drawing/2014/main" id="{931E22A6-FC4F-676B-F100-FEBC32813A07}"/>
+              </a:ext>
+            </a:extLst>
+          </p:cNvPr>
+          <p:cNvSpPr/>
+          <p:nvPr/>
+        </p:nvSpPr>
+        <p:spPr>
+          <a:xfrm>
+            <a:off x="2187782" y="5087946"/>
+            <a:ext cx="471340" cy="369331"/>
+          </a:xfrm>
+          <a:prstGeom prst="leftRightArrow">
+            <a:avLst/>
+          </a:prstGeom>
+        </p:spPr>
+        <p:style>
+          <a:lnRef idx="2">
+            <a:schemeClr val="accent1">
+              <a:shade val="50000"/>
+            </a:schemeClr>
+          </a:lnRef>
+          <a:fillRef idx="1">
+            <a:schemeClr val="accent1"/>
+          </a:fillRef>
+          <a:effectRef idx="0">
+            <a:schemeClr val="accent1"/>
+          </a:effectRef>
+          <a:fontRef idx="minor">
+            <a:schemeClr val="lt1"/>
+          </a:fontRef>
+        </p:style>
+        <p:txBody>
+          <a:bodyPr rtlCol="0" anchor="ctr"/>
+          <a:lstStyle/>
+          <a:p>
+            <a:pPr algn="ctr"/>
+            <a:endParaRPr lang="ko-KR" altLang="en-US"/>
+          </a:p>
+        </p:txBody>
+      </p:sp>
+      <p:sp>
+        <p:nvSpPr>
+          <p:cNvPr id="27" name="화살표: 왼쪽/오른쪽 26">
+            <a:extLst>
+              <a:ext uri="{FF2B5EF4-FFF2-40B4-BE49-F238E27FC236}">
+                <a16:creationId xmlns:a16="http://schemas.microsoft.com/office/drawing/2014/main" id="{23FD48D1-C68E-D845-E0B1-E3AF7F8795CC}"/>
+              </a:ext>
+            </a:extLst>
+          </p:cNvPr>
+          <p:cNvSpPr/>
+          <p:nvPr/>
+        </p:nvSpPr>
+        <p:spPr>
+          <a:xfrm>
+            <a:off x="3556388" y="5087946"/>
+            <a:ext cx="471340" cy="369331"/>
+          </a:xfrm>
+          <a:prstGeom prst="leftRightArrow">
+            <a:avLst/>
+          </a:prstGeom>
+        </p:spPr>
+        <p:style>
+          <a:lnRef idx="2">
+            <a:schemeClr val="accent1">
+              <a:shade val="50000"/>
+            </a:schemeClr>
+          </a:lnRef>
+          <a:fillRef idx="1">
+            <a:schemeClr val="accent1"/>
+          </a:fillRef>
+          <a:effectRef idx="0">
+            <a:schemeClr val="accent1"/>
+          </a:effectRef>
+          <a:fontRef idx="minor">
+            <a:schemeClr val="lt1"/>
+          </a:fontRef>
+        </p:style>
+        <p:txBody>
+          <a:bodyPr rtlCol="0" anchor="ctr"/>
+          <a:lstStyle/>
+          <a:p>
+            <a:pPr algn="ctr"/>
+            <a:endParaRPr lang="ko-KR" altLang="en-US"/>
+          </a:p>
+        </p:txBody>
+      </p:sp>
+      <p:sp>
+        <p:nvSpPr>
+          <p:cNvPr id="28" name="화살표: 왼쪽/오른쪽 27">
+            <a:extLst>
+              <a:ext uri="{FF2B5EF4-FFF2-40B4-BE49-F238E27FC236}">
+                <a16:creationId xmlns:a16="http://schemas.microsoft.com/office/drawing/2014/main" id="{340B2986-1752-27D4-B493-E47C192C6C25}"/>
+              </a:ext>
+            </a:extLst>
+          </p:cNvPr>
+          <p:cNvSpPr/>
+          <p:nvPr/>
+        </p:nvSpPr>
+        <p:spPr>
+          <a:xfrm rot="16200000">
+            <a:off x="4288236" y="4458818"/>
+            <a:ext cx="471340" cy="369331"/>
+          </a:xfrm>
+          <a:prstGeom prst="leftRightArrow">
+            <a:avLst/>
+          </a:prstGeom>
+        </p:spPr>
+        <p:style>
+          <a:lnRef idx="2">
+            <a:schemeClr val="accent1">
+              <a:shade val="50000"/>
+            </a:schemeClr>
+          </a:lnRef>
+          <a:fillRef idx="1">
+            <a:schemeClr val="accent1"/>
+          </a:fillRef>
+          <a:effectRef idx="0">
+            <a:schemeClr val="accent1"/>
+          </a:effectRef>
+          <a:fontRef idx="minor">
+            <a:schemeClr val="lt1"/>
+          </a:fontRef>
+        </p:style>
+        <p:txBody>
+          <a:bodyPr rtlCol="0" anchor="ctr"/>
+          <a:lstStyle/>
+          <a:p>
+            <a:pPr algn="ctr"/>
+            <a:endParaRPr lang="ko-KR" altLang="en-US"/>
+          </a:p>
+        </p:txBody>
+      </p:sp>
+      <p:sp>
+        <p:nvSpPr>
+          <p:cNvPr id="29" name="TextBox 28">
+            <a:extLst>
+              <a:ext uri="{FF2B5EF4-FFF2-40B4-BE49-F238E27FC236}">
+                <a16:creationId xmlns:a16="http://schemas.microsoft.com/office/drawing/2014/main" id="{7E33452F-38D4-A195-C6CD-AF9182BC40E8}"/>
+              </a:ext>
+            </a:extLst>
+          </p:cNvPr>
+          <p:cNvSpPr txBox="1"/>
+          <p:nvPr/>
+        </p:nvSpPr>
+        <p:spPr>
+          <a:xfrm>
+            <a:off x="942387" y="1190024"/>
+            <a:ext cx="10237694" cy="369332"/>
+          </a:xfrm>
+          <a:prstGeom prst="rect">
+            <a:avLst/>
+          </a:prstGeom>
+          <a:noFill/>
+        </p:spPr>
+        <p:txBody>
+          <a:bodyPr wrap="square" rtlCol="0">
+            <a:spAutoFit/>
+          </a:bodyPr>
+          <a:lstStyle/>
+          <a:p>
+            <a:r>
+              <a:rPr lang="ko-KR" altLang="en-US" dirty="0">
+                <a:latin typeface="나눔스퀘어 Light" panose="020B0600000101010101" pitchFamily="50" charset="-127"/>
+                <a:ea typeface="나눔스퀘어 Light" panose="020B0600000101010101" pitchFamily="50" charset="-127"/>
+              </a:rPr>
+              <a:t>왼쪽 위에서 출발하여 </a:t>
+            </a:r>
+            <a:r>
+              <a:rPr lang="en-US" altLang="ko-KR" dirty="0">
+                <a:latin typeface="나눔스퀘어 Light" panose="020B0600000101010101" pitchFamily="50" charset="-127"/>
+                <a:ea typeface="나눔스퀘어 Light" panose="020B0600000101010101" pitchFamily="50" charset="-127"/>
+              </a:rPr>
+              <a:t>1</a:t>
+            </a:r>
+            <a:r>
+              <a:rPr lang="ko-KR" altLang="en-US" dirty="0">
+                <a:latin typeface="나눔스퀘어 Light" panose="020B0600000101010101" pitchFamily="50" charset="-127"/>
+                <a:ea typeface="나눔스퀘어 Light" panose="020B0600000101010101" pitchFamily="50" charset="-127"/>
+              </a:rPr>
+              <a:t>로밖에 이동할 수 없을 때 오른쪽 아래까지 가는 최단 경로의 길이를 찾는 문제</a:t>
+            </a:r>
+          </a:p>
+        </p:txBody>
+      </p:sp>
+      <p:graphicFrame>
+        <p:nvGraphicFramePr>
+          <p:cNvPr id="36" name="표 6">
+            <a:extLst>
+              <a:ext uri="{FF2B5EF4-FFF2-40B4-BE49-F238E27FC236}">
+                <a16:creationId xmlns:a16="http://schemas.microsoft.com/office/drawing/2014/main" id="{836E5A14-46F4-DB38-238A-889F74B5A8F0}"/>
+              </a:ext>
+            </a:extLst>
+          </p:cNvPr>
+          <p:cNvGraphicFramePr>
+            <a:graphicFrameLocks noGrp="1"/>
+          </p:cNvGraphicFramePr>
+          <p:nvPr>
+            <p:extLst>
+              <p:ext uri="{D42A27DB-BD31-4B8C-83A1-F6EECF244321}">
+                <p14:modId xmlns:p14="http://schemas.microsoft.com/office/powerpoint/2010/main" val="3379625080"/>
+              </p:ext>
+            </p:extLst>
+          </p:nvPr>
+        </p:nvGraphicFramePr>
+        <p:xfrm>
+          <a:off x="7050185" y="2030695"/>
+          <a:ext cx="4129896" cy="3939801"/>
+        </p:xfrm>
+        <a:graphic>
+          <a:graphicData uri="http://schemas.openxmlformats.org/drawingml/2006/table">
+            <a:tbl>
+              <a:tblPr firstRow="1" bandRow="1">
+                <a:tableStyleId>{69CF1AB2-1976-4502-BF36-3FF5EA218861}</a:tableStyleId>
+              </a:tblPr>
+              <a:tblGrid>
+                <a:gridCol w="1376632">
+                  <a:extLst>
+                    <a:ext uri="{9D8B030D-6E8A-4147-A177-3AD203B41FA5}">
+                      <a16:colId xmlns:a16="http://schemas.microsoft.com/office/drawing/2014/main" val="184689733"/>
+                    </a:ext>
+                  </a:extLst>
+                </a:gridCol>
+                <a:gridCol w="1376632">
+                  <a:extLst>
+                    <a:ext uri="{9D8B030D-6E8A-4147-A177-3AD203B41FA5}">
+                      <a16:colId xmlns:a16="http://schemas.microsoft.com/office/drawing/2014/main" val="662498604"/>
+                    </a:ext>
+                  </a:extLst>
+                </a:gridCol>
+                <a:gridCol w="1376632">
+                  <a:extLst>
+                    <a:ext uri="{9D8B030D-6E8A-4147-A177-3AD203B41FA5}">
+                      <a16:colId xmlns:a16="http://schemas.microsoft.com/office/drawing/2014/main" val="3419381811"/>
+                    </a:ext>
+                  </a:extLst>
+                </a:gridCol>
+              </a:tblGrid>
+              <a:tr h="1313267">
+                <a:tc>
+                  <a:txBody>
+                    <a:bodyPr/>
+                    <a:lstStyle/>
+                    <a:p>
+                      <a:pPr algn="ctr" latinLnBrk="1"/>
+                      <a:r>
+                        <a:rPr lang="en-US" altLang="ko-KR" sz="2800" b="0" dirty="0">
+                          <a:solidFill>
+                            <a:srgbClr val="FF0000"/>
+                          </a:solidFill>
+                          <a:latin typeface="나눔스퀘어 Bold" panose="020B0600000101010101" pitchFamily="50" charset="-127"/>
+                          <a:ea typeface="나눔스퀘어 Bold" panose="020B0600000101010101" pitchFamily="50" charset="-127"/>
+                        </a:rPr>
+                        <a:t>1</a:t>
+                      </a:r>
+                      <a:endParaRPr lang="ko-KR" altLang="en-US" sz="2800" b="0" dirty="0">
+                        <a:solidFill>
+                          <a:srgbClr val="FF0000"/>
+                        </a:solidFill>
+                        <a:latin typeface="나눔스퀘어 Bold" panose="020B0600000101010101" pitchFamily="50" charset="-127"/>
+                        <a:ea typeface="나눔스퀘어 Bold" panose="020B0600000101010101" pitchFamily="50" charset="-127"/>
+                      </a:endParaRPr>
+                    </a:p>
+                  </a:txBody>
+                  <a:tcPr anchor="ctr"/>
+                </a:tc>
+                <a:tc>
+                  <a:txBody>
+                    <a:bodyPr/>
+                    <a:lstStyle/>
+                    <a:p>
+                      <a:pPr algn="ctr" latinLnBrk="1"/>
+                      <a:r>
+                        <a:rPr lang="en-US" altLang="ko-KR" sz="2800" b="0" dirty="0">
+                          <a:latin typeface="나눔스퀘어 Bold" panose="020B0600000101010101" pitchFamily="50" charset="-127"/>
+                          <a:ea typeface="나눔스퀘어 Bold" panose="020B0600000101010101" pitchFamily="50" charset="-127"/>
+                        </a:rPr>
+                        <a:t>1</a:t>
+                      </a:r>
+                      <a:endParaRPr lang="ko-KR" altLang="en-US" sz="2800" b="0" dirty="0">
+                        <a:latin typeface="나눔스퀘어 Bold" panose="020B0600000101010101" pitchFamily="50" charset="-127"/>
+                        <a:ea typeface="나눔스퀘어 Bold" panose="020B0600000101010101" pitchFamily="50" charset="-127"/>
+                      </a:endParaRPr>
+                    </a:p>
+                  </a:txBody>
+                  <a:tcPr anchor="ctr"/>
+                </a:tc>
+                <a:tc>
+                  <a:txBody>
+                    <a:bodyPr/>
+                    <a:lstStyle/>
+                    <a:p>
+                      <a:pPr algn="ctr" latinLnBrk="1"/>
+                      <a:r>
+                        <a:rPr lang="en-US" altLang="ko-KR" sz="2800" b="0" dirty="0">
+                          <a:latin typeface="나눔스퀘어 Bold" panose="020B0600000101010101" pitchFamily="50" charset="-127"/>
+                          <a:ea typeface="나눔스퀘어 Bold" panose="020B0600000101010101" pitchFamily="50" charset="-127"/>
+                        </a:rPr>
+                        <a:t>0</a:t>
+                      </a:r>
+                      <a:endParaRPr lang="ko-KR" altLang="en-US" sz="2800" b="0" dirty="0">
+                        <a:latin typeface="나눔스퀘어 Bold" panose="020B0600000101010101" pitchFamily="50" charset="-127"/>
+                        <a:ea typeface="나눔스퀘어 Bold" panose="020B0600000101010101" pitchFamily="50" charset="-127"/>
+                      </a:endParaRPr>
+                    </a:p>
+                  </a:txBody>
+                  <a:tcPr anchor="ctr"/>
+                </a:tc>
+                <a:extLst>
+                  <a:ext uri="{0D108BD9-81ED-4DB2-BD59-A6C34878D82A}">
+                    <a16:rowId xmlns:a16="http://schemas.microsoft.com/office/drawing/2014/main" val="889197390"/>
+                  </a:ext>
+                </a:extLst>
+              </a:tr>
+              <a:tr h="1313267">
+                <a:tc>
+                  <a:txBody>
+                    <a:bodyPr/>
+                    <a:lstStyle/>
+                    <a:p>
+                      <a:pPr algn="ctr" latinLnBrk="1"/>
+                      <a:r>
+                        <a:rPr lang="en-US" altLang="ko-KR" sz="2800" dirty="0">
+                          <a:solidFill>
+                            <a:srgbClr val="FF0000"/>
+                          </a:solidFill>
+                          <a:latin typeface="나눔스퀘어 Bold" panose="020B0600000101010101" pitchFamily="50" charset="-127"/>
+                          <a:ea typeface="나눔스퀘어 Bold" panose="020B0600000101010101" pitchFamily="50" charset="-127"/>
+                        </a:rPr>
+                        <a:t>1</a:t>
+                      </a:r>
+                      <a:endParaRPr lang="ko-KR" altLang="en-US" sz="2800" dirty="0">
+                        <a:solidFill>
+                          <a:srgbClr val="FF0000"/>
+                        </a:solidFill>
+                        <a:latin typeface="나눔스퀘어 Bold" panose="020B0600000101010101" pitchFamily="50" charset="-127"/>
+                        <a:ea typeface="나눔스퀘어 Bold" panose="020B0600000101010101" pitchFamily="50" charset="-127"/>
+                      </a:endParaRPr>
+                    </a:p>
+                  </a:txBody>
+                  <a:tcPr anchor="ctr"/>
+                </a:tc>
+                <a:tc>
+                  <a:txBody>
+                    <a:bodyPr/>
+                    <a:lstStyle/>
+                    <a:p>
+                      <a:pPr algn="ctr" latinLnBrk="1"/>
+                      <a:r>
+                        <a:rPr lang="en-US" altLang="ko-KR" sz="2800" dirty="0">
+                          <a:latin typeface="나눔스퀘어 Bold" panose="020B0600000101010101" pitchFamily="50" charset="-127"/>
+                          <a:ea typeface="나눔스퀘어 Bold" panose="020B0600000101010101" pitchFamily="50" charset="-127"/>
+                        </a:rPr>
+                        <a:t>0</a:t>
+                      </a:r>
+                      <a:endParaRPr lang="ko-KR" altLang="en-US" sz="2800" dirty="0">
+                        <a:latin typeface="나눔스퀘어 Bold" panose="020B0600000101010101" pitchFamily="50" charset="-127"/>
+                        <a:ea typeface="나눔스퀘어 Bold" panose="020B0600000101010101" pitchFamily="50" charset="-127"/>
+                      </a:endParaRPr>
+                    </a:p>
+                  </a:txBody>
+                  <a:tcPr anchor="ctr"/>
+                </a:tc>
+                <a:tc>
+                  <a:txBody>
+                    <a:bodyPr/>
+                    <a:lstStyle/>
+                    <a:p>
+                      <a:pPr algn="ctr" latinLnBrk="1"/>
+                      <a:r>
+                        <a:rPr lang="en-US" altLang="ko-KR" sz="2800" dirty="0">
+                          <a:latin typeface="나눔스퀘어 Bold" panose="020B0600000101010101" pitchFamily="50" charset="-127"/>
+                          <a:ea typeface="나눔스퀘어 Bold" panose="020B0600000101010101" pitchFamily="50" charset="-127"/>
+                        </a:rPr>
+                        <a:t>1</a:t>
+                      </a:r>
+                      <a:endParaRPr lang="ko-KR" altLang="en-US" sz="2800" dirty="0">
+                        <a:latin typeface="나눔스퀘어 Bold" panose="020B0600000101010101" pitchFamily="50" charset="-127"/>
+                        <a:ea typeface="나눔스퀘어 Bold" panose="020B0600000101010101" pitchFamily="50" charset="-127"/>
+                      </a:endParaRPr>
+                    </a:p>
+                  </a:txBody>
+                  <a:tcPr anchor="ctr"/>
+                </a:tc>
+                <a:extLst>
+                  <a:ext uri="{0D108BD9-81ED-4DB2-BD59-A6C34878D82A}">
+                    <a16:rowId xmlns:a16="http://schemas.microsoft.com/office/drawing/2014/main" val="3949344445"/>
+                  </a:ext>
+                </a:extLst>
+              </a:tr>
+              <a:tr h="1313267">
+                <a:tc>
+                  <a:txBody>
+                    <a:bodyPr/>
+                    <a:lstStyle/>
+                    <a:p>
+                      <a:pPr algn="ctr" latinLnBrk="1"/>
+                      <a:r>
+                        <a:rPr lang="en-US" altLang="ko-KR" sz="2800" dirty="0">
+                          <a:solidFill>
+                            <a:srgbClr val="FF0000"/>
+                          </a:solidFill>
+                          <a:latin typeface="나눔스퀘어 Bold" panose="020B0600000101010101" pitchFamily="50" charset="-127"/>
+                          <a:ea typeface="나눔스퀘어 Bold" panose="020B0600000101010101" pitchFamily="50" charset="-127"/>
+                        </a:rPr>
+                        <a:t>1</a:t>
+                      </a:r>
+                      <a:endParaRPr lang="ko-KR" altLang="en-US" sz="2800" dirty="0">
+                        <a:solidFill>
+                          <a:srgbClr val="FF0000"/>
+                        </a:solidFill>
+                        <a:latin typeface="나눔스퀘어 Bold" panose="020B0600000101010101" pitchFamily="50" charset="-127"/>
+                        <a:ea typeface="나눔스퀘어 Bold" panose="020B0600000101010101" pitchFamily="50" charset="-127"/>
+                      </a:endParaRPr>
+                    </a:p>
+                  </a:txBody>
+                  <a:tcPr anchor="ctr"/>
+                </a:tc>
+                <a:tc>
+                  <a:txBody>
+                    <a:bodyPr/>
+                    <a:lstStyle/>
+                    <a:p>
+                      <a:pPr algn="ctr" latinLnBrk="1"/>
+                      <a:r>
+                        <a:rPr lang="en-US" altLang="ko-KR" sz="2800" dirty="0">
+                          <a:solidFill>
+                            <a:srgbClr val="FF0000"/>
+                          </a:solidFill>
+                          <a:latin typeface="나눔스퀘어 Bold" panose="020B0600000101010101" pitchFamily="50" charset="-127"/>
+                          <a:ea typeface="나눔스퀘어 Bold" panose="020B0600000101010101" pitchFamily="50" charset="-127"/>
+                        </a:rPr>
+                        <a:t>1</a:t>
+                      </a:r>
+                      <a:endParaRPr lang="ko-KR" altLang="en-US" sz="2800" dirty="0">
+                        <a:solidFill>
+                          <a:srgbClr val="FF0000"/>
+                        </a:solidFill>
+                        <a:latin typeface="나눔스퀘어 Bold" panose="020B0600000101010101" pitchFamily="50" charset="-127"/>
+                        <a:ea typeface="나눔스퀘어 Bold" panose="020B0600000101010101" pitchFamily="50" charset="-127"/>
+                      </a:endParaRPr>
+                    </a:p>
+                  </a:txBody>
+                  <a:tcPr anchor="ctr"/>
+                </a:tc>
+                <a:tc>
+                  <a:txBody>
+                    <a:bodyPr/>
+                    <a:lstStyle/>
+                    <a:p>
+                      <a:pPr algn="ctr" latinLnBrk="1"/>
+                      <a:r>
+                        <a:rPr lang="en-US" altLang="ko-KR" sz="2800" dirty="0">
+                          <a:solidFill>
+                            <a:srgbClr val="FF0000"/>
+                          </a:solidFill>
+                          <a:latin typeface="나눔스퀘어 Bold" panose="020B0600000101010101" pitchFamily="50" charset="-127"/>
+                          <a:ea typeface="나눔스퀘어 Bold" panose="020B0600000101010101" pitchFamily="50" charset="-127"/>
+                        </a:rPr>
+                        <a:t>1</a:t>
+                      </a:r>
+                      <a:endParaRPr lang="ko-KR" altLang="en-US" sz="2800" dirty="0">
+                        <a:solidFill>
+                          <a:srgbClr val="FF0000"/>
+                        </a:solidFill>
+                        <a:latin typeface="나눔스퀘어 Bold" panose="020B0600000101010101" pitchFamily="50" charset="-127"/>
+                        <a:ea typeface="나눔스퀘어 Bold" panose="020B0600000101010101" pitchFamily="50" charset="-127"/>
+                      </a:endParaRPr>
+                    </a:p>
+                  </a:txBody>
+                  <a:tcPr anchor="ctr"/>
+                </a:tc>
+                <a:extLst>
+                  <a:ext uri="{0D108BD9-81ED-4DB2-BD59-A6C34878D82A}">
+                    <a16:rowId xmlns:a16="http://schemas.microsoft.com/office/drawing/2014/main" val="264939005"/>
+                  </a:ext>
+                </a:extLst>
+              </a:tr>
+            </a:tbl>
+          </a:graphicData>
+        </a:graphic>
+      </p:graphicFrame>
+      <p:sp>
+        <p:nvSpPr>
+          <p:cNvPr id="37" name="화살표: 왼쪽/오른쪽 36">
+            <a:extLst>
+              <a:ext uri="{FF2B5EF4-FFF2-40B4-BE49-F238E27FC236}">
+                <a16:creationId xmlns:a16="http://schemas.microsoft.com/office/drawing/2014/main" id="{B1AB7512-C14D-8519-60F6-01F1D56579C8}"/>
+              </a:ext>
+            </a:extLst>
+          </p:cNvPr>
+          <p:cNvSpPr/>
+          <p:nvPr/>
+        </p:nvSpPr>
+        <p:spPr>
+          <a:xfrm>
+            <a:off x="8183121" y="2469824"/>
+            <a:ext cx="471340" cy="369331"/>
+          </a:xfrm>
+          <a:prstGeom prst="leftRightArrow">
+            <a:avLst/>
+          </a:prstGeom>
+        </p:spPr>
+        <p:style>
+          <a:lnRef idx="2">
+            <a:schemeClr val="accent1">
+              <a:shade val="50000"/>
+            </a:schemeClr>
+          </a:lnRef>
+          <a:fillRef idx="1">
+            <a:schemeClr val="accent1"/>
+          </a:fillRef>
+          <a:effectRef idx="0">
+            <a:schemeClr val="accent1"/>
+          </a:effectRef>
+          <a:fontRef idx="minor">
+            <a:schemeClr val="lt1"/>
+          </a:fontRef>
+        </p:style>
+        <p:txBody>
+          <a:bodyPr rtlCol="0" anchor="ctr"/>
+          <a:lstStyle/>
+          <a:p>
+            <a:pPr algn="ctr"/>
+            <a:endParaRPr lang="ko-KR" altLang="en-US"/>
+          </a:p>
+        </p:txBody>
+      </p:sp>
+      <p:sp>
+        <p:nvSpPr>
+          <p:cNvPr id="38" name="화살표: 왼쪽/오른쪽 37">
+            <a:extLst>
+              <a:ext uri="{FF2B5EF4-FFF2-40B4-BE49-F238E27FC236}">
+                <a16:creationId xmlns:a16="http://schemas.microsoft.com/office/drawing/2014/main" id="{EE651A75-CFD1-4604-FF96-218BC437A55F}"/>
+              </a:ext>
+            </a:extLst>
+          </p:cNvPr>
+          <p:cNvSpPr/>
+          <p:nvPr/>
+        </p:nvSpPr>
+        <p:spPr>
+          <a:xfrm rot="16200000">
+            <a:off x="7512663" y="3148553"/>
+            <a:ext cx="471340" cy="369331"/>
+          </a:xfrm>
+          <a:prstGeom prst="leftRightArrow">
+            <a:avLst/>
+          </a:prstGeom>
+        </p:spPr>
+        <p:style>
+          <a:lnRef idx="2">
+            <a:schemeClr val="accent1">
+              <a:shade val="50000"/>
+            </a:schemeClr>
+          </a:lnRef>
+          <a:fillRef idx="1">
+            <a:schemeClr val="accent1"/>
+          </a:fillRef>
+          <a:effectRef idx="0">
+            <a:schemeClr val="accent1"/>
+          </a:effectRef>
+          <a:fontRef idx="minor">
+            <a:schemeClr val="lt1"/>
+          </a:fontRef>
+        </p:style>
+        <p:txBody>
+          <a:bodyPr rtlCol="0" anchor="ctr"/>
+          <a:lstStyle/>
+          <a:p>
+            <a:pPr algn="ctr"/>
+            <a:endParaRPr lang="ko-KR" altLang="en-US"/>
+          </a:p>
+        </p:txBody>
+      </p:sp>
+      <p:sp>
+        <p:nvSpPr>
+          <p:cNvPr id="39" name="화살표: 왼쪽/오른쪽 38">
+            <a:extLst>
+              <a:ext uri="{FF2B5EF4-FFF2-40B4-BE49-F238E27FC236}">
+                <a16:creationId xmlns:a16="http://schemas.microsoft.com/office/drawing/2014/main" id="{6DAA22E7-6BC9-6CF1-61E0-BD85BAB1B5F8}"/>
+              </a:ext>
+            </a:extLst>
+          </p:cNvPr>
+          <p:cNvSpPr/>
+          <p:nvPr/>
+        </p:nvSpPr>
+        <p:spPr>
+          <a:xfrm rot="16200000">
+            <a:off x="7512664" y="4458817"/>
+            <a:ext cx="471340" cy="369331"/>
+          </a:xfrm>
+          <a:prstGeom prst="leftRightArrow">
+            <a:avLst/>
+          </a:prstGeom>
+        </p:spPr>
+        <p:style>
+          <a:lnRef idx="2">
+            <a:schemeClr val="accent1">
+              <a:shade val="50000"/>
+            </a:schemeClr>
+          </a:lnRef>
+          <a:fillRef idx="1">
+            <a:schemeClr val="accent1"/>
+          </a:fillRef>
+          <a:effectRef idx="0">
+            <a:schemeClr val="accent1"/>
+          </a:effectRef>
+          <a:fontRef idx="minor">
+            <a:schemeClr val="lt1"/>
+          </a:fontRef>
+        </p:style>
+        <p:txBody>
+          <a:bodyPr rtlCol="0" anchor="ctr"/>
+          <a:lstStyle/>
+          <a:p>
+            <a:pPr algn="ctr"/>
+            <a:endParaRPr lang="ko-KR" altLang="en-US"/>
+          </a:p>
+        </p:txBody>
+      </p:sp>
+      <p:sp>
+        <p:nvSpPr>
+          <p:cNvPr id="40" name="화살표: 왼쪽/오른쪽 39">
+            <a:extLst>
+              <a:ext uri="{FF2B5EF4-FFF2-40B4-BE49-F238E27FC236}">
+                <a16:creationId xmlns:a16="http://schemas.microsoft.com/office/drawing/2014/main" id="{53BF85DD-B7A3-FD42-28B5-63647E3A3BE9}"/>
+              </a:ext>
+            </a:extLst>
+          </p:cNvPr>
+          <p:cNvSpPr/>
+          <p:nvPr/>
+        </p:nvSpPr>
+        <p:spPr>
+          <a:xfrm>
+            <a:off x="8183121" y="5087946"/>
+            <a:ext cx="471340" cy="369331"/>
+          </a:xfrm>
+          <a:prstGeom prst="leftRightArrow">
+            <a:avLst/>
+          </a:prstGeom>
+        </p:spPr>
+        <p:style>
+          <a:lnRef idx="2">
+            <a:schemeClr val="accent1">
+              <a:shade val="50000"/>
+            </a:schemeClr>
+          </a:lnRef>
+          <a:fillRef idx="1">
+            <a:schemeClr val="accent1"/>
+          </a:fillRef>
+          <a:effectRef idx="0">
+            <a:schemeClr val="accent1"/>
+          </a:effectRef>
+          <a:fontRef idx="minor">
+            <a:schemeClr val="lt1"/>
+          </a:fontRef>
+        </p:style>
+        <p:txBody>
+          <a:bodyPr rtlCol="0" anchor="ctr"/>
+          <a:lstStyle/>
+          <a:p>
+            <a:pPr algn="ctr"/>
+            <a:endParaRPr lang="ko-KR" altLang="en-US"/>
+          </a:p>
+        </p:txBody>
+      </p:sp>
+      <p:sp>
+        <p:nvSpPr>
+          <p:cNvPr id="41" name="화살표: 왼쪽/오른쪽 40">
+            <a:extLst>
+              <a:ext uri="{FF2B5EF4-FFF2-40B4-BE49-F238E27FC236}">
+                <a16:creationId xmlns:a16="http://schemas.microsoft.com/office/drawing/2014/main" id="{94D09848-8707-7564-B5E2-F564C177B0A1}"/>
+              </a:ext>
+            </a:extLst>
+          </p:cNvPr>
+          <p:cNvSpPr/>
+          <p:nvPr/>
+        </p:nvSpPr>
+        <p:spPr>
+          <a:xfrm>
+            <a:off x="9551727" y="5087946"/>
+            <a:ext cx="471340" cy="369331"/>
+          </a:xfrm>
+          <a:prstGeom prst="leftRightArrow">
+            <a:avLst/>
+          </a:prstGeom>
+        </p:spPr>
+        <p:style>
+          <a:lnRef idx="2">
+            <a:schemeClr val="accent1">
+              <a:shade val="50000"/>
+            </a:schemeClr>
+          </a:lnRef>
+          <a:fillRef idx="1">
+            <a:schemeClr val="accent1"/>
+          </a:fillRef>
+          <a:effectRef idx="0">
+            <a:schemeClr val="accent1"/>
+          </a:effectRef>
+          <a:fontRef idx="minor">
+            <a:schemeClr val="lt1"/>
+          </a:fontRef>
+        </p:style>
+        <p:txBody>
+          <a:bodyPr rtlCol="0" anchor="ctr"/>
+          <a:lstStyle/>
+          <a:p>
+            <a:pPr algn="ctr"/>
+            <a:endParaRPr lang="ko-KR" altLang="en-US"/>
+          </a:p>
+        </p:txBody>
+      </p:sp>
+      <p:sp>
+        <p:nvSpPr>
+          <p:cNvPr id="42" name="화살표: 왼쪽/오른쪽 41">
+            <a:extLst>
+              <a:ext uri="{FF2B5EF4-FFF2-40B4-BE49-F238E27FC236}">
+                <a16:creationId xmlns:a16="http://schemas.microsoft.com/office/drawing/2014/main" id="{FCC5B16A-C149-34DD-5864-983CCFD33BCD}"/>
+              </a:ext>
+            </a:extLst>
+          </p:cNvPr>
+          <p:cNvSpPr/>
+          <p:nvPr/>
+        </p:nvSpPr>
+        <p:spPr>
+          <a:xfrm rot="16200000">
+            <a:off x="10283575" y="4458818"/>
+            <a:ext cx="471340" cy="369331"/>
+          </a:xfrm>
+          <a:prstGeom prst="leftRightArrow">
+            <a:avLst/>
+          </a:prstGeom>
+        </p:spPr>
+        <p:style>
+          <a:lnRef idx="2">
+            <a:schemeClr val="accent1">
+              <a:shade val="50000"/>
+            </a:schemeClr>
+          </a:lnRef>
+          <a:fillRef idx="1">
+            <a:schemeClr val="accent1"/>
+          </a:fillRef>
+          <a:effectRef idx="0">
+            <a:schemeClr val="accent1"/>
+          </a:effectRef>
+          <a:fontRef idx="minor">
+            <a:schemeClr val="lt1"/>
+          </a:fontRef>
+        </p:style>
+        <p:txBody>
+          <a:bodyPr rtlCol="0" anchor="ctr"/>
+          <a:lstStyle/>
+          <a:p>
+            <a:pPr algn="ctr"/>
+            <a:endParaRPr lang="ko-KR" altLang="en-US"/>
+          </a:p>
+        </p:txBody>
+      </p:sp>
     </p:spTree>
     <p:extLst>
       <p:ext uri="{BB962C8B-B14F-4D97-AF65-F5344CB8AC3E}">
@@ -22894,6 +24259,2108 @@
 </file>
 
 <file path=ppt/slides/slide44.xml><?xml version="1.0" encoding="utf-8"?>
+<p:sld xmlns:a="http://schemas.openxmlformats.org/drawingml/2006/main" xmlns:r="http://schemas.openxmlformats.org/officeDocument/2006/relationships" xmlns:p="http://schemas.openxmlformats.org/presentationml/2006/main">
+  <p:cSld>
+    <p:spTree>
+      <p:nvGrpSpPr>
+        <p:cNvPr id="1" name=""/>
+        <p:cNvGrpSpPr/>
+        <p:nvPr/>
+      </p:nvGrpSpPr>
+      <p:grpSpPr>
+        <a:xfrm>
+          <a:off x="0" y="0"/>
+          <a:ext cx="0" cy="0"/>
+          <a:chOff x="0" y="0"/>
+          <a:chExt cx="0" cy="0"/>
+        </a:xfrm>
+      </p:grpSpPr>
+      <p:cxnSp>
+        <p:nvCxnSpPr>
+          <p:cNvPr id="5" name="직선 연결선 4">
+            <a:extLst>
+              <a:ext uri="{FF2B5EF4-FFF2-40B4-BE49-F238E27FC236}">
+                <a16:creationId xmlns:a16="http://schemas.microsoft.com/office/drawing/2014/main" id="{164C2827-EFCE-69A4-D037-1A218415F568}"/>
+              </a:ext>
+            </a:extLst>
+          </p:cNvPr>
+          <p:cNvCxnSpPr/>
+          <p:nvPr/>
+        </p:nvCxnSpPr>
+        <p:spPr>
+          <a:xfrm>
+            <a:off x="0" y="887505"/>
+            <a:ext cx="10237694" cy="0"/>
+          </a:xfrm>
+          <a:prstGeom prst="line">
+            <a:avLst/>
+          </a:prstGeom>
+          <a:ln w="76200">
+            <a:solidFill>
+              <a:schemeClr val="tx1">
+                <a:lumMod val="75000"/>
+                <a:lumOff val="25000"/>
+              </a:schemeClr>
+            </a:solidFill>
+          </a:ln>
+        </p:spPr>
+        <p:style>
+          <a:lnRef idx="1">
+            <a:schemeClr val="accent1"/>
+          </a:lnRef>
+          <a:fillRef idx="0">
+            <a:schemeClr val="accent1"/>
+          </a:fillRef>
+          <a:effectRef idx="0">
+            <a:schemeClr val="accent1"/>
+          </a:effectRef>
+          <a:fontRef idx="minor">
+            <a:schemeClr val="tx1"/>
+          </a:fontRef>
+        </p:style>
+      </p:cxnSp>
+      <p:sp>
+        <p:nvSpPr>
+          <p:cNvPr id="3" name="TextBox 2">
+            <a:extLst>
+              <a:ext uri="{FF2B5EF4-FFF2-40B4-BE49-F238E27FC236}">
+                <a16:creationId xmlns:a16="http://schemas.microsoft.com/office/drawing/2014/main" id="{B3B954B2-DB7F-EEC1-438C-CB91D3B18AE1}"/>
+              </a:ext>
+            </a:extLst>
+          </p:cNvPr>
+          <p:cNvSpPr txBox="1"/>
+          <p:nvPr/>
+        </p:nvSpPr>
+        <p:spPr>
+          <a:xfrm>
+            <a:off x="331694" y="177505"/>
+            <a:ext cx="3899016" cy="523220"/>
+          </a:xfrm>
+          <a:prstGeom prst="rect">
+            <a:avLst/>
+          </a:prstGeom>
+          <a:noFill/>
+        </p:spPr>
+        <p:txBody>
+          <a:bodyPr wrap="none" rtlCol="0">
+            <a:spAutoFit/>
+          </a:bodyPr>
+          <a:lstStyle/>
+          <a:p>
+            <a:r>
+              <a:rPr lang="en-US" altLang="ko-KR" sz="2800" dirty="0">
+                <a:latin typeface="나눔스퀘어 Bold" panose="020B0600000101010101" pitchFamily="50" charset="-127"/>
+                <a:ea typeface="나눔스퀘어 Bold" panose="020B0600000101010101" pitchFamily="50" charset="-127"/>
+              </a:rPr>
+              <a:t>Graph – 2178 </a:t>
+            </a:r>
+            <a:r>
+              <a:rPr lang="ko-KR" altLang="en-US" sz="2800" dirty="0">
+                <a:latin typeface="나눔스퀘어 Bold" panose="020B0600000101010101" pitchFamily="50" charset="-127"/>
+                <a:ea typeface="나눔스퀘어 Bold" panose="020B0600000101010101" pitchFamily="50" charset="-127"/>
+              </a:rPr>
+              <a:t>미로 탐색</a:t>
+            </a:r>
+          </a:p>
+        </p:txBody>
+      </p:sp>
+      <p:sp>
+        <p:nvSpPr>
+          <p:cNvPr id="29" name="TextBox 28">
+            <a:extLst>
+              <a:ext uri="{FF2B5EF4-FFF2-40B4-BE49-F238E27FC236}">
+                <a16:creationId xmlns:a16="http://schemas.microsoft.com/office/drawing/2014/main" id="{7E33452F-38D4-A195-C6CD-AF9182BC40E8}"/>
+              </a:ext>
+            </a:extLst>
+          </p:cNvPr>
+          <p:cNvSpPr txBox="1"/>
+          <p:nvPr/>
+        </p:nvSpPr>
+        <p:spPr>
+          <a:xfrm>
+            <a:off x="942387" y="1190024"/>
+            <a:ext cx="10237694" cy="369332"/>
+          </a:xfrm>
+          <a:prstGeom prst="rect">
+            <a:avLst/>
+          </a:prstGeom>
+          <a:noFill/>
+        </p:spPr>
+        <p:txBody>
+          <a:bodyPr wrap="square" rtlCol="0">
+            <a:spAutoFit/>
+          </a:bodyPr>
+          <a:lstStyle/>
+          <a:p>
+            <a:r>
+              <a:rPr lang="ko-KR" altLang="en-US" dirty="0">
+                <a:latin typeface="나눔스퀘어 Light" panose="020B0600000101010101" pitchFamily="50" charset="-127"/>
+                <a:ea typeface="나눔스퀘어 Light" panose="020B0600000101010101" pitchFamily="50" charset="-127"/>
+              </a:rPr>
+              <a:t>이 문제에서 칸을 이동하는데 드는 비용은 어느 칸</a:t>
+            </a:r>
+            <a:r>
+              <a:rPr lang="en-US" altLang="ko-KR" dirty="0">
+                <a:latin typeface="나눔스퀘어 Light" panose="020B0600000101010101" pitchFamily="50" charset="-127"/>
+                <a:ea typeface="나눔스퀘어 Light" panose="020B0600000101010101" pitchFamily="50" charset="-127"/>
+              </a:rPr>
+              <a:t>, </a:t>
+            </a:r>
+            <a:r>
+              <a:rPr lang="ko-KR" altLang="en-US" dirty="0">
+                <a:latin typeface="나눔스퀘어 Light" panose="020B0600000101010101" pitchFamily="50" charset="-127"/>
+                <a:ea typeface="나눔스퀘어 Light" panose="020B0600000101010101" pitchFamily="50" charset="-127"/>
+              </a:rPr>
+              <a:t>어느 방향이든 </a:t>
+            </a:r>
+            <a:r>
+              <a:rPr lang="en-US" altLang="ko-KR" dirty="0">
+                <a:latin typeface="나눔스퀘어 Light" panose="020B0600000101010101" pitchFamily="50" charset="-127"/>
+                <a:ea typeface="나눔스퀘어 Light" panose="020B0600000101010101" pitchFamily="50" charset="-127"/>
+              </a:rPr>
+              <a:t>1</a:t>
+            </a:r>
+            <a:r>
+              <a:rPr lang="ko-KR" altLang="en-US" dirty="0">
+                <a:latin typeface="나눔스퀘어 Light" panose="020B0600000101010101" pitchFamily="50" charset="-127"/>
+                <a:ea typeface="나눔스퀘어 Light" panose="020B0600000101010101" pitchFamily="50" charset="-127"/>
+              </a:rPr>
+              <a:t>로 같습니다</a:t>
+            </a:r>
+            <a:r>
+              <a:rPr lang="en-US" altLang="ko-KR" dirty="0">
+                <a:latin typeface="나눔스퀘어 Light" panose="020B0600000101010101" pitchFamily="50" charset="-127"/>
+                <a:ea typeface="나눔스퀘어 Light" panose="020B0600000101010101" pitchFamily="50" charset="-127"/>
+              </a:rPr>
+              <a:t>.</a:t>
+            </a:r>
+            <a:endParaRPr lang="ko-KR" altLang="en-US" dirty="0">
+              <a:latin typeface="나눔스퀘어 Light" panose="020B0600000101010101" pitchFamily="50" charset="-127"/>
+              <a:ea typeface="나눔스퀘어 Light" panose="020B0600000101010101" pitchFamily="50" charset="-127"/>
+            </a:endParaRPr>
+          </a:p>
+        </p:txBody>
+      </p:sp>
+      <p:sp>
+        <p:nvSpPr>
+          <p:cNvPr id="6" name="TextBox 5">
+            <a:extLst>
+              <a:ext uri="{FF2B5EF4-FFF2-40B4-BE49-F238E27FC236}">
+                <a16:creationId xmlns:a16="http://schemas.microsoft.com/office/drawing/2014/main" id="{810928AE-8DDC-9E4F-6D3B-DE453B4A0100}"/>
+              </a:ext>
+            </a:extLst>
+          </p:cNvPr>
+          <p:cNvSpPr txBox="1"/>
+          <p:nvPr/>
+        </p:nvSpPr>
+        <p:spPr>
+          <a:xfrm>
+            <a:off x="942387" y="1559356"/>
+            <a:ext cx="10237694" cy="369332"/>
+          </a:xfrm>
+          <a:prstGeom prst="rect">
+            <a:avLst/>
+          </a:prstGeom>
+          <a:noFill/>
+        </p:spPr>
+        <p:txBody>
+          <a:bodyPr wrap="square" rtlCol="0">
+            <a:spAutoFit/>
+          </a:bodyPr>
+          <a:lstStyle/>
+          <a:p>
+            <a:r>
+              <a:rPr lang="ko-KR" altLang="en-US" dirty="0">
+                <a:latin typeface="나눔스퀘어 Light" panose="020B0600000101010101" pitchFamily="50" charset="-127"/>
+                <a:ea typeface="나눔스퀘어 Light" panose="020B0600000101010101" pitchFamily="50" charset="-127"/>
+              </a:rPr>
+              <a:t>그래프에서 가중치가 동일할 때 최소 비용을 찾는 문제는 주로 </a:t>
+            </a:r>
+            <a:r>
+              <a:rPr lang="en-US" altLang="ko-KR" dirty="0">
+                <a:latin typeface="나눔스퀘어 Light" panose="020B0600000101010101" pitchFamily="50" charset="-127"/>
+                <a:ea typeface="나눔스퀘어 Light" panose="020B0600000101010101" pitchFamily="50" charset="-127"/>
+              </a:rPr>
+              <a:t>BFS</a:t>
+            </a:r>
+            <a:r>
+              <a:rPr lang="ko-KR" altLang="en-US" dirty="0">
+                <a:latin typeface="나눔스퀘어 Light" panose="020B0600000101010101" pitchFamily="50" charset="-127"/>
+                <a:ea typeface="나눔스퀘어 Light" panose="020B0600000101010101" pitchFamily="50" charset="-127"/>
+              </a:rPr>
+              <a:t>로 풀 수 있습니다</a:t>
+            </a:r>
+            <a:r>
+              <a:rPr lang="en-US" altLang="ko-KR" dirty="0">
+                <a:latin typeface="나눔스퀘어 Light" panose="020B0600000101010101" pitchFamily="50" charset="-127"/>
+                <a:ea typeface="나눔스퀘어 Light" panose="020B0600000101010101" pitchFamily="50" charset="-127"/>
+              </a:rPr>
+              <a:t>.</a:t>
+            </a:r>
+            <a:endParaRPr lang="ko-KR" altLang="en-US" dirty="0">
+              <a:latin typeface="나눔스퀘어 Light" panose="020B0600000101010101" pitchFamily="50" charset="-127"/>
+              <a:ea typeface="나눔스퀘어 Light" panose="020B0600000101010101" pitchFamily="50" charset="-127"/>
+            </a:endParaRPr>
+          </a:p>
+        </p:txBody>
+      </p:sp>
+      <p:sp>
+        <p:nvSpPr>
+          <p:cNvPr id="7" name="TextBox 6">
+            <a:extLst>
+              <a:ext uri="{FF2B5EF4-FFF2-40B4-BE49-F238E27FC236}">
+                <a16:creationId xmlns:a16="http://schemas.microsoft.com/office/drawing/2014/main" id="{2A54B15F-95EF-C1E7-4A52-C379503C91C5}"/>
+              </a:ext>
+            </a:extLst>
+          </p:cNvPr>
+          <p:cNvSpPr txBox="1"/>
+          <p:nvPr/>
+        </p:nvSpPr>
+        <p:spPr>
+          <a:xfrm>
+            <a:off x="942387" y="1928688"/>
+            <a:ext cx="10237694" cy="369332"/>
+          </a:xfrm>
+          <a:prstGeom prst="rect">
+            <a:avLst/>
+          </a:prstGeom>
+          <a:noFill/>
+        </p:spPr>
+        <p:txBody>
+          <a:bodyPr wrap="square" rtlCol="0">
+            <a:spAutoFit/>
+          </a:bodyPr>
+          <a:lstStyle/>
+          <a:p>
+            <a:r>
+              <a:rPr lang="ko-KR" altLang="en-US" dirty="0">
+                <a:latin typeface="나눔스퀘어 Light" panose="020B0600000101010101" pitchFamily="50" charset="-127"/>
+                <a:ea typeface="나눔스퀘어 Light" panose="020B0600000101010101" pitchFamily="50" charset="-127"/>
+              </a:rPr>
+              <a:t>해를 찾았을 때의 상태 트리의 깊이가 곧 최소 비용이기 때문입니다</a:t>
+            </a:r>
+            <a:r>
+              <a:rPr lang="en-US" altLang="ko-KR" dirty="0">
+                <a:latin typeface="나눔스퀘어 Light" panose="020B0600000101010101" pitchFamily="50" charset="-127"/>
+                <a:ea typeface="나눔스퀘어 Light" panose="020B0600000101010101" pitchFamily="50" charset="-127"/>
+              </a:rPr>
+              <a:t>.</a:t>
+            </a:r>
+            <a:endParaRPr lang="ko-KR" altLang="en-US" dirty="0">
+              <a:latin typeface="나눔스퀘어 Light" panose="020B0600000101010101" pitchFamily="50" charset="-127"/>
+              <a:ea typeface="나눔스퀘어 Light" panose="020B0600000101010101" pitchFamily="50" charset="-127"/>
+            </a:endParaRPr>
+          </a:p>
+        </p:txBody>
+      </p:sp>
+      <p:sp>
+        <p:nvSpPr>
+          <p:cNvPr id="9" name="TextBox 8">
+            <a:extLst>
+              <a:ext uri="{FF2B5EF4-FFF2-40B4-BE49-F238E27FC236}">
+                <a16:creationId xmlns:a16="http://schemas.microsoft.com/office/drawing/2014/main" id="{5F4218E2-2247-EC14-35EF-0E57B2A18756}"/>
+              </a:ext>
+            </a:extLst>
+          </p:cNvPr>
+          <p:cNvSpPr txBox="1"/>
+          <p:nvPr/>
+        </p:nvSpPr>
+        <p:spPr>
+          <a:xfrm>
+            <a:off x="942387" y="2298020"/>
+            <a:ext cx="10237694" cy="369332"/>
+          </a:xfrm>
+          <a:prstGeom prst="rect">
+            <a:avLst/>
+          </a:prstGeom>
+          <a:noFill/>
+        </p:spPr>
+        <p:txBody>
+          <a:bodyPr wrap="square" rtlCol="0">
+            <a:spAutoFit/>
+          </a:bodyPr>
+          <a:lstStyle/>
+          <a:p>
+            <a:r>
+              <a:rPr lang="en-US" altLang="ko-KR" dirty="0">
+                <a:latin typeface="나눔스퀘어 Light" panose="020B0600000101010101" pitchFamily="50" charset="-127"/>
+                <a:ea typeface="나눔스퀘어 Light" panose="020B0600000101010101" pitchFamily="50" charset="-127"/>
+              </a:rPr>
+              <a:t>(DFS</a:t>
+            </a:r>
+            <a:r>
+              <a:rPr lang="ko-KR" altLang="en-US" dirty="0">
+                <a:latin typeface="나눔스퀘어 Light" panose="020B0600000101010101" pitchFamily="50" charset="-127"/>
+                <a:ea typeface="나눔스퀘어 Light" panose="020B0600000101010101" pitchFamily="50" charset="-127"/>
+              </a:rPr>
+              <a:t>의 경우에는</a:t>
+            </a:r>
+            <a:r>
+              <a:rPr lang="en-US" altLang="ko-KR">
+                <a:latin typeface="나눔스퀘어 Light" panose="020B0600000101010101" pitchFamily="50" charset="-127"/>
+                <a:ea typeface="나눔스퀘어 Light" panose="020B0600000101010101" pitchFamily="50" charset="-127"/>
+              </a:rPr>
+              <a:t>, </a:t>
+            </a:r>
+            <a:r>
+              <a:rPr lang="ko-KR" altLang="en-US">
+                <a:latin typeface="나눔스퀘어 Light" panose="020B0600000101010101" pitchFamily="50" charset="-127"/>
+                <a:ea typeface="나눔스퀘어 Light" panose="020B0600000101010101" pitchFamily="50" charset="-127"/>
+              </a:rPr>
+              <a:t>해를 </a:t>
+            </a:r>
+            <a:r>
+              <a:rPr lang="ko-KR" altLang="en-US" dirty="0">
+                <a:latin typeface="나눔스퀘어 Light" panose="020B0600000101010101" pitchFamily="50" charset="-127"/>
+                <a:ea typeface="나눔스퀘어 Light" panose="020B0600000101010101" pitchFamily="50" charset="-127"/>
+              </a:rPr>
+              <a:t>찾았을 때의 비용이 최소 비용이 아닐 수도 있습니다</a:t>
+            </a:r>
+            <a:r>
+              <a:rPr lang="en-US" altLang="ko-KR" dirty="0">
+                <a:latin typeface="나눔스퀘어 Light" panose="020B0600000101010101" pitchFamily="50" charset="-127"/>
+                <a:ea typeface="나눔스퀘어 Light" panose="020B0600000101010101" pitchFamily="50" charset="-127"/>
+              </a:rPr>
+              <a:t>.)</a:t>
+            </a:r>
+            <a:endParaRPr lang="ko-KR" altLang="en-US" dirty="0">
+              <a:latin typeface="나눔스퀘어 Light" panose="020B0600000101010101" pitchFamily="50" charset="-127"/>
+              <a:ea typeface="나눔스퀘어 Light" panose="020B0600000101010101" pitchFamily="50" charset="-127"/>
+            </a:endParaRPr>
+          </a:p>
+        </p:txBody>
+      </p:sp>
+      <p:sp>
+        <p:nvSpPr>
+          <p:cNvPr id="10" name="타원 9">
+            <a:extLst>
+              <a:ext uri="{FF2B5EF4-FFF2-40B4-BE49-F238E27FC236}">
+                <a16:creationId xmlns:a16="http://schemas.microsoft.com/office/drawing/2014/main" id="{3A5141DB-ED6B-82D1-E89C-84357959E05E}"/>
+              </a:ext>
+            </a:extLst>
+          </p:cNvPr>
+          <p:cNvSpPr/>
+          <p:nvPr/>
+        </p:nvSpPr>
+        <p:spPr>
+          <a:xfrm>
+            <a:off x="1563473" y="2852018"/>
+            <a:ext cx="369332" cy="369332"/>
+          </a:xfrm>
+          <a:prstGeom prst="ellipse">
+            <a:avLst/>
+          </a:prstGeom>
+          <a:noFill/>
+          <a:ln w="19050">
+            <a:solidFill>
+              <a:srgbClr val="00B050"/>
+            </a:solidFill>
+          </a:ln>
+        </p:spPr>
+        <p:style>
+          <a:lnRef idx="2">
+            <a:schemeClr val="accent1">
+              <a:shade val="50000"/>
+            </a:schemeClr>
+          </a:lnRef>
+          <a:fillRef idx="1">
+            <a:schemeClr val="accent1"/>
+          </a:fillRef>
+          <a:effectRef idx="0">
+            <a:schemeClr val="accent1"/>
+          </a:effectRef>
+          <a:fontRef idx="minor">
+            <a:schemeClr val="lt1"/>
+          </a:fontRef>
+        </p:style>
+        <p:txBody>
+          <a:bodyPr rtlCol="0" anchor="ctr"/>
+          <a:lstStyle/>
+          <a:p>
+            <a:pPr algn="ctr"/>
+            <a:r>
+              <a:rPr lang="en-US" altLang="ko-KR" sz="1600" dirty="0">
+                <a:solidFill>
+                  <a:schemeClr val="tx1"/>
+                </a:solidFill>
+                <a:latin typeface="나눔스퀘어 Bold" panose="020B0600000101010101" pitchFamily="50" charset="-127"/>
+                <a:ea typeface="나눔스퀘어 Bold" panose="020B0600000101010101" pitchFamily="50" charset="-127"/>
+              </a:rPr>
+              <a:t>A</a:t>
+            </a:r>
+            <a:endParaRPr lang="ko-KR" altLang="en-US" sz="1600" dirty="0">
+              <a:solidFill>
+                <a:schemeClr val="tx1"/>
+              </a:solidFill>
+              <a:latin typeface="나눔스퀘어 Bold" panose="020B0600000101010101" pitchFamily="50" charset="-127"/>
+              <a:ea typeface="나눔스퀘어 Bold" panose="020B0600000101010101" pitchFamily="50" charset="-127"/>
+            </a:endParaRPr>
+          </a:p>
+        </p:txBody>
+      </p:sp>
+      <p:sp>
+        <p:nvSpPr>
+          <p:cNvPr id="11" name="타원 10">
+            <a:extLst>
+              <a:ext uri="{FF2B5EF4-FFF2-40B4-BE49-F238E27FC236}">
+                <a16:creationId xmlns:a16="http://schemas.microsoft.com/office/drawing/2014/main" id="{2AB17C96-EA5D-0B6D-AE84-47F3D1292426}"/>
+              </a:ext>
+            </a:extLst>
+          </p:cNvPr>
+          <p:cNvSpPr/>
+          <p:nvPr/>
+        </p:nvSpPr>
+        <p:spPr>
+          <a:xfrm>
+            <a:off x="1092132" y="3862174"/>
+            <a:ext cx="369332" cy="369332"/>
+          </a:xfrm>
+          <a:prstGeom prst="ellipse">
+            <a:avLst/>
+          </a:prstGeom>
+          <a:noFill/>
+          <a:ln w="19050">
+            <a:solidFill>
+              <a:schemeClr val="tx1"/>
+            </a:solidFill>
+          </a:ln>
+        </p:spPr>
+        <p:style>
+          <a:lnRef idx="2">
+            <a:schemeClr val="accent1">
+              <a:shade val="50000"/>
+            </a:schemeClr>
+          </a:lnRef>
+          <a:fillRef idx="1">
+            <a:schemeClr val="accent1"/>
+          </a:fillRef>
+          <a:effectRef idx="0">
+            <a:schemeClr val="accent1"/>
+          </a:effectRef>
+          <a:fontRef idx="minor">
+            <a:schemeClr val="lt1"/>
+          </a:fontRef>
+        </p:style>
+        <p:txBody>
+          <a:bodyPr rtlCol="0" anchor="ctr"/>
+          <a:lstStyle/>
+          <a:p>
+            <a:pPr algn="ctr"/>
+            <a:r>
+              <a:rPr lang="en-US" altLang="ko-KR" sz="1600" dirty="0">
+                <a:solidFill>
+                  <a:schemeClr val="tx1"/>
+                </a:solidFill>
+                <a:latin typeface="나눔스퀘어 Bold" panose="020B0600000101010101" pitchFamily="50" charset="-127"/>
+                <a:ea typeface="나눔스퀘어 Bold" panose="020B0600000101010101" pitchFamily="50" charset="-127"/>
+              </a:rPr>
+              <a:t>B</a:t>
+            </a:r>
+            <a:endParaRPr lang="ko-KR" altLang="en-US" sz="1600" dirty="0">
+              <a:solidFill>
+                <a:schemeClr val="tx1"/>
+              </a:solidFill>
+              <a:latin typeface="나눔스퀘어 Bold" panose="020B0600000101010101" pitchFamily="50" charset="-127"/>
+              <a:ea typeface="나눔스퀘어 Bold" panose="020B0600000101010101" pitchFamily="50" charset="-127"/>
+            </a:endParaRPr>
+          </a:p>
+        </p:txBody>
+      </p:sp>
+      <p:sp>
+        <p:nvSpPr>
+          <p:cNvPr id="12" name="타원 11">
+            <a:extLst>
+              <a:ext uri="{FF2B5EF4-FFF2-40B4-BE49-F238E27FC236}">
+                <a16:creationId xmlns:a16="http://schemas.microsoft.com/office/drawing/2014/main" id="{81B367A1-AA6C-D0D4-D6A7-5DBE18FDF105}"/>
+              </a:ext>
+            </a:extLst>
+          </p:cNvPr>
+          <p:cNvSpPr/>
+          <p:nvPr/>
+        </p:nvSpPr>
+        <p:spPr>
+          <a:xfrm>
+            <a:off x="1932805" y="3862174"/>
+            <a:ext cx="369332" cy="369332"/>
+          </a:xfrm>
+          <a:prstGeom prst="ellipse">
+            <a:avLst/>
+          </a:prstGeom>
+          <a:noFill/>
+          <a:ln w="19050">
+            <a:solidFill>
+              <a:schemeClr val="tx1"/>
+            </a:solidFill>
+          </a:ln>
+        </p:spPr>
+        <p:style>
+          <a:lnRef idx="2">
+            <a:schemeClr val="accent1">
+              <a:shade val="50000"/>
+            </a:schemeClr>
+          </a:lnRef>
+          <a:fillRef idx="1">
+            <a:schemeClr val="accent1"/>
+          </a:fillRef>
+          <a:effectRef idx="0">
+            <a:schemeClr val="accent1"/>
+          </a:effectRef>
+          <a:fontRef idx="minor">
+            <a:schemeClr val="lt1"/>
+          </a:fontRef>
+        </p:style>
+        <p:txBody>
+          <a:bodyPr rtlCol="0" anchor="ctr"/>
+          <a:lstStyle/>
+          <a:p>
+            <a:pPr algn="ctr"/>
+            <a:r>
+              <a:rPr lang="en-US" altLang="ko-KR" sz="1600" dirty="0">
+                <a:solidFill>
+                  <a:schemeClr val="tx1"/>
+                </a:solidFill>
+                <a:latin typeface="나눔스퀘어 Bold" panose="020B0600000101010101" pitchFamily="50" charset="-127"/>
+                <a:ea typeface="나눔스퀘어 Bold" panose="020B0600000101010101" pitchFamily="50" charset="-127"/>
+              </a:rPr>
+              <a:t>C</a:t>
+            </a:r>
+            <a:endParaRPr lang="ko-KR" altLang="en-US" sz="1600" dirty="0">
+              <a:solidFill>
+                <a:schemeClr val="tx1"/>
+              </a:solidFill>
+              <a:latin typeface="나눔스퀘어 Bold" panose="020B0600000101010101" pitchFamily="50" charset="-127"/>
+              <a:ea typeface="나눔스퀘어 Bold" panose="020B0600000101010101" pitchFamily="50" charset="-127"/>
+            </a:endParaRPr>
+          </a:p>
+        </p:txBody>
+      </p:sp>
+      <p:sp>
+        <p:nvSpPr>
+          <p:cNvPr id="13" name="타원 12">
+            <a:extLst>
+              <a:ext uri="{FF2B5EF4-FFF2-40B4-BE49-F238E27FC236}">
+                <a16:creationId xmlns:a16="http://schemas.microsoft.com/office/drawing/2014/main" id="{B679D30E-F408-272B-C765-E839FC45ABCB}"/>
+              </a:ext>
+            </a:extLst>
+          </p:cNvPr>
+          <p:cNvSpPr/>
+          <p:nvPr/>
+        </p:nvSpPr>
+        <p:spPr>
+          <a:xfrm>
+            <a:off x="722800" y="4872330"/>
+            <a:ext cx="369332" cy="369332"/>
+          </a:xfrm>
+          <a:prstGeom prst="ellipse">
+            <a:avLst/>
+          </a:prstGeom>
+          <a:noFill/>
+          <a:ln w="19050">
+            <a:solidFill>
+              <a:srgbClr val="FF0000"/>
+            </a:solidFill>
+          </a:ln>
+        </p:spPr>
+        <p:style>
+          <a:lnRef idx="2">
+            <a:schemeClr val="accent1">
+              <a:shade val="50000"/>
+            </a:schemeClr>
+          </a:lnRef>
+          <a:fillRef idx="1">
+            <a:schemeClr val="accent1"/>
+          </a:fillRef>
+          <a:effectRef idx="0">
+            <a:schemeClr val="accent1"/>
+          </a:effectRef>
+          <a:fontRef idx="minor">
+            <a:schemeClr val="lt1"/>
+          </a:fontRef>
+        </p:style>
+        <p:txBody>
+          <a:bodyPr rtlCol="0" anchor="ctr"/>
+          <a:lstStyle/>
+          <a:p>
+            <a:pPr algn="ctr"/>
+            <a:r>
+              <a:rPr lang="en-US" altLang="ko-KR" sz="1600" dirty="0">
+                <a:solidFill>
+                  <a:srgbClr val="404040"/>
+                </a:solidFill>
+                <a:latin typeface="나눔스퀘어 Bold" panose="020B0600000101010101" pitchFamily="50" charset="-127"/>
+                <a:ea typeface="나눔스퀘어 Bold" panose="020B0600000101010101" pitchFamily="50" charset="-127"/>
+              </a:rPr>
+              <a:t>E</a:t>
+            </a:r>
+            <a:endParaRPr lang="ko-KR" altLang="en-US" sz="1600" dirty="0">
+              <a:solidFill>
+                <a:srgbClr val="404040"/>
+              </a:solidFill>
+              <a:latin typeface="나눔스퀘어 Bold" panose="020B0600000101010101" pitchFamily="50" charset="-127"/>
+              <a:ea typeface="나눔스퀘어 Bold" panose="020B0600000101010101" pitchFamily="50" charset="-127"/>
+            </a:endParaRPr>
+          </a:p>
+        </p:txBody>
+      </p:sp>
+      <p:sp>
+        <p:nvSpPr>
+          <p:cNvPr id="14" name="타원 13">
+            <a:extLst>
+              <a:ext uri="{FF2B5EF4-FFF2-40B4-BE49-F238E27FC236}">
+                <a16:creationId xmlns:a16="http://schemas.microsoft.com/office/drawing/2014/main" id="{CE278E21-4A88-3A86-3522-5C512A404EC1}"/>
+              </a:ext>
+            </a:extLst>
+          </p:cNvPr>
+          <p:cNvSpPr/>
+          <p:nvPr/>
+        </p:nvSpPr>
+        <p:spPr>
+          <a:xfrm>
+            <a:off x="1563473" y="4872330"/>
+            <a:ext cx="369332" cy="369332"/>
+          </a:xfrm>
+          <a:prstGeom prst="ellipse">
+            <a:avLst/>
+          </a:prstGeom>
+          <a:noFill/>
+          <a:ln w="19050">
+            <a:solidFill>
+              <a:schemeClr val="tx1"/>
+            </a:solidFill>
+          </a:ln>
+        </p:spPr>
+        <p:style>
+          <a:lnRef idx="2">
+            <a:schemeClr val="accent1">
+              <a:shade val="50000"/>
+            </a:schemeClr>
+          </a:lnRef>
+          <a:fillRef idx="1">
+            <a:schemeClr val="accent1"/>
+          </a:fillRef>
+          <a:effectRef idx="0">
+            <a:schemeClr val="accent1"/>
+          </a:effectRef>
+          <a:fontRef idx="minor">
+            <a:schemeClr val="lt1"/>
+          </a:fontRef>
+        </p:style>
+        <p:txBody>
+          <a:bodyPr rtlCol="0" anchor="ctr"/>
+          <a:lstStyle/>
+          <a:p>
+            <a:pPr algn="ctr"/>
+            <a:r>
+              <a:rPr lang="en-US" altLang="ko-KR" sz="1600" dirty="0">
+                <a:solidFill>
+                  <a:schemeClr val="tx1"/>
+                </a:solidFill>
+                <a:latin typeface="나눔스퀘어 Bold" panose="020B0600000101010101" pitchFamily="50" charset="-127"/>
+                <a:ea typeface="나눔스퀘어 Bold" panose="020B0600000101010101" pitchFamily="50" charset="-127"/>
+              </a:rPr>
+              <a:t>F</a:t>
+            </a:r>
+            <a:endParaRPr lang="ko-KR" altLang="en-US" sz="1600" dirty="0">
+              <a:solidFill>
+                <a:schemeClr val="tx1"/>
+              </a:solidFill>
+              <a:latin typeface="나눔스퀘어 Bold" panose="020B0600000101010101" pitchFamily="50" charset="-127"/>
+              <a:ea typeface="나눔스퀘어 Bold" panose="020B0600000101010101" pitchFamily="50" charset="-127"/>
+            </a:endParaRPr>
+          </a:p>
+        </p:txBody>
+      </p:sp>
+      <p:sp>
+        <p:nvSpPr>
+          <p:cNvPr id="15" name="타원 14">
+            <a:extLst>
+              <a:ext uri="{FF2B5EF4-FFF2-40B4-BE49-F238E27FC236}">
+                <a16:creationId xmlns:a16="http://schemas.microsoft.com/office/drawing/2014/main" id="{39C8CC9C-1A5F-8CC7-9D43-BED366357AA0}"/>
+              </a:ext>
+            </a:extLst>
+          </p:cNvPr>
+          <p:cNvSpPr/>
+          <p:nvPr/>
+        </p:nvSpPr>
+        <p:spPr>
+          <a:xfrm>
+            <a:off x="2773478" y="3862174"/>
+            <a:ext cx="369332" cy="369332"/>
+          </a:xfrm>
+          <a:prstGeom prst="ellipse">
+            <a:avLst/>
+          </a:prstGeom>
+          <a:noFill/>
+          <a:ln w="19050">
+            <a:solidFill>
+              <a:schemeClr val="tx1"/>
+            </a:solidFill>
+          </a:ln>
+        </p:spPr>
+        <p:style>
+          <a:lnRef idx="2">
+            <a:schemeClr val="accent1">
+              <a:shade val="50000"/>
+            </a:schemeClr>
+          </a:lnRef>
+          <a:fillRef idx="1">
+            <a:schemeClr val="accent1"/>
+          </a:fillRef>
+          <a:effectRef idx="0">
+            <a:schemeClr val="accent1"/>
+          </a:effectRef>
+          <a:fontRef idx="minor">
+            <a:schemeClr val="lt1"/>
+          </a:fontRef>
+        </p:style>
+        <p:txBody>
+          <a:bodyPr rtlCol="0" anchor="ctr"/>
+          <a:lstStyle/>
+          <a:p>
+            <a:pPr algn="ctr"/>
+            <a:r>
+              <a:rPr lang="en-US" altLang="ko-KR" sz="1600" dirty="0">
+                <a:solidFill>
+                  <a:schemeClr val="tx1"/>
+                </a:solidFill>
+                <a:latin typeface="나눔스퀘어 Bold" panose="020B0600000101010101" pitchFamily="50" charset="-127"/>
+                <a:ea typeface="나눔스퀘어 Bold" panose="020B0600000101010101" pitchFamily="50" charset="-127"/>
+              </a:rPr>
+              <a:t>D</a:t>
+            </a:r>
+            <a:endParaRPr lang="ko-KR" altLang="en-US" sz="1600" dirty="0">
+              <a:solidFill>
+                <a:schemeClr val="tx1"/>
+              </a:solidFill>
+              <a:latin typeface="나눔스퀘어 Bold" panose="020B0600000101010101" pitchFamily="50" charset="-127"/>
+              <a:ea typeface="나눔스퀘어 Bold" panose="020B0600000101010101" pitchFamily="50" charset="-127"/>
+            </a:endParaRPr>
+          </a:p>
+        </p:txBody>
+      </p:sp>
+      <p:sp>
+        <p:nvSpPr>
+          <p:cNvPr id="16" name="타원 15">
+            <a:extLst>
+              <a:ext uri="{FF2B5EF4-FFF2-40B4-BE49-F238E27FC236}">
+                <a16:creationId xmlns:a16="http://schemas.microsoft.com/office/drawing/2014/main" id="{96801B62-B26F-45B4-A390-64E42ABA556D}"/>
+              </a:ext>
+            </a:extLst>
+          </p:cNvPr>
+          <p:cNvSpPr/>
+          <p:nvPr/>
+        </p:nvSpPr>
+        <p:spPr>
+          <a:xfrm>
+            <a:off x="2404146" y="4872330"/>
+            <a:ext cx="369332" cy="369332"/>
+          </a:xfrm>
+          <a:prstGeom prst="ellipse">
+            <a:avLst/>
+          </a:prstGeom>
+          <a:noFill/>
+          <a:ln w="19050">
+            <a:solidFill>
+              <a:schemeClr val="tx1"/>
+            </a:solidFill>
+          </a:ln>
+        </p:spPr>
+        <p:style>
+          <a:lnRef idx="2">
+            <a:schemeClr val="accent1">
+              <a:shade val="50000"/>
+            </a:schemeClr>
+          </a:lnRef>
+          <a:fillRef idx="1">
+            <a:schemeClr val="accent1"/>
+          </a:fillRef>
+          <a:effectRef idx="0">
+            <a:schemeClr val="accent1"/>
+          </a:effectRef>
+          <a:fontRef idx="minor">
+            <a:schemeClr val="lt1"/>
+          </a:fontRef>
+        </p:style>
+        <p:txBody>
+          <a:bodyPr rtlCol="0" anchor="ctr"/>
+          <a:lstStyle/>
+          <a:p>
+            <a:pPr algn="ctr"/>
+            <a:r>
+              <a:rPr lang="en-US" altLang="ko-KR" sz="1600" dirty="0">
+                <a:solidFill>
+                  <a:schemeClr val="tx1"/>
+                </a:solidFill>
+                <a:latin typeface="나눔스퀘어 Bold" panose="020B0600000101010101" pitchFamily="50" charset="-127"/>
+                <a:ea typeface="나눔스퀘어 Bold" panose="020B0600000101010101" pitchFamily="50" charset="-127"/>
+              </a:rPr>
+              <a:t>G</a:t>
+            </a:r>
+            <a:endParaRPr lang="ko-KR" altLang="en-US" sz="1600" dirty="0">
+              <a:solidFill>
+                <a:schemeClr val="tx1"/>
+              </a:solidFill>
+              <a:latin typeface="나눔스퀘어 Bold" panose="020B0600000101010101" pitchFamily="50" charset="-127"/>
+              <a:ea typeface="나눔스퀘어 Bold" panose="020B0600000101010101" pitchFamily="50" charset="-127"/>
+            </a:endParaRPr>
+          </a:p>
+        </p:txBody>
+      </p:sp>
+      <p:sp>
+        <p:nvSpPr>
+          <p:cNvPr id="17" name="타원 16">
+            <a:extLst>
+              <a:ext uri="{FF2B5EF4-FFF2-40B4-BE49-F238E27FC236}">
+                <a16:creationId xmlns:a16="http://schemas.microsoft.com/office/drawing/2014/main" id="{9B071A28-621D-242E-C05D-13AA41CD0D96}"/>
+              </a:ext>
+            </a:extLst>
+          </p:cNvPr>
+          <p:cNvSpPr/>
+          <p:nvPr/>
+        </p:nvSpPr>
+        <p:spPr>
+          <a:xfrm>
+            <a:off x="3244819" y="4872330"/>
+            <a:ext cx="369332" cy="369332"/>
+          </a:xfrm>
+          <a:prstGeom prst="ellipse">
+            <a:avLst/>
+          </a:prstGeom>
+          <a:noFill/>
+          <a:ln w="19050">
+            <a:solidFill>
+              <a:schemeClr val="tx1"/>
+            </a:solidFill>
+          </a:ln>
+        </p:spPr>
+        <p:style>
+          <a:lnRef idx="2">
+            <a:schemeClr val="accent1">
+              <a:shade val="50000"/>
+            </a:schemeClr>
+          </a:lnRef>
+          <a:fillRef idx="1">
+            <a:schemeClr val="accent1"/>
+          </a:fillRef>
+          <a:effectRef idx="0">
+            <a:schemeClr val="accent1"/>
+          </a:effectRef>
+          <a:fontRef idx="minor">
+            <a:schemeClr val="lt1"/>
+          </a:fontRef>
+        </p:style>
+        <p:txBody>
+          <a:bodyPr rtlCol="0" anchor="ctr"/>
+          <a:lstStyle/>
+          <a:p>
+            <a:pPr algn="ctr"/>
+            <a:r>
+              <a:rPr lang="en-US" altLang="ko-KR" sz="1600" dirty="0">
+                <a:solidFill>
+                  <a:schemeClr val="tx1"/>
+                </a:solidFill>
+                <a:latin typeface="나눔스퀘어 Bold" panose="020B0600000101010101" pitchFamily="50" charset="-127"/>
+                <a:ea typeface="나눔스퀘어 Bold" panose="020B0600000101010101" pitchFamily="50" charset="-127"/>
+              </a:rPr>
+              <a:t>H</a:t>
+            </a:r>
+            <a:endParaRPr lang="ko-KR" altLang="en-US" sz="1600" dirty="0">
+              <a:solidFill>
+                <a:schemeClr val="tx1"/>
+              </a:solidFill>
+              <a:latin typeface="나눔스퀘어 Bold" panose="020B0600000101010101" pitchFamily="50" charset="-127"/>
+              <a:ea typeface="나눔스퀘어 Bold" panose="020B0600000101010101" pitchFamily="50" charset="-127"/>
+            </a:endParaRPr>
+          </a:p>
+        </p:txBody>
+      </p:sp>
+      <p:sp>
+        <p:nvSpPr>
+          <p:cNvPr id="18" name="타원 17">
+            <a:extLst>
+              <a:ext uri="{FF2B5EF4-FFF2-40B4-BE49-F238E27FC236}">
+                <a16:creationId xmlns:a16="http://schemas.microsoft.com/office/drawing/2014/main" id="{74B9F319-8761-E57E-DC94-A600E568012D}"/>
+              </a:ext>
+            </a:extLst>
+          </p:cNvPr>
+          <p:cNvSpPr/>
+          <p:nvPr/>
+        </p:nvSpPr>
+        <p:spPr>
+          <a:xfrm>
+            <a:off x="1092132" y="5884887"/>
+            <a:ext cx="369332" cy="369332"/>
+          </a:xfrm>
+          <a:prstGeom prst="ellipse">
+            <a:avLst/>
+          </a:prstGeom>
+          <a:noFill/>
+          <a:ln w="19050">
+            <a:solidFill>
+              <a:srgbClr val="FF0000"/>
+            </a:solidFill>
+          </a:ln>
+        </p:spPr>
+        <p:style>
+          <a:lnRef idx="2">
+            <a:schemeClr val="accent1">
+              <a:shade val="50000"/>
+            </a:schemeClr>
+          </a:lnRef>
+          <a:fillRef idx="1">
+            <a:schemeClr val="accent1"/>
+          </a:fillRef>
+          <a:effectRef idx="0">
+            <a:schemeClr val="accent1"/>
+          </a:effectRef>
+          <a:fontRef idx="minor">
+            <a:schemeClr val="lt1"/>
+          </a:fontRef>
+        </p:style>
+        <p:txBody>
+          <a:bodyPr rtlCol="0" anchor="ctr"/>
+          <a:lstStyle/>
+          <a:p>
+            <a:pPr algn="ctr"/>
+            <a:r>
+              <a:rPr lang="en-US" altLang="ko-KR" sz="1600" dirty="0">
+                <a:solidFill>
+                  <a:srgbClr val="404040"/>
+                </a:solidFill>
+                <a:latin typeface="나눔스퀘어 Bold" panose="020B0600000101010101" pitchFamily="50" charset="-127"/>
+                <a:ea typeface="나눔스퀘어 Bold" panose="020B0600000101010101" pitchFamily="50" charset="-127"/>
+              </a:rPr>
+              <a:t>I</a:t>
+            </a:r>
+            <a:endParaRPr lang="ko-KR" altLang="en-US" sz="1600" dirty="0">
+              <a:solidFill>
+                <a:srgbClr val="404040"/>
+              </a:solidFill>
+              <a:latin typeface="나눔스퀘어 Bold" panose="020B0600000101010101" pitchFamily="50" charset="-127"/>
+              <a:ea typeface="나눔스퀘어 Bold" panose="020B0600000101010101" pitchFamily="50" charset="-127"/>
+            </a:endParaRPr>
+          </a:p>
+        </p:txBody>
+      </p:sp>
+      <p:sp>
+        <p:nvSpPr>
+          <p:cNvPr id="19" name="타원 18">
+            <a:extLst>
+              <a:ext uri="{FF2B5EF4-FFF2-40B4-BE49-F238E27FC236}">
+                <a16:creationId xmlns:a16="http://schemas.microsoft.com/office/drawing/2014/main" id="{E5A8EED2-274D-27FF-A558-89513DFEC1AB}"/>
+              </a:ext>
+            </a:extLst>
+          </p:cNvPr>
+          <p:cNvSpPr/>
+          <p:nvPr/>
+        </p:nvSpPr>
+        <p:spPr>
+          <a:xfrm>
+            <a:off x="1932805" y="5884887"/>
+            <a:ext cx="369332" cy="369332"/>
+          </a:xfrm>
+          <a:prstGeom prst="ellipse">
+            <a:avLst/>
+          </a:prstGeom>
+          <a:noFill/>
+          <a:ln w="19050">
+            <a:solidFill>
+              <a:schemeClr val="tx1"/>
+            </a:solidFill>
+          </a:ln>
+        </p:spPr>
+        <p:style>
+          <a:lnRef idx="2">
+            <a:schemeClr val="accent1">
+              <a:shade val="50000"/>
+            </a:schemeClr>
+          </a:lnRef>
+          <a:fillRef idx="1">
+            <a:schemeClr val="accent1"/>
+          </a:fillRef>
+          <a:effectRef idx="0">
+            <a:schemeClr val="accent1"/>
+          </a:effectRef>
+          <a:fontRef idx="minor">
+            <a:schemeClr val="lt1"/>
+          </a:fontRef>
+        </p:style>
+        <p:txBody>
+          <a:bodyPr rtlCol="0" anchor="ctr"/>
+          <a:lstStyle/>
+          <a:p>
+            <a:pPr algn="ctr"/>
+            <a:r>
+              <a:rPr lang="en-US" altLang="ko-KR" sz="1600" dirty="0">
+                <a:solidFill>
+                  <a:schemeClr val="tx1"/>
+                </a:solidFill>
+                <a:latin typeface="나눔스퀘어 Bold" panose="020B0600000101010101" pitchFamily="50" charset="-127"/>
+                <a:ea typeface="나눔스퀘어 Bold" panose="020B0600000101010101" pitchFamily="50" charset="-127"/>
+              </a:rPr>
+              <a:t>J</a:t>
+            </a:r>
+            <a:endParaRPr lang="ko-KR" altLang="en-US" sz="1600" dirty="0">
+              <a:solidFill>
+                <a:schemeClr val="tx1"/>
+              </a:solidFill>
+              <a:latin typeface="나눔스퀘어 Bold" panose="020B0600000101010101" pitchFamily="50" charset="-127"/>
+              <a:ea typeface="나눔스퀘어 Bold" panose="020B0600000101010101" pitchFamily="50" charset="-127"/>
+            </a:endParaRPr>
+          </a:p>
+        </p:txBody>
+      </p:sp>
+      <p:cxnSp>
+        <p:nvCxnSpPr>
+          <p:cNvPr id="21" name="직선 연결선 20">
+            <a:extLst>
+              <a:ext uri="{FF2B5EF4-FFF2-40B4-BE49-F238E27FC236}">
+                <a16:creationId xmlns:a16="http://schemas.microsoft.com/office/drawing/2014/main" id="{F723F411-E400-4536-2D30-BB0F0EFF4F0E}"/>
+              </a:ext>
+            </a:extLst>
+          </p:cNvPr>
+          <p:cNvCxnSpPr>
+            <a:cxnSpLocks/>
+            <a:stCxn id="11" idx="0"/>
+            <a:endCxn id="10" idx="3"/>
+          </p:cNvCxnSpPr>
+          <p:nvPr/>
+        </p:nvCxnSpPr>
+        <p:spPr>
+          <a:xfrm flipV="1">
+            <a:off x="1276798" y="3167263"/>
+            <a:ext cx="340762" cy="694911"/>
+          </a:xfrm>
+          <a:prstGeom prst="line">
+            <a:avLst/>
+          </a:prstGeom>
+          <a:ln w="19050">
+            <a:solidFill>
+              <a:schemeClr val="tx1"/>
+            </a:solidFill>
+          </a:ln>
+        </p:spPr>
+        <p:style>
+          <a:lnRef idx="1">
+            <a:schemeClr val="accent1"/>
+          </a:lnRef>
+          <a:fillRef idx="0">
+            <a:schemeClr val="accent1"/>
+          </a:fillRef>
+          <a:effectRef idx="0">
+            <a:schemeClr val="accent1"/>
+          </a:effectRef>
+          <a:fontRef idx="minor">
+            <a:schemeClr val="tx1"/>
+          </a:fontRef>
+        </p:style>
+      </p:cxnSp>
+      <p:cxnSp>
+        <p:nvCxnSpPr>
+          <p:cNvPr id="22" name="직선 연결선 21">
+            <a:extLst>
+              <a:ext uri="{FF2B5EF4-FFF2-40B4-BE49-F238E27FC236}">
+                <a16:creationId xmlns:a16="http://schemas.microsoft.com/office/drawing/2014/main" id="{F5722577-CA6C-13EC-0918-8FCB0736A58D}"/>
+              </a:ext>
+            </a:extLst>
+          </p:cNvPr>
+          <p:cNvCxnSpPr>
+            <a:cxnSpLocks/>
+            <a:stCxn id="12" idx="0"/>
+            <a:endCxn id="10" idx="5"/>
+          </p:cNvCxnSpPr>
+          <p:nvPr/>
+        </p:nvCxnSpPr>
+        <p:spPr>
+          <a:xfrm flipH="1" flipV="1">
+            <a:off x="1878718" y="3167263"/>
+            <a:ext cx="238753" cy="694911"/>
+          </a:xfrm>
+          <a:prstGeom prst="line">
+            <a:avLst/>
+          </a:prstGeom>
+          <a:ln w="19050">
+            <a:solidFill>
+              <a:schemeClr val="tx1"/>
+            </a:solidFill>
+          </a:ln>
+        </p:spPr>
+        <p:style>
+          <a:lnRef idx="1">
+            <a:schemeClr val="accent1"/>
+          </a:lnRef>
+          <a:fillRef idx="0">
+            <a:schemeClr val="accent1"/>
+          </a:fillRef>
+          <a:effectRef idx="0">
+            <a:schemeClr val="accent1"/>
+          </a:effectRef>
+          <a:fontRef idx="minor">
+            <a:schemeClr val="tx1"/>
+          </a:fontRef>
+        </p:style>
+      </p:cxnSp>
+      <p:cxnSp>
+        <p:nvCxnSpPr>
+          <p:cNvPr id="25" name="직선 연결선 24">
+            <a:extLst>
+              <a:ext uri="{FF2B5EF4-FFF2-40B4-BE49-F238E27FC236}">
+                <a16:creationId xmlns:a16="http://schemas.microsoft.com/office/drawing/2014/main" id="{E4545843-14CF-81AB-358E-F3D71454DB8B}"/>
+              </a:ext>
+            </a:extLst>
+          </p:cNvPr>
+          <p:cNvCxnSpPr>
+            <a:cxnSpLocks/>
+            <a:stCxn id="11" idx="6"/>
+            <a:endCxn id="12" idx="2"/>
+          </p:cNvCxnSpPr>
+          <p:nvPr/>
+        </p:nvCxnSpPr>
+        <p:spPr>
+          <a:xfrm>
+            <a:off x="1461464" y="4046840"/>
+            <a:ext cx="471341" cy="0"/>
+          </a:xfrm>
+          <a:prstGeom prst="line">
+            <a:avLst/>
+          </a:prstGeom>
+          <a:ln w="19050">
+            <a:solidFill>
+              <a:schemeClr val="tx1"/>
+            </a:solidFill>
+          </a:ln>
+        </p:spPr>
+        <p:style>
+          <a:lnRef idx="1">
+            <a:schemeClr val="accent1"/>
+          </a:lnRef>
+          <a:fillRef idx="0">
+            <a:schemeClr val="accent1"/>
+          </a:fillRef>
+          <a:effectRef idx="0">
+            <a:schemeClr val="accent1"/>
+          </a:effectRef>
+          <a:fontRef idx="minor">
+            <a:schemeClr val="tx1"/>
+          </a:fontRef>
+        </p:style>
+      </p:cxnSp>
+      <p:cxnSp>
+        <p:nvCxnSpPr>
+          <p:cNvPr id="30" name="직선 연결선 29">
+            <a:extLst>
+              <a:ext uri="{FF2B5EF4-FFF2-40B4-BE49-F238E27FC236}">
+                <a16:creationId xmlns:a16="http://schemas.microsoft.com/office/drawing/2014/main" id="{B8A220EF-AACF-FF69-9E79-4F4C2AFB60F1}"/>
+              </a:ext>
+            </a:extLst>
+          </p:cNvPr>
+          <p:cNvCxnSpPr>
+            <a:cxnSpLocks/>
+            <a:stCxn id="13" idx="0"/>
+            <a:endCxn id="11" idx="3"/>
+          </p:cNvCxnSpPr>
+          <p:nvPr/>
+        </p:nvCxnSpPr>
+        <p:spPr>
+          <a:xfrm flipV="1">
+            <a:off x="907466" y="4177419"/>
+            <a:ext cx="238753" cy="694911"/>
+          </a:xfrm>
+          <a:prstGeom prst="line">
+            <a:avLst/>
+          </a:prstGeom>
+          <a:ln w="19050">
+            <a:solidFill>
+              <a:schemeClr val="tx1"/>
+            </a:solidFill>
+          </a:ln>
+        </p:spPr>
+        <p:style>
+          <a:lnRef idx="1">
+            <a:schemeClr val="accent1"/>
+          </a:lnRef>
+          <a:fillRef idx="0">
+            <a:schemeClr val="accent1"/>
+          </a:fillRef>
+          <a:effectRef idx="0">
+            <a:schemeClr val="accent1"/>
+          </a:effectRef>
+          <a:fontRef idx="minor">
+            <a:schemeClr val="tx1"/>
+          </a:fontRef>
+        </p:style>
+      </p:cxnSp>
+      <p:cxnSp>
+        <p:nvCxnSpPr>
+          <p:cNvPr id="31" name="직선 연결선 30">
+            <a:extLst>
+              <a:ext uri="{FF2B5EF4-FFF2-40B4-BE49-F238E27FC236}">
+                <a16:creationId xmlns:a16="http://schemas.microsoft.com/office/drawing/2014/main" id="{DF5212C0-08C1-DE93-6C63-6561441AE4A5}"/>
+              </a:ext>
+            </a:extLst>
+          </p:cNvPr>
+          <p:cNvCxnSpPr>
+            <a:cxnSpLocks/>
+            <a:stCxn id="14" idx="1"/>
+            <a:endCxn id="11" idx="5"/>
+          </p:cNvCxnSpPr>
+          <p:nvPr/>
+        </p:nvCxnSpPr>
+        <p:spPr>
+          <a:xfrm flipH="1" flipV="1">
+            <a:off x="1407377" y="4177419"/>
+            <a:ext cx="210183" cy="748998"/>
+          </a:xfrm>
+          <a:prstGeom prst="line">
+            <a:avLst/>
+          </a:prstGeom>
+          <a:ln w="19050">
+            <a:solidFill>
+              <a:schemeClr val="tx1"/>
+            </a:solidFill>
+          </a:ln>
+        </p:spPr>
+        <p:style>
+          <a:lnRef idx="1">
+            <a:schemeClr val="accent1"/>
+          </a:lnRef>
+          <a:fillRef idx="0">
+            <a:schemeClr val="accent1"/>
+          </a:fillRef>
+          <a:effectRef idx="0">
+            <a:schemeClr val="accent1"/>
+          </a:effectRef>
+          <a:fontRef idx="minor">
+            <a:schemeClr val="tx1"/>
+          </a:fontRef>
+        </p:style>
+      </p:cxnSp>
+      <p:cxnSp>
+        <p:nvCxnSpPr>
+          <p:cNvPr id="32" name="직선 연결선 31">
+            <a:extLst>
+              <a:ext uri="{FF2B5EF4-FFF2-40B4-BE49-F238E27FC236}">
+                <a16:creationId xmlns:a16="http://schemas.microsoft.com/office/drawing/2014/main" id="{F12ED880-A83A-B4A9-1EDF-1757DF15DA2B}"/>
+              </a:ext>
+            </a:extLst>
+          </p:cNvPr>
+          <p:cNvCxnSpPr>
+            <a:cxnSpLocks/>
+            <a:stCxn id="19" idx="7"/>
+            <a:endCxn id="16" idx="4"/>
+          </p:cNvCxnSpPr>
+          <p:nvPr/>
+        </p:nvCxnSpPr>
+        <p:spPr>
+          <a:xfrm flipV="1">
+            <a:off x="2248050" y="5241662"/>
+            <a:ext cx="340762" cy="697312"/>
+          </a:xfrm>
+          <a:prstGeom prst="line">
+            <a:avLst/>
+          </a:prstGeom>
+          <a:ln w="19050">
+            <a:solidFill>
+              <a:schemeClr val="tx1"/>
+            </a:solidFill>
+          </a:ln>
+        </p:spPr>
+        <p:style>
+          <a:lnRef idx="1">
+            <a:schemeClr val="accent1"/>
+          </a:lnRef>
+          <a:fillRef idx="0">
+            <a:schemeClr val="accent1"/>
+          </a:fillRef>
+          <a:effectRef idx="0">
+            <a:schemeClr val="accent1"/>
+          </a:effectRef>
+          <a:fontRef idx="minor">
+            <a:schemeClr val="tx1"/>
+          </a:fontRef>
+        </p:style>
+      </p:cxnSp>
+      <p:cxnSp>
+        <p:nvCxnSpPr>
+          <p:cNvPr id="33" name="직선 연결선 32">
+            <a:extLst>
+              <a:ext uri="{FF2B5EF4-FFF2-40B4-BE49-F238E27FC236}">
+                <a16:creationId xmlns:a16="http://schemas.microsoft.com/office/drawing/2014/main" id="{0A0DD455-FDF2-A8BE-1B30-378E878BB938}"/>
+              </a:ext>
+            </a:extLst>
+          </p:cNvPr>
+          <p:cNvCxnSpPr>
+            <a:cxnSpLocks/>
+            <a:stCxn id="14" idx="6"/>
+            <a:endCxn id="16" idx="2"/>
+          </p:cNvCxnSpPr>
+          <p:nvPr/>
+        </p:nvCxnSpPr>
+        <p:spPr>
+          <a:xfrm>
+            <a:off x="1932805" y="5056996"/>
+            <a:ext cx="471341" cy="0"/>
+          </a:xfrm>
+          <a:prstGeom prst="line">
+            <a:avLst/>
+          </a:prstGeom>
+          <a:ln w="19050">
+            <a:solidFill>
+              <a:schemeClr val="tx1"/>
+            </a:solidFill>
+          </a:ln>
+        </p:spPr>
+        <p:style>
+          <a:lnRef idx="1">
+            <a:schemeClr val="accent1"/>
+          </a:lnRef>
+          <a:fillRef idx="0">
+            <a:schemeClr val="accent1"/>
+          </a:fillRef>
+          <a:effectRef idx="0">
+            <a:schemeClr val="accent1"/>
+          </a:effectRef>
+          <a:fontRef idx="minor">
+            <a:schemeClr val="tx1"/>
+          </a:fontRef>
+        </p:style>
+      </p:cxnSp>
+      <p:cxnSp>
+        <p:nvCxnSpPr>
+          <p:cNvPr id="34" name="직선 연결선 33">
+            <a:extLst>
+              <a:ext uri="{FF2B5EF4-FFF2-40B4-BE49-F238E27FC236}">
+                <a16:creationId xmlns:a16="http://schemas.microsoft.com/office/drawing/2014/main" id="{34E365E1-7C54-CA42-7FE1-FBA7CF0D8F6D}"/>
+              </a:ext>
+            </a:extLst>
+          </p:cNvPr>
+          <p:cNvCxnSpPr>
+            <a:cxnSpLocks/>
+            <a:stCxn id="12" idx="5"/>
+            <a:endCxn id="16" idx="1"/>
+          </p:cNvCxnSpPr>
+          <p:nvPr/>
+        </p:nvCxnSpPr>
+        <p:spPr>
+          <a:xfrm>
+            <a:off x="2248050" y="4177419"/>
+            <a:ext cx="210183" cy="748998"/>
+          </a:xfrm>
+          <a:prstGeom prst="line">
+            <a:avLst/>
+          </a:prstGeom>
+          <a:ln w="19050">
+            <a:solidFill>
+              <a:schemeClr val="tx1"/>
+            </a:solidFill>
+          </a:ln>
+        </p:spPr>
+        <p:style>
+          <a:lnRef idx="1">
+            <a:schemeClr val="accent1"/>
+          </a:lnRef>
+          <a:fillRef idx="0">
+            <a:schemeClr val="accent1"/>
+          </a:fillRef>
+          <a:effectRef idx="0">
+            <a:schemeClr val="accent1"/>
+          </a:effectRef>
+          <a:fontRef idx="minor">
+            <a:schemeClr val="tx1"/>
+          </a:fontRef>
+        </p:style>
+      </p:cxnSp>
+      <p:cxnSp>
+        <p:nvCxnSpPr>
+          <p:cNvPr id="35" name="직선 연결선 34">
+            <a:extLst>
+              <a:ext uri="{FF2B5EF4-FFF2-40B4-BE49-F238E27FC236}">
+                <a16:creationId xmlns:a16="http://schemas.microsoft.com/office/drawing/2014/main" id="{0FC503CB-5F82-33FB-EF4F-7C1E26447715}"/>
+              </a:ext>
+            </a:extLst>
+          </p:cNvPr>
+          <p:cNvCxnSpPr>
+            <a:cxnSpLocks/>
+            <a:stCxn id="16" idx="6"/>
+            <a:endCxn id="17" idx="2"/>
+          </p:cNvCxnSpPr>
+          <p:nvPr/>
+        </p:nvCxnSpPr>
+        <p:spPr>
+          <a:xfrm>
+            <a:off x="2773478" y="5056996"/>
+            <a:ext cx="471341" cy="0"/>
+          </a:xfrm>
+          <a:prstGeom prst="line">
+            <a:avLst/>
+          </a:prstGeom>
+          <a:ln w="19050">
+            <a:solidFill>
+              <a:schemeClr val="tx1"/>
+            </a:solidFill>
+          </a:ln>
+        </p:spPr>
+        <p:style>
+          <a:lnRef idx="1">
+            <a:schemeClr val="accent1"/>
+          </a:lnRef>
+          <a:fillRef idx="0">
+            <a:schemeClr val="accent1"/>
+          </a:fillRef>
+          <a:effectRef idx="0">
+            <a:schemeClr val="accent1"/>
+          </a:effectRef>
+          <a:fontRef idx="minor">
+            <a:schemeClr val="tx1"/>
+          </a:fontRef>
+        </p:style>
+      </p:cxnSp>
+      <p:cxnSp>
+        <p:nvCxnSpPr>
+          <p:cNvPr id="43" name="직선 연결선 42">
+            <a:extLst>
+              <a:ext uri="{FF2B5EF4-FFF2-40B4-BE49-F238E27FC236}">
+                <a16:creationId xmlns:a16="http://schemas.microsoft.com/office/drawing/2014/main" id="{066004AB-2C4E-00C0-9E8D-87CED5F2086A}"/>
+              </a:ext>
+            </a:extLst>
+          </p:cNvPr>
+          <p:cNvCxnSpPr>
+            <a:cxnSpLocks/>
+            <a:stCxn id="15" idx="5"/>
+            <a:endCxn id="17" idx="0"/>
+          </p:cNvCxnSpPr>
+          <p:nvPr/>
+        </p:nvCxnSpPr>
+        <p:spPr>
+          <a:xfrm>
+            <a:off x="3088723" y="4177419"/>
+            <a:ext cx="340762" cy="694911"/>
+          </a:xfrm>
+          <a:prstGeom prst="line">
+            <a:avLst/>
+          </a:prstGeom>
+          <a:ln w="19050">
+            <a:solidFill>
+              <a:schemeClr val="tx1"/>
+            </a:solidFill>
+          </a:ln>
+        </p:spPr>
+        <p:style>
+          <a:lnRef idx="1">
+            <a:schemeClr val="accent1"/>
+          </a:lnRef>
+          <a:fillRef idx="0">
+            <a:schemeClr val="accent1"/>
+          </a:fillRef>
+          <a:effectRef idx="0">
+            <a:schemeClr val="accent1"/>
+          </a:effectRef>
+          <a:fontRef idx="minor">
+            <a:schemeClr val="tx1"/>
+          </a:fontRef>
+        </p:style>
+      </p:cxnSp>
+      <p:cxnSp>
+        <p:nvCxnSpPr>
+          <p:cNvPr id="44" name="직선 연결선 43">
+            <a:extLst>
+              <a:ext uri="{FF2B5EF4-FFF2-40B4-BE49-F238E27FC236}">
+                <a16:creationId xmlns:a16="http://schemas.microsoft.com/office/drawing/2014/main" id="{75AE2593-4C3D-8DDF-690C-E4D72C50724A}"/>
+              </a:ext>
+            </a:extLst>
+          </p:cNvPr>
+          <p:cNvCxnSpPr>
+            <a:cxnSpLocks/>
+            <a:stCxn id="18" idx="7"/>
+            <a:endCxn id="14" idx="4"/>
+          </p:cNvCxnSpPr>
+          <p:nvPr/>
+        </p:nvCxnSpPr>
+        <p:spPr>
+          <a:xfrm flipV="1">
+            <a:off x="1407377" y="5241662"/>
+            <a:ext cx="340762" cy="697312"/>
+          </a:xfrm>
+          <a:prstGeom prst="line">
+            <a:avLst/>
+          </a:prstGeom>
+          <a:ln w="19050">
+            <a:solidFill>
+              <a:schemeClr val="tx1"/>
+            </a:solidFill>
+          </a:ln>
+        </p:spPr>
+        <p:style>
+          <a:lnRef idx="1">
+            <a:schemeClr val="accent1"/>
+          </a:lnRef>
+          <a:fillRef idx="0">
+            <a:schemeClr val="accent1"/>
+          </a:fillRef>
+          <a:effectRef idx="0">
+            <a:schemeClr val="accent1"/>
+          </a:effectRef>
+          <a:fontRef idx="minor">
+            <a:schemeClr val="tx1"/>
+          </a:fontRef>
+        </p:style>
+      </p:cxnSp>
+      <p:sp>
+        <p:nvSpPr>
+          <p:cNvPr id="45" name="TextBox 44">
+            <a:extLst>
+              <a:ext uri="{FF2B5EF4-FFF2-40B4-BE49-F238E27FC236}">
+                <a16:creationId xmlns:a16="http://schemas.microsoft.com/office/drawing/2014/main" id="{1E81F489-B7D3-C1F1-D72F-2FDF96B1C0DA}"/>
+              </a:ext>
+            </a:extLst>
+          </p:cNvPr>
+          <p:cNvSpPr txBox="1"/>
+          <p:nvPr/>
+        </p:nvSpPr>
+        <p:spPr>
+          <a:xfrm>
+            <a:off x="3823855" y="2982597"/>
+            <a:ext cx="7356226" cy="369332"/>
+          </a:xfrm>
+          <a:prstGeom prst="rect">
+            <a:avLst/>
+          </a:prstGeom>
+          <a:noFill/>
+        </p:spPr>
+        <p:txBody>
+          <a:bodyPr wrap="square" rtlCol="0">
+            <a:spAutoFit/>
+          </a:bodyPr>
+          <a:lstStyle/>
+          <a:p>
+            <a:r>
+              <a:rPr lang="ko-KR" altLang="en-US" dirty="0">
+                <a:latin typeface="나눔스퀘어 Light" panose="020B0600000101010101" pitchFamily="50" charset="-127"/>
+                <a:ea typeface="나눔스퀘어 Light" panose="020B0600000101010101" pitchFamily="50" charset="-127"/>
+              </a:rPr>
+              <a:t>다음과 같은 그래프에서 </a:t>
+            </a:r>
+            <a:r>
+              <a:rPr lang="en-US" altLang="ko-KR" dirty="0">
+                <a:latin typeface="나눔스퀘어 Light" panose="020B0600000101010101" pitchFamily="50" charset="-127"/>
+                <a:ea typeface="나눔스퀘어 Light" panose="020B0600000101010101" pitchFamily="50" charset="-127"/>
+              </a:rPr>
+              <a:t>A</a:t>
+            </a:r>
+            <a:r>
+              <a:rPr lang="ko-KR" altLang="en-US" dirty="0">
+                <a:latin typeface="나눔스퀘어 Light" panose="020B0600000101010101" pitchFamily="50" charset="-127"/>
+                <a:ea typeface="나눔스퀘어 Light" panose="020B0600000101010101" pitchFamily="50" charset="-127"/>
+              </a:rPr>
+              <a:t>를 시작점으로 하고</a:t>
+            </a:r>
+            <a:r>
+              <a:rPr lang="en-US" altLang="ko-KR" dirty="0">
+                <a:latin typeface="나눔스퀘어 Light" panose="020B0600000101010101" pitchFamily="50" charset="-127"/>
+                <a:ea typeface="나눔스퀘어 Light" panose="020B0600000101010101" pitchFamily="50" charset="-127"/>
+              </a:rPr>
+              <a:t>, </a:t>
+            </a:r>
+            <a:r>
+              <a:rPr lang="ko-KR" altLang="en-US" dirty="0">
+                <a:latin typeface="나눔스퀘어 Light" panose="020B0600000101010101" pitchFamily="50" charset="-127"/>
+                <a:ea typeface="나눔스퀘어 Light" panose="020B0600000101010101" pitchFamily="50" charset="-127"/>
+              </a:rPr>
+              <a:t>해가 </a:t>
+            </a:r>
+            <a:r>
+              <a:rPr lang="en-US" altLang="ko-KR" dirty="0">
+                <a:latin typeface="나눔스퀘어 Light" panose="020B0600000101010101" pitchFamily="50" charset="-127"/>
+                <a:ea typeface="나눔스퀘어 Light" panose="020B0600000101010101" pitchFamily="50" charset="-127"/>
+              </a:rPr>
+              <a:t>E, I</a:t>
+            </a:r>
+            <a:r>
+              <a:rPr lang="ko-KR" altLang="en-US" dirty="0">
+                <a:latin typeface="나눔스퀘어 Light" panose="020B0600000101010101" pitchFamily="50" charset="-127"/>
+                <a:ea typeface="나눔스퀘어 Light" panose="020B0600000101010101" pitchFamily="50" charset="-127"/>
+              </a:rPr>
+              <a:t>라 가정하겠습니다</a:t>
+            </a:r>
+            <a:r>
+              <a:rPr lang="en-US" altLang="ko-KR" dirty="0">
+                <a:latin typeface="나눔스퀘어 Light" panose="020B0600000101010101" pitchFamily="50" charset="-127"/>
+                <a:ea typeface="나눔스퀘어 Light" panose="020B0600000101010101" pitchFamily="50" charset="-127"/>
+              </a:rPr>
+              <a:t>.</a:t>
+            </a:r>
+            <a:endParaRPr lang="ko-KR" altLang="en-US" dirty="0">
+              <a:latin typeface="나눔스퀘어 Light" panose="020B0600000101010101" pitchFamily="50" charset="-127"/>
+              <a:ea typeface="나눔스퀘어 Light" panose="020B0600000101010101" pitchFamily="50" charset="-127"/>
+            </a:endParaRPr>
+          </a:p>
+        </p:txBody>
+      </p:sp>
+      <p:sp>
+        <p:nvSpPr>
+          <p:cNvPr id="46" name="TextBox 45">
+            <a:extLst>
+              <a:ext uri="{FF2B5EF4-FFF2-40B4-BE49-F238E27FC236}">
+                <a16:creationId xmlns:a16="http://schemas.microsoft.com/office/drawing/2014/main" id="{D55700A1-258F-FB8E-7AC4-42C7047FCF1A}"/>
+              </a:ext>
+            </a:extLst>
+          </p:cNvPr>
+          <p:cNvSpPr txBox="1"/>
+          <p:nvPr/>
+        </p:nvSpPr>
+        <p:spPr>
+          <a:xfrm>
+            <a:off x="3823855" y="3677508"/>
+            <a:ext cx="7356226" cy="369332"/>
+          </a:xfrm>
+          <a:prstGeom prst="rect">
+            <a:avLst/>
+          </a:prstGeom>
+          <a:noFill/>
+        </p:spPr>
+        <p:txBody>
+          <a:bodyPr wrap="square" rtlCol="0">
+            <a:spAutoFit/>
+          </a:bodyPr>
+          <a:lstStyle/>
+          <a:p>
+            <a:r>
+              <a:rPr lang="en-US" altLang="ko-KR" dirty="0">
+                <a:latin typeface="나눔스퀘어 Light" panose="020B0600000101010101" pitchFamily="50" charset="-127"/>
+                <a:ea typeface="나눔스퀘어 Light" panose="020B0600000101010101" pitchFamily="50" charset="-127"/>
+              </a:rPr>
+              <a:t>DFS</a:t>
+            </a:r>
+            <a:r>
+              <a:rPr lang="ko-KR" altLang="en-US" dirty="0">
+                <a:latin typeface="나눔스퀘어 Light" panose="020B0600000101010101" pitchFamily="50" charset="-127"/>
+                <a:ea typeface="나눔스퀘어 Light" panose="020B0600000101010101" pitchFamily="50" charset="-127"/>
+              </a:rPr>
+              <a:t>를 통하여 해를 찾을 경우</a:t>
+            </a:r>
+            <a:r>
+              <a:rPr lang="en-US" altLang="ko-KR" dirty="0">
+                <a:latin typeface="나눔스퀘어 Light" panose="020B0600000101010101" pitchFamily="50" charset="-127"/>
+                <a:ea typeface="나눔스퀘어 Light" panose="020B0600000101010101" pitchFamily="50" charset="-127"/>
+              </a:rPr>
+              <a:t>, ABCGFI </a:t>
+            </a:r>
+            <a:r>
+              <a:rPr lang="ko-KR" altLang="en-US" dirty="0">
+                <a:latin typeface="나눔스퀘어 Light" panose="020B0600000101010101" pitchFamily="50" charset="-127"/>
+                <a:ea typeface="나눔스퀘어 Light" panose="020B0600000101010101" pitchFamily="50" charset="-127"/>
+              </a:rPr>
+              <a:t>순으로 방문하게 되고</a:t>
+            </a:r>
+          </a:p>
+        </p:txBody>
+      </p:sp>
+      <p:sp>
+        <p:nvSpPr>
+          <p:cNvPr id="47" name="TextBox 46">
+            <a:extLst>
+              <a:ext uri="{FF2B5EF4-FFF2-40B4-BE49-F238E27FC236}">
+                <a16:creationId xmlns:a16="http://schemas.microsoft.com/office/drawing/2014/main" id="{A065C25C-BC8A-5C2E-1BE5-2808AA430703}"/>
+              </a:ext>
+            </a:extLst>
+          </p:cNvPr>
+          <p:cNvSpPr txBox="1"/>
+          <p:nvPr/>
+        </p:nvSpPr>
+        <p:spPr>
+          <a:xfrm>
+            <a:off x="3823855" y="4046840"/>
+            <a:ext cx="7356226" cy="369332"/>
+          </a:xfrm>
+          <a:prstGeom prst="rect">
+            <a:avLst/>
+          </a:prstGeom>
+          <a:noFill/>
+        </p:spPr>
+        <p:txBody>
+          <a:bodyPr wrap="square" rtlCol="0">
+            <a:spAutoFit/>
+          </a:bodyPr>
+          <a:lstStyle/>
+          <a:p>
+            <a:r>
+              <a:rPr lang="ko-KR" altLang="en-US" dirty="0">
+                <a:latin typeface="나눔스퀘어 Light" panose="020B0600000101010101" pitchFamily="50" charset="-127"/>
+                <a:ea typeface="나눔스퀘어 Light" panose="020B0600000101010101" pitchFamily="50" charset="-127"/>
+              </a:rPr>
+              <a:t>거쳐온 정점의 개수는 </a:t>
+            </a:r>
+            <a:r>
+              <a:rPr lang="en-US" altLang="ko-KR" dirty="0">
+                <a:latin typeface="나눔스퀘어 Light" panose="020B0600000101010101" pitchFamily="50" charset="-127"/>
+                <a:ea typeface="나눔스퀘어 Light" panose="020B0600000101010101" pitchFamily="50" charset="-127"/>
+              </a:rPr>
+              <a:t>6</a:t>
+            </a:r>
+            <a:r>
+              <a:rPr lang="ko-KR" altLang="en-US" dirty="0">
+                <a:latin typeface="나눔스퀘어 Light" panose="020B0600000101010101" pitchFamily="50" charset="-127"/>
+                <a:ea typeface="나눔스퀘어 Light" panose="020B0600000101010101" pitchFamily="50" charset="-127"/>
+              </a:rPr>
+              <a:t>개가 되는데 이는 최적해가 아닙니다</a:t>
+            </a:r>
+            <a:r>
+              <a:rPr lang="en-US" altLang="ko-KR" dirty="0">
+                <a:latin typeface="나눔스퀘어 Light" panose="020B0600000101010101" pitchFamily="50" charset="-127"/>
+                <a:ea typeface="나눔스퀘어 Light" panose="020B0600000101010101" pitchFamily="50" charset="-127"/>
+              </a:rPr>
+              <a:t>.</a:t>
+            </a:r>
+            <a:endParaRPr lang="ko-KR" altLang="en-US" dirty="0">
+              <a:latin typeface="나눔스퀘어 Light" panose="020B0600000101010101" pitchFamily="50" charset="-127"/>
+              <a:ea typeface="나눔스퀘어 Light" panose="020B0600000101010101" pitchFamily="50" charset="-127"/>
+            </a:endParaRPr>
+          </a:p>
+        </p:txBody>
+      </p:sp>
+      <p:sp>
+        <p:nvSpPr>
+          <p:cNvPr id="48" name="TextBox 47">
+            <a:extLst>
+              <a:ext uri="{FF2B5EF4-FFF2-40B4-BE49-F238E27FC236}">
+                <a16:creationId xmlns:a16="http://schemas.microsoft.com/office/drawing/2014/main" id="{35663726-D81D-6CCE-9A9B-3E73B5D6215D}"/>
+              </a:ext>
+            </a:extLst>
+          </p:cNvPr>
+          <p:cNvSpPr txBox="1"/>
+          <p:nvPr/>
+        </p:nvSpPr>
+        <p:spPr>
+          <a:xfrm>
+            <a:off x="3823855" y="4744646"/>
+            <a:ext cx="7356226" cy="369332"/>
+          </a:xfrm>
+          <a:prstGeom prst="rect">
+            <a:avLst/>
+          </a:prstGeom>
+          <a:noFill/>
+        </p:spPr>
+        <p:txBody>
+          <a:bodyPr wrap="square" rtlCol="0">
+            <a:spAutoFit/>
+          </a:bodyPr>
+          <a:lstStyle/>
+          <a:p>
+            <a:r>
+              <a:rPr lang="en-US" altLang="ko-KR" dirty="0">
+                <a:latin typeface="나눔스퀘어 Light" panose="020B0600000101010101" pitchFamily="50" charset="-127"/>
+                <a:ea typeface="나눔스퀘어 Light" panose="020B0600000101010101" pitchFamily="50" charset="-127"/>
+              </a:rPr>
+              <a:t>BFS</a:t>
+            </a:r>
+            <a:r>
+              <a:rPr lang="ko-KR" altLang="en-US" dirty="0">
+                <a:latin typeface="나눔스퀘어 Light" panose="020B0600000101010101" pitchFamily="50" charset="-127"/>
+                <a:ea typeface="나눔스퀘어 Light" panose="020B0600000101010101" pitchFamily="50" charset="-127"/>
+              </a:rPr>
+              <a:t>를 통하여 해를 찾을 경우</a:t>
+            </a:r>
+            <a:r>
+              <a:rPr lang="en-US" altLang="ko-KR" dirty="0">
+                <a:latin typeface="나눔스퀘어 Light" panose="020B0600000101010101" pitchFamily="50" charset="-127"/>
+                <a:ea typeface="나눔스퀘어 Light" panose="020B0600000101010101" pitchFamily="50" charset="-127"/>
+              </a:rPr>
+              <a:t>, A(level 1) – BC(level 2) – EFG(level 3)</a:t>
+            </a:r>
+            <a:endParaRPr lang="ko-KR" altLang="en-US" dirty="0">
+              <a:latin typeface="나눔스퀘어 Light" panose="020B0600000101010101" pitchFamily="50" charset="-127"/>
+              <a:ea typeface="나눔스퀘어 Light" panose="020B0600000101010101" pitchFamily="50" charset="-127"/>
+            </a:endParaRPr>
+          </a:p>
+        </p:txBody>
+      </p:sp>
+      <p:sp>
+        <p:nvSpPr>
+          <p:cNvPr id="49" name="TextBox 48">
+            <a:extLst>
+              <a:ext uri="{FF2B5EF4-FFF2-40B4-BE49-F238E27FC236}">
+                <a16:creationId xmlns:a16="http://schemas.microsoft.com/office/drawing/2014/main" id="{65836DF3-0314-DA32-2500-10D81281DD43}"/>
+              </a:ext>
+            </a:extLst>
+          </p:cNvPr>
+          <p:cNvSpPr txBox="1"/>
+          <p:nvPr/>
+        </p:nvSpPr>
+        <p:spPr>
+          <a:xfrm>
+            <a:off x="3823855" y="5113978"/>
+            <a:ext cx="7356226" cy="369332"/>
+          </a:xfrm>
+          <a:prstGeom prst="rect">
+            <a:avLst/>
+          </a:prstGeom>
+          <a:noFill/>
+        </p:spPr>
+        <p:txBody>
+          <a:bodyPr wrap="square" rtlCol="0">
+            <a:spAutoFit/>
+          </a:bodyPr>
+          <a:lstStyle/>
+          <a:p>
+            <a:r>
+              <a:rPr lang="ko-KR" altLang="en-US" dirty="0">
+                <a:latin typeface="나눔스퀘어 Light" panose="020B0600000101010101" pitchFamily="50" charset="-127"/>
+                <a:ea typeface="나눔스퀘어 Light" panose="020B0600000101010101" pitchFamily="50" charset="-127"/>
+              </a:rPr>
+              <a:t>거쳐온 정점의 개수는 </a:t>
+            </a:r>
+            <a:r>
+              <a:rPr lang="en-US" altLang="ko-KR" dirty="0">
+                <a:latin typeface="나눔스퀘어 Light" panose="020B0600000101010101" pitchFamily="50" charset="-127"/>
+                <a:ea typeface="나눔스퀘어 Light" panose="020B0600000101010101" pitchFamily="50" charset="-127"/>
+              </a:rPr>
+              <a:t>3</a:t>
+            </a:r>
+            <a:r>
+              <a:rPr lang="ko-KR" altLang="en-US" dirty="0">
+                <a:latin typeface="나눔스퀘어 Light" panose="020B0600000101010101" pitchFamily="50" charset="-127"/>
+                <a:ea typeface="나눔스퀘어 Light" panose="020B0600000101010101" pitchFamily="50" charset="-127"/>
+              </a:rPr>
+              <a:t>개가 되는데 이는</a:t>
+            </a:r>
+            <a:r>
+              <a:rPr lang="en-US" altLang="ko-KR" dirty="0">
+                <a:latin typeface="나눔스퀘어 Light" panose="020B0600000101010101" pitchFamily="50" charset="-127"/>
+                <a:ea typeface="나눔스퀘어 Light" panose="020B0600000101010101" pitchFamily="50" charset="-127"/>
+              </a:rPr>
+              <a:t> </a:t>
+            </a:r>
+            <a:r>
+              <a:rPr lang="ko-KR" altLang="en-US" dirty="0">
+                <a:latin typeface="나눔스퀘어 Light" panose="020B0600000101010101" pitchFamily="50" charset="-127"/>
+                <a:ea typeface="나눔스퀘어 Light" panose="020B0600000101010101" pitchFamily="50" charset="-127"/>
+              </a:rPr>
+              <a:t>최적해 임을 알 수 있습니다</a:t>
+            </a:r>
+            <a:r>
+              <a:rPr lang="en-US" altLang="ko-KR" dirty="0">
+                <a:latin typeface="나눔스퀘어 Light" panose="020B0600000101010101" pitchFamily="50" charset="-127"/>
+                <a:ea typeface="나눔스퀘어 Light" panose="020B0600000101010101" pitchFamily="50" charset="-127"/>
+              </a:rPr>
+              <a:t>.</a:t>
+            </a:r>
+            <a:endParaRPr lang="ko-KR" altLang="en-US" dirty="0">
+              <a:latin typeface="나눔스퀘어 Light" panose="020B0600000101010101" pitchFamily="50" charset="-127"/>
+              <a:ea typeface="나눔스퀘어 Light" panose="020B0600000101010101" pitchFamily="50" charset="-127"/>
+            </a:endParaRPr>
+          </a:p>
+        </p:txBody>
+      </p:sp>
+    </p:spTree>
+    <p:extLst>
+      <p:ext uri="{BB962C8B-B14F-4D97-AF65-F5344CB8AC3E}">
+        <p14:creationId xmlns:p14="http://schemas.microsoft.com/office/powerpoint/2010/main" val="3822313508"/>
+      </p:ext>
+    </p:extLst>
+  </p:cSld>
+  <p:clrMapOvr>
+    <a:masterClrMapping/>
+  </p:clrMapOvr>
+</p:sld>
+</file>
+
+<file path=ppt/slides/slide45.xml><?xml version="1.0" encoding="utf-8"?>
+<p:sld xmlns:a="http://schemas.openxmlformats.org/drawingml/2006/main" xmlns:r="http://schemas.openxmlformats.org/officeDocument/2006/relationships" xmlns:p="http://schemas.openxmlformats.org/presentationml/2006/main">
+  <p:cSld>
+    <p:spTree>
+      <p:nvGrpSpPr>
+        <p:cNvPr id="1" name=""/>
+        <p:cNvGrpSpPr/>
+        <p:nvPr/>
+      </p:nvGrpSpPr>
+      <p:grpSpPr>
+        <a:xfrm>
+          <a:off x="0" y="0"/>
+          <a:ext cx="0" cy="0"/>
+          <a:chOff x="0" y="0"/>
+          <a:chExt cx="0" cy="0"/>
+        </a:xfrm>
+      </p:grpSpPr>
+      <p:cxnSp>
+        <p:nvCxnSpPr>
+          <p:cNvPr id="5" name="직선 연결선 4">
+            <a:extLst>
+              <a:ext uri="{FF2B5EF4-FFF2-40B4-BE49-F238E27FC236}">
+                <a16:creationId xmlns:a16="http://schemas.microsoft.com/office/drawing/2014/main" id="{164C2827-EFCE-69A4-D037-1A218415F568}"/>
+              </a:ext>
+            </a:extLst>
+          </p:cNvPr>
+          <p:cNvCxnSpPr/>
+          <p:nvPr/>
+        </p:nvCxnSpPr>
+        <p:spPr>
+          <a:xfrm>
+            <a:off x="0" y="887505"/>
+            <a:ext cx="10237694" cy="0"/>
+          </a:xfrm>
+          <a:prstGeom prst="line">
+            <a:avLst/>
+          </a:prstGeom>
+          <a:ln w="76200">
+            <a:solidFill>
+              <a:schemeClr val="tx1">
+                <a:lumMod val="75000"/>
+                <a:lumOff val="25000"/>
+              </a:schemeClr>
+            </a:solidFill>
+          </a:ln>
+        </p:spPr>
+        <p:style>
+          <a:lnRef idx="1">
+            <a:schemeClr val="accent1"/>
+          </a:lnRef>
+          <a:fillRef idx="0">
+            <a:schemeClr val="accent1"/>
+          </a:fillRef>
+          <a:effectRef idx="0">
+            <a:schemeClr val="accent1"/>
+          </a:effectRef>
+          <a:fontRef idx="minor">
+            <a:schemeClr val="tx1"/>
+          </a:fontRef>
+        </p:style>
+      </p:cxnSp>
+      <p:sp>
+        <p:nvSpPr>
+          <p:cNvPr id="3" name="TextBox 2">
+            <a:extLst>
+              <a:ext uri="{FF2B5EF4-FFF2-40B4-BE49-F238E27FC236}">
+                <a16:creationId xmlns:a16="http://schemas.microsoft.com/office/drawing/2014/main" id="{B3B954B2-DB7F-EEC1-438C-CB91D3B18AE1}"/>
+              </a:ext>
+            </a:extLst>
+          </p:cNvPr>
+          <p:cNvSpPr txBox="1"/>
+          <p:nvPr/>
+        </p:nvSpPr>
+        <p:spPr>
+          <a:xfrm>
+            <a:off x="331694" y="177505"/>
+            <a:ext cx="3899016" cy="523220"/>
+          </a:xfrm>
+          <a:prstGeom prst="rect">
+            <a:avLst/>
+          </a:prstGeom>
+          <a:noFill/>
+        </p:spPr>
+        <p:txBody>
+          <a:bodyPr wrap="none" rtlCol="0">
+            <a:spAutoFit/>
+          </a:bodyPr>
+          <a:lstStyle/>
+          <a:p>
+            <a:r>
+              <a:rPr lang="en-US" altLang="ko-KR" sz="2800" dirty="0">
+                <a:latin typeface="나눔스퀘어 Bold" panose="020B0600000101010101" pitchFamily="50" charset="-127"/>
+                <a:ea typeface="나눔스퀘어 Bold" panose="020B0600000101010101" pitchFamily="50" charset="-127"/>
+              </a:rPr>
+              <a:t>Graph – 2178 </a:t>
+            </a:r>
+            <a:r>
+              <a:rPr lang="ko-KR" altLang="en-US" sz="2800" dirty="0">
+                <a:latin typeface="나눔스퀘어 Bold" panose="020B0600000101010101" pitchFamily="50" charset="-127"/>
+                <a:ea typeface="나눔스퀘어 Bold" panose="020B0600000101010101" pitchFamily="50" charset="-127"/>
+              </a:rPr>
+              <a:t>미로 탐색</a:t>
+            </a:r>
+          </a:p>
+        </p:txBody>
+      </p:sp>
+      <p:sp>
+        <p:nvSpPr>
+          <p:cNvPr id="29" name="TextBox 28">
+            <a:extLst>
+              <a:ext uri="{FF2B5EF4-FFF2-40B4-BE49-F238E27FC236}">
+                <a16:creationId xmlns:a16="http://schemas.microsoft.com/office/drawing/2014/main" id="{7E33452F-38D4-A195-C6CD-AF9182BC40E8}"/>
+              </a:ext>
+            </a:extLst>
+          </p:cNvPr>
+          <p:cNvSpPr txBox="1"/>
+          <p:nvPr/>
+        </p:nvSpPr>
+        <p:spPr>
+          <a:xfrm>
+            <a:off x="942387" y="1190024"/>
+            <a:ext cx="10237694" cy="369332"/>
+          </a:xfrm>
+          <a:prstGeom prst="rect">
+            <a:avLst/>
+          </a:prstGeom>
+          <a:noFill/>
+        </p:spPr>
+        <p:txBody>
+          <a:bodyPr wrap="square" rtlCol="0">
+            <a:spAutoFit/>
+          </a:bodyPr>
+          <a:lstStyle/>
+          <a:p>
+            <a:r>
+              <a:rPr lang="ko-KR" altLang="en-US" dirty="0">
+                <a:latin typeface="나눔스퀘어 Light" panose="020B0600000101010101" pitchFamily="50" charset="-127"/>
+                <a:ea typeface="나눔스퀘어 Light" panose="020B0600000101010101" pitchFamily="50" charset="-127"/>
+              </a:rPr>
+              <a:t>이 문제에서 칸을 이동하는데 드는 비용은 어느 칸</a:t>
+            </a:r>
+            <a:r>
+              <a:rPr lang="en-US" altLang="ko-KR" dirty="0">
+                <a:latin typeface="나눔스퀘어 Light" panose="020B0600000101010101" pitchFamily="50" charset="-127"/>
+                <a:ea typeface="나눔스퀘어 Light" panose="020B0600000101010101" pitchFamily="50" charset="-127"/>
+              </a:rPr>
+              <a:t>, </a:t>
+            </a:r>
+            <a:r>
+              <a:rPr lang="ko-KR" altLang="en-US" dirty="0">
+                <a:latin typeface="나눔스퀘어 Light" panose="020B0600000101010101" pitchFamily="50" charset="-127"/>
+                <a:ea typeface="나눔스퀘어 Light" panose="020B0600000101010101" pitchFamily="50" charset="-127"/>
+              </a:rPr>
+              <a:t>어느 방향이든 </a:t>
+            </a:r>
+            <a:r>
+              <a:rPr lang="en-US" altLang="ko-KR" dirty="0">
+                <a:latin typeface="나눔스퀘어 Light" panose="020B0600000101010101" pitchFamily="50" charset="-127"/>
+                <a:ea typeface="나눔스퀘어 Light" panose="020B0600000101010101" pitchFamily="50" charset="-127"/>
+              </a:rPr>
+              <a:t>1</a:t>
+            </a:r>
+            <a:r>
+              <a:rPr lang="ko-KR" altLang="en-US" dirty="0">
+                <a:latin typeface="나눔스퀘어 Light" panose="020B0600000101010101" pitchFamily="50" charset="-127"/>
+                <a:ea typeface="나눔스퀘어 Light" panose="020B0600000101010101" pitchFamily="50" charset="-127"/>
+              </a:rPr>
+              <a:t>로 같습니다</a:t>
+            </a:r>
+            <a:r>
+              <a:rPr lang="en-US" altLang="ko-KR" dirty="0">
+                <a:latin typeface="나눔스퀘어 Light" panose="020B0600000101010101" pitchFamily="50" charset="-127"/>
+                <a:ea typeface="나눔스퀘어 Light" panose="020B0600000101010101" pitchFamily="50" charset="-127"/>
+              </a:rPr>
+              <a:t>.</a:t>
+            </a:r>
+            <a:endParaRPr lang="ko-KR" altLang="en-US" dirty="0">
+              <a:latin typeface="나눔스퀘어 Light" panose="020B0600000101010101" pitchFamily="50" charset="-127"/>
+              <a:ea typeface="나눔스퀘어 Light" panose="020B0600000101010101" pitchFamily="50" charset="-127"/>
+            </a:endParaRPr>
+          </a:p>
+        </p:txBody>
+      </p:sp>
+    </p:spTree>
+    <p:extLst>
+      <p:ext uri="{BB962C8B-B14F-4D97-AF65-F5344CB8AC3E}">
+        <p14:creationId xmlns:p14="http://schemas.microsoft.com/office/powerpoint/2010/main" val="149545646"/>
+      </p:ext>
+    </p:extLst>
+  </p:cSld>
+  <p:clrMapOvr>
+    <a:masterClrMapping/>
+  </p:clrMapOvr>
+</p:sld>
+</file>
+
+<file path=ppt/slides/slide46.xml><?xml version="1.0" encoding="utf-8"?>
 <p:sld xmlns:a="http://schemas.openxmlformats.org/drawingml/2006/main" xmlns:r="http://schemas.openxmlformats.org/officeDocument/2006/relationships" xmlns:p="http://schemas.openxmlformats.org/presentationml/2006/main">
   <p:cSld>
     <p:spTree>

--- a/study/8_Tree, Graph.pptx
+++ b/study/8_Tree, Graph.pptx
@@ -49,8 +49,14 @@
     <p:sldId id="431" r:id="rId43"/>
     <p:sldId id="432" r:id="rId44"/>
     <p:sldId id="452" r:id="rId45"/>
-    <p:sldId id="453" r:id="rId46"/>
-    <p:sldId id="298" r:id="rId47"/>
+    <p:sldId id="454" r:id="rId46"/>
+    <p:sldId id="455" r:id="rId47"/>
+    <p:sldId id="456" r:id="rId48"/>
+    <p:sldId id="457" r:id="rId49"/>
+    <p:sldId id="458" r:id="rId50"/>
+    <p:sldId id="459" r:id="rId51"/>
+    <p:sldId id="460" r:id="rId52"/>
+    <p:sldId id="298" r:id="rId53"/>
   </p:sldIdLst>
   <p:sldSz cx="12192000" cy="6858000"/>
   <p:notesSz cx="6858000" cy="9144000"/>
@@ -22413,12 +22419,89 @@
           </a:p>
         </p:txBody>
       </p:sp>
+      <p:sp>
+        <p:nvSpPr>
+          <p:cNvPr id="7" name="TextBox 6">
+            <a:extLst>
+              <a:ext uri="{FF2B5EF4-FFF2-40B4-BE49-F238E27FC236}">
+                <a16:creationId xmlns:a16="http://schemas.microsoft.com/office/drawing/2014/main" id="{46655162-AC32-F27D-FF40-3FE32CEF7665}"/>
+              </a:ext>
+            </a:extLst>
+          </p:cNvPr>
+          <p:cNvSpPr txBox="1"/>
+          <p:nvPr/>
+        </p:nvSpPr>
+        <p:spPr>
+          <a:xfrm>
+            <a:off x="942387" y="3798332"/>
+            <a:ext cx="10237694" cy="369332"/>
+          </a:xfrm>
+          <a:prstGeom prst="rect">
+            <a:avLst/>
+          </a:prstGeom>
+          <a:noFill/>
+        </p:spPr>
+        <p:txBody>
+          <a:bodyPr wrap="square" rtlCol="0">
+            <a:spAutoFit/>
+          </a:bodyPr>
+          <a:lstStyle/>
+          <a:p>
+            <a:r>
+              <a:rPr lang="ko-KR" altLang="en-US" dirty="0">
+                <a:latin typeface="나눔스퀘어 Light" panose="020B0600000101010101" pitchFamily="50" charset="-127"/>
+                <a:ea typeface="나눔스퀘어 Light" panose="020B0600000101010101" pitchFamily="50" charset="-127"/>
+              </a:rPr>
+              <a:t>이를</a:t>
+            </a:r>
+            <a:r>
+              <a:rPr lang="en-US" altLang="ko-KR" dirty="0">
+                <a:latin typeface="나눔스퀘어 Light" panose="020B0600000101010101" pitchFamily="50" charset="-127"/>
+                <a:ea typeface="나눔스퀘어 Light" panose="020B0600000101010101" pitchFamily="50" charset="-127"/>
+              </a:rPr>
+              <a:t> </a:t>
+            </a:r>
+            <a:r>
+              <a:rPr lang="en-US" altLang="ko-KR" dirty="0" err="1">
+                <a:latin typeface="나눔스퀘어 Light" panose="020B0600000101010101" pitchFamily="50" charset="-127"/>
+                <a:ea typeface="나눔스퀘어 Light" panose="020B0600000101010101" pitchFamily="50" charset="-127"/>
+              </a:rPr>
+              <a:t>sys.setrecursionlimit</a:t>
+            </a:r>
+            <a:r>
+              <a:rPr lang="en-US" altLang="ko-KR" dirty="0">
+                <a:latin typeface="나눔스퀘어 Light" panose="020B0600000101010101" pitchFamily="50" charset="-127"/>
+                <a:ea typeface="나눔스퀘어 Light" panose="020B0600000101010101" pitchFamily="50" charset="-127"/>
+              </a:rPr>
+              <a:t>() </a:t>
+            </a:r>
+            <a:r>
+              <a:rPr lang="ko-KR" altLang="en-US" dirty="0">
+                <a:latin typeface="나눔스퀘어 Light" panose="020B0600000101010101" pitchFamily="50" charset="-127"/>
+                <a:ea typeface="나눔스퀘어 Light" panose="020B0600000101010101" pitchFamily="50" charset="-127"/>
+              </a:rPr>
+              <a:t>메서드로 조정할 수 있습니다</a:t>
+            </a:r>
+            <a:r>
+              <a:rPr lang="en-US" altLang="ko-KR" dirty="0">
+                <a:latin typeface="나눔스퀘어 Light" panose="020B0600000101010101" pitchFamily="50" charset="-127"/>
+                <a:ea typeface="나눔스퀘어 Light" panose="020B0600000101010101" pitchFamily="50" charset="-127"/>
+              </a:rPr>
+              <a:t>.</a:t>
+            </a:r>
+            <a:endParaRPr lang="ko-KR" altLang="en-US" dirty="0">
+              <a:latin typeface="나눔스퀘어 Light" panose="020B0600000101010101" pitchFamily="50" charset="-127"/>
+              <a:ea typeface="나눔스퀘어 Light" panose="020B0600000101010101" pitchFamily="50" charset="-127"/>
+            </a:endParaRPr>
+          </a:p>
+        </p:txBody>
+      </p:sp>
       <p:pic>
         <p:nvPicPr>
-          <p:cNvPr id="4" name="그림 3">
-            <a:extLst>
-              <a:ext uri="{FF2B5EF4-FFF2-40B4-BE49-F238E27FC236}">
-                <a16:creationId xmlns:a16="http://schemas.microsoft.com/office/drawing/2014/main" id="{019FBC45-2A20-C6F1-5C96-B57CFE2A119C}"/>
+          <p:cNvPr id="8" name="그림 7">
+            <a:extLst>
+              <a:ext uri="{FF2B5EF4-FFF2-40B4-BE49-F238E27FC236}">
+                <a16:creationId xmlns:a16="http://schemas.microsoft.com/office/drawing/2014/main" id="{431209EB-724E-7FC6-AB77-8CA5702B2B7F}"/>
               </a:ext>
             </a:extLst>
           </p:cNvPr>
@@ -22435,97 +22518,20 @@
         </p:blipFill>
         <p:spPr>
           <a:xfrm>
-            <a:off x="942387" y="1559356"/>
-            <a:ext cx="8065400" cy="1869644"/>
+            <a:off x="942387" y="1553187"/>
+            <a:ext cx="8014810" cy="1792962"/>
           </a:xfrm>
           <a:prstGeom prst="rect">
             <a:avLst/>
           </a:prstGeom>
         </p:spPr>
       </p:pic>
-      <p:sp>
-        <p:nvSpPr>
-          <p:cNvPr id="7" name="TextBox 6">
-            <a:extLst>
-              <a:ext uri="{FF2B5EF4-FFF2-40B4-BE49-F238E27FC236}">
-                <a16:creationId xmlns:a16="http://schemas.microsoft.com/office/drawing/2014/main" id="{46655162-AC32-F27D-FF40-3FE32CEF7665}"/>
-              </a:ext>
-            </a:extLst>
-          </p:cNvPr>
-          <p:cNvSpPr txBox="1"/>
-          <p:nvPr/>
-        </p:nvSpPr>
-        <p:spPr>
-          <a:xfrm>
-            <a:off x="942387" y="3798332"/>
-            <a:ext cx="10237694" cy="369332"/>
-          </a:xfrm>
-          <a:prstGeom prst="rect">
-            <a:avLst/>
-          </a:prstGeom>
-          <a:noFill/>
-        </p:spPr>
-        <p:txBody>
-          <a:bodyPr wrap="square" rtlCol="0">
-            <a:spAutoFit/>
-          </a:bodyPr>
-          <a:lstStyle/>
-          <a:p>
-            <a:r>
-              <a:rPr lang="ko-KR" altLang="en-US" dirty="0">
-                <a:latin typeface="나눔스퀘어 Light" panose="020B0600000101010101" pitchFamily="50" charset="-127"/>
-                <a:ea typeface="나눔스퀘어 Light" panose="020B0600000101010101" pitchFamily="50" charset="-127"/>
-              </a:rPr>
-              <a:t>이를</a:t>
-            </a:r>
-            <a:r>
-              <a:rPr lang="en-US" altLang="ko-KR" dirty="0">
-                <a:latin typeface="나눔스퀘어 Light" panose="020B0600000101010101" pitchFamily="50" charset="-127"/>
-                <a:ea typeface="나눔스퀘어 Light" panose="020B0600000101010101" pitchFamily="50" charset="-127"/>
-              </a:rPr>
-              <a:t> </a:t>
-            </a:r>
-            <a:r>
-              <a:rPr lang="en-US" altLang="ko-KR" dirty="0" err="1">
-                <a:latin typeface="나눔스퀘어 Light" panose="020B0600000101010101" pitchFamily="50" charset="-127"/>
-                <a:ea typeface="나눔스퀘어 Light" panose="020B0600000101010101" pitchFamily="50" charset="-127"/>
-              </a:rPr>
-              <a:t>sys.setrecursionlimit</a:t>
-            </a:r>
-            <a:r>
-              <a:rPr lang="en-US" altLang="ko-KR" dirty="0">
-                <a:latin typeface="나눔스퀘어 Light" panose="020B0600000101010101" pitchFamily="50" charset="-127"/>
-                <a:ea typeface="나눔스퀘어 Light" panose="020B0600000101010101" pitchFamily="50" charset="-127"/>
-              </a:rPr>
-              <a:t>() </a:t>
-            </a:r>
-            <a:r>
-              <a:rPr lang="ko-KR" altLang="en-US" dirty="0">
-                <a:latin typeface="나눔스퀘어 Light" panose="020B0600000101010101" pitchFamily="50" charset="-127"/>
-                <a:ea typeface="나눔스퀘어 Light" panose="020B0600000101010101" pitchFamily="50" charset="-127"/>
-              </a:rPr>
-              <a:t>메서드로 조정할 수 있습니다</a:t>
-            </a:r>
-            <a:r>
-              <a:rPr lang="en-US" altLang="ko-KR" dirty="0">
-                <a:latin typeface="나눔스퀘어 Light" panose="020B0600000101010101" pitchFamily="50" charset="-127"/>
-                <a:ea typeface="나눔스퀘어 Light" panose="020B0600000101010101" pitchFamily="50" charset="-127"/>
-              </a:rPr>
-              <a:t>.</a:t>
-            </a:r>
-            <a:endParaRPr lang="ko-KR" altLang="en-US" dirty="0">
-              <a:latin typeface="나눔스퀘어 Light" panose="020B0600000101010101" pitchFamily="50" charset="-127"/>
-              <a:ea typeface="나눔스퀘어 Light" panose="020B0600000101010101" pitchFamily="50" charset="-127"/>
-            </a:endParaRPr>
-          </a:p>
-        </p:txBody>
-      </p:sp>
       <p:pic>
         <p:nvPicPr>
-          <p:cNvPr id="9" name="그림 8">
-            <a:extLst>
-              <a:ext uri="{FF2B5EF4-FFF2-40B4-BE49-F238E27FC236}">
-                <a16:creationId xmlns:a16="http://schemas.microsoft.com/office/drawing/2014/main" id="{1375B10F-1A91-86A6-EAC9-9EA6733DC885}"/>
+          <p:cNvPr id="11" name="그림 10">
+            <a:extLst>
+              <a:ext uri="{FF2B5EF4-FFF2-40B4-BE49-F238E27FC236}">
+                <a16:creationId xmlns:a16="http://schemas.microsoft.com/office/drawing/2014/main" id="{F058A988-61C1-701C-E852-E6065AC0F7E6}"/>
               </a:ext>
             </a:extLst>
           </p:cNvPr>
@@ -22542,8 +22548,8 @@
         </p:blipFill>
         <p:spPr>
           <a:xfrm>
-            <a:off x="942387" y="4167664"/>
-            <a:ext cx="6363577" cy="2414637"/>
+            <a:off x="942387" y="4167663"/>
+            <a:ext cx="7148668" cy="2330563"/>
           </a:xfrm>
           <a:prstGeom prst="rect">
             <a:avLst/>
@@ -22552,10 +22558,10 @@
       </p:pic>
       <p:pic>
         <p:nvPicPr>
-          <p:cNvPr id="15" name="그림 14">
-            <a:extLst>
-              <a:ext uri="{FF2B5EF4-FFF2-40B4-BE49-F238E27FC236}">
-                <a16:creationId xmlns:a16="http://schemas.microsoft.com/office/drawing/2014/main" id="{B4808765-45FC-771C-1816-98ECF7E8DD54}"/>
+          <p:cNvPr id="13" name="그림 12">
+            <a:extLst>
+              <a:ext uri="{FF2B5EF4-FFF2-40B4-BE49-F238E27FC236}">
+                <a16:creationId xmlns:a16="http://schemas.microsoft.com/office/drawing/2014/main" id="{A0418F6E-861C-6DE7-A09B-14009F51CB49}"/>
               </a:ext>
             </a:extLst>
           </p:cNvPr>
@@ -22572,8 +22578,8 @@
         </p:blipFill>
         <p:spPr>
           <a:xfrm>
-            <a:off x="7305965" y="4167664"/>
-            <a:ext cx="1701822" cy="2420806"/>
+            <a:off x="8091055" y="4167662"/>
+            <a:ext cx="866142" cy="2330563"/>
           </a:xfrm>
           <a:prstGeom prst="rect">
             <a:avLst/>
@@ -26303,35 +26309,7 @@
                 <a:latin typeface="나눔스퀘어 Light" panose="020B0600000101010101" pitchFamily="50" charset="-127"/>
                 <a:ea typeface="나눔스퀘어 Light" panose="020B0600000101010101" pitchFamily="50" charset="-127"/>
               </a:rPr>
-              <a:t>이 문제에서 칸을 이동하는데 드는 비용은 어느 칸</a:t>
-            </a:r>
-            <a:r>
-              <a:rPr lang="en-US" altLang="ko-KR" dirty="0">
-                <a:latin typeface="나눔스퀘어 Light" panose="020B0600000101010101" pitchFamily="50" charset="-127"/>
-                <a:ea typeface="나눔스퀘어 Light" panose="020B0600000101010101" pitchFamily="50" charset="-127"/>
-              </a:rPr>
-              <a:t>, </a:t>
-            </a:r>
-            <a:r>
-              <a:rPr lang="ko-KR" altLang="en-US" dirty="0">
-                <a:latin typeface="나눔스퀘어 Light" panose="020B0600000101010101" pitchFamily="50" charset="-127"/>
-                <a:ea typeface="나눔스퀘어 Light" panose="020B0600000101010101" pitchFamily="50" charset="-127"/>
-              </a:rPr>
-              <a:t>어느 방향이든 </a:t>
-            </a:r>
-            <a:r>
-              <a:rPr lang="en-US" altLang="ko-KR" dirty="0">
-                <a:latin typeface="나눔스퀘어 Light" panose="020B0600000101010101" pitchFamily="50" charset="-127"/>
-                <a:ea typeface="나눔스퀘어 Light" panose="020B0600000101010101" pitchFamily="50" charset="-127"/>
-              </a:rPr>
-              <a:t>1</a:t>
-            </a:r>
-            <a:r>
-              <a:rPr lang="ko-KR" altLang="en-US" dirty="0">
-                <a:latin typeface="나눔스퀘어 Light" panose="020B0600000101010101" pitchFamily="50" charset="-127"/>
-                <a:ea typeface="나눔스퀘어 Light" panose="020B0600000101010101" pitchFamily="50" charset="-127"/>
-              </a:rPr>
-              <a:t>로 같습니다</a:t>
+              <a:t>입력이 배열 형태로 주어집니다</a:t>
             </a:r>
             <a:r>
               <a:rPr lang="en-US" altLang="ko-KR" dirty="0">
@@ -26347,10 +26325,110 @@
           </a:p>
         </p:txBody>
       </p:sp>
+      <p:sp>
+        <p:nvSpPr>
+          <p:cNvPr id="2" name="TextBox 1">
+            <a:extLst>
+              <a:ext uri="{FF2B5EF4-FFF2-40B4-BE49-F238E27FC236}">
+                <a16:creationId xmlns:a16="http://schemas.microsoft.com/office/drawing/2014/main" id="{225E6D1C-FE9F-7F77-6728-07A3709EF2C2}"/>
+              </a:ext>
+            </a:extLst>
+          </p:cNvPr>
+          <p:cNvSpPr txBox="1"/>
+          <p:nvPr/>
+        </p:nvSpPr>
+        <p:spPr>
+          <a:xfrm>
+            <a:off x="942387" y="1559356"/>
+            <a:ext cx="10237694" cy="369332"/>
+          </a:xfrm>
+          <a:prstGeom prst="rect">
+            <a:avLst/>
+          </a:prstGeom>
+          <a:noFill/>
+        </p:spPr>
+        <p:txBody>
+          <a:bodyPr wrap="square" rtlCol="0">
+            <a:spAutoFit/>
+          </a:bodyPr>
+          <a:lstStyle/>
+          <a:p>
+            <a:r>
+              <a:rPr lang="en-US" altLang="ko-KR" dirty="0">
+                <a:latin typeface="나눔스퀘어 Light" panose="020B0600000101010101" pitchFamily="50" charset="-127"/>
+                <a:ea typeface="나눔스퀘어 Light" panose="020B0600000101010101" pitchFamily="50" charset="-127"/>
+              </a:rPr>
+              <a:t>(</a:t>
+            </a:r>
+            <a:r>
+              <a:rPr lang="ko-KR" altLang="en-US" dirty="0">
+                <a:latin typeface="나눔스퀘어 Light" panose="020B0600000101010101" pitchFamily="50" charset="-127"/>
+                <a:ea typeface="나눔스퀘어 Light" panose="020B0600000101010101" pitchFamily="50" charset="-127"/>
+              </a:rPr>
+              <a:t>공백이 없으니</a:t>
+            </a:r>
+            <a:r>
+              <a:rPr lang="en-US" altLang="ko-KR" dirty="0">
+                <a:latin typeface="나눔스퀘어 Light" panose="020B0600000101010101" pitchFamily="50" charset="-127"/>
+                <a:ea typeface="나눔스퀘어 Light" panose="020B0600000101010101" pitchFamily="50" charset="-127"/>
+              </a:rPr>
+              <a:t>, </a:t>
+            </a:r>
+            <a:r>
+              <a:rPr lang="ko-KR" altLang="en-US" dirty="0">
+                <a:latin typeface="나눔스퀘어 Light" panose="020B0600000101010101" pitchFamily="50" charset="-127"/>
+                <a:ea typeface="나눔스퀘어 Light" panose="020B0600000101010101" pitchFamily="50" charset="-127"/>
+              </a:rPr>
+              <a:t>문자열로 받으면 편할 듯 합니다</a:t>
+            </a:r>
+            <a:r>
+              <a:rPr lang="en-US" altLang="ko-KR" dirty="0">
+                <a:latin typeface="나눔스퀘어 Light" panose="020B0600000101010101" pitchFamily="50" charset="-127"/>
+                <a:ea typeface="나눔스퀘어 Light" panose="020B0600000101010101" pitchFamily="50" charset="-127"/>
+              </a:rPr>
+              <a:t>.)</a:t>
+            </a:r>
+            <a:endParaRPr lang="ko-KR" altLang="en-US" dirty="0">
+              <a:latin typeface="나눔스퀘어 Light" panose="020B0600000101010101" pitchFamily="50" charset="-127"/>
+              <a:ea typeface="나눔스퀘어 Light" panose="020B0600000101010101" pitchFamily="50" charset="-127"/>
+            </a:endParaRPr>
+          </a:p>
+        </p:txBody>
+      </p:sp>
+      <p:pic>
+        <p:nvPicPr>
+          <p:cNvPr id="7" name="그림 6">
+            <a:extLst>
+              <a:ext uri="{FF2B5EF4-FFF2-40B4-BE49-F238E27FC236}">
+                <a16:creationId xmlns:a16="http://schemas.microsoft.com/office/drawing/2014/main" id="{6B9E2BE1-EB2A-5DFD-CA50-9F5BC1F9AEFA}"/>
+              </a:ext>
+            </a:extLst>
+          </p:cNvPr>
+          <p:cNvPicPr>
+            <a:picLocks noChangeAspect="1"/>
+          </p:cNvPicPr>
+          <p:nvPr/>
+        </p:nvPicPr>
+        <p:blipFill>
+          <a:blip r:embed="rId2"/>
+          <a:stretch>
+            <a:fillRect/>
+          </a:stretch>
+        </p:blipFill>
+        <p:spPr>
+          <a:xfrm>
+            <a:off x="942387" y="1928688"/>
+            <a:ext cx="4322340" cy="2279052"/>
+          </a:xfrm>
+          <a:prstGeom prst="rect">
+            <a:avLst/>
+          </a:prstGeom>
+        </p:spPr>
+      </p:pic>
     </p:spTree>
     <p:extLst>
       <p:ext uri="{BB962C8B-B14F-4D97-AF65-F5344CB8AC3E}">
-        <p14:creationId xmlns:p14="http://schemas.microsoft.com/office/powerpoint/2010/main" val="149545646"/>
+        <p14:creationId xmlns:p14="http://schemas.microsoft.com/office/powerpoint/2010/main" val="3169729323"/>
       </p:ext>
     </p:extLst>
   </p:cSld>
@@ -26423,10 +26501,10 @@
       </p:cxnSp>
       <p:sp>
         <p:nvSpPr>
-          <p:cNvPr id="6" name="TextBox 5">
-            <a:extLst>
-              <a:ext uri="{FF2B5EF4-FFF2-40B4-BE49-F238E27FC236}">
-                <a16:creationId xmlns:a16="http://schemas.microsoft.com/office/drawing/2014/main" id="{908ED9B9-09D3-CFA8-625A-6F9BB9B6BD23}"/>
+          <p:cNvPr id="3" name="TextBox 2">
+            <a:extLst>
+              <a:ext uri="{FF2B5EF4-FFF2-40B4-BE49-F238E27FC236}">
+                <a16:creationId xmlns:a16="http://schemas.microsoft.com/office/drawing/2014/main" id="{B3B954B2-DB7F-EEC1-438C-CB91D3B18AE1}"/>
               </a:ext>
             </a:extLst>
           </p:cNvPr>
@@ -26436,7 +26514,7 @@
         <p:spPr>
           <a:xfrm>
             <a:off x="331694" y="177505"/>
-            <a:ext cx="2006190" cy="523220"/>
+            <a:ext cx="3899016" cy="523220"/>
           </a:xfrm>
           <a:prstGeom prst="rect">
             <a:avLst/>
@@ -26454,21 +26532,24 @@
                 <a:latin typeface="나눔스퀘어 Bold" panose="020B0600000101010101" pitchFamily="50" charset="-127"/>
                 <a:ea typeface="나눔스퀘어 Bold" panose="020B0600000101010101" pitchFamily="50" charset="-127"/>
               </a:rPr>
-              <a:t>Homework</a:t>
-            </a:r>
-            <a:endParaRPr lang="ko-KR" altLang="en-US" sz="2800" dirty="0">
-              <a:latin typeface="나눔스퀘어 Bold" panose="020B0600000101010101" pitchFamily="50" charset="-127"/>
-              <a:ea typeface="나눔스퀘어 Bold" panose="020B0600000101010101" pitchFamily="50" charset="-127"/>
-            </a:endParaRPr>
-          </a:p>
-        </p:txBody>
-      </p:sp>
-      <p:sp>
-        <p:nvSpPr>
-          <p:cNvPr id="7" name="TextBox 6">
-            <a:extLst>
-              <a:ext uri="{FF2B5EF4-FFF2-40B4-BE49-F238E27FC236}">
-                <a16:creationId xmlns:a16="http://schemas.microsoft.com/office/drawing/2014/main" id="{DD092523-43DA-0A5F-0C04-8239F4BF07FC}"/>
+              <a:t>Graph – 2178 </a:t>
+            </a:r>
+            <a:r>
+              <a:rPr lang="ko-KR" altLang="en-US" sz="2800" dirty="0">
+                <a:latin typeface="나눔스퀘어 Bold" panose="020B0600000101010101" pitchFamily="50" charset="-127"/>
+                <a:ea typeface="나눔스퀘어 Bold" panose="020B0600000101010101" pitchFamily="50" charset="-127"/>
+              </a:rPr>
+              <a:t>미로 탐색</a:t>
+            </a:r>
+          </a:p>
+        </p:txBody>
+      </p:sp>
+      <p:sp>
+        <p:nvSpPr>
+          <p:cNvPr id="29" name="TextBox 28">
+            <a:extLst>
+              <a:ext uri="{FF2B5EF4-FFF2-40B4-BE49-F238E27FC236}">
+                <a16:creationId xmlns:a16="http://schemas.microsoft.com/office/drawing/2014/main" id="{7E33452F-38D4-A195-C6CD-AF9182BC40E8}"/>
               </a:ext>
             </a:extLst>
           </p:cNvPr>
@@ -26477,8 +26558,8 @@
         </p:nvSpPr>
         <p:spPr>
           <a:xfrm>
-            <a:off x="942387" y="1661364"/>
-            <a:ext cx="8553305" cy="369332"/>
+            <a:off x="942387" y="1190024"/>
+            <a:ext cx="10237694" cy="369332"/>
           </a:xfrm>
           <a:prstGeom prst="rect">
             <a:avLst/>
@@ -26496,24 +26577,139 @@
                 <a:latin typeface="나눔스퀘어 Light" panose="020B0600000101010101" pitchFamily="50" charset="-127"/>
                 <a:ea typeface="나눔스퀘어 Light" panose="020B0600000101010101" pitchFamily="50" charset="-127"/>
               </a:rPr>
-              <a:t>1. 18126 </a:t>
+              <a:t>BFS </a:t>
             </a:r>
             <a:r>
               <a:rPr lang="ko-KR" altLang="en-US" dirty="0">
                 <a:latin typeface="나눔스퀘어 Light" panose="020B0600000101010101" pitchFamily="50" charset="-127"/>
                 <a:ea typeface="나눔스퀘어 Light" panose="020B0600000101010101" pitchFamily="50" charset="-127"/>
               </a:rPr>
-              <a:t>너구리 구구</a:t>
-            </a:r>
-          </a:p>
-        </p:txBody>
-      </p:sp>
-      <p:sp>
-        <p:nvSpPr>
-          <p:cNvPr id="8" name="TextBox 7">
-            <a:extLst>
-              <a:ext uri="{FF2B5EF4-FFF2-40B4-BE49-F238E27FC236}">
-                <a16:creationId xmlns:a16="http://schemas.microsoft.com/office/drawing/2014/main" id="{80045CCB-6E92-45F3-05E2-D9718BBAEE86}"/>
+              <a:t>순회를 위해 방문처리 배열을 초기화하고 큐를 선언합니다</a:t>
+            </a:r>
+            <a:r>
+              <a:rPr lang="en-US" altLang="ko-KR" dirty="0">
+                <a:latin typeface="나눔스퀘어 Light" panose="020B0600000101010101" pitchFamily="50" charset="-127"/>
+                <a:ea typeface="나눔스퀘어 Light" panose="020B0600000101010101" pitchFamily="50" charset="-127"/>
+              </a:rPr>
+              <a:t>.</a:t>
+            </a:r>
+            <a:endParaRPr lang="ko-KR" altLang="en-US" dirty="0">
+              <a:latin typeface="나눔스퀘어 Light" panose="020B0600000101010101" pitchFamily="50" charset="-127"/>
+              <a:ea typeface="나눔스퀘어 Light" panose="020B0600000101010101" pitchFamily="50" charset="-127"/>
+            </a:endParaRPr>
+          </a:p>
+        </p:txBody>
+      </p:sp>
+      <p:pic>
+        <p:nvPicPr>
+          <p:cNvPr id="6" name="그림 5">
+            <a:extLst>
+              <a:ext uri="{FF2B5EF4-FFF2-40B4-BE49-F238E27FC236}">
+                <a16:creationId xmlns:a16="http://schemas.microsoft.com/office/drawing/2014/main" id="{419AE30B-F3BC-ACF6-97FF-CA714C20FAA1}"/>
+              </a:ext>
+            </a:extLst>
+          </p:cNvPr>
+          <p:cNvPicPr>
+            <a:picLocks noChangeAspect="1"/>
+          </p:cNvPicPr>
+          <p:nvPr/>
+        </p:nvPicPr>
+        <p:blipFill>
+          <a:blip r:embed="rId2"/>
+          <a:stretch>
+            <a:fillRect/>
+          </a:stretch>
+        </p:blipFill>
+        <p:spPr>
+          <a:xfrm>
+            <a:off x="942387" y="1559356"/>
+            <a:ext cx="7506966" cy="3114244"/>
+          </a:xfrm>
+          <a:prstGeom prst="rect">
+            <a:avLst/>
+          </a:prstGeom>
+        </p:spPr>
+      </p:pic>
+    </p:spTree>
+    <p:extLst>
+      <p:ext uri="{BB962C8B-B14F-4D97-AF65-F5344CB8AC3E}">
+        <p14:creationId xmlns:p14="http://schemas.microsoft.com/office/powerpoint/2010/main" val="1197495798"/>
+      </p:ext>
+    </p:extLst>
+  </p:cSld>
+  <p:clrMapOvr>
+    <a:masterClrMapping/>
+  </p:clrMapOvr>
+</p:sld>
+</file>
+
+<file path=ppt/slides/slide47.xml><?xml version="1.0" encoding="utf-8"?>
+<p:sld xmlns:a="http://schemas.openxmlformats.org/drawingml/2006/main" xmlns:r="http://schemas.openxmlformats.org/officeDocument/2006/relationships" xmlns:p="http://schemas.openxmlformats.org/presentationml/2006/main">
+  <p:cSld>
+    <p:spTree>
+      <p:nvGrpSpPr>
+        <p:cNvPr id="1" name=""/>
+        <p:cNvGrpSpPr/>
+        <p:nvPr/>
+      </p:nvGrpSpPr>
+      <p:grpSpPr>
+        <a:xfrm>
+          <a:off x="0" y="0"/>
+          <a:ext cx="0" cy="0"/>
+          <a:chOff x="0" y="0"/>
+          <a:chExt cx="0" cy="0"/>
+        </a:xfrm>
+      </p:grpSpPr>
+      <p:cxnSp>
+        <p:nvCxnSpPr>
+          <p:cNvPr id="5" name="직선 연결선 4">
+            <a:extLst>
+              <a:ext uri="{FF2B5EF4-FFF2-40B4-BE49-F238E27FC236}">
+                <a16:creationId xmlns:a16="http://schemas.microsoft.com/office/drawing/2014/main" id="{164C2827-EFCE-69A4-D037-1A218415F568}"/>
+              </a:ext>
+            </a:extLst>
+          </p:cNvPr>
+          <p:cNvCxnSpPr/>
+          <p:nvPr/>
+        </p:nvCxnSpPr>
+        <p:spPr>
+          <a:xfrm>
+            <a:off x="0" y="887505"/>
+            <a:ext cx="10237694" cy="0"/>
+          </a:xfrm>
+          <a:prstGeom prst="line">
+            <a:avLst/>
+          </a:prstGeom>
+          <a:ln w="76200">
+            <a:solidFill>
+              <a:schemeClr val="tx1">
+                <a:lumMod val="75000"/>
+                <a:lumOff val="25000"/>
+              </a:schemeClr>
+            </a:solidFill>
+          </a:ln>
+        </p:spPr>
+        <p:style>
+          <a:lnRef idx="1">
+            <a:schemeClr val="accent1"/>
+          </a:lnRef>
+          <a:fillRef idx="0">
+            <a:schemeClr val="accent1"/>
+          </a:fillRef>
+          <a:effectRef idx="0">
+            <a:schemeClr val="accent1"/>
+          </a:effectRef>
+          <a:fontRef idx="minor">
+            <a:schemeClr val="tx1"/>
+          </a:fontRef>
+        </p:style>
+      </p:cxnSp>
+      <p:sp>
+        <p:nvSpPr>
+          <p:cNvPr id="3" name="TextBox 2">
+            <a:extLst>
+              <a:ext uri="{FF2B5EF4-FFF2-40B4-BE49-F238E27FC236}">
+                <a16:creationId xmlns:a16="http://schemas.microsoft.com/office/drawing/2014/main" id="{B3B954B2-DB7F-EEC1-438C-CB91D3B18AE1}"/>
               </a:ext>
             </a:extLst>
           </p:cNvPr>
@@ -26522,8 +26718,53 @@
         </p:nvSpPr>
         <p:spPr>
           <a:xfrm>
-            <a:off x="942387" y="2030696"/>
-            <a:ext cx="8553305" cy="369332"/>
+            <a:off x="331694" y="177505"/>
+            <a:ext cx="3899016" cy="523220"/>
+          </a:xfrm>
+          <a:prstGeom prst="rect">
+            <a:avLst/>
+          </a:prstGeom>
+          <a:noFill/>
+        </p:spPr>
+        <p:txBody>
+          <a:bodyPr wrap="none" rtlCol="0">
+            <a:spAutoFit/>
+          </a:bodyPr>
+          <a:lstStyle/>
+          <a:p>
+            <a:r>
+              <a:rPr lang="en-US" altLang="ko-KR" sz="2800" dirty="0">
+                <a:latin typeface="나눔스퀘어 Bold" panose="020B0600000101010101" pitchFamily="50" charset="-127"/>
+                <a:ea typeface="나눔스퀘어 Bold" panose="020B0600000101010101" pitchFamily="50" charset="-127"/>
+              </a:rPr>
+              <a:t>Graph – 2178 </a:t>
+            </a:r>
+            <a:r>
+              <a:rPr lang="ko-KR" altLang="en-US" sz="2800" dirty="0">
+                <a:latin typeface="나눔스퀘어 Bold" panose="020B0600000101010101" pitchFamily="50" charset="-127"/>
+                <a:ea typeface="나눔스퀘어 Bold" panose="020B0600000101010101" pitchFamily="50" charset="-127"/>
+              </a:rPr>
+              <a:t>미로 탐색</a:t>
+            </a:r>
+          </a:p>
+        </p:txBody>
+      </p:sp>
+      <p:sp>
+        <p:nvSpPr>
+          <p:cNvPr id="29" name="TextBox 28">
+            <a:extLst>
+              <a:ext uri="{FF2B5EF4-FFF2-40B4-BE49-F238E27FC236}">
+                <a16:creationId xmlns:a16="http://schemas.microsoft.com/office/drawing/2014/main" id="{7E33452F-38D4-A195-C6CD-AF9182BC40E8}"/>
+              </a:ext>
+            </a:extLst>
+          </p:cNvPr>
+          <p:cNvSpPr txBox="1"/>
+          <p:nvPr/>
+        </p:nvSpPr>
+        <p:spPr>
+          <a:xfrm>
+            <a:off x="942387" y="1190024"/>
+            <a:ext cx="10237694" cy="369332"/>
           </a:xfrm>
           <a:prstGeom prst="rect">
             <a:avLst/>
@@ -26537,28 +26778,32 @@
           <a:lstStyle/>
           <a:p>
             <a:r>
+              <a:rPr lang="ko-KR" altLang="en-US" dirty="0">
+                <a:latin typeface="나눔스퀘어 Light" panose="020B0600000101010101" pitchFamily="50" charset="-127"/>
+                <a:ea typeface="나눔스퀘어 Light" panose="020B0600000101010101" pitchFamily="50" charset="-127"/>
+              </a:rPr>
+              <a:t>이제 큐의 앞 원소들을 꺼내어 방문한 좌표에서 인접한 정점으로 이동하면 되는데</a:t>
+            </a:r>
+            <a:r>
               <a:rPr lang="en-US" altLang="ko-KR" dirty="0">
                 <a:latin typeface="나눔스퀘어 Light" panose="020B0600000101010101" pitchFamily="50" charset="-127"/>
                 <a:ea typeface="나눔스퀘어 Light" panose="020B0600000101010101" pitchFamily="50" charset="-127"/>
               </a:rPr>
-              <a:t>2. 1697 </a:t>
-            </a:r>
-            <a:r>
-              <a:rPr lang="ko-KR" altLang="en-US" dirty="0">
-                <a:latin typeface="나눔스퀘어 Light" panose="020B0600000101010101" pitchFamily="50" charset="-127"/>
-                <a:ea typeface="나눔스퀘어 Light" panose="020B0600000101010101" pitchFamily="50" charset="-127"/>
-              </a:rPr>
-              <a:t>숨바꼭질</a:t>
-            </a:r>
-          </a:p>
-        </p:txBody>
-      </p:sp>
-      <p:sp>
-        <p:nvSpPr>
-          <p:cNvPr id="9" name="TextBox 8">
-            <a:extLst>
-              <a:ext uri="{FF2B5EF4-FFF2-40B4-BE49-F238E27FC236}">
-                <a16:creationId xmlns:a16="http://schemas.microsoft.com/office/drawing/2014/main" id="{F3F091EF-3E70-16E8-983D-D9C14C2EAD61}"/>
+              <a:t>,</a:t>
+            </a:r>
+            <a:endParaRPr lang="ko-KR" altLang="en-US" dirty="0">
+              <a:latin typeface="나눔스퀘어 Light" panose="020B0600000101010101" pitchFamily="50" charset="-127"/>
+              <a:ea typeface="나눔스퀘어 Light" panose="020B0600000101010101" pitchFamily="50" charset="-127"/>
+            </a:endParaRPr>
+          </a:p>
+        </p:txBody>
+      </p:sp>
+      <p:sp>
+        <p:nvSpPr>
+          <p:cNvPr id="2" name="TextBox 1">
+            <a:extLst>
+              <a:ext uri="{FF2B5EF4-FFF2-40B4-BE49-F238E27FC236}">
+                <a16:creationId xmlns:a16="http://schemas.microsoft.com/office/drawing/2014/main" id="{1E271EAA-B9AB-BC5C-7EEB-A0B7A5F830A4}"/>
               </a:ext>
             </a:extLst>
           </p:cNvPr>
@@ -26567,8 +26812,8 @@
         </p:nvSpPr>
         <p:spPr>
           <a:xfrm>
-            <a:off x="942387" y="1190024"/>
-            <a:ext cx="8553305" cy="369332"/>
+            <a:off x="942387" y="1576239"/>
+            <a:ext cx="10237694" cy="369332"/>
           </a:xfrm>
           <a:prstGeom prst="rect">
             <a:avLst/>
@@ -26583,59 +26828,460 @@
           <a:p>
             <a:r>
               <a:rPr lang="ko-KR" altLang="en-US" dirty="0">
-                <a:latin typeface="나눔스퀘어 Bold" panose="020B0600000101010101" pitchFamily="50" charset="-127"/>
-                <a:ea typeface="나눔스퀘어 Bold" panose="020B0600000101010101" pitchFamily="50" charset="-127"/>
-              </a:rPr>
-              <a:t>아래 문제들에 대해 스스로 생각하고 풀어보세요</a:t>
+                <a:latin typeface="나눔스퀘어 Light" panose="020B0600000101010101" pitchFamily="50" charset="-127"/>
+                <a:ea typeface="나눔스퀘어 Light" panose="020B0600000101010101" pitchFamily="50" charset="-127"/>
+              </a:rPr>
+              <a:t>이동할 수 있는 방향이 한 정점당 최대 네 군데 있습니다</a:t>
             </a:r>
             <a:r>
               <a:rPr lang="en-US" altLang="ko-KR" dirty="0">
-                <a:latin typeface="나눔스퀘어 Bold" panose="020B0600000101010101" pitchFamily="50" charset="-127"/>
-                <a:ea typeface="나눔스퀘어 Bold" panose="020B0600000101010101" pitchFamily="50" charset="-127"/>
+                <a:latin typeface="나눔스퀘어 Light" panose="020B0600000101010101" pitchFamily="50" charset="-127"/>
+                <a:ea typeface="나눔스퀘어 Light" panose="020B0600000101010101" pitchFamily="50" charset="-127"/>
               </a:rPr>
               <a:t>.</a:t>
             </a:r>
-            <a:r>
-              <a:rPr lang="ko-KR" altLang="en-US" dirty="0">
-                <a:latin typeface="나눔스퀘어 Bold" panose="020B0600000101010101" pitchFamily="50" charset="-127"/>
-                <a:ea typeface="나눔스퀘어 Bold" panose="020B0600000101010101" pitchFamily="50" charset="-127"/>
-              </a:rPr>
-              <a:t> </a:t>
-            </a:r>
-            <a:r>
-              <a:rPr lang="en-US" altLang="ko-KR" dirty="0">
-                <a:latin typeface="나눔스퀘어 Bold" panose="020B0600000101010101" pitchFamily="50" charset="-127"/>
-                <a:ea typeface="나눔스퀘어 Bold" panose="020B0600000101010101" pitchFamily="50" charset="-127"/>
-              </a:rPr>
-              <a:t>(</a:t>
-            </a:r>
-            <a:r>
-              <a:rPr lang="ko-KR" altLang="en-US" dirty="0">
-                <a:latin typeface="나눔스퀘어 Bold" panose="020B0600000101010101" pitchFamily="50" charset="-127"/>
-                <a:ea typeface="나눔스퀘어 Bold" panose="020B0600000101010101" pitchFamily="50" charset="-127"/>
-              </a:rPr>
-              <a:t>해설은 따로 진행하진 않겠습니다</a:t>
-            </a:r>
-            <a:r>
-              <a:rPr lang="en-US" altLang="ko-KR" dirty="0">
-                <a:latin typeface="나눔스퀘어 Bold" panose="020B0600000101010101" pitchFamily="50" charset="-127"/>
-                <a:ea typeface="나눔스퀘어 Bold" panose="020B0600000101010101" pitchFamily="50" charset="-127"/>
-              </a:rPr>
-              <a:t>.)</a:t>
-            </a:r>
             <a:endParaRPr lang="ko-KR" altLang="en-US" dirty="0">
-              <a:latin typeface="나눔스퀘어 Bold" panose="020B0600000101010101" pitchFamily="50" charset="-127"/>
-              <a:ea typeface="나눔스퀘어 Bold" panose="020B0600000101010101" pitchFamily="50" charset="-127"/>
+              <a:latin typeface="나눔스퀘어 Light" panose="020B0600000101010101" pitchFamily="50" charset="-127"/>
+              <a:ea typeface="나눔스퀘어 Light" panose="020B0600000101010101" pitchFamily="50" charset="-127"/>
             </a:endParaRPr>
           </a:p>
         </p:txBody>
       </p:sp>
-      <p:sp>
-        <p:nvSpPr>
-          <p:cNvPr id="2" name="TextBox 1">
-            <a:extLst>
-              <a:ext uri="{FF2B5EF4-FFF2-40B4-BE49-F238E27FC236}">
-                <a16:creationId xmlns:a16="http://schemas.microsoft.com/office/drawing/2014/main" id="{807C3CD1-8E1B-427F-230D-9C7C2837C1F2}"/>
+      <p:graphicFrame>
+        <p:nvGraphicFramePr>
+          <p:cNvPr id="4" name="표 6">
+            <a:extLst>
+              <a:ext uri="{FF2B5EF4-FFF2-40B4-BE49-F238E27FC236}">
+                <a16:creationId xmlns:a16="http://schemas.microsoft.com/office/drawing/2014/main" id="{FF805CF8-883A-5B54-8723-31B22651B4AB}"/>
+              </a:ext>
+            </a:extLst>
+          </p:cNvPr>
+          <p:cNvGraphicFramePr>
+            <a:graphicFrameLocks noGrp="1"/>
+          </p:cNvGraphicFramePr>
+          <p:nvPr>
+            <p:extLst>
+              <p:ext uri="{D42A27DB-BD31-4B8C-83A1-F6EECF244321}">
+                <p14:modId xmlns:p14="http://schemas.microsoft.com/office/powerpoint/2010/main" val="3819054650"/>
+              </p:ext>
+            </p:extLst>
+          </p:nvPr>
+        </p:nvGraphicFramePr>
+        <p:xfrm>
+          <a:off x="1054846" y="2030695"/>
+          <a:ext cx="4129896" cy="3939801"/>
+        </p:xfrm>
+        <a:graphic>
+          <a:graphicData uri="http://schemas.openxmlformats.org/drawingml/2006/table">
+            <a:tbl>
+              <a:tblPr firstRow="1" bandRow="1">
+                <a:tableStyleId>{69CF1AB2-1976-4502-BF36-3FF5EA218861}</a:tableStyleId>
+              </a:tblPr>
+              <a:tblGrid>
+                <a:gridCol w="1376632">
+                  <a:extLst>
+                    <a:ext uri="{9D8B030D-6E8A-4147-A177-3AD203B41FA5}">
+                      <a16:colId xmlns:a16="http://schemas.microsoft.com/office/drawing/2014/main" val="184689733"/>
+                    </a:ext>
+                  </a:extLst>
+                </a:gridCol>
+                <a:gridCol w="1376632">
+                  <a:extLst>
+                    <a:ext uri="{9D8B030D-6E8A-4147-A177-3AD203B41FA5}">
+                      <a16:colId xmlns:a16="http://schemas.microsoft.com/office/drawing/2014/main" val="662498604"/>
+                    </a:ext>
+                  </a:extLst>
+                </a:gridCol>
+                <a:gridCol w="1376632">
+                  <a:extLst>
+                    <a:ext uri="{9D8B030D-6E8A-4147-A177-3AD203B41FA5}">
+                      <a16:colId xmlns:a16="http://schemas.microsoft.com/office/drawing/2014/main" val="3419381811"/>
+                    </a:ext>
+                  </a:extLst>
+                </a:gridCol>
+              </a:tblGrid>
+              <a:tr h="1313267">
+                <a:tc>
+                  <a:txBody>
+                    <a:bodyPr/>
+                    <a:lstStyle/>
+                    <a:p>
+                      <a:pPr algn="ctr" latinLnBrk="1"/>
+                      <a:endParaRPr lang="ko-KR" altLang="en-US" sz="2800" b="0" dirty="0">
+                        <a:latin typeface="나눔스퀘어 Bold" panose="020B0600000101010101" pitchFamily="50" charset="-127"/>
+                        <a:ea typeface="나눔스퀘어 Bold" panose="020B0600000101010101" pitchFamily="50" charset="-127"/>
+                      </a:endParaRPr>
+                    </a:p>
+                  </a:txBody>
+                  <a:tcPr anchor="ctr"/>
+                </a:tc>
+                <a:tc>
+                  <a:txBody>
+                    <a:bodyPr/>
+                    <a:lstStyle/>
+                    <a:p>
+                      <a:pPr algn="ctr" latinLnBrk="1"/>
+                      <a:r>
+                        <a:rPr lang="en-US" altLang="ko-KR" sz="2800" b="0" dirty="0">
+                          <a:latin typeface="나눔스퀘어 Bold" panose="020B0600000101010101" pitchFamily="50" charset="-127"/>
+                          <a:ea typeface="나눔스퀘어 Bold" panose="020B0600000101010101" pitchFamily="50" charset="-127"/>
+                        </a:rPr>
+                        <a:t>1</a:t>
+                      </a:r>
+                      <a:endParaRPr lang="ko-KR" altLang="en-US" sz="2800" b="0" dirty="0">
+                        <a:latin typeface="나눔스퀘어 Bold" panose="020B0600000101010101" pitchFamily="50" charset="-127"/>
+                        <a:ea typeface="나눔스퀘어 Bold" panose="020B0600000101010101" pitchFamily="50" charset="-127"/>
+                      </a:endParaRPr>
+                    </a:p>
+                  </a:txBody>
+                  <a:tcPr anchor="ctr"/>
+                </a:tc>
+                <a:tc>
+                  <a:txBody>
+                    <a:bodyPr/>
+                    <a:lstStyle/>
+                    <a:p>
+                      <a:pPr algn="ctr" latinLnBrk="1"/>
+                      <a:endParaRPr lang="ko-KR" altLang="en-US" sz="2800" b="0" dirty="0">
+                        <a:latin typeface="나눔스퀘어 Bold" panose="020B0600000101010101" pitchFamily="50" charset="-127"/>
+                        <a:ea typeface="나눔스퀘어 Bold" panose="020B0600000101010101" pitchFamily="50" charset="-127"/>
+                      </a:endParaRPr>
+                    </a:p>
+                  </a:txBody>
+                  <a:tcPr anchor="ctr"/>
+                </a:tc>
+                <a:extLst>
+                  <a:ext uri="{0D108BD9-81ED-4DB2-BD59-A6C34878D82A}">
+                    <a16:rowId xmlns:a16="http://schemas.microsoft.com/office/drawing/2014/main" val="889197390"/>
+                  </a:ext>
+                </a:extLst>
+              </a:tr>
+              <a:tr h="1313267">
+                <a:tc>
+                  <a:txBody>
+                    <a:bodyPr/>
+                    <a:lstStyle/>
+                    <a:p>
+                      <a:pPr algn="ctr" latinLnBrk="1"/>
+                      <a:r>
+                        <a:rPr lang="en-US" altLang="ko-KR" sz="2800" dirty="0">
+                          <a:latin typeface="나눔스퀘어 Bold" panose="020B0600000101010101" pitchFamily="50" charset="-127"/>
+                          <a:ea typeface="나눔스퀘어 Bold" panose="020B0600000101010101" pitchFamily="50" charset="-127"/>
+                        </a:rPr>
+                        <a:t>1</a:t>
+                      </a:r>
+                      <a:endParaRPr lang="ko-KR" altLang="en-US" sz="2800" dirty="0">
+                        <a:latin typeface="나눔스퀘어 Bold" panose="020B0600000101010101" pitchFamily="50" charset="-127"/>
+                        <a:ea typeface="나눔스퀘어 Bold" panose="020B0600000101010101" pitchFamily="50" charset="-127"/>
+                      </a:endParaRPr>
+                    </a:p>
+                  </a:txBody>
+                  <a:tcPr anchor="ctr"/>
+                </a:tc>
+                <a:tc>
+                  <a:txBody>
+                    <a:bodyPr/>
+                    <a:lstStyle/>
+                    <a:p>
+                      <a:pPr algn="ctr" latinLnBrk="1"/>
+                      <a:r>
+                        <a:rPr lang="en-US" altLang="ko-KR" sz="2800" dirty="0">
+                          <a:solidFill>
+                            <a:srgbClr val="FF0000"/>
+                          </a:solidFill>
+                          <a:latin typeface="나눔스퀘어 Bold" panose="020B0600000101010101" pitchFamily="50" charset="-127"/>
+                          <a:ea typeface="나눔스퀘어 Bold" panose="020B0600000101010101" pitchFamily="50" charset="-127"/>
+                        </a:rPr>
+                        <a:t>1</a:t>
+                      </a:r>
+                      <a:endParaRPr lang="ko-KR" altLang="en-US" sz="2800" dirty="0">
+                        <a:solidFill>
+                          <a:srgbClr val="FF0000"/>
+                        </a:solidFill>
+                        <a:latin typeface="나눔스퀘어 Bold" panose="020B0600000101010101" pitchFamily="50" charset="-127"/>
+                        <a:ea typeface="나눔스퀘어 Bold" panose="020B0600000101010101" pitchFamily="50" charset="-127"/>
+                      </a:endParaRPr>
+                    </a:p>
+                  </a:txBody>
+                  <a:tcPr anchor="ctr"/>
+                </a:tc>
+                <a:tc>
+                  <a:txBody>
+                    <a:bodyPr/>
+                    <a:lstStyle/>
+                    <a:p>
+                      <a:pPr algn="ctr" latinLnBrk="1"/>
+                      <a:r>
+                        <a:rPr lang="en-US" altLang="ko-KR" sz="2800" dirty="0">
+                          <a:latin typeface="나눔스퀘어 Bold" panose="020B0600000101010101" pitchFamily="50" charset="-127"/>
+                          <a:ea typeface="나눔스퀘어 Bold" panose="020B0600000101010101" pitchFamily="50" charset="-127"/>
+                        </a:rPr>
+                        <a:t>1</a:t>
+                      </a:r>
+                      <a:endParaRPr lang="ko-KR" altLang="en-US" sz="2800" dirty="0">
+                        <a:latin typeface="나눔스퀘어 Bold" panose="020B0600000101010101" pitchFamily="50" charset="-127"/>
+                        <a:ea typeface="나눔스퀘어 Bold" panose="020B0600000101010101" pitchFamily="50" charset="-127"/>
+                      </a:endParaRPr>
+                    </a:p>
+                  </a:txBody>
+                  <a:tcPr anchor="ctr"/>
+                </a:tc>
+                <a:extLst>
+                  <a:ext uri="{0D108BD9-81ED-4DB2-BD59-A6C34878D82A}">
+                    <a16:rowId xmlns:a16="http://schemas.microsoft.com/office/drawing/2014/main" val="3949344445"/>
+                  </a:ext>
+                </a:extLst>
+              </a:tr>
+              <a:tr h="1313267">
+                <a:tc>
+                  <a:txBody>
+                    <a:bodyPr/>
+                    <a:lstStyle/>
+                    <a:p>
+                      <a:pPr algn="ctr" latinLnBrk="1"/>
+                      <a:endParaRPr lang="ko-KR" altLang="en-US" sz="2800" dirty="0">
+                        <a:latin typeface="나눔스퀘어 Bold" panose="020B0600000101010101" pitchFamily="50" charset="-127"/>
+                        <a:ea typeface="나눔스퀘어 Bold" panose="020B0600000101010101" pitchFamily="50" charset="-127"/>
+                      </a:endParaRPr>
+                    </a:p>
+                  </a:txBody>
+                  <a:tcPr anchor="ctr"/>
+                </a:tc>
+                <a:tc>
+                  <a:txBody>
+                    <a:bodyPr/>
+                    <a:lstStyle/>
+                    <a:p>
+                      <a:pPr algn="ctr" latinLnBrk="1"/>
+                      <a:r>
+                        <a:rPr lang="en-US" altLang="ko-KR" sz="2800" dirty="0">
+                          <a:latin typeface="나눔스퀘어 Bold" panose="020B0600000101010101" pitchFamily="50" charset="-127"/>
+                          <a:ea typeface="나눔스퀘어 Bold" panose="020B0600000101010101" pitchFamily="50" charset="-127"/>
+                        </a:rPr>
+                        <a:t>1</a:t>
+                      </a:r>
+                      <a:endParaRPr lang="ko-KR" altLang="en-US" sz="2800" dirty="0">
+                        <a:latin typeface="나눔스퀘어 Bold" panose="020B0600000101010101" pitchFamily="50" charset="-127"/>
+                        <a:ea typeface="나눔스퀘어 Bold" panose="020B0600000101010101" pitchFamily="50" charset="-127"/>
+                      </a:endParaRPr>
+                    </a:p>
+                  </a:txBody>
+                  <a:tcPr anchor="ctr"/>
+                </a:tc>
+                <a:tc>
+                  <a:txBody>
+                    <a:bodyPr/>
+                    <a:lstStyle/>
+                    <a:p>
+                      <a:pPr algn="ctr" latinLnBrk="1"/>
+                      <a:endParaRPr lang="ko-KR" altLang="en-US" sz="2800" dirty="0">
+                        <a:latin typeface="나눔스퀘어 Bold" panose="020B0600000101010101" pitchFamily="50" charset="-127"/>
+                        <a:ea typeface="나눔스퀘어 Bold" panose="020B0600000101010101" pitchFamily="50" charset="-127"/>
+                      </a:endParaRPr>
+                    </a:p>
+                  </a:txBody>
+                  <a:tcPr anchor="ctr"/>
+                </a:tc>
+                <a:extLst>
+                  <a:ext uri="{0D108BD9-81ED-4DB2-BD59-A6C34878D82A}">
+                    <a16:rowId xmlns:a16="http://schemas.microsoft.com/office/drawing/2014/main" val="264939005"/>
+                  </a:ext>
+                </a:extLst>
+              </a:tr>
+            </a:tbl>
+          </a:graphicData>
+        </a:graphic>
+      </p:graphicFrame>
+      <p:sp>
+        <p:nvSpPr>
+          <p:cNvPr id="7" name="화살표: 왼쪽/오른쪽 6">
+            <a:extLst>
+              <a:ext uri="{FF2B5EF4-FFF2-40B4-BE49-F238E27FC236}">
+                <a16:creationId xmlns:a16="http://schemas.microsoft.com/office/drawing/2014/main" id="{F92E2E6D-C7A2-ED18-F751-32DA7D554FE9}"/>
+              </a:ext>
+            </a:extLst>
+          </p:cNvPr>
+          <p:cNvSpPr/>
+          <p:nvPr/>
+        </p:nvSpPr>
+        <p:spPr>
+          <a:xfrm>
+            <a:off x="2187782" y="3815929"/>
+            <a:ext cx="471340" cy="369331"/>
+          </a:xfrm>
+          <a:prstGeom prst="leftRightArrow">
+            <a:avLst/>
+          </a:prstGeom>
+        </p:spPr>
+        <p:style>
+          <a:lnRef idx="2">
+            <a:schemeClr val="accent1">
+              <a:shade val="50000"/>
+            </a:schemeClr>
+          </a:lnRef>
+          <a:fillRef idx="1">
+            <a:schemeClr val="accent1"/>
+          </a:fillRef>
+          <a:effectRef idx="0">
+            <a:schemeClr val="accent1"/>
+          </a:effectRef>
+          <a:fontRef idx="minor">
+            <a:schemeClr val="lt1"/>
+          </a:fontRef>
+        </p:style>
+        <p:txBody>
+          <a:bodyPr rtlCol="0" anchor="ctr"/>
+          <a:lstStyle/>
+          <a:p>
+            <a:pPr algn="ctr"/>
+            <a:endParaRPr lang="ko-KR" altLang="en-US"/>
+          </a:p>
+        </p:txBody>
+      </p:sp>
+      <p:sp>
+        <p:nvSpPr>
+          <p:cNvPr id="8" name="화살표: 왼쪽/오른쪽 7">
+            <a:extLst>
+              <a:ext uri="{FF2B5EF4-FFF2-40B4-BE49-F238E27FC236}">
+                <a16:creationId xmlns:a16="http://schemas.microsoft.com/office/drawing/2014/main" id="{C576FC1C-3A4D-B66B-98CC-3F330152D121}"/>
+              </a:ext>
+            </a:extLst>
+          </p:cNvPr>
+          <p:cNvSpPr/>
+          <p:nvPr/>
+        </p:nvSpPr>
+        <p:spPr>
+          <a:xfrm rot="16200000">
+            <a:off x="2884125" y="3148553"/>
+            <a:ext cx="471340" cy="369331"/>
+          </a:xfrm>
+          <a:prstGeom prst="leftRightArrow">
+            <a:avLst/>
+          </a:prstGeom>
+        </p:spPr>
+        <p:style>
+          <a:lnRef idx="2">
+            <a:schemeClr val="accent1">
+              <a:shade val="50000"/>
+            </a:schemeClr>
+          </a:lnRef>
+          <a:fillRef idx="1">
+            <a:schemeClr val="accent1"/>
+          </a:fillRef>
+          <a:effectRef idx="0">
+            <a:schemeClr val="accent1"/>
+          </a:effectRef>
+          <a:fontRef idx="minor">
+            <a:schemeClr val="lt1"/>
+          </a:fontRef>
+        </p:style>
+        <p:txBody>
+          <a:bodyPr rtlCol="0" anchor="ctr"/>
+          <a:lstStyle/>
+          <a:p>
+            <a:pPr algn="ctr"/>
+            <a:endParaRPr lang="ko-KR" altLang="en-US"/>
+          </a:p>
+        </p:txBody>
+      </p:sp>
+      <p:sp>
+        <p:nvSpPr>
+          <p:cNvPr id="9" name="화살표: 왼쪽/오른쪽 8">
+            <a:extLst>
+              <a:ext uri="{FF2B5EF4-FFF2-40B4-BE49-F238E27FC236}">
+                <a16:creationId xmlns:a16="http://schemas.microsoft.com/office/drawing/2014/main" id="{A2322D89-6CAB-C066-A31E-D6FB7D2219F8}"/>
+              </a:ext>
+            </a:extLst>
+          </p:cNvPr>
+          <p:cNvSpPr/>
+          <p:nvPr/>
+        </p:nvSpPr>
+        <p:spPr>
+          <a:xfrm rot="16200000">
+            <a:off x="2884124" y="4458818"/>
+            <a:ext cx="471340" cy="369331"/>
+          </a:xfrm>
+          <a:prstGeom prst="leftRightArrow">
+            <a:avLst/>
+          </a:prstGeom>
+        </p:spPr>
+        <p:style>
+          <a:lnRef idx="2">
+            <a:schemeClr val="accent1">
+              <a:shade val="50000"/>
+            </a:schemeClr>
+          </a:lnRef>
+          <a:fillRef idx="1">
+            <a:schemeClr val="accent1"/>
+          </a:fillRef>
+          <a:effectRef idx="0">
+            <a:schemeClr val="accent1"/>
+          </a:effectRef>
+          <a:fontRef idx="minor">
+            <a:schemeClr val="lt1"/>
+          </a:fontRef>
+        </p:style>
+        <p:txBody>
+          <a:bodyPr rtlCol="0" anchor="ctr"/>
+          <a:lstStyle/>
+          <a:p>
+            <a:pPr algn="ctr"/>
+            <a:endParaRPr lang="ko-KR" altLang="en-US"/>
+          </a:p>
+        </p:txBody>
+      </p:sp>
+      <p:sp>
+        <p:nvSpPr>
+          <p:cNvPr id="11" name="화살표: 왼쪽/오른쪽 10">
+            <a:extLst>
+              <a:ext uri="{FF2B5EF4-FFF2-40B4-BE49-F238E27FC236}">
+                <a16:creationId xmlns:a16="http://schemas.microsoft.com/office/drawing/2014/main" id="{F97EE663-343F-CCF3-B412-C290D11CE0B6}"/>
+              </a:ext>
+            </a:extLst>
+          </p:cNvPr>
+          <p:cNvSpPr/>
+          <p:nvPr/>
+        </p:nvSpPr>
+        <p:spPr>
+          <a:xfrm>
+            <a:off x="3556388" y="3815929"/>
+            <a:ext cx="471340" cy="369331"/>
+          </a:xfrm>
+          <a:prstGeom prst="leftRightArrow">
+            <a:avLst/>
+          </a:prstGeom>
+        </p:spPr>
+        <p:style>
+          <a:lnRef idx="2">
+            <a:schemeClr val="accent1">
+              <a:shade val="50000"/>
+            </a:schemeClr>
+          </a:lnRef>
+          <a:fillRef idx="1">
+            <a:schemeClr val="accent1"/>
+          </a:fillRef>
+          <a:effectRef idx="0">
+            <a:schemeClr val="accent1"/>
+          </a:effectRef>
+          <a:fontRef idx="minor">
+            <a:schemeClr val="lt1"/>
+          </a:fontRef>
+        </p:style>
+        <p:txBody>
+          <a:bodyPr rtlCol="0" anchor="ctr"/>
+          <a:lstStyle/>
+          <a:p>
+            <a:pPr algn="ctr"/>
+            <a:endParaRPr lang="ko-KR" altLang="en-US"/>
+          </a:p>
+        </p:txBody>
+      </p:sp>
+      <p:sp>
+        <p:nvSpPr>
+          <p:cNvPr id="13" name="TextBox 12">
+            <a:extLst>
+              <a:ext uri="{FF2B5EF4-FFF2-40B4-BE49-F238E27FC236}">
+                <a16:creationId xmlns:a16="http://schemas.microsoft.com/office/drawing/2014/main" id="{DBF8AAA2-A0C2-70E0-82CF-6A8A3D82E434}"/>
               </a:ext>
             </a:extLst>
           </p:cNvPr>
@@ -26644,8 +27290,8 @@
         </p:nvSpPr>
         <p:spPr>
           <a:xfrm>
-            <a:off x="942387" y="2400024"/>
-            <a:ext cx="8553305" cy="369332"/>
+            <a:off x="5495636" y="2130420"/>
+            <a:ext cx="5641518" cy="369332"/>
           </a:xfrm>
           <a:prstGeom prst="rect">
             <a:avLst/>
@@ -26659,26 +27305,1664 @@
           <a:lstStyle/>
           <a:p>
             <a:r>
+              <a:rPr lang="ko-KR" altLang="en-US" dirty="0">
+                <a:latin typeface="나눔스퀘어 Light" panose="020B0600000101010101" pitchFamily="50" charset="-127"/>
+                <a:ea typeface="나눔스퀘어 Light" panose="020B0600000101010101" pitchFamily="50" charset="-127"/>
+              </a:rPr>
+              <a:t>그렇다면 다음 정점을 방문하는 코드를</a:t>
+            </a:r>
+          </a:p>
+        </p:txBody>
+      </p:sp>
+      <p:sp>
+        <p:nvSpPr>
+          <p:cNvPr id="14" name="TextBox 13">
+            <a:extLst>
+              <a:ext uri="{FF2B5EF4-FFF2-40B4-BE49-F238E27FC236}">
+                <a16:creationId xmlns:a16="http://schemas.microsoft.com/office/drawing/2014/main" id="{DF994B6F-F850-BA85-81C8-8CB6AD6F32BC}"/>
+              </a:ext>
+            </a:extLst>
+          </p:cNvPr>
+          <p:cNvSpPr txBox="1"/>
+          <p:nvPr/>
+        </p:nvSpPr>
+        <p:spPr>
+          <a:xfrm>
+            <a:off x="5495636" y="2499935"/>
+            <a:ext cx="5641518" cy="369332"/>
+          </a:xfrm>
+          <a:prstGeom prst="rect">
+            <a:avLst/>
+          </a:prstGeom>
+          <a:noFill/>
+        </p:spPr>
+        <p:txBody>
+          <a:bodyPr wrap="square" rtlCol="0">
+            <a:spAutoFit/>
+          </a:bodyPr>
+          <a:lstStyle/>
+          <a:p>
+            <a:r>
+              <a:rPr lang="ko-KR" altLang="en-US" dirty="0">
+                <a:latin typeface="나눔스퀘어 Light" panose="020B0600000101010101" pitchFamily="50" charset="-127"/>
+                <a:ea typeface="나눔스퀘어 Light" panose="020B0600000101010101" pitchFamily="50" charset="-127"/>
+              </a:rPr>
+              <a:t>어떻게 </a:t>
+            </a:r>
+            <a:r>
+              <a:rPr lang="ko-KR" altLang="en-US" dirty="0" err="1">
+                <a:latin typeface="나눔스퀘어 Light" panose="020B0600000101010101" pitchFamily="50" charset="-127"/>
+                <a:ea typeface="나눔스퀘어 Light" panose="020B0600000101010101" pitchFamily="50" charset="-127"/>
+              </a:rPr>
+              <a:t>짜야할까요</a:t>
+            </a:r>
+            <a:r>
               <a:rPr lang="en-US" altLang="ko-KR" dirty="0">
                 <a:latin typeface="나눔스퀘어 Light" panose="020B0600000101010101" pitchFamily="50" charset="-127"/>
                 <a:ea typeface="나눔스퀘어 Light" panose="020B0600000101010101" pitchFamily="50" charset="-127"/>
               </a:rPr>
-              <a:t>3. 11724 </a:t>
-            </a:r>
-            <a:r>
-              <a:rPr lang="ko-KR" altLang="en-US" dirty="0">
-                <a:latin typeface="나눔스퀘어 Light" panose="020B0600000101010101" pitchFamily="50" charset="-127"/>
-                <a:ea typeface="나눔스퀘어 Light" panose="020B0600000101010101" pitchFamily="50" charset="-127"/>
-              </a:rPr>
-              <a:t>연결 요소의 개수</a:t>
-            </a:r>
+              <a:t>?</a:t>
+            </a:r>
+            <a:endParaRPr lang="ko-KR" altLang="en-US" dirty="0">
+              <a:latin typeface="나눔스퀘어 Light" panose="020B0600000101010101" pitchFamily="50" charset="-127"/>
+              <a:ea typeface="나눔스퀘어 Light" panose="020B0600000101010101" pitchFamily="50" charset="-127"/>
+            </a:endParaRPr>
           </a:p>
         </p:txBody>
       </p:sp>
     </p:spTree>
     <p:extLst>
       <p:ext uri="{BB962C8B-B14F-4D97-AF65-F5344CB8AC3E}">
-        <p14:creationId xmlns:p14="http://schemas.microsoft.com/office/powerpoint/2010/main" val="732558497"/>
+        <p14:creationId xmlns:p14="http://schemas.microsoft.com/office/powerpoint/2010/main" val="411587014"/>
+      </p:ext>
+    </p:extLst>
+  </p:cSld>
+  <p:clrMapOvr>
+    <a:masterClrMapping/>
+  </p:clrMapOvr>
+</p:sld>
+</file>
+
+<file path=ppt/slides/slide48.xml><?xml version="1.0" encoding="utf-8"?>
+<p:sld xmlns:a="http://schemas.openxmlformats.org/drawingml/2006/main" xmlns:r="http://schemas.openxmlformats.org/officeDocument/2006/relationships" xmlns:p="http://schemas.openxmlformats.org/presentationml/2006/main">
+  <p:cSld>
+    <p:spTree>
+      <p:nvGrpSpPr>
+        <p:cNvPr id="1" name=""/>
+        <p:cNvGrpSpPr/>
+        <p:nvPr/>
+      </p:nvGrpSpPr>
+      <p:grpSpPr>
+        <a:xfrm>
+          <a:off x="0" y="0"/>
+          <a:ext cx="0" cy="0"/>
+          <a:chOff x="0" y="0"/>
+          <a:chExt cx="0" cy="0"/>
+        </a:xfrm>
+      </p:grpSpPr>
+      <p:cxnSp>
+        <p:nvCxnSpPr>
+          <p:cNvPr id="5" name="직선 연결선 4">
+            <a:extLst>
+              <a:ext uri="{FF2B5EF4-FFF2-40B4-BE49-F238E27FC236}">
+                <a16:creationId xmlns:a16="http://schemas.microsoft.com/office/drawing/2014/main" id="{164C2827-EFCE-69A4-D037-1A218415F568}"/>
+              </a:ext>
+            </a:extLst>
+          </p:cNvPr>
+          <p:cNvCxnSpPr/>
+          <p:nvPr/>
+        </p:nvCxnSpPr>
+        <p:spPr>
+          <a:xfrm>
+            <a:off x="0" y="887505"/>
+            <a:ext cx="10237694" cy="0"/>
+          </a:xfrm>
+          <a:prstGeom prst="line">
+            <a:avLst/>
+          </a:prstGeom>
+          <a:ln w="76200">
+            <a:solidFill>
+              <a:schemeClr val="tx1">
+                <a:lumMod val="75000"/>
+                <a:lumOff val="25000"/>
+              </a:schemeClr>
+            </a:solidFill>
+          </a:ln>
+        </p:spPr>
+        <p:style>
+          <a:lnRef idx="1">
+            <a:schemeClr val="accent1"/>
+          </a:lnRef>
+          <a:fillRef idx="0">
+            <a:schemeClr val="accent1"/>
+          </a:fillRef>
+          <a:effectRef idx="0">
+            <a:schemeClr val="accent1"/>
+          </a:effectRef>
+          <a:fontRef idx="minor">
+            <a:schemeClr val="tx1"/>
+          </a:fontRef>
+        </p:style>
+      </p:cxnSp>
+      <p:sp>
+        <p:nvSpPr>
+          <p:cNvPr id="3" name="TextBox 2">
+            <a:extLst>
+              <a:ext uri="{FF2B5EF4-FFF2-40B4-BE49-F238E27FC236}">
+                <a16:creationId xmlns:a16="http://schemas.microsoft.com/office/drawing/2014/main" id="{B3B954B2-DB7F-EEC1-438C-CB91D3B18AE1}"/>
+              </a:ext>
+            </a:extLst>
+          </p:cNvPr>
+          <p:cNvSpPr txBox="1"/>
+          <p:nvPr/>
+        </p:nvSpPr>
+        <p:spPr>
+          <a:xfrm>
+            <a:off x="331694" y="177505"/>
+            <a:ext cx="3899016" cy="523220"/>
+          </a:xfrm>
+          <a:prstGeom prst="rect">
+            <a:avLst/>
+          </a:prstGeom>
+          <a:noFill/>
+        </p:spPr>
+        <p:txBody>
+          <a:bodyPr wrap="none" rtlCol="0">
+            <a:spAutoFit/>
+          </a:bodyPr>
+          <a:lstStyle/>
+          <a:p>
+            <a:r>
+              <a:rPr lang="en-US" altLang="ko-KR" sz="2800" dirty="0">
+                <a:latin typeface="나눔스퀘어 Bold" panose="020B0600000101010101" pitchFamily="50" charset="-127"/>
+                <a:ea typeface="나눔스퀘어 Bold" panose="020B0600000101010101" pitchFamily="50" charset="-127"/>
+              </a:rPr>
+              <a:t>Graph – 2178 </a:t>
+            </a:r>
+            <a:r>
+              <a:rPr lang="ko-KR" altLang="en-US" sz="2800" dirty="0">
+                <a:latin typeface="나눔스퀘어 Bold" panose="020B0600000101010101" pitchFamily="50" charset="-127"/>
+                <a:ea typeface="나눔스퀘어 Bold" panose="020B0600000101010101" pitchFamily="50" charset="-127"/>
+              </a:rPr>
+              <a:t>미로 탐색</a:t>
+            </a:r>
+          </a:p>
+        </p:txBody>
+      </p:sp>
+      <p:sp>
+        <p:nvSpPr>
+          <p:cNvPr id="29" name="TextBox 28">
+            <a:extLst>
+              <a:ext uri="{FF2B5EF4-FFF2-40B4-BE49-F238E27FC236}">
+                <a16:creationId xmlns:a16="http://schemas.microsoft.com/office/drawing/2014/main" id="{7E33452F-38D4-A195-C6CD-AF9182BC40E8}"/>
+              </a:ext>
+            </a:extLst>
+          </p:cNvPr>
+          <p:cNvSpPr txBox="1"/>
+          <p:nvPr/>
+        </p:nvSpPr>
+        <p:spPr>
+          <a:xfrm>
+            <a:off x="942387" y="1190024"/>
+            <a:ext cx="10237694" cy="369332"/>
+          </a:xfrm>
+          <a:prstGeom prst="rect">
+            <a:avLst/>
+          </a:prstGeom>
+          <a:noFill/>
+        </p:spPr>
+        <p:txBody>
+          <a:bodyPr wrap="square" rtlCol="0">
+            <a:spAutoFit/>
+          </a:bodyPr>
+          <a:lstStyle/>
+          <a:p>
+            <a:r>
+              <a:rPr lang="ko-KR" altLang="en-US" dirty="0">
+                <a:latin typeface="나눔스퀘어 Light" panose="020B0600000101010101" pitchFamily="50" charset="-127"/>
+                <a:ea typeface="나눔스퀘어 Light" panose="020B0600000101010101" pitchFamily="50" charset="-127"/>
+              </a:rPr>
+              <a:t>현재 </a:t>
+            </a:r>
+            <a:r>
+              <a:rPr lang="en-US" altLang="ko-KR" dirty="0">
+                <a:latin typeface="나눔스퀘어 Light" panose="020B0600000101010101" pitchFamily="50" charset="-127"/>
+                <a:ea typeface="나눔스퀘어 Light" panose="020B0600000101010101" pitchFamily="50" charset="-127"/>
+              </a:rPr>
+              <a:t>x </a:t>
+            </a:r>
+            <a:r>
+              <a:rPr lang="ko-KR" altLang="en-US" dirty="0">
+                <a:latin typeface="나눔스퀘어 Light" panose="020B0600000101010101" pitchFamily="50" charset="-127"/>
+                <a:ea typeface="나눔스퀘어 Light" panose="020B0600000101010101" pitchFamily="50" charset="-127"/>
+              </a:rPr>
+              <a:t>좌표를 </a:t>
+            </a:r>
+            <a:r>
+              <a:rPr lang="en-US" altLang="ko-KR" dirty="0" err="1">
+                <a:latin typeface="나눔스퀘어 Light" panose="020B0600000101010101" pitchFamily="50" charset="-127"/>
+                <a:ea typeface="나눔스퀘어 Light" panose="020B0600000101010101" pitchFamily="50" charset="-127"/>
+              </a:rPr>
+              <a:t>curx</a:t>
+            </a:r>
+            <a:r>
+              <a:rPr lang="en-US" altLang="ko-KR" dirty="0">
+                <a:latin typeface="나눔스퀘어 Light" panose="020B0600000101010101" pitchFamily="50" charset="-127"/>
+                <a:ea typeface="나눔스퀘어 Light" panose="020B0600000101010101" pitchFamily="50" charset="-127"/>
+              </a:rPr>
+              <a:t>, </a:t>
+            </a:r>
+            <a:r>
+              <a:rPr lang="ko-KR" altLang="en-US" dirty="0">
+                <a:latin typeface="나눔스퀘어 Light" panose="020B0600000101010101" pitchFamily="50" charset="-127"/>
+                <a:ea typeface="나눔스퀘어 Light" panose="020B0600000101010101" pitchFamily="50" charset="-127"/>
+              </a:rPr>
+              <a:t>현재 </a:t>
+            </a:r>
+            <a:r>
+              <a:rPr lang="en-US" altLang="ko-KR" dirty="0">
+                <a:latin typeface="나눔스퀘어 Light" panose="020B0600000101010101" pitchFamily="50" charset="-127"/>
+                <a:ea typeface="나눔스퀘어 Light" panose="020B0600000101010101" pitchFamily="50" charset="-127"/>
+              </a:rPr>
+              <a:t>y </a:t>
+            </a:r>
+            <a:r>
+              <a:rPr lang="ko-KR" altLang="en-US" dirty="0">
+                <a:latin typeface="나눔스퀘어 Light" panose="020B0600000101010101" pitchFamily="50" charset="-127"/>
+                <a:ea typeface="나눔스퀘어 Light" panose="020B0600000101010101" pitchFamily="50" charset="-127"/>
+              </a:rPr>
+              <a:t>좌표를 </a:t>
+            </a:r>
+            <a:r>
+              <a:rPr lang="en-US" altLang="ko-KR" dirty="0" err="1">
+                <a:latin typeface="나눔스퀘어 Light" panose="020B0600000101010101" pitchFamily="50" charset="-127"/>
+                <a:ea typeface="나눔스퀘어 Light" panose="020B0600000101010101" pitchFamily="50" charset="-127"/>
+              </a:rPr>
+              <a:t>cury</a:t>
+            </a:r>
+            <a:r>
+              <a:rPr lang="en-US" altLang="ko-KR" dirty="0">
+                <a:latin typeface="나눔스퀘어 Light" panose="020B0600000101010101" pitchFamily="50" charset="-127"/>
+                <a:ea typeface="나눔스퀘어 Light" panose="020B0600000101010101" pitchFamily="50" charset="-127"/>
+              </a:rPr>
+              <a:t> </a:t>
+            </a:r>
+            <a:r>
+              <a:rPr lang="ko-KR" altLang="en-US" dirty="0">
+                <a:latin typeface="나눔스퀘어 Light" panose="020B0600000101010101" pitchFamily="50" charset="-127"/>
+                <a:ea typeface="나눔스퀘어 Light" panose="020B0600000101010101" pitchFamily="50" charset="-127"/>
+              </a:rPr>
+              <a:t>라고 하겠습니다</a:t>
+            </a:r>
+            <a:r>
+              <a:rPr lang="en-US" altLang="ko-KR" dirty="0">
+                <a:latin typeface="나눔스퀘어 Light" panose="020B0600000101010101" pitchFamily="50" charset="-127"/>
+                <a:ea typeface="나눔스퀘어 Light" panose="020B0600000101010101" pitchFamily="50" charset="-127"/>
+              </a:rPr>
+              <a:t>.</a:t>
+            </a:r>
+            <a:endParaRPr lang="ko-KR" altLang="en-US" dirty="0">
+              <a:latin typeface="나눔스퀘어 Light" panose="020B0600000101010101" pitchFamily="50" charset="-127"/>
+              <a:ea typeface="나눔스퀘어 Light" panose="020B0600000101010101" pitchFamily="50" charset="-127"/>
+            </a:endParaRPr>
+          </a:p>
+        </p:txBody>
+      </p:sp>
+      <p:sp>
+        <p:nvSpPr>
+          <p:cNvPr id="2" name="TextBox 1">
+            <a:extLst>
+              <a:ext uri="{FF2B5EF4-FFF2-40B4-BE49-F238E27FC236}">
+                <a16:creationId xmlns:a16="http://schemas.microsoft.com/office/drawing/2014/main" id="{1E271EAA-B9AB-BC5C-7EEB-A0B7A5F830A4}"/>
+              </a:ext>
+            </a:extLst>
+          </p:cNvPr>
+          <p:cNvSpPr txBox="1"/>
+          <p:nvPr/>
+        </p:nvSpPr>
+        <p:spPr>
+          <a:xfrm>
+            <a:off x="942387" y="1576239"/>
+            <a:ext cx="10237694" cy="369332"/>
+          </a:xfrm>
+          <a:prstGeom prst="rect">
+            <a:avLst/>
+          </a:prstGeom>
+          <a:noFill/>
+        </p:spPr>
+        <p:txBody>
+          <a:bodyPr wrap="square" rtlCol="0">
+            <a:spAutoFit/>
+          </a:bodyPr>
+          <a:lstStyle/>
+          <a:p>
+            <a:r>
+              <a:rPr lang="ko-KR" altLang="en-US" dirty="0">
+                <a:latin typeface="나눔스퀘어 Light" panose="020B0600000101010101" pitchFamily="50" charset="-127"/>
+                <a:ea typeface="나눔스퀘어 Light" panose="020B0600000101010101" pitchFamily="50" charset="-127"/>
+              </a:rPr>
+              <a:t>그렇다면 방문해야 할 좌표는 </a:t>
+            </a:r>
+            <a:r>
+              <a:rPr lang="en-US" altLang="ko-KR" dirty="0">
+                <a:latin typeface="나눔스퀘어 Light" panose="020B0600000101010101" pitchFamily="50" charset="-127"/>
+                <a:ea typeface="나눔스퀘어 Light" panose="020B0600000101010101" pitchFamily="50" charset="-127"/>
+              </a:rPr>
+              <a:t>(</a:t>
+            </a:r>
+            <a:r>
+              <a:rPr lang="en-US" altLang="ko-KR" dirty="0" err="1">
+                <a:latin typeface="나눔스퀘어 Light" panose="020B0600000101010101" pitchFamily="50" charset="-127"/>
+                <a:ea typeface="나눔스퀘어 Light" panose="020B0600000101010101" pitchFamily="50" charset="-127"/>
+              </a:rPr>
+              <a:t>curx</a:t>
+            </a:r>
+            <a:r>
+              <a:rPr lang="en-US" altLang="ko-KR" dirty="0">
+                <a:latin typeface="나눔스퀘어 Light" panose="020B0600000101010101" pitchFamily="50" charset="-127"/>
+                <a:ea typeface="나눔스퀘어 Light" panose="020B0600000101010101" pitchFamily="50" charset="-127"/>
+              </a:rPr>
+              <a:t> – 1, </a:t>
+            </a:r>
+            <a:r>
+              <a:rPr lang="en-US" altLang="ko-KR" dirty="0" err="1">
+                <a:latin typeface="나눔스퀘어 Light" panose="020B0600000101010101" pitchFamily="50" charset="-127"/>
+                <a:ea typeface="나눔스퀘어 Light" panose="020B0600000101010101" pitchFamily="50" charset="-127"/>
+              </a:rPr>
+              <a:t>cury</a:t>
+            </a:r>
+            <a:r>
+              <a:rPr lang="en-US" altLang="ko-KR" dirty="0">
+                <a:latin typeface="나눔스퀘어 Light" panose="020B0600000101010101" pitchFamily="50" charset="-127"/>
+                <a:ea typeface="나눔스퀘어 Light" panose="020B0600000101010101" pitchFamily="50" charset="-127"/>
+              </a:rPr>
+              <a:t>), (</a:t>
+            </a:r>
+            <a:r>
+              <a:rPr lang="en-US" altLang="ko-KR" dirty="0" err="1">
+                <a:latin typeface="나눔스퀘어 Light" panose="020B0600000101010101" pitchFamily="50" charset="-127"/>
+                <a:ea typeface="나눔스퀘어 Light" panose="020B0600000101010101" pitchFamily="50" charset="-127"/>
+              </a:rPr>
+              <a:t>curx</a:t>
+            </a:r>
+            <a:r>
+              <a:rPr lang="en-US" altLang="ko-KR" dirty="0">
+                <a:latin typeface="나눔스퀘어 Light" panose="020B0600000101010101" pitchFamily="50" charset="-127"/>
+                <a:ea typeface="나눔스퀘어 Light" panose="020B0600000101010101" pitchFamily="50" charset="-127"/>
+              </a:rPr>
+              <a:t>, </a:t>
+            </a:r>
+            <a:r>
+              <a:rPr lang="en-US" altLang="ko-KR" dirty="0" err="1">
+                <a:latin typeface="나눔스퀘어 Light" panose="020B0600000101010101" pitchFamily="50" charset="-127"/>
+                <a:ea typeface="나눔스퀘어 Light" panose="020B0600000101010101" pitchFamily="50" charset="-127"/>
+              </a:rPr>
+              <a:t>cury</a:t>
+            </a:r>
+            <a:r>
+              <a:rPr lang="en-US" altLang="ko-KR" dirty="0">
+                <a:latin typeface="나눔스퀘어 Light" panose="020B0600000101010101" pitchFamily="50" charset="-127"/>
+                <a:ea typeface="나눔스퀘어 Light" panose="020B0600000101010101" pitchFamily="50" charset="-127"/>
+              </a:rPr>
+              <a:t> + 1), (</a:t>
+            </a:r>
+            <a:r>
+              <a:rPr lang="en-US" altLang="ko-KR" dirty="0" err="1">
+                <a:latin typeface="나눔스퀘어 Light" panose="020B0600000101010101" pitchFamily="50" charset="-127"/>
+                <a:ea typeface="나눔스퀘어 Light" panose="020B0600000101010101" pitchFamily="50" charset="-127"/>
+              </a:rPr>
+              <a:t>curx</a:t>
+            </a:r>
+            <a:r>
+              <a:rPr lang="en-US" altLang="ko-KR" dirty="0">
+                <a:latin typeface="나눔스퀘어 Light" panose="020B0600000101010101" pitchFamily="50" charset="-127"/>
+                <a:ea typeface="나눔스퀘어 Light" panose="020B0600000101010101" pitchFamily="50" charset="-127"/>
+              </a:rPr>
+              <a:t> + 1, </a:t>
+            </a:r>
+            <a:r>
+              <a:rPr lang="en-US" altLang="ko-KR" dirty="0" err="1">
+                <a:latin typeface="나눔스퀘어 Light" panose="020B0600000101010101" pitchFamily="50" charset="-127"/>
+                <a:ea typeface="나눔스퀘어 Light" panose="020B0600000101010101" pitchFamily="50" charset="-127"/>
+              </a:rPr>
+              <a:t>cury</a:t>
+            </a:r>
+            <a:r>
+              <a:rPr lang="en-US" altLang="ko-KR" dirty="0">
+                <a:latin typeface="나눔스퀘어 Light" panose="020B0600000101010101" pitchFamily="50" charset="-127"/>
+                <a:ea typeface="나눔스퀘어 Light" panose="020B0600000101010101" pitchFamily="50" charset="-127"/>
+              </a:rPr>
+              <a:t>), (</a:t>
+            </a:r>
+            <a:r>
+              <a:rPr lang="en-US" altLang="ko-KR" dirty="0" err="1">
+                <a:latin typeface="나눔스퀘어 Light" panose="020B0600000101010101" pitchFamily="50" charset="-127"/>
+                <a:ea typeface="나눔스퀘어 Light" panose="020B0600000101010101" pitchFamily="50" charset="-127"/>
+              </a:rPr>
+              <a:t>curx</a:t>
+            </a:r>
+            <a:r>
+              <a:rPr lang="en-US" altLang="ko-KR" dirty="0">
+                <a:latin typeface="나눔스퀘어 Light" panose="020B0600000101010101" pitchFamily="50" charset="-127"/>
+                <a:ea typeface="나눔스퀘어 Light" panose="020B0600000101010101" pitchFamily="50" charset="-127"/>
+              </a:rPr>
+              <a:t>, </a:t>
+            </a:r>
+            <a:r>
+              <a:rPr lang="en-US" altLang="ko-KR" dirty="0" err="1">
+                <a:latin typeface="나눔스퀘어 Light" panose="020B0600000101010101" pitchFamily="50" charset="-127"/>
+                <a:ea typeface="나눔스퀘어 Light" panose="020B0600000101010101" pitchFamily="50" charset="-127"/>
+              </a:rPr>
+              <a:t>cury</a:t>
+            </a:r>
+            <a:r>
+              <a:rPr lang="en-US" altLang="ko-KR" dirty="0">
+                <a:latin typeface="나눔스퀘어 Light" panose="020B0600000101010101" pitchFamily="50" charset="-127"/>
+                <a:ea typeface="나눔스퀘어 Light" panose="020B0600000101010101" pitchFamily="50" charset="-127"/>
+              </a:rPr>
+              <a:t> – 1) </a:t>
+            </a:r>
+            <a:r>
+              <a:rPr lang="ko-KR" altLang="en-US" dirty="0">
+                <a:latin typeface="나눔스퀘어 Light" panose="020B0600000101010101" pitchFamily="50" charset="-127"/>
+                <a:ea typeface="나눔스퀘어 Light" panose="020B0600000101010101" pitchFamily="50" charset="-127"/>
+              </a:rPr>
+              <a:t>입니다</a:t>
+            </a:r>
+            <a:r>
+              <a:rPr lang="en-US" altLang="ko-KR" dirty="0">
+                <a:latin typeface="나눔스퀘어 Light" panose="020B0600000101010101" pitchFamily="50" charset="-127"/>
+                <a:ea typeface="나눔스퀘어 Light" panose="020B0600000101010101" pitchFamily="50" charset="-127"/>
+              </a:rPr>
+              <a:t>.</a:t>
+            </a:r>
+            <a:endParaRPr lang="ko-KR" altLang="en-US" dirty="0">
+              <a:latin typeface="나눔스퀘어 Light" panose="020B0600000101010101" pitchFamily="50" charset="-127"/>
+              <a:ea typeface="나눔스퀘어 Light" panose="020B0600000101010101" pitchFamily="50" charset="-127"/>
+            </a:endParaRPr>
+          </a:p>
+        </p:txBody>
+      </p:sp>
+      <p:graphicFrame>
+        <p:nvGraphicFramePr>
+          <p:cNvPr id="4" name="표 6">
+            <a:extLst>
+              <a:ext uri="{FF2B5EF4-FFF2-40B4-BE49-F238E27FC236}">
+                <a16:creationId xmlns:a16="http://schemas.microsoft.com/office/drawing/2014/main" id="{FF805CF8-883A-5B54-8723-31B22651B4AB}"/>
+              </a:ext>
+            </a:extLst>
+          </p:cNvPr>
+          <p:cNvGraphicFramePr>
+            <a:graphicFrameLocks noGrp="1"/>
+          </p:cNvGraphicFramePr>
+          <p:nvPr/>
+        </p:nvGraphicFramePr>
+        <p:xfrm>
+          <a:off x="1054846" y="2030695"/>
+          <a:ext cx="4129896" cy="3939801"/>
+        </p:xfrm>
+        <a:graphic>
+          <a:graphicData uri="http://schemas.openxmlformats.org/drawingml/2006/table">
+            <a:tbl>
+              <a:tblPr firstRow="1" bandRow="1">
+                <a:tableStyleId>{69CF1AB2-1976-4502-BF36-3FF5EA218861}</a:tableStyleId>
+              </a:tblPr>
+              <a:tblGrid>
+                <a:gridCol w="1376632">
+                  <a:extLst>
+                    <a:ext uri="{9D8B030D-6E8A-4147-A177-3AD203B41FA5}">
+                      <a16:colId xmlns:a16="http://schemas.microsoft.com/office/drawing/2014/main" val="184689733"/>
+                    </a:ext>
+                  </a:extLst>
+                </a:gridCol>
+                <a:gridCol w="1376632">
+                  <a:extLst>
+                    <a:ext uri="{9D8B030D-6E8A-4147-A177-3AD203B41FA5}">
+                      <a16:colId xmlns:a16="http://schemas.microsoft.com/office/drawing/2014/main" val="662498604"/>
+                    </a:ext>
+                  </a:extLst>
+                </a:gridCol>
+                <a:gridCol w="1376632">
+                  <a:extLst>
+                    <a:ext uri="{9D8B030D-6E8A-4147-A177-3AD203B41FA5}">
+                      <a16:colId xmlns:a16="http://schemas.microsoft.com/office/drawing/2014/main" val="3419381811"/>
+                    </a:ext>
+                  </a:extLst>
+                </a:gridCol>
+              </a:tblGrid>
+              <a:tr h="1313267">
+                <a:tc>
+                  <a:txBody>
+                    <a:bodyPr/>
+                    <a:lstStyle/>
+                    <a:p>
+                      <a:pPr algn="ctr" latinLnBrk="1"/>
+                      <a:endParaRPr lang="ko-KR" altLang="en-US" sz="2800" b="0" dirty="0">
+                        <a:latin typeface="나눔스퀘어 Bold" panose="020B0600000101010101" pitchFamily="50" charset="-127"/>
+                        <a:ea typeface="나눔스퀘어 Bold" panose="020B0600000101010101" pitchFamily="50" charset="-127"/>
+                      </a:endParaRPr>
+                    </a:p>
+                  </a:txBody>
+                  <a:tcPr anchor="ctr"/>
+                </a:tc>
+                <a:tc>
+                  <a:txBody>
+                    <a:bodyPr/>
+                    <a:lstStyle/>
+                    <a:p>
+                      <a:pPr algn="ctr" latinLnBrk="1"/>
+                      <a:r>
+                        <a:rPr lang="en-US" altLang="ko-KR" sz="2800" b="0" dirty="0">
+                          <a:latin typeface="나눔스퀘어 Bold" panose="020B0600000101010101" pitchFamily="50" charset="-127"/>
+                          <a:ea typeface="나눔스퀘어 Bold" panose="020B0600000101010101" pitchFamily="50" charset="-127"/>
+                        </a:rPr>
+                        <a:t>1</a:t>
+                      </a:r>
+                      <a:endParaRPr lang="ko-KR" altLang="en-US" sz="2800" b="0" dirty="0">
+                        <a:latin typeface="나눔스퀘어 Bold" panose="020B0600000101010101" pitchFamily="50" charset="-127"/>
+                        <a:ea typeface="나눔스퀘어 Bold" panose="020B0600000101010101" pitchFamily="50" charset="-127"/>
+                      </a:endParaRPr>
+                    </a:p>
+                  </a:txBody>
+                  <a:tcPr anchor="ctr"/>
+                </a:tc>
+                <a:tc>
+                  <a:txBody>
+                    <a:bodyPr/>
+                    <a:lstStyle/>
+                    <a:p>
+                      <a:pPr algn="ctr" latinLnBrk="1"/>
+                      <a:endParaRPr lang="ko-KR" altLang="en-US" sz="2800" b="0" dirty="0">
+                        <a:latin typeface="나눔스퀘어 Bold" panose="020B0600000101010101" pitchFamily="50" charset="-127"/>
+                        <a:ea typeface="나눔스퀘어 Bold" panose="020B0600000101010101" pitchFamily="50" charset="-127"/>
+                      </a:endParaRPr>
+                    </a:p>
+                  </a:txBody>
+                  <a:tcPr anchor="ctr"/>
+                </a:tc>
+                <a:extLst>
+                  <a:ext uri="{0D108BD9-81ED-4DB2-BD59-A6C34878D82A}">
+                    <a16:rowId xmlns:a16="http://schemas.microsoft.com/office/drawing/2014/main" val="889197390"/>
+                  </a:ext>
+                </a:extLst>
+              </a:tr>
+              <a:tr h="1313267">
+                <a:tc>
+                  <a:txBody>
+                    <a:bodyPr/>
+                    <a:lstStyle/>
+                    <a:p>
+                      <a:pPr algn="ctr" latinLnBrk="1"/>
+                      <a:r>
+                        <a:rPr lang="en-US" altLang="ko-KR" sz="2800" dirty="0">
+                          <a:latin typeface="나눔스퀘어 Bold" panose="020B0600000101010101" pitchFamily="50" charset="-127"/>
+                          <a:ea typeface="나눔스퀘어 Bold" panose="020B0600000101010101" pitchFamily="50" charset="-127"/>
+                        </a:rPr>
+                        <a:t>1</a:t>
+                      </a:r>
+                      <a:endParaRPr lang="ko-KR" altLang="en-US" sz="2800" dirty="0">
+                        <a:latin typeface="나눔스퀘어 Bold" panose="020B0600000101010101" pitchFamily="50" charset="-127"/>
+                        <a:ea typeface="나눔스퀘어 Bold" panose="020B0600000101010101" pitchFamily="50" charset="-127"/>
+                      </a:endParaRPr>
+                    </a:p>
+                  </a:txBody>
+                  <a:tcPr anchor="ctr"/>
+                </a:tc>
+                <a:tc>
+                  <a:txBody>
+                    <a:bodyPr/>
+                    <a:lstStyle/>
+                    <a:p>
+                      <a:pPr algn="ctr" latinLnBrk="1"/>
+                      <a:r>
+                        <a:rPr lang="en-US" altLang="ko-KR" sz="2800" dirty="0">
+                          <a:solidFill>
+                            <a:srgbClr val="FF0000"/>
+                          </a:solidFill>
+                          <a:latin typeface="나눔스퀘어 Bold" panose="020B0600000101010101" pitchFamily="50" charset="-127"/>
+                          <a:ea typeface="나눔스퀘어 Bold" panose="020B0600000101010101" pitchFamily="50" charset="-127"/>
+                        </a:rPr>
+                        <a:t>1</a:t>
+                      </a:r>
+                      <a:endParaRPr lang="ko-KR" altLang="en-US" sz="2800" dirty="0">
+                        <a:solidFill>
+                          <a:srgbClr val="FF0000"/>
+                        </a:solidFill>
+                        <a:latin typeface="나눔스퀘어 Bold" panose="020B0600000101010101" pitchFamily="50" charset="-127"/>
+                        <a:ea typeface="나눔스퀘어 Bold" panose="020B0600000101010101" pitchFamily="50" charset="-127"/>
+                      </a:endParaRPr>
+                    </a:p>
+                  </a:txBody>
+                  <a:tcPr anchor="ctr"/>
+                </a:tc>
+                <a:tc>
+                  <a:txBody>
+                    <a:bodyPr/>
+                    <a:lstStyle/>
+                    <a:p>
+                      <a:pPr algn="ctr" latinLnBrk="1"/>
+                      <a:r>
+                        <a:rPr lang="en-US" altLang="ko-KR" sz="2800" dirty="0">
+                          <a:latin typeface="나눔스퀘어 Bold" panose="020B0600000101010101" pitchFamily="50" charset="-127"/>
+                          <a:ea typeface="나눔스퀘어 Bold" panose="020B0600000101010101" pitchFamily="50" charset="-127"/>
+                        </a:rPr>
+                        <a:t>1</a:t>
+                      </a:r>
+                      <a:endParaRPr lang="ko-KR" altLang="en-US" sz="2800" dirty="0">
+                        <a:latin typeface="나눔스퀘어 Bold" panose="020B0600000101010101" pitchFamily="50" charset="-127"/>
+                        <a:ea typeface="나눔스퀘어 Bold" panose="020B0600000101010101" pitchFamily="50" charset="-127"/>
+                      </a:endParaRPr>
+                    </a:p>
+                  </a:txBody>
+                  <a:tcPr anchor="ctr"/>
+                </a:tc>
+                <a:extLst>
+                  <a:ext uri="{0D108BD9-81ED-4DB2-BD59-A6C34878D82A}">
+                    <a16:rowId xmlns:a16="http://schemas.microsoft.com/office/drawing/2014/main" val="3949344445"/>
+                  </a:ext>
+                </a:extLst>
+              </a:tr>
+              <a:tr h="1313267">
+                <a:tc>
+                  <a:txBody>
+                    <a:bodyPr/>
+                    <a:lstStyle/>
+                    <a:p>
+                      <a:pPr algn="ctr" latinLnBrk="1"/>
+                      <a:endParaRPr lang="ko-KR" altLang="en-US" sz="2800" dirty="0">
+                        <a:latin typeface="나눔스퀘어 Bold" panose="020B0600000101010101" pitchFamily="50" charset="-127"/>
+                        <a:ea typeface="나눔스퀘어 Bold" panose="020B0600000101010101" pitchFamily="50" charset="-127"/>
+                      </a:endParaRPr>
+                    </a:p>
+                  </a:txBody>
+                  <a:tcPr anchor="ctr"/>
+                </a:tc>
+                <a:tc>
+                  <a:txBody>
+                    <a:bodyPr/>
+                    <a:lstStyle/>
+                    <a:p>
+                      <a:pPr algn="ctr" latinLnBrk="1"/>
+                      <a:r>
+                        <a:rPr lang="en-US" altLang="ko-KR" sz="2800" dirty="0">
+                          <a:latin typeface="나눔스퀘어 Bold" panose="020B0600000101010101" pitchFamily="50" charset="-127"/>
+                          <a:ea typeface="나눔스퀘어 Bold" panose="020B0600000101010101" pitchFamily="50" charset="-127"/>
+                        </a:rPr>
+                        <a:t>1</a:t>
+                      </a:r>
+                      <a:endParaRPr lang="ko-KR" altLang="en-US" sz="2800" dirty="0">
+                        <a:latin typeface="나눔스퀘어 Bold" panose="020B0600000101010101" pitchFamily="50" charset="-127"/>
+                        <a:ea typeface="나눔스퀘어 Bold" panose="020B0600000101010101" pitchFamily="50" charset="-127"/>
+                      </a:endParaRPr>
+                    </a:p>
+                  </a:txBody>
+                  <a:tcPr anchor="ctr"/>
+                </a:tc>
+                <a:tc>
+                  <a:txBody>
+                    <a:bodyPr/>
+                    <a:lstStyle/>
+                    <a:p>
+                      <a:pPr algn="ctr" latinLnBrk="1"/>
+                      <a:endParaRPr lang="ko-KR" altLang="en-US" sz="2800" dirty="0">
+                        <a:latin typeface="나눔스퀘어 Bold" panose="020B0600000101010101" pitchFamily="50" charset="-127"/>
+                        <a:ea typeface="나눔스퀘어 Bold" panose="020B0600000101010101" pitchFamily="50" charset="-127"/>
+                      </a:endParaRPr>
+                    </a:p>
+                  </a:txBody>
+                  <a:tcPr anchor="ctr"/>
+                </a:tc>
+                <a:extLst>
+                  <a:ext uri="{0D108BD9-81ED-4DB2-BD59-A6C34878D82A}">
+                    <a16:rowId xmlns:a16="http://schemas.microsoft.com/office/drawing/2014/main" val="264939005"/>
+                  </a:ext>
+                </a:extLst>
+              </a:tr>
+            </a:tbl>
+          </a:graphicData>
+        </a:graphic>
+      </p:graphicFrame>
+      <p:sp>
+        <p:nvSpPr>
+          <p:cNvPr id="7" name="화살표: 왼쪽/오른쪽 6">
+            <a:extLst>
+              <a:ext uri="{FF2B5EF4-FFF2-40B4-BE49-F238E27FC236}">
+                <a16:creationId xmlns:a16="http://schemas.microsoft.com/office/drawing/2014/main" id="{F92E2E6D-C7A2-ED18-F751-32DA7D554FE9}"/>
+              </a:ext>
+            </a:extLst>
+          </p:cNvPr>
+          <p:cNvSpPr/>
+          <p:nvPr/>
+        </p:nvSpPr>
+        <p:spPr>
+          <a:xfrm>
+            <a:off x="2187782" y="3815929"/>
+            <a:ext cx="471340" cy="369331"/>
+          </a:xfrm>
+          <a:prstGeom prst="leftRightArrow">
+            <a:avLst/>
+          </a:prstGeom>
+        </p:spPr>
+        <p:style>
+          <a:lnRef idx="2">
+            <a:schemeClr val="accent1">
+              <a:shade val="50000"/>
+            </a:schemeClr>
+          </a:lnRef>
+          <a:fillRef idx="1">
+            <a:schemeClr val="accent1"/>
+          </a:fillRef>
+          <a:effectRef idx="0">
+            <a:schemeClr val="accent1"/>
+          </a:effectRef>
+          <a:fontRef idx="minor">
+            <a:schemeClr val="lt1"/>
+          </a:fontRef>
+        </p:style>
+        <p:txBody>
+          <a:bodyPr rtlCol="0" anchor="ctr"/>
+          <a:lstStyle/>
+          <a:p>
+            <a:pPr algn="ctr"/>
+            <a:endParaRPr lang="ko-KR" altLang="en-US"/>
+          </a:p>
+        </p:txBody>
+      </p:sp>
+      <p:sp>
+        <p:nvSpPr>
+          <p:cNvPr id="8" name="화살표: 왼쪽/오른쪽 7">
+            <a:extLst>
+              <a:ext uri="{FF2B5EF4-FFF2-40B4-BE49-F238E27FC236}">
+                <a16:creationId xmlns:a16="http://schemas.microsoft.com/office/drawing/2014/main" id="{C576FC1C-3A4D-B66B-98CC-3F330152D121}"/>
+              </a:ext>
+            </a:extLst>
+          </p:cNvPr>
+          <p:cNvSpPr/>
+          <p:nvPr/>
+        </p:nvSpPr>
+        <p:spPr>
+          <a:xfrm rot="16200000">
+            <a:off x="2884125" y="3148553"/>
+            <a:ext cx="471340" cy="369331"/>
+          </a:xfrm>
+          <a:prstGeom prst="leftRightArrow">
+            <a:avLst/>
+          </a:prstGeom>
+        </p:spPr>
+        <p:style>
+          <a:lnRef idx="2">
+            <a:schemeClr val="accent1">
+              <a:shade val="50000"/>
+            </a:schemeClr>
+          </a:lnRef>
+          <a:fillRef idx="1">
+            <a:schemeClr val="accent1"/>
+          </a:fillRef>
+          <a:effectRef idx="0">
+            <a:schemeClr val="accent1"/>
+          </a:effectRef>
+          <a:fontRef idx="minor">
+            <a:schemeClr val="lt1"/>
+          </a:fontRef>
+        </p:style>
+        <p:txBody>
+          <a:bodyPr rtlCol="0" anchor="ctr"/>
+          <a:lstStyle/>
+          <a:p>
+            <a:pPr algn="ctr"/>
+            <a:endParaRPr lang="ko-KR" altLang="en-US"/>
+          </a:p>
+        </p:txBody>
+      </p:sp>
+      <p:sp>
+        <p:nvSpPr>
+          <p:cNvPr id="9" name="화살표: 왼쪽/오른쪽 8">
+            <a:extLst>
+              <a:ext uri="{FF2B5EF4-FFF2-40B4-BE49-F238E27FC236}">
+                <a16:creationId xmlns:a16="http://schemas.microsoft.com/office/drawing/2014/main" id="{A2322D89-6CAB-C066-A31E-D6FB7D2219F8}"/>
+              </a:ext>
+            </a:extLst>
+          </p:cNvPr>
+          <p:cNvSpPr/>
+          <p:nvPr/>
+        </p:nvSpPr>
+        <p:spPr>
+          <a:xfrm rot="16200000">
+            <a:off x="2884124" y="4458818"/>
+            <a:ext cx="471340" cy="369331"/>
+          </a:xfrm>
+          <a:prstGeom prst="leftRightArrow">
+            <a:avLst/>
+          </a:prstGeom>
+        </p:spPr>
+        <p:style>
+          <a:lnRef idx="2">
+            <a:schemeClr val="accent1">
+              <a:shade val="50000"/>
+            </a:schemeClr>
+          </a:lnRef>
+          <a:fillRef idx="1">
+            <a:schemeClr val="accent1"/>
+          </a:fillRef>
+          <a:effectRef idx="0">
+            <a:schemeClr val="accent1"/>
+          </a:effectRef>
+          <a:fontRef idx="minor">
+            <a:schemeClr val="lt1"/>
+          </a:fontRef>
+        </p:style>
+        <p:txBody>
+          <a:bodyPr rtlCol="0" anchor="ctr"/>
+          <a:lstStyle/>
+          <a:p>
+            <a:pPr algn="ctr"/>
+            <a:endParaRPr lang="ko-KR" altLang="en-US"/>
+          </a:p>
+        </p:txBody>
+      </p:sp>
+      <p:sp>
+        <p:nvSpPr>
+          <p:cNvPr id="11" name="화살표: 왼쪽/오른쪽 10">
+            <a:extLst>
+              <a:ext uri="{FF2B5EF4-FFF2-40B4-BE49-F238E27FC236}">
+                <a16:creationId xmlns:a16="http://schemas.microsoft.com/office/drawing/2014/main" id="{F97EE663-343F-CCF3-B412-C290D11CE0B6}"/>
+              </a:ext>
+            </a:extLst>
+          </p:cNvPr>
+          <p:cNvSpPr/>
+          <p:nvPr/>
+        </p:nvSpPr>
+        <p:spPr>
+          <a:xfrm>
+            <a:off x="3556388" y="3815929"/>
+            <a:ext cx="471340" cy="369331"/>
+          </a:xfrm>
+          <a:prstGeom prst="leftRightArrow">
+            <a:avLst/>
+          </a:prstGeom>
+        </p:spPr>
+        <p:style>
+          <a:lnRef idx="2">
+            <a:schemeClr val="accent1">
+              <a:shade val="50000"/>
+            </a:schemeClr>
+          </a:lnRef>
+          <a:fillRef idx="1">
+            <a:schemeClr val="accent1"/>
+          </a:fillRef>
+          <a:effectRef idx="0">
+            <a:schemeClr val="accent1"/>
+          </a:effectRef>
+          <a:fontRef idx="minor">
+            <a:schemeClr val="lt1"/>
+          </a:fontRef>
+        </p:style>
+        <p:txBody>
+          <a:bodyPr rtlCol="0" anchor="ctr"/>
+          <a:lstStyle/>
+          <a:p>
+            <a:pPr algn="ctr"/>
+            <a:endParaRPr lang="ko-KR" altLang="en-US"/>
+          </a:p>
+        </p:txBody>
+      </p:sp>
+      <p:sp>
+        <p:nvSpPr>
+          <p:cNvPr id="13" name="TextBox 12">
+            <a:extLst>
+              <a:ext uri="{FF2B5EF4-FFF2-40B4-BE49-F238E27FC236}">
+                <a16:creationId xmlns:a16="http://schemas.microsoft.com/office/drawing/2014/main" id="{DBF8AAA2-A0C2-70E0-82CF-6A8A3D82E434}"/>
+              </a:ext>
+            </a:extLst>
+          </p:cNvPr>
+          <p:cNvSpPr txBox="1"/>
+          <p:nvPr/>
+        </p:nvSpPr>
+        <p:spPr>
+          <a:xfrm>
+            <a:off x="5495636" y="2030695"/>
+            <a:ext cx="5641518" cy="369332"/>
+          </a:xfrm>
+          <a:prstGeom prst="rect">
+            <a:avLst/>
+          </a:prstGeom>
+          <a:noFill/>
+        </p:spPr>
+        <p:txBody>
+          <a:bodyPr wrap="square" rtlCol="0">
+            <a:spAutoFit/>
+          </a:bodyPr>
+          <a:lstStyle/>
+          <a:p>
+            <a:r>
+              <a:rPr lang="en-US" altLang="ko-KR" dirty="0">
+                <a:latin typeface="나눔스퀘어 Light" panose="020B0600000101010101" pitchFamily="50" charset="-127"/>
+                <a:ea typeface="나눔스퀘어 Light" panose="020B0600000101010101" pitchFamily="50" charset="-127"/>
+              </a:rPr>
+              <a:t>(</a:t>
+            </a:r>
+            <a:r>
+              <a:rPr lang="ko-KR" altLang="en-US" dirty="0">
+                <a:latin typeface="나눔스퀘어 Light" panose="020B0600000101010101" pitchFamily="50" charset="-127"/>
+                <a:ea typeface="나눔스퀘어 Light" panose="020B0600000101010101" pitchFamily="50" charset="-127"/>
+              </a:rPr>
+              <a:t>위</a:t>
+            </a:r>
+            <a:r>
+              <a:rPr lang="en-US" altLang="ko-KR" dirty="0">
+                <a:latin typeface="나눔스퀘어 Light" panose="020B0600000101010101" pitchFamily="50" charset="-127"/>
+                <a:ea typeface="나눔스퀘어 Light" panose="020B0600000101010101" pitchFamily="50" charset="-127"/>
+              </a:rPr>
+              <a:t>, </a:t>
+            </a:r>
+            <a:r>
+              <a:rPr lang="ko-KR" altLang="en-US" dirty="0">
+                <a:latin typeface="나눔스퀘어 Light" panose="020B0600000101010101" pitchFamily="50" charset="-127"/>
+                <a:ea typeface="나눔스퀘어 Light" panose="020B0600000101010101" pitchFamily="50" charset="-127"/>
+              </a:rPr>
+              <a:t>오른쪽</a:t>
+            </a:r>
+            <a:r>
+              <a:rPr lang="en-US" altLang="ko-KR" dirty="0">
+                <a:latin typeface="나눔스퀘어 Light" panose="020B0600000101010101" pitchFamily="50" charset="-127"/>
+                <a:ea typeface="나눔스퀘어 Light" panose="020B0600000101010101" pitchFamily="50" charset="-127"/>
+              </a:rPr>
+              <a:t>, </a:t>
+            </a:r>
+            <a:r>
+              <a:rPr lang="ko-KR" altLang="en-US" dirty="0">
+                <a:latin typeface="나눔스퀘어 Light" panose="020B0600000101010101" pitchFamily="50" charset="-127"/>
+                <a:ea typeface="나눔스퀘어 Light" panose="020B0600000101010101" pitchFamily="50" charset="-127"/>
+              </a:rPr>
+              <a:t>아래</a:t>
+            </a:r>
+            <a:r>
+              <a:rPr lang="en-US" altLang="ko-KR" dirty="0">
+                <a:latin typeface="나눔스퀘어 Light" panose="020B0600000101010101" pitchFamily="50" charset="-127"/>
+                <a:ea typeface="나눔스퀘어 Light" panose="020B0600000101010101" pitchFamily="50" charset="-127"/>
+              </a:rPr>
+              <a:t>, </a:t>
+            </a:r>
+            <a:r>
+              <a:rPr lang="ko-KR" altLang="en-US" dirty="0">
+                <a:latin typeface="나눔스퀘어 Light" panose="020B0600000101010101" pitchFamily="50" charset="-127"/>
+                <a:ea typeface="나눔스퀘어 Light" panose="020B0600000101010101" pitchFamily="50" charset="-127"/>
+              </a:rPr>
+              <a:t>왼쪽</a:t>
+            </a:r>
+            <a:r>
+              <a:rPr lang="en-US" altLang="ko-KR" dirty="0">
+                <a:latin typeface="나눔스퀘어 Light" panose="020B0600000101010101" pitchFamily="50" charset="-127"/>
+                <a:ea typeface="나눔스퀘어 Light" panose="020B0600000101010101" pitchFamily="50" charset="-127"/>
+              </a:rPr>
+              <a:t>)</a:t>
+            </a:r>
+            <a:endParaRPr lang="ko-KR" altLang="en-US" dirty="0">
+              <a:latin typeface="나눔스퀘어 Light" panose="020B0600000101010101" pitchFamily="50" charset="-127"/>
+              <a:ea typeface="나눔스퀘어 Light" panose="020B0600000101010101" pitchFamily="50" charset="-127"/>
+            </a:endParaRPr>
+          </a:p>
+        </p:txBody>
+      </p:sp>
+      <p:sp>
+        <p:nvSpPr>
+          <p:cNvPr id="6" name="TextBox 5">
+            <a:extLst>
+              <a:ext uri="{FF2B5EF4-FFF2-40B4-BE49-F238E27FC236}">
+                <a16:creationId xmlns:a16="http://schemas.microsoft.com/office/drawing/2014/main" id="{38D81D6F-61A1-9ED4-D544-0A12061505CC}"/>
+              </a:ext>
+            </a:extLst>
+          </p:cNvPr>
+          <p:cNvSpPr txBox="1"/>
+          <p:nvPr/>
+        </p:nvSpPr>
+        <p:spPr>
+          <a:xfrm>
+            <a:off x="5495636" y="2769359"/>
+            <a:ext cx="5641518" cy="369332"/>
+          </a:xfrm>
+          <a:prstGeom prst="rect">
+            <a:avLst/>
+          </a:prstGeom>
+          <a:noFill/>
+        </p:spPr>
+        <p:txBody>
+          <a:bodyPr wrap="square" rtlCol="0">
+            <a:spAutoFit/>
+          </a:bodyPr>
+          <a:lstStyle/>
+          <a:p>
+            <a:r>
+              <a:rPr lang="ko-KR" altLang="en-US" dirty="0">
+                <a:latin typeface="나눔스퀘어 Light" panose="020B0600000101010101" pitchFamily="50" charset="-127"/>
+                <a:ea typeface="나눔스퀘어 Light" panose="020B0600000101010101" pitchFamily="50" charset="-127"/>
+              </a:rPr>
+              <a:t>그렇다면 우선은 이렇게 써볼 수 있겠습니다</a:t>
+            </a:r>
+            <a:r>
+              <a:rPr lang="en-US" altLang="ko-KR" dirty="0">
+                <a:latin typeface="나눔스퀘어 Light" panose="020B0600000101010101" pitchFamily="50" charset="-127"/>
+                <a:ea typeface="나눔스퀘어 Light" panose="020B0600000101010101" pitchFamily="50" charset="-127"/>
+              </a:rPr>
+              <a:t>.</a:t>
+            </a:r>
+            <a:endParaRPr lang="ko-KR" altLang="en-US" dirty="0">
+              <a:latin typeface="나눔스퀘어 Light" panose="020B0600000101010101" pitchFamily="50" charset="-127"/>
+              <a:ea typeface="나눔스퀘어 Light" panose="020B0600000101010101" pitchFamily="50" charset="-127"/>
+            </a:endParaRPr>
+          </a:p>
+        </p:txBody>
+      </p:sp>
+      <p:pic>
+        <p:nvPicPr>
+          <p:cNvPr id="12" name="그림 11">
+            <a:extLst>
+              <a:ext uri="{FF2B5EF4-FFF2-40B4-BE49-F238E27FC236}">
+                <a16:creationId xmlns:a16="http://schemas.microsoft.com/office/drawing/2014/main" id="{7FCE1CA6-01A5-664F-16EF-ABFBE0607630}"/>
+              </a:ext>
+            </a:extLst>
+          </p:cNvPr>
+          <p:cNvPicPr>
+            <a:picLocks noChangeAspect="1"/>
+          </p:cNvPicPr>
+          <p:nvPr/>
+        </p:nvPicPr>
+        <p:blipFill>
+          <a:blip r:embed="rId2"/>
+          <a:stretch>
+            <a:fillRect/>
+          </a:stretch>
+        </p:blipFill>
+        <p:spPr>
+          <a:xfrm>
+            <a:off x="5495636" y="3138691"/>
+            <a:ext cx="3620655" cy="3145816"/>
+          </a:xfrm>
+          <a:prstGeom prst="rect">
+            <a:avLst/>
+          </a:prstGeom>
+        </p:spPr>
+      </p:pic>
+    </p:spTree>
+    <p:extLst>
+      <p:ext uri="{BB962C8B-B14F-4D97-AF65-F5344CB8AC3E}">
+        <p14:creationId xmlns:p14="http://schemas.microsoft.com/office/powerpoint/2010/main" val="2430037228"/>
+      </p:ext>
+    </p:extLst>
+  </p:cSld>
+  <p:clrMapOvr>
+    <a:masterClrMapping/>
+  </p:clrMapOvr>
+</p:sld>
+</file>
+
+<file path=ppt/slides/slide49.xml><?xml version="1.0" encoding="utf-8"?>
+<p:sld xmlns:a="http://schemas.openxmlformats.org/drawingml/2006/main" xmlns:r="http://schemas.openxmlformats.org/officeDocument/2006/relationships" xmlns:p="http://schemas.openxmlformats.org/presentationml/2006/main">
+  <p:cSld>
+    <p:spTree>
+      <p:nvGrpSpPr>
+        <p:cNvPr id="1" name=""/>
+        <p:cNvGrpSpPr/>
+        <p:nvPr/>
+      </p:nvGrpSpPr>
+      <p:grpSpPr>
+        <a:xfrm>
+          <a:off x="0" y="0"/>
+          <a:ext cx="0" cy="0"/>
+          <a:chOff x="0" y="0"/>
+          <a:chExt cx="0" cy="0"/>
+        </a:xfrm>
+      </p:grpSpPr>
+      <p:cxnSp>
+        <p:nvCxnSpPr>
+          <p:cNvPr id="5" name="직선 연결선 4">
+            <a:extLst>
+              <a:ext uri="{FF2B5EF4-FFF2-40B4-BE49-F238E27FC236}">
+                <a16:creationId xmlns:a16="http://schemas.microsoft.com/office/drawing/2014/main" id="{164C2827-EFCE-69A4-D037-1A218415F568}"/>
+              </a:ext>
+            </a:extLst>
+          </p:cNvPr>
+          <p:cNvCxnSpPr/>
+          <p:nvPr/>
+        </p:nvCxnSpPr>
+        <p:spPr>
+          <a:xfrm>
+            <a:off x="0" y="887505"/>
+            <a:ext cx="10237694" cy="0"/>
+          </a:xfrm>
+          <a:prstGeom prst="line">
+            <a:avLst/>
+          </a:prstGeom>
+          <a:ln w="76200">
+            <a:solidFill>
+              <a:schemeClr val="tx1">
+                <a:lumMod val="75000"/>
+                <a:lumOff val="25000"/>
+              </a:schemeClr>
+            </a:solidFill>
+          </a:ln>
+        </p:spPr>
+        <p:style>
+          <a:lnRef idx="1">
+            <a:schemeClr val="accent1"/>
+          </a:lnRef>
+          <a:fillRef idx="0">
+            <a:schemeClr val="accent1"/>
+          </a:fillRef>
+          <a:effectRef idx="0">
+            <a:schemeClr val="accent1"/>
+          </a:effectRef>
+          <a:fontRef idx="minor">
+            <a:schemeClr val="tx1"/>
+          </a:fontRef>
+        </p:style>
+      </p:cxnSp>
+      <p:sp>
+        <p:nvSpPr>
+          <p:cNvPr id="3" name="TextBox 2">
+            <a:extLst>
+              <a:ext uri="{FF2B5EF4-FFF2-40B4-BE49-F238E27FC236}">
+                <a16:creationId xmlns:a16="http://schemas.microsoft.com/office/drawing/2014/main" id="{B3B954B2-DB7F-EEC1-438C-CB91D3B18AE1}"/>
+              </a:ext>
+            </a:extLst>
+          </p:cNvPr>
+          <p:cNvSpPr txBox="1"/>
+          <p:nvPr/>
+        </p:nvSpPr>
+        <p:spPr>
+          <a:xfrm>
+            <a:off x="331694" y="177505"/>
+            <a:ext cx="3899016" cy="523220"/>
+          </a:xfrm>
+          <a:prstGeom prst="rect">
+            <a:avLst/>
+          </a:prstGeom>
+          <a:noFill/>
+        </p:spPr>
+        <p:txBody>
+          <a:bodyPr wrap="none" rtlCol="0">
+            <a:spAutoFit/>
+          </a:bodyPr>
+          <a:lstStyle/>
+          <a:p>
+            <a:r>
+              <a:rPr lang="en-US" altLang="ko-KR" sz="2800" dirty="0">
+                <a:latin typeface="나눔스퀘어 Bold" panose="020B0600000101010101" pitchFamily="50" charset="-127"/>
+                <a:ea typeface="나눔스퀘어 Bold" panose="020B0600000101010101" pitchFamily="50" charset="-127"/>
+              </a:rPr>
+              <a:t>Graph – 2178 </a:t>
+            </a:r>
+            <a:r>
+              <a:rPr lang="ko-KR" altLang="en-US" sz="2800" dirty="0">
+                <a:latin typeface="나눔스퀘어 Bold" panose="020B0600000101010101" pitchFamily="50" charset="-127"/>
+                <a:ea typeface="나눔스퀘어 Bold" panose="020B0600000101010101" pitchFamily="50" charset="-127"/>
+              </a:rPr>
+              <a:t>미로 탐색</a:t>
+            </a:r>
+          </a:p>
+        </p:txBody>
+      </p:sp>
+      <p:sp>
+        <p:nvSpPr>
+          <p:cNvPr id="29" name="TextBox 28">
+            <a:extLst>
+              <a:ext uri="{FF2B5EF4-FFF2-40B4-BE49-F238E27FC236}">
+                <a16:creationId xmlns:a16="http://schemas.microsoft.com/office/drawing/2014/main" id="{7E33452F-38D4-A195-C6CD-AF9182BC40E8}"/>
+              </a:ext>
+            </a:extLst>
+          </p:cNvPr>
+          <p:cNvSpPr txBox="1"/>
+          <p:nvPr/>
+        </p:nvSpPr>
+        <p:spPr>
+          <a:xfrm>
+            <a:off x="942387" y="1190024"/>
+            <a:ext cx="10237694" cy="369332"/>
+          </a:xfrm>
+          <a:prstGeom prst="rect">
+            <a:avLst/>
+          </a:prstGeom>
+          <a:noFill/>
+        </p:spPr>
+        <p:txBody>
+          <a:bodyPr wrap="square" rtlCol="0">
+            <a:spAutoFit/>
+          </a:bodyPr>
+          <a:lstStyle/>
+          <a:p>
+            <a:r>
+              <a:rPr lang="ko-KR" altLang="en-US" dirty="0">
+                <a:latin typeface="나눔스퀘어 Light" panose="020B0600000101010101" pitchFamily="50" charset="-127"/>
+                <a:ea typeface="나눔스퀘어 Light" panose="020B0600000101010101" pitchFamily="50" charset="-127"/>
+              </a:rPr>
+              <a:t>앞서 짠 코드가 틀리지는 않았고</a:t>
+            </a:r>
+            <a:r>
+              <a:rPr lang="en-US" altLang="ko-KR" dirty="0">
+                <a:latin typeface="나눔스퀘어 Light" panose="020B0600000101010101" pitchFamily="50" charset="-127"/>
+                <a:ea typeface="나눔스퀘어 Light" panose="020B0600000101010101" pitchFamily="50" charset="-127"/>
+              </a:rPr>
+              <a:t>, </a:t>
+            </a:r>
+            <a:r>
+              <a:rPr lang="ko-KR" altLang="en-US" dirty="0">
+                <a:latin typeface="나눔스퀘어 Light" panose="020B0600000101010101" pitchFamily="50" charset="-127"/>
+                <a:ea typeface="나눔스퀘어 Light" panose="020B0600000101010101" pitchFamily="50" charset="-127"/>
+              </a:rPr>
+              <a:t>정답도 제대로 도출될 것 이지만</a:t>
+            </a:r>
+            <a:r>
+              <a:rPr lang="en-US" altLang="ko-KR" dirty="0">
+                <a:latin typeface="나눔스퀘어 Light" panose="020B0600000101010101" pitchFamily="50" charset="-127"/>
+                <a:ea typeface="나눔스퀘어 Light" panose="020B0600000101010101" pitchFamily="50" charset="-127"/>
+              </a:rPr>
+              <a:t>,</a:t>
+            </a:r>
+            <a:endParaRPr lang="ko-KR" altLang="en-US" dirty="0">
+              <a:latin typeface="나눔스퀘어 Light" panose="020B0600000101010101" pitchFamily="50" charset="-127"/>
+              <a:ea typeface="나눔스퀘어 Light" panose="020B0600000101010101" pitchFamily="50" charset="-127"/>
+            </a:endParaRPr>
+          </a:p>
+        </p:txBody>
+      </p:sp>
+      <p:sp>
+        <p:nvSpPr>
+          <p:cNvPr id="2" name="TextBox 1">
+            <a:extLst>
+              <a:ext uri="{FF2B5EF4-FFF2-40B4-BE49-F238E27FC236}">
+                <a16:creationId xmlns:a16="http://schemas.microsoft.com/office/drawing/2014/main" id="{1E271EAA-B9AB-BC5C-7EEB-A0B7A5F830A4}"/>
+              </a:ext>
+            </a:extLst>
+          </p:cNvPr>
+          <p:cNvSpPr txBox="1"/>
+          <p:nvPr/>
+        </p:nvSpPr>
+        <p:spPr>
+          <a:xfrm>
+            <a:off x="942387" y="1576239"/>
+            <a:ext cx="10237694" cy="369332"/>
+          </a:xfrm>
+          <a:prstGeom prst="rect">
+            <a:avLst/>
+          </a:prstGeom>
+          <a:noFill/>
+        </p:spPr>
+        <p:txBody>
+          <a:bodyPr wrap="square" rtlCol="0">
+            <a:spAutoFit/>
+          </a:bodyPr>
+          <a:lstStyle/>
+          <a:p>
+            <a:r>
+              <a:rPr lang="ko-KR" altLang="en-US" dirty="0">
+                <a:latin typeface="나눔스퀘어 Light" panose="020B0600000101010101" pitchFamily="50" charset="-127"/>
+                <a:ea typeface="나눔스퀘어 Light" panose="020B0600000101010101" pitchFamily="50" charset="-127"/>
+              </a:rPr>
+              <a:t>중복된 부분이 상당하고 가독성이 너무 떨어집니다</a:t>
+            </a:r>
+            <a:r>
+              <a:rPr lang="en-US" altLang="ko-KR" dirty="0">
+                <a:latin typeface="나눔스퀘어 Light" panose="020B0600000101010101" pitchFamily="50" charset="-127"/>
+                <a:ea typeface="나눔스퀘어 Light" panose="020B0600000101010101" pitchFamily="50" charset="-127"/>
+              </a:rPr>
+              <a:t>.</a:t>
+            </a:r>
+            <a:endParaRPr lang="ko-KR" altLang="en-US" dirty="0">
+              <a:latin typeface="나눔스퀘어 Light" panose="020B0600000101010101" pitchFamily="50" charset="-127"/>
+              <a:ea typeface="나눔스퀘어 Light" panose="020B0600000101010101" pitchFamily="50" charset="-127"/>
+            </a:endParaRPr>
+          </a:p>
+        </p:txBody>
+      </p:sp>
+      <p:pic>
+        <p:nvPicPr>
+          <p:cNvPr id="12" name="그림 11">
+            <a:extLst>
+              <a:ext uri="{FF2B5EF4-FFF2-40B4-BE49-F238E27FC236}">
+                <a16:creationId xmlns:a16="http://schemas.microsoft.com/office/drawing/2014/main" id="{7FCE1CA6-01A5-664F-16EF-ABFBE0607630}"/>
+              </a:ext>
+            </a:extLst>
+          </p:cNvPr>
+          <p:cNvPicPr>
+            <a:picLocks noChangeAspect="1"/>
+          </p:cNvPicPr>
+          <p:nvPr/>
+        </p:nvPicPr>
+        <p:blipFill>
+          <a:blip r:embed="rId2"/>
+          <a:stretch>
+            <a:fillRect/>
+          </a:stretch>
+        </p:blipFill>
+        <p:spPr>
+          <a:xfrm>
+            <a:off x="942387" y="2348669"/>
+            <a:ext cx="3620655" cy="3145816"/>
+          </a:xfrm>
+          <a:prstGeom prst="rect">
+            <a:avLst/>
+          </a:prstGeom>
+        </p:spPr>
+      </p:pic>
+      <p:sp>
+        <p:nvSpPr>
+          <p:cNvPr id="10" name="TextBox 9">
+            <a:extLst>
+              <a:ext uri="{FF2B5EF4-FFF2-40B4-BE49-F238E27FC236}">
+                <a16:creationId xmlns:a16="http://schemas.microsoft.com/office/drawing/2014/main" id="{702B161C-67E0-E714-70BF-18A29181C634}"/>
+              </a:ext>
+            </a:extLst>
+          </p:cNvPr>
+          <p:cNvSpPr txBox="1"/>
+          <p:nvPr/>
+        </p:nvSpPr>
+        <p:spPr>
+          <a:xfrm>
+            <a:off x="942387" y="1962454"/>
+            <a:ext cx="10237694" cy="369332"/>
+          </a:xfrm>
+          <a:prstGeom prst="rect">
+            <a:avLst/>
+          </a:prstGeom>
+          <a:noFill/>
+        </p:spPr>
+        <p:txBody>
+          <a:bodyPr wrap="square" rtlCol="0">
+            <a:spAutoFit/>
+          </a:bodyPr>
+          <a:lstStyle/>
+          <a:p>
+            <a:r>
+              <a:rPr lang="en-US" altLang="ko-KR" dirty="0">
+                <a:latin typeface="나눔스퀘어 Light" panose="020B0600000101010101" pitchFamily="50" charset="-127"/>
+                <a:ea typeface="나눔스퀘어 Light" panose="020B0600000101010101" pitchFamily="50" charset="-127"/>
+              </a:rPr>
+              <a:t> </a:t>
+            </a:r>
+            <a:r>
+              <a:rPr lang="ko-KR" altLang="en-US" dirty="0">
+                <a:latin typeface="나눔스퀘어 Light" panose="020B0600000101010101" pitchFamily="50" charset="-127"/>
+                <a:ea typeface="나눔스퀘어 Light" panose="020B0600000101010101" pitchFamily="50" charset="-127"/>
+              </a:rPr>
+              <a:t>→ 프로그래머의 실수를 유발할 가능성이 높아집니다</a:t>
+            </a:r>
+            <a:r>
+              <a:rPr lang="en-US" altLang="ko-KR" dirty="0">
+                <a:latin typeface="나눔스퀘어 Light" panose="020B0600000101010101" pitchFamily="50" charset="-127"/>
+                <a:ea typeface="나눔스퀘어 Light" panose="020B0600000101010101" pitchFamily="50" charset="-127"/>
+              </a:rPr>
+              <a:t>.</a:t>
+            </a:r>
+            <a:endParaRPr lang="ko-KR" altLang="en-US" dirty="0">
+              <a:latin typeface="나눔스퀘어 Light" panose="020B0600000101010101" pitchFamily="50" charset="-127"/>
+              <a:ea typeface="나눔스퀘어 Light" panose="020B0600000101010101" pitchFamily="50" charset="-127"/>
+            </a:endParaRPr>
+          </a:p>
+        </p:txBody>
+      </p:sp>
+      <p:sp>
+        <p:nvSpPr>
+          <p:cNvPr id="15" name="TextBox 14">
+            <a:extLst>
+              <a:ext uri="{FF2B5EF4-FFF2-40B4-BE49-F238E27FC236}">
+                <a16:creationId xmlns:a16="http://schemas.microsoft.com/office/drawing/2014/main" id="{BD32BF92-3C7F-11F8-3A93-388515F01BB5}"/>
+              </a:ext>
+            </a:extLst>
+          </p:cNvPr>
+          <p:cNvSpPr txBox="1"/>
+          <p:nvPr/>
+        </p:nvSpPr>
+        <p:spPr>
+          <a:xfrm>
+            <a:off x="4701587" y="2734884"/>
+            <a:ext cx="6478494" cy="369332"/>
+          </a:xfrm>
+          <a:prstGeom prst="rect">
+            <a:avLst/>
+          </a:prstGeom>
+          <a:noFill/>
+        </p:spPr>
+        <p:txBody>
+          <a:bodyPr wrap="square" rtlCol="0">
+            <a:spAutoFit/>
+          </a:bodyPr>
+          <a:lstStyle/>
+          <a:p>
+            <a:r>
+              <a:rPr lang="ko-KR" altLang="en-US" dirty="0">
+                <a:latin typeface="나눔스퀘어 Light" panose="020B0600000101010101" pitchFamily="50" charset="-127"/>
+                <a:ea typeface="나눔스퀘어 Light" panose="020B0600000101010101" pitchFamily="50" charset="-127"/>
+              </a:rPr>
+              <a:t>안에 들어가는 파라미터만 다르고</a:t>
+            </a:r>
+            <a:r>
+              <a:rPr lang="en-US" altLang="ko-KR" dirty="0">
+                <a:latin typeface="나눔스퀘어 Light" panose="020B0600000101010101" pitchFamily="50" charset="-127"/>
+                <a:ea typeface="나눔스퀘어 Light" panose="020B0600000101010101" pitchFamily="50" charset="-127"/>
+              </a:rPr>
+              <a:t>,</a:t>
+            </a:r>
+            <a:endParaRPr lang="ko-KR" altLang="en-US" dirty="0">
+              <a:latin typeface="나눔스퀘어 Light" panose="020B0600000101010101" pitchFamily="50" charset="-127"/>
+              <a:ea typeface="나눔스퀘어 Light" panose="020B0600000101010101" pitchFamily="50" charset="-127"/>
+            </a:endParaRPr>
+          </a:p>
+        </p:txBody>
+      </p:sp>
+      <p:sp>
+        <p:nvSpPr>
+          <p:cNvPr id="16" name="TextBox 15">
+            <a:extLst>
+              <a:ext uri="{FF2B5EF4-FFF2-40B4-BE49-F238E27FC236}">
+                <a16:creationId xmlns:a16="http://schemas.microsoft.com/office/drawing/2014/main" id="{A4BD4425-AF3E-65D6-A161-5171AA5CC64A}"/>
+              </a:ext>
+            </a:extLst>
+          </p:cNvPr>
+          <p:cNvSpPr txBox="1"/>
+          <p:nvPr/>
+        </p:nvSpPr>
+        <p:spPr>
+          <a:xfrm>
+            <a:off x="4701587" y="3076270"/>
+            <a:ext cx="6478494" cy="369332"/>
+          </a:xfrm>
+          <a:prstGeom prst="rect">
+            <a:avLst/>
+          </a:prstGeom>
+          <a:noFill/>
+        </p:spPr>
+        <p:txBody>
+          <a:bodyPr wrap="square" rtlCol="0">
+            <a:spAutoFit/>
+          </a:bodyPr>
+          <a:lstStyle/>
+          <a:p>
+            <a:r>
+              <a:rPr lang="ko-KR" altLang="en-US" dirty="0">
+                <a:latin typeface="나눔스퀘어 Light" panose="020B0600000101010101" pitchFamily="50" charset="-127"/>
+                <a:ea typeface="나눔스퀘어 Light" panose="020B0600000101010101" pitchFamily="50" charset="-127"/>
+              </a:rPr>
+              <a:t>똑같은 문</a:t>
+            </a:r>
+            <a:r>
+              <a:rPr lang="en-US" altLang="ko-KR" dirty="0">
+                <a:latin typeface="나눔스퀘어 Light" panose="020B0600000101010101" pitchFamily="50" charset="-127"/>
+                <a:ea typeface="나눔스퀘어 Light" panose="020B0600000101010101" pitchFamily="50" charset="-127"/>
+              </a:rPr>
+              <a:t>(visited[][]</a:t>
+            </a:r>
+            <a:r>
+              <a:rPr lang="ko-KR" altLang="en-US" dirty="0">
+                <a:latin typeface="나눔스퀘어 Light" panose="020B0600000101010101" pitchFamily="50" charset="-127"/>
+                <a:ea typeface="나눔스퀘어 Light" panose="020B0600000101010101" pitchFamily="50" charset="-127"/>
+              </a:rPr>
+              <a:t> </a:t>
+            </a:r>
+            <a:r>
+              <a:rPr lang="en-US" altLang="ko-KR" dirty="0">
+                <a:latin typeface="나눔스퀘어 Light" panose="020B0600000101010101" pitchFamily="50" charset="-127"/>
+                <a:ea typeface="나눔스퀘어 Light" panose="020B0600000101010101" pitchFamily="50" charset="-127"/>
+              </a:rPr>
+              <a:t>=</a:t>
+            </a:r>
+            <a:r>
+              <a:rPr lang="ko-KR" altLang="en-US" dirty="0">
+                <a:latin typeface="나눔스퀘어 Light" panose="020B0600000101010101" pitchFamily="50" charset="-127"/>
+                <a:ea typeface="나눔스퀘어 Light" panose="020B0600000101010101" pitchFamily="50" charset="-127"/>
+              </a:rPr>
+              <a:t> </a:t>
+            </a:r>
+            <a:r>
+              <a:rPr lang="en-US" altLang="ko-KR" dirty="0">
+                <a:latin typeface="나눔스퀘어 Light" panose="020B0600000101010101" pitchFamily="50" charset="-127"/>
+                <a:ea typeface="나눔스퀘어 Light" panose="020B0600000101010101" pitchFamily="50" charset="-127"/>
+              </a:rPr>
+              <a:t>true,</a:t>
+            </a:r>
+            <a:r>
+              <a:rPr lang="ko-KR" altLang="en-US" dirty="0">
+                <a:latin typeface="나눔스퀘어 Light" panose="020B0600000101010101" pitchFamily="50" charset="-127"/>
+                <a:ea typeface="나눔스퀘어 Light" panose="020B0600000101010101" pitchFamily="50" charset="-127"/>
+              </a:rPr>
+              <a:t> </a:t>
+            </a:r>
+            <a:r>
+              <a:rPr lang="en-US" altLang="ko-KR" dirty="0" err="1">
+                <a:latin typeface="나눔스퀘어 Light" panose="020B0600000101010101" pitchFamily="50" charset="-127"/>
+                <a:ea typeface="나눔스퀘어 Light" panose="020B0600000101010101" pitchFamily="50" charset="-127"/>
+              </a:rPr>
+              <a:t>q.push</a:t>
+            </a:r>
+            <a:r>
+              <a:rPr lang="en-US" altLang="ko-KR" dirty="0">
+                <a:latin typeface="나눔스퀘어 Light" panose="020B0600000101010101" pitchFamily="50" charset="-127"/>
+                <a:ea typeface="나눔스퀘어 Light" panose="020B0600000101010101" pitchFamily="50" charset="-127"/>
+              </a:rPr>
+              <a:t>() )</a:t>
+            </a:r>
+            <a:r>
+              <a:rPr lang="ko-KR" altLang="en-US" dirty="0">
+                <a:latin typeface="나눔스퀘어 Light" panose="020B0600000101010101" pitchFamily="50" charset="-127"/>
+                <a:ea typeface="나눔스퀘어 Light" panose="020B0600000101010101" pitchFamily="50" charset="-127"/>
+              </a:rPr>
+              <a:t>이 </a:t>
+            </a:r>
+            <a:r>
+              <a:rPr lang="en-US" altLang="ko-KR" dirty="0">
+                <a:latin typeface="나눔스퀘어 Light" panose="020B0600000101010101" pitchFamily="50" charset="-127"/>
+                <a:ea typeface="나눔스퀘어 Light" panose="020B0600000101010101" pitchFamily="50" charset="-127"/>
+              </a:rPr>
+              <a:t>4</a:t>
+            </a:r>
+            <a:r>
+              <a:rPr lang="ko-KR" altLang="en-US" dirty="0">
+                <a:latin typeface="나눔스퀘어 Light" panose="020B0600000101010101" pitchFamily="50" charset="-127"/>
+                <a:ea typeface="나눔스퀘어 Light" panose="020B0600000101010101" pitchFamily="50" charset="-127"/>
+              </a:rPr>
+              <a:t>개나 </a:t>
+            </a:r>
+            <a:r>
+              <a:rPr lang="ko-KR" altLang="en-US" dirty="0" err="1">
+                <a:latin typeface="나눔스퀘어 Light" panose="020B0600000101010101" pitchFamily="50" charset="-127"/>
+                <a:ea typeface="나눔스퀘어 Light" panose="020B0600000101010101" pitchFamily="50" charset="-127"/>
+              </a:rPr>
+              <a:t>들어가있네요</a:t>
+            </a:r>
+            <a:r>
+              <a:rPr lang="en-US" altLang="ko-KR" dirty="0">
+                <a:latin typeface="나눔스퀘어 Light" panose="020B0600000101010101" pitchFamily="50" charset="-127"/>
+                <a:ea typeface="나눔스퀘어 Light" panose="020B0600000101010101" pitchFamily="50" charset="-127"/>
+              </a:rPr>
+              <a:t>.</a:t>
+            </a:r>
+            <a:endParaRPr lang="ko-KR" altLang="en-US" dirty="0">
+              <a:latin typeface="나눔스퀘어 Light" panose="020B0600000101010101" pitchFamily="50" charset="-127"/>
+              <a:ea typeface="나눔스퀘어 Light" panose="020B0600000101010101" pitchFamily="50" charset="-127"/>
+            </a:endParaRPr>
+          </a:p>
+        </p:txBody>
+      </p:sp>
+      <p:sp>
+        <p:nvSpPr>
+          <p:cNvPr id="18" name="TextBox 17">
+            <a:extLst>
+              <a:ext uri="{FF2B5EF4-FFF2-40B4-BE49-F238E27FC236}">
+                <a16:creationId xmlns:a16="http://schemas.microsoft.com/office/drawing/2014/main" id="{C1D663B4-8E40-D678-CAE7-C16AB3EDF759}"/>
+              </a:ext>
+            </a:extLst>
+          </p:cNvPr>
+          <p:cNvSpPr txBox="1"/>
+          <p:nvPr/>
+        </p:nvSpPr>
+        <p:spPr>
+          <a:xfrm>
+            <a:off x="4701587" y="3781394"/>
+            <a:ext cx="6478494" cy="369332"/>
+          </a:xfrm>
+          <a:prstGeom prst="rect">
+            <a:avLst/>
+          </a:prstGeom>
+          <a:noFill/>
+        </p:spPr>
+        <p:txBody>
+          <a:bodyPr wrap="square" rtlCol="0">
+            <a:spAutoFit/>
+          </a:bodyPr>
+          <a:lstStyle/>
+          <a:p>
+            <a:r>
+              <a:rPr lang="ko-KR" altLang="en-US" dirty="0">
+                <a:latin typeface="나눔스퀘어 Light" panose="020B0600000101010101" pitchFamily="50" charset="-127"/>
+                <a:ea typeface="나눔스퀘어 Light" panose="020B0600000101010101" pitchFamily="50" charset="-127"/>
+              </a:rPr>
+              <a:t>이를 어떻게 해결</a:t>
+            </a:r>
+            <a:r>
+              <a:rPr lang="en-US" altLang="ko-KR" dirty="0">
+                <a:latin typeface="나눔스퀘어 Light" panose="020B0600000101010101" pitchFamily="50" charset="-127"/>
+                <a:ea typeface="나눔스퀘어 Light" panose="020B0600000101010101" pitchFamily="50" charset="-127"/>
+              </a:rPr>
+              <a:t>(</a:t>
+            </a:r>
+            <a:r>
+              <a:rPr lang="ko-KR" altLang="en-US" dirty="0">
+                <a:latin typeface="나눔스퀘어 Light" panose="020B0600000101010101" pitchFamily="50" charset="-127"/>
+                <a:ea typeface="나눔스퀘어 Light" panose="020B0600000101010101" pitchFamily="50" charset="-127"/>
+              </a:rPr>
+              <a:t>중복제거</a:t>
+            </a:r>
+            <a:r>
+              <a:rPr lang="en-US" altLang="ko-KR" dirty="0">
+                <a:latin typeface="나눔스퀘어 Light" panose="020B0600000101010101" pitchFamily="50" charset="-127"/>
+                <a:ea typeface="나눔스퀘어 Light" panose="020B0600000101010101" pitchFamily="50" charset="-127"/>
+              </a:rPr>
+              <a:t>)</a:t>
+            </a:r>
+            <a:r>
+              <a:rPr lang="ko-KR" altLang="en-US" dirty="0">
+                <a:latin typeface="나눔스퀘어 Light" panose="020B0600000101010101" pitchFamily="50" charset="-127"/>
+                <a:ea typeface="나눔스퀘어 Light" panose="020B0600000101010101" pitchFamily="50" charset="-127"/>
+              </a:rPr>
+              <a:t>할 수 있을까요</a:t>
+            </a:r>
+            <a:r>
+              <a:rPr lang="en-US" altLang="ko-KR" dirty="0">
+                <a:latin typeface="나눔스퀘어 Light" panose="020B0600000101010101" pitchFamily="50" charset="-127"/>
+                <a:ea typeface="나눔스퀘어 Light" panose="020B0600000101010101" pitchFamily="50" charset="-127"/>
+              </a:rPr>
+              <a:t>?</a:t>
+            </a:r>
+            <a:endParaRPr lang="ko-KR" altLang="en-US" dirty="0">
+              <a:latin typeface="나눔스퀘어 Light" panose="020B0600000101010101" pitchFamily="50" charset="-127"/>
+              <a:ea typeface="나눔스퀘어 Light" panose="020B0600000101010101" pitchFamily="50" charset="-127"/>
+            </a:endParaRPr>
+          </a:p>
+        </p:txBody>
+      </p:sp>
+    </p:spTree>
+    <p:extLst>
+      <p:ext uri="{BB962C8B-B14F-4D97-AF65-F5344CB8AC3E}">
+        <p14:creationId xmlns:p14="http://schemas.microsoft.com/office/powerpoint/2010/main" val="3018824367"/>
       </p:ext>
     </p:extLst>
   </p:cSld>
@@ -27120,6 +29404,1023 @@
     <p:extLst>
       <p:ext uri="{BB962C8B-B14F-4D97-AF65-F5344CB8AC3E}">
         <p14:creationId xmlns:p14="http://schemas.microsoft.com/office/powerpoint/2010/main" val="712476066"/>
+      </p:ext>
+    </p:extLst>
+  </p:cSld>
+  <p:clrMapOvr>
+    <a:masterClrMapping/>
+  </p:clrMapOvr>
+</p:sld>
+</file>
+
+<file path=ppt/slides/slide50.xml><?xml version="1.0" encoding="utf-8"?>
+<p:sld xmlns:a="http://schemas.openxmlformats.org/drawingml/2006/main" xmlns:r="http://schemas.openxmlformats.org/officeDocument/2006/relationships" xmlns:p="http://schemas.openxmlformats.org/presentationml/2006/main">
+  <p:cSld>
+    <p:spTree>
+      <p:nvGrpSpPr>
+        <p:cNvPr id="1" name=""/>
+        <p:cNvGrpSpPr/>
+        <p:nvPr/>
+      </p:nvGrpSpPr>
+      <p:grpSpPr>
+        <a:xfrm>
+          <a:off x="0" y="0"/>
+          <a:ext cx="0" cy="0"/>
+          <a:chOff x="0" y="0"/>
+          <a:chExt cx="0" cy="0"/>
+        </a:xfrm>
+      </p:grpSpPr>
+      <p:cxnSp>
+        <p:nvCxnSpPr>
+          <p:cNvPr id="5" name="직선 연결선 4">
+            <a:extLst>
+              <a:ext uri="{FF2B5EF4-FFF2-40B4-BE49-F238E27FC236}">
+                <a16:creationId xmlns:a16="http://schemas.microsoft.com/office/drawing/2014/main" id="{164C2827-EFCE-69A4-D037-1A218415F568}"/>
+              </a:ext>
+            </a:extLst>
+          </p:cNvPr>
+          <p:cNvCxnSpPr/>
+          <p:nvPr/>
+        </p:nvCxnSpPr>
+        <p:spPr>
+          <a:xfrm>
+            <a:off x="0" y="887505"/>
+            <a:ext cx="10237694" cy="0"/>
+          </a:xfrm>
+          <a:prstGeom prst="line">
+            <a:avLst/>
+          </a:prstGeom>
+          <a:ln w="76200">
+            <a:solidFill>
+              <a:schemeClr val="tx1">
+                <a:lumMod val="75000"/>
+                <a:lumOff val="25000"/>
+              </a:schemeClr>
+            </a:solidFill>
+          </a:ln>
+        </p:spPr>
+        <p:style>
+          <a:lnRef idx="1">
+            <a:schemeClr val="accent1"/>
+          </a:lnRef>
+          <a:fillRef idx="0">
+            <a:schemeClr val="accent1"/>
+          </a:fillRef>
+          <a:effectRef idx="0">
+            <a:schemeClr val="accent1"/>
+          </a:effectRef>
+          <a:fontRef idx="minor">
+            <a:schemeClr val="tx1"/>
+          </a:fontRef>
+        </p:style>
+      </p:cxnSp>
+      <p:sp>
+        <p:nvSpPr>
+          <p:cNvPr id="3" name="TextBox 2">
+            <a:extLst>
+              <a:ext uri="{FF2B5EF4-FFF2-40B4-BE49-F238E27FC236}">
+                <a16:creationId xmlns:a16="http://schemas.microsoft.com/office/drawing/2014/main" id="{B3B954B2-DB7F-EEC1-438C-CB91D3B18AE1}"/>
+              </a:ext>
+            </a:extLst>
+          </p:cNvPr>
+          <p:cNvSpPr txBox="1"/>
+          <p:nvPr/>
+        </p:nvSpPr>
+        <p:spPr>
+          <a:xfrm>
+            <a:off x="331694" y="177505"/>
+            <a:ext cx="3899016" cy="523220"/>
+          </a:xfrm>
+          <a:prstGeom prst="rect">
+            <a:avLst/>
+          </a:prstGeom>
+          <a:noFill/>
+        </p:spPr>
+        <p:txBody>
+          <a:bodyPr wrap="none" rtlCol="0">
+            <a:spAutoFit/>
+          </a:bodyPr>
+          <a:lstStyle/>
+          <a:p>
+            <a:r>
+              <a:rPr lang="en-US" altLang="ko-KR" sz="2800" dirty="0">
+                <a:latin typeface="나눔스퀘어 Bold" panose="020B0600000101010101" pitchFamily="50" charset="-127"/>
+                <a:ea typeface="나눔스퀘어 Bold" panose="020B0600000101010101" pitchFamily="50" charset="-127"/>
+              </a:rPr>
+              <a:t>Graph – 2178 </a:t>
+            </a:r>
+            <a:r>
+              <a:rPr lang="ko-KR" altLang="en-US" sz="2800" dirty="0">
+                <a:latin typeface="나눔스퀘어 Bold" panose="020B0600000101010101" pitchFamily="50" charset="-127"/>
+                <a:ea typeface="나눔스퀘어 Bold" panose="020B0600000101010101" pitchFamily="50" charset="-127"/>
+              </a:rPr>
+              <a:t>미로 탐색</a:t>
+            </a:r>
+          </a:p>
+        </p:txBody>
+      </p:sp>
+      <p:sp>
+        <p:nvSpPr>
+          <p:cNvPr id="29" name="TextBox 28">
+            <a:extLst>
+              <a:ext uri="{FF2B5EF4-FFF2-40B4-BE49-F238E27FC236}">
+                <a16:creationId xmlns:a16="http://schemas.microsoft.com/office/drawing/2014/main" id="{7E33452F-38D4-A195-C6CD-AF9182BC40E8}"/>
+              </a:ext>
+            </a:extLst>
+          </p:cNvPr>
+          <p:cNvSpPr txBox="1"/>
+          <p:nvPr/>
+        </p:nvSpPr>
+        <p:spPr>
+          <a:xfrm>
+            <a:off x="942387" y="1190024"/>
+            <a:ext cx="10237694" cy="369332"/>
+          </a:xfrm>
+          <a:prstGeom prst="rect">
+            <a:avLst/>
+          </a:prstGeom>
+          <a:noFill/>
+        </p:spPr>
+        <p:txBody>
+          <a:bodyPr wrap="square" rtlCol="0">
+            <a:spAutoFit/>
+          </a:bodyPr>
+          <a:lstStyle/>
+          <a:p>
+            <a:r>
+              <a:rPr lang="ko-KR" altLang="en-US" dirty="0" err="1">
+                <a:latin typeface="나눔스퀘어 Light" panose="020B0600000101010101" pitchFamily="50" charset="-127"/>
+                <a:ea typeface="나눔스퀘어 Light" panose="020B0600000101010101" pitchFamily="50" charset="-127"/>
+              </a:rPr>
+              <a:t>반복문</a:t>
+            </a:r>
+            <a:r>
+              <a:rPr lang="en-US" altLang="ko-KR" dirty="0">
+                <a:latin typeface="나눔스퀘어 Light" panose="020B0600000101010101" pitchFamily="50" charset="-127"/>
+                <a:ea typeface="나눔스퀘어 Light" panose="020B0600000101010101" pitchFamily="50" charset="-127"/>
+              </a:rPr>
+              <a:t>(for)</a:t>
+            </a:r>
+            <a:r>
+              <a:rPr lang="ko-KR" altLang="en-US" dirty="0">
+                <a:latin typeface="나눔스퀘어 Light" panose="020B0600000101010101" pitchFamily="50" charset="-127"/>
+                <a:ea typeface="나눔스퀘어 Light" panose="020B0600000101010101" pitchFamily="50" charset="-127"/>
+              </a:rPr>
+              <a:t>을 통해 해결할 수 있습니다</a:t>
+            </a:r>
+            <a:r>
+              <a:rPr lang="en-US" altLang="ko-KR" dirty="0">
+                <a:latin typeface="나눔스퀘어 Light" panose="020B0600000101010101" pitchFamily="50" charset="-127"/>
+                <a:ea typeface="나눔스퀘어 Light" panose="020B0600000101010101" pitchFamily="50" charset="-127"/>
+              </a:rPr>
+              <a:t>.</a:t>
+            </a:r>
+            <a:endParaRPr lang="ko-KR" altLang="en-US" dirty="0">
+              <a:latin typeface="나눔스퀘어 Light" panose="020B0600000101010101" pitchFamily="50" charset="-127"/>
+              <a:ea typeface="나눔스퀘어 Light" panose="020B0600000101010101" pitchFamily="50" charset="-127"/>
+            </a:endParaRPr>
+          </a:p>
+        </p:txBody>
+      </p:sp>
+      <p:sp>
+        <p:nvSpPr>
+          <p:cNvPr id="4" name="TextBox 3">
+            <a:extLst>
+              <a:ext uri="{FF2B5EF4-FFF2-40B4-BE49-F238E27FC236}">
+                <a16:creationId xmlns:a16="http://schemas.microsoft.com/office/drawing/2014/main" id="{360BDCA8-62DB-B8D6-59F4-762F655A565D}"/>
+              </a:ext>
+            </a:extLst>
+          </p:cNvPr>
+          <p:cNvSpPr txBox="1"/>
+          <p:nvPr/>
+        </p:nvSpPr>
+        <p:spPr>
+          <a:xfrm>
+            <a:off x="942387" y="1559356"/>
+            <a:ext cx="10237694" cy="369332"/>
+          </a:xfrm>
+          <a:prstGeom prst="rect">
+            <a:avLst/>
+          </a:prstGeom>
+          <a:noFill/>
+        </p:spPr>
+        <p:txBody>
+          <a:bodyPr wrap="square" rtlCol="0">
+            <a:spAutoFit/>
+          </a:bodyPr>
+          <a:lstStyle/>
+          <a:p>
+            <a:r>
+              <a:rPr lang="ko-KR" altLang="en-US" dirty="0">
+                <a:latin typeface="나눔스퀘어 Light" panose="020B0600000101010101" pitchFamily="50" charset="-127"/>
+                <a:ea typeface="나눔스퀘어 Light" panose="020B0600000101010101" pitchFamily="50" charset="-127"/>
+              </a:rPr>
+              <a:t>안에 들어가는 숫자</a:t>
+            </a:r>
+            <a:r>
+              <a:rPr lang="en-US" altLang="ko-KR" dirty="0">
+                <a:latin typeface="나눔스퀘어 Light" panose="020B0600000101010101" pitchFamily="50" charset="-127"/>
+                <a:ea typeface="나눔스퀘어 Light" panose="020B0600000101010101" pitchFamily="50" charset="-127"/>
+              </a:rPr>
+              <a:t>(</a:t>
+            </a:r>
+            <a:r>
+              <a:rPr lang="ko-KR" altLang="en-US" dirty="0">
+                <a:latin typeface="나눔스퀘어 Light" panose="020B0600000101010101" pitchFamily="50" charset="-127"/>
+                <a:ea typeface="나눔스퀘어 Light" panose="020B0600000101010101" pitchFamily="50" charset="-127"/>
+              </a:rPr>
+              <a:t>방향</a:t>
+            </a:r>
+            <a:r>
+              <a:rPr lang="en-US" altLang="ko-KR" dirty="0">
+                <a:latin typeface="나눔스퀘어 Light" panose="020B0600000101010101" pitchFamily="50" charset="-127"/>
+                <a:ea typeface="나눔스퀘어 Light" panose="020B0600000101010101" pitchFamily="50" charset="-127"/>
+              </a:rPr>
+              <a:t>)</a:t>
+            </a:r>
+            <a:r>
+              <a:rPr lang="ko-KR" altLang="en-US" dirty="0">
+                <a:latin typeface="나눔스퀘어 Light" panose="020B0600000101010101" pitchFamily="50" charset="-127"/>
+                <a:ea typeface="나눔스퀘어 Light" panose="020B0600000101010101" pitchFamily="50" charset="-127"/>
+              </a:rPr>
+              <a:t>만 </a:t>
+            </a:r>
+            <a:r>
+              <a:rPr lang="ko-KR" altLang="en-US" dirty="0" err="1">
+                <a:latin typeface="나눔스퀘어 Light" panose="020B0600000101010101" pitchFamily="50" charset="-127"/>
+                <a:ea typeface="나눔스퀘어 Light" panose="020B0600000101010101" pitchFamily="50" charset="-127"/>
+              </a:rPr>
+              <a:t>달랐으므로</a:t>
+            </a:r>
+            <a:r>
+              <a:rPr lang="en-US" altLang="ko-KR" dirty="0">
+                <a:latin typeface="나눔스퀘어 Light" panose="020B0600000101010101" pitchFamily="50" charset="-127"/>
+                <a:ea typeface="나눔스퀘어 Light" panose="020B0600000101010101" pitchFamily="50" charset="-127"/>
+              </a:rPr>
+              <a:t>, </a:t>
+            </a:r>
+            <a:r>
+              <a:rPr lang="ko-KR" altLang="en-US" dirty="0">
+                <a:latin typeface="나눔스퀘어 Light" panose="020B0600000101010101" pitchFamily="50" charset="-127"/>
+                <a:ea typeface="나눔스퀘어 Light" panose="020B0600000101010101" pitchFamily="50" charset="-127"/>
+              </a:rPr>
+              <a:t>방향에 대한 배열을 하나 </a:t>
+            </a:r>
+            <a:r>
+              <a:rPr lang="ko-KR" altLang="en-US" dirty="0" err="1">
+                <a:latin typeface="나눔스퀘어 Light" panose="020B0600000101010101" pitchFamily="50" charset="-127"/>
+                <a:ea typeface="나눔스퀘어 Light" panose="020B0600000101010101" pitchFamily="50" charset="-127"/>
+              </a:rPr>
+              <a:t>선언함으로서</a:t>
+            </a:r>
+            <a:r>
+              <a:rPr lang="ko-KR" altLang="en-US" dirty="0">
+                <a:latin typeface="나눔스퀘어 Light" panose="020B0600000101010101" pitchFamily="50" charset="-127"/>
+                <a:ea typeface="나눔스퀘어 Light" panose="020B0600000101010101" pitchFamily="50" charset="-127"/>
+              </a:rPr>
+              <a:t> </a:t>
+            </a:r>
+            <a:r>
+              <a:rPr lang="en-US" altLang="ko-KR" dirty="0">
+                <a:latin typeface="나눔스퀘어 Light" panose="020B0600000101010101" pitchFamily="50" charset="-127"/>
+                <a:ea typeface="나눔스퀘어 Light" panose="020B0600000101010101" pitchFamily="50" charset="-127"/>
+              </a:rPr>
+              <a:t>4</a:t>
+            </a:r>
+            <a:r>
+              <a:rPr lang="ko-KR" altLang="en-US" dirty="0">
+                <a:latin typeface="나눔스퀘어 Light" panose="020B0600000101010101" pitchFamily="50" charset="-127"/>
+                <a:ea typeface="나눔스퀘어 Light" panose="020B0600000101010101" pitchFamily="50" charset="-127"/>
+              </a:rPr>
+              <a:t>방향 </a:t>
+            </a:r>
+            <a:r>
+              <a:rPr lang="en-US" altLang="ko-KR" dirty="0">
+                <a:latin typeface="나눔스퀘어 Light" panose="020B0600000101010101" pitchFamily="50" charset="-127"/>
+                <a:ea typeface="나눔스퀘어 Light" panose="020B0600000101010101" pitchFamily="50" charset="-127"/>
+              </a:rPr>
+              <a:t>(</a:t>
+            </a:r>
+            <a:r>
+              <a:rPr lang="ko-KR" altLang="en-US" dirty="0">
+                <a:latin typeface="나눔스퀘어 Light" panose="020B0600000101010101" pitchFamily="50" charset="-127"/>
+                <a:ea typeface="나눔스퀘어 Light" panose="020B0600000101010101" pitchFamily="50" charset="-127"/>
+              </a:rPr>
+              <a:t>혹은 </a:t>
+            </a:r>
+            <a:r>
+              <a:rPr lang="en-US" altLang="ko-KR" dirty="0">
+                <a:latin typeface="나눔스퀘어 Light" panose="020B0600000101010101" pitchFamily="50" charset="-127"/>
+                <a:ea typeface="나눔스퀘어 Light" panose="020B0600000101010101" pitchFamily="50" charset="-127"/>
+              </a:rPr>
+              <a:t>+ a)</a:t>
+            </a:r>
+            <a:r>
+              <a:rPr lang="ko-KR" altLang="en-US" dirty="0">
+                <a:latin typeface="나눔스퀘어 Light" panose="020B0600000101010101" pitchFamily="50" charset="-127"/>
+                <a:ea typeface="나눔스퀘어 Light" panose="020B0600000101010101" pitchFamily="50" charset="-127"/>
+              </a:rPr>
+              <a:t>에 </a:t>
+            </a:r>
+          </a:p>
+        </p:txBody>
+      </p:sp>
+      <p:sp>
+        <p:nvSpPr>
+          <p:cNvPr id="6" name="TextBox 5">
+            <a:extLst>
+              <a:ext uri="{FF2B5EF4-FFF2-40B4-BE49-F238E27FC236}">
+                <a16:creationId xmlns:a16="http://schemas.microsoft.com/office/drawing/2014/main" id="{0A33B998-7BD0-7A70-EB64-3226B53BFDAD}"/>
+              </a:ext>
+            </a:extLst>
+          </p:cNvPr>
+          <p:cNvSpPr txBox="1"/>
+          <p:nvPr/>
+        </p:nvSpPr>
+        <p:spPr>
+          <a:xfrm>
+            <a:off x="942387" y="1928688"/>
+            <a:ext cx="10237694" cy="369332"/>
+          </a:xfrm>
+          <a:prstGeom prst="rect">
+            <a:avLst/>
+          </a:prstGeom>
+          <a:noFill/>
+        </p:spPr>
+        <p:txBody>
+          <a:bodyPr wrap="square" rtlCol="0">
+            <a:spAutoFit/>
+          </a:bodyPr>
+          <a:lstStyle/>
+          <a:p>
+            <a:r>
+              <a:rPr lang="ko-KR" altLang="en-US" dirty="0">
+                <a:latin typeface="나눔스퀘어 Light" panose="020B0600000101010101" pitchFamily="50" charset="-127"/>
+                <a:ea typeface="나눔스퀘어 Light" panose="020B0600000101010101" pitchFamily="50" charset="-127"/>
+              </a:rPr>
+              <a:t>대한 순회를 반복문으로 할 수 있습니다</a:t>
+            </a:r>
+            <a:r>
+              <a:rPr lang="en-US" altLang="ko-KR" dirty="0">
+                <a:latin typeface="나눔스퀘어 Light" panose="020B0600000101010101" pitchFamily="50" charset="-127"/>
+                <a:ea typeface="나눔스퀘어 Light" panose="020B0600000101010101" pitchFamily="50" charset="-127"/>
+              </a:rPr>
+              <a:t>.</a:t>
+            </a:r>
+            <a:endParaRPr lang="ko-KR" altLang="en-US" dirty="0">
+              <a:latin typeface="나눔스퀘어 Light" panose="020B0600000101010101" pitchFamily="50" charset="-127"/>
+              <a:ea typeface="나눔스퀘어 Light" panose="020B0600000101010101" pitchFamily="50" charset="-127"/>
+            </a:endParaRPr>
+          </a:p>
+        </p:txBody>
+      </p:sp>
+      <p:pic>
+        <p:nvPicPr>
+          <p:cNvPr id="8" name="그림 7">
+            <a:extLst>
+              <a:ext uri="{FF2B5EF4-FFF2-40B4-BE49-F238E27FC236}">
+                <a16:creationId xmlns:a16="http://schemas.microsoft.com/office/drawing/2014/main" id="{92646FC3-D541-C3A9-40FF-17ACC02D6A6F}"/>
+              </a:ext>
+            </a:extLst>
+          </p:cNvPr>
+          <p:cNvPicPr>
+            <a:picLocks noChangeAspect="1"/>
+          </p:cNvPicPr>
+          <p:nvPr/>
+        </p:nvPicPr>
+        <p:blipFill>
+          <a:blip r:embed="rId2"/>
+          <a:stretch>
+            <a:fillRect/>
+          </a:stretch>
+        </p:blipFill>
+        <p:spPr>
+          <a:xfrm>
+            <a:off x="942387" y="2298019"/>
+            <a:ext cx="6917758" cy="3504271"/>
+          </a:xfrm>
+          <a:prstGeom prst="rect">
+            <a:avLst/>
+          </a:prstGeom>
+        </p:spPr>
+      </p:pic>
+    </p:spTree>
+    <p:extLst>
+      <p:ext uri="{BB962C8B-B14F-4D97-AF65-F5344CB8AC3E}">
+        <p14:creationId xmlns:p14="http://schemas.microsoft.com/office/powerpoint/2010/main" val="1503946329"/>
+      </p:ext>
+    </p:extLst>
+  </p:cSld>
+  <p:clrMapOvr>
+    <a:masterClrMapping/>
+  </p:clrMapOvr>
+</p:sld>
+</file>
+
+<file path=ppt/slides/slide51.xml><?xml version="1.0" encoding="utf-8"?>
+<p:sld xmlns:a="http://schemas.openxmlformats.org/drawingml/2006/main" xmlns:r="http://schemas.openxmlformats.org/officeDocument/2006/relationships" xmlns:p="http://schemas.openxmlformats.org/presentationml/2006/main">
+  <p:cSld>
+    <p:spTree>
+      <p:nvGrpSpPr>
+        <p:cNvPr id="1" name=""/>
+        <p:cNvGrpSpPr/>
+        <p:nvPr/>
+      </p:nvGrpSpPr>
+      <p:grpSpPr>
+        <a:xfrm>
+          <a:off x="0" y="0"/>
+          <a:ext cx="0" cy="0"/>
+          <a:chOff x="0" y="0"/>
+          <a:chExt cx="0" cy="0"/>
+        </a:xfrm>
+      </p:grpSpPr>
+      <p:cxnSp>
+        <p:nvCxnSpPr>
+          <p:cNvPr id="5" name="직선 연결선 4">
+            <a:extLst>
+              <a:ext uri="{FF2B5EF4-FFF2-40B4-BE49-F238E27FC236}">
+                <a16:creationId xmlns:a16="http://schemas.microsoft.com/office/drawing/2014/main" id="{164C2827-EFCE-69A4-D037-1A218415F568}"/>
+              </a:ext>
+            </a:extLst>
+          </p:cNvPr>
+          <p:cNvCxnSpPr/>
+          <p:nvPr/>
+        </p:nvCxnSpPr>
+        <p:spPr>
+          <a:xfrm>
+            <a:off x="0" y="887505"/>
+            <a:ext cx="10237694" cy="0"/>
+          </a:xfrm>
+          <a:prstGeom prst="line">
+            <a:avLst/>
+          </a:prstGeom>
+          <a:ln w="76200">
+            <a:solidFill>
+              <a:schemeClr val="tx1">
+                <a:lumMod val="75000"/>
+                <a:lumOff val="25000"/>
+              </a:schemeClr>
+            </a:solidFill>
+          </a:ln>
+        </p:spPr>
+        <p:style>
+          <a:lnRef idx="1">
+            <a:schemeClr val="accent1"/>
+          </a:lnRef>
+          <a:fillRef idx="0">
+            <a:schemeClr val="accent1"/>
+          </a:fillRef>
+          <a:effectRef idx="0">
+            <a:schemeClr val="accent1"/>
+          </a:effectRef>
+          <a:fontRef idx="minor">
+            <a:schemeClr val="tx1"/>
+          </a:fontRef>
+        </p:style>
+      </p:cxnSp>
+      <p:sp>
+        <p:nvSpPr>
+          <p:cNvPr id="3" name="TextBox 2">
+            <a:extLst>
+              <a:ext uri="{FF2B5EF4-FFF2-40B4-BE49-F238E27FC236}">
+                <a16:creationId xmlns:a16="http://schemas.microsoft.com/office/drawing/2014/main" id="{B3B954B2-DB7F-EEC1-438C-CB91D3B18AE1}"/>
+              </a:ext>
+            </a:extLst>
+          </p:cNvPr>
+          <p:cNvSpPr txBox="1"/>
+          <p:nvPr/>
+        </p:nvSpPr>
+        <p:spPr>
+          <a:xfrm>
+            <a:off x="331694" y="177505"/>
+            <a:ext cx="3899016" cy="523220"/>
+          </a:xfrm>
+          <a:prstGeom prst="rect">
+            <a:avLst/>
+          </a:prstGeom>
+          <a:noFill/>
+        </p:spPr>
+        <p:txBody>
+          <a:bodyPr wrap="none" rtlCol="0">
+            <a:spAutoFit/>
+          </a:bodyPr>
+          <a:lstStyle/>
+          <a:p>
+            <a:r>
+              <a:rPr lang="en-US" altLang="ko-KR" sz="2800" dirty="0">
+                <a:latin typeface="나눔스퀘어 Bold" panose="020B0600000101010101" pitchFamily="50" charset="-127"/>
+                <a:ea typeface="나눔스퀘어 Bold" panose="020B0600000101010101" pitchFamily="50" charset="-127"/>
+              </a:rPr>
+              <a:t>Graph – 2178 </a:t>
+            </a:r>
+            <a:r>
+              <a:rPr lang="ko-KR" altLang="en-US" sz="2800" dirty="0">
+                <a:latin typeface="나눔스퀘어 Bold" panose="020B0600000101010101" pitchFamily="50" charset="-127"/>
+                <a:ea typeface="나눔스퀘어 Bold" panose="020B0600000101010101" pitchFamily="50" charset="-127"/>
+              </a:rPr>
+              <a:t>미로 탐색</a:t>
+            </a:r>
+          </a:p>
+        </p:txBody>
+      </p:sp>
+      <p:sp>
+        <p:nvSpPr>
+          <p:cNvPr id="29" name="TextBox 28">
+            <a:extLst>
+              <a:ext uri="{FF2B5EF4-FFF2-40B4-BE49-F238E27FC236}">
+                <a16:creationId xmlns:a16="http://schemas.microsoft.com/office/drawing/2014/main" id="{7E33452F-38D4-A195-C6CD-AF9182BC40E8}"/>
+              </a:ext>
+            </a:extLst>
+          </p:cNvPr>
+          <p:cNvSpPr txBox="1"/>
+          <p:nvPr/>
+        </p:nvSpPr>
+        <p:spPr>
+          <a:xfrm>
+            <a:off x="8968509" y="1190024"/>
+            <a:ext cx="2211572" cy="369332"/>
+          </a:xfrm>
+          <a:prstGeom prst="rect">
+            <a:avLst/>
+          </a:prstGeom>
+          <a:noFill/>
+        </p:spPr>
+        <p:txBody>
+          <a:bodyPr wrap="square" rtlCol="0">
+            <a:spAutoFit/>
+          </a:bodyPr>
+          <a:lstStyle/>
+          <a:p>
+            <a:r>
+              <a:rPr lang="ko-KR" altLang="en-US" dirty="0">
+                <a:latin typeface="나눔스퀘어 Light" panose="020B0600000101010101" pitchFamily="50" charset="-127"/>
+                <a:ea typeface="나눔스퀘어 Light" panose="020B0600000101010101" pitchFamily="50" charset="-127"/>
+              </a:rPr>
+              <a:t>이제 문제를</a:t>
+            </a:r>
+          </a:p>
+        </p:txBody>
+      </p:sp>
+      <p:sp>
+        <p:nvSpPr>
+          <p:cNvPr id="11" name="TextBox 10">
+            <a:extLst>
+              <a:ext uri="{FF2B5EF4-FFF2-40B4-BE49-F238E27FC236}">
+                <a16:creationId xmlns:a16="http://schemas.microsoft.com/office/drawing/2014/main" id="{78FDE11A-7806-2383-B197-594064EA2DB6}"/>
+              </a:ext>
+            </a:extLst>
+          </p:cNvPr>
+          <p:cNvSpPr txBox="1"/>
+          <p:nvPr/>
+        </p:nvSpPr>
+        <p:spPr>
+          <a:xfrm>
+            <a:off x="8968509" y="1559356"/>
+            <a:ext cx="2211572" cy="369332"/>
+          </a:xfrm>
+          <a:prstGeom prst="rect">
+            <a:avLst/>
+          </a:prstGeom>
+          <a:noFill/>
+        </p:spPr>
+        <p:txBody>
+          <a:bodyPr wrap="square" rtlCol="0">
+            <a:spAutoFit/>
+          </a:bodyPr>
+          <a:lstStyle/>
+          <a:p>
+            <a:r>
+              <a:rPr lang="ko-KR" altLang="en-US" dirty="0">
+                <a:latin typeface="나눔스퀘어 Light" panose="020B0600000101010101" pitchFamily="50" charset="-127"/>
+                <a:ea typeface="나눔스퀘어 Light" panose="020B0600000101010101" pitchFamily="50" charset="-127"/>
+              </a:rPr>
+              <a:t>깔끔하게</a:t>
+            </a:r>
+            <a:r>
+              <a:rPr lang="en-US" altLang="ko-KR" dirty="0">
+                <a:latin typeface="나눔스퀘어 Light" panose="020B0600000101010101" pitchFamily="50" charset="-127"/>
+                <a:ea typeface="나눔스퀘어 Light" panose="020B0600000101010101" pitchFamily="50" charset="-127"/>
+              </a:rPr>
+              <a:t>(?)</a:t>
+            </a:r>
+            <a:endParaRPr lang="ko-KR" altLang="en-US" dirty="0">
+              <a:latin typeface="나눔스퀘어 Light" panose="020B0600000101010101" pitchFamily="50" charset="-127"/>
+              <a:ea typeface="나눔스퀘어 Light" panose="020B0600000101010101" pitchFamily="50" charset="-127"/>
+            </a:endParaRPr>
+          </a:p>
+        </p:txBody>
+      </p:sp>
+      <p:sp>
+        <p:nvSpPr>
+          <p:cNvPr id="12" name="TextBox 11">
+            <a:extLst>
+              <a:ext uri="{FF2B5EF4-FFF2-40B4-BE49-F238E27FC236}">
+                <a16:creationId xmlns:a16="http://schemas.microsoft.com/office/drawing/2014/main" id="{58B77575-DFD3-F602-B677-E9A9139D97EB}"/>
+              </a:ext>
+            </a:extLst>
+          </p:cNvPr>
+          <p:cNvSpPr txBox="1"/>
+          <p:nvPr/>
+        </p:nvSpPr>
+        <p:spPr>
+          <a:xfrm>
+            <a:off x="8968509" y="1928688"/>
+            <a:ext cx="2211572" cy="369332"/>
+          </a:xfrm>
+          <a:prstGeom prst="rect">
+            <a:avLst/>
+          </a:prstGeom>
+          <a:noFill/>
+        </p:spPr>
+        <p:txBody>
+          <a:bodyPr wrap="square" rtlCol="0">
+            <a:spAutoFit/>
+          </a:bodyPr>
+          <a:lstStyle/>
+          <a:p>
+            <a:r>
+              <a:rPr lang="ko-KR" altLang="en-US" dirty="0">
+                <a:latin typeface="나눔스퀘어 Light" panose="020B0600000101010101" pitchFamily="50" charset="-127"/>
+                <a:ea typeface="나눔스퀘어 Light" panose="020B0600000101010101" pitchFamily="50" charset="-127"/>
+              </a:rPr>
+              <a:t>풀 수 있겠네요</a:t>
+            </a:r>
+            <a:r>
+              <a:rPr lang="en-US" altLang="ko-KR" dirty="0">
+                <a:latin typeface="나눔스퀘어 Light" panose="020B0600000101010101" pitchFamily="50" charset="-127"/>
+                <a:ea typeface="나눔스퀘어 Light" panose="020B0600000101010101" pitchFamily="50" charset="-127"/>
+              </a:rPr>
+              <a:t>.</a:t>
+            </a:r>
+            <a:endParaRPr lang="ko-KR" altLang="en-US" dirty="0">
+              <a:latin typeface="나눔스퀘어 Light" panose="020B0600000101010101" pitchFamily="50" charset="-127"/>
+              <a:ea typeface="나눔스퀘어 Light" panose="020B0600000101010101" pitchFamily="50" charset="-127"/>
+            </a:endParaRPr>
+          </a:p>
+        </p:txBody>
+      </p:sp>
+      <p:pic>
+        <p:nvPicPr>
+          <p:cNvPr id="14" name="그림 13">
+            <a:extLst>
+              <a:ext uri="{FF2B5EF4-FFF2-40B4-BE49-F238E27FC236}">
+                <a16:creationId xmlns:a16="http://schemas.microsoft.com/office/drawing/2014/main" id="{2CF20928-0819-08F3-53AA-9B7C0CC4531A}"/>
+              </a:ext>
+            </a:extLst>
+          </p:cNvPr>
+          <p:cNvPicPr>
+            <a:picLocks noChangeAspect="1"/>
+          </p:cNvPicPr>
+          <p:nvPr/>
+        </p:nvPicPr>
+        <p:blipFill>
+          <a:blip r:embed="rId2"/>
+          <a:stretch>
+            <a:fillRect/>
+          </a:stretch>
+        </p:blipFill>
+        <p:spPr>
+          <a:xfrm>
+            <a:off x="331694" y="930245"/>
+            <a:ext cx="8184233" cy="5907416"/>
+          </a:xfrm>
+          <a:prstGeom prst="rect">
+            <a:avLst/>
+          </a:prstGeom>
+        </p:spPr>
+      </p:pic>
+    </p:spTree>
+    <p:extLst>
+      <p:ext uri="{BB962C8B-B14F-4D97-AF65-F5344CB8AC3E}">
+        <p14:creationId xmlns:p14="http://schemas.microsoft.com/office/powerpoint/2010/main" val="2911154512"/>
+      </p:ext>
+    </p:extLst>
+  </p:cSld>
+  <p:clrMapOvr>
+    <a:masterClrMapping/>
+  </p:clrMapOvr>
+</p:sld>
+</file>
+
+<file path=ppt/slides/slide52.xml><?xml version="1.0" encoding="utf-8"?>
+<p:sld xmlns:a="http://schemas.openxmlformats.org/drawingml/2006/main" xmlns:r="http://schemas.openxmlformats.org/officeDocument/2006/relationships" xmlns:p="http://schemas.openxmlformats.org/presentationml/2006/main">
+  <p:cSld>
+    <p:spTree>
+      <p:nvGrpSpPr>
+        <p:cNvPr id="1" name=""/>
+        <p:cNvGrpSpPr/>
+        <p:nvPr/>
+      </p:nvGrpSpPr>
+      <p:grpSpPr>
+        <a:xfrm>
+          <a:off x="0" y="0"/>
+          <a:ext cx="0" cy="0"/>
+          <a:chOff x="0" y="0"/>
+          <a:chExt cx="0" cy="0"/>
+        </a:xfrm>
+      </p:grpSpPr>
+      <p:cxnSp>
+        <p:nvCxnSpPr>
+          <p:cNvPr id="5" name="직선 연결선 4">
+            <a:extLst>
+              <a:ext uri="{FF2B5EF4-FFF2-40B4-BE49-F238E27FC236}">
+                <a16:creationId xmlns:a16="http://schemas.microsoft.com/office/drawing/2014/main" id="{164C2827-EFCE-69A4-D037-1A218415F568}"/>
+              </a:ext>
+            </a:extLst>
+          </p:cNvPr>
+          <p:cNvCxnSpPr/>
+          <p:nvPr/>
+        </p:nvCxnSpPr>
+        <p:spPr>
+          <a:xfrm>
+            <a:off x="0" y="887505"/>
+            <a:ext cx="10237694" cy="0"/>
+          </a:xfrm>
+          <a:prstGeom prst="line">
+            <a:avLst/>
+          </a:prstGeom>
+          <a:ln w="76200">
+            <a:solidFill>
+              <a:schemeClr val="tx1">
+                <a:lumMod val="75000"/>
+                <a:lumOff val="25000"/>
+              </a:schemeClr>
+            </a:solidFill>
+          </a:ln>
+        </p:spPr>
+        <p:style>
+          <a:lnRef idx="1">
+            <a:schemeClr val="accent1"/>
+          </a:lnRef>
+          <a:fillRef idx="0">
+            <a:schemeClr val="accent1"/>
+          </a:fillRef>
+          <a:effectRef idx="0">
+            <a:schemeClr val="accent1"/>
+          </a:effectRef>
+          <a:fontRef idx="minor">
+            <a:schemeClr val="tx1"/>
+          </a:fontRef>
+        </p:style>
+      </p:cxnSp>
+      <p:sp>
+        <p:nvSpPr>
+          <p:cNvPr id="6" name="TextBox 5">
+            <a:extLst>
+              <a:ext uri="{FF2B5EF4-FFF2-40B4-BE49-F238E27FC236}">
+                <a16:creationId xmlns:a16="http://schemas.microsoft.com/office/drawing/2014/main" id="{908ED9B9-09D3-CFA8-625A-6F9BB9B6BD23}"/>
+              </a:ext>
+            </a:extLst>
+          </p:cNvPr>
+          <p:cNvSpPr txBox="1"/>
+          <p:nvPr/>
+        </p:nvSpPr>
+        <p:spPr>
+          <a:xfrm>
+            <a:off x="331694" y="177505"/>
+            <a:ext cx="2006190" cy="523220"/>
+          </a:xfrm>
+          <a:prstGeom prst="rect">
+            <a:avLst/>
+          </a:prstGeom>
+          <a:noFill/>
+        </p:spPr>
+        <p:txBody>
+          <a:bodyPr wrap="none" rtlCol="0">
+            <a:spAutoFit/>
+          </a:bodyPr>
+          <a:lstStyle/>
+          <a:p>
+            <a:r>
+              <a:rPr lang="en-US" altLang="ko-KR" sz="2800" dirty="0">
+                <a:latin typeface="나눔스퀘어 Bold" panose="020B0600000101010101" pitchFamily="50" charset="-127"/>
+                <a:ea typeface="나눔스퀘어 Bold" panose="020B0600000101010101" pitchFamily="50" charset="-127"/>
+              </a:rPr>
+              <a:t>Homework</a:t>
+            </a:r>
+            <a:endParaRPr lang="ko-KR" altLang="en-US" sz="2800" dirty="0">
+              <a:latin typeface="나눔스퀘어 Bold" panose="020B0600000101010101" pitchFamily="50" charset="-127"/>
+              <a:ea typeface="나눔스퀘어 Bold" panose="020B0600000101010101" pitchFamily="50" charset="-127"/>
+            </a:endParaRPr>
+          </a:p>
+        </p:txBody>
+      </p:sp>
+      <p:sp>
+        <p:nvSpPr>
+          <p:cNvPr id="7" name="TextBox 6">
+            <a:extLst>
+              <a:ext uri="{FF2B5EF4-FFF2-40B4-BE49-F238E27FC236}">
+                <a16:creationId xmlns:a16="http://schemas.microsoft.com/office/drawing/2014/main" id="{DD092523-43DA-0A5F-0C04-8239F4BF07FC}"/>
+              </a:ext>
+            </a:extLst>
+          </p:cNvPr>
+          <p:cNvSpPr txBox="1"/>
+          <p:nvPr/>
+        </p:nvSpPr>
+        <p:spPr>
+          <a:xfrm>
+            <a:off x="942387" y="1661364"/>
+            <a:ext cx="8553305" cy="369332"/>
+          </a:xfrm>
+          <a:prstGeom prst="rect">
+            <a:avLst/>
+          </a:prstGeom>
+          <a:noFill/>
+        </p:spPr>
+        <p:txBody>
+          <a:bodyPr wrap="square" rtlCol="0">
+            <a:spAutoFit/>
+          </a:bodyPr>
+          <a:lstStyle/>
+          <a:p>
+            <a:r>
+              <a:rPr lang="en-US" altLang="ko-KR" dirty="0">
+                <a:latin typeface="나눔스퀘어 Light" panose="020B0600000101010101" pitchFamily="50" charset="-127"/>
+                <a:ea typeface="나눔스퀘어 Light" panose="020B0600000101010101" pitchFamily="50" charset="-127"/>
+              </a:rPr>
+              <a:t>1. 18126 </a:t>
+            </a:r>
+            <a:r>
+              <a:rPr lang="ko-KR" altLang="en-US" dirty="0">
+                <a:latin typeface="나눔스퀘어 Light" panose="020B0600000101010101" pitchFamily="50" charset="-127"/>
+                <a:ea typeface="나눔스퀘어 Light" panose="020B0600000101010101" pitchFamily="50" charset="-127"/>
+              </a:rPr>
+              <a:t>너구리 구구</a:t>
+            </a:r>
+          </a:p>
+        </p:txBody>
+      </p:sp>
+      <p:sp>
+        <p:nvSpPr>
+          <p:cNvPr id="8" name="TextBox 7">
+            <a:extLst>
+              <a:ext uri="{FF2B5EF4-FFF2-40B4-BE49-F238E27FC236}">
+                <a16:creationId xmlns:a16="http://schemas.microsoft.com/office/drawing/2014/main" id="{80045CCB-6E92-45F3-05E2-D9718BBAEE86}"/>
+              </a:ext>
+            </a:extLst>
+          </p:cNvPr>
+          <p:cNvSpPr txBox="1"/>
+          <p:nvPr/>
+        </p:nvSpPr>
+        <p:spPr>
+          <a:xfrm>
+            <a:off x="942387" y="2030696"/>
+            <a:ext cx="8553305" cy="369332"/>
+          </a:xfrm>
+          <a:prstGeom prst="rect">
+            <a:avLst/>
+          </a:prstGeom>
+          <a:noFill/>
+        </p:spPr>
+        <p:txBody>
+          <a:bodyPr wrap="square" rtlCol="0">
+            <a:spAutoFit/>
+          </a:bodyPr>
+          <a:lstStyle/>
+          <a:p>
+            <a:r>
+              <a:rPr lang="en-US" altLang="ko-KR" dirty="0">
+                <a:latin typeface="나눔스퀘어 Light" panose="020B0600000101010101" pitchFamily="50" charset="-127"/>
+                <a:ea typeface="나눔스퀘어 Light" panose="020B0600000101010101" pitchFamily="50" charset="-127"/>
+              </a:rPr>
+              <a:t>2. 1697 </a:t>
+            </a:r>
+            <a:r>
+              <a:rPr lang="ko-KR" altLang="en-US" dirty="0">
+                <a:latin typeface="나눔스퀘어 Light" panose="020B0600000101010101" pitchFamily="50" charset="-127"/>
+                <a:ea typeface="나눔스퀘어 Light" panose="020B0600000101010101" pitchFamily="50" charset="-127"/>
+              </a:rPr>
+              <a:t>숨바꼭질</a:t>
+            </a:r>
+          </a:p>
+        </p:txBody>
+      </p:sp>
+      <p:sp>
+        <p:nvSpPr>
+          <p:cNvPr id="9" name="TextBox 8">
+            <a:extLst>
+              <a:ext uri="{FF2B5EF4-FFF2-40B4-BE49-F238E27FC236}">
+                <a16:creationId xmlns:a16="http://schemas.microsoft.com/office/drawing/2014/main" id="{F3F091EF-3E70-16E8-983D-D9C14C2EAD61}"/>
+              </a:ext>
+            </a:extLst>
+          </p:cNvPr>
+          <p:cNvSpPr txBox="1"/>
+          <p:nvPr/>
+        </p:nvSpPr>
+        <p:spPr>
+          <a:xfrm>
+            <a:off x="942387" y="1190024"/>
+            <a:ext cx="8553305" cy="369332"/>
+          </a:xfrm>
+          <a:prstGeom prst="rect">
+            <a:avLst/>
+          </a:prstGeom>
+          <a:noFill/>
+        </p:spPr>
+        <p:txBody>
+          <a:bodyPr wrap="square" rtlCol="0">
+            <a:spAutoFit/>
+          </a:bodyPr>
+          <a:lstStyle/>
+          <a:p>
+            <a:r>
+              <a:rPr lang="ko-KR" altLang="en-US" dirty="0">
+                <a:latin typeface="나눔스퀘어 Bold" panose="020B0600000101010101" pitchFamily="50" charset="-127"/>
+                <a:ea typeface="나눔스퀘어 Bold" panose="020B0600000101010101" pitchFamily="50" charset="-127"/>
+              </a:rPr>
+              <a:t>아래 문제들에 대해 스스로 생각하고 풀어보세요</a:t>
+            </a:r>
+            <a:r>
+              <a:rPr lang="en-US" altLang="ko-KR" dirty="0">
+                <a:latin typeface="나눔스퀘어 Bold" panose="020B0600000101010101" pitchFamily="50" charset="-127"/>
+                <a:ea typeface="나눔스퀘어 Bold" panose="020B0600000101010101" pitchFamily="50" charset="-127"/>
+              </a:rPr>
+              <a:t>.</a:t>
+            </a:r>
+            <a:r>
+              <a:rPr lang="ko-KR" altLang="en-US" dirty="0">
+                <a:latin typeface="나눔스퀘어 Bold" panose="020B0600000101010101" pitchFamily="50" charset="-127"/>
+                <a:ea typeface="나눔스퀘어 Bold" panose="020B0600000101010101" pitchFamily="50" charset="-127"/>
+              </a:rPr>
+              <a:t> </a:t>
+            </a:r>
+            <a:r>
+              <a:rPr lang="en-US" altLang="ko-KR" dirty="0">
+                <a:latin typeface="나눔스퀘어 Bold" panose="020B0600000101010101" pitchFamily="50" charset="-127"/>
+                <a:ea typeface="나눔스퀘어 Bold" panose="020B0600000101010101" pitchFamily="50" charset="-127"/>
+              </a:rPr>
+              <a:t>(</a:t>
+            </a:r>
+            <a:r>
+              <a:rPr lang="ko-KR" altLang="en-US" dirty="0">
+                <a:latin typeface="나눔스퀘어 Bold" panose="020B0600000101010101" pitchFamily="50" charset="-127"/>
+                <a:ea typeface="나눔스퀘어 Bold" panose="020B0600000101010101" pitchFamily="50" charset="-127"/>
+              </a:rPr>
+              <a:t>해설은 따로 진행하진 않겠습니다</a:t>
+            </a:r>
+            <a:r>
+              <a:rPr lang="en-US" altLang="ko-KR" dirty="0">
+                <a:latin typeface="나눔스퀘어 Bold" panose="020B0600000101010101" pitchFamily="50" charset="-127"/>
+                <a:ea typeface="나눔스퀘어 Bold" panose="020B0600000101010101" pitchFamily="50" charset="-127"/>
+              </a:rPr>
+              <a:t>.)</a:t>
+            </a:r>
+            <a:endParaRPr lang="ko-KR" altLang="en-US" dirty="0">
+              <a:latin typeface="나눔스퀘어 Bold" panose="020B0600000101010101" pitchFamily="50" charset="-127"/>
+              <a:ea typeface="나눔스퀘어 Bold" panose="020B0600000101010101" pitchFamily="50" charset="-127"/>
+            </a:endParaRPr>
+          </a:p>
+        </p:txBody>
+      </p:sp>
+      <p:sp>
+        <p:nvSpPr>
+          <p:cNvPr id="2" name="TextBox 1">
+            <a:extLst>
+              <a:ext uri="{FF2B5EF4-FFF2-40B4-BE49-F238E27FC236}">
+                <a16:creationId xmlns:a16="http://schemas.microsoft.com/office/drawing/2014/main" id="{807C3CD1-8E1B-427F-230D-9C7C2837C1F2}"/>
+              </a:ext>
+            </a:extLst>
+          </p:cNvPr>
+          <p:cNvSpPr txBox="1"/>
+          <p:nvPr/>
+        </p:nvSpPr>
+        <p:spPr>
+          <a:xfrm>
+            <a:off x="942387" y="2400024"/>
+            <a:ext cx="8553305" cy="369332"/>
+          </a:xfrm>
+          <a:prstGeom prst="rect">
+            <a:avLst/>
+          </a:prstGeom>
+          <a:noFill/>
+        </p:spPr>
+        <p:txBody>
+          <a:bodyPr wrap="square" rtlCol="0">
+            <a:spAutoFit/>
+          </a:bodyPr>
+          <a:lstStyle/>
+          <a:p>
+            <a:r>
+              <a:rPr lang="en-US" altLang="ko-KR" dirty="0">
+                <a:latin typeface="나눔스퀘어 Light" panose="020B0600000101010101" pitchFamily="50" charset="-127"/>
+                <a:ea typeface="나눔스퀘어 Light" panose="020B0600000101010101" pitchFamily="50" charset="-127"/>
+              </a:rPr>
+              <a:t>3. 11724 </a:t>
+            </a:r>
+            <a:r>
+              <a:rPr lang="ko-KR" altLang="en-US" dirty="0">
+                <a:latin typeface="나눔스퀘어 Light" panose="020B0600000101010101" pitchFamily="50" charset="-127"/>
+                <a:ea typeface="나눔스퀘어 Light" panose="020B0600000101010101" pitchFamily="50" charset="-127"/>
+              </a:rPr>
+              <a:t>연결 요소의 개수</a:t>
+            </a:r>
+          </a:p>
+        </p:txBody>
+      </p:sp>
+    </p:spTree>
+    <p:extLst>
+      <p:ext uri="{BB962C8B-B14F-4D97-AF65-F5344CB8AC3E}">
+        <p14:creationId xmlns:p14="http://schemas.microsoft.com/office/powerpoint/2010/main" val="732558497"/>
       </p:ext>
     </p:extLst>
   </p:cSld>
